--- a/Vortrag1.pptx
+++ b/Vortrag1.pptx
@@ -12,10 +12,9 @@
     <p:sldId id="258" r:id="rId6"/>
     <p:sldId id="260" r:id="rId7"/>
     <p:sldId id="259" r:id="rId8"/>
-    <p:sldId id="262" r:id="rId9"/>
-    <p:sldId id="263" r:id="rId10"/>
-    <p:sldId id="264" r:id="rId11"/>
-    <p:sldId id="261" r:id="rId12"/>
+    <p:sldId id="263" r:id="rId9"/>
+    <p:sldId id="264" r:id="rId10"/>
+    <p:sldId id="261" r:id="rId11"/>
   </p:sldIdLst>
   <p:sldSz cx="12192000" cy="6858000"/>
   <p:notesSz cx="6858000" cy="9144000"/>
@@ -264,7 +263,7 @@
           <a:p>
             <a:fld id="{DADE5541-CCBC-45F8-BFC8-A72604CF239D}" type="datetimeFigureOut">
               <a:rPr lang="de-DE" smtClean="0"/>
-              <a:t>12.05.2019</a:t>
+              <a:t>13.05.2019</a:t>
             </a:fld>
             <a:endParaRPr lang="de-DE"/>
           </a:p>
@@ -434,7 +433,7 @@
           <a:p>
             <a:fld id="{DADE5541-CCBC-45F8-BFC8-A72604CF239D}" type="datetimeFigureOut">
               <a:rPr lang="de-DE" smtClean="0"/>
-              <a:t>12.05.2019</a:t>
+              <a:t>13.05.2019</a:t>
             </a:fld>
             <a:endParaRPr lang="de-DE"/>
           </a:p>
@@ -614,7 +613,7 @@
           <a:p>
             <a:fld id="{DADE5541-CCBC-45F8-BFC8-A72604CF239D}" type="datetimeFigureOut">
               <a:rPr lang="de-DE" smtClean="0"/>
-              <a:t>12.05.2019</a:t>
+              <a:t>13.05.2019</a:t>
             </a:fld>
             <a:endParaRPr lang="de-DE"/>
           </a:p>
@@ -817,7 +816,7 @@
           <a:p>
             <a:fld id="{DADE5541-CCBC-45F8-BFC8-A72604CF239D}" type="datetimeFigureOut">
               <a:rPr lang="de-DE" smtClean="0"/>
-              <a:t>12.05.2019</a:t>
+              <a:t>13.05.2019</a:t>
             </a:fld>
             <a:endParaRPr lang="de-DE"/>
           </a:p>
@@ -987,7 +986,7 @@
           <a:p>
             <a:fld id="{DADE5541-CCBC-45F8-BFC8-A72604CF239D}" type="datetimeFigureOut">
               <a:rPr lang="de-DE" smtClean="0"/>
-              <a:t>12.05.2019</a:t>
+              <a:t>13.05.2019</a:t>
             </a:fld>
             <a:endParaRPr lang="de-DE"/>
           </a:p>
@@ -1238,7 +1237,7 @@
           <a:p>
             <a:fld id="{DADE5541-CCBC-45F8-BFC8-A72604CF239D}" type="datetimeFigureOut">
               <a:rPr lang="de-DE" smtClean="0"/>
-              <a:t>12.05.2019</a:t>
+              <a:t>13.05.2019</a:t>
             </a:fld>
             <a:endParaRPr lang="de-DE"/>
           </a:p>
@@ -1470,7 +1469,7 @@
           <a:p>
             <a:fld id="{DADE5541-CCBC-45F8-BFC8-A72604CF239D}" type="datetimeFigureOut">
               <a:rPr lang="de-DE" smtClean="0"/>
-              <a:t>12.05.2019</a:t>
+              <a:t>13.05.2019</a:t>
             </a:fld>
             <a:endParaRPr lang="de-DE"/>
           </a:p>
@@ -1817,7 +1816,7 @@
           <a:p>
             <a:fld id="{DADE5541-CCBC-45F8-BFC8-A72604CF239D}" type="datetimeFigureOut">
               <a:rPr lang="de-DE" smtClean="0"/>
-              <a:t>12.05.2019</a:t>
+              <a:t>13.05.2019</a:t>
             </a:fld>
             <a:endParaRPr lang="de-DE"/>
           </a:p>
@@ -1935,7 +1934,7 @@
           <a:p>
             <a:fld id="{DADE5541-CCBC-45F8-BFC8-A72604CF239D}" type="datetimeFigureOut">
               <a:rPr lang="de-DE" smtClean="0"/>
-              <a:t>12.05.2019</a:t>
+              <a:t>13.05.2019</a:t>
             </a:fld>
             <a:endParaRPr lang="de-DE"/>
           </a:p>
@@ -2053,7 +2052,7 @@
           <a:p>
             <a:fld id="{DADE5541-CCBC-45F8-BFC8-A72604CF239D}" type="datetimeFigureOut">
               <a:rPr lang="de-DE" smtClean="0"/>
-              <a:t>12.05.2019</a:t>
+              <a:t>13.05.2019</a:t>
             </a:fld>
             <a:endParaRPr lang="de-DE"/>
           </a:p>
@@ -2337,7 +2336,7 @@
           <a:p>
             <a:fld id="{DADE5541-CCBC-45F8-BFC8-A72604CF239D}" type="datetimeFigureOut">
               <a:rPr lang="de-DE" smtClean="0"/>
-              <a:t>12.05.2019</a:t>
+              <a:t>13.05.2019</a:t>
             </a:fld>
             <a:endParaRPr lang="de-DE"/>
           </a:p>
@@ -2507,7 +2506,7 @@
           <a:p>
             <a:fld id="{DADE5541-CCBC-45F8-BFC8-A72604CF239D}" type="datetimeFigureOut">
               <a:rPr lang="de-DE" smtClean="0"/>
-              <a:t>12.05.2019</a:t>
+              <a:t>13.05.2019</a:t>
             </a:fld>
             <a:endParaRPr lang="de-DE"/>
           </a:p>
@@ -2771,7 +2770,7 @@
           <a:p>
             <a:fld id="{DADE5541-CCBC-45F8-BFC8-A72604CF239D}" type="datetimeFigureOut">
               <a:rPr lang="de-DE" smtClean="0"/>
-              <a:t>12.05.2019</a:t>
+              <a:t>13.05.2019</a:t>
             </a:fld>
             <a:endParaRPr lang="de-DE"/>
           </a:p>
@@ -2941,7 +2940,7 @@
           <a:p>
             <a:fld id="{DADE5541-CCBC-45F8-BFC8-A72604CF239D}" type="datetimeFigureOut">
               <a:rPr lang="de-DE" smtClean="0"/>
-              <a:t>12.05.2019</a:t>
+              <a:t>13.05.2019</a:t>
             </a:fld>
             <a:endParaRPr lang="de-DE"/>
           </a:p>
@@ -3121,7 +3120,7 @@
           <a:p>
             <a:fld id="{DADE5541-CCBC-45F8-BFC8-A72604CF239D}" type="datetimeFigureOut">
               <a:rPr lang="de-DE" smtClean="0"/>
-              <a:t>12.05.2019</a:t>
+              <a:t>13.05.2019</a:t>
             </a:fld>
             <a:endParaRPr lang="de-DE"/>
           </a:p>
@@ -3408,7 +3407,7 @@
           <a:p>
             <a:fld id="{DADE5541-CCBC-45F8-BFC8-A72604CF239D}" type="datetimeFigureOut">
               <a:rPr lang="de-DE" smtClean="0"/>
-              <a:t>12.05.2019</a:t>
+              <a:t>13.05.2019</a:t>
             </a:fld>
             <a:endParaRPr lang="de-DE"/>
           </a:p>
@@ -3616,7 +3615,7 @@
           <a:p>
             <a:fld id="{DADE5541-CCBC-45F8-BFC8-A72604CF239D}" type="datetimeFigureOut">
               <a:rPr lang="de-DE" smtClean="0"/>
-              <a:t>12.05.2019</a:t>
+              <a:t>13.05.2019</a:t>
             </a:fld>
             <a:endParaRPr lang="de-DE"/>
           </a:p>
@@ -3959,7 +3958,7 @@
           <a:p>
             <a:fld id="{DADE5541-CCBC-45F8-BFC8-A72604CF239D}" type="datetimeFigureOut">
               <a:rPr lang="de-DE" smtClean="0"/>
-              <a:t>12.05.2019</a:t>
+              <a:t>13.05.2019</a:t>
             </a:fld>
             <a:endParaRPr lang="de-DE"/>
           </a:p>
@@ -4234,7 +4233,7 @@
           <a:p>
             <a:fld id="{DADE5541-CCBC-45F8-BFC8-A72604CF239D}" type="datetimeFigureOut">
               <a:rPr lang="de-DE" smtClean="0"/>
-              <a:t>12.05.2019</a:t>
+              <a:t>13.05.2019</a:t>
             </a:fld>
             <a:endParaRPr lang="de-DE"/>
           </a:p>
@@ -4613,7 +4612,7 @@
           <a:p>
             <a:fld id="{DADE5541-CCBC-45F8-BFC8-A72604CF239D}" type="datetimeFigureOut">
               <a:rPr lang="de-DE" smtClean="0"/>
-              <a:t>12.05.2019</a:t>
+              <a:t>13.05.2019</a:t>
             </a:fld>
             <a:endParaRPr lang="de-DE"/>
           </a:p>
@@ -4731,7 +4730,7 @@
           <a:p>
             <a:fld id="{DADE5541-CCBC-45F8-BFC8-A72604CF239D}" type="datetimeFigureOut">
               <a:rPr lang="de-DE" smtClean="0"/>
-              <a:t>12.05.2019</a:t>
+              <a:t>13.05.2019</a:t>
             </a:fld>
             <a:endParaRPr lang="de-DE"/>
           </a:p>
@@ -4902,7 +4901,7 @@
           <a:p>
             <a:fld id="{DADE5541-CCBC-45F8-BFC8-A72604CF239D}" type="datetimeFigureOut">
               <a:rPr lang="de-DE" smtClean="0"/>
-              <a:t>12.05.2019</a:t>
+              <a:t>13.05.2019</a:t>
             </a:fld>
             <a:endParaRPr lang="de-DE"/>
           </a:p>
@@ -5161,7 +5160,7 @@
           <a:p>
             <a:fld id="{DADE5541-CCBC-45F8-BFC8-A72604CF239D}" type="datetimeFigureOut">
               <a:rPr lang="de-DE" smtClean="0"/>
-              <a:t>12.05.2019</a:t>
+              <a:t>13.05.2019</a:t>
             </a:fld>
             <a:endParaRPr lang="de-DE"/>
           </a:p>
@@ -5507,7 +5506,7 @@
           <a:p>
             <a:fld id="{DADE5541-CCBC-45F8-BFC8-A72604CF239D}" type="datetimeFigureOut">
               <a:rPr lang="de-DE" smtClean="0"/>
-              <a:t>12.05.2019</a:t>
+              <a:t>13.05.2019</a:t>
             </a:fld>
             <a:endParaRPr lang="de-DE"/>
           </a:p>
@@ -5884,7 +5883,7 @@
           <a:p>
             <a:fld id="{DADE5541-CCBC-45F8-BFC8-A72604CF239D}" type="datetimeFigureOut">
               <a:rPr lang="de-DE" smtClean="0"/>
-              <a:t>12.05.2019</a:t>
+              <a:t>13.05.2019</a:t>
             </a:fld>
             <a:endParaRPr lang="de-DE"/>
           </a:p>
@@ -6054,7 +6053,7 @@
           <a:p>
             <a:fld id="{DADE5541-CCBC-45F8-BFC8-A72604CF239D}" type="datetimeFigureOut">
               <a:rPr lang="de-DE" smtClean="0"/>
-              <a:t>12.05.2019</a:t>
+              <a:t>13.05.2019</a:t>
             </a:fld>
             <a:endParaRPr lang="de-DE"/>
           </a:p>
@@ -6310,7 +6309,7 @@
           <a:p>
             <a:fld id="{DADE5541-CCBC-45F8-BFC8-A72604CF239D}" type="datetimeFigureOut">
               <a:rPr lang="de-DE" smtClean="0"/>
-              <a:t>12.05.2019</a:t>
+              <a:t>13.05.2019</a:t>
             </a:fld>
             <a:endParaRPr lang="de-DE"/>
           </a:p>
@@ -6542,7 +6541,7 @@
           <a:p>
             <a:fld id="{DADE5541-CCBC-45F8-BFC8-A72604CF239D}" type="datetimeFigureOut">
               <a:rPr lang="de-DE" smtClean="0"/>
-              <a:t>12.05.2019</a:t>
+              <a:t>13.05.2019</a:t>
             </a:fld>
             <a:endParaRPr lang="de-DE"/>
           </a:p>
@@ -6889,7 +6888,7 @@
           <a:p>
             <a:fld id="{DADE5541-CCBC-45F8-BFC8-A72604CF239D}" type="datetimeFigureOut">
               <a:rPr lang="de-DE" smtClean="0"/>
-              <a:t>12.05.2019</a:t>
+              <a:t>13.05.2019</a:t>
             </a:fld>
             <a:endParaRPr lang="de-DE"/>
           </a:p>
@@ -7007,7 +7006,7 @@
           <a:p>
             <a:fld id="{DADE5541-CCBC-45F8-BFC8-A72604CF239D}" type="datetimeFigureOut">
               <a:rPr lang="de-DE" smtClean="0"/>
-              <a:t>12.05.2019</a:t>
+              <a:t>13.05.2019</a:t>
             </a:fld>
             <a:endParaRPr lang="de-DE"/>
           </a:p>
@@ -7125,7 +7124,7 @@
           <a:p>
             <a:fld id="{DADE5541-CCBC-45F8-BFC8-A72604CF239D}" type="datetimeFigureOut">
               <a:rPr lang="de-DE" smtClean="0"/>
-              <a:t>12.05.2019</a:t>
+              <a:t>13.05.2019</a:t>
             </a:fld>
             <a:endParaRPr lang="de-DE"/>
           </a:p>
@@ -7409,7 +7408,7 @@
           <a:p>
             <a:fld id="{DADE5541-CCBC-45F8-BFC8-A72604CF239D}" type="datetimeFigureOut">
               <a:rPr lang="de-DE" smtClean="0"/>
-              <a:t>12.05.2019</a:t>
+              <a:t>13.05.2019</a:t>
             </a:fld>
             <a:endParaRPr lang="de-DE"/>
           </a:p>
@@ -7673,7 +7672,7 @@
           <a:p>
             <a:fld id="{DADE5541-CCBC-45F8-BFC8-A72604CF239D}" type="datetimeFigureOut">
               <a:rPr lang="de-DE" smtClean="0"/>
-              <a:t>12.05.2019</a:t>
+              <a:t>13.05.2019</a:t>
             </a:fld>
             <a:endParaRPr lang="de-DE"/>
           </a:p>
@@ -7887,7 +7886,7 @@
           <a:p>
             <a:fld id="{DADE5541-CCBC-45F8-BFC8-A72604CF239D}" type="datetimeFigureOut">
               <a:rPr lang="de-DE" smtClean="0"/>
-              <a:t>12.05.2019</a:t>
+              <a:t>13.05.2019</a:t>
             </a:fld>
             <a:endParaRPr lang="de-DE"/>
           </a:p>
@@ -8417,7 +8416,7 @@
           <a:p>
             <a:fld id="{DADE5541-CCBC-45F8-BFC8-A72604CF239D}" type="datetimeFigureOut">
               <a:rPr lang="de-DE" smtClean="0"/>
-              <a:t>12.05.2019</a:t>
+              <a:t>13.05.2019</a:t>
             </a:fld>
             <a:endParaRPr lang="de-DE"/>
           </a:p>
@@ -9020,7 +9019,7 @@
           <a:p>
             <a:fld id="{DADE5541-CCBC-45F8-BFC8-A72604CF239D}" type="datetimeFigureOut">
               <a:rPr lang="de-DE" smtClean="0"/>
-              <a:t>12.05.2019</a:t>
+              <a:t>13.05.2019</a:t>
             </a:fld>
             <a:endParaRPr lang="de-DE"/>
           </a:p>
@@ -9686,7 +9685,7 @@
         </p:blipFill>
         <p:spPr>
           <a:xfrm>
-            <a:off x="269240" y="1755557"/>
+            <a:off x="269240" y="1774607"/>
             <a:ext cx="4368800" cy="4368800"/>
           </a:xfrm>
           <a:prstGeom prst="rect">
@@ -9709,7 +9708,7 @@
         <p:spPr>
           <a:xfrm>
             <a:off x="4199890" y="2200275"/>
-            <a:ext cx="7728141" cy="3477875"/>
+            <a:ext cx="7728141" cy="4401205"/>
           </a:xfrm>
           <a:prstGeom prst="rect">
             <a:avLst/>
@@ -9723,14 +9722,38 @@
           <a:lstStyle/>
           <a:p>
             <a:r>
+              <a:rPr lang="de-DE" sz="2000" b="1" u="sng" dirty="0"/>
+              <a:t>Goal:</a:t>
+            </a:r>
+          </a:p>
+          <a:p>
+            <a:r>
+              <a:rPr lang="de-DE" sz="2000" dirty="0"/>
+              <a:t>Der Computer sagt uns, welche Zahlen in den Test-Bildern zu sehen sind,</a:t>
+            </a:r>
+          </a:p>
+          <a:p>
+            <a:r>
+              <a:rPr lang="de-DE" sz="2000" dirty="0"/>
+              <a:t>indem er sie mit den Trainings-Bildern vergleicht.</a:t>
+            </a:r>
+          </a:p>
+          <a:p>
+            <a:endParaRPr lang="de-DE" sz="2000" dirty="0"/>
+          </a:p>
+          <a:p>
+            <a:r>
+              <a:rPr lang="de-DE" sz="2000" dirty="0"/>
+              <a:t>Input:</a:t>
+            </a:r>
+          </a:p>
+          <a:p>
+            <a:r>
               <a:rPr lang="de-DE" sz="2000" dirty="0"/>
               <a:t>Bilder von handgeschriebene Zahlen: Zentriert und Grauskaliert</a:t>
             </a:r>
           </a:p>
           <a:p>
-            <a:endParaRPr lang="de-DE" sz="2000" dirty="0"/>
-          </a:p>
-          <a:p>
             <a:r>
               <a:rPr lang="de-DE" sz="2000" dirty="0"/>
               <a:t>Training </a:t>
@@ -9753,9 +9776,6 @@
             </a:r>
           </a:p>
           <a:p>
-            <a:endParaRPr lang="de-DE" sz="2000" dirty="0"/>
-          </a:p>
-          <a:p>
             <a:r>
               <a:rPr lang="de-DE" sz="2000" dirty="0"/>
               <a:t>Test </a:t>
@@ -9781,28 +9801,42 @@
             <a:endParaRPr lang="de-DE" sz="2000" dirty="0"/>
           </a:p>
           <a:p>
+            <a:r>
+              <a:rPr lang="de-DE" sz="2000" dirty="0"/>
+              <a:t>Output:</a:t>
+            </a:r>
+          </a:p>
+          <a:p>
+            <a:r>
+              <a:rPr lang="de-DE" sz="2000" dirty="0" err="1"/>
+              <a:t>Prediction</a:t>
+            </a:r>
+            <a:r>
+              <a:rPr lang="de-DE" sz="2000" dirty="0"/>
+              <a:t> </a:t>
+            </a:r>
+            <a:r>
+              <a:rPr lang="de-DE" sz="2000" dirty="0" err="1"/>
+              <a:t>of</a:t>
+            </a:r>
+            <a:r>
+              <a:rPr lang="de-DE" sz="2000" dirty="0"/>
+              <a:t> </a:t>
+            </a:r>
+            <a:r>
+              <a:rPr lang="de-DE" sz="2000" dirty="0" err="1"/>
+              <a:t>the</a:t>
+            </a:r>
             <a:endParaRPr lang="de-DE" sz="2000" dirty="0"/>
           </a:p>
           <a:p>
             <a:endParaRPr lang="de-DE" sz="2000" dirty="0"/>
           </a:p>
           <a:p>
-            <a:r>
-              <a:rPr lang="de-DE" sz="2000" b="1" u="sng" dirty="0"/>
-              <a:t>ZIEL:</a:t>
-            </a:r>
-          </a:p>
-          <a:p>
-            <a:r>
-              <a:rPr lang="de-DE" sz="2000" dirty="0"/>
-              <a:t>Der Computer sagt uns, welche Zahlen in den Test-Bildern zu sehen sind,</a:t>
-            </a:r>
-          </a:p>
-          <a:p>
-            <a:r>
-              <a:rPr lang="de-DE" sz="2000" dirty="0"/>
-              <a:t>indem er sie mit den Trainings-Bildern vergleicht.</a:t>
-            </a:r>
+            <a:endParaRPr lang="de-DE" sz="2000" dirty="0"/>
+          </a:p>
+          <a:p>
+            <a:endParaRPr lang="de-DE" sz="2000" dirty="0"/>
           </a:p>
         </p:txBody>
       </p:sp>
@@ -9852,14 +9886,19 @@
             <p:ph type="title"/>
           </p:nvPr>
         </p:nvSpPr>
-        <p:spPr/>
+        <p:spPr>
+          <a:xfrm>
+            <a:off x="1097280" y="248503"/>
+            <a:ext cx="10058400" cy="1450757"/>
+          </a:xfrm>
+        </p:spPr>
         <p:txBody>
           <a:bodyPr/>
           <a:lstStyle/>
           <a:p>
             <a:r>
               <a:rPr lang="de-DE" dirty="0"/>
-              <a:t>Umformung der Bilddatei</a:t>
+              <a:t>MNIST-Dataset</a:t>
             </a:r>
           </a:p>
         </p:txBody>
@@ -9915,7 +9954,7 @@
           <p:nvPr>
             <p:extLst>
               <p:ext uri="{D42A27DB-BD31-4B8C-83A1-F6EECF244321}">
-                <p14:modId xmlns:p14="http://schemas.microsoft.com/office/powerpoint/2010/main" val="196197801"/>
+                <p14:modId xmlns:p14="http://schemas.microsoft.com/office/powerpoint/2010/main" val="932169488"/>
               </p:ext>
             </p:extLst>
           </p:nvPr>
@@ -9994,7 +10033,7 @@
                       <a:pPr algn="ctr"/>
                       <a:r>
                         <a:rPr lang="de-DE" dirty="0"/>
-                        <a:t>Bild1</a:t>
+                        <a:t>Pixel1</a:t>
                       </a:r>
                     </a:p>
                   </a:txBody>
@@ -10008,7 +10047,7 @@
                       <a:pPr algn="ctr"/>
                       <a:r>
                         <a:rPr lang="de-DE" dirty="0"/>
-                        <a:t>Bild2</a:t>
+                        <a:t>Pixel2</a:t>
                       </a:r>
                     </a:p>
                   </a:txBody>
@@ -10022,7 +10061,7 @@
                       <a:pPr algn="ctr"/>
                       <a:r>
                         <a:rPr lang="de-DE" dirty="0"/>
-                        <a:t>Bild3</a:t>
+                        <a:t>Pixel3</a:t>
                       </a:r>
                     </a:p>
                   </a:txBody>
@@ -10036,7 +10075,7 @@
                       <a:pPr algn="ctr"/>
                       <a:r>
                         <a:rPr lang="de-DE" dirty="0"/>
-                        <a:t>Bild…</a:t>
+                        <a:t>Pixel…</a:t>
                       </a:r>
                     </a:p>
                   </a:txBody>
@@ -10050,7 +10089,7 @@
                       <a:pPr algn="ctr"/>
                       <a:r>
                         <a:rPr lang="de-DE" dirty="0"/>
-                        <a:t>Bild60000</a:t>
+                        <a:t>Pixel784</a:t>
                       </a:r>
                     </a:p>
                   </a:txBody>
@@ -10071,7 +10110,7 @@
                       <a:pPr algn="ctr"/>
                       <a:r>
                         <a:rPr lang="de-DE" dirty="0"/>
-                        <a:t>Pixel1</a:t>
+                        <a:t>Image1</a:t>
                       </a:r>
                     </a:p>
                   </a:txBody>
@@ -10162,7 +10201,7 @@
                       <a:pPr algn="ctr"/>
                       <a:r>
                         <a:rPr lang="de-DE" dirty="0"/>
-                        <a:t>Pixel2</a:t>
+                        <a:t>Image2</a:t>
                       </a:r>
                     </a:p>
                   </a:txBody>
@@ -10253,7 +10292,7 @@
                       <a:pPr algn="ctr"/>
                       <a:r>
                         <a:rPr lang="de-DE" dirty="0"/>
-                        <a:t>Pixel3</a:t>
+                        <a:t>Image3</a:t>
                       </a:r>
                     </a:p>
                   </a:txBody>
@@ -10344,7 +10383,7 @@
                       <a:pPr algn="ctr"/>
                       <a:r>
                         <a:rPr lang="de-DE" dirty="0"/>
-                        <a:t>Pixel4</a:t>
+                        <a:t>Image4</a:t>
                       </a:r>
                     </a:p>
                   </a:txBody>
@@ -10435,7 +10474,7 @@
                       <a:pPr algn="ctr"/>
                       <a:r>
                         <a:rPr lang="de-DE" dirty="0"/>
-                        <a:t>Pixel5</a:t>
+                        <a:t>Image5</a:t>
                       </a:r>
                     </a:p>
                   </a:txBody>
@@ -10526,7 +10565,7 @@
                       <a:pPr algn="ctr"/>
                       <a:r>
                         <a:rPr lang="de-DE" dirty="0"/>
-                        <a:t>Pixel…</a:t>
+                        <a:t>Image…</a:t>
                       </a:r>
                     </a:p>
                   </a:txBody>
@@ -10617,7 +10656,7 @@
                       <a:pPr algn="ctr"/>
                       <a:r>
                         <a:rPr lang="de-DE" dirty="0"/>
-                        <a:t>Pixel784</a:t>
+                        <a:t>Image x</a:t>
                       </a:r>
                     </a:p>
                   </a:txBody>
@@ -10779,12 +10818,84 @@
           <a:p>
             <a:pPr algn="ctr"/>
             <a:r>
+              <a:rPr lang="de-DE" sz="2000" dirty="0" err="1"/>
+              <a:t>We</a:t>
+            </a:r>
+            <a:r>
               <a:rPr lang="de-DE" sz="2000" dirty="0"/>
-              <a:t>In dieser Form liegen uns die Bilddateien vor</a:t>
-            </a:r>
-          </a:p>
-        </p:txBody>
-      </p:sp>
+              <a:t> </a:t>
+            </a:r>
+            <a:r>
+              <a:rPr lang="de-DE" sz="2000" dirty="0" err="1"/>
+              <a:t>see</a:t>
+            </a:r>
+            <a:r>
+              <a:rPr lang="de-DE" sz="2000" dirty="0"/>
+              <a:t> </a:t>
+            </a:r>
+            <a:r>
+              <a:rPr lang="de-DE" sz="2000" dirty="0" err="1"/>
+              <a:t>our</a:t>
+            </a:r>
+            <a:r>
+              <a:rPr lang="de-DE" sz="2000" dirty="0"/>
+              <a:t> image-</a:t>
+            </a:r>
+            <a:r>
+              <a:rPr lang="de-DE" sz="2000" dirty="0" err="1"/>
+              <a:t>data</a:t>
+            </a:r>
+            <a:r>
+              <a:rPr lang="de-DE" sz="2000" dirty="0"/>
+              <a:t> in </a:t>
+            </a:r>
+            <a:r>
+              <a:rPr lang="de-DE" sz="2000" dirty="0" err="1"/>
+              <a:t>this</a:t>
+            </a:r>
+            <a:r>
+              <a:rPr lang="de-DE" sz="2000" dirty="0"/>
+              <a:t> form</a:t>
+            </a:r>
+          </a:p>
+        </p:txBody>
+      </p:sp>
+      <p:pic>
+        <p:nvPicPr>
+          <p:cNvPr id="8" name="Grafik 7" descr="Ein Bild, das Gebäude enthält.&#10;&#10;Automatisch generierte Beschreibung">
+            <a:extLst>
+              <a:ext uri="{FF2B5EF4-FFF2-40B4-BE49-F238E27FC236}">
+                <a16:creationId xmlns:a16="http://schemas.microsoft.com/office/drawing/2014/main" id="{1D323D9C-FC8D-4439-91A6-7135C579E851}"/>
+              </a:ext>
+            </a:extLst>
+          </p:cNvPr>
+          <p:cNvPicPr>
+            <a:picLocks noChangeAspect="1"/>
+          </p:cNvPicPr>
+          <p:nvPr/>
+        </p:nvPicPr>
+        <p:blipFill>
+          <a:blip r:embed="rId3">
+            <a:extLst>
+              <a:ext uri="{28A0092B-C50C-407E-A947-70E740481C1C}">
+                <a14:useLocalDpi xmlns:a14="http://schemas.microsoft.com/office/drawing/2010/main" val="0"/>
+              </a:ext>
+            </a:extLst>
+          </a:blip>
+          <a:stretch>
+            <a:fillRect/>
+          </a:stretch>
+        </p:blipFill>
+        <p:spPr>
+          <a:xfrm>
+            <a:off x="4686299" y="2137470"/>
+            <a:ext cx="7229473" cy="3724078"/>
+          </a:xfrm>
+          <a:prstGeom prst="rect">
+            <a:avLst/>
+          </a:prstGeom>
+        </p:spPr>
+      </p:pic>
     </p:spTree>
     <p:extLst>
       <p:ext uri="{BB962C8B-B14F-4D97-AF65-F5344CB8AC3E}">
@@ -10795,6 +10906,127 @@
   <p:clrMapOvr>
     <a:masterClrMapping/>
   </p:clrMapOvr>
+  <p:timing>
+    <p:tnLst>
+      <p:par>
+        <p:cTn id="1" dur="indefinite" restart="never" nodeType="tmRoot">
+          <p:childTnLst>
+            <p:seq concurrent="1" nextAc="seek">
+              <p:cTn id="2" dur="indefinite" nodeType="mainSeq">
+                <p:childTnLst>
+                  <p:par>
+                    <p:cTn id="3" fill="hold">
+                      <p:stCondLst>
+                        <p:cond delay="indefinite"/>
+                      </p:stCondLst>
+                      <p:childTnLst>
+                        <p:par>
+                          <p:cTn id="4" fill="hold">
+                            <p:stCondLst>
+                              <p:cond delay="0"/>
+                            </p:stCondLst>
+                            <p:childTnLst>
+                              <p:par>
+                                <p:cTn id="5" presetID="10" presetClass="entr" presetSubtype="0" fill="hold" nodeType="clickEffect">
+                                  <p:stCondLst>
+                                    <p:cond delay="0"/>
+                                  </p:stCondLst>
+                                  <p:childTnLst>
+                                    <p:set>
+                                      <p:cBhvr>
+                                        <p:cTn id="6" dur="1" fill="hold">
+                                          <p:stCondLst>
+                                            <p:cond delay="0"/>
+                                          </p:stCondLst>
+                                        </p:cTn>
+                                        <p:tgtEl>
+                                          <p:spTgt spid="8"/>
+                                        </p:tgtEl>
+                                        <p:attrNameLst>
+                                          <p:attrName>style.visibility</p:attrName>
+                                        </p:attrNameLst>
+                                      </p:cBhvr>
+                                      <p:to>
+                                        <p:strVal val="visible"/>
+                                      </p:to>
+                                    </p:set>
+                                    <p:animEffect transition="in" filter="fade">
+                                      <p:cBhvr>
+                                        <p:cTn id="7" dur="500"/>
+                                        <p:tgtEl>
+                                          <p:spTgt spid="8"/>
+                                        </p:tgtEl>
+                                      </p:cBhvr>
+                                    </p:animEffect>
+                                  </p:childTnLst>
+                                </p:cTn>
+                              </p:par>
+                              <p:par>
+                                <p:cTn id="8" presetID="10" presetClass="entr" presetSubtype="0" fill="hold" grpId="0" nodeType="withEffect">
+                                  <p:stCondLst>
+                                    <p:cond delay="0"/>
+                                  </p:stCondLst>
+                                  <p:childTnLst>
+                                    <p:set>
+                                      <p:cBhvr>
+                                        <p:cTn id="9" dur="1" fill="hold">
+                                          <p:stCondLst>
+                                            <p:cond delay="0"/>
+                                          </p:stCondLst>
+                                        </p:cTn>
+                                        <p:tgtEl>
+                                          <p:spTgt spid="3"/>
+                                        </p:tgtEl>
+                                        <p:attrNameLst>
+                                          <p:attrName>style.visibility</p:attrName>
+                                        </p:attrNameLst>
+                                      </p:cBhvr>
+                                      <p:to>
+                                        <p:strVal val="visible"/>
+                                      </p:to>
+                                    </p:set>
+                                    <p:animEffect transition="in" filter="fade">
+                                      <p:cBhvr>
+                                        <p:cTn id="10" dur="500"/>
+                                        <p:tgtEl>
+                                          <p:spTgt spid="3"/>
+                                        </p:tgtEl>
+                                      </p:cBhvr>
+                                    </p:animEffect>
+                                  </p:childTnLst>
+                                </p:cTn>
+                              </p:par>
+                            </p:childTnLst>
+                          </p:cTn>
+                        </p:par>
+                      </p:childTnLst>
+                    </p:cTn>
+                  </p:par>
+                </p:childTnLst>
+              </p:cTn>
+              <p:prevCondLst>
+                <p:cond evt="onPrev" delay="0">
+                  <p:tgtEl>
+                    <p:sldTgt/>
+                  </p:tgtEl>
+                </p:cond>
+              </p:prevCondLst>
+              <p:nextCondLst>
+                <p:cond evt="onNext" delay="0">
+                  <p:tgtEl>
+                    <p:sldTgt/>
+                  </p:tgtEl>
+                </p:cond>
+              </p:nextCondLst>
+            </p:seq>
+          </p:childTnLst>
+        </p:cTn>
+      </p:par>
+    </p:tnLst>
+    <p:bldLst>
+      <p:bldP spid="3" grpId="0"/>
+    </p:bldLst>
+  </p:timing>
 </p:sld>
 </file>
 
@@ -10838,7 +11070,23 @@
           <a:p>
             <a:r>
               <a:rPr lang="de-DE" dirty="0"/>
-              <a:t>KNN</a:t>
+              <a:t>K </a:t>
+            </a:r>
+            <a:r>
+              <a:rPr lang="de-DE" dirty="0" err="1"/>
+              <a:t>Nearest</a:t>
+            </a:r>
+            <a:r>
+              <a:rPr lang="de-DE" dirty="0"/>
+              <a:t> </a:t>
+            </a:r>
+            <a:r>
+              <a:rPr lang="de-DE" dirty="0" err="1"/>
+              <a:t>Neighbour</a:t>
+            </a:r>
+            <a:r>
+              <a:rPr lang="de-DE" dirty="0"/>
+              <a:t> (KNN)</a:t>
             </a:r>
           </a:p>
         </p:txBody>
@@ -11597,7 +11845,7 @@
         <p:spPr>
           <a:xfrm flipH="1">
             <a:off x="6608444" y="2086123"/>
-            <a:ext cx="4823462" cy="3170099"/>
+            <a:ext cx="4823462" cy="2862322"/>
           </a:xfrm>
           <a:prstGeom prst="rect">
             <a:avLst/>
@@ -11611,8 +11859,28 @@
           <a:lstStyle/>
           <a:p>
             <a:r>
+              <a:rPr lang="de-DE" sz="2000" dirty="0" err="1"/>
+              <a:t>Which</a:t>
+            </a:r>
+            <a:r>
               <a:rPr lang="de-DE" sz="2000" dirty="0"/>
-              <a:t>K </a:t>
+              <a:t> K trainings-</a:t>
+            </a:r>
+            <a:r>
+              <a:rPr lang="de-DE" sz="2000" dirty="0" err="1"/>
+              <a:t>vectors</a:t>
+            </a:r>
+            <a:r>
+              <a:rPr lang="de-DE" sz="2000" dirty="0"/>
+              <a:t> </a:t>
+            </a:r>
+            <a:r>
+              <a:rPr lang="de-DE" sz="2000" dirty="0" err="1"/>
+              <a:t>are</a:t>
+            </a:r>
+            <a:r>
+              <a:rPr lang="de-DE" sz="2000" dirty="0"/>
+              <a:t> </a:t>
             </a:r>
             <a:r>
               <a:rPr lang="de-DE" sz="2000" dirty="0" err="1"/>
@@ -11624,11 +11892,43 @@
             </a:r>
             <a:r>
               <a:rPr lang="de-DE" sz="2000" dirty="0" err="1"/>
-              <a:t>neighbour</a:t>
+              <a:t>to</a:t>
             </a:r>
             <a:r>
               <a:rPr lang="de-DE" sz="2000" dirty="0"/>
-              <a:t>:</a:t>
+              <a:t> </a:t>
+            </a:r>
+            <a:r>
+              <a:rPr lang="de-DE" sz="2000" dirty="0" err="1"/>
+              <a:t>our</a:t>
+            </a:r>
+            <a:r>
+              <a:rPr lang="de-DE" sz="2000" dirty="0"/>
+              <a:t> test-</a:t>
+            </a:r>
+            <a:r>
+              <a:rPr lang="de-DE" sz="2000" dirty="0" err="1"/>
+              <a:t>vector</a:t>
+            </a:r>
+            <a:r>
+              <a:rPr lang="de-DE" sz="2000" dirty="0"/>
+              <a:t> (</a:t>
+            </a:r>
+            <a:r>
+              <a:rPr lang="de-DE" sz="2000" dirty="0" err="1"/>
+              <a:t>euclidian</a:t>
+            </a:r>
+            <a:r>
+              <a:rPr lang="de-DE" sz="2000" dirty="0"/>
+              <a:t> </a:t>
+            </a:r>
+            <a:r>
+              <a:rPr lang="de-DE" sz="2000" dirty="0" err="1"/>
+              <a:t>distance</a:t>
+            </a:r>
+            <a:r>
+              <a:rPr lang="de-DE" sz="2000" dirty="0"/>
+              <a:t>)</a:t>
             </a:r>
           </a:p>
           <a:p>
@@ -11637,7 +11937,71 @@
           <a:p>
             <a:r>
               <a:rPr lang="de-DE" sz="2000" dirty="0"/>
-              <a:t>Was sind die nächsten Trainings-Vektoren zu unserem Test-Vektor (Distanz) bzw. welche Trainings-Bilder sind am ähnlichsten zum Test-Bild.</a:t>
+              <a:t>-&gt; 	</a:t>
+            </a:r>
+            <a:r>
+              <a:rPr lang="de-DE" sz="2000" dirty="0" err="1"/>
+              <a:t>Which</a:t>
+            </a:r>
+            <a:r>
+              <a:rPr lang="de-DE" sz="2000" dirty="0"/>
+              <a:t> K </a:t>
+            </a:r>
+            <a:r>
+              <a:rPr lang="de-DE" sz="2000" dirty="0" err="1"/>
+              <a:t>trainingsimages</a:t>
+            </a:r>
+            <a:r>
+              <a:rPr lang="de-DE" sz="2000" dirty="0"/>
+              <a:t> </a:t>
+            </a:r>
+            <a:r>
+              <a:rPr lang="de-DE" sz="2000" dirty="0" err="1"/>
+              <a:t>is</a:t>
+            </a:r>
+            <a:r>
+              <a:rPr lang="de-DE" sz="2000" dirty="0"/>
+              <a:t> </a:t>
+            </a:r>
+            <a:r>
+              <a:rPr lang="de-DE" sz="2000" dirty="0" err="1"/>
+              <a:t>most</a:t>
+            </a:r>
+            <a:r>
+              <a:rPr lang="de-DE" sz="2000" dirty="0"/>
+              <a:t> 	</a:t>
+            </a:r>
+            <a:r>
+              <a:rPr lang="de-DE" sz="2000" dirty="0" err="1"/>
+              <a:t>similar</a:t>
+            </a:r>
+            <a:r>
+              <a:rPr lang="de-DE" sz="2000" dirty="0"/>
+              <a:t> </a:t>
+            </a:r>
+            <a:r>
+              <a:rPr lang="de-DE" sz="2000" dirty="0" err="1"/>
+              <a:t>to</a:t>
+            </a:r>
+            <a:r>
+              <a:rPr lang="de-DE" sz="2000" dirty="0"/>
+              <a:t> </a:t>
+            </a:r>
+            <a:r>
+              <a:rPr lang="de-DE" sz="2000" dirty="0" err="1"/>
+              <a:t>our</a:t>
+            </a:r>
+            <a:r>
+              <a:rPr lang="de-DE" sz="2000" dirty="0"/>
+              <a:t> </a:t>
+            </a:r>
+            <a:r>
+              <a:rPr lang="de-DE" sz="2000" dirty="0" err="1"/>
+              <a:t>testimage</a:t>
+            </a:r>
+            <a:r>
+              <a:rPr lang="de-DE" sz="2000" dirty="0"/>
+              <a:t>.</a:t>
             </a:r>
           </a:p>
           <a:p>
@@ -11649,13 +12013,74 @@
           <a:p>
             <a:r>
               <a:rPr lang="de-DE" sz="2000" dirty="0"/>
-              <a:t>Beispielhaft im 2 dimensionalen Raum</a:t>
-            </a:r>
-          </a:p>
-          <a:p>
+              <a:t>In </a:t>
+            </a:r>
+            <a:r>
+              <a:rPr lang="de-DE" sz="2000" dirty="0" err="1"/>
+              <a:t>this</a:t>
+            </a:r>
             <a:r>
               <a:rPr lang="de-DE" sz="2000" dirty="0"/>
-              <a:t>(in unserem Fall sind es 784)</a:t>
+              <a:t> </a:t>
+            </a:r>
+            <a:r>
+              <a:rPr lang="de-DE" sz="2000" dirty="0" err="1"/>
+              <a:t>example</a:t>
+            </a:r>
+            <a:r>
+              <a:rPr lang="de-DE" sz="2000" dirty="0"/>
+              <a:t> </a:t>
+            </a:r>
+            <a:r>
+              <a:rPr lang="de-DE" sz="2000" dirty="0" err="1"/>
+              <a:t>with</a:t>
+            </a:r>
+            <a:r>
+              <a:rPr lang="de-DE" sz="2000" dirty="0"/>
+              <a:t> 2 </a:t>
+            </a:r>
+            <a:r>
+              <a:rPr lang="de-DE" sz="2000" dirty="0" err="1"/>
+              <a:t>dimensions</a:t>
+            </a:r>
+            <a:endParaRPr lang="de-DE" sz="2000" dirty="0"/>
+          </a:p>
+          <a:p>
+            <a:r>
+              <a:rPr lang="de-DE" sz="2000" dirty="0"/>
+              <a:t>(</a:t>
+            </a:r>
+            <a:r>
+              <a:rPr lang="de-DE" sz="2000" dirty="0" err="1"/>
+              <a:t>our</a:t>
+            </a:r>
+            <a:r>
+              <a:rPr lang="de-DE" sz="2000" dirty="0"/>
+              <a:t> </a:t>
+            </a:r>
+            <a:r>
+              <a:rPr lang="de-DE" sz="2000" dirty="0" err="1"/>
+              <a:t>case</a:t>
+            </a:r>
+            <a:r>
+              <a:rPr lang="de-DE" sz="2000" dirty="0"/>
+              <a:t> </a:t>
+            </a:r>
+            <a:r>
+              <a:rPr lang="de-DE" sz="2000" dirty="0" err="1"/>
+              <a:t>has</a:t>
+            </a:r>
+            <a:r>
+              <a:rPr lang="de-DE" sz="2000" dirty="0"/>
+              <a:t> 784 </a:t>
+            </a:r>
+            <a:r>
+              <a:rPr lang="de-DE" sz="2000" dirty="0" err="1"/>
+              <a:t>dimensions</a:t>
+            </a:r>
+            <a:r>
+              <a:rPr lang="de-DE" sz="2000" dirty="0"/>
+              <a:t>)</a:t>
             </a:r>
           </a:p>
         </p:txBody>
@@ -12265,7 +12690,7 @@
           <p:cNvPr id="2" name="Titel 1">
             <a:extLst>
               <a:ext uri="{FF2B5EF4-FFF2-40B4-BE49-F238E27FC236}">
-                <a16:creationId xmlns:a16="http://schemas.microsoft.com/office/drawing/2014/main" id="{23930536-8365-4B2C-80CA-48DAD336F932}"/>
+                <a16:creationId xmlns:a16="http://schemas.microsoft.com/office/drawing/2014/main" id="{256EF4DE-DBD9-44AA-86D5-14A5C169F82A}"/>
               </a:ext>
             </a:extLst>
           </p:cNvPr>
@@ -12283,15 +12708,65 @@
           <a:p>
             <a:r>
               <a:rPr lang="de-DE" dirty="0"/>
-              <a:t>Beispielhafte Vorstellung von KNN</a:t>
-            </a:r>
+              <a:t>Welche Anzahl für Dimensionen oder K?</a:t>
+            </a:r>
+          </a:p>
+        </p:txBody>
+      </p:sp>
+      <p:sp>
+        <p:nvSpPr>
+          <p:cNvPr id="4" name="Textfeld 3">
+            <a:extLst>
+              <a:ext uri="{FF2B5EF4-FFF2-40B4-BE49-F238E27FC236}">
+                <a16:creationId xmlns:a16="http://schemas.microsoft.com/office/drawing/2014/main" id="{AE4C0C6E-2766-45EA-A93B-6AABFDD3F619}"/>
+              </a:ext>
+            </a:extLst>
+          </p:cNvPr>
+          <p:cNvSpPr txBox="1"/>
+          <p:nvPr/>
+        </p:nvSpPr>
+        <p:spPr>
+          <a:xfrm flipH="1">
+            <a:off x="1208722" y="2413337"/>
+            <a:ext cx="9774556" cy="1938992"/>
+          </a:xfrm>
+          <a:prstGeom prst="rect">
+            <a:avLst/>
+          </a:prstGeom>
+          <a:noFill/>
+        </p:spPr>
+        <p:txBody>
+          <a:bodyPr wrap="square" rtlCol="0">
+            <a:spAutoFit/>
+          </a:bodyPr>
+          <a:lstStyle/>
+          <a:p>
+            <a:r>
+              <a:rPr lang="de-DE" sz="2000" dirty="0"/>
+              <a:t>Benötigt eine Funktion, die die Trefferquote für richtig erkannte Ziffern speichert.</a:t>
+            </a:r>
+          </a:p>
+          <a:p>
+            <a:endParaRPr lang="de-DE" sz="2000" dirty="0"/>
+          </a:p>
+          <a:p>
+            <a:r>
+              <a:rPr lang="de-DE" sz="2000" dirty="0"/>
+              <a:t>Wir verwenden KNN und PCA mit Bildern deren abgebildete Ziffer schon bekannt ist und probieren experimentell welche Anzahl für K/Dimensionen am Besten sind.</a:t>
+            </a:r>
+          </a:p>
+          <a:p>
+            <a:endParaRPr lang="de-DE" sz="2000" dirty="0"/>
+          </a:p>
+          <a:p>
+            <a:endParaRPr lang="de-DE" sz="2000" dirty="0"/>
           </a:p>
         </p:txBody>
       </p:sp>
     </p:spTree>
     <p:extLst>
       <p:ext uri="{BB962C8B-B14F-4D97-AF65-F5344CB8AC3E}">
-        <p14:creationId xmlns:p14="http://schemas.microsoft.com/office/powerpoint/2010/main" val="4224456851"/>
+        <p14:creationId xmlns:p14="http://schemas.microsoft.com/office/powerpoint/2010/main" val="961620064"/>
       </p:ext>
     </p:extLst>
   </p:cSld>
@@ -12323,114 +12798,6 @@
           <p:cNvPr id="2" name="Titel 1">
             <a:extLst>
               <a:ext uri="{FF2B5EF4-FFF2-40B4-BE49-F238E27FC236}">
-                <a16:creationId xmlns:a16="http://schemas.microsoft.com/office/drawing/2014/main" id="{256EF4DE-DBD9-44AA-86D5-14A5C169F82A}"/>
-              </a:ext>
-            </a:extLst>
-          </p:cNvPr>
-          <p:cNvSpPr>
-            <a:spLocks noGrp="1"/>
-          </p:cNvSpPr>
-          <p:nvPr>
-            <p:ph type="title"/>
-          </p:nvPr>
-        </p:nvSpPr>
-        <p:spPr/>
-        <p:txBody>
-          <a:bodyPr/>
-          <a:lstStyle/>
-          <a:p>
-            <a:r>
-              <a:rPr lang="de-DE" dirty="0"/>
-              <a:t>Welche Anzahl für Dimensionen oder K?</a:t>
-            </a:r>
-          </a:p>
-        </p:txBody>
-      </p:sp>
-      <p:sp>
-        <p:nvSpPr>
-          <p:cNvPr id="4" name="Textfeld 3">
-            <a:extLst>
-              <a:ext uri="{FF2B5EF4-FFF2-40B4-BE49-F238E27FC236}">
-                <a16:creationId xmlns:a16="http://schemas.microsoft.com/office/drawing/2014/main" id="{AE4C0C6E-2766-45EA-A93B-6AABFDD3F619}"/>
-              </a:ext>
-            </a:extLst>
-          </p:cNvPr>
-          <p:cNvSpPr txBox="1"/>
-          <p:nvPr/>
-        </p:nvSpPr>
-        <p:spPr>
-          <a:xfrm flipH="1">
-            <a:off x="1208722" y="2413337"/>
-            <a:ext cx="9774556" cy="1938992"/>
-          </a:xfrm>
-          <a:prstGeom prst="rect">
-            <a:avLst/>
-          </a:prstGeom>
-          <a:noFill/>
-        </p:spPr>
-        <p:txBody>
-          <a:bodyPr wrap="square" rtlCol="0">
-            <a:spAutoFit/>
-          </a:bodyPr>
-          <a:lstStyle/>
-          <a:p>
-            <a:r>
-              <a:rPr lang="de-DE" sz="2000" dirty="0"/>
-              <a:t>Benötigt eine Funktion, die die Trefferquote für richtig erkannte Ziffern speichert.</a:t>
-            </a:r>
-          </a:p>
-          <a:p>
-            <a:endParaRPr lang="de-DE" sz="2000" dirty="0"/>
-          </a:p>
-          <a:p>
-            <a:r>
-              <a:rPr lang="de-DE" sz="2000" dirty="0"/>
-              <a:t>Wir verwenden KNN und PCA mit Bildern deren abgebildete Ziffer schon bekannt ist und probieren experimentell welche Anzahl für K/Dimensionen am Besten sind.</a:t>
-            </a:r>
-          </a:p>
-          <a:p>
-            <a:endParaRPr lang="de-DE" sz="2000" dirty="0"/>
-          </a:p>
-          <a:p>
-            <a:endParaRPr lang="de-DE" sz="2000" dirty="0"/>
-          </a:p>
-        </p:txBody>
-      </p:sp>
-    </p:spTree>
-    <p:extLst>
-      <p:ext uri="{BB962C8B-B14F-4D97-AF65-F5344CB8AC3E}">
-        <p14:creationId xmlns:p14="http://schemas.microsoft.com/office/powerpoint/2010/main" val="961620064"/>
-      </p:ext>
-    </p:extLst>
-  </p:cSld>
-  <p:clrMapOvr>
-    <a:masterClrMapping/>
-  </p:clrMapOvr>
-</p:sld>
-</file>
-
-<file path=ppt/slides/slide8.xml><?xml version="1.0" encoding="utf-8"?>
-<p:sld xmlns:a="http://schemas.openxmlformats.org/drawingml/2006/main" xmlns:r="http://schemas.openxmlformats.org/officeDocument/2006/relationships" xmlns:p="http://schemas.openxmlformats.org/presentationml/2006/main">
-  <p:cSld>
-    <p:spTree>
-      <p:nvGrpSpPr>
-        <p:cNvPr id="1" name=""/>
-        <p:cNvGrpSpPr/>
-        <p:nvPr/>
-      </p:nvGrpSpPr>
-      <p:grpSpPr>
-        <a:xfrm>
-          <a:off x="0" y="0"/>
-          <a:ext cx="0" cy="0"/>
-          <a:chOff x="0" y="0"/>
-          <a:chExt cx="0" cy="0"/>
-        </a:xfrm>
-      </p:grpSpPr>
-      <p:sp>
-        <p:nvSpPr>
-          <p:cNvPr id="2" name="Titel 1">
-            <a:extLst>
-              <a:ext uri="{FF2B5EF4-FFF2-40B4-BE49-F238E27FC236}">
                 <a16:creationId xmlns:a16="http://schemas.microsoft.com/office/drawing/2014/main" id="{3A0DF07A-A6C0-4B8E-B7C2-439EA1742EBF}"/>
               </a:ext>
             </a:extLst>
@@ -12448,9 +12815,10 @@
           <a:lstStyle/>
           <a:p>
             <a:r>
-              <a:rPr lang="de-DE" dirty="0"/>
-              <a:t>Visualisierung</a:t>
-            </a:r>
+              <a:rPr lang="de-DE" dirty="0" err="1"/>
+              <a:t>Visualization</a:t>
+            </a:r>
+            <a:endParaRPr lang="de-DE" dirty="0"/>
           </a:p>
         </p:txBody>
       </p:sp>
@@ -13433,7 +13801,7 @@
         <p:spPr>
           <a:xfrm>
             <a:off x="6795245" y="5674248"/>
-            <a:ext cx="5118307" cy="369332"/>
+            <a:ext cx="5263405" cy="369332"/>
           </a:xfrm>
           <a:prstGeom prst="rect">
             <a:avLst/>
@@ -13448,7 +13816,7 @@
           <a:p>
             <a:r>
               <a:rPr lang="de-DE" dirty="0"/>
-              <a:t>Quelle: Digit Recognition </a:t>
+              <a:t>Source: Digit Recognition </a:t>
             </a:r>
             <a:r>
               <a:rPr lang="de-DE" dirty="0" err="1"/>
@@ -13487,7 +13855,7 @@
 </p:sld>
 </file>
 
-<file path=ppt/slides/slide9.xml><?xml version="1.0" encoding="utf-8"?>
+<file path=ppt/slides/slide8.xml><?xml version="1.0" encoding="utf-8"?>
 <p:sld xmlns:a="http://schemas.openxmlformats.org/drawingml/2006/main" xmlns:r="http://schemas.openxmlformats.org/officeDocument/2006/relationships" xmlns:p="http://schemas.openxmlformats.org/presentationml/2006/main">
   <p:cSld>
     <p:spTree>

--- a/Vortrag1.pptx
+++ b/Vortrag1.pptx
@@ -14,7 +14,7 @@
     <p:sldId id="259" r:id="rId8"/>
     <p:sldId id="263" r:id="rId9"/>
     <p:sldId id="264" r:id="rId10"/>
-    <p:sldId id="261" r:id="rId11"/>
+    <p:sldId id="265" r:id="rId11"/>
   </p:sldIdLst>
   <p:sldSz cx="12192000" cy="6858000"/>
   <p:notesSz cx="6858000" cy="9144000"/>
@@ -9708,7 +9708,7 @@
         <p:spPr>
           <a:xfrm>
             <a:off x="4199890" y="2200275"/>
-            <a:ext cx="7728141" cy="4401205"/>
+            <a:ext cx="7255320" cy="3785652"/>
           </a:xfrm>
           <a:prstGeom prst="rect">
             <a:avLst/>
@@ -9729,13 +9729,113 @@
           <a:p>
             <a:r>
               <a:rPr lang="de-DE" sz="2000" dirty="0"/>
-              <a:t>Der Computer sagt uns, welche Zahlen in den Test-Bildern zu sehen sind,</a:t>
-            </a:r>
-          </a:p>
-          <a:p>
+              <a:t>The </a:t>
+            </a:r>
+            <a:r>
+              <a:rPr lang="de-DE" sz="2000" dirty="0" err="1"/>
+              <a:t>computer</a:t>
+            </a:r>
             <a:r>
               <a:rPr lang="de-DE" sz="2000" dirty="0"/>
-              <a:t>indem er sie mit den Trainings-Bildern vergleicht.</a:t>
+              <a:t> </a:t>
+            </a:r>
+            <a:r>
+              <a:rPr lang="de-DE" sz="2000" dirty="0" err="1"/>
+              <a:t>recognizes</a:t>
+            </a:r>
+            <a:r>
+              <a:rPr lang="de-DE" sz="2000" dirty="0"/>
+              <a:t> </a:t>
+            </a:r>
+            <a:r>
+              <a:rPr lang="de-DE" sz="2000" dirty="0" err="1"/>
+              <a:t>which</a:t>
+            </a:r>
+            <a:r>
+              <a:rPr lang="de-DE" sz="2000" dirty="0"/>
+              <a:t> </a:t>
+            </a:r>
+            <a:r>
+              <a:rPr lang="de-DE" sz="2000" dirty="0" err="1"/>
+              <a:t>digit</a:t>
+            </a:r>
+            <a:r>
+              <a:rPr lang="de-DE" sz="2000" dirty="0"/>
+              <a:t> </a:t>
+            </a:r>
+            <a:r>
+              <a:rPr lang="de-DE" sz="2000" dirty="0" err="1"/>
+              <a:t>is</a:t>
+            </a:r>
+            <a:r>
+              <a:rPr lang="de-DE" sz="2000" dirty="0"/>
+              <a:t> </a:t>
+            </a:r>
+            <a:r>
+              <a:rPr lang="de-DE" sz="2000" dirty="0" err="1"/>
+              <a:t>portrayed</a:t>
+            </a:r>
+            <a:r>
+              <a:rPr lang="de-DE" sz="2000" dirty="0"/>
+              <a:t> on </a:t>
+            </a:r>
+            <a:r>
+              <a:rPr lang="de-DE" sz="2000" dirty="0" err="1"/>
+              <a:t>the</a:t>
+            </a:r>
+            <a:r>
+              <a:rPr lang="de-DE" sz="2000" dirty="0"/>
+              <a:t> test-image </a:t>
+            </a:r>
+          </a:p>
+          <a:p>
+            <a:r>
+              <a:rPr lang="de-DE" sz="2000" dirty="0" err="1"/>
+              <a:t>by</a:t>
+            </a:r>
+            <a:r>
+              <a:rPr lang="de-DE" sz="2000" dirty="0"/>
+              <a:t> </a:t>
+            </a:r>
+            <a:r>
+              <a:rPr lang="de-DE" sz="2000" dirty="0" err="1"/>
+              <a:t>comparing</a:t>
+            </a:r>
+            <a:r>
+              <a:rPr lang="de-DE" sz="2000" dirty="0"/>
+              <a:t> </a:t>
+            </a:r>
+            <a:r>
+              <a:rPr lang="de-DE" sz="2000" dirty="0" err="1"/>
+              <a:t>it</a:t>
+            </a:r>
+            <a:r>
+              <a:rPr lang="de-DE" sz="2000" dirty="0"/>
+              <a:t> </a:t>
+            </a:r>
+            <a:r>
+              <a:rPr lang="de-DE" sz="2000" dirty="0" err="1"/>
+              <a:t>to</a:t>
+            </a:r>
+            <a:r>
+              <a:rPr lang="de-DE" sz="2000" dirty="0"/>
+              <a:t> </a:t>
+            </a:r>
+            <a:r>
+              <a:rPr lang="de-DE" sz="2000" dirty="0" err="1"/>
+              <a:t>the</a:t>
+            </a:r>
+            <a:r>
+              <a:rPr lang="de-DE" sz="2000" dirty="0"/>
+              <a:t> </a:t>
+            </a:r>
+            <a:r>
+              <a:rPr lang="de-DE" sz="2000" dirty="0" err="1"/>
+              <a:t>training</a:t>
+            </a:r>
+            <a:r>
+              <a:rPr lang="de-DE" sz="2000" dirty="0"/>
+              <a:t>-images.</a:t>
             </a:r>
           </a:p>
           <a:p>
@@ -9750,8 +9850,45 @@
           <a:p>
             <a:r>
               <a:rPr lang="de-DE" sz="2000" dirty="0"/>
-              <a:t>Bilder von handgeschriebene Zahlen: Zentriert und Grauskaliert</a:t>
-            </a:r>
+              <a:t>Images </a:t>
+            </a:r>
+            <a:r>
+              <a:rPr lang="de-DE" sz="2000" dirty="0" err="1"/>
+              <a:t>of</a:t>
+            </a:r>
+            <a:r>
+              <a:rPr lang="de-DE" sz="2000" dirty="0"/>
+              <a:t> </a:t>
+            </a:r>
+            <a:r>
+              <a:rPr lang="de-DE" sz="2000" dirty="0" err="1"/>
+              <a:t>handwritten</a:t>
+            </a:r>
+            <a:r>
+              <a:rPr lang="de-DE" sz="2000" dirty="0"/>
+              <a:t> </a:t>
+            </a:r>
+            <a:r>
+              <a:rPr lang="de-DE" sz="2000" dirty="0" err="1"/>
+              <a:t>digits</a:t>
+            </a:r>
+            <a:r>
+              <a:rPr lang="de-DE" sz="2000" dirty="0"/>
+              <a:t>: </a:t>
+            </a:r>
+            <a:r>
+              <a:rPr lang="de-DE" sz="2000" dirty="0" err="1"/>
+              <a:t>centralized</a:t>
+            </a:r>
+            <a:r>
+              <a:rPr lang="de-DE" sz="2000" dirty="0"/>
+              <a:t> and </a:t>
+            </a:r>
+            <a:r>
+              <a:rPr lang="de-DE" sz="2000" dirty="0" err="1"/>
+              <a:t>grayscaled</a:t>
+            </a:r>
+            <a:endParaRPr lang="de-DE" sz="2000" dirty="0"/>
           </a:p>
           <a:p>
             <a:r>
@@ -9764,15 +9901,7 @@
             </a:r>
             <a:r>
               <a:rPr lang="de-DE" sz="2000" dirty="0"/>
-              <a:t>: 60 000 Bilder (Ziffern sind </a:t>
-            </a:r>
-            <a:r>
-              <a:rPr lang="de-DE" sz="2000" u="sng" dirty="0"/>
-              <a:t>bekannt</a:t>
-            </a:r>
-            <a:r>
-              <a:rPr lang="de-DE" sz="2000" dirty="0"/>
-              <a:t>)</a:t>
+              <a:t>: 60 000 Images</a:t>
             </a:r>
           </a:p>
           <a:p>
@@ -9786,15 +9915,7 @@
             </a:r>
             <a:r>
               <a:rPr lang="de-DE" sz="2000" dirty="0"/>
-              <a:t>: 10 000 Bilder (Ziffern sind </a:t>
-            </a:r>
-            <a:r>
-              <a:rPr lang="de-DE" sz="2000" u="sng" dirty="0"/>
-              <a:t>unbekannt</a:t>
-            </a:r>
-            <a:r>
-              <a:rPr lang="de-DE" sz="2000" dirty="0"/>
-              <a:t>)</a:t>
+              <a:t>: 10 000 Images</a:t>
             </a:r>
           </a:p>
           <a:p>
@@ -9827,13 +9948,26 @@
               <a:rPr lang="de-DE" sz="2000" dirty="0" err="1"/>
               <a:t>the</a:t>
             </a:r>
-            <a:endParaRPr lang="de-DE" sz="2000" dirty="0"/>
-          </a:p>
-          <a:p>
-            <a:endParaRPr lang="de-DE" sz="2000" dirty="0"/>
-          </a:p>
-          <a:p>
-            <a:endParaRPr lang="de-DE" sz="2000" dirty="0"/>
+            <a:r>
+              <a:rPr lang="de-DE" sz="2000" dirty="0"/>
+              <a:t> </a:t>
+            </a:r>
+            <a:r>
+              <a:rPr lang="de-DE" sz="2000" dirty="0" err="1"/>
+              <a:t>written</a:t>
+            </a:r>
+            <a:r>
+              <a:rPr lang="de-DE" sz="2000" dirty="0"/>
+              <a:t> </a:t>
+            </a:r>
+            <a:r>
+              <a:rPr lang="de-DE" sz="2000" dirty="0" err="1"/>
+              <a:t>number</a:t>
+            </a:r>
+            <a:r>
+              <a:rPr lang="de-DE" sz="2000" dirty="0"/>
+              <a:t>.</a:t>
+            </a:r>
           </a:p>
           <a:p>
             <a:endParaRPr lang="de-DE" sz="2000" dirty="0"/>
@@ -11845,7 +11979,7 @@
         <p:spPr>
           <a:xfrm flipH="1">
             <a:off x="6608444" y="2086123"/>
-            <a:ext cx="4823462" cy="2862322"/>
+            <a:ext cx="5173981" cy="2862322"/>
           </a:xfrm>
           <a:prstGeom prst="rect">
             <a:avLst/>
@@ -11884,7 +12018,7 @@
             </a:r>
             <a:r>
               <a:rPr lang="de-DE" sz="2000" dirty="0" err="1"/>
-              <a:t>nearest</a:t>
+              <a:t>the</a:t>
             </a:r>
             <a:r>
               <a:rPr lang="de-DE" sz="2000" dirty="0"/>
@@ -11892,7 +12026,7 @@
             </a:r>
             <a:r>
               <a:rPr lang="de-DE" sz="2000" dirty="0" err="1"/>
-              <a:t>to</a:t>
+              <a:t>nearest</a:t>
             </a:r>
             <a:r>
               <a:rPr lang="de-DE" sz="2000" dirty="0"/>
@@ -11900,6 +12034,14 @@
             </a:r>
             <a:r>
               <a:rPr lang="de-DE" sz="2000" dirty="0" err="1"/>
+              <a:t>to</a:t>
+            </a:r>
+            <a:r>
+              <a:rPr lang="de-DE" sz="2000" dirty="0"/>
+              <a:t> </a:t>
+            </a:r>
+            <a:r>
+              <a:rPr lang="de-DE" sz="2000" dirty="0" err="1"/>
               <a:t>our</a:t>
             </a:r>
             <a:r>
@@ -11945,11 +12087,11 @@
             </a:r>
             <a:r>
               <a:rPr lang="de-DE" sz="2000" dirty="0"/>
-              <a:t> K </a:t>
+              <a:t> K trainings-images </a:t>
             </a:r>
             <a:r>
               <a:rPr lang="de-DE" sz="2000" dirty="0" err="1"/>
-              <a:t>trainingsimages</a:t>
+              <a:t>are</a:t>
             </a:r>
             <a:r>
               <a:rPr lang="de-DE" sz="2000" dirty="0"/>
@@ -11957,7 +12099,7 @@
             </a:r>
             <a:r>
               <a:rPr lang="de-DE" sz="2000" dirty="0" err="1"/>
-              <a:t>is</a:t>
+              <a:t>the</a:t>
             </a:r>
             <a:r>
               <a:rPr lang="de-DE" sz="2000" dirty="0"/>
@@ -11993,15 +12135,7 @@
             </a:r>
             <a:r>
               <a:rPr lang="de-DE" sz="2000" dirty="0"/>
-              <a:t> </a:t>
-            </a:r>
-            <a:r>
-              <a:rPr lang="de-DE" sz="2000" dirty="0" err="1"/>
-              <a:t>testimage</a:t>
-            </a:r>
-            <a:r>
-              <a:rPr lang="de-DE" sz="2000" dirty="0"/>
-              <a:t>.</a:t>
+              <a:t> test-image.</a:t>
             </a:r>
           </a:p>
           <a:p>
@@ -12495,8 +12629,20 @@
           <a:lstStyle/>
           <a:p>
             <a:r>
+              <a:rPr lang="de-DE" dirty="0" err="1"/>
+              <a:t>Principal</a:t>
+            </a:r>
+            <a:r>
               <a:rPr lang="de-DE" dirty="0"/>
-              <a:t>PCA</a:t>
+              <a:t> </a:t>
+            </a:r>
+            <a:r>
+              <a:rPr lang="de-DE" dirty="0" err="1"/>
+              <a:t>Component</a:t>
+            </a:r>
+            <a:r>
+              <a:rPr lang="de-DE" dirty="0"/>
+              <a:t> Analysis (PCA)</a:t>
             </a:r>
           </a:p>
         </p:txBody>
@@ -12516,7 +12662,7 @@
         <p:spPr>
           <a:xfrm>
             <a:off x="693392" y="2057400"/>
-            <a:ext cx="10464340" cy="1323439"/>
+            <a:ext cx="10290702" cy="1323439"/>
           </a:xfrm>
           <a:prstGeom prst="rect">
             <a:avLst/>
@@ -12531,54 +12677,174 @@
           <a:p>
             <a:r>
               <a:rPr lang="de-DE" sz="2000" dirty="0"/>
-              <a:t>Ein Bild -&gt; Ein Vektor mit 784 Dimensionen (zu viele)</a:t>
-            </a:r>
-          </a:p>
-          <a:p>
-            <a:endParaRPr lang="de-DE" sz="2000" dirty="0"/>
-          </a:p>
-          <a:p>
+              <a:t>The </a:t>
+            </a:r>
+            <a:r>
+              <a:rPr lang="de-DE" sz="2000" dirty="0" err="1"/>
+              <a:t>image</a:t>
+            </a:r>
             <a:r>
               <a:rPr lang="de-DE" sz="2000" dirty="0"/>
-              <a:t>Lösung:	</a:t>
-            </a:r>
-            <a:r>
-              <a:rPr lang="de-DE" sz="2000" b="1" dirty="0" err="1"/>
-              <a:t>P</a:t>
+              <a:t> -&gt; a 784 dimensional </a:t>
             </a:r>
             <a:r>
               <a:rPr lang="de-DE" sz="2000" dirty="0" err="1"/>
-              <a:t>rincipal</a:t>
+              <a:t>vector</a:t>
+            </a:r>
+            <a:r>
+              <a:rPr lang="de-DE" sz="2000" dirty="0"/>
+              <a:t> (</a:t>
+            </a:r>
+            <a:r>
+              <a:rPr lang="de-DE" sz="2000" dirty="0" err="1"/>
+              <a:t>too</a:t>
             </a:r>
             <a:r>
               <a:rPr lang="de-DE" sz="2000" dirty="0"/>
               <a:t> </a:t>
             </a:r>
             <a:r>
-              <a:rPr lang="de-DE" sz="2000" b="1" dirty="0" err="1"/>
-              <a:t>C</a:t>
-            </a:r>
-            <a:r>
               <a:rPr lang="de-DE" sz="2000" dirty="0" err="1"/>
-              <a:t>omponent</a:t>
+              <a:t>many</a:t>
             </a:r>
             <a:r>
               <a:rPr lang="de-DE" sz="2000" dirty="0"/>
               <a:t> </a:t>
             </a:r>
             <a:r>
+              <a:rPr lang="de-DE" sz="2000" dirty="0" err="1"/>
+              <a:t>dimensions</a:t>
+            </a:r>
+            <a:r>
+              <a:rPr lang="de-DE" sz="2000" dirty="0"/>
+              <a:t>)</a:t>
+            </a:r>
+          </a:p>
+          <a:p>
+            <a:endParaRPr lang="de-DE" sz="2000" dirty="0"/>
+          </a:p>
+          <a:p>
+            <a:r>
+              <a:rPr lang="de-DE" sz="2000" dirty="0"/>
+              <a:t>Solution: </a:t>
+            </a:r>
+            <a:r>
               <a:rPr lang="de-DE" sz="2000" b="1" dirty="0"/>
-              <a:t>A</a:t>
+              <a:t>PCA</a:t>
             </a:r>
             <a:r>
               <a:rPr lang="de-DE" sz="2000" dirty="0"/>
-              <a:t>nalysis, </a:t>
-            </a:r>
-          </a:p>
-          <a:p>
+              <a:t>	 </a:t>
+            </a:r>
+            <a:r>
+              <a:rPr lang="de-DE" sz="2000" dirty="0" err="1"/>
+              <a:t>Reduces</a:t>
+            </a:r>
             <a:r>
               <a:rPr lang="de-DE" sz="2000" dirty="0"/>
-              <a:t>	reduziert Dimensionen durch Verzicht an Überflüssigem und Hervorhebung von Varianzen</a:t>
+              <a:t> </a:t>
+            </a:r>
+            <a:r>
+              <a:rPr lang="de-DE" sz="2000" dirty="0" err="1"/>
+              <a:t>dimensionality</a:t>
+            </a:r>
+            <a:r>
+              <a:rPr lang="de-DE" sz="2000" dirty="0"/>
+              <a:t> </a:t>
+            </a:r>
+            <a:r>
+              <a:rPr lang="de-DE" sz="2000" dirty="0" err="1"/>
+              <a:t>by</a:t>
+            </a:r>
+            <a:r>
+              <a:rPr lang="de-DE" sz="2000" dirty="0"/>
+              <a:t> </a:t>
+            </a:r>
+            <a:r>
+              <a:rPr lang="de-DE" sz="2000" dirty="0" err="1"/>
+              <a:t>eliminating</a:t>
+            </a:r>
+            <a:r>
+              <a:rPr lang="de-DE" sz="2000" dirty="0"/>
+              <a:t> </a:t>
+            </a:r>
+            <a:r>
+              <a:rPr lang="de-DE" sz="2000" dirty="0" err="1"/>
+              <a:t>redundancy</a:t>
+            </a:r>
+            <a:r>
+              <a:rPr lang="de-DE" sz="2000" dirty="0"/>
+              <a:t> and </a:t>
+            </a:r>
+            <a:r>
+              <a:rPr lang="de-DE" sz="2000" dirty="0" err="1"/>
+              <a:t>emphazising</a:t>
+            </a:r>
+            <a:r>
+              <a:rPr lang="de-DE" sz="2000" dirty="0"/>
+              <a:t> </a:t>
+            </a:r>
+            <a:r>
+              <a:rPr lang="de-DE" sz="2000" dirty="0" err="1"/>
+              <a:t>variances</a:t>
+            </a:r>
+            <a:r>
+              <a:rPr lang="de-DE" sz="2000" dirty="0"/>
+              <a:t>.</a:t>
+            </a:r>
+          </a:p>
+          <a:p>
+            <a:r>
+              <a:rPr lang="de-DE" sz="2000" dirty="0"/>
+              <a:t>		 May </a:t>
+            </a:r>
+            <a:r>
+              <a:rPr lang="de-DE" sz="2000" dirty="0" err="1"/>
+              <a:t>increase</a:t>
+            </a:r>
+            <a:r>
+              <a:rPr lang="de-DE" sz="2000" dirty="0"/>
+              <a:t> </a:t>
+            </a:r>
+            <a:r>
+              <a:rPr lang="de-DE" sz="2000" dirty="0" err="1"/>
+              <a:t>the</a:t>
+            </a:r>
+            <a:r>
+              <a:rPr lang="de-DE" sz="2000" dirty="0"/>
+              <a:t> </a:t>
+            </a:r>
+            <a:r>
+              <a:rPr lang="de-DE" sz="2000" dirty="0" err="1"/>
+              <a:t>accuracy</a:t>
+            </a:r>
+            <a:r>
+              <a:rPr lang="de-DE" sz="2000" dirty="0"/>
+              <a:t> </a:t>
+            </a:r>
+            <a:r>
+              <a:rPr lang="de-DE" sz="2000" dirty="0" err="1"/>
+              <a:t>of</a:t>
+            </a:r>
+            <a:r>
+              <a:rPr lang="de-DE" sz="2000" dirty="0"/>
+              <a:t> </a:t>
+            </a:r>
+            <a:r>
+              <a:rPr lang="de-DE" sz="2000" dirty="0" err="1"/>
+              <a:t>the</a:t>
+            </a:r>
+            <a:r>
+              <a:rPr lang="de-DE" sz="2000" dirty="0"/>
+              <a:t> KNN </a:t>
+            </a:r>
+            <a:r>
+              <a:rPr lang="de-DE" sz="2000" dirty="0" err="1"/>
+              <a:t>algorithm</a:t>
+            </a:r>
+            <a:r>
+              <a:rPr lang="de-DE" sz="2000" dirty="0"/>
+              <a:t>.</a:t>
             </a:r>
           </a:p>
         </p:txBody>
@@ -12611,7 +12877,7 @@
         </p:blipFill>
         <p:spPr>
           <a:xfrm>
-            <a:off x="2610862" y="3477162"/>
+            <a:off x="2644199" y="3749041"/>
             <a:ext cx="6629400" cy="1628775"/>
           </a:xfrm>
           <a:prstGeom prst="rect">
@@ -12633,7 +12899,7 @@
         </p:nvSpPr>
         <p:spPr>
           <a:xfrm>
-            <a:off x="2644199" y="5105937"/>
+            <a:off x="2845117" y="3787738"/>
             <a:ext cx="6562725" cy="400110"/>
           </a:xfrm>
           <a:prstGeom prst="rect">
@@ -12649,8 +12915,84 @@
           <a:p>
             <a:pPr algn="ctr"/>
             <a:r>
+              <a:rPr lang="de-DE" sz="2000" dirty="0" err="1"/>
+              <a:t>Vectorspace</a:t>
+            </a:r>
+            <a:r>
               <a:rPr lang="de-DE" sz="2000" dirty="0"/>
-              <a:t>Vektorraum mit 784, 2, 20, 100 und 700 Dimensionen</a:t>
+              <a:t> </a:t>
+            </a:r>
+            <a:r>
+              <a:rPr lang="de-DE" sz="2000" dirty="0" err="1"/>
+              <a:t>with</a:t>
+            </a:r>
+            <a:r>
+              <a:rPr lang="de-DE" sz="2000" dirty="0"/>
+              <a:t> 784, 2, 20, 100 and 700 </a:t>
+            </a:r>
+            <a:r>
+              <a:rPr lang="de-DE" sz="2000" dirty="0" err="1"/>
+              <a:t>dimensions</a:t>
+            </a:r>
+            <a:endParaRPr lang="de-DE" sz="2000" dirty="0"/>
+          </a:p>
+        </p:txBody>
+      </p:sp>
+      <p:sp>
+        <p:nvSpPr>
+          <p:cNvPr id="8" name="Textfeld 7">
+            <a:extLst>
+              <a:ext uri="{FF2B5EF4-FFF2-40B4-BE49-F238E27FC236}">
+                <a16:creationId xmlns:a16="http://schemas.microsoft.com/office/drawing/2014/main" id="{E07A373C-1875-4D36-BD3C-049E9516B803}"/>
+              </a:ext>
+            </a:extLst>
+          </p:cNvPr>
+          <p:cNvSpPr txBox="1"/>
+          <p:nvPr/>
+        </p:nvSpPr>
+        <p:spPr>
+          <a:xfrm>
+            <a:off x="4366201" y="5154903"/>
+            <a:ext cx="5181600" cy="261610"/>
+          </a:xfrm>
+          <a:prstGeom prst="rect">
+            <a:avLst/>
+          </a:prstGeom>
+          <a:noFill/>
+        </p:spPr>
+        <p:txBody>
+          <a:bodyPr wrap="square" rtlCol="0">
+            <a:spAutoFit/>
+          </a:bodyPr>
+          <a:lstStyle/>
+          <a:p>
+            <a:r>
+              <a:rPr lang="de-DE" sz="1100" dirty="0"/>
+              <a:t>Source: PCA </a:t>
+            </a:r>
+            <a:r>
+              <a:rPr lang="de-DE" sz="1100" dirty="0" err="1"/>
+              <a:t>of</a:t>
+            </a:r>
+            <a:r>
+              <a:rPr lang="de-DE" sz="1100" dirty="0"/>
+              <a:t> </a:t>
+            </a:r>
+            <a:r>
+              <a:rPr lang="de-DE" sz="1100" dirty="0" err="1"/>
+              <a:t>handwritten</a:t>
+            </a:r>
+            <a:r>
+              <a:rPr lang="de-DE" sz="1100" dirty="0"/>
+              <a:t> </a:t>
+            </a:r>
+            <a:r>
+              <a:rPr lang="de-DE" sz="1100" dirty="0" err="1"/>
+              <a:t>digits</a:t>
+            </a:r>
+            <a:r>
+              <a:rPr lang="de-DE" sz="1100" dirty="0"/>
+              <a:t>, Tyler McDonnell</a:t>
             </a:r>
           </a:p>
         </p:txBody>
@@ -12707,8 +13049,36 @@
           <a:lstStyle/>
           <a:p>
             <a:r>
+              <a:rPr lang="de-DE" dirty="0" err="1"/>
+              <a:t>Optimizing</a:t>
+            </a:r>
+            <a:r>
               <a:rPr lang="de-DE" dirty="0"/>
-              <a:t>Welche Anzahl für Dimensionen oder K?</a:t>
+              <a:t> </a:t>
+            </a:r>
+            <a:r>
+              <a:rPr lang="de-DE" dirty="0" err="1"/>
+              <a:t>parameters</a:t>
+            </a:r>
+            <a:r>
+              <a:rPr lang="de-DE" dirty="0"/>
+              <a:t> </a:t>
+            </a:r>
+            <a:r>
+              <a:rPr lang="de-DE" dirty="0" err="1"/>
+              <a:t>for</a:t>
+            </a:r>
+            <a:r>
+              <a:rPr lang="de-DE" dirty="0"/>
+              <a:t> </a:t>
+            </a:r>
+            <a:r>
+              <a:rPr lang="de-DE" dirty="0" err="1"/>
+              <a:t>the</a:t>
+            </a:r>
+            <a:r>
+              <a:rPr lang="de-DE" dirty="0"/>
+              <a:t> KNN/PCA</a:t>
             </a:r>
           </a:p>
         </p:txBody>
@@ -12727,8 +13097,8 @@
         </p:nvSpPr>
         <p:spPr>
           <a:xfrm flipH="1">
-            <a:off x="1208722" y="2413337"/>
-            <a:ext cx="9774556" cy="1938992"/>
+            <a:off x="1097280" y="1918037"/>
+            <a:ext cx="10580370" cy="1631216"/>
           </a:xfrm>
           <a:prstGeom prst="rect">
             <a:avLst/>
@@ -12743,7 +13113,71 @@
           <a:p>
             <a:r>
               <a:rPr lang="de-DE" sz="2000" dirty="0"/>
-              <a:t>Benötigt eine Funktion, die die Trefferquote für richtig erkannte Ziffern speichert.</a:t>
+              <a:t>Needs a </a:t>
+            </a:r>
+            <a:r>
+              <a:rPr lang="de-DE" sz="2000" dirty="0" err="1"/>
+              <a:t>function</a:t>
+            </a:r>
+            <a:r>
+              <a:rPr lang="de-DE" sz="2000" dirty="0"/>
+              <a:t> </a:t>
+            </a:r>
+            <a:r>
+              <a:rPr lang="de-DE" sz="2000" dirty="0" err="1"/>
+              <a:t>to</a:t>
+            </a:r>
+            <a:r>
+              <a:rPr lang="de-DE" sz="2000" dirty="0"/>
+              <a:t> </a:t>
+            </a:r>
+            <a:r>
+              <a:rPr lang="de-DE" sz="2000" dirty="0" err="1"/>
+              <a:t>record</a:t>
+            </a:r>
+            <a:r>
+              <a:rPr lang="de-DE" sz="2000" dirty="0"/>
+              <a:t> </a:t>
+            </a:r>
+            <a:r>
+              <a:rPr lang="de-DE" sz="2000" dirty="0" err="1"/>
+              <a:t>accuracy</a:t>
+            </a:r>
+            <a:r>
+              <a:rPr lang="de-DE" sz="2000" dirty="0"/>
+              <a:t> rate </a:t>
+            </a:r>
+            <a:r>
+              <a:rPr lang="de-DE" sz="2000" dirty="0" err="1"/>
+              <a:t>of</a:t>
+            </a:r>
+            <a:r>
+              <a:rPr lang="de-DE" sz="2000" dirty="0"/>
+              <a:t> </a:t>
+            </a:r>
+            <a:r>
+              <a:rPr lang="de-DE" sz="2000" dirty="0" err="1"/>
+              <a:t>correctly</a:t>
+            </a:r>
+            <a:r>
+              <a:rPr lang="de-DE" sz="2000" dirty="0"/>
+              <a:t> </a:t>
+            </a:r>
+            <a:r>
+              <a:rPr lang="de-DE" sz="2000" dirty="0" err="1"/>
+              <a:t>recognized</a:t>
+            </a:r>
+            <a:r>
+              <a:rPr lang="de-DE" sz="2000" dirty="0"/>
+              <a:t> </a:t>
+            </a:r>
+            <a:r>
+              <a:rPr lang="de-DE" sz="2000" dirty="0" err="1"/>
+              <a:t>digits</a:t>
+            </a:r>
+            <a:r>
+              <a:rPr lang="de-DE" sz="2000" dirty="0"/>
+              <a:t>.</a:t>
             </a:r>
           </a:p>
           <a:p>
@@ -12751,8 +13185,100 @@
           </a:p>
           <a:p>
             <a:r>
+              <a:rPr lang="de-DE" sz="2000" dirty="0" err="1"/>
+              <a:t>We</a:t>
+            </a:r>
+            <a:r>
               <a:rPr lang="de-DE" sz="2000" dirty="0"/>
-              <a:t>Wir verwenden KNN und PCA mit Bildern deren abgebildete Ziffer schon bekannt ist und probieren experimentell welche Anzahl für K/Dimensionen am Besten sind.</a:t>
+              <a:t> </a:t>
+            </a:r>
+            <a:r>
+              <a:rPr lang="de-DE" sz="2000" dirty="0" err="1"/>
+              <a:t>use</a:t>
+            </a:r>
+            <a:r>
+              <a:rPr lang="de-DE" sz="2000" dirty="0"/>
+              <a:t> KNN and PCA </a:t>
+            </a:r>
+            <a:r>
+              <a:rPr lang="de-DE" sz="2000" dirty="0" err="1"/>
+              <a:t>to</a:t>
+            </a:r>
+            <a:r>
+              <a:rPr lang="de-DE" sz="2000" dirty="0"/>
+              <a:t> find out </a:t>
+            </a:r>
+            <a:r>
+              <a:rPr lang="de-DE" sz="2000" dirty="0" err="1"/>
+              <a:t>the</a:t>
+            </a:r>
+            <a:r>
+              <a:rPr lang="de-DE" sz="2000" dirty="0"/>
+              <a:t> </a:t>
+            </a:r>
+            <a:r>
+              <a:rPr lang="de-DE" sz="2000" dirty="0" err="1"/>
+              <a:t>best</a:t>
+            </a:r>
+            <a:r>
+              <a:rPr lang="de-DE" sz="2000" dirty="0"/>
+              <a:t> </a:t>
+            </a:r>
+            <a:r>
+              <a:rPr lang="de-DE" sz="2000" dirty="0" err="1"/>
+              <a:t>values</a:t>
+            </a:r>
+            <a:r>
+              <a:rPr lang="de-DE" sz="2000" dirty="0"/>
+              <a:t> </a:t>
+            </a:r>
+            <a:r>
+              <a:rPr lang="de-DE" sz="2000" dirty="0" err="1"/>
+              <a:t>for</a:t>
+            </a:r>
+            <a:r>
+              <a:rPr lang="de-DE" sz="2000" dirty="0"/>
+              <a:t> K and T (</a:t>
+            </a:r>
+            <a:r>
+              <a:rPr lang="de-DE" sz="2000" dirty="0" err="1"/>
+              <a:t>dimensions</a:t>
+            </a:r>
+            <a:r>
+              <a:rPr lang="de-DE" sz="2000" dirty="0"/>
+              <a:t>) </a:t>
+            </a:r>
+            <a:r>
+              <a:rPr lang="de-DE" sz="2000" dirty="0" err="1"/>
+              <a:t>with</a:t>
+            </a:r>
+            <a:r>
+              <a:rPr lang="de-DE" sz="2000" dirty="0"/>
+              <a:t> </a:t>
+            </a:r>
+            <a:r>
+              <a:rPr lang="de-DE" sz="2000" dirty="0" err="1"/>
+              <a:t>the</a:t>
+            </a:r>
+            <a:r>
+              <a:rPr lang="de-DE" sz="2000" dirty="0"/>
+              <a:t> </a:t>
+            </a:r>
+            <a:r>
+              <a:rPr lang="de-DE" sz="2000" dirty="0" err="1"/>
+              <a:t>highest</a:t>
+            </a:r>
+            <a:r>
+              <a:rPr lang="de-DE" sz="2000" dirty="0"/>
+              <a:t> </a:t>
+            </a:r>
+            <a:r>
+              <a:rPr lang="de-DE" sz="2000" dirty="0" err="1"/>
+              <a:t>accuracy</a:t>
+            </a:r>
+            <a:r>
+              <a:rPr lang="de-DE" sz="2000" dirty="0"/>
+              <a:t>.</a:t>
             </a:r>
           </a:p>
           <a:p>
@@ -12760,6 +13286,135 @@
           </a:p>
           <a:p>
             <a:endParaRPr lang="de-DE" sz="2000" dirty="0"/>
+          </a:p>
+        </p:txBody>
+      </p:sp>
+      <p:pic>
+        <p:nvPicPr>
+          <p:cNvPr id="5" name="Grafik 4" descr="Ein Bild, das Text, Karte enthält.&#10;&#10;Automatisch generierte Beschreibung">
+            <a:extLst>
+              <a:ext uri="{FF2B5EF4-FFF2-40B4-BE49-F238E27FC236}">
+                <a16:creationId xmlns:a16="http://schemas.microsoft.com/office/drawing/2014/main" id="{88B2EE34-B8EE-4BF1-B3D1-6B70C86D7DA7}"/>
+              </a:ext>
+            </a:extLst>
+          </p:cNvPr>
+          <p:cNvPicPr>
+            <a:picLocks noChangeAspect="1"/>
+          </p:cNvPicPr>
+          <p:nvPr/>
+        </p:nvPicPr>
+        <p:blipFill rotWithShape="1">
+          <a:blip r:embed="rId2">
+            <a:extLst>
+              <a:ext uri="{28A0092B-C50C-407E-A947-70E740481C1C}">
+                <a14:useLocalDpi xmlns:a14="http://schemas.microsoft.com/office/drawing/2010/main" val="0"/>
+              </a:ext>
+            </a:extLst>
+          </a:blip>
+          <a:srcRect l="10453" t="6878" r="8090" b="5574"/>
+          <a:stretch/>
+        </p:blipFill>
+        <p:spPr>
+          <a:xfrm>
+            <a:off x="949960" y="3242926"/>
+            <a:ext cx="3736340" cy="2912466"/>
+          </a:xfrm>
+          <a:prstGeom prst="rect">
+            <a:avLst/>
+          </a:prstGeom>
+        </p:spPr>
+      </p:pic>
+      <p:pic>
+        <p:nvPicPr>
+          <p:cNvPr id="7" name="Grafik 6" descr="Ein Bild, das Karte, Text enthält.&#10;&#10;Automatisch generierte Beschreibung">
+            <a:extLst>
+              <a:ext uri="{FF2B5EF4-FFF2-40B4-BE49-F238E27FC236}">
+                <a16:creationId xmlns:a16="http://schemas.microsoft.com/office/drawing/2014/main" id="{0CBA23CC-576A-4326-8AB4-E0E78200582D}"/>
+              </a:ext>
+            </a:extLst>
+          </p:cNvPr>
+          <p:cNvPicPr>
+            <a:picLocks noChangeAspect="1"/>
+          </p:cNvPicPr>
+          <p:nvPr/>
+        </p:nvPicPr>
+        <p:blipFill rotWithShape="1">
+          <a:blip r:embed="rId3">
+            <a:extLst>
+              <a:ext uri="{28A0092B-C50C-407E-A947-70E740481C1C}">
+                <a14:useLocalDpi xmlns:a14="http://schemas.microsoft.com/office/drawing/2010/main" val="0"/>
+              </a:ext>
+            </a:extLst>
+          </a:blip>
+          <a:srcRect l="2531" t="3507" r="7820" b="16895"/>
+          <a:stretch/>
+        </p:blipFill>
+        <p:spPr>
+          <a:xfrm>
+            <a:off x="5842000" y="3242926"/>
+            <a:ext cx="3736340" cy="2916321"/>
+          </a:xfrm>
+          <a:prstGeom prst="rect">
+            <a:avLst/>
+          </a:prstGeom>
+        </p:spPr>
+      </p:pic>
+      <p:sp>
+        <p:nvSpPr>
+          <p:cNvPr id="8" name="Textfeld 7">
+            <a:extLst>
+              <a:ext uri="{FF2B5EF4-FFF2-40B4-BE49-F238E27FC236}">
+                <a16:creationId xmlns:a16="http://schemas.microsoft.com/office/drawing/2014/main" id="{715A02E8-97E5-43DC-A343-4B63BB73A948}"/>
+              </a:ext>
+            </a:extLst>
+          </p:cNvPr>
+          <p:cNvSpPr txBox="1"/>
+          <p:nvPr/>
+        </p:nvSpPr>
+        <p:spPr>
+          <a:xfrm>
+            <a:off x="4011515" y="6024587"/>
+            <a:ext cx="5181600" cy="261610"/>
+          </a:xfrm>
+          <a:prstGeom prst="rect">
+            <a:avLst/>
+          </a:prstGeom>
+          <a:noFill/>
+        </p:spPr>
+        <p:txBody>
+          <a:bodyPr wrap="square" rtlCol="0">
+            <a:spAutoFit/>
+          </a:bodyPr>
+          <a:lstStyle/>
+          <a:p>
+            <a:r>
+              <a:rPr lang="de-DE" sz="1100" dirty="0"/>
+              <a:t>Source: PCA </a:t>
+            </a:r>
+            <a:r>
+              <a:rPr lang="de-DE" sz="1100" dirty="0" err="1"/>
+              <a:t>of</a:t>
+            </a:r>
+            <a:r>
+              <a:rPr lang="de-DE" sz="1100" dirty="0"/>
+              <a:t> </a:t>
+            </a:r>
+            <a:r>
+              <a:rPr lang="de-DE" sz="1100" dirty="0" err="1"/>
+              <a:t>handwritten</a:t>
+            </a:r>
+            <a:r>
+              <a:rPr lang="de-DE" sz="1100" dirty="0"/>
+              <a:t> </a:t>
+            </a:r>
+            <a:r>
+              <a:rPr lang="de-DE" sz="1100" dirty="0" err="1"/>
+              <a:t>digits</a:t>
+            </a:r>
+            <a:r>
+              <a:rPr lang="de-DE" sz="1100" dirty="0"/>
+              <a:t>, Tyler McDonnell</a:t>
+            </a:r>
           </a:p>
         </p:txBody>
       </p:sp>
@@ -12836,7 +13491,7 @@
         </p:nvSpPr>
         <p:spPr>
           <a:xfrm flipH="1">
-            <a:off x="1097280" y="2152651"/>
+            <a:off x="1097280" y="1982839"/>
             <a:ext cx="10058400" cy="400110"/>
           </a:xfrm>
           <a:prstGeom prst="rect">
@@ -12851,8 +13506,92 @@
           <a:lstStyle/>
           <a:p>
             <a:r>
+              <a:rPr lang="de-DE" sz="2000" dirty="0" err="1"/>
+              <a:t>Our</a:t>
+            </a:r>
+            <a:r>
               <a:rPr lang="de-DE" sz="2000" dirty="0"/>
-              <a:t>Unsere Bilddateien bestehen nur aus Zahlen, Umwandlung wieder rückgängig</a:t>
+              <a:t> </a:t>
+            </a:r>
+            <a:r>
+              <a:rPr lang="de-DE" sz="2000" dirty="0" err="1"/>
+              <a:t>imagedata</a:t>
+            </a:r>
+            <a:r>
+              <a:rPr lang="de-DE" sz="2000" dirty="0"/>
+              <a:t> </a:t>
+            </a:r>
+            <a:r>
+              <a:rPr lang="de-DE" sz="2000" dirty="0" err="1"/>
+              <a:t>only</a:t>
+            </a:r>
+            <a:r>
+              <a:rPr lang="de-DE" sz="2000" dirty="0"/>
+              <a:t> </a:t>
+            </a:r>
+            <a:r>
+              <a:rPr lang="de-DE" sz="2000" dirty="0" err="1"/>
+              <a:t>consists</a:t>
+            </a:r>
+            <a:r>
+              <a:rPr lang="de-DE" sz="2000" dirty="0"/>
+              <a:t> </a:t>
+            </a:r>
+            <a:r>
+              <a:rPr lang="de-DE" sz="2000" dirty="0" err="1"/>
+              <a:t>of</a:t>
+            </a:r>
+            <a:r>
+              <a:rPr lang="de-DE" sz="2000" dirty="0"/>
+              <a:t> </a:t>
+            </a:r>
+            <a:r>
+              <a:rPr lang="de-DE" sz="2000" dirty="0" err="1"/>
+              <a:t>numbers</a:t>
+            </a:r>
+            <a:r>
+              <a:rPr lang="de-DE" sz="2000" dirty="0"/>
+              <a:t>, so </a:t>
+            </a:r>
+            <a:r>
+              <a:rPr lang="de-DE" sz="2000" dirty="0" err="1"/>
+              <a:t>we</a:t>
+            </a:r>
+            <a:r>
+              <a:rPr lang="de-DE" sz="2000" dirty="0"/>
+              <a:t> reverse-</a:t>
+            </a:r>
+            <a:r>
+              <a:rPr lang="de-DE" sz="2000" dirty="0" err="1"/>
+              <a:t>transform</a:t>
+            </a:r>
+            <a:r>
+              <a:rPr lang="de-DE" sz="2000" dirty="0"/>
+              <a:t> </a:t>
+            </a:r>
+            <a:r>
+              <a:rPr lang="de-DE" sz="2000" dirty="0" err="1"/>
+              <a:t>it</a:t>
+            </a:r>
+            <a:r>
+              <a:rPr lang="de-DE" sz="2000" dirty="0"/>
+              <a:t> </a:t>
+            </a:r>
+            <a:r>
+              <a:rPr lang="de-DE" sz="2000" dirty="0" err="1"/>
+              <a:t>to</a:t>
+            </a:r>
+            <a:r>
+              <a:rPr lang="de-DE" sz="2000" dirty="0"/>
+              <a:t> </a:t>
+            </a:r>
+            <a:r>
+              <a:rPr lang="de-DE" sz="2000" dirty="0" err="1"/>
+              <a:t>jpg</a:t>
+            </a:r>
+            <a:r>
+              <a:rPr lang="de-DE" sz="2000" dirty="0"/>
+              <a:t>.</a:t>
             </a:r>
           </a:p>
         </p:txBody>
@@ -12893,12 +13632,207 @@
           </a:prstGeom>
         </p:spPr>
       </p:pic>
+      <p:sp>
+        <p:nvSpPr>
+          <p:cNvPr id="7" name="Pfeil: nach rechts 6">
+            <a:extLst>
+              <a:ext uri="{FF2B5EF4-FFF2-40B4-BE49-F238E27FC236}">
+                <a16:creationId xmlns:a16="http://schemas.microsoft.com/office/drawing/2014/main" id="{EBAB8428-19FC-46B4-86D1-06DA423F5159}"/>
+              </a:ext>
+            </a:extLst>
+          </p:cNvPr>
+          <p:cNvSpPr/>
+          <p:nvPr/>
+        </p:nvSpPr>
+        <p:spPr>
+          <a:xfrm>
+            <a:off x="6195170" y="3832800"/>
+            <a:ext cx="600075" cy="1219200"/>
+          </a:xfrm>
+          <a:prstGeom prst="rightArrow">
+            <a:avLst/>
+          </a:prstGeom>
+        </p:spPr>
+        <p:style>
+          <a:lnRef idx="2">
+            <a:schemeClr val="accent1">
+              <a:shade val="50000"/>
+            </a:schemeClr>
+          </a:lnRef>
+          <a:fillRef idx="1">
+            <a:schemeClr val="accent1"/>
+          </a:fillRef>
+          <a:effectRef idx="0">
+            <a:schemeClr val="accent1"/>
+          </a:effectRef>
+          <a:fontRef idx="minor">
+            <a:schemeClr val="lt1"/>
+          </a:fontRef>
+        </p:style>
+        <p:txBody>
+          <a:bodyPr rtlCol="0" anchor="ctr"/>
+          <a:lstStyle/>
+          <a:p>
+            <a:pPr algn="ctr"/>
+            <a:endParaRPr lang="de-DE"/>
+          </a:p>
+        </p:txBody>
+      </p:sp>
+      <p:sp>
+        <p:nvSpPr>
+          <p:cNvPr id="8" name="Textfeld 7">
+            <a:extLst>
+              <a:ext uri="{FF2B5EF4-FFF2-40B4-BE49-F238E27FC236}">
+                <a16:creationId xmlns:a16="http://schemas.microsoft.com/office/drawing/2014/main" id="{4B38B57E-ED9C-41B4-B178-0A690D45CEFC}"/>
+              </a:ext>
+            </a:extLst>
+          </p:cNvPr>
+          <p:cNvSpPr txBox="1"/>
+          <p:nvPr/>
+        </p:nvSpPr>
+        <p:spPr>
+          <a:xfrm>
+            <a:off x="9576327" y="3222052"/>
+            <a:ext cx="2184400" cy="1631216"/>
+          </a:xfrm>
+          <a:prstGeom prst="rect">
+            <a:avLst/>
+          </a:prstGeom>
+          <a:noFill/>
+        </p:spPr>
+        <p:txBody>
+          <a:bodyPr wrap="square" rtlCol="0">
+            <a:spAutoFit/>
+          </a:bodyPr>
+          <a:lstStyle/>
+          <a:p>
+            <a:r>
+              <a:rPr lang="de-DE" sz="2000" u="sng" dirty="0" err="1"/>
+              <a:t>For</a:t>
+            </a:r>
+            <a:r>
+              <a:rPr lang="de-DE" sz="2000" u="sng" dirty="0"/>
+              <a:t> </a:t>
+            </a:r>
+            <a:r>
+              <a:rPr lang="de-DE" sz="2000" u="sng" dirty="0" err="1"/>
+              <a:t>Example</a:t>
+            </a:r>
+            <a:r>
+              <a:rPr lang="de-DE" sz="2000" u="sng" dirty="0"/>
+              <a:t>:</a:t>
+            </a:r>
+          </a:p>
+          <a:p>
+            <a:endParaRPr lang="de-DE" sz="2000" dirty="0"/>
+          </a:p>
+          <a:p>
+            <a:r>
+              <a:rPr lang="de-DE" sz="2000" dirty="0"/>
+              <a:t>View </a:t>
+            </a:r>
+            <a:r>
+              <a:rPr lang="de-DE" sz="2000" dirty="0" err="1"/>
+              <a:t>images</a:t>
+            </a:r>
+            <a:r>
+              <a:rPr lang="de-DE" sz="2000" dirty="0"/>
+              <a:t> </a:t>
+            </a:r>
+            <a:r>
+              <a:rPr lang="de-DE" sz="2000" dirty="0" err="1"/>
+              <a:t>of</a:t>
+            </a:r>
+            <a:r>
+              <a:rPr lang="de-DE" sz="2000" dirty="0"/>
+              <a:t> </a:t>
+            </a:r>
+            <a:r>
+              <a:rPr lang="de-DE" sz="2000" dirty="0" err="1"/>
+              <a:t>falsely</a:t>
+            </a:r>
+            <a:r>
+              <a:rPr lang="de-DE" sz="2000" dirty="0"/>
+              <a:t> </a:t>
+            </a:r>
+            <a:r>
+              <a:rPr lang="de-DE" sz="2000" dirty="0" err="1"/>
+              <a:t>recognized</a:t>
+            </a:r>
+            <a:r>
+              <a:rPr lang="de-DE" sz="2000" dirty="0"/>
+              <a:t> </a:t>
+            </a:r>
+            <a:r>
+              <a:rPr lang="de-DE" sz="2000" dirty="0" err="1"/>
+              <a:t>digits</a:t>
+            </a:r>
+            <a:endParaRPr lang="de-DE" sz="2000" dirty="0"/>
+          </a:p>
+        </p:txBody>
+      </p:sp>
+      <p:sp>
+        <p:nvSpPr>
+          <p:cNvPr id="9" name="Textfeld 8">
+            <a:extLst>
+              <a:ext uri="{FF2B5EF4-FFF2-40B4-BE49-F238E27FC236}">
+                <a16:creationId xmlns:a16="http://schemas.microsoft.com/office/drawing/2014/main" id="{B8B5B46E-131F-4826-B800-2829288C4A99}"/>
+              </a:ext>
+            </a:extLst>
+          </p:cNvPr>
+          <p:cNvSpPr txBox="1"/>
+          <p:nvPr/>
+        </p:nvSpPr>
+        <p:spPr>
+          <a:xfrm>
+            <a:off x="6795245" y="5674248"/>
+            <a:ext cx="5263405" cy="369332"/>
+          </a:xfrm>
+          <a:prstGeom prst="rect">
+            <a:avLst/>
+          </a:prstGeom>
+          <a:noFill/>
+        </p:spPr>
+        <p:txBody>
+          <a:bodyPr wrap="square" rtlCol="0">
+            <a:spAutoFit/>
+          </a:bodyPr>
+          <a:lstStyle/>
+          <a:p>
+            <a:r>
+              <a:rPr lang="de-DE" dirty="0"/>
+              <a:t>Source: Digit Recognition </a:t>
+            </a:r>
+            <a:r>
+              <a:rPr lang="de-DE" dirty="0" err="1"/>
+              <a:t>Using</a:t>
+            </a:r>
+            <a:r>
+              <a:rPr lang="de-DE" dirty="0"/>
+              <a:t> Keras, </a:t>
+            </a:r>
+            <a:r>
+              <a:rPr lang="de-DE" dirty="0" err="1"/>
+              <a:t>Mukul</a:t>
+            </a:r>
+            <a:r>
+              <a:rPr lang="de-DE" dirty="0"/>
+              <a:t> </a:t>
+            </a:r>
+            <a:r>
+              <a:rPr lang="de-DE" dirty="0" err="1"/>
+              <a:t>Agrawal</a:t>
+            </a:r>
+            <a:endParaRPr lang="de-DE" dirty="0"/>
+          </a:p>
+        </p:txBody>
+      </p:sp>
       <p:graphicFrame>
         <p:nvGraphicFramePr>
-          <p:cNvPr id="6" name="Tabelle 5">
+          <p:cNvPr id="10" name="Tabelle 9">
             <a:extLst>
               <a:ext uri="{FF2B5EF4-FFF2-40B4-BE49-F238E27FC236}">
-                <a16:creationId xmlns:a16="http://schemas.microsoft.com/office/drawing/2014/main" id="{CABDC1D8-A39F-4FD8-B27E-44DDFC17726E}"/>
+                <a16:creationId xmlns:a16="http://schemas.microsoft.com/office/drawing/2014/main" id="{1359DF27-0431-40C1-AAEA-10323C33B724}"/>
               </a:ext>
             </a:extLst>
           </p:cNvPr>
@@ -12908,14 +13842,14 @@
           <p:nvPr>
             <p:extLst>
               <p:ext uri="{D42A27DB-BD31-4B8C-83A1-F6EECF244321}">
-                <p14:modId xmlns:p14="http://schemas.microsoft.com/office/powerpoint/2010/main" val="2336215937"/>
+                <p14:modId xmlns:p14="http://schemas.microsoft.com/office/powerpoint/2010/main" val="2279639475"/>
               </p:ext>
             </p:extLst>
           </p:nvPr>
         </p:nvGraphicFramePr>
         <p:xfrm>
-          <a:off x="906573" y="2705040"/>
-          <a:ext cx="4988560" cy="3474720"/>
+          <a:off x="1202495" y="2658610"/>
+          <a:ext cx="4423186" cy="3293259"/>
         </p:xfrm>
         <a:graphic>
           <a:graphicData uri="http://schemas.openxmlformats.org/drawingml/2006/table">
@@ -12924,42 +13858,28 @@
                 <a:tableStyleId>{5C22544A-7EE6-4342-B048-85BDC9FD1C3A}</a:tableStyleId>
               </a:tblPr>
               <a:tblGrid>
-                <a:gridCol w="831428">
+                <a:gridCol w="1127349">
                   <a:extLst>
                     <a:ext uri="{9D8B030D-6E8A-4147-A177-3AD203B41FA5}">
                       <a16:colId xmlns:a16="http://schemas.microsoft.com/office/drawing/2014/main" val="2935268419"/>
                     </a:ext>
                   </a:extLst>
                 </a:gridCol>
-                <a:gridCol w="767848">
+                <a:gridCol w="1041139">
                   <a:extLst>
                     <a:ext uri="{9D8B030D-6E8A-4147-A177-3AD203B41FA5}">
                       <a16:colId xmlns:a16="http://schemas.microsoft.com/office/drawing/2014/main" val="3573326846"/>
                     </a:ext>
                   </a:extLst>
                 </a:gridCol>
-                <a:gridCol w="895000">
-                  <a:extLst>
-                    <a:ext uri="{9D8B030D-6E8A-4147-A177-3AD203B41FA5}">
-                      <a16:colId xmlns:a16="http://schemas.microsoft.com/office/drawing/2014/main" val="3944536420"/>
-                    </a:ext>
-                  </a:extLst>
-                </a:gridCol>
-                <a:gridCol w="831428">
-                  <a:extLst>
-                    <a:ext uri="{9D8B030D-6E8A-4147-A177-3AD203B41FA5}">
-                      <a16:colId xmlns:a16="http://schemas.microsoft.com/office/drawing/2014/main" val="1040886641"/>
-                    </a:ext>
-                  </a:extLst>
-                </a:gridCol>
-                <a:gridCol w="831428">
+                <a:gridCol w="1127349">
                   <a:extLst>
                     <a:ext uri="{9D8B030D-6E8A-4147-A177-3AD203B41FA5}">
                       <a16:colId xmlns:a16="http://schemas.microsoft.com/office/drawing/2014/main" val="3540853296"/>
                     </a:ext>
                   </a:extLst>
                 </a:gridCol>
-                <a:gridCol w="831428">
+                <a:gridCol w="1127349">
                   <a:extLst>
                     <a:ext uri="{9D8B030D-6E8A-4147-A177-3AD203B41FA5}">
                       <a16:colId xmlns:a16="http://schemas.microsoft.com/office/drawing/2014/main" val="174494649"/>
@@ -12967,7 +13887,7 @@
                   </a:extLst>
                 </a:gridCol>
               </a:tblGrid>
-              <a:tr h="315095">
+              <a:tr h="764174">
                 <a:tc>
                   <a:txBody>
                     <a:bodyPr/>
@@ -12979,83 +13899,6 @@
                   </a:txBody>
                   <a:tcPr/>
                 </a:tc>
-                <a:tc>
-                  <a:txBody>
-                    <a:bodyPr/>
-                    <a:lstStyle/>
-                    <a:p>
-                      <a:pPr algn="ctr"/>
-                      <a:r>
-                        <a:rPr lang="de-DE" dirty="0"/>
-                        <a:t>Bild1</a:t>
-                      </a:r>
-                    </a:p>
-                  </a:txBody>
-                  <a:tcPr/>
-                </a:tc>
-                <a:tc>
-                  <a:txBody>
-                    <a:bodyPr/>
-                    <a:lstStyle/>
-                    <a:p>
-                      <a:pPr algn="ctr"/>
-                      <a:r>
-                        <a:rPr lang="de-DE" dirty="0"/>
-                        <a:t>Bild2</a:t>
-                      </a:r>
-                    </a:p>
-                  </a:txBody>
-                  <a:tcPr/>
-                </a:tc>
-                <a:tc>
-                  <a:txBody>
-                    <a:bodyPr/>
-                    <a:lstStyle/>
-                    <a:p>
-                      <a:pPr algn="ctr"/>
-                      <a:r>
-                        <a:rPr lang="de-DE" dirty="0"/>
-                        <a:t>Bild3</a:t>
-                      </a:r>
-                    </a:p>
-                  </a:txBody>
-                  <a:tcPr/>
-                </a:tc>
-                <a:tc>
-                  <a:txBody>
-                    <a:bodyPr/>
-                    <a:lstStyle/>
-                    <a:p>
-                      <a:pPr algn="ctr"/>
-                      <a:r>
-                        <a:rPr lang="de-DE" dirty="0"/>
-                        <a:t>Bild…</a:t>
-                      </a:r>
-                    </a:p>
-                  </a:txBody>
-                  <a:tcPr/>
-                </a:tc>
-                <a:tc>
-                  <a:txBody>
-                    <a:bodyPr/>
-                    <a:lstStyle/>
-                    <a:p>
-                      <a:pPr algn="ctr"/>
-                      <a:r>
-                        <a:rPr lang="de-DE" dirty="0"/>
-                        <a:t>Bild60000</a:t>
-                      </a:r>
-                    </a:p>
-                  </a:txBody>
-                  <a:tcPr/>
-                </a:tc>
-                <a:extLst>
-                  <a:ext uri="{0D108BD9-81ED-4DB2-BD59-A6C34878D82A}">
-                    <a16:rowId xmlns:a16="http://schemas.microsoft.com/office/drawing/2014/main" val="2824275686"/>
-                  </a:ext>
-                </a:extLst>
-              </a:tr>
-              <a:tr h="214719">
                 <a:tc>
                   <a:txBody>
                     <a:bodyPr/>
@@ -13078,7 +13921,7 @@
                       <a:pPr algn="ctr"/>
                       <a:r>
                         <a:rPr lang="de-DE" dirty="0"/>
-                        <a:t>0</a:t>
+                        <a:t>Pixel…</a:t>
                       </a:r>
                     </a:p>
                   </a:txBody>
@@ -13092,7 +13935,28 @@
                       <a:pPr algn="ctr"/>
                       <a:r>
                         <a:rPr lang="de-DE" dirty="0"/>
-                        <a:t>0</a:t>
+                        <a:t>Pixel784</a:t>
+                      </a:r>
+                    </a:p>
+                  </a:txBody>
+                  <a:tcPr/>
+                </a:tc>
+                <a:extLst>
+                  <a:ext uri="{0D108BD9-81ED-4DB2-BD59-A6C34878D82A}">
+                    <a16:rowId xmlns:a16="http://schemas.microsoft.com/office/drawing/2014/main" val="2824275686"/>
+                  </a:ext>
+                </a:extLst>
+              </a:tr>
+              <a:tr h="505817">
+                <a:tc>
+                  <a:txBody>
+                    <a:bodyPr/>
+                    <a:lstStyle/>
+                    <a:p>
+                      <a:pPr algn="ctr"/>
+                      <a:r>
+                        <a:rPr lang="de-DE" dirty="0"/>
+                        <a:t>Image1</a:t>
                       </a:r>
                     </a:p>
                   </a:txBody>
@@ -13146,7 +14010,7 @@
                   </a:ext>
                 </a:extLst>
               </a:tr>
-              <a:tr h="214719">
+              <a:tr h="505817">
                 <a:tc>
                   <a:txBody>
                     <a:bodyPr/>
@@ -13155,189 +14019,7 @@
                       <a:pPr algn="ctr"/>
                       <a:r>
                         <a:rPr lang="de-DE" dirty="0"/>
-                        <a:t>Pixel2</a:t>
-                      </a:r>
-                    </a:p>
-                  </a:txBody>
-                  <a:tcPr/>
-                </a:tc>
-                <a:tc>
-                  <a:txBody>
-                    <a:bodyPr/>
-                    <a:lstStyle/>
-                    <a:p>
-                      <a:pPr algn="ctr"/>
-                      <a:r>
-                        <a:rPr lang="de-DE" dirty="0"/>
-                        <a:t>0</a:t>
-                      </a:r>
-                    </a:p>
-                  </a:txBody>
-                  <a:tcPr/>
-                </a:tc>
-                <a:tc>
-                  <a:txBody>
-                    <a:bodyPr/>
-                    <a:lstStyle/>
-                    <a:p>
-                      <a:pPr algn="ctr"/>
-                      <a:r>
-                        <a:rPr lang="de-DE" dirty="0"/>
-                        <a:t>3</a:t>
-                      </a:r>
-                    </a:p>
-                  </a:txBody>
-                  <a:tcPr/>
-                </a:tc>
-                <a:tc>
-                  <a:txBody>
-                    <a:bodyPr/>
-                    <a:lstStyle/>
-                    <a:p>
-                      <a:pPr algn="ctr"/>
-                      <a:r>
-                        <a:rPr lang="de-DE" dirty="0"/>
-                        <a:t>74</a:t>
-                      </a:r>
-                    </a:p>
-                  </a:txBody>
-                  <a:tcPr/>
-                </a:tc>
-                <a:tc>
-                  <a:txBody>
-                    <a:bodyPr/>
-                    <a:lstStyle/>
-                    <a:p>
-                      <a:pPr algn="ctr"/>
-                      <a:r>
-                        <a:rPr lang="de-DE" dirty="0"/>
-                        <a:t>0</a:t>
-                      </a:r>
-                    </a:p>
-                  </a:txBody>
-                  <a:tcPr/>
-                </a:tc>
-                <a:tc>
-                  <a:txBody>
-                    <a:bodyPr/>
-                    <a:lstStyle/>
-                    <a:p>
-                      <a:pPr algn="ctr"/>
-                      <a:r>
-                        <a:rPr lang="de-DE" dirty="0"/>
-                        <a:t>64</a:t>
-                      </a:r>
-                    </a:p>
-                  </a:txBody>
-                  <a:tcPr/>
-                </a:tc>
-                <a:extLst>
-                  <a:ext uri="{0D108BD9-81ED-4DB2-BD59-A6C34878D82A}">
-                    <a16:rowId xmlns:a16="http://schemas.microsoft.com/office/drawing/2014/main" val="3884194282"/>
-                  </a:ext>
-                </a:extLst>
-              </a:tr>
-              <a:tr h="214719">
-                <a:tc>
-                  <a:txBody>
-                    <a:bodyPr/>
-                    <a:lstStyle/>
-                    <a:p>
-                      <a:pPr algn="ctr"/>
-                      <a:r>
-                        <a:rPr lang="de-DE" dirty="0"/>
-                        <a:t>Pixel3</a:t>
-                      </a:r>
-                    </a:p>
-                  </a:txBody>
-                  <a:tcPr/>
-                </a:tc>
-                <a:tc>
-                  <a:txBody>
-                    <a:bodyPr/>
-                    <a:lstStyle/>
-                    <a:p>
-                      <a:pPr algn="ctr"/>
-                      <a:r>
-                        <a:rPr lang="de-DE" dirty="0"/>
-                        <a:t>0</a:t>
-                      </a:r>
-                    </a:p>
-                  </a:txBody>
-                  <a:tcPr/>
-                </a:tc>
-                <a:tc>
-                  <a:txBody>
-                    <a:bodyPr/>
-                    <a:lstStyle/>
-                    <a:p>
-                      <a:pPr algn="ctr"/>
-                      <a:r>
-                        <a:rPr lang="de-DE" dirty="0"/>
-                        <a:t>15</a:t>
-                      </a:r>
-                    </a:p>
-                  </a:txBody>
-                  <a:tcPr/>
-                </a:tc>
-                <a:tc>
-                  <a:txBody>
-                    <a:bodyPr/>
-                    <a:lstStyle/>
-                    <a:p>
-                      <a:pPr algn="ctr"/>
-                      <a:r>
-                        <a:rPr lang="de-DE" dirty="0"/>
-                        <a:t>87</a:t>
-                      </a:r>
-                    </a:p>
-                  </a:txBody>
-                  <a:tcPr/>
-                </a:tc>
-                <a:tc>
-                  <a:txBody>
-                    <a:bodyPr/>
-                    <a:lstStyle/>
-                    <a:p>
-                      <a:pPr algn="ctr"/>
-                      <a:r>
-                        <a:rPr lang="de-DE" dirty="0"/>
-                        <a:t>33</a:t>
-                      </a:r>
-                    </a:p>
-                  </a:txBody>
-                  <a:tcPr/>
-                </a:tc>
-                <a:tc>
-                  <a:txBody>
-                    <a:bodyPr/>
-                    <a:lstStyle/>
-                    <a:p>
-                      <a:pPr algn="ctr"/>
-                      <a:r>
-                        <a:rPr lang="de-DE" dirty="0"/>
-                        <a:t>14</a:t>
-                      </a:r>
-                    </a:p>
-                  </a:txBody>
-                  <a:tcPr/>
-                </a:tc>
-                <a:extLst>
-                  <a:ext uri="{0D108BD9-81ED-4DB2-BD59-A6C34878D82A}">
-                    <a16:rowId xmlns:a16="http://schemas.microsoft.com/office/drawing/2014/main" val="2227270537"/>
-                  </a:ext>
-                </a:extLst>
-              </a:tr>
-              <a:tr h="214719">
-                <a:tc>
-                  <a:txBody>
-                    <a:bodyPr/>
-                    <a:lstStyle/>
-                    <a:p>
-                      <a:pPr algn="ctr"/>
-                      <a:r>
-                        <a:rPr lang="de-DE" dirty="0"/>
-                        <a:t>Pixel4</a:t>
+                        <a:t>Image2</a:t>
                       </a:r>
                     </a:p>
                   </a:txBody>
@@ -13379,7 +14061,28 @@
                       <a:pPr algn="ctr"/>
                       <a:r>
                         <a:rPr lang="de-DE" dirty="0"/>
-                        <a:t>95</a:t>
+                        <a:t>64</a:t>
+                      </a:r>
+                    </a:p>
+                  </a:txBody>
+                  <a:tcPr/>
+                </a:tc>
+                <a:extLst>
+                  <a:ext uri="{0D108BD9-81ED-4DB2-BD59-A6C34878D82A}">
+                    <a16:rowId xmlns:a16="http://schemas.microsoft.com/office/drawing/2014/main" val="3884194282"/>
+                  </a:ext>
+                </a:extLst>
+              </a:tr>
+              <a:tr h="505817">
+                <a:tc>
+                  <a:txBody>
+                    <a:bodyPr/>
+                    <a:lstStyle/>
+                    <a:p>
+                      <a:pPr algn="ctr"/>
+                      <a:r>
+                        <a:rPr lang="de-DE" dirty="0"/>
+                        <a:t>Image3</a:t>
                       </a:r>
                     </a:p>
                   </a:txBody>
@@ -13394,83 +14097,6 @@
                       <a:r>
                         <a:rPr lang="de-DE" dirty="0"/>
                         <a:t>0</a:t>
-                      </a:r>
-                    </a:p>
-                  </a:txBody>
-                  <a:tcPr/>
-                </a:tc>
-                <a:tc>
-                  <a:txBody>
-                    <a:bodyPr/>
-                    <a:lstStyle/>
-                    <a:p>
-                      <a:pPr algn="ctr"/>
-                      <a:r>
-                        <a:rPr lang="de-DE" dirty="0"/>
-                        <a:t>0</a:t>
-                      </a:r>
-                    </a:p>
-                  </a:txBody>
-                  <a:tcPr/>
-                </a:tc>
-                <a:extLst>
-                  <a:ext uri="{0D108BD9-81ED-4DB2-BD59-A6C34878D82A}">
-                    <a16:rowId xmlns:a16="http://schemas.microsoft.com/office/drawing/2014/main" val="828193998"/>
-                  </a:ext>
-                </a:extLst>
-              </a:tr>
-              <a:tr h="214719">
-                <a:tc>
-                  <a:txBody>
-                    <a:bodyPr/>
-                    <a:lstStyle/>
-                    <a:p>
-                      <a:pPr algn="ctr"/>
-                      <a:r>
-                        <a:rPr lang="de-DE" dirty="0"/>
-                        <a:t>Pixel5</a:t>
-                      </a:r>
-                    </a:p>
-                  </a:txBody>
-                  <a:tcPr/>
-                </a:tc>
-                <a:tc>
-                  <a:txBody>
-                    <a:bodyPr/>
-                    <a:lstStyle/>
-                    <a:p>
-                      <a:pPr algn="ctr"/>
-                      <a:r>
-                        <a:rPr lang="de-DE" dirty="0"/>
-                        <a:t>0</a:t>
-                      </a:r>
-                    </a:p>
-                  </a:txBody>
-                  <a:tcPr/>
-                </a:tc>
-                <a:tc>
-                  <a:txBody>
-                    <a:bodyPr/>
-                    <a:lstStyle/>
-                    <a:p>
-                      <a:pPr algn="ctr"/>
-                      <a:r>
-                        <a:rPr lang="de-DE" dirty="0"/>
-                        <a:t>0</a:t>
-                      </a:r>
-                    </a:p>
-                  </a:txBody>
-                  <a:tcPr/>
-                </a:tc>
-                <a:tc>
-                  <a:txBody>
-                    <a:bodyPr/>
-                    <a:lstStyle/>
-                    <a:p>
-                      <a:pPr algn="ctr"/>
-                      <a:r>
-                        <a:rPr lang="de-DE" dirty="0"/>
-                        <a:t>36</a:t>
                       </a:r>
                     </a:p>
                   </a:txBody>
@@ -13510,7 +14136,7 @@
                   </a:ext>
                 </a:extLst>
               </a:tr>
-              <a:tr h="214719">
+              <a:tr h="505817">
                 <a:tc>
                   <a:txBody>
                     <a:bodyPr/>
@@ -13519,7 +14145,7 @@
                       <a:pPr algn="ctr"/>
                       <a:r>
                         <a:rPr lang="de-DE" dirty="0"/>
-                        <a:t>Pixel…</a:t>
+                        <a:t>Image…</a:t>
                       </a:r>
                     </a:p>
                   </a:txBody>
@@ -13561,7 +14187,28 @@
                       <a:pPr algn="ctr"/>
                       <a:r>
                         <a:rPr lang="de-DE" dirty="0"/>
-                        <a:t>0</a:t>
+                        <a:t>8</a:t>
+                      </a:r>
+                    </a:p>
+                  </a:txBody>
+                  <a:tcPr/>
+                </a:tc>
+                <a:extLst>
+                  <a:ext uri="{0D108BD9-81ED-4DB2-BD59-A6C34878D82A}">
+                    <a16:rowId xmlns:a16="http://schemas.microsoft.com/office/drawing/2014/main" val="1739809223"/>
+                  </a:ext>
+                </a:extLst>
+              </a:tr>
+              <a:tr h="505817">
+                <a:tc>
+                  <a:txBody>
+                    <a:bodyPr/>
+                    <a:lstStyle/>
+                    <a:p>
+                      <a:pPr algn="ctr"/>
+                      <a:r>
+                        <a:rPr lang="de-DE" dirty="0"/>
+                        <a:t>Image x</a:t>
                       </a:r>
                     </a:p>
                   </a:txBody>
@@ -13576,83 +14223,6 @@
                       <a:r>
                         <a:rPr lang="de-DE" dirty="0"/>
                         <a:t>0</a:t>
-                      </a:r>
-                    </a:p>
-                  </a:txBody>
-                  <a:tcPr/>
-                </a:tc>
-                <a:tc>
-                  <a:txBody>
-                    <a:bodyPr/>
-                    <a:lstStyle/>
-                    <a:p>
-                      <a:pPr algn="ctr"/>
-                      <a:r>
-                        <a:rPr lang="de-DE" dirty="0"/>
-                        <a:t>8</a:t>
-                      </a:r>
-                    </a:p>
-                  </a:txBody>
-                  <a:tcPr/>
-                </a:tc>
-                <a:extLst>
-                  <a:ext uri="{0D108BD9-81ED-4DB2-BD59-A6C34878D82A}">
-                    <a16:rowId xmlns:a16="http://schemas.microsoft.com/office/drawing/2014/main" val="1739809223"/>
-                  </a:ext>
-                </a:extLst>
-              </a:tr>
-              <a:tr h="315095">
-                <a:tc>
-                  <a:txBody>
-                    <a:bodyPr/>
-                    <a:lstStyle/>
-                    <a:p>
-                      <a:pPr algn="ctr"/>
-                      <a:r>
-                        <a:rPr lang="de-DE" dirty="0"/>
-                        <a:t>Pixel784</a:t>
-                      </a:r>
-                    </a:p>
-                  </a:txBody>
-                  <a:tcPr/>
-                </a:tc>
-                <a:tc>
-                  <a:txBody>
-                    <a:bodyPr/>
-                    <a:lstStyle/>
-                    <a:p>
-                      <a:pPr algn="ctr"/>
-                      <a:r>
-                        <a:rPr lang="de-DE" dirty="0"/>
-                        <a:t>0</a:t>
-                      </a:r>
-                    </a:p>
-                  </a:txBody>
-                  <a:tcPr/>
-                </a:tc>
-                <a:tc>
-                  <a:txBody>
-                    <a:bodyPr/>
-                    <a:lstStyle/>
-                    <a:p>
-                      <a:pPr algn="ctr"/>
-                      <a:r>
-                        <a:rPr lang="de-DE" dirty="0"/>
-                        <a:t>0</a:t>
-                      </a:r>
-                    </a:p>
-                  </a:txBody>
-                  <a:tcPr/>
-                </a:tc>
-                <a:tc>
-                  <a:txBody>
-                    <a:bodyPr/>
-                    <a:lstStyle/>
-                    <a:p>
-                      <a:pPr algn="ctr"/>
-                      <a:r>
-                        <a:rPr lang="de-DE" dirty="0"/>
-                        <a:t>11</a:t>
                       </a:r>
                     </a:p>
                   </a:txBody>
@@ -13696,152 +14266,6 @@
           </a:graphicData>
         </a:graphic>
       </p:graphicFrame>
-      <p:sp>
-        <p:nvSpPr>
-          <p:cNvPr id="7" name="Pfeil: nach rechts 6">
-            <a:extLst>
-              <a:ext uri="{FF2B5EF4-FFF2-40B4-BE49-F238E27FC236}">
-                <a16:creationId xmlns:a16="http://schemas.microsoft.com/office/drawing/2014/main" id="{EBAB8428-19FC-46B4-86D1-06DA423F5159}"/>
-              </a:ext>
-            </a:extLst>
-          </p:cNvPr>
-          <p:cNvSpPr/>
-          <p:nvPr/>
-        </p:nvSpPr>
-        <p:spPr>
-          <a:xfrm>
-            <a:off x="6195170" y="3832800"/>
-            <a:ext cx="600075" cy="1219200"/>
-          </a:xfrm>
-          <a:prstGeom prst="rightArrow">
-            <a:avLst/>
-          </a:prstGeom>
-        </p:spPr>
-        <p:style>
-          <a:lnRef idx="2">
-            <a:schemeClr val="accent1">
-              <a:shade val="50000"/>
-            </a:schemeClr>
-          </a:lnRef>
-          <a:fillRef idx="1">
-            <a:schemeClr val="accent1"/>
-          </a:fillRef>
-          <a:effectRef idx="0">
-            <a:schemeClr val="accent1"/>
-          </a:effectRef>
-          <a:fontRef idx="minor">
-            <a:schemeClr val="lt1"/>
-          </a:fontRef>
-        </p:style>
-        <p:txBody>
-          <a:bodyPr rtlCol="0" anchor="ctr"/>
-          <a:lstStyle/>
-          <a:p>
-            <a:pPr algn="ctr"/>
-            <a:endParaRPr lang="de-DE"/>
-          </a:p>
-        </p:txBody>
-      </p:sp>
-      <p:sp>
-        <p:nvSpPr>
-          <p:cNvPr id="8" name="Textfeld 7">
-            <a:extLst>
-              <a:ext uri="{FF2B5EF4-FFF2-40B4-BE49-F238E27FC236}">
-                <a16:creationId xmlns:a16="http://schemas.microsoft.com/office/drawing/2014/main" id="{4B38B57E-ED9C-41B4-B178-0A690D45CEFC}"/>
-              </a:ext>
-            </a:extLst>
-          </p:cNvPr>
-          <p:cNvSpPr txBox="1"/>
-          <p:nvPr/>
-        </p:nvSpPr>
-        <p:spPr>
-          <a:xfrm>
-            <a:off x="9576327" y="3222052"/>
-            <a:ext cx="2184400" cy="1631216"/>
-          </a:xfrm>
-          <a:prstGeom prst="rect">
-            <a:avLst/>
-          </a:prstGeom>
-          <a:noFill/>
-        </p:spPr>
-        <p:txBody>
-          <a:bodyPr wrap="square" rtlCol="0">
-            <a:spAutoFit/>
-          </a:bodyPr>
-          <a:lstStyle/>
-          <a:p>
-            <a:r>
-              <a:rPr lang="de-DE" sz="2000" u="sng" dirty="0"/>
-              <a:t>Zum Beispiel:</a:t>
-            </a:r>
-          </a:p>
-          <a:p>
-            <a:endParaRPr lang="de-DE" sz="2000" dirty="0"/>
-          </a:p>
-          <a:p>
-            <a:r>
-              <a:rPr lang="de-DE" sz="2000" dirty="0"/>
-              <a:t>Bilder anschauen von falsch erkannten Ziffern</a:t>
-            </a:r>
-          </a:p>
-        </p:txBody>
-      </p:sp>
-      <p:sp>
-        <p:nvSpPr>
-          <p:cNvPr id="9" name="Textfeld 8">
-            <a:extLst>
-              <a:ext uri="{FF2B5EF4-FFF2-40B4-BE49-F238E27FC236}">
-                <a16:creationId xmlns:a16="http://schemas.microsoft.com/office/drawing/2014/main" id="{B8B5B46E-131F-4826-B800-2829288C4A99}"/>
-              </a:ext>
-            </a:extLst>
-          </p:cNvPr>
-          <p:cNvSpPr txBox="1"/>
-          <p:nvPr/>
-        </p:nvSpPr>
-        <p:spPr>
-          <a:xfrm>
-            <a:off x="6795245" y="5674248"/>
-            <a:ext cx="5263405" cy="369332"/>
-          </a:xfrm>
-          <a:prstGeom prst="rect">
-            <a:avLst/>
-          </a:prstGeom>
-          <a:noFill/>
-        </p:spPr>
-        <p:txBody>
-          <a:bodyPr wrap="square" rtlCol="0">
-            <a:spAutoFit/>
-          </a:bodyPr>
-          <a:lstStyle/>
-          <a:p>
-            <a:r>
-              <a:rPr lang="de-DE" dirty="0"/>
-              <a:t>Source: Digit Recognition </a:t>
-            </a:r>
-            <a:r>
-              <a:rPr lang="de-DE" dirty="0" err="1"/>
-              <a:t>Using</a:t>
-            </a:r>
-            <a:r>
-              <a:rPr lang="de-DE" dirty="0"/>
-              <a:t> Keras, </a:t>
-            </a:r>
-            <a:r>
-              <a:rPr lang="de-DE" dirty="0" err="1"/>
-              <a:t>Mukul</a:t>
-            </a:r>
-            <a:r>
-              <a:rPr lang="de-DE" dirty="0"/>
-              <a:t> </a:t>
-            </a:r>
-            <a:r>
-              <a:rPr lang="de-DE" dirty="0" err="1"/>
-              <a:t>Agrawal</a:t>
-            </a:r>
-            <a:endParaRPr lang="de-DE" dirty="0"/>
-          </a:p>
-        </p:txBody>
-      </p:sp>
     </p:spTree>
     <p:extLst>
       <p:ext uri="{BB962C8B-B14F-4D97-AF65-F5344CB8AC3E}">
@@ -13877,7 +14301,7 @@
           <p:cNvPr id="2" name="Titel 1">
             <a:extLst>
               <a:ext uri="{FF2B5EF4-FFF2-40B4-BE49-F238E27FC236}">
-                <a16:creationId xmlns:a16="http://schemas.microsoft.com/office/drawing/2014/main" id="{6964F3EC-064A-48B7-9EA9-84CBB8EAF0D6}"/>
+                <a16:creationId xmlns:a16="http://schemas.microsoft.com/office/drawing/2014/main" id="{FD425221-F4E0-416C-8FB0-F41F029F15A2}"/>
               </a:ext>
             </a:extLst>
           </p:cNvPr>
@@ -13894,18 +14318,738 @@
           <a:lstStyle/>
           <a:p>
             <a:r>
-              <a:rPr lang="de-DE" dirty="0"/>
-              <a:t>Sachen die wir ausprobieren möchten</a:t>
-            </a:r>
-          </a:p>
-        </p:txBody>
-      </p:sp>
-      <p:sp>
-        <p:nvSpPr>
-          <p:cNvPr id="5" name="Textfeld 4">
+              <a:rPr lang="de-DE" dirty="0" err="1"/>
+              <a:t>Overview</a:t>
+            </a:r>
+            <a:endParaRPr lang="de-DE" dirty="0"/>
+          </a:p>
+        </p:txBody>
+      </p:sp>
+      <p:sp>
+        <p:nvSpPr>
+          <p:cNvPr id="4" name="Rechteck 3">
             <a:extLst>
               <a:ext uri="{FF2B5EF4-FFF2-40B4-BE49-F238E27FC236}">
-                <a16:creationId xmlns:a16="http://schemas.microsoft.com/office/drawing/2014/main" id="{E1459CBC-1426-4D67-89C9-342BAE7F086A}"/>
+                <a16:creationId xmlns:a16="http://schemas.microsoft.com/office/drawing/2014/main" id="{3C144FCF-8160-45CB-AF72-B1E01D48110B}"/>
+              </a:ext>
+            </a:extLst>
+          </p:cNvPr>
+          <p:cNvSpPr/>
+          <p:nvPr/>
+        </p:nvSpPr>
+        <p:spPr>
+          <a:xfrm>
+            <a:off x="3867151" y="3413281"/>
+            <a:ext cx="2867025" cy="361950"/>
+          </a:xfrm>
+          <a:prstGeom prst="rect">
+            <a:avLst/>
+          </a:prstGeom>
+          <a:effectLst>
+            <a:outerShdw blurRad="50800" dist="38100" dir="2700000" algn="tl" rotWithShape="0">
+              <a:prstClr val="black">
+                <a:alpha val="40000"/>
+              </a:prstClr>
+            </a:outerShdw>
+          </a:effectLst>
+        </p:spPr>
+        <p:style>
+          <a:lnRef idx="2">
+            <a:schemeClr val="accent1">
+              <a:shade val="50000"/>
+            </a:schemeClr>
+          </a:lnRef>
+          <a:fillRef idx="1">
+            <a:schemeClr val="accent1"/>
+          </a:fillRef>
+          <a:effectRef idx="0">
+            <a:schemeClr val="accent1"/>
+          </a:effectRef>
+          <a:fontRef idx="minor">
+            <a:schemeClr val="lt1"/>
+          </a:fontRef>
+        </p:style>
+        <p:txBody>
+          <a:bodyPr rtlCol="0" anchor="ctr"/>
+          <a:lstStyle/>
+          <a:p>
+            <a:pPr algn="ctr"/>
+            <a:r>
+              <a:rPr lang="de-DE" dirty="0"/>
+              <a:t>Parser: CSV </a:t>
+            </a:r>
+            <a:r>
+              <a:rPr lang="de-DE" dirty="0" err="1"/>
+              <a:t>input</a:t>
+            </a:r>
+            <a:r>
+              <a:rPr lang="de-DE" dirty="0"/>
+              <a:t> </a:t>
+            </a:r>
+            <a:r>
+              <a:rPr lang="de-DE" dirty="0" err="1"/>
+              <a:t>to</a:t>
+            </a:r>
+            <a:r>
+              <a:rPr lang="de-DE" dirty="0"/>
+              <a:t> </a:t>
+            </a:r>
+            <a:r>
+              <a:rPr lang="de-DE" dirty="0" err="1"/>
+              <a:t>matrix</a:t>
+            </a:r>
+            <a:endParaRPr lang="de-DE" dirty="0"/>
+          </a:p>
+        </p:txBody>
+      </p:sp>
+      <p:sp>
+        <p:nvSpPr>
+          <p:cNvPr id="5" name="Rechteck 4">
+            <a:extLst>
+              <a:ext uri="{FF2B5EF4-FFF2-40B4-BE49-F238E27FC236}">
+                <a16:creationId xmlns:a16="http://schemas.microsoft.com/office/drawing/2014/main" id="{D20448F9-72C8-413F-9D70-4409E2DE11C8}"/>
+              </a:ext>
+            </a:extLst>
+          </p:cNvPr>
+          <p:cNvSpPr/>
+          <p:nvPr/>
+        </p:nvSpPr>
+        <p:spPr>
+          <a:xfrm>
+            <a:off x="4452937" y="5122535"/>
+            <a:ext cx="847726" cy="352425"/>
+          </a:xfrm>
+          <a:prstGeom prst="rect">
+            <a:avLst/>
+          </a:prstGeom>
+          <a:effectLst>
+            <a:outerShdw blurRad="50800" dist="38100" dir="2700000" algn="tl" rotWithShape="0">
+              <a:prstClr val="black">
+                <a:alpha val="40000"/>
+              </a:prstClr>
+            </a:outerShdw>
+          </a:effectLst>
+        </p:spPr>
+        <p:style>
+          <a:lnRef idx="2">
+            <a:schemeClr val="accent1">
+              <a:shade val="50000"/>
+            </a:schemeClr>
+          </a:lnRef>
+          <a:fillRef idx="1">
+            <a:schemeClr val="accent1"/>
+          </a:fillRef>
+          <a:effectRef idx="0">
+            <a:schemeClr val="accent1"/>
+          </a:effectRef>
+          <a:fontRef idx="minor">
+            <a:schemeClr val="lt1"/>
+          </a:fontRef>
+        </p:style>
+        <p:txBody>
+          <a:bodyPr rtlCol="0" anchor="ctr"/>
+          <a:lstStyle/>
+          <a:p>
+            <a:pPr algn="ctr"/>
+            <a:r>
+              <a:rPr lang="de-DE" dirty="0"/>
+              <a:t>KNN</a:t>
+            </a:r>
+          </a:p>
+        </p:txBody>
+      </p:sp>
+      <p:sp>
+        <p:nvSpPr>
+          <p:cNvPr id="6" name="Rechteck 5">
+            <a:extLst>
+              <a:ext uri="{FF2B5EF4-FFF2-40B4-BE49-F238E27FC236}">
+                <a16:creationId xmlns:a16="http://schemas.microsoft.com/office/drawing/2014/main" id="{5180D00F-FD97-4A25-8D38-2CA232B64C83}"/>
+              </a:ext>
+            </a:extLst>
+          </p:cNvPr>
+          <p:cNvSpPr/>
+          <p:nvPr/>
+        </p:nvSpPr>
+        <p:spPr>
+          <a:xfrm>
+            <a:off x="4476751" y="4272670"/>
+            <a:ext cx="847726" cy="352425"/>
+          </a:xfrm>
+          <a:prstGeom prst="rect">
+            <a:avLst/>
+          </a:prstGeom>
+          <a:effectLst>
+            <a:outerShdw blurRad="50800" dist="38100" dir="2700000" algn="tl" rotWithShape="0">
+              <a:prstClr val="black">
+                <a:alpha val="40000"/>
+              </a:prstClr>
+            </a:outerShdw>
+          </a:effectLst>
+        </p:spPr>
+        <p:style>
+          <a:lnRef idx="2">
+            <a:schemeClr val="accent1">
+              <a:shade val="50000"/>
+            </a:schemeClr>
+          </a:lnRef>
+          <a:fillRef idx="1">
+            <a:schemeClr val="accent1"/>
+          </a:fillRef>
+          <a:effectRef idx="0">
+            <a:schemeClr val="accent1"/>
+          </a:effectRef>
+          <a:fontRef idx="minor">
+            <a:schemeClr val="lt1"/>
+          </a:fontRef>
+        </p:style>
+        <p:txBody>
+          <a:bodyPr rtlCol="0" anchor="ctr"/>
+          <a:lstStyle/>
+          <a:p>
+            <a:pPr algn="ctr"/>
+            <a:r>
+              <a:rPr lang="de-DE" dirty="0"/>
+              <a:t>PCA</a:t>
+            </a:r>
+          </a:p>
+        </p:txBody>
+      </p:sp>
+      <p:sp>
+        <p:nvSpPr>
+          <p:cNvPr id="7" name="Rechteck 6">
+            <a:extLst>
+              <a:ext uri="{FF2B5EF4-FFF2-40B4-BE49-F238E27FC236}">
+                <a16:creationId xmlns:a16="http://schemas.microsoft.com/office/drawing/2014/main" id="{A3652C8A-EF34-443B-BEB8-8B5DF46B51EB}"/>
+              </a:ext>
+            </a:extLst>
+          </p:cNvPr>
+          <p:cNvSpPr/>
+          <p:nvPr/>
+        </p:nvSpPr>
+        <p:spPr>
+          <a:xfrm>
+            <a:off x="6734176" y="4272670"/>
+            <a:ext cx="2781301" cy="342901"/>
+          </a:xfrm>
+          <a:prstGeom prst="rect">
+            <a:avLst/>
+          </a:prstGeom>
+          <a:effectLst>
+            <a:outerShdw blurRad="50800" dist="38100" dir="2700000" algn="tl" rotWithShape="0">
+              <a:prstClr val="black">
+                <a:alpha val="40000"/>
+              </a:prstClr>
+            </a:outerShdw>
+          </a:effectLst>
+        </p:spPr>
+        <p:style>
+          <a:lnRef idx="2">
+            <a:schemeClr val="accent1">
+              <a:shade val="50000"/>
+            </a:schemeClr>
+          </a:lnRef>
+          <a:fillRef idx="1">
+            <a:schemeClr val="accent1"/>
+          </a:fillRef>
+          <a:effectRef idx="0">
+            <a:schemeClr val="accent1"/>
+          </a:effectRef>
+          <a:fontRef idx="minor">
+            <a:schemeClr val="lt1"/>
+          </a:fontRef>
+        </p:style>
+        <p:txBody>
+          <a:bodyPr rtlCol="0" anchor="ctr"/>
+          <a:lstStyle/>
+          <a:p>
+            <a:pPr algn="ctr"/>
+            <a:r>
+              <a:rPr lang="de-DE" dirty="0" err="1"/>
+              <a:t>Optimize</a:t>
+            </a:r>
+            <a:r>
+              <a:rPr lang="de-DE" dirty="0"/>
+              <a:t> </a:t>
+            </a:r>
+            <a:r>
+              <a:rPr lang="de-DE" dirty="0" err="1"/>
+              <a:t>parameters</a:t>
+            </a:r>
+            <a:endParaRPr lang="de-DE" dirty="0"/>
+          </a:p>
+        </p:txBody>
+      </p:sp>
+      <p:sp>
+        <p:nvSpPr>
+          <p:cNvPr id="8" name="Rechteck 7">
+            <a:extLst>
+              <a:ext uri="{FF2B5EF4-FFF2-40B4-BE49-F238E27FC236}">
+                <a16:creationId xmlns:a16="http://schemas.microsoft.com/office/drawing/2014/main" id="{CB67835D-B0D2-4792-AD45-26DF015FBC36}"/>
+              </a:ext>
+            </a:extLst>
+          </p:cNvPr>
+          <p:cNvSpPr/>
+          <p:nvPr/>
+        </p:nvSpPr>
+        <p:spPr>
+          <a:xfrm>
+            <a:off x="6734176" y="5132053"/>
+            <a:ext cx="1952627" cy="342901"/>
+          </a:xfrm>
+          <a:prstGeom prst="rect">
+            <a:avLst/>
+          </a:prstGeom>
+          <a:effectLst>
+            <a:outerShdw blurRad="50800" dist="38100" dir="2700000" algn="tl" rotWithShape="0">
+              <a:prstClr val="black">
+                <a:alpha val="40000"/>
+              </a:prstClr>
+            </a:outerShdw>
+          </a:effectLst>
+        </p:spPr>
+        <p:style>
+          <a:lnRef idx="2">
+            <a:schemeClr val="accent1">
+              <a:shade val="50000"/>
+            </a:schemeClr>
+          </a:lnRef>
+          <a:fillRef idx="1">
+            <a:schemeClr val="accent1"/>
+          </a:fillRef>
+          <a:effectRef idx="0">
+            <a:schemeClr val="accent1"/>
+          </a:effectRef>
+          <a:fontRef idx="minor">
+            <a:schemeClr val="lt1"/>
+          </a:fontRef>
+        </p:style>
+        <p:txBody>
+          <a:bodyPr rtlCol="0" anchor="ctr"/>
+          <a:lstStyle/>
+          <a:p>
+            <a:pPr algn="ctr"/>
+            <a:r>
+              <a:rPr lang="de-DE" dirty="0" err="1"/>
+              <a:t>Visualization</a:t>
+            </a:r>
+            <a:endParaRPr lang="de-DE" dirty="0"/>
+          </a:p>
+        </p:txBody>
+      </p:sp>
+      <p:sp>
+        <p:nvSpPr>
+          <p:cNvPr id="9" name="Rechteck 8">
+            <a:extLst>
+              <a:ext uri="{FF2B5EF4-FFF2-40B4-BE49-F238E27FC236}">
+                <a16:creationId xmlns:a16="http://schemas.microsoft.com/office/drawing/2014/main" id="{D252AD02-69CE-4013-B9CC-1224A53A42F3}"/>
+              </a:ext>
+            </a:extLst>
+          </p:cNvPr>
+          <p:cNvSpPr/>
+          <p:nvPr/>
+        </p:nvSpPr>
+        <p:spPr>
+          <a:xfrm>
+            <a:off x="3090863" y="2145029"/>
+            <a:ext cx="1952626" cy="361950"/>
+          </a:xfrm>
+          <a:prstGeom prst="rect">
+            <a:avLst/>
+          </a:prstGeom>
+          <a:solidFill>
+            <a:srgbClr val="FFC000"/>
+          </a:solidFill>
+          <a:ln>
+            <a:solidFill>
+              <a:srgbClr val="FF0000"/>
+            </a:solidFill>
+          </a:ln>
+          <a:effectLst>
+            <a:outerShdw blurRad="50800" dist="38100" dir="2700000" algn="tl" rotWithShape="0">
+              <a:prstClr val="black">
+                <a:alpha val="40000"/>
+              </a:prstClr>
+            </a:outerShdw>
+          </a:effectLst>
+        </p:spPr>
+        <p:style>
+          <a:lnRef idx="2">
+            <a:schemeClr val="accent1">
+              <a:shade val="50000"/>
+            </a:schemeClr>
+          </a:lnRef>
+          <a:fillRef idx="1">
+            <a:schemeClr val="accent1"/>
+          </a:fillRef>
+          <a:effectRef idx="0">
+            <a:schemeClr val="accent1"/>
+          </a:effectRef>
+          <a:fontRef idx="minor">
+            <a:schemeClr val="lt1"/>
+          </a:fontRef>
+        </p:style>
+        <p:txBody>
+          <a:bodyPr rtlCol="0" anchor="ctr"/>
+          <a:lstStyle/>
+          <a:p>
+            <a:pPr algn="ctr"/>
+            <a:r>
+              <a:rPr lang="de-DE" dirty="0" err="1"/>
+              <a:t>Our</a:t>
+            </a:r>
+            <a:r>
+              <a:rPr lang="de-DE" dirty="0"/>
+              <a:t> </a:t>
+            </a:r>
+            <a:r>
+              <a:rPr lang="de-DE" dirty="0" err="1"/>
+              <a:t>handwriting</a:t>
+            </a:r>
+            <a:endParaRPr lang="de-DE" dirty="0"/>
+          </a:p>
+        </p:txBody>
+      </p:sp>
+      <p:sp>
+        <p:nvSpPr>
+          <p:cNvPr id="10" name="Rechteck 9">
+            <a:extLst>
+              <a:ext uri="{FF2B5EF4-FFF2-40B4-BE49-F238E27FC236}">
+                <a16:creationId xmlns:a16="http://schemas.microsoft.com/office/drawing/2014/main" id="{3FCA1C79-AB5E-4320-A47F-958AE6BBE9F2}"/>
+              </a:ext>
+            </a:extLst>
+          </p:cNvPr>
+          <p:cNvSpPr/>
+          <p:nvPr/>
+        </p:nvSpPr>
+        <p:spPr>
+          <a:xfrm>
+            <a:off x="5662613" y="2145029"/>
+            <a:ext cx="2586037" cy="361950"/>
+          </a:xfrm>
+          <a:prstGeom prst="rect">
+            <a:avLst/>
+          </a:prstGeom>
+          <a:solidFill>
+            <a:srgbClr val="FFC000"/>
+          </a:solidFill>
+          <a:ln>
+            <a:solidFill>
+              <a:srgbClr val="FF0000"/>
+            </a:solidFill>
+          </a:ln>
+          <a:effectLst>
+            <a:outerShdw blurRad="50800" dist="38100" dir="2700000" algn="tl" rotWithShape="0">
+              <a:prstClr val="black">
+                <a:alpha val="40000"/>
+              </a:prstClr>
+            </a:outerShdw>
+          </a:effectLst>
+        </p:spPr>
+        <p:style>
+          <a:lnRef idx="2">
+            <a:schemeClr val="accent1">
+              <a:shade val="50000"/>
+            </a:schemeClr>
+          </a:lnRef>
+          <a:fillRef idx="1">
+            <a:schemeClr val="accent1"/>
+          </a:fillRef>
+          <a:effectRef idx="0">
+            <a:schemeClr val="accent1"/>
+          </a:effectRef>
+          <a:fontRef idx="minor">
+            <a:schemeClr val="lt1"/>
+          </a:fontRef>
+        </p:style>
+        <p:txBody>
+          <a:bodyPr rtlCol="0" anchor="ctr"/>
+          <a:lstStyle/>
+          <a:p>
+            <a:pPr algn="ctr"/>
+            <a:r>
+              <a:rPr lang="de-DE" dirty="0"/>
+              <a:t>Analog  </a:t>
+            </a:r>
+            <a:r>
+              <a:rPr lang="de-DE" dirty="0" err="1"/>
+              <a:t>system</a:t>
+            </a:r>
+            <a:r>
+              <a:rPr lang="de-DE" dirty="0"/>
+              <a:t> </a:t>
+            </a:r>
+            <a:r>
+              <a:rPr lang="de-DE" dirty="0" err="1"/>
+              <a:t>for</a:t>
+            </a:r>
+            <a:r>
+              <a:rPr lang="de-DE" dirty="0"/>
+              <a:t> </a:t>
+            </a:r>
+            <a:r>
+              <a:rPr lang="de-DE" dirty="0" err="1"/>
+              <a:t>letters</a:t>
+            </a:r>
+            <a:endParaRPr lang="de-DE" dirty="0"/>
+          </a:p>
+        </p:txBody>
+      </p:sp>
+      <p:cxnSp>
+        <p:nvCxnSpPr>
+          <p:cNvPr id="12" name="Gerade Verbindung mit Pfeil 11">
+            <a:extLst>
+              <a:ext uri="{FF2B5EF4-FFF2-40B4-BE49-F238E27FC236}">
+                <a16:creationId xmlns:a16="http://schemas.microsoft.com/office/drawing/2014/main" id="{FBD46719-C1A0-4F14-B082-F80632595B0B}"/>
+              </a:ext>
+            </a:extLst>
+          </p:cNvPr>
+          <p:cNvCxnSpPr>
+            <a:cxnSpLocks/>
+            <a:stCxn id="9" idx="2"/>
+          </p:cNvCxnSpPr>
+          <p:nvPr/>
+        </p:nvCxnSpPr>
+        <p:spPr>
+          <a:xfrm>
+            <a:off x="4067176" y="2506979"/>
+            <a:ext cx="714374" cy="741046"/>
+          </a:xfrm>
+          <a:prstGeom prst="straightConnector1">
+            <a:avLst/>
+          </a:prstGeom>
+          <a:ln>
+            <a:tailEnd type="triangle"/>
+          </a:ln>
+        </p:spPr>
+        <p:style>
+          <a:lnRef idx="2">
+            <a:schemeClr val="dk1"/>
+          </a:lnRef>
+          <a:fillRef idx="0">
+            <a:schemeClr val="dk1"/>
+          </a:fillRef>
+          <a:effectRef idx="1">
+            <a:schemeClr val="dk1"/>
+          </a:effectRef>
+          <a:fontRef idx="minor">
+            <a:schemeClr val="tx1"/>
+          </a:fontRef>
+        </p:style>
+      </p:cxnSp>
+      <p:cxnSp>
+        <p:nvCxnSpPr>
+          <p:cNvPr id="15" name="Gerade Verbindung mit Pfeil 14">
+            <a:extLst>
+              <a:ext uri="{FF2B5EF4-FFF2-40B4-BE49-F238E27FC236}">
+                <a16:creationId xmlns:a16="http://schemas.microsoft.com/office/drawing/2014/main" id="{F73EB8DE-6007-4698-90F1-AB21DE6D8866}"/>
+              </a:ext>
+            </a:extLst>
+          </p:cNvPr>
+          <p:cNvCxnSpPr>
+            <a:cxnSpLocks/>
+            <a:stCxn id="10" idx="2"/>
+          </p:cNvCxnSpPr>
+          <p:nvPr/>
+        </p:nvCxnSpPr>
+        <p:spPr>
+          <a:xfrm flipH="1">
+            <a:off x="5857875" y="2506979"/>
+            <a:ext cx="1097757" cy="741046"/>
+          </a:xfrm>
+          <a:prstGeom prst="straightConnector1">
+            <a:avLst/>
+          </a:prstGeom>
+          <a:ln>
+            <a:tailEnd type="triangle"/>
+          </a:ln>
+        </p:spPr>
+        <p:style>
+          <a:lnRef idx="2">
+            <a:schemeClr val="dk1"/>
+          </a:lnRef>
+          <a:fillRef idx="0">
+            <a:schemeClr val="dk1"/>
+          </a:fillRef>
+          <a:effectRef idx="1">
+            <a:schemeClr val="dk1"/>
+          </a:effectRef>
+          <a:fontRef idx="minor">
+            <a:schemeClr val="tx1"/>
+          </a:fontRef>
+        </p:style>
+      </p:cxnSp>
+      <p:cxnSp>
+        <p:nvCxnSpPr>
+          <p:cNvPr id="17" name="Gerade Verbindung mit Pfeil 16">
+            <a:extLst>
+              <a:ext uri="{FF2B5EF4-FFF2-40B4-BE49-F238E27FC236}">
+                <a16:creationId xmlns:a16="http://schemas.microsoft.com/office/drawing/2014/main" id="{68EA95B4-1972-46D5-B3E8-2705355D8206}"/>
+              </a:ext>
+            </a:extLst>
+          </p:cNvPr>
+          <p:cNvCxnSpPr>
+            <a:cxnSpLocks/>
+          </p:cNvCxnSpPr>
+          <p:nvPr/>
+        </p:nvCxnSpPr>
+        <p:spPr>
+          <a:xfrm>
+            <a:off x="4900614" y="3825708"/>
+            <a:ext cx="0" cy="418387"/>
+          </a:xfrm>
+          <a:prstGeom prst="straightConnector1">
+            <a:avLst/>
+          </a:prstGeom>
+          <a:ln>
+            <a:tailEnd type="triangle"/>
+          </a:ln>
+        </p:spPr>
+        <p:style>
+          <a:lnRef idx="2">
+            <a:schemeClr val="dk1"/>
+          </a:lnRef>
+          <a:fillRef idx="0">
+            <a:schemeClr val="dk1"/>
+          </a:fillRef>
+          <a:effectRef idx="1">
+            <a:schemeClr val="dk1"/>
+          </a:effectRef>
+          <a:fontRef idx="minor">
+            <a:schemeClr val="tx1"/>
+          </a:fontRef>
+        </p:style>
+      </p:cxnSp>
+      <p:cxnSp>
+        <p:nvCxnSpPr>
+          <p:cNvPr id="21" name="Gerade Verbindung mit Pfeil 20">
+            <a:extLst>
+              <a:ext uri="{FF2B5EF4-FFF2-40B4-BE49-F238E27FC236}">
+                <a16:creationId xmlns:a16="http://schemas.microsoft.com/office/drawing/2014/main" id="{2714CC57-CF7B-4DC0-923E-1DF969389D60}"/>
+              </a:ext>
+            </a:extLst>
+          </p:cNvPr>
+          <p:cNvCxnSpPr>
+            <a:cxnSpLocks/>
+          </p:cNvCxnSpPr>
+          <p:nvPr/>
+        </p:nvCxnSpPr>
+        <p:spPr>
+          <a:xfrm>
+            <a:off x="4900614" y="4667957"/>
+            <a:ext cx="0" cy="418387"/>
+          </a:xfrm>
+          <a:prstGeom prst="straightConnector1">
+            <a:avLst/>
+          </a:prstGeom>
+          <a:ln>
+            <a:tailEnd type="triangle"/>
+          </a:ln>
+        </p:spPr>
+        <p:style>
+          <a:lnRef idx="2">
+            <a:schemeClr val="dk1"/>
+          </a:lnRef>
+          <a:fillRef idx="0">
+            <a:schemeClr val="dk1"/>
+          </a:fillRef>
+          <a:effectRef idx="1">
+            <a:schemeClr val="dk1"/>
+          </a:effectRef>
+          <a:fontRef idx="minor">
+            <a:schemeClr val="tx1"/>
+          </a:fontRef>
+        </p:style>
+      </p:cxnSp>
+      <p:cxnSp>
+        <p:nvCxnSpPr>
+          <p:cNvPr id="23" name="Gerade Verbindung mit Pfeil 22">
+            <a:extLst>
+              <a:ext uri="{FF2B5EF4-FFF2-40B4-BE49-F238E27FC236}">
+                <a16:creationId xmlns:a16="http://schemas.microsoft.com/office/drawing/2014/main" id="{B8AA6557-3089-4109-B91D-BFBCE8968F0A}"/>
+              </a:ext>
+            </a:extLst>
+          </p:cNvPr>
+          <p:cNvCxnSpPr>
+            <a:cxnSpLocks/>
+            <a:stCxn id="7" idx="1"/>
+          </p:cNvCxnSpPr>
+          <p:nvPr/>
+        </p:nvCxnSpPr>
+        <p:spPr>
+          <a:xfrm flipH="1">
+            <a:off x="5438775" y="4444121"/>
+            <a:ext cx="1295401" cy="0"/>
+          </a:xfrm>
+          <a:prstGeom prst="straightConnector1">
+            <a:avLst/>
+          </a:prstGeom>
+          <a:ln>
+            <a:tailEnd type="triangle"/>
+          </a:ln>
+        </p:spPr>
+        <p:style>
+          <a:lnRef idx="2">
+            <a:schemeClr val="dk1"/>
+          </a:lnRef>
+          <a:fillRef idx="0">
+            <a:schemeClr val="dk1"/>
+          </a:fillRef>
+          <a:effectRef idx="1">
+            <a:schemeClr val="dk1"/>
+          </a:effectRef>
+          <a:fontRef idx="minor">
+            <a:schemeClr val="tx1"/>
+          </a:fontRef>
+        </p:style>
+      </p:cxnSp>
+      <p:cxnSp>
+        <p:nvCxnSpPr>
+          <p:cNvPr id="27" name="Gerade Verbindung mit Pfeil 26">
+            <a:extLst>
+              <a:ext uri="{FF2B5EF4-FFF2-40B4-BE49-F238E27FC236}">
+                <a16:creationId xmlns:a16="http://schemas.microsoft.com/office/drawing/2014/main" id="{3E4A8C46-F5FD-47C9-BD8D-0E332217A07E}"/>
+              </a:ext>
+            </a:extLst>
+          </p:cNvPr>
+          <p:cNvCxnSpPr>
+            <a:cxnSpLocks/>
+            <a:stCxn id="5" idx="3"/>
+          </p:cNvCxnSpPr>
+          <p:nvPr/>
+        </p:nvCxnSpPr>
+        <p:spPr>
+          <a:xfrm>
+            <a:off x="5300663" y="5298748"/>
+            <a:ext cx="1309687" cy="4755"/>
+          </a:xfrm>
+          <a:prstGeom prst="straightConnector1">
+            <a:avLst/>
+          </a:prstGeom>
+          <a:ln>
+            <a:tailEnd type="triangle"/>
+          </a:ln>
+        </p:spPr>
+        <p:style>
+          <a:lnRef idx="2">
+            <a:schemeClr val="dk1"/>
+          </a:lnRef>
+          <a:fillRef idx="0">
+            <a:schemeClr val="dk1"/>
+          </a:fillRef>
+          <a:effectRef idx="1">
+            <a:schemeClr val="dk1"/>
+          </a:effectRef>
+          <a:fontRef idx="minor">
+            <a:schemeClr val="tx1"/>
+          </a:fontRef>
+        </p:style>
+      </p:cxnSp>
+      <p:sp>
+        <p:nvSpPr>
+          <p:cNvPr id="29" name="Textfeld 28">
+            <a:extLst>
+              <a:ext uri="{FF2B5EF4-FFF2-40B4-BE49-F238E27FC236}">
+                <a16:creationId xmlns:a16="http://schemas.microsoft.com/office/drawing/2014/main" id="{B0FF87C3-674E-402E-9DF8-D2DBC94CBFD1}"/>
               </a:ext>
             </a:extLst>
           </p:cNvPr>
@@ -13914,8 +15058,8 @@
         </p:nvSpPr>
         <p:spPr>
           <a:xfrm>
-            <a:off x="1495425" y="2762250"/>
-            <a:ext cx="9877425" cy="2246769"/>
+            <a:off x="1064406" y="2125949"/>
+            <a:ext cx="2007537" cy="400110"/>
           </a:xfrm>
           <a:prstGeom prst="rect">
             <a:avLst/>
@@ -13923,86 +15067,121 @@
           <a:noFill/>
         </p:spPr>
         <p:txBody>
-          <a:bodyPr wrap="square" rtlCol="0">
+          <a:bodyPr wrap="none" rtlCol="0">
             <a:spAutoFit/>
           </a:bodyPr>
           <a:lstStyle/>
           <a:p>
-            <a:pPr marL="285750" indent="-285750">
-              <a:buFont typeface="Arial" panose="020B0604020202020204" pitchFamily="34" charset="0"/>
-              <a:buChar char="•"/>
-            </a:pPr>
-            <a:r>
-              <a:rPr lang="de-DE" sz="2000" dirty="0"/>
-              <a:t>Unsere eigene Handschrift mit dem Programm analysieren</a:t>
-            </a:r>
-          </a:p>
-          <a:p>
-            <a:pPr marL="285750" indent="-285750">
-              <a:buFont typeface="Arial" panose="020B0604020202020204" pitchFamily="34" charset="0"/>
-              <a:buChar char="•"/>
-            </a:pPr>
-            <a:endParaRPr lang="de-DE" sz="2000" dirty="0"/>
-          </a:p>
-          <a:p>
-            <a:pPr marL="285750" indent="-285750">
-              <a:buFont typeface="Arial" panose="020B0604020202020204" pitchFamily="34" charset="0"/>
-              <a:buChar char="•"/>
-            </a:pPr>
-            <a:r>
-              <a:rPr lang="de-DE" sz="2000" dirty="0"/>
-              <a:t>Den Algorithmus zur Erkennung von Buchstaben (oder </a:t>
-            </a:r>
-            <a:r>
-              <a:rPr lang="de-DE" sz="2000" dirty="0" err="1"/>
-              <a:t>Gesichtererkennung</a:t>
-            </a:r>
-            <a:r>
-              <a:rPr lang="de-DE" sz="2000" dirty="0"/>
-              <a:t>?) verwenden</a:t>
-            </a:r>
-          </a:p>
-          <a:p>
-            <a:pPr marL="285750" indent="-285750">
-              <a:buFont typeface="Arial" panose="020B0604020202020204" pitchFamily="34" charset="0"/>
-              <a:buChar char="•"/>
-            </a:pPr>
-            <a:endParaRPr lang="de-DE" sz="2000" dirty="0"/>
-          </a:p>
-          <a:p>
-            <a:pPr marL="285750" indent="-285750">
-              <a:buFont typeface="Arial" panose="020B0604020202020204" pitchFamily="34" charset="0"/>
-              <a:buChar char="•"/>
-            </a:pPr>
-            <a:r>
-              <a:rPr lang="de-DE" sz="2000" dirty="0" err="1"/>
-              <a:t>Machine</a:t>
-            </a:r>
-            <a:r>
-              <a:rPr lang="de-DE" sz="2000" dirty="0"/>
-              <a:t> Learning Funktion ausprobieren (weil es sich cool anhört)</a:t>
-            </a:r>
-          </a:p>
-          <a:p>
-            <a:pPr marL="285750" indent="-285750">
-              <a:buFont typeface="Arial" panose="020B0604020202020204" pitchFamily="34" charset="0"/>
-              <a:buChar char="•"/>
-            </a:pPr>
-            <a:endParaRPr lang="de-DE" sz="2000" dirty="0"/>
-          </a:p>
-          <a:p>
-            <a:pPr marL="285750" indent="-285750">
-              <a:buFont typeface="Arial" panose="020B0604020202020204" pitchFamily="34" charset="0"/>
-              <a:buChar char="•"/>
-            </a:pPr>
-            <a:endParaRPr lang="de-DE" sz="2000" dirty="0"/>
+            <a:r>
+              <a:rPr lang="de-DE" sz="2000" b="1" dirty="0"/>
+              <a:t>Things </a:t>
+            </a:r>
+            <a:r>
+              <a:rPr lang="de-DE" sz="2000" b="1" dirty="0" err="1"/>
+              <a:t>to</a:t>
+            </a:r>
+            <a:r>
+              <a:rPr lang="de-DE" sz="2000" b="1" dirty="0"/>
+              <a:t> </a:t>
+            </a:r>
+            <a:r>
+              <a:rPr lang="de-DE" sz="2000" b="1" dirty="0" err="1"/>
+              <a:t>try</a:t>
+            </a:r>
+            <a:r>
+              <a:rPr lang="de-DE" sz="2000" b="1" dirty="0"/>
+              <a:t> out:</a:t>
+            </a:r>
+          </a:p>
+        </p:txBody>
+      </p:sp>
+      <p:sp>
+        <p:nvSpPr>
+          <p:cNvPr id="30" name="Rechteck 29">
+            <a:extLst>
+              <a:ext uri="{FF2B5EF4-FFF2-40B4-BE49-F238E27FC236}">
+                <a16:creationId xmlns:a16="http://schemas.microsoft.com/office/drawing/2014/main" id="{D462E61F-36B7-4D4E-8D16-AA0A2D4CD544}"/>
+              </a:ext>
+            </a:extLst>
+          </p:cNvPr>
+          <p:cNvSpPr/>
+          <p:nvPr/>
+        </p:nvSpPr>
+        <p:spPr>
+          <a:xfrm>
+            <a:off x="9324975" y="2017516"/>
+            <a:ext cx="1952626" cy="616976"/>
+          </a:xfrm>
+          <a:prstGeom prst="rect">
+            <a:avLst/>
+          </a:prstGeom>
+          <a:solidFill>
+            <a:srgbClr val="FFC000"/>
+          </a:solidFill>
+          <a:ln>
+            <a:solidFill>
+              <a:srgbClr val="FF0000"/>
+            </a:solidFill>
+          </a:ln>
+          <a:effectLst>
+            <a:outerShdw blurRad="50800" dist="38100" dir="2700000" algn="tl" rotWithShape="0">
+              <a:prstClr val="black">
+                <a:alpha val="40000"/>
+              </a:prstClr>
+            </a:outerShdw>
+          </a:effectLst>
+        </p:spPr>
+        <p:style>
+          <a:lnRef idx="2">
+            <a:schemeClr val="accent1">
+              <a:shade val="50000"/>
+            </a:schemeClr>
+          </a:lnRef>
+          <a:fillRef idx="1">
+            <a:schemeClr val="accent1"/>
+          </a:fillRef>
+          <a:effectRef idx="0">
+            <a:schemeClr val="accent1"/>
+          </a:effectRef>
+          <a:fontRef idx="minor">
+            <a:schemeClr val="lt1"/>
+          </a:fontRef>
+        </p:style>
+        <p:txBody>
+          <a:bodyPr rtlCol="0" anchor="ctr"/>
+          <a:lstStyle/>
+          <a:p>
+            <a:pPr algn="ctr"/>
+            <a:r>
+              <a:rPr lang="de-DE" dirty="0" err="1"/>
+              <a:t>Neural</a:t>
+            </a:r>
+            <a:r>
+              <a:rPr lang="de-DE" dirty="0"/>
+              <a:t> network</a:t>
+            </a:r>
+          </a:p>
+          <a:p>
+            <a:pPr algn="ctr"/>
+            <a:r>
+              <a:rPr lang="de-DE" dirty="0"/>
+              <a:t>(</a:t>
+            </a:r>
+            <a:r>
+              <a:rPr lang="de-DE" dirty="0" err="1"/>
+              <a:t>maybe</a:t>
+            </a:r>
+            <a:r>
+              <a:rPr lang="de-DE" dirty="0"/>
+              <a:t>)</a:t>
+            </a:r>
           </a:p>
         </p:txBody>
       </p:sp>
     </p:spTree>
     <p:extLst>
       <p:ext uri="{BB962C8B-B14F-4D97-AF65-F5344CB8AC3E}">
-        <p14:creationId xmlns:p14="http://schemas.microsoft.com/office/powerpoint/2010/main" val="2565976661"/>
+        <p14:creationId xmlns:p14="http://schemas.microsoft.com/office/powerpoint/2010/main" val="987503754"/>
       </p:ext>
     </p:extLst>
   </p:cSld>

--- a/Vortrag1.pptx
+++ b/Vortrag1.pptx
@@ -119,6 +119,32 @@
     </p:ext>
   </p:extLst>
 </p:presentation>
+</file>
+
+<file path=ppt/commentAuthors.xml><?xml version="1.0" encoding="utf-8"?>
+<p:cmAuthorLst xmlns:a="http://schemas.openxmlformats.org/drawingml/2006/main" xmlns:r="http://schemas.openxmlformats.org/officeDocument/2006/relationships" xmlns:p="http://schemas.openxmlformats.org/presentationml/2006/main">
+  <p:cmAuthor id="1" name="Lukas Voos" initials="LV" lastIdx="1" clrIdx="0">
+    <p:extLst>
+      <p:ext uri="{19B8F6BF-5375-455C-9EA6-DF929625EA0E}">
+        <p15:presenceInfo xmlns:p15="http://schemas.microsoft.com/office/powerpoint/2012/main" userId="f3e8d84b45cd40f9" providerId="Windows Live"/>
+      </p:ext>
+    </p:extLst>
+  </p:cmAuthor>
+</p:cmAuthorLst>
+</file>
+
+<file path=ppt/comments/comment1.xml><?xml version="1.0" encoding="utf-8"?>
+<p:cmLst xmlns:a="http://schemas.openxmlformats.org/drawingml/2006/main" xmlns:r="http://schemas.openxmlformats.org/officeDocument/2006/relationships" xmlns:p="http://schemas.openxmlformats.org/presentationml/2006/main">
+  <p:cm authorId="1" dt="2019-05-13T18:45:47.461" idx="1">
+    <p:pos x="10" y="10"/>
+    <p:text>too many dimensions</p:text>
+    <p:extLst>
+      <p:ext uri="{C676402C-5697-4E1C-873F-D02D1690AC5C}">
+        <p15:threadingInfo xmlns:p15="http://schemas.microsoft.com/office/powerpoint/2012/main" timeZoneBias="-120"/>
+      </p:ext>
+    </p:extLst>
+  </p:cm>
+</p:cmLst>
 </file>
 
 <file path=ppt/slideLayouts/slideLayout1.xml><?xml version="1.0" encoding="utf-8"?>
@@ -11204,7 +11230,7 @@
           <a:p>
             <a:r>
               <a:rPr lang="de-DE" dirty="0"/>
-              <a:t>K </a:t>
+              <a:t>K-</a:t>
             </a:r>
             <a:r>
               <a:rPr lang="de-DE" dirty="0" err="1"/>
@@ -11216,7 +11242,7 @@
             </a:r>
             <a:r>
               <a:rPr lang="de-DE" dirty="0" err="1"/>
-              <a:t>Neighbour</a:t>
+              <a:t>Neighbours</a:t>
             </a:r>
             <a:r>
               <a:rPr lang="de-DE" dirty="0"/>
@@ -11998,7 +12024,15 @@
             </a:r>
             <a:r>
               <a:rPr lang="de-DE" sz="2000" dirty="0"/>
-              <a:t> K trainings-</a:t>
+              <a:t> K </a:t>
+            </a:r>
+            <a:r>
+              <a:rPr lang="de-DE" sz="2000" dirty="0" err="1"/>
+              <a:t>training</a:t>
+            </a:r>
+            <a:r>
+              <a:rPr lang="de-DE" sz="2000" dirty="0"/>
+              <a:t> </a:t>
             </a:r>
             <a:r>
               <a:rPr lang="de-DE" sz="2000" dirty="0" err="1"/>
@@ -12087,7 +12121,23 @@
             </a:r>
             <a:r>
               <a:rPr lang="de-DE" sz="2000" dirty="0"/>
-              <a:t> K trainings-images </a:t>
+              <a:t> k </a:t>
+            </a:r>
+            <a:r>
+              <a:rPr lang="de-DE" sz="2000" dirty="0" err="1"/>
+              <a:t>training</a:t>
+            </a:r>
+            <a:r>
+              <a:rPr lang="de-DE" sz="2000" dirty="0"/>
+              <a:t> </a:t>
+            </a:r>
+            <a:r>
+              <a:rPr lang="de-DE" sz="2000" dirty="0" err="1"/>
+              <a:t>images</a:t>
+            </a:r>
+            <a:r>
+              <a:rPr lang="de-DE" sz="2000" dirty="0"/>
+              <a:t> </a:t>
             </a:r>
             <a:r>
               <a:rPr lang="de-DE" sz="2000" dirty="0" err="1"/>
@@ -12135,7 +12185,23 @@
             </a:r>
             <a:r>
               <a:rPr lang="de-DE" sz="2000" dirty="0"/>
-              <a:t> test-image.</a:t>
+              <a:t> </a:t>
+            </a:r>
+            <a:r>
+              <a:rPr lang="de-DE" sz="2000" dirty="0" err="1"/>
+              <a:t>test</a:t>
+            </a:r>
+            <a:r>
+              <a:rPr lang="de-DE" sz="2000" dirty="0"/>
+              <a:t> </a:t>
+            </a:r>
+            <a:r>
+              <a:rPr lang="de-DE" sz="2000" dirty="0" err="1"/>
+              <a:t>image</a:t>
+            </a:r>
+            <a:r>
+              <a:rPr lang="de-DE" sz="2000" dirty="0"/>
+              <a:t>.</a:t>
             </a:r>
           </a:p>
           <a:p>
@@ -12685,7 +12751,15 @@
             </a:r>
             <a:r>
               <a:rPr lang="de-DE" sz="2000" dirty="0"/>
-              <a:t> -&gt; a 784 dimensional </a:t>
+              <a:t> </a:t>
+            </a:r>
+            <a:r>
+              <a:rPr lang="de-DE" sz="2000" dirty="0" err="1"/>
+              <a:t>is</a:t>
+            </a:r>
+            <a:r>
+              <a:rPr lang="de-DE" sz="2000" dirty="0"/>
+              <a:t> a 784 dimensional </a:t>
             </a:r>
             <a:r>
               <a:rPr lang="de-DE" sz="2000" dirty="0" err="1"/>
@@ -13098,7 +13172,7 @@
         <p:spPr>
           <a:xfrm flipH="1">
             <a:off x="1097280" y="1918037"/>
-            <a:ext cx="10580370" cy="1631216"/>
+            <a:ext cx="10580370" cy="1938992"/>
           </a:xfrm>
           <a:prstGeom prst="rect">
             <a:avLst/>
@@ -13238,15 +13312,23 @@
             </a:r>
             <a:r>
               <a:rPr lang="de-DE" sz="2000" dirty="0"/>
-              <a:t> K and T (</a:t>
+              <a:t> k and T (</a:t>
             </a:r>
             <a:r>
               <a:rPr lang="de-DE" sz="2000" dirty="0" err="1"/>
-              <a:t>dimensions</a:t>
+              <a:t>number</a:t>
             </a:r>
             <a:r>
               <a:rPr lang="de-DE" sz="2000" dirty="0"/>
-              <a:t>) </a:t>
+              <a:t> </a:t>
+            </a:r>
+            <a:r>
+              <a:rPr lang="de-DE" sz="2000" dirty="0" err="1"/>
+              <a:t>of</a:t>
+            </a:r>
+            <a:r>
+              <a:rPr lang="de-DE" sz="2000" dirty="0"/>
+              <a:t> dimensionsafter PCA) </a:t>
             </a:r>
             <a:r>
               <a:rPr lang="de-DE" sz="2000" dirty="0" err="1"/>
@@ -13492,7 +13574,7 @@
         <p:spPr>
           <a:xfrm flipH="1">
             <a:off x="1097280" y="1982839"/>
-            <a:ext cx="10058400" cy="400110"/>
+            <a:ext cx="10199370" cy="400110"/>
           </a:xfrm>
           <a:prstGeom prst="rect">
             <a:avLst/>
@@ -13583,11 +13665,27 @@
             </a:r>
             <a:r>
               <a:rPr lang="de-DE" sz="2000" dirty="0"/>
+              <a:t> a </a:t>
+            </a:r>
+            <a:r>
+              <a:rPr lang="de-DE" sz="2000" dirty="0" err="1"/>
+              <a:t>common</a:t>
+            </a:r>
+            <a:r>
+              <a:rPr lang="de-DE" sz="2000" dirty="0"/>
               <a:t> </a:t>
             </a:r>
             <a:r>
               <a:rPr lang="de-DE" sz="2000" dirty="0" err="1"/>
-              <a:t>jpg</a:t>
+              <a:t>image</a:t>
+            </a:r>
+            <a:r>
+              <a:rPr lang="de-DE" sz="2000" dirty="0"/>
+              <a:t> </a:t>
+            </a:r>
+            <a:r>
+              <a:rPr lang="de-DE" sz="2000" dirty="0" err="1"/>
+              <a:t>format</a:t>
             </a:r>
             <a:r>
               <a:rPr lang="de-DE" sz="2000" dirty="0"/>
@@ -15178,6 +15276,47 @@
           </a:p>
         </p:txBody>
       </p:sp>
+      <p:cxnSp>
+        <p:nvCxnSpPr>
+          <p:cNvPr id="11" name="Gerade Verbindung mit Pfeil 10">
+            <a:extLst>
+              <a:ext uri="{FF2B5EF4-FFF2-40B4-BE49-F238E27FC236}">
+                <a16:creationId xmlns:a16="http://schemas.microsoft.com/office/drawing/2014/main" id="{9F99904B-1C35-42EB-9645-2E61A3ECB860}"/>
+              </a:ext>
+            </a:extLst>
+          </p:cNvPr>
+          <p:cNvCxnSpPr>
+            <a:cxnSpLocks/>
+          </p:cNvCxnSpPr>
+          <p:nvPr/>
+        </p:nvCxnSpPr>
+        <p:spPr>
+          <a:xfrm flipH="1">
+            <a:off x="5438775" y="4615571"/>
+            <a:ext cx="1295401" cy="470774"/>
+          </a:xfrm>
+          <a:prstGeom prst="straightConnector1">
+            <a:avLst/>
+          </a:prstGeom>
+          <a:ln>
+            <a:tailEnd type="triangle"/>
+          </a:ln>
+        </p:spPr>
+        <p:style>
+          <a:lnRef idx="2">
+            <a:schemeClr val="dk1"/>
+          </a:lnRef>
+          <a:fillRef idx="0">
+            <a:schemeClr val="dk1"/>
+          </a:fillRef>
+          <a:effectRef idx="1">
+            <a:schemeClr val="dk1"/>
+          </a:effectRef>
+          <a:fontRef idx="minor">
+            <a:schemeClr val="tx1"/>
+          </a:fontRef>
+        </p:style>
+      </p:cxnSp>
     </p:spTree>
     <p:extLst>
       <p:ext uri="{BB962C8B-B14F-4D97-AF65-F5344CB8AC3E}">

--- a/Vortrag1.pptx
+++ b/Vortrag1.pptx
@@ -15,6 +15,7 @@
     <p:sldId id="263" r:id="rId9"/>
     <p:sldId id="264" r:id="rId10"/>
     <p:sldId id="265" r:id="rId11"/>
+    <p:sldId id="266" r:id="rId12"/>
   </p:sldIdLst>
   <p:sldSz cx="12192000" cy="6858000"/>
   <p:notesSz cx="6858000" cy="9144000"/>
@@ -115,7 +116,7 @@
   </p:defaultTextStyle>
   <p:extLst>
     <p:ext uri="{EFAFB233-063F-42B5-8137-9DF3F51BA10A}">
-      <p15:sldGuideLst xmlns:p15="http://schemas.microsoft.com/office/powerpoint/2012/main"/>
+      <p15:sldGuideLst xmlns:p15="http://schemas.microsoft.com/office/powerpoint/2012/main" xmlns=""/>
     </p:ext>
   </p:extLst>
 </p:presentation>
@@ -124,11 +125,7 @@
 <file path=ppt/commentAuthors.xml><?xml version="1.0" encoding="utf-8"?>
 <p:cmAuthorLst xmlns:a="http://schemas.openxmlformats.org/drawingml/2006/main" xmlns:r="http://schemas.openxmlformats.org/officeDocument/2006/relationships" xmlns:p="http://schemas.openxmlformats.org/presentationml/2006/main">
   <p:cmAuthor id="1" name="Lukas Voos" initials="LV" lastIdx="1" clrIdx="0">
-    <p:extLst>
-      <p:ext uri="{19B8F6BF-5375-455C-9EA6-DF929625EA0E}">
-        <p15:presenceInfo xmlns:p15="http://schemas.microsoft.com/office/powerpoint/2012/main" userId="f3e8d84b45cd40f9" providerId="Windows Live"/>
-      </p:ext>
-    </p:extLst>
+    <p:extLst/>
   </p:cmAuthor>
 </p:cmAuthorLst>
 </file>
@@ -289,7 +286,7 @@
           <a:p>
             <a:fld id="{DADE5541-CCBC-45F8-BFC8-A72604CF239D}" type="datetimeFigureOut">
               <a:rPr lang="de-DE" smtClean="0"/>
-              <a:t>13.05.2019</a:t>
+              <a:t>14.05.2019</a:t>
             </a:fld>
             <a:endParaRPr lang="de-DE"/>
           </a:p>
@@ -331,7 +328,7 @@
           <a:p>
             <a:fld id="{29E7901B-09AF-4D4A-907F-86E00F8E0E92}" type="slidenum">
               <a:rPr lang="de-DE" smtClean="0"/>
-              <a:t>‹Nr.›</a:t>
+              <a:t>‹#›</a:t>
             </a:fld>
             <a:endParaRPr lang="de-DE"/>
           </a:p>
@@ -459,7 +456,7 @@
           <a:p>
             <a:fld id="{DADE5541-CCBC-45F8-BFC8-A72604CF239D}" type="datetimeFigureOut">
               <a:rPr lang="de-DE" smtClean="0"/>
-              <a:t>13.05.2019</a:t>
+              <a:t>14.05.2019</a:t>
             </a:fld>
             <a:endParaRPr lang="de-DE"/>
           </a:p>
@@ -501,7 +498,7 @@
           <a:p>
             <a:fld id="{29E7901B-09AF-4D4A-907F-86E00F8E0E92}" type="slidenum">
               <a:rPr lang="de-DE" smtClean="0"/>
-              <a:t>‹Nr.›</a:t>
+              <a:t>‹#›</a:t>
             </a:fld>
             <a:endParaRPr lang="de-DE"/>
           </a:p>
@@ -639,7 +636,7 @@
           <a:p>
             <a:fld id="{DADE5541-CCBC-45F8-BFC8-A72604CF239D}" type="datetimeFigureOut">
               <a:rPr lang="de-DE" smtClean="0"/>
-              <a:t>13.05.2019</a:t>
+              <a:t>14.05.2019</a:t>
             </a:fld>
             <a:endParaRPr lang="de-DE"/>
           </a:p>
@@ -681,7 +678,7 @@
           <a:p>
             <a:fld id="{29E7901B-09AF-4D4A-907F-86E00F8E0E92}" type="slidenum">
               <a:rPr lang="de-DE" smtClean="0"/>
-              <a:t>‹Nr.›</a:t>
+              <a:t>‹#›</a:t>
             </a:fld>
             <a:endParaRPr lang="de-DE"/>
           </a:p>
@@ -842,7 +839,7 @@
           <a:p>
             <a:fld id="{DADE5541-CCBC-45F8-BFC8-A72604CF239D}" type="datetimeFigureOut">
               <a:rPr lang="de-DE" smtClean="0"/>
-              <a:t>13.05.2019</a:t>
+              <a:t>14.05.2019</a:t>
             </a:fld>
             <a:endParaRPr lang="de-DE"/>
           </a:p>
@@ -884,7 +881,7 @@
           <a:p>
             <a:fld id="{29E7901B-09AF-4D4A-907F-86E00F8E0E92}" type="slidenum">
               <a:rPr lang="de-DE" smtClean="0"/>
-              <a:t>‹Nr.›</a:t>
+              <a:t>‹#›</a:t>
             </a:fld>
             <a:endParaRPr lang="de-DE"/>
           </a:p>
@@ -1012,7 +1009,7 @@
           <a:p>
             <a:fld id="{DADE5541-CCBC-45F8-BFC8-A72604CF239D}" type="datetimeFigureOut">
               <a:rPr lang="de-DE" smtClean="0"/>
-              <a:t>13.05.2019</a:t>
+              <a:t>14.05.2019</a:t>
             </a:fld>
             <a:endParaRPr lang="de-DE"/>
           </a:p>
@@ -1054,7 +1051,7 @@
           <a:p>
             <a:fld id="{29E7901B-09AF-4D4A-907F-86E00F8E0E92}" type="slidenum">
               <a:rPr lang="de-DE" smtClean="0"/>
-              <a:t>‹Nr.›</a:t>
+              <a:t>‹#›</a:t>
             </a:fld>
             <a:endParaRPr lang="de-DE"/>
           </a:p>
@@ -1263,7 +1260,7 @@
           <a:p>
             <a:fld id="{DADE5541-CCBC-45F8-BFC8-A72604CF239D}" type="datetimeFigureOut">
               <a:rPr lang="de-DE" smtClean="0"/>
-              <a:t>13.05.2019</a:t>
+              <a:t>14.05.2019</a:t>
             </a:fld>
             <a:endParaRPr lang="de-DE"/>
           </a:p>
@@ -1305,7 +1302,7 @@
           <a:p>
             <a:fld id="{29E7901B-09AF-4D4A-907F-86E00F8E0E92}" type="slidenum">
               <a:rPr lang="de-DE" smtClean="0"/>
-              <a:t>‹Nr.›</a:t>
+              <a:t>‹#›</a:t>
             </a:fld>
             <a:endParaRPr lang="de-DE"/>
           </a:p>
@@ -1495,7 +1492,7 @@
           <a:p>
             <a:fld id="{DADE5541-CCBC-45F8-BFC8-A72604CF239D}" type="datetimeFigureOut">
               <a:rPr lang="de-DE" smtClean="0"/>
-              <a:t>13.05.2019</a:t>
+              <a:t>14.05.2019</a:t>
             </a:fld>
             <a:endParaRPr lang="de-DE"/>
           </a:p>
@@ -1537,7 +1534,7 @@
           <a:p>
             <a:fld id="{29E7901B-09AF-4D4A-907F-86E00F8E0E92}" type="slidenum">
               <a:rPr lang="de-DE" smtClean="0"/>
-              <a:t>‹Nr.›</a:t>
+              <a:t>‹#›</a:t>
             </a:fld>
             <a:endParaRPr lang="de-DE"/>
           </a:p>
@@ -1842,7 +1839,7 @@
           <a:p>
             <a:fld id="{DADE5541-CCBC-45F8-BFC8-A72604CF239D}" type="datetimeFigureOut">
               <a:rPr lang="de-DE" smtClean="0"/>
-              <a:t>13.05.2019</a:t>
+              <a:t>14.05.2019</a:t>
             </a:fld>
             <a:endParaRPr lang="de-DE"/>
           </a:p>
@@ -1884,7 +1881,7 @@
           <a:p>
             <a:fld id="{29E7901B-09AF-4D4A-907F-86E00F8E0E92}" type="slidenum">
               <a:rPr lang="de-DE" smtClean="0"/>
-              <a:t>‹Nr.›</a:t>
+              <a:t>‹#›</a:t>
             </a:fld>
             <a:endParaRPr lang="de-DE"/>
           </a:p>
@@ -1960,7 +1957,7 @@
           <a:p>
             <a:fld id="{DADE5541-CCBC-45F8-BFC8-A72604CF239D}" type="datetimeFigureOut">
               <a:rPr lang="de-DE" smtClean="0"/>
-              <a:t>13.05.2019</a:t>
+              <a:t>14.05.2019</a:t>
             </a:fld>
             <a:endParaRPr lang="de-DE"/>
           </a:p>
@@ -2002,7 +1999,7 @@
           <a:p>
             <a:fld id="{29E7901B-09AF-4D4A-907F-86E00F8E0E92}" type="slidenum">
               <a:rPr lang="de-DE" smtClean="0"/>
-              <a:t>‹Nr.›</a:t>
+              <a:t>‹#›</a:t>
             </a:fld>
             <a:endParaRPr lang="de-DE"/>
           </a:p>
@@ -2078,7 +2075,7 @@
           <a:p>
             <a:fld id="{DADE5541-CCBC-45F8-BFC8-A72604CF239D}" type="datetimeFigureOut">
               <a:rPr lang="de-DE" smtClean="0"/>
-              <a:t>13.05.2019</a:t>
+              <a:t>14.05.2019</a:t>
             </a:fld>
             <a:endParaRPr lang="de-DE"/>
           </a:p>
@@ -2120,7 +2117,7 @@
           <a:p>
             <a:fld id="{29E7901B-09AF-4D4A-907F-86E00F8E0E92}" type="slidenum">
               <a:rPr lang="de-DE" smtClean="0"/>
-              <a:t>‹Nr.›</a:t>
+              <a:t>‹#›</a:t>
             </a:fld>
             <a:endParaRPr lang="de-DE"/>
           </a:p>
@@ -2362,7 +2359,7 @@
           <a:p>
             <a:fld id="{DADE5541-CCBC-45F8-BFC8-A72604CF239D}" type="datetimeFigureOut">
               <a:rPr lang="de-DE" smtClean="0"/>
-              <a:t>13.05.2019</a:t>
+              <a:t>14.05.2019</a:t>
             </a:fld>
             <a:endParaRPr lang="de-DE"/>
           </a:p>
@@ -2404,7 +2401,7 @@
           <a:p>
             <a:fld id="{29E7901B-09AF-4D4A-907F-86E00F8E0E92}" type="slidenum">
               <a:rPr lang="de-DE" smtClean="0"/>
-              <a:t>‹Nr.›</a:t>
+              <a:t>‹#›</a:t>
             </a:fld>
             <a:endParaRPr lang="de-DE"/>
           </a:p>
@@ -2532,7 +2529,7 @@
           <a:p>
             <a:fld id="{DADE5541-CCBC-45F8-BFC8-A72604CF239D}" type="datetimeFigureOut">
               <a:rPr lang="de-DE" smtClean="0"/>
-              <a:t>13.05.2019</a:t>
+              <a:t>14.05.2019</a:t>
             </a:fld>
             <a:endParaRPr lang="de-DE"/>
           </a:p>
@@ -2574,7 +2571,7 @@
           <a:p>
             <a:fld id="{29E7901B-09AF-4D4A-907F-86E00F8E0E92}" type="slidenum">
               <a:rPr lang="de-DE" smtClean="0"/>
-              <a:t>‹Nr.›</a:t>
+              <a:t>‹#›</a:t>
             </a:fld>
             <a:endParaRPr lang="de-DE"/>
           </a:p>
@@ -2796,7 +2793,7 @@
           <a:p>
             <a:fld id="{DADE5541-CCBC-45F8-BFC8-A72604CF239D}" type="datetimeFigureOut">
               <a:rPr lang="de-DE" smtClean="0"/>
-              <a:t>13.05.2019</a:t>
+              <a:t>14.05.2019</a:t>
             </a:fld>
             <a:endParaRPr lang="de-DE"/>
           </a:p>
@@ -2838,7 +2835,7 @@
           <a:p>
             <a:fld id="{29E7901B-09AF-4D4A-907F-86E00F8E0E92}" type="slidenum">
               <a:rPr lang="de-DE" smtClean="0"/>
-              <a:t>‹Nr.›</a:t>
+              <a:t>‹#›</a:t>
             </a:fld>
             <a:endParaRPr lang="de-DE"/>
           </a:p>
@@ -2966,7 +2963,7 @@
           <a:p>
             <a:fld id="{DADE5541-CCBC-45F8-BFC8-A72604CF239D}" type="datetimeFigureOut">
               <a:rPr lang="de-DE" smtClean="0"/>
-              <a:t>13.05.2019</a:t>
+              <a:t>14.05.2019</a:t>
             </a:fld>
             <a:endParaRPr lang="de-DE"/>
           </a:p>
@@ -3008,7 +3005,7 @@
           <a:p>
             <a:fld id="{29E7901B-09AF-4D4A-907F-86E00F8E0E92}" type="slidenum">
               <a:rPr lang="de-DE" smtClean="0"/>
-              <a:t>‹Nr.›</a:t>
+              <a:t>‹#›</a:t>
             </a:fld>
             <a:endParaRPr lang="de-DE"/>
           </a:p>
@@ -3146,7 +3143,7 @@
           <a:p>
             <a:fld id="{DADE5541-CCBC-45F8-BFC8-A72604CF239D}" type="datetimeFigureOut">
               <a:rPr lang="de-DE" smtClean="0"/>
-              <a:t>13.05.2019</a:t>
+              <a:t>14.05.2019</a:t>
             </a:fld>
             <a:endParaRPr lang="de-DE"/>
           </a:p>
@@ -3188,7 +3185,7 @@
           <a:p>
             <a:fld id="{29E7901B-09AF-4D4A-907F-86E00F8E0E92}" type="slidenum">
               <a:rPr lang="de-DE" smtClean="0"/>
-              <a:t>‹Nr.›</a:t>
+              <a:t>‹#›</a:t>
             </a:fld>
             <a:endParaRPr lang="de-DE"/>
           </a:p>
@@ -3433,7 +3430,7 @@
           <a:p>
             <a:fld id="{DADE5541-CCBC-45F8-BFC8-A72604CF239D}" type="datetimeFigureOut">
               <a:rPr lang="de-DE" smtClean="0"/>
-              <a:t>13.05.2019</a:t>
+              <a:t>14.05.2019</a:t>
             </a:fld>
             <a:endParaRPr lang="de-DE"/>
           </a:p>
@@ -3475,7 +3472,7 @@
           <a:p>
             <a:fld id="{29E7901B-09AF-4D4A-907F-86E00F8E0E92}" type="slidenum">
               <a:rPr lang="de-DE" smtClean="0"/>
-              <a:t>‹Nr.›</a:t>
+              <a:t>‹#›</a:t>
             </a:fld>
             <a:endParaRPr lang="de-DE"/>
           </a:p>
@@ -3641,7 +3638,7 @@
           <a:p>
             <a:fld id="{DADE5541-CCBC-45F8-BFC8-A72604CF239D}" type="datetimeFigureOut">
               <a:rPr lang="de-DE" smtClean="0"/>
-              <a:t>13.05.2019</a:t>
+              <a:t>14.05.2019</a:t>
             </a:fld>
             <a:endParaRPr lang="de-DE"/>
           </a:p>
@@ -3683,7 +3680,7 @@
           <a:p>
             <a:fld id="{29E7901B-09AF-4D4A-907F-86E00F8E0E92}" type="slidenum">
               <a:rPr lang="de-DE" smtClean="0"/>
-              <a:t>‹Nr.›</a:t>
+              <a:t>‹#›</a:t>
             </a:fld>
             <a:endParaRPr lang="de-DE"/>
           </a:p>
@@ -3984,7 +3981,7 @@
           <a:p>
             <a:fld id="{DADE5541-CCBC-45F8-BFC8-A72604CF239D}" type="datetimeFigureOut">
               <a:rPr lang="de-DE" smtClean="0"/>
-              <a:t>13.05.2019</a:t>
+              <a:t>14.05.2019</a:t>
             </a:fld>
             <a:endParaRPr lang="de-DE"/>
           </a:p>
@@ -4026,7 +4023,7 @@
           <a:p>
             <a:fld id="{29E7901B-09AF-4D4A-907F-86E00F8E0E92}" type="slidenum">
               <a:rPr lang="de-DE" smtClean="0"/>
-              <a:t>‹Nr.›</a:t>
+              <a:t>‹#›</a:t>
             </a:fld>
             <a:endParaRPr lang="de-DE"/>
           </a:p>
@@ -4259,7 +4256,7 @@
           <a:p>
             <a:fld id="{DADE5541-CCBC-45F8-BFC8-A72604CF239D}" type="datetimeFigureOut">
               <a:rPr lang="de-DE" smtClean="0"/>
-              <a:t>13.05.2019</a:t>
+              <a:t>14.05.2019</a:t>
             </a:fld>
             <a:endParaRPr lang="de-DE"/>
           </a:p>
@@ -4301,7 +4298,7 @@
           <a:p>
             <a:fld id="{29E7901B-09AF-4D4A-907F-86E00F8E0E92}" type="slidenum">
               <a:rPr lang="de-DE" smtClean="0"/>
-              <a:t>‹Nr.›</a:t>
+              <a:t>‹#›</a:t>
             </a:fld>
             <a:endParaRPr lang="de-DE"/>
           </a:p>
@@ -4638,7 +4635,7 @@
           <a:p>
             <a:fld id="{DADE5541-CCBC-45F8-BFC8-A72604CF239D}" type="datetimeFigureOut">
               <a:rPr lang="de-DE" smtClean="0"/>
-              <a:t>13.05.2019</a:t>
+              <a:t>14.05.2019</a:t>
             </a:fld>
             <a:endParaRPr lang="de-DE"/>
           </a:p>
@@ -4680,7 +4677,7 @@
           <a:p>
             <a:fld id="{29E7901B-09AF-4D4A-907F-86E00F8E0E92}" type="slidenum">
               <a:rPr lang="de-DE" smtClean="0"/>
-              <a:t>‹Nr.›</a:t>
+              <a:t>‹#›</a:t>
             </a:fld>
             <a:endParaRPr lang="de-DE"/>
           </a:p>
@@ -4756,7 +4753,7 @@
           <a:p>
             <a:fld id="{DADE5541-CCBC-45F8-BFC8-A72604CF239D}" type="datetimeFigureOut">
               <a:rPr lang="de-DE" smtClean="0"/>
-              <a:t>13.05.2019</a:t>
+              <a:t>14.05.2019</a:t>
             </a:fld>
             <a:endParaRPr lang="de-DE"/>
           </a:p>
@@ -4798,7 +4795,7 @@
           <a:p>
             <a:fld id="{29E7901B-09AF-4D4A-907F-86E00F8E0E92}" type="slidenum">
               <a:rPr lang="de-DE" smtClean="0"/>
-              <a:t>‹Nr.›</a:t>
+              <a:t>‹#›</a:t>
             </a:fld>
             <a:endParaRPr lang="de-DE"/>
           </a:p>
@@ -4927,7 +4924,7 @@
           <a:p>
             <a:fld id="{DADE5541-CCBC-45F8-BFC8-A72604CF239D}" type="datetimeFigureOut">
               <a:rPr lang="de-DE" smtClean="0"/>
-              <a:t>13.05.2019</a:t>
+              <a:t>14.05.2019</a:t>
             </a:fld>
             <a:endParaRPr lang="de-DE"/>
           </a:p>
@@ -4977,7 +4974,7 @@
           <a:p>
             <a:fld id="{29E7901B-09AF-4D4A-907F-86E00F8E0E92}" type="slidenum">
               <a:rPr lang="de-DE" smtClean="0"/>
-              <a:t>‹Nr.›</a:t>
+              <a:t>‹#›</a:t>
             </a:fld>
             <a:endParaRPr lang="de-DE"/>
           </a:p>
@@ -5186,7 +5183,7 @@
           <a:p>
             <a:fld id="{DADE5541-CCBC-45F8-BFC8-A72604CF239D}" type="datetimeFigureOut">
               <a:rPr lang="de-DE" smtClean="0"/>
-              <a:t>13.05.2019</a:t>
+              <a:t>14.05.2019</a:t>
             </a:fld>
             <a:endParaRPr lang="de-DE"/>
           </a:p>
@@ -5228,7 +5225,7 @@
           <a:p>
             <a:fld id="{29E7901B-09AF-4D4A-907F-86E00F8E0E92}" type="slidenum">
               <a:rPr lang="de-DE" smtClean="0"/>
-              <a:t>‹Nr.›</a:t>
+              <a:t>‹#›</a:t>
             </a:fld>
             <a:endParaRPr lang="de-DE"/>
           </a:p>
@@ -5532,7 +5529,7 @@
           <a:p>
             <a:fld id="{DADE5541-CCBC-45F8-BFC8-A72604CF239D}" type="datetimeFigureOut">
               <a:rPr lang="de-DE" smtClean="0"/>
-              <a:t>13.05.2019</a:t>
+              <a:t>14.05.2019</a:t>
             </a:fld>
             <a:endParaRPr lang="de-DE"/>
           </a:p>
@@ -5595,7 +5592,7 @@
           <a:p>
             <a:fld id="{29E7901B-09AF-4D4A-907F-86E00F8E0E92}" type="slidenum">
               <a:rPr lang="de-DE" smtClean="0"/>
-              <a:t>‹Nr.›</a:t>
+              <a:t>‹#›</a:t>
             </a:fld>
             <a:endParaRPr lang="de-DE"/>
           </a:p>
@@ -5909,7 +5906,7 @@
           <a:p>
             <a:fld id="{DADE5541-CCBC-45F8-BFC8-A72604CF239D}" type="datetimeFigureOut">
               <a:rPr lang="de-DE" smtClean="0"/>
-              <a:t>13.05.2019</a:t>
+              <a:t>14.05.2019</a:t>
             </a:fld>
             <a:endParaRPr lang="de-DE"/>
           </a:p>
@@ -5951,7 +5948,7 @@
           <a:p>
             <a:fld id="{29E7901B-09AF-4D4A-907F-86E00F8E0E92}" type="slidenum">
               <a:rPr lang="de-DE" smtClean="0"/>
-              <a:t>‹Nr.›</a:t>
+              <a:t>‹#›</a:t>
             </a:fld>
             <a:endParaRPr lang="de-DE"/>
           </a:p>
@@ -6079,7 +6076,7 @@
           <a:p>
             <a:fld id="{DADE5541-CCBC-45F8-BFC8-A72604CF239D}" type="datetimeFigureOut">
               <a:rPr lang="de-DE" smtClean="0"/>
-              <a:t>13.05.2019</a:t>
+              <a:t>14.05.2019</a:t>
             </a:fld>
             <a:endParaRPr lang="de-DE"/>
           </a:p>
@@ -6121,7 +6118,7 @@
           <a:p>
             <a:fld id="{29E7901B-09AF-4D4A-907F-86E00F8E0E92}" type="slidenum">
               <a:rPr lang="de-DE" smtClean="0"/>
-              <a:t>‹Nr.›</a:t>
+              <a:t>‹#›</a:t>
             </a:fld>
             <a:endParaRPr lang="de-DE"/>
           </a:p>
@@ -6335,7 +6332,7 @@
           <a:p>
             <a:fld id="{DADE5541-CCBC-45F8-BFC8-A72604CF239D}" type="datetimeFigureOut">
               <a:rPr lang="de-DE" smtClean="0"/>
-              <a:t>13.05.2019</a:t>
+              <a:t>14.05.2019</a:t>
             </a:fld>
             <a:endParaRPr lang="de-DE"/>
           </a:p>
@@ -6377,7 +6374,7 @@
           <a:p>
             <a:fld id="{29E7901B-09AF-4D4A-907F-86E00F8E0E92}" type="slidenum">
               <a:rPr lang="de-DE" smtClean="0"/>
-              <a:t>‹Nr.›</a:t>
+              <a:t>‹#›</a:t>
             </a:fld>
             <a:endParaRPr lang="de-DE"/>
           </a:p>
@@ -6567,7 +6564,7 @@
           <a:p>
             <a:fld id="{DADE5541-CCBC-45F8-BFC8-A72604CF239D}" type="datetimeFigureOut">
               <a:rPr lang="de-DE" smtClean="0"/>
-              <a:t>13.05.2019</a:t>
+              <a:t>14.05.2019</a:t>
             </a:fld>
             <a:endParaRPr lang="de-DE"/>
           </a:p>
@@ -6609,7 +6606,7 @@
           <a:p>
             <a:fld id="{29E7901B-09AF-4D4A-907F-86E00F8E0E92}" type="slidenum">
               <a:rPr lang="de-DE" smtClean="0"/>
-              <a:t>‹Nr.›</a:t>
+              <a:t>‹#›</a:t>
             </a:fld>
             <a:endParaRPr lang="de-DE"/>
           </a:p>
@@ -6914,7 +6911,7 @@
           <a:p>
             <a:fld id="{DADE5541-CCBC-45F8-BFC8-A72604CF239D}" type="datetimeFigureOut">
               <a:rPr lang="de-DE" smtClean="0"/>
-              <a:t>13.05.2019</a:t>
+              <a:t>14.05.2019</a:t>
             </a:fld>
             <a:endParaRPr lang="de-DE"/>
           </a:p>
@@ -6956,7 +6953,7 @@
           <a:p>
             <a:fld id="{29E7901B-09AF-4D4A-907F-86E00F8E0E92}" type="slidenum">
               <a:rPr lang="de-DE" smtClean="0"/>
-              <a:t>‹Nr.›</a:t>
+              <a:t>‹#›</a:t>
             </a:fld>
             <a:endParaRPr lang="de-DE"/>
           </a:p>
@@ -7032,7 +7029,7 @@
           <a:p>
             <a:fld id="{DADE5541-CCBC-45F8-BFC8-A72604CF239D}" type="datetimeFigureOut">
               <a:rPr lang="de-DE" smtClean="0"/>
-              <a:t>13.05.2019</a:t>
+              <a:t>14.05.2019</a:t>
             </a:fld>
             <a:endParaRPr lang="de-DE"/>
           </a:p>
@@ -7074,7 +7071,7 @@
           <a:p>
             <a:fld id="{29E7901B-09AF-4D4A-907F-86E00F8E0E92}" type="slidenum">
               <a:rPr lang="de-DE" smtClean="0"/>
-              <a:t>‹Nr.›</a:t>
+              <a:t>‹#›</a:t>
             </a:fld>
             <a:endParaRPr lang="de-DE"/>
           </a:p>
@@ -7150,7 +7147,7 @@
           <a:p>
             <a:fld id="{DADE5541-CCBC-45F8-BFC8-A72604CF239D}" type="datetimeFigureOut">
               <a:rPr lang="de-DE" smtClean="0"/>
-              <a:t>13.05.2019</a:t>
+              <a:t>14.05.2019</a:t>
             </a:fld>
             <a:endParaRPr lang="de-DE"/>
           </a:p>
@@ -7192,7 +7189,7 @@
           <a:p>
             <a:fld id="{29E7901B-09AF-4D4A-907F-86E00F8E0E92}" type="slidenum">
               <a:rPr lang="de-DE" smtClean="0"/>
-              <a:t>‹Nr.›</a:t>
+              <a:t>‹#›</a:t>
             </a:fld>
             <a:endParaRPr lang="de-DE"/>
           </a:p>
@@ -7434,7 +7431,7 @@
           <a:p>
             <a:fld id="{DADE5541-CCBC-45F8-BFC8-A72604CF239D}" type="datetimeFigureOut">
               <a:rPr lang="de-DE" smtClean="0"/>
-              <a:t>13.05.2019</a:t>
+              <a:t>14.05.2019</a:t>
             </a:fld>
             <a:endParaRPr lang="de-DE"/>
           </a:p>
@@ -7476,7 +7473,7 @@
           <a:p>
             <a:fld id="{29E7901B-09AF-4D4A-907F-86E00F8E0E92}" type="slidenum">
               <a:rPr lang="de-DE" smtClean="0"/>
-              <a:t>‹Nr.›</a:t>
+              <a:t>‹#›</a:t>
             </a:fld>
             <a:endParaRPr lang="de-DE"/>
           </a:p>
@@ -7698,7 +7695,7 @@
           <a:p>
             <a:fld id="{DADE5541-CCBC-45F8-BFC8-A72604CF239D}" type="datetimeFigureOut">
               <a:rPr lang="de-DE" smtClean="0"/>
-              <a:t>13.05.2019</a:t>
+              <a:t>14.05.2019</a:t>
             </a:fld>
             <a:endParaRPr lang="de-DE"/>
           </a:p>
@@ -7740,7 +7737,7 @@
           <a:p>
             <a:fld id="{29E7901B-09AF-4D4A-907F-86E00F8E0E92}" type="slidenum">
               <a:rPr lang="de-DE" smtClean="0"/>
-              <a:t>‹Nr.›</a:t>
+              <a:t>‹#›</a:t>
             </a:fld>
             <a:endParaRPr lang="de-DE"/>
           </a:p>
@@ -7912,7 +7909,7 @@
           <a:p>
             <a:fld id="{DADE5541-CCBC-45F8-BFC8-A72604CF239D}" type="datetimeFigureOut">
               <a:rPr lang="de-DE" smtClean="0"/>
-              <a:t>13.05.2019</a:t>
+              <a:t>14.05.2019</a:t>
             </a:fld>
             <a:endParaRPr lang="de-DE"/>
           </a:p>
@@ -7991,7 +7988,7 @@
           <a:p>
             <a:fld id="{29E7901B-09AF-4D4A-907F-86E00F8E0E92}" type="slidenum">
               <a:rPr lang="de-DE" smtClean="0"/>
-              <a:t>‹Nr.›</a:t>
+              <a:t>‹#›</a:t>
             </a:fld>
             <a:endParaRPr lang="de-DE"/>
           </a:p>
@@ -8442,7 +8439,7 @@
           <a:p>
             <a:fld id="{DADE5541-CCBC-45F8-BFC8-A72604CF239D}" type="datetimeFigureOut">
               <a:rPr lang="de-DE" smtClean="0"/>
-              <a:t>13.05.2019</a:t>
+              <a:t>14.05.2019</a:t>
             </a:fld>
             <a:endParaRPr lang="de-DE"/>
           </a:p>
@@ -8521,7 +8518,7 @@
           <a:p>
             <a:fld id="{29E7901B-09AF-4D4A-907F-86E00F8E0E92}" type="slidenum">
               <a:rPr lang="de-DE" smtClean="0"/>
-              <a:t>‹Nr.›</a:t>
+              <a:t>‹#›</a:t>
             </a:fld>
             <a:endParaRPr lang="de-DE"/>
           </a:p>
@@ -9045,7 +9042,7 @@
           <a:p>
             <a:fld id="{DADE5541-CCBC-45F8-BFC8-A72604CF239D}" type="datetimeFigureOut">
               <a:rPr lang="de-DE" smtClean="0"/>
-              <a:t>13.05.2019</a:t>
+              <a:t>14.05.2019</a:t>
             </a:fld>
             <a:endParaRPr lang="de-DE"/>
           </a:p>
@@ -9119,7 +9116,7 @@
           <a:p>
             <a:fld id="{29E7901B-09AF-4D4A-907F-86E00F8E0E92}" type="slidenum">
               <a:rPr lang="de-DE" smtClean="0"/>
-              <a:t>‹Nr.›</a:t>
+              <a:t>‹#›</a:t>
             </a:fld>
             <a:endParaRPr lang="de-DE"/>
           </a:p>
@@ -9574,7 +9571,7 @@
           <p:cNvPr id="2" name="Titel 1">
             <a:extLst>
               <a:ext uri="{FF2B5EF4-FFF2-40B4-BE49-F238E27FC236}">
-                <a16:creationId xmlns:a16="http://schemas.microsoft.com/office/drawing/2014/main" id="{90A6468B-D0CD-4DC7-A3AD-DA2E2B071416}"/>
+                <a16:creationId xmlns:a16="http://schemas.microsoft.com/office/drawing/2014/main" xmlns="" id="{90A6468B-D0CD-4DC7-A3AD-DA2E2B071416}"/>
               </a:ext>
             </a:extLst>
           </p:cNvPr>
@@ -9602,7 +9599,7 @@
           <p:cNvPr id="3" name="Untertitel 2">
             <a:extLst>
               <a:ext uri="{FF2B5EF4-FFF2-40B4-BE49-F238E27FC236}">
-                <a16:creationId xmlns:a16="http://schemas.microsoft.com/office/drawing/2014/main" id="{65A5BDD7-952D-4603-93C5-6E59619C765A}"/>
+                <a16:creationId xmlns:a16="http://schemas.microsoft.com/office/drawing/2014/main" xmlns="" id="{65A5BDD7-952D-4603-93C5-6E59619C765A}"/>
               </a:ext>
             </a:extLst>
           </p:cNvPr>
@@ -9660,7 +9657,7 @@
           <p:cNvPr id="2" name="Titel 1">
             <a:extLst>
               <a:ext uri="{FF2B5EF4-FFF2-40B4-BE49-F238E27FC236}">
-                <a16:creationId xmlns:a16="http://schemas.microsoft.com/office/drawing/2014/main" id="{40A94760-C413-460F-B002-DE3FCCA70BA3}"/>
+                <a16:creationId xmlns:a16="http://schemas.microsoft.com/office/drawing/2014/main" xmlns="" id="{40A94760-C413-460F-B002-DE3FCCA70BA3}"/>
               </a:ext>
             </a:extLst>
           </p:cNvPr>
@@ -9688,7 +9685,7 @@
           <p:cNvPr id="5" name="Grafik 4">
             <a:extLst>
               <a:ext uri="{FF2B5EF4-FFF2-40B4-BE49-F238E27FC236}">
-                <a16:creationId xmlns:a16="http://schemas.microsoft.com/office/drawing/2014/main" id="{57A3AA90-FDF7-4D08-B8F5-9FF4A8D4BC7E}"/>
+                <a16:creationId xmlns:a16="http://schemas.microsoft.com/office/drawing/2014/main" xmlns="" id="{57A3AA90-FDF7-4D08-B8F5-9FF4A8D4BC7E}"/>
               </a:ext>
             </a:extLst>
           </p:cNvPr>
@@ -9724,7 +9721,7 @@
           <p:cNvPr id="6" name="Textfeld 5">
             <a:extLst>
               <a:ext uri="{FF2B5EF4-FFF2-40B4-BE49-F238E27FC236}">
-                <a16:creationId xmlns:a16="http://schemas.microsoft.com/office/drawing/2014/main" id="{6AA4F5E1-8797-42F3-A52D-711C0EF03F4D}"/>
+                <a16:creationId xmlns:a16="http://schemas.microsoft.com/office/drawing/2014/main" xmlns="" id="{6AA4F5E1-8797-42F3-A52D-711C0EF03F4D}"/>
               </a:ext>
             </a:extLst>
           </p:cNvPr>
@@ -9734,7 +9731,7 @@
         <p:spPr>
           <a:xfrm>
             <a:off x="4199890" y="2200275"/>
-            <a:ext cx="7255320" cy="3785652"/>
+            <a:ext cx="8033097" cy="3785652"/>
           </a:xfrm>
           <a:prstGeom prst="rect">
             <a:avLst/>
@@ -9879,11 +9876,23 @@
               <a:t>Images </a:t>
             </a:r>
             <a:r>
-              <a:rPr lang="de-DE" sz="2000" dirty="0" err="1"/>
+              <a:rPr lang="de-DE" sz="2000" dirty="0" smtClean="0"/>
+              <a:t>(28x28=784 </a:t>
+            </a:r>
+            <a:r>
+              <a:rPr lang="de-DE" sz="2000" dirty="0" err="1" smtClean="0"/>
+              <a:t>pixels</a:t>
+            </a:r>
+            <a:r>
+              <a:rPr lang="de-DE" sz="2000" dirty="0" smtClean="0"/>
+              <a:t>) </a:t>
+            </a:r>
+            <a:r>
+              <a:rPr lang="de-DE" sz="2000" dirty="0" err="1" smtClean="0"/>
               <a:t>of</a:t>
             </a:r>
             <a:r>
-              <a:rPr lang="de-DE" sz="2000" dirty="0"/>
+              <a:rPr lang="de-DE" sz="2000" dirty="0" smtClean="0"/>
               <a:t> </a:t>
             </a:r>
             <a:r>
@@ -10035,7 +10044,7 @@
           <p:cNvPr id="2" name="Titel 1">
             <a:extLst>
               <a:ext uri="{FF2B5EF4-FFF2-40B4-BE49-F238E27FC236}">
-                <a16:creationId xmlns:a16="http://schemas.microsoft.com/office/drawing/2014/main" id="{6239617A-843A-48A9-B1A1-5A51ECFC1EAB}"/>
+                <a16:creationId xmlns:a16="http://schemas.microsoft.com/office/drawing/2014/main" xmlns="" id="{6239617A-843A-48A9-B1A1-5A51ECFC1EAB}"/>
               </a:ext>
             </a:extLst>
           </p:cNvPr>
@@ -10068,7 +10077,7 @@
           <p:cNvPr id="5" name="Grafik 4">
             <a:extLst>
               <a:ext uri="{FF2B5EF4-FFF2-40B4-BE49-F238E27FC236}">
-                <a16:creationId xmlns:a16="http://schemas.microsoft.com/office/drawing/2014/main" id="{4D499231-1623-4F5D-81A2-30732BDEC5EE}"/>
+                <a16:creationId xmlns:a16="http://schemas.microsoft.com/office/drawing/2014/main" xmlns="" id="{4D499231-1623-4F5D-81A2-30732BDEC5EE}"/>
               </a:ext>
             </a:extLst>
           </p:cNvPr>
@@ -10104,7 +10113,7 @@
           <p:cNvPr id="6" name="Tabelle 5">
             <a:extLst>
               <a:ext uri="{FF2B5EF4-FFF2-40B4-BE49-F238E27FC236}">
-                <a16:creationId xmlns:a16="http://schemas.microsoft.com/office/drawing/2014/main" id="{078A32C6-762C-44BB-BFAD-E9CCE572CA41}"/>
+                <a16:creationId xmlns:a16="http://schemas.microsoft.com/office/drawing/2014/main" xmlns="" id="{078A32C6-762C-44BB-BFAD-E9CCE572CA41}"/>
               </a:ext>
             </a:extLst>
           </p:cNvPr>
@@ -10133,42 +10142,42 @@
                 <a:gridCol w="1204914">
                   <a:extLst>
                     <a:ext uri="{9D8B030D-6E8A-4147-A177-3AD203B41FA5}">
-                      <a16:colId xmlns:a16="http://schemas.microsoft.com/office/drawing/2014/main" val="2935268419"/>
+                      <a16:colId xmlns:a16="http://schemas.microsoft.com/office/drawing/2014/main" xmlns="" val="2935268419"/>
                     </a:ext>
                   </a:extLst>
                 </a:gridCol>
                 <a:gridCol w="1112773">
                   <a:extLst>
                     <a:ext uri="{9D8B030D-6E8A-4147-A177-3AD203B41FA5}">
-                      <a16:colId xmlns:a16="http://schemas.microsoft.com/office/drawing/2014/main" val="3573326846"/>
+                      <a16:colId xmlns:a16="http://schemas.microsoft.com/office/drawing/2014/main" xmlns="" val="3573326846"/>
                     </a:ext>
                   </a:extLst>
                 </a:gridCol>
                 <a:gridCol w="1297045">
                   <a:extLst>
                     <a:ext uri="{9D8B030D-6E8A-4147-A177-3AD203B41FA5}">
-                      <a16:colId xmlns:a16="http://schemas.microsoft.com/office/drawing/2014/main" val="3944536420"/>
+                      <a16:colId xmlns:a16="http://schemas.microsoft.com/office/drawing/2014/main" xmlns="" val="3944536420"/>
                     </a:ext>
                   </a:extLst>
                 </a:gridCol>
                 <a:gridCol w="1204914">
                   <a:extLst>
                     <a:ext uri="{9D8B030D-6E8A-4147-A177-3AD203B41FA5}">
-                      <a16:colId xmlns:a16="http://schemas.microsoft.com/office/drawing/2014/main" val="1040886641"/>
+                      <a16:colId xmlns:a16="http://schemas.microsoft.com/office/drawing/2014/main" xmlns="" val="1040886641"/>
                     </a:ext>
                   </a:extLst>
                 </a:gridCol>
                 <a:gridCol w="1204914">
                   <a:extLst>
                     <a:ext uri="{9D8B030D-6E8A-4147-A177-3AD203B41FA5}">
-                      <a16:colId xmlns:a16="http://schemas.microsoft.com/office/drawing/2014/main" val="3540853296"/>
+                      <a16:colId xmlns:a16="http://schemas.microsoft.com/office/drawing/2014/main" xmlns="" val="3540853296"/>
                     </a:ext>
                   </a:extLst>
                 </a:gridCol>
                 <a:gridCol w="1204914">
                   <a:extLst>
                     <a:ext uri="{9D8B030D-6E8A-4147-A177-3AD203B41FA5}">
-                      <a16:colId xmlns:a16="http://schemas.microsoft.com/office/drawing/2014/main" val="174494649"/>
+                      <a16:colId xmlns:a16="http://schemas.microsoft.com/office/drawing/2014/main" xmlns="" val="174494649"/>
                     </a:ext>
                   </a:extLst>
                 </a:gridCol>
@@ -10257,7 +10266,7 @@
                 </a:tc>
                 <a:extLst>
                   <a:ext uri="{0D108BD9-81ED-4DB2-BD59-A6C34878D82A}">
-                    <a16:rowId xmlns:a16="http://schemas.microsoft.com/office/drawing/2014/main" val="2824275686"/>
+                    <a16:rowId xmlns:a16="http://schemas.microsoft.com/office/drawing/2014/main" xmlns="" val="2824275686"/>
                   </a:ext>
                 </a:extLst>
               </a:tr>
@@ -10348,7 +10357,7 @@
                 </a:tc>
                 <a:extLst>
                   <a:ext uri="{0D108BD9-81ED-4DB2-BD59-A6C34878D82A}">
-                    <a16:rowId xmlns:a16="http://schemas.microsoft.com/office/drawing/2014/main" val="1457480322"/>
+                    <a16:rowId xmlns:a16="http://schemas.microsoft.com/office/drawing/2014/main" xmlns="" val="1457480322"/>
                   </a:ext>
                 </a:extLst>
               </a:tr>
@@ -10439,7 +10448,7 @@
                 </a:tc>
                 <a:extLst>
                   <a:ext uri="{0D108BD9-81ED-4DB2-BD59-A6C34878D82A}">
-                    <a16:rowId xmlns:a16="http://schemas.microsoft.com/office/drawing/2014/main" val="3884194282"/>
+                    <a16:rowId xmlns:a16="http://schemas.microsoft.com/office/drawing/2014/main" xmlns="" val="3884194282"/>
                   </a:ext>
                 </a:extLst>
               </a:tr>
@@ -10530,7 +10539,7 @@
                 </a:tc>
                 <a:extLst>
                   <a:ext uri="{0D108BD9-81ED-4DB2-BD59-A6C34878D82A}">
-                    <a16:rowId xmlns:a16="http://schemas.microsoft.com/office/drawing/2014/main" val="2227270537"/>
+                    <a16:rowId xmlns:a16="http://schemas.microsoft.com/office/drawing/2014/main" xmlns="" val="2227270537"/>
                   </a:ext>
                 </a:extLst>
               </a:tr>
@@ -10621,7 +10630,7 @@
                 </a:tc>
                 <a:extLst>
                   <a:ext uri="{0D108BD9-81ED-4DB2-BD59-A6C34878D82A}">
-                    <a16:rowId xmlns:a16="http://schemas.microsoft.com/office/drawing/2014/main" val="828193998"/>
+                    <a16:rowId xmlns:a16="http://schemas.microsoft.com/office/drawing/2014/main" xmlns="" val="828193998"/>
                   </a:ext>
                 </a:extLst>
               </a:tr>
@@ -10712,7 +10721,7 @@
                 </a:tc>
                 <a:extLst>
                   <a:ext uri="{0D108BD9-81ED-4DB2-BD59-A6C34878D82A}">
-                    <a16:rowId xmlns:a16="http://schemas.microsoft.com/office/drawing/2014/main" val="2216999364"/>
+                    <a16:rowId xmlns:a16="http://schemas.microsoft.com/office/drawing/2014/main" xmlns="" val="2216999364"/>
                   </a:ext>
                 </a:extLst>
               </a:tr>
@@ -10803,7 +10812,7 @@
                 </a:tc>
                 <a:extLst>
                   <a:ext uri="{0D108BD9-81ED-4DB2-BD59-A6C34878D82A}">
-                    <a16:rowId xmlns:a16="http://schemas.microsoft.com/office/drawing/2014/main" val="1739809223"/>
+                    <a16:rowId xmlns:a16="http://schemas.microsoft.com/office/drawing/2014/main" xmlns="" val="1739809223"/>
                   </a:ext>
                 </a:extLst>
               </a:tr>
@@ -10894,7 +10903,7 @@
                 </a:tc>
                 <a:extLst>
                   <a:ext uri="{0D108BD9-81ED-4DB2-BD59-A6C34878D82A}">
-                    <a16:rowId xmlns:a16="http://schemas.microsoft.com/office/drawing/2014/main" val="3065424001"/>
+                    <a16:rowId xmlns:a16="http://schemas.microsoft.com/office/drawing/2014/main" xmlns="" val="3065424001"/>
                   </a:ext>
                 </a:extLst>
               </a:tr>
@@ -10907,7 +10916,7 @@
           <p:cNvPr id="7" name="Pfeil: nach rechts 6">
             <a:extLst>
               <a:ext uri="{FF2B5EF4-FFF2-40B4-BE49-F238E27FC236}">
-                <a16:creationId xmlns:a16="http://schemas.microsoft.com/office/drawing/2014/main" id="{3B513CA0-A832-43E7-B050-E2AF2D0420A5}"/>
+                <a16:creationId xmlns:a16="http://schemas.microsoft.com/office/drawing/2014/main" xmlns="" id="{3B513CA0-A832-43E7-B050-E2AF2D0420A5}"/>
               </a:ext>
             </a:extLst>
           </p:cNvPr>
@@ -10953,7 +10962,7 @@
           <p:cNvPr id="3" name="Textfeld 2">
             <a:extLst>
               <a:ext uri="{FF2B5EF4-FFF2-40B4-BE49-F238E27FC236}">
-                <a16:creationId xmlns:a16="http://schemas.microsoft.com/office/drawing/2014/main" id="{93110ADA-DF8C-4D4A-885A-EDB004AE3CF1}"/>
+                <a16:creationId xmlns:a16="http://schemas.microsoft.com/office/drawing/2014/main" xmlns="" id="{93110ADA-DF8C-4D4A-885A-EDB004AE3CF1}"/>
               </a:ext>
             </a:extLst>
           </p:cNvPr>
@@ -11025,7 +11034,7 @@
           <p:cNvPr id="8" name="Grafik 7" descr="Ein Bild, das Gebäude enthält.&#10;&#10;Automatisch generierte Beschreibung">
             <a:extLst>
               <a:ext uri="{FF2B5EF4-FFF2-40B4-BE49-F238E27FC236}">
-                <a16:creationId xmlns:a16="http://schemas.microsoft.com/office/drawing/2014/main" id="{1D323D9C-FC8D-4439-91A6-7135C579E851}"/>
+                <a16:creationId xmlns:a16="http://schemas.microsoft.com/office/drawing/2014/main" xmlns="" id="{1D323D9C-FC8D-4439-91A6-7135C579E851}"/>
               </a:ext>
             </a:extLst>
           </p:cNvPr>
@@ -11212,7 +11221,7 @@
           <p:cNvPr id="2" name="Titel 1">
             <a:extLst>
               <a:ext uri="{FF2B5EF4-FFF2-40B4-BE49-F238E27FC236}">
-                <a16:creationId xmlns:a16="http://schemas.microsoft.com/office/drawing/2014/main" id="{DE62BF7E-ADBC-4B3B-8BAB-95D01E311AED}"/>
+                <a16:creationId xmlns:a16="http://schemas.microsoft.com/office/drawing/2014/main" xmlns="" id="{DE62BF7E-ADBC-4B3B-8BAB-95D01E311AED}"/>
               </a:ext>
             </a:extLst>
           </p:cNvPr>
@@ -11256,7 +11265,7 @@
           <p:cNvPr id="8" name="Gerade Verbindung mit Pfeil 7">
             <a:extLst>
               <a:ext uri="{FF2B5EF4-FFF2-40B4-BE49-F238E27FC236}">
-                <a16:creationId xmlns:a16="http://schemas.microsoft.com/office/drawing/2014/main" id="{A79B7D31-8930-4A5A-AA1C-06892CC18291}"/>
+                <a16:creationId xmlns:a16="http://schemas.microsoft.com/office/drawing/2014/main" xmlns="" id="{A79B7D31-8930-4A5A-AA1C-06892CC18291}"/>
               </a:ext>
             </a:extLst>
           </p:cNvPr>
@@ -11297,7 +11306,7 @@
           <p:cNvPr id="11" name="Gerade Verbindung mit Pfeil 10">
             <a:extLst>
               <a:ext uri="{FF2B5EF4-FFF2-40B4-BE49-F238E27FC236}">
-                <a16:creationId xmlns:a16="http://schemas.microsoft.com/office/drawing/2014/main" id="{193B10F6-7A53-474E-BC21-C9DDCDE704C0}"/>
+                <a16:creationId xmlns:a16="http://schemas.microsoft.com/office/drawing/2014/main" xmlns="" id="{193B10F6-7A53-474E-BC21-C9DDCDE704C0}"/>
               </a:ext>
             </a:extLst>
           </p:cNvPr>
@@ -11338,7 +11347,7 @@
           <p:cNvPr id="13" name="Ellipse 12">
             <a:extLst>
               <a:ext uri="{FF2B5EF4-FFF2-40B4-BE49-F238E27FC236}">
-                <a16:creationId xmlns:a16="http://schemas.microsoft.com/office/drawing/2014/main" id="{7469256C-C83A-4F95-96CA-1818F8942C6D}"/>
+                <a16:creationId xmlns:a16="http://schemas.microsoft.com/office/drawing/2014/main" xmlns="" id="{7469256C-C83A-4F95-96CA-1818F8942C6D}"/>
               </a:ext>
             </a:extLst>
           </p:cNvPr>
@@ -11384,7 +11393,7 @@
           <p:cNvPr id="14" name="Ellipse 13">
             <a:extLst>
               <a:ext uri="{FF2B5EF4-FFF2-40B4-BE49-F238E27FC236}">
-                <a16:creationId xmlns:a16="http://schemas.microsoft.com/office/drawing/2014/main" id="{FC6EE53D-2964-4925-B51C-31D899033BB5}"/>
+                <a16:creationId xmlns:a16="http://schemas.microsoft.com/office/drawing/2014/main" xmlns="" id="{FC6EE53D-2964-4925-B51C-31D899033BB5}"/>
               </a:ext>
             </a:extLst>
           </p:cNvPr>
@@ -11430,7 +11439,7 @@
           <p:cNvPr id="15" name="Ellipse 14">
             <a:extLst>
               <a:ext uri="{FF2B5EF4-FFF2-40B4-BE49-F238E27FC236}">
-                <a16:creationId xmlns:a16="http://schemas.microsoft.com/office/drawing/2014/main" id="{58ADDE1C-EA42-455F-8EA6-B8E3BAE0272F}"/>
+                <a16:creationId xmlns:a16="http://schemas.microsoft.com/office/drawing/2014/main" xmlns="" id="{58ADDE1C-EA42-455F-8EA6-B8E3BAE0272F}"/>
               </a:ext>
             </a:extLst>
           </p:cNvPr>
@@ -11476,7 +11485,7 @@
           <p:cNvPr id="16" name="Ellipse 15">
             <a:extLst>
               <a:ext uri="{FF2B5EF4-FFF2-40B4-BE49-F238E27FC236}">
-                <a16:creationId xmlns:a16="http://schemas.microsoft.com/office/drawing/2014/main" id="{896F73C8-8F04-4CC6-97C4-1DD7B5E41760}"/>
+                <a16:creationId xmlns:a16="http://schemas.microsoft.com/office/drawing/2014/main" xmlns="" id="{896F73C8-8F04-4CC6-97C4-1DD7B5E41760}"/>
               </a:ext>
             </a:extLst>
           </p:cNvPr>
@@ -11522,7 +11531,7 @@
           <p:cNvPr id="17" name="Ellipse 16">
             <a:extLst>
               <a:ext uri="{FF2B5EF4-FFF2-40B4-BE49-F238E27FC236}">
-                <a16:creationId xmlns:a16="http://schemas.microsoft.com/office/drawing/2014/main" id="{E834ED1C-E0F9-4D80-BC22-E8D5FF875936}"/>
+                <a16:creationId xmlns:a16="http://schemas.microsoft.com/office/drawing/2014/main" xmlns="" id="{E834ED1C-E0F9-4D80-BC22-E8D5FF875936}"/>
               </a:ext>
             </a:extLst>
           </p:cNvPr>
@@ -11576,7 +11585,7 @@
           <p:cNvPr id="18" name="Ellipse 17">
             <a:extLst>
               <a:ext uri="{FF2B5EF4-FFF2-40B4-BE49-F238E27FC236}">
-                <a16:creationId xmlns:a16="http://schemas.microsoft.com/office/drawing/2014/main" id="{D9C9DB88-0D38-44B0-8D62-510C1934DB2C}"/>
+                <a16:creationId xmlns:a16="http://schemas.microsoft.com/office/drawing/2014/main" xmlns="" id="{D9C9DB88-0D38-44B0-8D62-510C1934DB2C}"/>
               </a:ext>
             </a:extLst>
           </p:cNvPr>
@@ -11630,7 +11639,7 @@
           <p:cNvPr id="19" name="Ellipse 18">
             <a:extLst>
               <a:ext uri="{FF2B5EF4-FFF2-40B4-BE49-F238E27FC236}">
-                <a16:creationId xmlns:a16="http://schemas.microsoft.com/office/drawing/2014/main" id="{AF5D232C-9B44-46DD-9434-43BE9D322187}"/>
+                <a16:creationId xmlns:a16="http://schemas.microsoft.com/office/drawing/2014/main" xmlns="" id="{AF5D232C-9B44-46DD-9434-43BE9D322187}"/>
               </a:ext>
             </a:extLst>
           </p:cNvPr>
@@ -11684,7 +11693,7 @@
           <p:cNvPr id="20" name="Ellipse 19">
             <a:extLst>
               <a:ext uri="{FF2B5EF4-FFF2-40B4-BE49-F238E27FC236}">
-                <a16:creationId xmlns:a16="http://schemas.microsoft.com/office/drawing/2014/main" id="{7DBB5383-166E-4F55-B5DA-3A43707886C8}"/>
+                <a16:creationId xmlns:a16="http://schemas.microsoft.com/office/drawing/2014/main" xmlns="" id="{7DBB5383-166E-4F55-B5DA-3A43707886C8}"/>
               </a:ext>
             </a:extLst>
           </p:cNvPr>
@@ -11738,7 +11747,7 @@
           <p:cNvPr id="21" name="Rechteck 20">
             <a:extLst>
               <a:ext uri="{FF2B5EF4-FFF2-40B4-BE49-F238E27FC236}">
-                <a16:creationId xmlns:a16="http://schemas.microsoft.com/office/drawing/2014/main" id="{557170D4-743C-4500-AC84-115677CC29C7}"/>
+                <a16:creationId xmlns:a16="http://schemas.microsoft.com/office/drawing/2014/main" xmlns="" id="{557170D4-743C-4500-AC84-115677CC29C7}"/>
               </a:ext>
             </a:extLst>
           </p:cNvPr>
@@ -11785,7 +11794,7 @@
           <p:cNvPr id="22" name="Rechteck 21">
             <a:extLst>
               <a:ext uri="{FF2B5EF4-FFF2-40B4-BE49-F238E27FC236}">
-                <a16:creationId xmlns:a16="http://schemas.microsoft.com/office/drawing/2014/main" id="{CB6D8A3C-1082-4255-9556-0AE3CBADAAC2}"/>
+                <a16:creationId xmlns:a16="http://schemas.microsoft.com/office/drawing/2014/main" xmlns="" id="{CB6D8A3C-1082-4255-9556-0AE3CBADAAC2}"/>
               </a:ext>
             </a:extLst>
           </p:cNvPr>
@@ -11837,7 +11846,7 @@
           <p:cNvPr id="23" name="Stern: 5 Zacken 22">
             <a:extLst>
               <a:ext uri="{FF2B5EF4-FFF2-40B4-BE49-F238E27FC236}">
-                <a16:creationId xmlns:a16="http://schemas.microsoft.com/office/drawing/2014/main" id="{30ACAD23-06F1-4109-8CB7-3983EAC26B6E}"/>
+                <a16:creationId xmlns:a16="http://schemas.microsoft.com/office/drawing/2014/main" xmlns="" id="{30ACAD23-06F1-4109-8CB7-3983EAC26B6E}"/>
               </a:ext>
             </a:extLst>
           </p:cNvPr>
@@ -11891,7 +11900,7 @@
           <p:cNvPr id="24" name="Ellipse 23">
             <a:extLst>
               <a:ext uri="{FF2B5EF4-FFF2-40B4-BE49-F238E27FC236}">
-                <a16:creationId xmlns:a16="http://schemas.microsoft.com/office/drawing/2014/main" id="{1E130FB0-31E0-48E1-BBE6-B0DDCA3F1952}"/>
+                <a16:creationId xmlns:a16="http://schemas.microsoft.com/office/drawing/2014/main" xmlns="" id="{1E130FB0-31E0-48E1-BBE6-B0DDCA3F1952}"/>
               </a:ext>
             </a:extLst>
           </p:cNvPr>
@@ -11943,7 +11952,7 @@
           <p:cNvPr id="25" name="Ellipse 24">
             <a:extLst>
               <a:ext uri="{FF2B5EF4-FFF2-40B4-BE49-F238E27FC236}">
-                <a16:creationId xmlns:a16="http://schemas.microsoft.com/office/drawing/2014/main" id="{909F81B8-BBC3-41DE-BFEA-18D8DE20A4A0}"/>
+                <a16:creationId xmlns:a16="http://schemas.microsoft.com/office/drawing/2014/main" xmlns="" id="{909F81B8-BBC3-41DE-BFEA-18D8DE20A4A0}"/>
               </a:ext>
             </a:extLst>
           </p:cNvPr>
@@ -11995,7 +12004,7 @@
           <p:cNvPr id="26" name="Textfeld 25">
             <a:extLst>
               <a:ext uri="{FF2B5EF4-FFF2-40B4-BE49-F238E27FC236}">
-                <a16:creationId xmlns:a16="http://schemas.microsoft.com/office/drawing/2014/main" id="{E1A66F3B-E0D0-47BD-BF9A-2E68700102D7}"/>
+                <a16:creationId xmlns:a16="http://schemas.microsoft.com/office/drawing/2014/main" xmlns="" id="{E1A66F3B-E0D0-47BD-BF9A-2E68700102D7}"/>
               </a:ext>
             </a:extLst>
           </p:cNvPr>
@@ -12678,7 +12687,7 @@
           <p:cNvPr id="2" name="Titel 1">
             <a:extLst>
               <a:ext uri="{FF2B5EF4-FFF2-40B4-BE49-F238E27FC236}">
-                <a16:creationId xmlns:a16="http://schemas.microsoft.com/office/drawing/2014/main" id="{2D19F794-8599-4A1D-A689-743EBDA80DB4}"/>
+                <a16:creationId xmlns:a16="http://schemas.microsoft.com/office/drawing/2014/main" xmlns="" id="{2D19F794-8599-4A1D-A689-743EBDA80DB4}"/>
               </a:ext>
             </a:extLst>
           </p:cNvPr>
@@ -12718,7 +12727,7 @@
           <p:cNvPr id="4" name="Textfeld 3">
             <a:extLst>
               <a:ext uri="{FF2B5EF4-FFF2-40B4-BE49-F238E27FC236}">
-                <a16:creationId xmlns:a16="http://schemas.microsoft.com/office/drawing/2014/main" id="{5E36B305-D4C6-4B27-9782-732C3867DEA7}"/>
+                <a16:creationId xmlns:a16="http://schemas.microsoft.com/office/drawing/2014/main" xmlns="" id="{5E36B305-D4C6-4B27-9782-732C3867DEA7}"/>
               </a:ext>
             </a:extLst>
           </p:cNvPr>
@@ -12928,7 +12937,7 @@
           <p:cNvPr id="6" name="Grafik 5">
             <a:extLst>
               <a:ext uri="{FF2B5EF4-FFF2-40B4-BE49-F238E27FC236}">
-                <a16:creationId xmlns:a16="http://schemas.microsoft.com/office/drawing/2014/main" id="{3AB3E07F-C4FB-411C-B517-DEC84D74B4A1}"/>
+                <a16:creationId xmlns:a16="http://schemas.microsoft.com/office/drawing/2014/main" xmlns="" id="{3AB3E07F-C4FB-411C-B517-DEC84D74B4A1}"/>
               </a:ext>
             </a:extLst>
           </p:cNvPr>
@@ -12964,7 +12973,7 @@
           <p:cNvPr id="7" name="Textfeld 6">
             <a:extLst>
               <a:ext uri="{FF2B5EF4-FFF2-40B4-BE49-F238E27FC236}">
-                <a16:creationId xmlns:a16="http://schemas.microsoft.com/office/drawing/2014/main" id="{4ADB41E8-1FE5-4790-81E4-9FA1EA7A680A}"/>
+                <a16:creationId xmlns:a16="http://schemas.microsoft.com/office/drawing/2014/main" xmlns="" id="{4ADB41E8-1FE5-4790-81E4-9FA1EA7A680A}"/>
               </a:ext>
             </a:extLst>
           </p:cNvPr>
@@ -13017,7 +13026,7 @@
           <p:cNvPr id="8" name="Textfeld 7">
             <a:extLst>
               <a:ext uri="{FF2B5EF4-FFF2-40B4-BE49-F238E27FC236}">
-                <a16:creationId xmlns:a16="http://schemas.microsoft.com/office/drawing/2014/main" id="{E07A373C-1875-4D36-BD3C-049E9516B803}"/>
+                <a16:creationId xmlns:a16="http://schemas.microsoft.com/office/drawing/2014/main" xmlns="" id="{E07A373C-1875-4D36-BD3C-049E9516B803}"/>
               </a:ext>
             </a:extLst>
           </p:cNvPr>
@@ -13081,6 +13090,13 @@
   <p:clrMapOvr>
     <a:masterClrMapping/>
   </p:clrMapOvr>
+  <p:timing>
+    <p:tnLst>
+      <p:par>
+        <p:cTn id="1" dur="indefinite" restart="never" nodeType="tmRoot"/>
+      </p:par>
+    </p:tnLst>
+  </p:timing>
 </p:sld>
 </file>
 
@@ -13106,7 +13122,7 @@
           <p:cNvPr id="2" name="Titel 1">
             <a:extLst>
               <a:ext uri="{FF2B5EF4-FFF2-40B4-BE49-F238E27FC236}">
-                <a16:creationId xmlns:a16="http://schemas.microsoft.com/office/drawing/2014/main" id="{256EF4DE-DBD9-44AA-86D5-14A5C169F82A}"/>
+                <a16:creationId xmlns:a16="http://schemas.microsoft.com/office/drawing/2014/main" xmlns="" id="{256EF4DE-DBD9-44AA-86D5-14A5C169F82A}"/>
               </a:ext>
             </a:extLst>
           </p:cNvPr>
@@ -13162,7 +13178,7 @@
           <p:cNvPr id="4" name="Textfeld 3">
             <a:extLst>
               <a:ext uri="{FF2B5EF4-FFF2-40B4-BE49-F238E27FC236}">
-                <a16:creationId xmlns:a16="http://schemas.microsoft.com/office/drawing/2014/main" id="{AE4C0C6E-2766-45EA-A93B-6AABFDD3F619}"/>
+                <a16:creationId xmlns:a16="http://schemas.microsoft.com/office/drawing/2014/main" xmlns="" id="{AE4C0C6E-2766-45EA-A93B-6AABFDD3F619}"/>
               </a:ext>
             </a:extLst>
           </p:cNvPr>
@@ -13376,7 +13392,7 @@
           <p:cNvPr id="5" name="Grafik 4" descr="Ein Bild, das Text, Karte enthält.&#10;&#10;Automatisch generierte Beschreibung">
             <a:extLst>
               <a:ext uri="{FF2B5EF4-FFF2-40B4-BE49-F238E27FC236}">
-                <a16:creationId xmlns:a16="http://schemas.microsoft.com/office/drawing/2014/main" id="{88B2EE34-B8EE-4BF1-B3D1-6B70C86D7DA7}"/>
+                <a16:creationId xmlns:a16="http://schemas.microsoft.com/office/drawing/2014/main" xmlns="" id="{88B2EE34-B8EE-4BF1-B3D1-6B70C86D7DA7}"/>
               </a:ext>
             </a:extLst>
           </p:cNvPr>
@@ -13411,7 +13427,7 @@
           <p:cNvPr id="7" name="Grafik 6" descr="Ein Bild, das Karte, Text enthält.&#10;&#10;Automatisch generierte Beschreibung">
             <a:extLst>
               <a:ext uri="{FF2B5EF4-FFF2-40B4-BE49-F238E27FC236}">
-                <a16:creationId xmlns:a16="http://schemas.microsoft.com/office/drawing/2014/main" id="{0CBA23CC-576A-4326-8AB4-E0E78200582D}"/>
+                <a16:creationId xmlns:a16="http://schemas.microsoft.com/office/drawing/2014/main" xmlns="" id="{0CBA23CC-576A-4326-8AB4-E0E78200582D}"/>
               </a:ext>
             </a:extLst>
           </p:cNvPr>
@@ -13446,7 +13462,7 @@
           <p:cNvPr id="8" name="Textfeld 7">
             <a:extLst>
               <a:ext uri="{FF2B5EF4-FFF2-40B4-BE49-F238E27FC236}">
-                <a16:creationId xmlns:a16="http://schemas.microsoft.com/office/drawing/2014/main" id="{715A02E8-97E5-43DC-A343-4B63BB73A948}"/>
+                <a16:creationId xmlns:a16="http://schemas.microsoft.com/office/drawing/2014/main" xmlns="" id="{715A02E8-97E5-43DC-A343-4B63BB73A948}"/>
               </a:ext>
             </a:extLst>
           </p:cNvPr>
@@ -13510,6 +13526,13 @@
   <p:clrMapOvr>
     <a:masterClrMapping/>
   </p:clrMapOvr>
+  <p:timing>
+    <p:tnLst>
+      <p:par>
+        <p:cTn id="1" dur="indefinite" restart="never" nodeType="tmRoot"/>
+      </p:par>
+    </p:tnLst>
+  </p:timing>
 </p:sld>
 </file>
 
@@ -13535,7 +13558,7 @@
           <p:cNvPr id="2" name="Titel 1">
             <a:extLst>
               <a:ext uri="{FF2B5EF4-FFF2-40B4-BE49-F238E27FC236}">
-                <a16:creationId xmlns:a16="http://schemas.microsoft.com/office/drawing/2014/main" id="{3A0DF07A-A6C0-4B8E-B7C2-439EA1742EBF}"/>
+                <a16:creationId xmlns:a16="http://schemas.microsoft.com/office/drawing/2014/main" xmlns="" id="{3A0DF07A-A6C0-4B8E-B7C2-439EA1742EBF}"/>
               </a:ext>
             </a:extLst>
           </p:cNvPr>
@@ -13564,7 +13587,7 @@
           <p:cNvPr id="4" name="Textfeld 3">
             <a:extLst>
               <a:ext uri="{FF2B5EF4-FFF2-40B4-BE49-F238E27FC236}">
-                <a16:creationId xmlns:a16="http://schemas.microsoft.com/office/drawing/2014/main" id="{E0AF8BE7-4D29-4120-8B6C-C0617FC4823E}"/>
+                <a16:creationId xmlns:a16="http://schemas.microsoft.com/office/drawing/2014/main" xmlns="" id="{E0AF8BE7-4D29-4120-8B6C-C0617FC4823E}"/>
               </a:ext>
             </a:extLst>
           </p:cNvPr>
@@ -13604,6 +13627,14 @@
               <a:t> </a:t>
             </a:r>
             <a:r>
+              <a:rPr lang="de-DE" sz="2000" dirty="0" err="1" smtClean="0"/>
+              <a:t>consists</a:t>
+            </a:r>
+            <a:r>
+              <a:rPr lang="de-DE" sz="2000" dirty="0"/>
+              <a:t> </a:t>
+            </a:r>
+            <a:r>
               <a:rPr lang="de-DE" sz="2000" dirty="0" err="1"/>
               <a:t>only</a:t>
             </a:r>
@@ -13612,8 +13643,24 @@
               <a:t> </a:t>
             </a:r>
             <a:r>
+              <a:rPr lang="de-DE" sz="2000" dirty="0" err="1" smtClean="0"/>
+              <a:t>of</a:t>
+            </a:r>
+            <a:r>
+              <a:rPr lang="de-DE" sz="2000" dirty="0" smtClean="0"/>
+              <a:t> </a:t>
+            </a:r>
+            <a:r>
               <a:rPr lang="de-DE" sz="2000" dirty="0" err="1"/>
-              <a:t>consists</a:t>
+              <a:t>numbers</a:t>
+            </a:r>
+            <a:r>
+              <a:rPr lang="de-DE" sz="2000" dirty="0"/>
+              <a:t>, so </a:t>
+            </a:r>
+            <a:r>
+              <a:rPr lang="de-DE" sz="2000" dirty="0" err="1"/>
+              <a:t>we</a:t>
             </a:r>
             <a:r>
               <a:rPr lang="de-DE" sz="2000" dirty="0"/>
@@ -13621,31 +13668,7 @@
             </a:r>
             <a:r>
               <a:rPr lang="de-DE" sz="2000" dirty="0" err="1"/>
-              <a:t>of</a:t>
-            </a:r>
-            <a:r>
-              <a:rPr lang="de-DE" sz="2000" dirty="0"/>
-              <a:t> </a:t>
-            </a:r>
-            <a:r>
-              <a:rPr lang="de-DE" sz="2000" dirty="0" err="1"/>
-              <a:t>numbers</a:t>
-            </a:r>
-            <a:r>
-              <a:rPr lang="de-DE" sz="2000" dirty="0"/>
-              <a:t>, so </a:t>
-            </a:r>
-            <a:r>
-              <a:rPr lang="de-DE" sz="2000" dirty="0" err="1"/>
-              <a:t>we</a:t>
-            </a:r>
-            <a:r>
-              <a:rPr lang="de-DE" sz="2000" dirty="0"/>
-              <a:t> reverse-</a:t>
-            </a:r>
-            <a:r>
-              <a:rPr lang="de-DE" sz="2000" dirty="0" err="1"/>
-              <a:t>transform</a:t>
+              <a:t>reverse-transform</a:t>
             </a:r>
             <a:r>
               <a:rPr lang="de-DE" sz="2000" dirty="0"/>
@@ -13699,7 +13722,7 @@
           <p:cNvPr id="5" name="Grafik 4">
             <a:extLst>
               <a:ext uri="{FF2B5EF4-FFF2-40B4-BE49-F238E27FC236}">
-                <a16:creationId xmlns:a16="http://schemas.microsoft.com/office/drawing/2014/main" id="{7EACE29B-80D8-462B-B157-449C327A0E60}"/>
+                <a16:creationId xmlns:a16="http://schemas.microsoft.com/office/drawing/2014/main" xmlns="" id="{7EACE29B-80D8-462B-B157-449C327A0E60}"/>
               </a:ext>
             </a:extLst>
           </p:cNvPr>
@@ -13709,7 +13732,7 @@
           <p:nvPr/>
         </p:nvPicPr>
         <p:blipFill>
-          <a:blip r:embed="rId2">
+          <a:blip r:embed="rId2" cstate="print">
             <a:extLst>
               <a:ext uri="{28A0092B-C50C-407E-A947-70E740481C1C}">
                 <a14:useLocalDpi xmlns:a14="http://schemas.microsoft.com/office/drawing/2010/main" val="0"/>
@@ -13735,7 +13758,7 @@
           <p:cNvPr id="7" name="Pfeil: nach rechts 6">
             <a:extLst>
               <a:ext uri="{FF2B5EF4-FFF2-40B4-BE49-F238E27FC236}">
-                <a16:creationId xmlns:a16="http://schemas.microsoft.com/office/drawing/2014/main" id="{EBAB8428-19FC-46B4-86D1-06DA423F5159}"/>
+                <a16:creationId xmlns:a16="http://schemas.microsoft.com/office/drawing/2014/main" xmlns="" id="{EBAB8428-19FC-46B4-86D1-06DA423F5159}"/>
               </a:ext>
             </a:extLst>
           </p:cNvPr>
@@ -13781,7 +13804,7 @@
           <p:cNvPr id="8" name="Textfeld 7">
             <a:extLst>
               <a:ext uri="{FF2B5EF4-FFF2-40B4-BE49-F238E27FC236}">
-                <a16:creationId xmlns:a16="http://schemas.microsoft.com/office/drawing/2014/main" id="{4B38B57E-ED9C-41B4-B178-0A690D45CEFC}"/>
+                <a16:creationId xmlns:a16="http://schemas.microsoft.com/office/drawing/2014/main" xmlns="" id="{4B38B57E-ED9C-41B4-B178-0A690D45CEFC}"/>
               </a:ext>
             </a:extLst>
           </p:cNvPr>
@@ -13874,7 +13897,7 @@
           <p:cNvPr id="9" name="Textfeld 8">
             <a:extLst>
               <a:ext uri="{FF2B5EF4-FFF2-40B4-BE49-F238E27FC236}">
-                <a16:creationId xmlns:a16="http://schemas.microsoft.com/office/drawing/2014/main" id="{B8B5B46E-131F-4826-B800-2829288C4A99}"/>
+                <a16:creationId xmlns:a16="http://schemas.microsoft.com/office/drawing/2014/main" xmlns="" id="{B8B5B46E-131F-4826-B800-2829288C4A99}"/>
               </a:ext>
             </a:extLst>
           </p:cNvPr>
@@ -13930,7 +13953,7 @@
           <p:cNvPr id="10" name="Tabelle 9">
             <a:extLst>
               <a:ext uri="{FF2B5EF4-FFF2-40B4-BE49-F238E27FC236}">
-                <a16:creationId xmlns:a16="http://schemas.microsoft.com/office/drawing/2014/main" id="{1359DF27-0431-40C1-AAEA-10323C33B724}"/>
+                <a16:creationId xmlns:a16="http://schemas.microsoft.com/office/drawing/2014/main" xmlns="" id="{1359DF27-0431-40C1-AAEA-10323C33B724}"/>
               </a:ext>
             </a:extLst>
           </p:cNvPr>
@@ -13959,28 +13982,28 @@
                 <a:gridCol w="1127349">
                   <a:extLst>
                     <a:ext uri="{9D8B030D-6E8A-4147-A177-3AD203B41FA5}">
-                      <a16:colId xmlns:a16="http://schemas.microsoft.com/office/drawing/2014/main" val="2935268419"/>
+                      <a16:colId xmlns:a16="http://schemas.microsoft.com/office/drawing/2014/main" xmlns="" val="2935268419"/>
                     </a:ext>
                   </a:extLst>
                 </a:gridCol>
                 <a:gridCol w="1041139">
                   <a:extLst>
                     <a:ext uri="{9D8B030D-6E8A-4147-A177-3AD203B41FA5}">
-                      <a16:colId xmlns:a16="http://schemas.microsoft.com/office/drawing/2014/main" val="3573326846"/>
+                      <a16:colId xmlns:a16="http://schemas.microsoft.com/office/drawing/2014/main" xmlns="" val="3573326846"/>
                     </a:ext>
                   </a:extLst>
                 </a:gridCol>
                 <a:gridCol w="1127349">
                   <a:extLst>
                     <a:ext uri="{9D8B030D-6E8A-4147-A177-3AD203B41FA5}">
-                      <a16:colId xmlns:a16="http://schemas.microsoft.com/office/drawing/2014/main" val="3540853296"/>
+                      <a16:colId xmlns:a16="http://schemas.microsoft.com/office/drawing/2014/main" xmlns="" val="3540853296"/>
                     </a:ext>
                   </a:extLst>
                 </a:gridCol>
                 <a:gridCol w="1127349">
                   <a:extLst>
                     <a:ext uri="{9D8B030D-6E8A-4147-A177-3AD203B41FA5}">
-                      <a16:colId xmlns:a16="http://schemas.microsoft.com/office/drawing/2014/main" val="174494649"/>
+                      <a16:colId xmlns:a16="http://schemas.microsoft.com/office/drawing/2014/main" xmlns="" val="174494649"/>
                     </a:ext>
                   </a:extLst>
                 </a:gridCol>
@@ -14041,7 +14064,7 @@
                 </a:tc>
                 <a:extLst>
                   <a:ext uri="{0D108BD9-81ED-4DB2-BD59-A6C34878D82A}">
-                    <a16:rowId xmlns:a16="http://schemas.microsoft.com/office/drawing/2014/main" val="2824275686"/>
+                    <a16:rowId xmlns:a16="http://schemas.microsoft.com/office/drawing/2014/main" xmlns="" val="2824275686"/>
                   </a:ext>
                 </a:extLst>
               </a:tr>
@@ -14104,7 +14127,7 @@
                 </a:tc>
                 <a:extLst>
                   <a:ext uri="{0D108BD9-81ED-4DB2-BD59-A6C34878D82A}">
-                    <a16:rowId xmlns:a16="http://schemas.microsoft.com/office/drawing/2014/main" val="1457480322"/>
+                    <a16:rowId xmlns:a16="http://schemas.microsoft.com/office/drawing/2014/main" xmlns="" val="1457480322"/>
                   </a:ext>
                 </a:extLst>
               </a:tr>
@@ -14167,7 +14190,7 @@
                 </a:tc>
                 <a:extLst>
                   <a:ext uri="{0D108BD9-81ED-4DB2-BD59-A6C34878D82A}">
-                    <a16:rowId xmlns:a16="http://schemas.microsoft.com/office/drawing/2014/main" val="3884194282"/>
+                    <a16:rowId xmlns:a16="http://schemas.microsoft.com/office/drawing/2014/main" xmlns="" val="3884194282"/>
                   </a:ext>
                 </a:extLst>
               </a:tr>
@@ -14230,7 +14253,7 @@
                 </a:tc>
                 <a:extLst>
                   <a:ext uri="{0D108BD9-81ED-4DB2-BD59-A6C34878D82A}">
-                    <a16:rowId xmlns:a16="http://schemas.microsoft.com/office/drawing/2014/main" val="2216999364"/>
+                    <a16:rowId xmlns:a16="http://schemas.microsoft.com/office/drawing/2014/main" xmlns="" val="2216999364"/>
                   </a:ext>
                 </a:extLst>
               </a:tr>
@@ -14293,7 +14316,7 @@
                 </a:tc>
                 <a:extLst>
                   <a:ext uri="{0D108BD9-81ED-4DB2-BD59-A6C34878D82A}">
-                    <a16:rowId xmlns:a16="http://schemas.microsoft.com/office/drawing/2014/main" val="1739809223"/>
+                    <a16:rowId xmlns:a16="http://schemas.microsoft.com/office/drawing/2014/main" xmlns="" val="1739809223"/>
                   </a:ext>
                 </a:extLst>
               </a:tr>
@@ -14356,7 +14379,7 @@
                 </a:tc>
                 <a:extLst>
                   <a:ext uri="{0D108BD9-81ED-4DB2-BD59-A6C34878D82A}">
-                    <a16:rowId xmlns:a16="http://schemas.microsoft.com/office/drawing/2014/main" val="3065424001"/>
+                    <a16:rowId xmlns:a16="http://schemas.microsoft.com/office/drawing/2014/main" xmlns="" val="3065424001"/>
                   </a:ext>
                 </a:extLst>
               </a:tr>
@@ -14374,6 +14397,13 @@
   <p:clrMapOvr>
     <a:masterClrMapping/>
   </p:clrMapOvr>
+  <p:timing>
+    <p:tnLst>
+      <p:par>
+        <p:cTn id="1" dur="indefinite" restart="never" nodeType="tmRoot"/>
+      </p:par>
+    </p:tnLst>
+  </p:timing>
 </p:sld>
 </file>
 
@@ -14399,7 +14429,7 @@
           <p:cNvPr id="2" name="Titel 1">
             <a:extLst>
               <a:ext uri="{FF2B5EF4-FFF2-40B4-BE49-F238E27FC236}">
-                <a16:creationId xmlns:a16="http://schemas.microsoft.com/office/drawing/2014/main" id="{FD425221-F4E0-416C-8FB0-F41F029F15A2}"/>
+                <a16:creationId xmlns:a16="http://schemas.microsoft.com/office/drawing/2014/main" xmlns="" id="{FD425221-F4E0-416C-8FB0-F41F029F15A2}"/>
               </a:ext>
             </a:extLst>
           </p:cNvPr>
@@ -14428,7 +14458,7 @@
           <p:cNvPr id="4" name="Rechteck 3">
             <a:extLst>
               <a:ext uri="{FF2B5EF4-FFF2-40B4-BE49-F238E27FC236}">
-                <a16:creationId xmlns:a16="http://schemas.microsoft.com/office/drawing/2014/main" id="{3C144FCF-8160-45CB-AF72-B1E01D48110B}"/>
+                <a16:creationId xmlns:a16="http://schemas.microsoft.com/office/drawing/2014/main" xmlns="" id="{3C144FCF-8160-45CB-AF72-B1E01D48110B}"/>
               </a:ext>
             </a:extLst>
           </p:cNvPr>
@@ -14505,7 +14535,7 @@
           <p:cNvPr id="5" name="Rechteck 4">
             <a:extLst>
               <a:ext uri="{FF2B5EF4-FFF2-40B4-BE49-F238E27FC236}">
-                <a16:creationId xmlns:a16="http://schemas.microsoft.com/office/drawing/2014/main" id="{D20448F9-72C8-413F-9D70-4409E2DE11C8}"/>
+                <a16:creationId xmlns:a16="http://schemas.microsoft.com/office/drawing/2014/main" xmlns="" id="{D20448F9-72C8-413F-9D70-4409E2DE11C8}"/>
               </a:ext>
             </a:extLst>
           </p:cNvPr>
@@ -14561,7 +14591,7 @@
           <p:cNvPr id="6" name="Rechteck 5">
             <a:extLst>
               <a:ext uri="{FF2B5EF4-FFF2-40B4-BE49-F238E27FC236}">
-                <a16:creationId xmlns:a16="http://schemas.microsoft.com/office/drawing/2014/main" id="{5180D00F-FD97-4A25-8D38-2CA232B64C83}"/>
+                <a16:creationId xmlns:a16="http://schemas.microsoft.com/office/drawing/2014/main" xmlns="" id="{5180D00F-FD97-4A25-8D38-2CA232B64C83}"/>
               </a:ext>
             </a:extLst>
           </p:cNvPr>
@@ -14617,7 +14647,7 @@
           <p:cNvPr id="7" name="Rechteck 6">
             <a:extLst>
               <a:ext uri="{FF2B5EF4-FFF2-40B4-BE49-F238E27FC236}">
-                <a16:creationId xmlns:a16="http://schemas.microsoft.com/office/drawing/2014/main" id="{A3652C8A-EF34-443B-BEB8-8B5DF46B51EB}"/>
+                <a16:creationId xmlns:a16="http://schemas.microsoft.com/office/drawing/2014/main" xmlns="" id="{A3652C8A-EF34-443B-BEB8-8B5DF46B51EB}"/>
               </a:ext>
             </a:extLst>
           </p:cNvPr>
@@ -14682,7 +14712,7 @@
           <p:cNvPr id="8" name="Rechteck 7">
             <a:extLst>
               <a:ext uri="{FF2B5EF4-FFF2-40B4-BE49-F238E27FC236}">
-                <a16:creationId xmlns:a16="http://schemas.microsoft.com/office/drawing/2014/main" id="{CB67835D-B0D2-4792-AD45-26DF015FBC36}"/>
+                <a16:creationId xmlns:a16="http://schemas.microsoft.com/office/drawing/2014/main" xmlns="" id="{CB67835D-B0D2-4792-AD45-26DF015FBC36}"/>
               </a:ext>
             </a:extLst>
           </p:cNvPr>
@@ -14739,7 +14769,7 @@
           <p:cNvPr id="9" name="Rechteck 8">
             <a:extLst>
               <a:ext uri="{FF2B5EF4-FFF2-40B4-BE49-F238E27FC236}">
-                <a16:creationId xmlns:a16="http://schemas.microsoft.com/office/drawing/2014/main" id="{D252AD02-69CE-4013-B9CC-1224A53A42F3}"/>
+                <a16:creationId xmlns:a16="http://schemas.microsoft.com/office/drawing/2014/main" xmlns="" id="{D252AD02-69CE-4013-B9CC-1224A53A42F3}"/>
               </a:ext>
             </a:extLst>
           </p:cNvPr>
@@ -14812,7 +14842,7 @@
           <p:cNvPr id="10" name="Rechteck 9">
             <a:extLst>
               <a:ext uri="{FF2B5EF4-FFF2-40B4-BE49-F238E27FC236}">
-                <a16:creationId xmlns:a16="http://schemas.microsoft.com/office/drawing/2014/main" id="{3FCA1C79-AB5E-4320-A47F-958AE6BBE9F2}"/>
+                <a16:creationId xmlns:a16="http://schemas.microsoft.com/office/drawing/2014/main" xmlns="" id="{3FCA1C79-AB5E-4320-A47F-958AE6BBE9F2}"/>
               </a:ext>
             </a:extLst>
           </p:cNvPr>
@@ -14897,7 +14927,7 @@
           <p:cNvPr id="12" name="Gerade Verbindung mit Pfeil 11">
             <a:extLst>
               <a:ext uri="{FF2B5EF4-FFF2-40B4-BE49-F238E27FC236}">
-                <a16:creationId xmlns:a16="http://schemas.microsoft.com/office/drawing/2014/main" id="{FBD46719-C1A0-4F14-B082-F80632595B0B}"/>
+                <a16:creationId xmlns:a16="http://schemas.microsoft.com/office/drawing/2014/main" xmlns="" id="{FBD46719-C1A0-4F14-B082-F80632595B0B}"/>
               </a:ext>
             </a:extLst>
           </p:cNvPr>
@@ -14939,7 +14969,7 @@
           <p:cNvPr id="15" name="Gerade Verbindung mit Pfeil 14">
             <a:extLst>
               <a:ext uri="{FF2B5EF4-FFF2-40B4-BE49-F238E27FC236}">
-                <a16:creationId xmlns:a16="http://schemas.microsoft.com/office/drawing/2014/main" id="{F73EB8DE-6007-4698-90F1-AB21DE6D8866}"/>
+                <a16:creationId xmlns:a16="http://schemas.microsoft.com/office/drawing/2014/main" xmlns="" id="{F73EB8DE-6007-4698-90F1-AB21DE6D8866}"/>
               </a:ext>
             </a:extLst>
           </p:cNvPr>
@@ -14981,7 +15011,7 @@
           <p:cNvPr id="17" name="Gerade Verbindung mit Pfeil 16">
             <a:extLst>
               <a:ext uri="{FF2B5EF4-FFF2-40B4-BE49-F238E27FC236}">
-                <a16:creationId xmlns:a16="http://schemas.microsoft.com/office/drawing/2014/main" id="{68EA95B4-1972-46D5-B3E8-2705355D8206}"/>
+                <a16:creationId xmlns:a16="http://schemas.microsoft.com/office/drawing/2014/main" xmlns="" id="{68EA95B4-1972-46D5-B3E8-2705355D8206}"/>
               </a:ext>
             </a:extLst>
           </p:cNvPr>
@@ -15022,7 +15052,7 @@
           <p:cNvPr id="21" name="Gerade Verbindung mit Pfeil 20">
             <a:extLst>
               <a:ext uri="{FF2B5EF4-FFF2-40B4-BE49-F238E27FC236}">
-                <a16:creationId xmlns:a16="http://schemas.microsoft.com/office/drawing/2014/main" id="{2714CC57-CF7B-4DC0-923E-1DF969389D60}"/>
+                <a16:creationId xmlns:a16="http://schemas.microsoft.com/office/drawing/2014/main" xmlns="" id="{2714CC57-CF7B-4DC0-923E-1DF969389D60}"/>
               </a:ext>
             </a:extLst>
           </p:cNvPr>
@@ -15063,7 +15093,7 @@
           <p:cNvPr id="23" name="Gerade Verbindung mit Pfeil 22">
             <a:extLst>
               <a:ext uri="{FF2B5EF4-FFF2-40B4-BE49-F238E27FC236}">
-                <a16:creationId xmlns:a16="http://schemas.microsoft.com/office/drawing/2014/main" id="{B8AA6557-3089-4109-B91D-BFBCE8968F0A}"/>
+                <a16:creationId xmlns:a16="http://schemas.microsoft.com/office/drawing/2014/main" xmlns="" id="{B8AA6557-3089-4109-B91D-BFBCE8968F0A}"/>
               </a:ext>
             </a:extLst>
           </p:cNvPr>
@@ -15105,7 +15135,7 @@
           <p:cNvPr id="27" name="Gerade Verbindung mit Pfeil 26">
             <a:extLst>
               <a:ext uri="{FF2B5EF4-FFF2-40B4-BE49-F238E27FC236}">
-                <a16:creationId xmlns:a16="http://schemas.microsoft.com/office/drawing/2014/main" id="{3E4A8C46-F5FD-47C9-BD8D-0E332217A07E}"/>
+                <a16:creationId xmlns:a16="http://schemas.microsoft.com/office/drawing/2014/main" xmlns="" id="{3E4A8C46-F5FD-47C9-BD8D-0E332217A07E}"/>
               </a:ext>
             </a:extLst>
           </p:cNvPr>
@@ -15147,7 +15177,7 @@
           <p:cNvPr id="29" name="Textfeld 28">
             <a:extLst>
               <a:ext uri="{FF2B5EF4-FFF2-40B4-BE49-F238E27FC236}">
-                <a16:creationId xmlns:a16="http://schemas.microsoft.com/office/drawing/2014/main" id="{B0FF87C3-674E-402E-9DF8-D2DBC94CBFD1}"/>
+                <a16:creationId xmlns:a16="http://schemas.microsoft.com/office/drawing/2014/main" xmlns="" id="{B0FF87C3-674E-402E-9DF8-D2DBC94CBFD1}"/>
               </a:ext>
             </a:extLst>
           </p:cNvPr>
@@ -15198,7 +15228,7 @@
           <p:cNvPr id="30" name="Rechteck 29">
             <a:extLst>
               <a:ext uri="{FF2B5EF4-FFF2-40B4-BE49-F238E27FC236}">
-                <a16:creationId xmlns:a16="http://schemas.microsoft.com/office/drawing/2014/main" id="{D462E61F-36B7-4D4E-8D16-AA0A2D4CD544}"/>
+                <a16:creationId xmlns:a16="http://schemas.microsoft.com/office/drawing/2014/main" xmlns="" id="{D462E61F-36B7-4D4E-8D16-AA0A2D4CD544}"/>
               </a:ext>
             </a:extLst>
           </p:cNvPr>
@@ -15281,7 +15311,7 @@
           <p:cNvPr id="11" name="Gerade Verbindung mit Pfeil 10">
             <a:extLst>
               <a:ext uri="{FF2B5EF4-FFF2-40B4-BE49-F238E27FC236}">
-                <a16:creationId xmlns:a16="http://schemas.microsoft.com/office/drawing/2014/main" id="{9F99904B-1C35-42EB-9645-2E61A3ECB860}"/>
+                <a16:creationId xmlns:a16="http://schemas.microsoft.com/office/drawing/2014/main" xmlns="" id="{9F99904B-1C35-42EB-9645-2E61A3ECB860}"/>
               </a:ext>
             </a:extLst>
           </p:cNvPr>
@@ -15327,6 +15357,511 @@
   <p:clrMapOvr>
     <a:masterClrMapping/>
   </p:clrMapOvr>
+  <p:timing>
+    <p:tnLst>
+      <p:par>
+        <p:cTn id="1" dur="indefinite" restart="never" nodeType="tmRoot"/>
+      </p:par>
+    </p:tnLst>
+  </p:timing>
+</p:sld>
+</file>
+
+<file path=ppt/slides/slide9.xml><?xml version="1.0" encoding="utf-8"?>
+<p:sld xmlns:a="http://schemas.openxmlformats.org/drawingml/2006/main" xmlns:r="http://schemas.openxmlformats.org/officeDocument/2006/relationships" xmlns:p="http://schemas.openxmlformats.org/presentationml/2006/main">
+  <p:cSld>
+    <p:spTree>
+      <p:nvGrpSpPr>
+        <p:cNvPr id="1" name=""/>
+        <p:cNvGrpSpPr/>
+        <p:nvPr/>
+      </p:nvGrpSpPr>
+      <p:grpSpPr>
+        <a:xfrm>
+          <a:off x="0" y="0"/>
+          <a:ext cx="0" cy="0"/>
+          <a:chOff x="0" y="0"/>
+          <a:chExt cx="0" cy="0"/>
+        </a:xfrm>
+      </p:grpSpPr>
+      <p:sp>
+        <p:nvSpPr>
+          <p:cNvPr id="2" name="Заголовок 1"/>
+          <p:cNvSpPr>
+            <a:spLocks noGrp="1"/>
+          </p:cNvSpPr>
+          <p:nvPr>
+            <p:ph type="title"/>
+          </p:nvPr>
+        </p:nvSpPr>
+        <p:spPr/>
+        <p:txBody>
+          <a:bodyPr/>
+          <a:lstStyle/>
+          <a:p>
+            <a:r>
+              <a:rPr lang="en-US" dirty="0" smtClean="0"/>
+              <a:t>We have time, but we need more!</a:t>
+            </a:r>
+            <a:endParaRPr lang="ru-RU" dirty="0"/>
+          </a:p>
+        </p:txBody>
+      </p:sp>
+      <p:graphicFrame>
+        <p:nvGraphicFramePr>
+          <p:cNvPr id="4" name="Объект 3"/>
+          <p:cNvGraphicFramePr>
+            <a:graphicFrameLocks noGrp="1"/>
+          </p:cNvGraphicFramePr>
+          <p:nvPr>
+            <p:ph idx="1"/>
+            <p:extLst>
+              <p:ext uri="{D42A27DB-BD31-4B8C-83A1-F6EECF244321}">
+                <p14:modId xmlns:p14="http://schemas.microsoft.com/office/powerpoint/2010/main" val="1467771838"/>
+              </p:ext>
+            </p:extLst>
+          </p:nvPr>
+        </p:nvGraphicFramePr>
+        <p:xfrm>
+          <a:off x="1096963" y="1846263"/>
+          <a:ext cx="10058400" cy="4472333"/>
+        </p:xfrm>
+        <a:graphic>
+          <a:graphicData uri="http://schemas.openxmlformats.org/drawingml/2006/table">
+            <a:tbl>
+              <a:tblPr firstRow="1" bandRow="1">
+                <a:tableStyleId>{5C22544A-7EE6-4342-B048-85BDC9FD1C3A}</a:tableStyleId>
+              </a:tblPr>
+              <a:tblGrid>
+                <a:gridCol w="6966382"/>
+                <a:gridCol w="3092018"/>
+              </a:tblGrid>
+              <a:tr h="370840">
+                <a:tc>
+                  <a:txBody>
+                    <a:bodyPr/>
+                    <a:lstStyle/>
+                    <a:p>
+                      <a:r>
+                        <a:rPr lang="en-US" dirty="0" smtClean="0"/>
+                        <a:t>Milestones</a:t>
+                      </a:r>
+                      <a:endParaRPr lang="ru-RU" dirty="0"/>
+                    </a:p>
+                  </a:txBody>
+                  <a:tcPr/>
+                </a:tc>
+                <a:tc>
+                  <a:txBody>
+                    <a:bodyPr/>
+                    <a:lstStyle/>
+                    <a:p>
+                      <a:r>
+                        <a:rPr lang="en-US" dirty="0" smtClean="0"/>
+                        <a:t>Weeks</a:t>
+                      </a:r>
+                      <a:endParaRPr lang="ru-RU" dirty="0"/>
+                    </a:p>
+                  </a:txBody>
+                  <a:tcPr/>
+                </a:tc>
+              </a:tr>
+              <a:tr h="393093">
+                <a:tc>
+                  <a:txBody>
+                    <a:bodyPr/>
+                    <a:lstStyle/>
+                    <a:p>
+                      <a:r>
+                        <a:rPr lang="en-US" dirty="0" smtClean="0"/>
+                        <a:t>Project</a:t>
+                      </a:r>
+                      <a:r>
+                        <a:rPr lang="en-US" baseline="0" dirty="0" smtClean="0"/>
+                        <a:t> proposal + programming skill improving</a:t>
+                      </a:r>
+                      <a:endParaRPr lang="ru-RU" dirty="0"/>
+                    </a:p>
+                  </a:txBody>
+                  <a:tcPr/>
+                </a:tc>
+                <a:tc>
+                  <a:txBody>
+                    <a:bodyPr/>
+                    <a:lstStyle/>
+                    <a:p>
+                      <a:r>
+                        <a:rPr lang="en-US" dirty="0" smtClean="0"/>
+                        <a:t>20</a:t>
+                      </a:r>
+                      <a:endParaRPr lang="ru-RU" dirty="0"/>
+                    </a:p>
+                  </a:txBody>
+                  <a:tcPr/>
+                </a:tc>
+              </a:tr>
+              <a:tr h="370840">
+                <a:tc>
+                  <a:txBody>
+                    <a:bodyPr/>
+                    <a:lstStyle/>
+                    <a:p>
+                      <a:r>
+                        <a:rPr lang="en-US" dirty="0" smtClean="0"/>
+                        <a:t>KNN</a:t>
+                      </a:r>
+                      <a:r>
+                        <a:rPr lang="en-US" baseline="0" dirty="0" smtClean="0"/>
+                        <a:t> in 784 dimensions</a:t>
+                      </a:r>
+                      <a:endParaRPr lang="ru-RU" dirty="0"/>
+                    </a:p>
+                  </a:txBody>
+                  <a:tcPr/>
+                </a:tc>
+                <a:tc>
+                  <a:txBody>
+                    <a:bodyPr/>
+                    <a:lstStyle/>
+                    <a:p>
+                      <a:r>
+                        <a:rPr lang="en-US" dirty="0" smtClean="0"/>
+                        <a:t>21</a:t>
+                      </a:r>
+                      <a:endParaRPr lang="ru-RU" dirty="0"/>
+                    </a:p>
+                  </a:txBody>
+                  <a:tcPr/>
+                </a:tc>
+              </a:tr>
+              <a:tr h="370840">
+                <a:tc>
+                  <a:txBody>
+                    <a:bodyPr/>
+                    <a:lstStyle/>
+                    <a:p>
+                      <a:endParaRPr lang="ru-RU"/>
+                    </a:p>
+                  </a:txBody>
+                  <a:tcPr/>
+                </a:tc>
+                <a:tc>
+                  <a:txBody>
+                    <a:bodyPr/>
+                    <a:lstStyle/>
+                    <a:p>
+                      <a:r>
+                        <a:rPr lang="en-US" dirty="0" smtClean="0"/>
+                        <a:t>22</a:t>
+                      </a:r>
+                      <a:endParaRPr lang="ru-RU" dirty="0"/>
+                    </a:p>
+                  </a:txBody>
+                  <a:tcPr/>
+                </a:tc>
+              </a:tr>
+              <a:tr h="370840">
+                <a:tc>
+                  <a:txBody>
+                    <a:bodyPr/>
+                    <a:lstStyle/>
+                    <a:p>
+                      <a:pPr marL="0" marR="0" indent="0" algn="l" defTabSz="914400" rtl="0" eaLnBrk="1" fontAlgn="auto" latinLnBrk="0" hangingPunct="1">
+                        <a:lnSpc>
+                          <a:spcPct val="100000"/>
+                        </a:lnSpc>
+                        <a:spcBef>
+                          <a:spcPts val="0"/>
+                        </a:spcBef>
+                        <a:spcAft>
+                          <a:spcPts val="0"/>
+                        </a:spcAft>
+                        <a:buClrTx/>
+                        <a:buSzTx/>
+                        <a:buFontTx/>
+                        <a:buNone/>
+                        <a:tabLst/>
+                        <a:defRPr/>
+                      </a:pPr>
+                      <a:r>
+                        <a:rPr lang="en-US" baseline="0" dirty="0" smtClean="0"/>
+                        <a:t>optimal K-number, success-rate from k plotting function</a:t>
+                      </a:r>
+                      <a:endParaRPr lang="ru-RU" dirty="0"/>
+                    </a:p>
+                  </a:txBody>
+                  <a:tcPr/>
+                </a:tc>
+                <a:tc>
+                  <a:txBody>
+                    <a:bodyPr/>
+                    <a:lstStyle/>
+                    <a:p>
+                      <a:r>
+                        <a:rPr lang="en-US" dirty="0" smtClean="0"/>
+                        <a:t>23</a:t>
+                      </a:r>
+                      <a:endParaRPr lang="ru-RU" dirty="0"/>
+                    </a:p>
+                  </a:txBody>
+                  <a:tcPr/>
+                </a:tc>
+              </a:tr>
+              <a:tr h="370840">
+                <a:tc>
+                  <a:txBody>
+                    <a:bodyPr/>
+                    <a:lstStyle/>
+                    <a:p>
+                      <a:r>
+                        <a:rPr lang="en-US" dirty="0" smtClean="0"/>
+                        <a:t>Visualization </a:t>
+                      </a:r>
+                      <a:r>
+                        <a:rPr lang="en-US" dirty="0" smtClean="0"/>
+                        <a:t>of recognized/falsely</a:t>
+                      </a:r>
+                      <a:r>
+                        <a:rPr lang="en-US" baseline="0" dirty="0" smtClean="0"/>
+                        <a:t> </a:t>
+                      </a:r>
+                      <a:r>
+                        <a:rPr lang="en-US" baseline="0" dirty="0" smtClean="0"/>
+                        <a:t>recognized </a:t>
+                      </a:r>
+                      <a:r>
+                        <a:rPr lang="en-US" baseline="0" dirty="0" smtClean="0"/>
+                        <a:t>digits </a:t>
+                      </a:r>
+                      <a:endParaRPr lang="ru-RU" dirty="0"/>
+                    </a:p>
+                  </a:txBody>
+                  <a:tcPr/>
+                </a:tc>
+                <a:tc>
+                  <a:txBody>
+                    <a:bodyPr/>
+                    <a:lstStyle/>
+                    <a:p>
+                      <a:r>
+                        <a:rPr lang="en-US" dirty="0" smtClean="0"/>
+                        <a:t>24</a:t>
+                      </a:r>
+                      <a:endParaRPr lang="ru-RU" dirty="0"/>
+                    </a:p>
+                  </a:txBody>
+                  <a:tcPr/>
+                </a:tc>
+              </a:tr>
+              <a:tr h="370840">
+                <a:tc>
+                  <a:txBody>
+                    <a:bodyPr/>
+                    <a:lstStyle/>
+                    <a:p>
+                      <a:r>
+                        <a:rPr lang="en-US" dirty="0" smtClean="0"/>
+                        <a:t>PCA, optimal</a:t>
+                      </a:r>
+                      <a:r>
+                        <a:rPr lang="en-US" baseline="0" dirty="0" smtClean="0"/>
+                        <a:t> number T of dimensions</a:t>
+                      </a:r>
+                      <a:endParaRPr lang="ru-RU" dirty="0"/>
+                    </a:p>
+                  </a:txBody>
+                  <a:tcPr/>
+                </a:tc>
+                <a:tc>
+                  <a:txBody>
+                    <a:bodyPr/>
+                    <a:lstStyle/>
+                    <a:p>
+                      <a:r>
+                        <a:rPr lang="en-US" dirty="0" smtClean="0"/>
+                        <a:t>25</a:t>
+                      </a:r>
+                      <a:endParaRPr lang="ru-RU" dirty="0"/>
+                    </a:p>
+                  </a:txBody>
+                  <a:tcPr/>
+                </a:tc>
+              </a:tr>
+              <a:tr h="370840">
+                <a:tc>
+                  <a:txBody>
+                    <a:bodyPr/>
+                    <a:lstStyle/>
+                    <a:p>
+                      <a:r>
+                        <a:rPr lang="en-US" dirty="0" smtClean="0"/>
+                        <a:t>KNN in</a:t>
+                      </a:r>
+                      <a:r>
+                        <a:rPr lang="en-US" baseline="0" dirty="0" smtClean="0"/>
+                        <a:t> PCA-space, success rate from T and K plotting, optimal K for PCA</a:t>
+                      </a:r>
+                      <a:endParaRPr lang="ru-RU" dirty="0"/>
+                    </a:p>
+                  </a:txBody>
+                  <a:tcPr/>
+                </a:tc>
+                <a:tc>
+                  <a:txBody>
+                    <a:bodyPr/>
+                    <a:lstStyle/>
+                    <a:p>
+                      <a:r>
+                        <a:rPr lang="en-US" dirty="0" smtClean="0"/>
+                        <a:t>26</a:t>
+                      </a:r>
+                      <a:endParaRPr lang="ru-RU" dirty="0"/>
+                    </a:p>
+                  </a:txBody>
+                  <a:tcPr/>
+                </a:tc>
+              </a:tr>
+              <a:tr h="370840">
+                <a:tc>
+                  <a:txBody>
+                    <a:bodyPr/>
+                    <a:lstStyle/>
+                    <a:p>
+                      <a:r>
+                        <a:rPr lang="en-US" dirty="0" smtClean="0"/>
+                        <a:t>Analysis</a:t>
+                      </a:r>
+                      <a:r>
+                        <a:rPr lang="en-US" baseline="0" dirty="0" smtClean="0"/>
+                        <a:t> of our handwriting</a:t>
+                      </a:r>
+                      <a:endParaRPr lang="ru-RU" dirty="0"/>
+                    </a:p>
+                  </a:txBody>
+                  <a:tcPr/>
+                </a:tc>
+                <a:tc>
+                  <a:txBody>
+                    <a:bodyPr/>
+                    <a:lstStyle/>
+                    <a:p>
+                      <a:r>
+                        <a:rPr lang="en-US" dirty="0" smtClean="0"/>
+                        <a:t>27</a:t>
+                      </a:r>
+                      <a:endParaRPr lang="ru-RU" dirty="0"/>
+                    </a:p>
+                  </a:txBody>
+                  <a:tcPr/>
+                </a:tc>
+              </a:tr>
+              <a:tr h="370840">
+                <a:tc>
+                  <a:txBody>
+                    <a:bodyPr/>
+                    <a:lstStyle/>
+                    <a:p>
+                      <a:endParaRPr lang="ru-RU" dirty="0"/>
+                    </a:p>
+                  </a:txBody>
+                  <a:tcPr/>
+                </a:tc>
+                <a:tc>
+                  <a:txBody>
+                    <a:bodyPr/>
+                    <a:lstStyle/>
+                    <a:p>
+                      <a:r>
+                        <a:rPr lang="en-US" dirty="0" smtClean="0"/>
+                        <a:t>28</a:t>
+                      </a:r>
+                      <a:endParaRPr lang="ru-RU" dirty="0"/>
+                    </a:p>
+                  </a:txBody>
+                  <a:tcPr/>
+                </a:tc>
+              </a:tr>
+              <a:tr h="370840">
+                <a:tc>
+                  <a:txBody>
+                    <a:bodyPr/>
+                    <a:lstStyle/>
+                    <a:p>
+                      <a:endParaRPr lang="ru-RU" dirty="0"/>
+                    </a:p>
+                  </a:txBody>
+                  <a:tcPr/>
+                </a:tc>
+                <a:tc>
+                  <a:txBody>
+                    <a:bodyPr/>
+                    <a:lstStyle/>
+                    <a:p>
+                      <a:r>
+                        <a:rPr lang="en-US" dirty="0" smtClean="0"/>
+                        <a:t>29</a:t>
+                      </a:r>
+                      <a:endParaRPr lang="ru-RU" dirty="0"/>
+                    </a:p>
+                  </a:txBody>
+                  <a:tcPr/>
+                </a:tc>
+              </a:tr>
+              <a:tr h="370840">
+                <a:tc>
+                  <a:txBody>
+                    <a:bodyPr/>
+                    <a:lstStyle/>
+                    <a:p>
+                      <a:r>
+                        <a:rPr lang="en-US" dirty="0" smtClean="0"/>
+                        <a:t>Preparation</a:t>
+                      </a:r>
+                      <a:r>
+                        <a:rPr lang="en-US" baseline="0" dirty="0" smtClean="0"/>
+                        <a:t> to final presentation</a:t>
+                      </a:r>
+                      <a:endParaRPr lang="ru-RU" dirty="0"/>
+                    </a:p>
+                  </a:txBody>
+                  <a:tcPr/>
+                </a:tc>
+                <a:tc>
+                  <a:txBody>
+                    <a:bodyPr/>
+                    <a:lstStyle/>
+                    <a:p>
+                      <a:r>
+                        <a:rPr lang="en-US" dirty="0" smtClean="0"/>
+                        <a:t>30</a:t>
+                      </a:r>
+                      <a:endParaRPr lang="ru-RU" dirty="0"/>
+                    </a:p>
+                  </a:txBody>
+                  <a:tcPr/>
+                </a:tc>
+              </a:tr>
+            </a:tbl>
+          </a:graphicData>
+        </a:graphic>
+      </p:graphicFrame>
+    </p:spTree>
+    <p:extLst>
+      <p:ext uri="{BB962C8B-B14F-4D97-AF65-F5344CB8AC3E}">
+        <p14:creationId xmlns:p14="http://schemas.microsoft.com/office/powerpoint/2010/main" val="3339586047"/>
+      </p:ext>
+    </p:extLst>
+  </p:cSld>
+  <p:clrMapOvr>
+    <a:masterClrMapping/>
+  </p:clrMapOvr>
+  <p:timing>
+    <p:tnLst>
+      <p:par>
+        <p:cTn id="1" dur="indefinite" restart="never" nodeType="tmRoot"/>
+      </p:par>
+    </p:tnLst>
+  </p:timing>
 </p:sld>
 </file>
 
@@ -16113,7 +16648,7 @@
   <a:extraClrSchemeLst/>
   <a:extLst>
     <a:ext uri="{05A4C25C-085E-4340-85A3-A5531E510DB2}">
-      <thm15:themeFamily xmlns:thm15="http://schemas.microsoft.com/office/thememl/2012/main" name="Retrospect" id="{5F128B03-DCCA-4EEB-AB3B-CF2899314A46}" vid="{9CC26709-368C-4D72-9060-94E5B3FF3CD6}"/>
+      <thm15:themeFamily xmlns:thm15="http://schemas.microsoft.com/office/thememl/2012/main" xmlns="" name="Retrospect" id="{5F128B03-DCCA-4EEB-AB3B-CF2899314A46}" vid="{9CC26709-368C-4D72-9060-94E5B3FF3CD6}"/>
     </a:ext>
   </a:extLst>
 </a:theme>

--- a/Vortrag1.pptx
+++ b/Vortrag1.pptx
@@ -116,7 +116,7 @@
   </p:defaultTextStyle>
   <p:extLst>
     <p:ext uri="{EFAFB233-063F-42B5-8137-9DF3F51BA10A}">
-      <p15:sldGuideLst xmlns:p15="http://schemas.microsoft.com/office/powerpoint/2012/main" xmlns=""/>
+      <p15:sldGuideLst xmlns="" xmlns:p15="http://schemas.microsoft.com/office/powerpoint/2012/main"/>
     </p:ext>
   </p:extLst>
 </p:presentation>
@@ -9571,7 +9571,7 @@
           <p:cNvPr id="2" name="Titel 1">
             <a:extLst>
               <a:ext uri="{FF2B5EF4-FFF2-40B4-BE49-F238E27FC236}">
-                <a16:creationId xmlns:a16="http://schemas.microsoft.com/office/drawing/2014/main" xmlns="" id="{90A6468B-D0CD-4DC7-A3AD-DA2E2B071416}"/>
+                <a16:creationId xmlns="" xmlns:a16="http://schemas.microsoft.com/office/drawing/2014/main" id="{90A6468B-D0CD-4DC7-A3AD-DA2E2B071416}"/>
               </a:ext>
             </a:extLst>
           </p:cNvPr>
@@ -9599,7 +9599,7 @@
           <p:cNvPr id="3" name="Untertitel 2">
             <a:extLst>
               <a:ext uri="{FF2B5EF4-FFF2-40B4-BE49-F238E27FC236}">
-                <a16:creationId xmlns:a16="http://schemas.microsoft.com/office/drawing/2014/main" xmlns="" id="{65A5BDD7-952D-4603-93C5-6E59619C765A}"/>
+                <a16:creationId xmlns="" xmlns:a16="http://schemas.microsoft.com/office/drawing/2014/main" id="{65A5BDD7-952D-4603-93C5-6E59619C765A}"/>
               </a:ext>
             </a:extLst>
           </p:cNvPr>
@@ -9657,7 +9657,7 @@
           <p:cNvPr id="2" name="Titel 1">
             <a:extLst>
               <a:ext uri="{FF2B5EF4-FFF2-40B4-BE49-F238E27FC236}">
-                <a16:creationId xmlns:a16="http://schemas.microsoft.com/office/drawing/2014/main" xmlns="" id="{40A94760-C413-460F-B002-DE3FCCA70BA3}"/>
+                <a16:creationId xmlns="" xmlns:a16="http://schemas.microsoft.com/office/drawing/2014/main" id="{40A94760-C413-460F-B002-DE3FCCA70BA3}"/>
               </a:ext>
             </a:extLst>
           </p:cNvPr>
@@ -9685,7 +9685,7 @@
           <p:cNvPr id="5" name="Grafik 4">
             <a:extLst>
               <a:ext uri="{FF2B5EF4-FFF2-40B4-BE49-F238E27FC236}">
-                <a16:creationId xmlns:a16="http://schemas.microsoft.com/office/drawing/2014/main" xmlns="" id="{57A3AA90-FDF7-4D08-B8F5-9FF4A8D4BC7E}"/>
+                <a16:creationId xmlns="" xmlns:a16="http://schemas.microsoft.com/office/drawing/2014/main" id="{57A3AA90-FDF7-4D08-B8F5-9FF4A8D4BC7E}"/>
               </a:ext>
             </a:extLst>
           </p:cNvPr>
@@ -9721,7 +9721,7 @@
           <p:cNvPr id="6" name="Textfeld 5">
             <a:extLst>
               <a:ext uri="{FF2B5EF4-FFF2-40B4-BE49-F238E27FC236}">
-                <a16:creationId xmlns:a16="http://schemas.microsoft.com/office/drawing/2014/main" xmlns="" id="{6AA4F5E1-8797-42F3-A52D-711C0EF03F4D}"/>
+                <a16:creationId xmlns="" xmlns:a16="http://schemas.microsoft.com/office/drawing/2014/main" id="{6AA4F5E1-8797-42F3-A52D-711C0EF03F4D}"/>
               </a:ext>
             </a:extLst>
           </p:cNvPr>
@@ -10044,7 +10044,7 @@
           <p:cNvPr id="2" name="Titel 1">
             <a:extLst>
               <a:ext uri="{FF2B5EF4-FFF2-40B4-BE49-F238E27FC236}">
-                <a16:creationId xmlns:a16="http://schemas.microsoft.com/office/drawing/2014/main" xmlns="" id="{6239617A-843A-48A9-B1A1-5A51ECFC1EAB}"/>
+                <a16:creationId xmlns="" xmlns:a16="http://schemas.microsoft.com/office/drawing/2014/main" id="{6239617A-843A-48A9-B1A1-5A51ECFC1EAB}"/>
               </a:ext>
             </a:extLst>
           </p:cNvPr>
@@ -10077,7 +10077,7 @@
           <p:cNvPr id="5" name="Grafik 4">
             <a:extLst>
               <a:ext uri="{FF2B5EF4-FFF2-40B4-BE49-F238E27FC236}">
-                <a16:creationId xmlns:a16="http://schemas.microsoft.com/office/drawing/2014/main" xmlns="" id="{4D499231-1623-4F5D-81A2-30732BDEC5EE}"/>
+                <a16:creationId xmlns="" xmlns:a16="http://schemas.microsoft.com/office/drawing/2014/main" id="{4D499231-1623-4F5D-81A2-30732BDEC5EE}"/>
               </a:ext>
             </a:extLst>
           </p:cNvPr>
@@ -10113,7 +10113,7 @@
           <p:cNvPr id="6" name="Tabelle 5">
             <a:extLst>
               <a:ext uri="{FF2B5EF4-FFF2-40B4-BE49-F238E27FC236}">
-                <a16:creationId xmlns:a16="http://schemas.microsoft.com/office/drawing/2014/main" xmlns="" id="{078A32C6-762C-44BB-BFAD-E9CCE572CA41}"/>
+                <a16:creationId xmlns="" xmlns:a16="http://schemas.microsoft.com/office/drawing/2014/main" id="{078A32C6-762C-44BB-BFAD-E9CCE572CA41}"/>
               </a:ext>
             </a:extLst>
           </p:cNvPr>
@@ -10142,42 +10142,42 @@
                 <a:gridCol w="1204914">
                   <a:extLst>
                     <a:ext uri="{9D8B030D-6E8A-4147-A177-3AD203B41FA5}">
-                      <a16:colId xmlns:a16="http://schemas.microsoft.com/office/drawing/2014/main" xmlns="" val="2935268419"/>
+                      <a16:colId xmlns="" xmlns:a16="http://schemas.microsoft.com/office/drawing/2014/main" val="2935268419"/>
                     </a:ext>
                   </a:extLst>
                 </a:gridCol>
                 <a:gridCol w="1112773">
                   <a:extLst>
                     <a:ext uri="{9D8B030D-6E8A-4147-A177-3AD203B41FA5}">
-                      <a16:colId xmlns:a16="http://schemas.microsoft.com/office/drawing/2014/main" xmlns="" val="3573326846"/>
+                      <a16:colId xmlns="" xmlns:a16="http://schemas.microsoft.com/office/drawing/2014/main" val="3573326846"/>
                     </a:ext>
                   </a:extLst>
                 </a:gridCol>
                 <a:gridCol w="1297045">
                   <a:extLst>
                     <a:ext uri="{9D8B030D-6E8A-4147-A177-3AD203B41FA5}">
-                      <a16:colId xmlns:a16="http://schemas.microsoft.com/office/drawing/2014/main" xmlns="" val="3944536420"/>
+                      <a16:colId xmlns="" xmlns:a16="http://schemas.microsoft.com/office/drawing/2014/main" val="3944536420"/>
                     </a:ext>
                   </a:extLst>
                 </a:gridCol>
                 <a:gridCol w="1204914">
                   <a:extLst>
                     <a:ext uri="{9D8B030D-6E8A-4147-A177-3AD203B41FA5}">
-                      <a16:colId xmlns:a16="http://schemas.microsoft.com/office/drawing/2014/main" xmlns="" val="1040886641"/>
+                      <a16:colId xmlns="" xmlns:a16="http://schemas.microsoft.com/office/drawing/2014/main" val="1040886641"/>
                     </a:ext>
                   </a:extLst>
                 </a:gridCol>
                 <a:gridCol w="1204914">
                   <a:extLst>
                     <a:ext uri="{9D8B030D-6E8A-4147-A177-3AD203B41FA5}">
-                      <a16:colId xmlns:a16="http://schemas.microsoft.com/office/drawing/2014/main" xmlns="" val="3540853296"/>
+                      <a16:colId xmlns="" xmlns:a16="http://schemas.microsoft.com/office/drawing/2014/main" val="3540853296"/>
                     </a:ext>
                   </a:extLst>
                 </a:gridCol>
                 <a:gridCol w="1204914">
                   <a:extLst>
                     <a:ext uri="{9D8B030D-6E8A-4147-A177-3AD203B41FA5}">
-                      <a16:colId xmlns:a16="http://schemas.microsoft.com/office/drawing/2014/main" xmlns="" val="174494649"/>
+                      <a16:colId xmlns="" xmlns:a16="http://schemas.microsoft.com/office/drawing/2014/main" val="174494649"/>
                     </a:ext>
                   </a:extLst>
                 </a:gridCol>
@@ -10266,7 +10266,7 @@
                 </a:tc>
                 <a:extLst>
                   <a:ext uri="{0D108BD9-81ED-4DB2-BD59-A6C34878D82A}">
-                    <a16:rowId xmlns:a16="http://schemas.microsoft.com/office/drawing/2014/main" xmlns="" val="2824275686"/>
+                    <a16:rowId xmlns="" xmlns:a16="http://schemas.microsoft.com/office/drawing/2014/main" val="2824275686"/>
                   </a:ext>
                 </a:extLst>
               </a:tr>
@@ -10357,7 +10357,7 @@
                 </a:tc>
                 <a:extLst>
                   <a:ext uri="{0D108BD9-81ED-4DB2-BD59-A6C34878D82A}">
-                    <a16:rowId xmlns:a16="http://schemas.microsoft.com/office/drawing/2014/main" xmlns="" val="1457480322"/>
+                    <a16:rowId xmlns="" xmlns:a16="http://schemas.microsoft.com/office/drawing/2014/main" val="1457480322"/>
                   </a:ext>
                 </a:extLst>
               </a:tr>
@@ -10448,7 +10448,7 @@
                 </a:tc>
                 <a:extLst>
                   <a:ext uri="{0D108BD9-81ED-4DB2-BD59-A6C34878D82A}">
-                    <a16:rowId xmlns:a16="http://schemas.microsoft.com/office/drawing/2014/main" xmlns="" val="3884194282"/>
+                    <a16:rowId xmlns="" xmlns:a16="http://schemas.microsoft.com/office/drawing/2014/main" val="3884194282"/>
                   </a:ext>
                 </a:extLst>
               </a:tr>
@@ -10539,7 +10539,7 @@
                 </a:tc>
                 <a:extLst>
                   <a:ext uri="{0D108BD9-81ED-4DB2-BD59-A6C34878D82A}">
-                    <a16:rowId xmlns:a16="http://schemas.microsoft.com/office/drawing/2014/main" xmlns="" val="2227270537"/>
+                    <a16:rowId xmlns="" xmlns:a16="http://schemas.microsoft.com/office/drawing/2014/main" val="2227270537"/>
                   </a:ext>
                 </a:extLst>
               </a:tr>
@@ -10630,7 +10630,7 @@
                 </a:tc>
                 <a:extLst>
                   <a:ext uri="{0D108BD9-81ED-4DB2-BD59-A6C34878D82A}">
-                    <a16:rowId xmlns:a16="http://schemas.microsoft.com/office/drawing/2014/main" xmlns="" val="828193998"/>
+                    <a16:rowId xmlns="" xmlns:a16="http://schemas.microsoft.com/office/drawing/2014/main" val="828193998"/>
                   </a:ext>
                 </a:extLst>
               </a:tr>
@@ -10721,7 +10721,7 @@
                 </a:tc>
                 <a:extLst>
                   <a:ext uri="{0D108BD9-81ED-4DB2-BD59-A6C34878D82A}">
-                    <a16:rowId xmlns:a16="http://schemas.microsoft.com/office/drawing/2014/main" xmlns="" val="2216999364"/>
+                    <a16:rowId xmlns="" xmlns:a16="http://schemas.microsoft.com/office/drawing/2014/main" val="2216999364"/>
                   </a:ext>
                 </a:extLst>
               </a:tr>
@@ -10812,7 +10812,7 @@
                 </a:tc>
                 <a:extLst>
                   <a:ext uri="{0D108BD9-81ED-4DB2-BD59-A6C34878D82A}">
-                    <a16:rowId xmlns:a16="http://schemas.microsoft.com/office/drawing/2014/main" xmlns="" val="1739809223"/>
+                    <a16:rowId xmlns="" xmlns:a16="http://schemas.microsoft.com/office/drawing/2014/main" val="1739809223"/>
                   </a:ext>
                 </a:extLst>
               </a:tr>
@@ -10903,7 +10903,7 @@
                 </a:tc>
                 <a:extLst>
                   <a:ext uri="{0D108BD9-81ED-4DB2-BD59-A6C34878D82A}">
-                    <a16:rowId xmlns:a16="http://schemas.microsoft.com/office/drawing/2014/main" xmlns="" val="3065424001"/>
+                    <a16:rowId xmlns="" xmlns:a16="http://schemas.microsoft.com/office/drawing/2014/main" val="3065424001"/>
                   </a:ext>
                 </a:extLst>
               </a:tr>
@@ -10916,7 +10916,7 @@
           <p:cNvPr id="7" name="Pfeil: nach rechts 6">
             <a:extLst>
               <a:ext uri="{FF2B5EF4-FFF2-40B4-BE49-F238E27FC236}">
-                <a16:creationId xmlns:a16="http://schemas.microsoft.com/office/drawing/2014/main" xmlns="" id="{3B513CA0-A832-43E7-B050-E2AF2D0420A5}"/>
+                <a16:creationId xmlns="" xmlns:a16="http://schemas.microsoft.com/office/drawing/2014/main" id="{3B513CA0-A832-43E7-B050-E2AF2D0420A5}"/>
               </a:ext>
             </a:extLst>
           </p:cNvPr>
@@ -10962,7 +10962,7 @@
           <p:cNvPr id="3" name="Textfeld 2">
             <a:extLst>
               <a:ext uri="{FF2B5EF4-FFF2-40B4-BE49-F238E27FC236}">
-                <a16:creationId xmlns:a16="http://schemas.microsoft.com/office/drawing/2014/main" xmlns="" id="{93110ADA-DF8C-4D4A-885A-EDB004AE3CF1}"/>
+                <a16:creationId xmlns="" xmlns:a16="http://schemas.microsoft.com/office/drawing/2014/main" id="{93110ADA-DF8C-4D4A-885A-EDB004AE3CF1}"/>
               </a:ext>
             </a:extLst>
           </p:cNvPr>
@@ -11034,7 +11034,7 @@
           <p:cNvPr id="8" name="Grafik 7" descr="Ein Bild, das Gebäude enthält.&#10;&#10;Automatisch generierte Beschreibung">
             <a:extLst>
               <a:ext uri="{FF2B5EF4-FFF2-40B4-BE49-F238E27FC236}">
-                <a16:creationId xmlns:a16="http://schemas.microsoft.com/office/drawing/2014/main" xmlns="" id="{1D323D9C-FC8D-4439-91A6-7135C579E851}"/>
+                <a16:creationId xmlns="" xmlns:a16="http://schemas.microsoft.com/office/drawing/2014/main" id="{1D323D9C-FC8D-4439-91A6-7135C579E851}"/>
               </a:ext>
             </a:extLst>
           </p:cNvPr>
@@ -11221,7 +11221,7 @@
           <p:cNvPr id="2" name="Titel 1">
             <a:extLst>
               <a:ext uri="{FF2B5EF4-FFF2-40B4-BE49-F238E27FC236}">
-                <a16:creationId xmlns:a16="http://schemas.microsoft.com/office/drawing/2014/main" xmlns="" id="{DE62BF7E-ADBC-4B3B-8BAB-95D01E311AED}"/>
+                <a16:creationId xmlns="" xmlns:a16="http://schemas.microsoft.com/office/drawing/2014/main" id="{DE62BF7E-ADBC-4B3B-8BAB-95D01E311AED}"/>
               </a:ext>
             </a:extLst>
           </p:cNvPr>
@@ -11265,7 +11265,7 @@
           <p:cNvPr id="8" name="Gerade Verbindung mit Pfeil 7">
             <a:extLst>
               <a:ext uri="{FF2B5EF4-FFF2-40B4-BE49-F238E27FC236}">
-                <a16:creationId xmlns:a16="http://schemas.microsoft.com/office/drawing/2014/main" xmlns="" id="{A79B7D31-8930-4A5A-AA1C-06892CC18291}"/>
+                <a16:creationId xmlns="" xmlns:a16="http://schemas.microsoft.com/office/drawing/2014/main" id="{A79B7D31-8930-4A5A-AA1C-06892CC18291}"/>
               </a:ext>
             </a:extLst>
           </p:cNvPr>
@@ -11306,7 +11306,7 @@
           <p:cNvPr id="11" name="Gerade Verbindung mit Pfeil 10">
             <a:extLst>
               <a:ext uri="{FF2B5EF4-FFF2-40B4-BE49-F238E27FC236}">
-                <a16:creationId xmlns:a16="http://schemas.microsoft.com/office/drawing/2014/main" xmlns="" id="{193B10F6-7A53-474E-BC21-C9DDCDE704C0}"/>
+                <a16:creationId xmlns="" xmlns:a16="http://schemas.microsoft.com/office/drawing/2014/main" id="{193B10F6-7A53-474E-BC21-C9DDCDE704C0}"/>
               </a:ext>
             </a:extLst>
           </p:cNvPr>
@@ -11347,7 +11347,7 @@
           <p:cNvPr id="13" name="Ellipse 12">
             <a:extLst>
               <a:ext uri="{FF2B5EF4-FFF2-40B4-BE49-F238E27FC236}">
-                <a16:creationId xmlns:a16="http://schemas.microsoft.com/office/drawing/2014/main" xmlns="" id="{7469256C-C83A-4F95-96CA-1818F8942C6D}"/>
+                <a16:creationId xmlns="" xmlns:a16="http://schemas.microsoft.com/office/drawing/2014/main" id="{7469256C-C83A-4F95-96CA-1818F8942C6D}"/>
               </a:ext>
             </a:extLst>
           </p:cNvPr>
@@ -11393,7 +11393,7 @@
           <p:cNvPr id="14" name="Ellipse 13">
             <a:extLst>
               <a:ext uri="{FF2B5EF4-FFF2-40B4-BE49-F238E27FC236}">
-                <a16:creationId xmlns:a16="http://schemas.microsoft.com/office/drawing/2014/main" xmlns="" id="{FC6EE53D-2964-4925-B51C-31D899033BB5}"/>
+                <a16:creationId xmlns="" xmlns:a16="http://schemas.microsoft.com/office/drawing/2014/main" id="{FC6EE53D-2964-4925-B51C-31D899033BB5}"/>
               </a:ext>
             </a:extLst>
           </p:cNvPr>
@@ -11439,7 +11439,7 @@
           <p:cNvPr id="15" name="Ellipse 14">
             <a:extLst>
               <a:ext uri="{FF2B5EF4-FFF2-40B4-BE49-F238E27FC236}">
-                <a16:creationId xmlns:a16="http://schemas.microsoft.com/office/drawing/2014/main" xmlns="" id="{58ADDE1C-EA42-455F-8EA6-B8E3BAE0272F}"/>
+                <a16:creationId xmlns="" xmlns:a16="http://schemas.microsoft.com/office/drawing/2014/main" id="{58ADDE1C-EA42-455F-8EA6-B8E3BAE0272F}"/>
               </a:ext>
             </a:extLst>
           </p:cNvPr>
@@ -11485,7 +11485,7 @@
           <p:cNvPr id="16" name="Ellipse 15">
             <a:extLst>
               <a:ext uri="{FF2B5EF4-FFF2-40B4-BE49-F238E27FC236}">
-                <a16:creationId xmlns:a16="http://schemas.microsoft.com/office/drawing/2014/main" xmlns="" id="{896F73C8-8F04-4CC6-97C4-1DD7B5E41760}"/>
+                <a16:creationId xmlns="" xmlns:a16="http://schemas.microsoft.com/office/drawing/2014/main" id="{896F73C8-8F04-4CC6-97C4-1DD7B5E41760}"/>
               </a:ext>
             </a:extLst>
           </p:cNvPr>
@@ -11531,7 +11531,7 @@
           <p:cNvPr id="17" name="Ellipse 16">
             <a:extLst>
               <a:ext uri="{FF2B5EF4-FFF2-40B4-BE49-F238E27FC236}">
-                <a16:creationId xmlns:a16="http://schemas.microsoft.com/office/drawing/2014/main" xmlns="" id="{E834ED1C-E0F9-4D80-BC22-E8D5FF875936}"/>
+                <a16:creationId xmlns="" xmlns:a16="http://schemas.microsoft.com/office/drawing/2014/main" id="{E834ED1C-E0F9-4D80-BC22-E8D5FF875936}"/>
               </a:ext>
             </a:extLst>
           </p:cNvPr>
@@ -11585,7 +11585,7 @@
           <p:cNvPr id="18" name="Ellipse 17">
             <a:extLst>
               <a:ext uri="{FF2B5EF4-FFF2-40B4-BE49-F238E27FC236}">
-                <a16:creationId xmlns:a16="http://schemas.microsoft.com/office/drawing/2014/main" xmlns="" id="{D9C9DB88-0D38-44B0-8D62-510C1934DB2C}"/>
+                <a16:creationId xmlns="" xmlns:a16="http://schemas.microsoft.com/office/drawing/2014/main" id="{D9C9DB88-0D38-44B0-8D62-510C1934DB2C}"/>
               </a:ext>
             </a:extLst>
           </p:cNvPr>
@@ -11639,7 +11639,7 @@
           <p:cNvPr id="19" name="Ellipse 18">
             <a:extLst>
               <a:ext uri="{FF2B5EF4-FFF2-40B4-BE49-F238E27FC236}">
-                <a16:creationId xmlns:a16="http://schemas.microsoft.com/office/drawing/2014/main" xmlns="" id="{AF5D232C-9B44-46DD-9434-43BE9D322187}"/>
+                <a16:creationId xmlns="" xmlns:a16="http://schemas.microsoft.com/office/drawing/2014/main" id="{AF5D232C-9B44-46DD-9434-43BE9D322187}"/>
               </a:ext>
             </a:extLst>
           </p:cNvPr>
@@ -11693,7 +11693,7 @@
           <p:cNvPr id="20" name="Ellipse 19">
             <a:extLst>
               <a:ext uri="{FF2B5EF4-FFF2-40B4-BE49-F238E27FC236}">
-                <a16:creationId xmlns:a16="http://schemas.microsoft.com/office/drawing/2014/main" xmlns="" id="{7DBB5383-166E-4F55-B5DA-3A43707886C8}"/>
+                <a16:creationId xmlns="" xmlns:a16="http://schemas.microsoft.com/office/drawing/2014/main" id="{7DBB5383-166E-4F55-B5DA-3A43707886C8}"/>
               </a:ext>
             </a:extLst>
           </p:cNvPr>
@@ -11747,7 +11747,7 @@
           <p:cNvPr id="21" name="Rechteck 20">
             <a:extLst>
               <a:ext uri="{FF2B5EF4-FFF2-40B4-BE49-F238E27FC236}">
-                <a16:creationId xmlns:a16="http://schemas.microsoft.com/office/drawing/2014/main" xmlns="" id="{557170D4-743C-4500-AC84-115677CC29C7}"/>
+                <a16:creationId xmlns="" xmlns:a16="http://schemas.microsoft.com/office/drawing/2014/main" id="{557170D4-743C-4500-AC84-115677CC29C7}"/>
               </a:ext>
             </a:extLst>
           </p:cNvPr>
@@ -11794,7 +11794,7 @@
           <p:cNvPr id="22" name="Rechteck 21">
             <a:extLst>
               <a:ext uri="{FF2B5EF4-FFF2-40B4-BE49-F238E27FC236}">
-                <a16:creationId xmlns:a16="http://schemas.microsoft.com/office/drawing/2014/main" xmlns="" id="{CB6D8A3C-1082-4255-9556-0AE3CBADAAC2}"/>
+                <a16:creationId xmlns="" xmlns:a16="http://schemas.microsoft.com/office/drawing/2014/main" id="{CB6D8A3C-1082-4255-9556-0AE3CBADAAC2}"/>
               </a:ext>
             </a:extLst>
           </p:cNvPr>
@@ -11846,7 +11846,7 @@
           <p:cNvPr id="23" name="Stern: 5 Zacken 22">
             <a:extLst>
               <a:ext uri="{FF2B5EF4-FFF2-40B4-BE49-F238E27FC236}">
-                <a16:creationId xmlns:a16="http://schemas.microsoft.com/office/drawing/2014/main" xmlns="" id="{30ACAD23-06F1-4109-8CB7-3983EAC26B6E}"/>
+                <a16:creationId xmlns="" xmlns:a16="http://schemas.microsoft.com/office/drawing/2014/main" id="{30ACAD23-06F1-4109-8CB7-3983EAC26B6E}"/>
               </a:ext>
             </a:extLst>
           </p:cNvPr>
@@ -11900,7 +11900,7 @@
           <p:cNvPr id="24" name="Ellipse 23">
             <a:extLst>
               <a:ext uri="{FF2B5EF4-FFF2-40B4-BE49-F238E27FC236}">
-                <a16:creationId xmlns:a16="http://schemas.microsoft.com/office/drawing/2014/main" xmlns="" id="{1E130FB0-31E0-48E1-BBE6-B0DDCA3F1952}"/>
+                <a16:creationId xmlns="" xmlns:a16="http://schemas.microsoft.com/office/drawing/2014/main" id="{1E130FB0-31E0-48E1-BBE6-B0DDCA3F1952}"/>
               </a:ext>
             </a:extLst>
           </p:cNvPr>
@@ -11952,7 +11952,7 @@
           <p:cNvPr id="25" name="Ellipse 24">
             <a:extLst>
               <a:ext uri="{FF2B5EF4-FFF2-40B4-BE49-F238E27FC236}">
-                <a16:creationId xmlns:a16="http://schemas.microsoft.com/office/drawing/2014/main" xmlns="" id="{909F81B8-BBC3-41DE-BFEA-18D8DE20A4A0}"/>
+                <a16:creationId xmlns="" xmlns:a16="http://schemas.microsoft.com/office/drawing/2014/main" id="{909F81B8-BBC3-41DE-BFEA-18D8DE20A4A0}"/>
               </a:ext>
             </a:extLst>
           </p:cNvPr>
@@ -12004,7 +12004,7 @@
           <p:cNvPr id="26" name="Textfeld 25">
             <a:extLst>
               <a:ext uri="{FF2B5EF4-FFF2-40B4-BE49-F238E27FC236}">
-                <a16:creationId xmlns:a16="http://schemas.microsoft.com/office/drawing/2014/main" xmlns="" id="{E1A66F3B-E0D0-47BD-BF9A-2E68700102D7}"/>
+                <a16:creationId xmlns="" xmlns:a16="http://schemas.microsoft.com/office/drawing/2014/main" id="{E1A66F3B-E0D0-47BD-BF9A-2E68700102D7}"/>
               </a:ext>
             </a:extLst>
           </p:cNvPr>
@@ -12687,7 +12687,7 @@
           <p:cNvPr id="2" name="Titel 1">
             <a:extLst>
               <a:ext uri="{FF2B5EF4-FFF2-40B4-BE49-F238E27FC236}">
-                <a16:creationId xmlns:a16="http://schemas.microsoft.com/office/drawing/2014/main" xmlns="" id="{2D19F794-8599-4A1D-A689-743EBDA80DB4}"/>
+                <a16:creationId xmlns="" xmlns:a16="http://schemas.microsoft.com/office/drawing/2014/main" id="{2D19F794-8599-4A1D-A689-743EBDA80DB4}"/>
               </a:ext>
             </a:extLst>
           </p:cNvPr>
@@ -12727,7 +12727,7 @@
           <p:cNvPr id="4" name="Textfeld 3">
             <a:extLst>
               <a:ext uri="{FF2B5EF4-FFF2-40B4-BE49-F238E27FC236}">
-                <a16:creationId xmlns:a16="http://schemas.microsoft.com/office/drawing/2014/main" xmlns="" id="{5E36B305-D4C6-4B27-9782-732C3867DEA7}"/>
+                <a16:creationId xmlns="" xmlns:a16="http://schemas.microsoft.com/office/drawing/2014/main" id="{5E36B305-D4C6-4B27-9782-732C3867DEA7}"/>
               </a:ext>
             </a:extLst>
           </p:cNvPr>
@@ -12937,7 +12937,7 @@
           <p:cNvPr id="6" name="Grafik 5">
             <a:extLst>
               <a:ext uri="{FF2B5EF4-FFF2-40B4-BE49-F238E27FC236}">
-                <a16:creationId xmlns:a16="http://schemas.microsoft.com/office/drawing/2014/main" xmlns="" id="{3AB3E07F-C4FB-411C-B517-DEC84D74B4A1}"/>
+                <a16:creationId xmlns="" xmlns:a16="http://schemas.microsoft.com/office/drawing/2014/main" id="{3AB3E07F-C4FB-411C-B517-DEC84D74B4A1}"/>
               </a:ext>
             </a:extLst>
           </p:cNvPr>
@@ -12973,7 +12973,7 @@
           <p:cNvPr id="7" name="Textfeld 6">
             <a:extLst>
               <a:ext uri="{FF2B5EF4-FFF2-40B4-BE49-F238E27FC236}">
-                <a16:creationId xmlns:a16="http://schemas.microsoft.com/office/drawing/2014/main" xmlns="" id="{4ADB41E8-1FE5-4790-81E4-9FA1EA7A680A}"/>
+                <a16:creationId xmlns="" xmlns:a16="http://schemas.microsoft.com/office/drawing/2014/main" id="{4ADB41E8-1FE5-4790-81E4-9FA1EA7A680A}"/>
               </a:ext>
             </a:extLst>
           </p:cNvPr>
@@ -13026,7 +13026,7 @@
           <p:cNvPr id="8" name="Textfeld 7">
             <a:extLst>
               <a:ext uri="{FF2B5EF4-FFF2-40B4-BE49-F238E27FC236}">
-                <a16:creationId xmlns:a16="http://schemas.microsoft.com/office/drawing/2014/main" xmlns="" id="{E07A373C-1875-4D36-BD3C-049E9516B803}"/>
+                <a16:creationId xmlns="" xmlns:a16="http://schemas.microsoft.com/office/drawing/2014/main" id="{E07A373C-1875-4D36-BD3C-049E9516B803}"/>
               </a:ext>
             </a:extLst>
           </p:cNvPr>
@@ -13122,7 +13122,7 @@
           <p:cNvPr id="2" name="Titel 1">
             <a:extLst>
               <a:ext uri="{FF2B5EF4-FFF2-40B4-BE49-F238E27FC236}">
-                <a16:creationId xmlns:a16="http://schemas.microsoft.com/office/drawing/2014/main" xmlns="" id="{256EF4DE-DBD9-44AA-86D5-14A5C169F82A}"/>
+                <a16:creationId xmlns="" xmlns:a16="http://schemas.microsoft.com/office/drawing/2014/main" id="{256EF4DE-DBD9-44AA-86D5-14A5C169F82A}"/>
               </a:ext>
             </a:extLst>
           </p:cNvPr>
@@ -13178,7 +13178,7 @@
           <p:cNvPr id="4" name="Textfeld 3">
             <a:extLst>
               <a:ext uri="{FF2B5EF4-FFF2-40B4-BE49-F238E27FC236}">
-                <a16:creationId xmlns:a16="http://schemas.microsoft.com/office/drawing/2014/main" xmlns="" id="{AE4C0C6E-2766-45EA-A93B-6AABFDD3F619}"/>
+                <a16:creationId xmlns="" xmlns:a16="http://schemas.microsoft.com/office/drawing/2014/main" id="{AE4C0C6E-2766-45EA-A93B-6AABFDD3F619}"/>
               </a:ext>
             </a:extLst>
           </p:cNvPr>
@@ -13188,7 +13188,7 @@
         <p:spPr>
           <a:xfrm flipH="1">
             <a:off x="1097280" y="1918037"/>
-            <a:ext cx="10580370" cy="1938992"/>
+            <a:ext cx="10580370" cy="1862048"/>
           </a:xfrm>
           <a:prstGeom prst="rect">
             <a:avLst/>
@@ -13201,186 +13201,284 @@
           </a:bodyPr>
           <a:lstStyle/>
           <a:p>
-            <a:r>
-              <a:rPr lang="de-DE" sz="2000" dirty="0"/>
-              <a:t>Needs a </a:t>
-            </a:r>
-            <a:r>
-              <a:rPr lang="de-DE" sz="2000" dirty="0" err="1"/>
+            <a:pPr>
+              <a:lnSpc>
+                <a:spcPts val="1900"/>
+              </a:lnSpc>
+            </a:pPr>
+            <a:r>
+              <a:rPr lang="de-DE" dirty="0" err="1" smtClean="0"/>
+              <a:t>Needed</a:t>
+            </a:r>
+            <a:r>
+              <a:rPr lang="de-DE" dirty="0" smtClean="0"/>
+              <a:t> </a:t>
+            </a:r>
+            <a:r>
+              <a:rPr lang="de-DE" dirty="0"/>
+              <a:t>a </a:t>
+            </a:r>
+            <a:r>
+              <a:rPr lang="de-DE" dirty="0" err="1"/>
               <a:t>function</a:t>
             </a:r>
             <a:r>
-              <a:rPr lang="de-DE" sz="2000" dirty="0"/>
+              <a:rPr lang="de-DE" dirty="0"/>
               <a:t> </a:t>
             </a:r>
             <a:r>
-              <a:rPr lang="de-DE" sz="2000" dirty="0" err="1"/>
+              <a:rPr lang="de-DE" dirty="0" err="1"/>
               <a:t>to</a:t>
             </a:r>
             <a:r>
-              <a:rPr lang="de-DE" sz="2000" dirty="0"/>
+              <a:rPr lang="de-DE" dirty="0"/>
               <a:t> </a:t>
             </a:r>
             <a:r>
-              <a:rPr lang="de-DE" sz="2000" dirty="0" err="1"/>
+              <a:rPr lang="de-DE" dirty="0" err="1"/>
               <a:t>record</a:t>
             </a:r>
             <a:r>
-              <a:rPr lang="de-DE" sz="2000" dirty="0"/>
+              <a:rPr lang="de-DE" dirty="0"/>
               <a:t> </a:t>
             </a:r>
             <a:r>
-              <a:rPr lang="de-DE" sz="2000" dirty="0" err="1"/>
+              <a:rPr lang="de-DE" dirty="0" err="1"/>
               <a:t>accuracy</a:t>
             </a:r>
             <a:r>
-              <a:rPr lang="de-DE" sz="2000" dirty="0"/>
+              <a:rPr lang="de-DE" dirty="0"/>
               <a:t> rate </a:t>
             </a:r>
             <a:r>
-              <a:rPr lang="de-DE" sz="2000" dirty="0" err="1"/>
+              <a:rPr lang="de-DE" dirty="0" err="1"/>
               <a:t>of</a:t>
             </a:r>
             <a:r>
-              <a:rPr lang="de-DE" sz="2000" dirty="0"/>
+              <a:rPr lang="de-DE" dirty="0"/>
               <a:t> </a:t>
             </a:r>
             <a:r>
-              <a:rPr lang="de-DE" sz="2000" dirty="0" err="1"/>
+              <a:rPr lang="de-DE" dirty="0" err="1"/>
               <a:t>correctly</a:t>
             </a:r>
             <a:r>
-              <a:rPr lang="de-DE" sz="2000" dirty="0"/>
+              <a:rPr lang="de-DE" dirty="0"/>
               <a:t> </a:t>
             </a:r>
             <a:r>
-              <a:rPr lang="de-DE" sz="2000" dirty="0" err="1"/>
+              <a:rPr lang="de-DE" dirty="0" err="1"/>
               <a:t>recognized</a:t>
             </a:r>
             <a:r>
-              <a:rPr lang="de-DE" sz="2000" dirty="0"/>
+              <a:rPr lang="de-DE" dirty="0"/>
               <a:t> </a:t>
             </a:r>
             <a:r>
-              <a:rPr lang="de-DE" sz="2000" dirty="0" err="1"/>
+              <a:rPr lang="de-DE" dirty="0" err="1" smtClean="0"/>
               <a:t>digits</a:t>
             </a:r>
             <a:r>
-              <a:rPr lang="de-DE" sz="2000" dirty="0"/>
+              <a:rPr lang="de-DE" dirty="0"/>
+              <a:t> </a:t>
+            </a:r>
+            <a:endParaRPr lang="ru-RU" dirty="0"/>
+          </a:p>
+          <a:p>
+            <a:pPr>
+              <a:lnSpc>
+                <a:spcPts val="1900"/>
+              </a:lnSpc>
+            </a:pPr>
+            <a:endParaRPr lang="de-DE" dirty="0" smtClean="0"/>
+          </a:p>
+          <a:p>
+            <a:pPr>
+              <a:lnSpc>
+                <a:spcPts val="1900"/>
+              </a:lnSpc>
+            </a:pPr>
+            <a:r>
+              <a:rPr lang="de-DE" dirty="0" smtClean="0"/>
+              <a:t>The </a:t>
+            </a:r>
+            <a:r>
+              <a:rPr lang="de-DE" dirty="0" err="1" smtClean="0"/>
+              <a:t>maxima</a:t>
+            </a:r>
+            <a:r>
+              <a:rPr lang="de-DE" dirty="0" smtClean="0"/>
+              <a:t> </a:t>
+            </a:r>
+            <a:r>
+              <a:rPr lang="de-DE" dirty="0" err="1" smtClean="0"/>
+              <a:t>of</a:t>
+            </a:r>
+            <a:r>
+              <a:rPr lang="de-DE" dirty="0" smtClean="0"/>
+              <a:t> </a:t>
+            </a:r>
+            <a:r>
+              <a:rPr lang="de-DE" dirty="0" err="1" smtClean="0"/>
+              <a:t>the</a:t>
+            </a:r>
+            <a:r>
+              <a:rPr lang="de-DE" dirty="0" smtClean="0"/>
+              <a:t> </a:t>
+            </a:r>
+            <a:r>
+              <a:rPr lang="de-DE" dirty="0" err="1" smtClean="0"/>
+              <a:t>accuracy</a:t>
+            </a:r>
+            <a:r>
+              <a:rPr lang="de-DE" dirty="0" smtClean="0"/>
+              <a:t> </a:t>
+            </a:r>
+            <a:r>
+              <a:rPr lang="de-DE" dirty="0" err="1" smtClean="0"/>
+              <a:t>are</a:t>
+            </a:r>
+            <a:r>
+              <a:rPr lang="de-DE" dirty="0" smtClean="0"/>
+              <a:t> </a:t>
+            </a:r>
+            <a:r>
+              <a:rPr lang="de-DE" dirty="0" err="1" smtClean="0"/>
+              <a:t>interpreted</a:t>
+            </a:r>
+            <a:r>
+              <a:rPr lang="de-DE" dirty="0" smtClean="0"/>
+              <a:t> </a:t>
+            </a:r>
+            <a:r>
+              <a:rPr lang="de-DE" dirty="0" err="1" smtClean="0"/>
+              <a:t>as</a:t>
+            </a:r>
+            <a:r>
+              <a:rPr lang="de-DE" dirty="0" smtClean="0"/>
+              <a:t> </a:t>
+            </a:r>
+            <a:r>
+              <a:rPr lang="de-DE" dirty="0" err="1" smtClean="0"/>
+              <a:t>the</a:t>
+            </a:r>
+            <a:r>
+              <a:rPr lang="de-DE" dirty="0" smtClean="0"/>
+              <a:t> optimal </a:t>
+            </a:r>
+            <a:r>
+              <a:rPr lang="de-DE" dirty="0" err="1" smtClean="0"/>
+              <a:t>numbers</a:t>
+            </a:r>
+            <a:r>
+              <a:rPr lang="de-DE" dirty="0" smtClean="0"/>
+              <a:t> </a:t>
+            </a:r>
+            <a:r>
+              <a:rPr lang="de-DE" dirty="0" err="1" smtClean="0"/>
+              <a:t>for</a:t>
+            </a:r>
+            <a:r>
+              <a:rPr lang="de-DE" dirty="0" smtClean="0"/>
+              <a:t> </a:t>
+            </a:r>
+            <a:r>
+              <a:rPr lang="de-DE" b="1" dirty="0" smtClean="0"/>
+              <a:t>k</a:t>
+            </a:r>
+            <a:r>
+              <a:rPr lang="de-DE" dirty="0" smtClean="0"/>
+              <a:t> </a:t>
+            </a:r>
+            <a:r>
+              <a:rPr lang="de-DE" dirty="0" err="1" smtClean="0"/>
+              <a:t>neighbours</a:t>
+            </a:r>
+            <a:r>
+              <a:rPr lang="de-DE" dirty="0" smtClean="0"/>
+              <a:t> </a:t>
+            </a:r>
+            <a:r>
+              <a:rPr lang="de-DE" dirty="0" err="1" smtClean="0"/>
+              <a:t>and</a:t>
+            </a:r>
+            <a:r>
+              <a:rPr lang="de-DE" dirty="0" smtClean="0"/>
+              <a:t> </a:t>
+            </a:r>
+            <a:r>
+              <a:rPr lang="de-DE" b="1" dirty="0" smtClean="0"/>
+              <a:t>t</a:t>
+            </a:r>
+            <a:r>
+              <a:rPr lang="de-DE" dirty="0" smtClean="0"/>
+              <a:t> </a:t>
+            </a:r>
+            <a:r>
+              <a:rPr lang="de-DE" dirty="0" err="1" smtClean="0"/>
+              <a:t>dimensions</a:t>
+            </a:r>
+            <a:r>
+              <a:rPr lang="de-DE" dirty="0" smtClean="0"/>
+              <a:t> in PCA </a:t>
+            </a:r>
+            <a:r>
+              <a:rPr lang="de-DE" dirty="0" err="1" smtClean="0"/>
+              <a:t>space</a:t>
+            </a:r>
+            <a:r>
+              <a:rPr lang="de-DE" dirty="0" smtClean="0"/>
               <a:t>.</a:t>
             </a:r>
-          </a:p>
-          <a:p>
-            <a:endParaRPr lang="de-DE" sz="2000" dirty="0"/>
-          </a:p>
-          <a:p>
-            <a:r>
-              <a:rPr lang="de-DE" sz="2000" dirty="0" err="1"/>
-              <a:t>We</a:t>
-            </a:r>
-            <a:r>
-              <a:rPr lang="de-DE" sz="2000" dirty="0"/>
+            <a:endParaRPr lang="de-DE" dirty="0"/>
+          </a:p>
+          <a:p>
+            <a:pPr>
+              <a:lnSpc>
+                <a:spcPts val="1900"/>
+              </a:lnSpc>
+            </a:pPr>
+            <a:endParaRPr lang="de-DE" dirty="0"/>
+          </a:p>
+          <a:p>
+            <a:pPr>
+              <a:lnSpc>
+                <a:spcPts val="1900"/>
+              </a:lnSpc>
+            </a:pPr>
+            <a:r>
+              <a:rPr lang="en-US" dirty="0" smtClean="0"/>
+              <a:t>For optimal </a:t>
+            </a:r>
+            <a:r>
+              <a:rPr lang="en-US" b="1" dirty="0" smtClean="0"/>
+              <a:t>t </a:t>
+            </a:r>
+            <a:r>
+              <a:rPr lang="en-US" dirty="0" smtClean="0"/>
+              <a:t>finding</a:t>
+            </a:r>
+            <a:r>
+              <a:rPr lang="en-US" b="1" dirty="0" smtClean="0"/>
               <a:t> </a:t>
             </a:r>
             <a:r>
-              <a:rPr lang="de-DE" sz="2000" dirty="0" err="1"/>
-              <a:t>use</a:t>
-            </a:r>
-            <a:r>
-              <a:rPr lang="de-DE" sz="2000" dirty="0"/>
-              <a:t> KNN and PCA </a:t>
-            </a:r>
-            <a:r>
-              <a:rPr lang="de-DE" sz="2000" dirty="0" err="1"/>
-              <a:t>to</a:t>
-            </a:r>
-            <a:r>
-              <a:rPr lang="de-DE" sz="2000" dirty="0"/>
-              <a:t> find out </a:t>
-            </a:r>
-            <a:r>
-              <a:rPr lang="de-DE" sz="2000" dirty="0" err="1"/>
-              <a:t>the</a:t>
-            </a:r>
-            <a:r>
-              <a:rPr lang="de-DE" sz="2000" dirty="0"/>
-              <a:t> </a:t>
-            </a:r>
-            <a:r>
-              <a:rPr lang="de-DE" sz="2000" dirty="0" err="1"/>
-              <a:t>best</a:t>
-            </a:r>
-            <a:r>
-              <a:rPr lang="de-DE" sz="2000" dirty="0"/>
-              <a:t> </a:t>
-            </a:r>
-            <a:r>
-              <a:rPr lang="de-DE" sz="2000" dirty="0" err="1"/>
-              <a:t>values</a:t>
-            </a:r>
-            <a:r>
-              <a:rPr lang="de-DE" sz="2000" dirty="0"/>
-              <a:t> </a:t>
-            </a:r>
-            <a:r>
-              <a:rPr lang="de-DE" sz="2000" dirty="0" err="1"/>
-              <a:t>for</a:t>
-            </a:r>
-            <a:r>
-              <a:rPr lang="de-DE" sz="2000" dirty="0"/>
-              <a:t> k and T (</a:t>
-            </a:r>
-            <a:r>
-              <a:rPr lang="de-DE" sz="2000" dirty="0" err="1"/>
-              <a:t>number</a:t>
-            </a:r>
-            <a:r>
-              <a:rPr lang="de-DE" sz="2000" dirty="0"/>
-              <a:t> </a:t>
-            </a:r>
-            <a:r>
-              <a:rPr lang="de-DE" sz="2000" dirty="0" err="1"/>
-              <a:t>of</a:t>
-            </a:r>
-            <a:r>
-              <a:rPr lang="de-DE" sz="2000" dirty="0"/>
-              <a:t> dimensionsafter PCA) </a:t>
-            </a:r>
-            <a:r>
-              <a:rPr lang="de-DE" sz="2000" dirty="0" err="1"/>
-              <a:t>with</a:t>
-            </a:r>
-            <a:r>
-              <a:rPr lang="de-DE" sz="2000" dirty="0"/>
-              <a:t> </a:t>
-            </a:r>
-            <a:r>
-              <a:rPr lang="de-DE" sz="2000" dirty="0" err="1"/>
-              <a:t>the</a:t>
-            </a:r>
-            <a:r>
-              <a:rPr lang="de-DE" sz="2000" dirty="0"/>
-              <a:t> </a:t>
-            </a:r>
-            <a:r>
-              <a:rPr lang="de-DE" sz="2000" dirty="0" err="1"/>
-              <a:t>highest</a:t>
-            </a:r>
-            <a:r>
-              <a:rPr lang="de-DE" sz="2000" dirty="0"/>
-              <a:t> </a:t>
-            </a:r>
-            <a:r>
-              <a:rPr lang="de-DE" sz="2000" dirty="0" err="1"/>
-              <a:t>accuracy</a:t>
-            </a:r>
-            <a:r>
-              <a:rPr lang="de-DE" sz="2000" dirty="0"/>
-              <a:t>.</a:t>
-            </a:r>
-          </a:p>
-          <a:p>
-            <a:endParaRPr lang="de-DE" sz="2000" dirty="0"/>
+              <a:rPr lang="en-US" dirty="0"/>
+              <a:t>s</a:t>
+            </a:r>
+            <a:r>
+              <a:rPr lang="en-US" dirty="0" smtClean="0"/>
+              <a:t>cree plot and “elbow” </a:t>
+            </a:r>
+            <a:r>
+              <a:rPr lang="en-US" dirty="0"/>
+              <a:t>s</a:t>
+            </a:r>
+            <a:r>
+              <a:rPr lang="en-US" dirty="0" smtClean="0"/>
+              <a:t>cree test could also be used</a:t>
+            </a:r>
+            <a:endParaRPr lang="de-DE" b="1" dirty="0"/>
           </a:p>
           <a:p>
             <a:endParaRPr lang="de-DE" sz="2000" dirty="0"/>
@@ -13392,7 +13490,7 @@
           <p:cNvPr id="5" name="Grafik 4" descr="Ein Bild, das Text, Karte enthält.&#10;&#10;Automatisch generierte Beschreibung">
             <a:extLst>
               <a:ext uri="{FF2B5EF4-FFF2-40B4-BE49-F238E27FC236}">
-                <a16:creationId xmlns:a16="http://schemas.microsoft.com/office/drawing/2014/main" xmlns="" id="{88B2EE34-B8EE-4BF1-B3D1-6B70C86D7DA7}"/>
+                <a16:creationId xmlns="" xmlns:a16="http://schemas.microsoft.com/office/drawing/2014/main" id="{88B2EE34-B8EE-4BF1-B3D1-6B70C86D7DA7}"/>
               </a:ext>
             </a:extLst>
           </p:cNvPr>
@@ -13414,8 +13512,8 @@
         </p:blipFill>
         <p:spPr>
           <a:xfrm>
-            <a:off x="949960" y="3242926"/>
-            <a:ext cx="3736340" cy="2912466"/>
+            <a:off x="1097280" y="3612401"/>
+            <a:ext cx="3380970" cy="2635456"/>
           </a:xfrm>
           <a:prstGeom prst="rect">
             <a:avLst/>
@@ -13427,7 +13525,7 @@
           <p:cNvPr id="7" name="Grafik 6" descr="Ein Bild, das Karte, Text enthält.&#10;&#10;Automatisch generierte Beschreibung">
             <a:extLst>
               <a:ext uri="{FF2B5EF4-FFF2-40B4-BE49-F238E27FC236}">
-                <a16:creationId xmlns:a16="http://schemas.microsoft.com/office/drawing/2014/main" xmlns="" id="{0CBA23CC-576A-4326-8AB4-E0E78200582D}"/>
+                <a16:creationId xmlns="" xmlns:a16="http://schemas.microsoft.com/office/drawing/2014/main" id="{0CBA23CC-576A-4326-8AB4-E0E78200582D}"/>
               </a:ext>
             </a:extLst>
           </p:cNvPr>
@@ -13449,8 +13547,8 @@
         </p:blipFill>
         <p:spPr>
           <a:xfrm>
-            <a:off x="5842000" y="3242926"/>
-            <a:ext cx="3736340" cy="2916321"/>
+            <a:off x="4772051" y="3642657"/>
+            <a:ext cx="3337738" cy="2605200"/>
           </a:xfrm>
           <a:prstGeom prst="rect">
             <a:avLst/>
@@ -13462,7 +13560,7 @@
           <p:cNvPr id="8" name="Textfeld 7">
             <a:extLst>
               <a:ext uri="{FF2B5EF4-FFF2-40B4-BE49-F238E27FC236}">
-                <a16:creationId xmlns:a16="http://schemas.microsoft.com/office/drawing/2014/main" xmlns="" id="{715A02E8-97E5-43DC-A343-4B63BB73A948}"/>
+                <a16:creationId xmlns="" xmlns:a16="http://schemas.microsoft.com/office/drawing/2014/main" id="{715A02E8-97E5-43DC-A343-4B63BB73A948}"/>
               </a:ext>
             </a:extLst>
           </p:cNvPr>
@@ -13471,7 +13569,7 @@
         </p:nvSpPr>
         <p:spPr>
           <a:xfrm>
-            <a:off x="4011515" y="6024587"/>
+            <a:off x="1097280" y="6370290"/>
             <a:ext cx="5181600" cy="261610"/>
           </a:xfrm>
           <a:prstGeom prst="rect">
@@ -13516,6 +13614,60 @@
           </a:p>
         </p:txBody>
       </p:sp>
+      <p:pic>
+        <p:nvPicPr>
+          <p:cNvPr id="1026" name="Picture 2"/>
+          <p:cNvPicPr>
+            <a:picLocks noChangeAspect="1" noChangeArrowheads="1"/>
+          </p:cNvPicPr>
+          <p:nvPr/>
+        </p:nvPicPr>
+        <p:blipFill>
+          <a:blip r:embed="rId4">
+            <a:extLst>
+              <a:ext uri="{28A0092B-C50C-407E-A947-70E740481C1C}">
+                <a14:useLocalDpi xmlns:a14="http://schemas.microsoft.com/office/drawing/2010/main" val="0"/>
+              </a:ext>
+            </a:extLst>
+          </a:blip>
+          <a:srcRect/>
+          <a:stretch>
+            <a:fillRect/>
+          </a:stretch>
+        </p:blipFill>
+        <p:spPr bwMode="auto">
+          <a:xfrm>
+            <a:off x="8109789" y="3488030"/>
+            <a:ext cx="3895332" cy="2596888"/>
+          </a:xfrm>
+          <a:prstGeom prst="rect">
+            <a:avLst/>
+          </a:prstGeom>
+          <a:noFill/>
+          <a:ln>
+            <a:noFill/>
+          </a:ln>
+          <a:extLst>
+            <a:ext uri="{909E8E84-426E-40DD-AFC4-6F175D3DCCD1}">
+              <a14:hiddenFill xmlns:a14="http://schemas.microsoft.com/office/drawing/2010/main">
+                <a:solidFill>
+                  <a:schemeClr val="accent1"/>
+                </a:solidFill>
+              </a14:hiddenFill>
+            </a:ext>
+            <a:ext uri="{91240B29-F687-4F45-9708-019B960494DF}">
+              <a14:hiddenLine xmlns:a14="http://schemas.microsoft.com/office/drawing/2010/main" w="9525">
+                <a:solidFill>
+                  <a:schemeClr val="tx1"/>
+                </a:solidFill>
+                <a:miter lim="800000"/>
+                <a:headEnd/>
+                <a:tailEnd/>
+              </a14:hiddenLine>
+            </a:ext>
+          </a:extLst>
+        </p:spPr>
+      </p:pic>
     </p:spTree>
     <p:extLst>
       <p:ext uri="{BB962C8B-B14F-4D97-AF65-F5344CB8AC3E}">
@@ -13558,7 +13710,7 @@
           <p:cNvPr id="2" name="Titel 1">
             <a:extLst>
               <a:ext uri="{FF2B5EF4-FFF2-40B4-BE49-F238E27FC236}">
-                <a16:creationId xmlns:a16="http://schemas.microsoft.com/office/drawing/2014/main" xmlns="" id="{3A0DF07A-A6C0-4B8E-B7C2-439EA1742EBF}"/>
+                <a16:creationId xmlns="" xmlns:a16="http://schemas.microsoft.com/office/drawing/2014/main" id="{3A0DF07A-A6C0-4B8E-B7C2-439EA1742EBF}"/>
               </a:ext>
             </a:extLst>
           </p:cNvPr>
@@ -13587,7 +13739,7 @@
           <p:cNvPr id="4" name="Textfeld 3">
             <a:extLst>
               <a:ext uri="{FF2B5EF4-FFF2-40B4-BE49-F238E27FC236}">
-                <a16:creationId xmlns:a16="http://schemas.microsoft.com/office/drawing/2014/main" xmlns="" id="{E0AF8BE7-4D29-4120-8B6C-C0617FC4823E}"/>
+                <a16:creationId xmlns="" xmlns:a16="http://schemas.microsoft.com/office/drawing/2014/main" id="{E0AF8BE7-4D29-4120-8B6C-C0617FC4823E}"/>
               </a:ext>
             </a:extLst>
           </p:cNvPr>
@@ -13722,7 +13874,7 @@
           <p:cNvPr id="5" name="Grafik 4">
             <a:extLst>
               <a:ext uri="{FF2B5EF4-FFF2-40B4-BE49-F238E27FC236}">
-                <a16:creationId xmlns:a16="http://schemas.microsoft.com/office/drawing/2014/main" xmlns="" id="{7EACE29B-80D8-462B-B157-449C327A0E60}"/>
+                <a16:creationId xmlns="" xmlns:a16="http://schemas.microsoft.com/office/drawing/2014/main" id="{7EACE29B-80D8-462B-B157-449C327A0E60}"/>
               </a:ext>
             </a:extLst>
           </p:cNvPr>
@@ -13758,7 +13910,7 @@
           <p:cNvPr id="7" name="Pfeil: nach rechts 6">
             <a:extLst>
               <a:ext uri="{FF2B5EF4-FFF2-40B4-BE49-F238E27FC236}">
-                <a16:creationId xmlns:a16="http://schemas.microsoft.com/office/drawing/2014/main" xmlns="" id="{EBAB8428-19FC-46B4-86D1-06DA423F5159}"/>
+                <a16:creationId xmlns="" xmlns:a16="http://schemas.microsoft.com/office/drawing/2014/main" id="{EBAB8428-19FC-46B4-86D1-06DA423F5159}"/>
               </a:ext>
             </a:extLst>
           </p:cNvPr>
@@ -13804,7 +13956,7 @@
           <p:cNvPr id="8" name="Textfeld 7">
             <a:extLst>
               <a:ext uri="{FF2B5EF4-FFF2-40B4-BE49-F238E27FC236}">
-                <a16:creationId xmlns:a16="http://schemas.microsoft.com/office/drawing/2014/main" xmlns="" id="{4B38B57E-ED9C-41B4-B178-0A690D45CEFC}"/>
+                <a16:creationId xmlns="" xmlns:a16="http://schemas.microsoft.com/office/drawing/2014/main" id="{4B38B57E-ED9C-41B4-B178-0A690D45CEFC}"/>
               </a:ext>
             </a:extLst>
           </p:cNvPr>
@@ -13897,7 +14049,7 @@
           <p:cNvPr id="9" name="Textfeld 8">
             <a:extLst>
               <a:ext uri="{FF2B5EF4-FFF2-40B4-BE49-F238E27FC236}">
-                <a16:creationId xmlns:a16="http://schemas.microsoft.com/office/drawing/2014/main" xmlns="" id="{B8B5B46E-131F-4826-B800-2829288C4A99}"/>
+                <a16:creationId xmlns="" xmlns:a16="http://schemas.microsoft.com/office/drawing/2014/main" id="{B8B5B46E-131F-4826-B800-2829288C4A99}"/>
               </a:ext>
             </a:extLst>
           </p:cNvPr>
@@ -13906,7 +14058,7 @@
         </p:nvSpPr>
         <p:spPr>
           <a:xfrm>
-            <a:off x="6795245" y="5674248"/>
+            <a:off x="6703805" y="5675811"/>
             <a:ext cx="5263405" cy="369332"/>
           </a:xfrm>
           <a:prstGeom prst="rect">
@@ -13953,7 +14105,7 @@
           <p:cNvPr id="10" name="Tabelle 9">
             <a:extLst>
               <a:ext uri="{FF2B5EF4-FFF2-40B4-BE49-F238E27FC236}">
-                <a16:creationId xmlns:a16="http://schemas.microsoft.com/office/drawing/2014/main" xmlns="" id="{1359DF27-0431-40C1-AAEA-10323C33B724}"/>
+                <a16:creationId xmlns="" xmlns:a16="http://schemas.microsoft.com/office/drawing/2014/main" id="{1359DF27-0431-40C1-AAEA-10323C33B724}"/>
               </a:ext>
             </a:extLst>
           </p:cNvPr>
@@ -13982,28 +14134,28 @@
                 <a:gridCol w="1127349">
                   <a:extLst>
                     <a:ext uri="{9D8B030D-6E8A-4147-A177-3AD203B41FA5}">
-                      <a16:colId xmlns:a16="http://schemas.microsoft.com/office/drawing/2014/main" xmlns="" val="2935268419"/>
+                      <a16:colId xmlns="" xmlns:a16="http://schemas.microsoft.com/office/drawing/2014/main" val="2935268419"/>
                     </a:ext>
                   </a:extLst>
                 </a:gridCol>
                 <a:gridCol w="1041139">
                   <a:extLst>
                     <a:ext uri="{9D8B030D-6E8A-4147-A177-3AD203B41FA5}">
-                      <a16:colId xmlns:a16="http://schemas.microsoft.com/office/drawing/2014/main" xmlns="" val="3573326846"/>
+                      <a16:colId xmlns="" xmlns:a16="http://schemas.microsoft.com/office/drawing/2014/main" val="3573326846"/>
                     </a:ext>
                   </a:extLst>
                 </a:gridCol>
                 <a:gridCol w="1127349">
                   <a:extLst>
                     <a:ext uri="{9D8B030D-6E8A-4147-A177-3AD203B41FA5}">
-                      <a16:colId xmlns:a16="http://schemas.microsoft.com/office/drawing/2014/main" xmlns="" val="3540853296"/>
+                      <a16:colId xmlns="" xmlns:a16="http://schemas.microsoft.com/office/drawing/2014/main" val="3540853296"/>
                     </a:ext>
                   </a:extLst>
                 </a:gridCol>
                 <a:gridCol w="1127349">
                   <a:extLst>
                     <a:ext uri="{9D8B030D-6E8A-4147-A177-3AD203B41FA5}">
-                      <a16:colId xmlns:a16="http://schemas.microsoft.com/office/drawing/2014/main" xmlns="" val="174494649"/>
+                      <a16:colId xmlns="" xmlns:a16="http://schemas.microsoft.com/office/drawing/2014/main" val="174494649"/>
                     </a:ext>
                   </a:extLst>
                 </a:gridCol>
@@ -14064,7 +14216,7 @@
                 </a:tc>
                 <a:extLst>
                   <a:ext uri="{0D108BD9-81ED-4DB2-BD59-A6C34878D82A}">
-                    <a16:rowId xmlns:a16="http://schemas.microsoft.com/office/drawing/2014/main" xmlns="" val="2824275686"/>
+                    <a16:rowId xmlns="" xmlns:a16="http://schemas.microsoft.com/office/drawing/2014/main" val="2824275686"/>
                   </a:ext>
                 </a:extLst>
               </a:tr>
@@ -14127,7 +14279,7 @@
                 </a:tc>
                 <a:extLst>
                   <a:ext uri="{0D108BD9-81ED-4DB2-BD59-A6C34878D82A}">
-                    <a16:rowId xmlns:a16="http://schemas.microsoft.com/office/drawing/2014/main" xmlns="" val="1457480322"/>
+                    <a16:rowId xmlns="" xmlns:a16="http://schemas.microsoft.com/office/drawing/2014/main" val="1457480322"/>
                   </a:ext>
                 </a:extLst>
               </a:tr>
@@ -14190,7 +14342,7 @@
                 </a:tc>
                 <a:extLst>
                   <a:ext uri="{0D108BD9-81ED-4DB2-BD59-A6C34878D82A}">
-                    <a16:rowId xmlns:a16="http://schemas.microsoft.com/office/drawing/2014/main" xmlns="" val="3884194282"/>
+                    <a16:rowId xmlns="" xmlns:a16="http://schemas.microsoft.com/office/drawing/2014/main" val="3884194282"/>
                   </a:ext>
                 </a:extLst>
               </a:tr>
@@ -14253,7 +14405,7 @@
                 </a:tc>
                 <a:extLst>
                   <a:ext uri="{0D108BD9-81ED-4DB2-BD59-A6C34878D82A}">
-                    <a16:rowId xmlns:a16="http://schemas.microsoft.com/office/drawing/2014/main" xmlns="" val="2216999364"/>
+                    <a16:rowId xmlns="" xmlns:a16="http://schemas.microsoft.com/office/drawing/2014/main" val="2216999364"/>
                   </a:ext>
                 </a:extLst>
               </a:tr>
@@ -14316,7 +14468,7 @@
                 </a:tc>
                 <a:extLst>
                   <a:ext uri="{0D108BD9-81ED-4DB2-BD59-A6C34878D82A}">
-                    <a16:rowId xmlns:a16="http://schemas.microsoft.com/office/drawing/2014/main" xmlns="" val="1739809223"/>
+                    <a16:rowId xmlns="" xmlns:a16="http://schemas.microsoft.com/office/drawing/2014/main" val="1739809223"/>
                   </a:ext>
                 </a:extLst>
               </a:tr>
@@ -14379,7 +14531,7 @@
                 </a:tc>
                 <a:extLst>
                   <a:ext uri="{0D108BD9-81ED-4DB2-BD59-A6C34878D82A}">
-                    <a16:rowId xmlns:a16="http://schemas.microsoft.com/office/drawing/2014/main" xmlns="" val="3065424001"/>
+                    <a16:rowId xmlns="" xmlns:a16="http://schemas.microsoft.com/office/drawing/2014/main" val="3065424001"/>
                   </a:ext>
                 </a:extLst>
               </a:tr>
@@ -14429,7 +14581,7 @@
           <p:cNvPr id="2" name="Titel 1">
             <a:extLst>
               <a:ext uri="{FF2B5EF4-FFF2-40B4-BE49-F238E27FC236}">
-                <a16:creationId xmlns:a16="http://schemas.microsoft.com/office/drawing/2014/main" xmlns="" id="{FD425221-F4E0-416C-8FB0-F41F029F15A2}"/>
+                <a16:creationId xmlns="" xmlns:a16="http://schemas.microsoft.com/office/drawing/2014/main" id="{FD425221-F4E0-416C-8FB0-F41F029F15A2}"/>
               </a:ext>
             </a:extLst>
           </p:cNvPr>
@@ -14458,7 +14610,7 @@
           <p:cNvPr id="4" name="Rechteck 3">
             <a:extLst>
               <a:ext uri="{FF2B5EF4-FFF2-40B4-BE49-F238E27FC236}">
-                <a16:creationId xmlns:a16="http://schemas.microsoft.com/office/drawing/2014/main" xmlns="" id="{3C144FCF-8160-45CB-AF72-B1E01D48110B}"/>
+                <a16:creationId xmlns="" xmlns:a16="http://schemas.microsoft.com/office/drawing/2014/main" id="{3C144FCF-8160-45CB-AF72-B1E01D48110B}"/>
               </a:ext>
             </a:extLst>
           </p:cNvPr>
@@ -14535,7 +14687,7 @@
           <p:cNvPr id="5" name="Rechteck 4">
             <a:extLst>
               <a:ext uri="{FF2B5EF4-FFF2-40B4-BE49-F238E27FC236}">
-                <a16:creationId xmlns:a16="http://schemas.microsoft.com/office/drawing/2014/main" xmlns="" id="{D20448F9-72C8-413F-9D70-4409E2DE11C8}"/>
+                <a16:creationId xmlns="" xmlns:a16="http://schemas.microsoft.com/office/drawing/2014/main" id="{D20448F9-72C8-413F-9D70-4409E2DE11C8}"/>
               </a:ext>
             </a:extLst>
           </p:cNvPr>
@@ -14591,7 +14743,7 @@
           <p:cNvPr id="6" name="Rechteck 5">
             <a:extLst>
               <a:ext uri="{FF2B5EF4-FFF2-40B4-BE49-F238E27FC236}">
-                <a16:creationId xmlns:a16="http://schemas.microsoft.com/office/drawing/2014/main" xmlns="" id="{5180D00F-FD97-4A25-8D38-2CA232B64C83}"/>
+                <a16:creationId xmlns="" xmlns:a16="http://schemas.microsoft.com/office/drawing/2014/main" id="{5180D00F-FD97-4A25-8D38-2CA232B64C83}"/>
               </a:ext>
             </a:extLst>
           </p:cNvPr>
@@ -14647,7 +14799,7 @@
           <p:cNvPr id="7" name="Rechteck 6">
             <a:extLst>
               <a:ext uri="{FF2B5EF4-FFF2-40B4-BE49-F238E27FC236}">
-                <a16:creationId xmlns:a16="http://schemas.microsoft.com/office/drawing/2014/main" xmlns="" id="{A3652C8A-EF34-443B-BEB8-8B5DF46B51EB}"/>
+                <a16:creationId xmlns="" xmlns:a16="http://schemas.microsoft.com/office/drawing/2014/main" id="{A3652C8A-EF34-443B-BEB8-8B5DF46B51EB}"/>
               </a:ext>
             </a:extLst>
           </p:cNvPr>
@@ -14712,7 +14864,7 @@
           <p:cNvPr id="8" name="Rechteck 7">
             <a:extLst>
               <a:ext uri="{FF2B5EF4-FFF2-40B4-BE49-F238E27FC236}">
-                <a16:creationId xmlns:a16="http://schemas.microsoft.com/office/drawing/2014/main" xmlns="" id="{CB67835D-B0D2-4792-AD45-26DF015FBC36}"/>
+                <a16:creationId xmlns="" xmlns:a16="http://schemas.microsoft.com/office/drawing/2014/main" id="{CB67835D-B0D2-4792-AD45-26DF015FBC36}"/>
               </a:ext>
             </a:extLst>
           </p:cNvPr>
@@ -14769,7 +14921,7 @@
           <p:cNvPr id="9" name="Rechteck 8">
             <a:extLst>
               <a:ext uri="{FF2B5EF4-FFF2-40B4-BE49-F238E27FC236}">
-                <a16:creationId xmlns:a16="http://schemas.microsoft.com/office/drawing/2014/main" xmlns="" id="{D252AD02-69CE-4013-B9CC-1224A53A42F3}"/>
+                <a16:creationId xmlns="" xmlns:a16="http://schemas.microsoft.com/office/drawing/2014/main" id="{D252AD02-69CE-4013-B9CC-1224A53A42F3}"/>
               </a:ext>
             </a:extLst>
           </p:cNvPr>
@@ -14842,7 +14994,7 @@
           <p:cNvPr id="10" name="Rechteck 9">
             <a:extLst>
               <a:ext uri="{FF2B5EF4-FFF2-40B4-BE49-F238E27FC236}">
-                <a16:creationId xmlns:a16="http://schemas.microsoft.com/office/drawing/2014/main" xmlns="" id="{3FCA1C79-AB5E-4320-A47F-958AE6BBE9F2}"/>
+                <a16:creationId xmlns="" xmlns:a16="http://schemas.microsoft.com/office/drawing/2014/main" id="{3FCA1C79-AB5E-4320-A47F-958AE6BBE9F2}"/>
               </a:ext>
             </a:extLst>
           </p:cNvPr>
@@ -14927,7 +15079,7 @@
           <p:cNvPr id="12" name="Gerade Verbindung mit Pfeil 11">
             <a:extLst>
               <a:ext uri="{FF2B5EF4-FFF2-40B4-BE49-F238E27FC236}">
-                <a16:creationId xmlns:a16="http://schemas.microsoft.com/office/drawing/2014/main" xmlns="" id="{FBD46719-C1A0-4F14-B082-F80632595B0B}"/>
+                <a16:creationId xmlns="" xmlns:a16="http://schemas.microsoft.com/office/drawing/2014/main" id="{FBD46719-C1A0-4F14-B082-F80632595B0B}"/>
               </a:ext>
             </a:extLst>
           </p:cNvPr>
@@ -14969,7 +15121,7 @@
           <p:cNvPr id="15" name="Gerade Verbindung mit Pfeil 14">
             <a:extLst>
               <a:ext uri="{FF2B5EF4-FFF2-40B4-BE49-F238E27FC236}">
-                <a16:creationId xmlns:a16="http://schemas.microsoft.com/office/drawing/2014/main" xmlns="" id="{F73EB8DE-6007-4698-90F1-AB21DE6D8866}"/>
+                <a16:creationId xmlns="" xmlns:a16="http://schemas.microsoft.com/office/drawing/2014/main" id="{F73EB8DE-6007-4698-90F1-AB21DE6D8866}"/>
               </a:ext>
             </a:extLst>
           </p:cNvPr>
@@ -15011,7 +15163,7 @@
           <p:cNvPr id="17" name="Gerade Verbindung mit Pfeil 16">
             <a:extLst>
               <a:ext uri="{FF2B5EF4-FFF2-40B4-BE49-F238E27FC236}">
-                <a16:creationId xmlns:a16="http://schemas.microsoft.com/office/drawing/2014/main" xmlns="" id="{68EA95B4-1972-46D5-B3E8-2705355D8206}"/>
+                <a16:creationId xmlns="" xmlns:a16="http://schemas.microsoft.com/office/drawing/2014/main" id="{68EA95B4-1972-46D5-B3E8-2705355D8206}"/>
               </a:ext>
             </a:extLst>
           </p:cNvPr>
@@ -15052,7 +15204,7 @@
           <p:cNvPr id="21" name="Gerade Verbindung mit Pfeil 20">
             <a:extLst>
               <a:ext uri="{FF2B5EF4-FFF2-40B4-BE49-F238E27FC236}">
-                <a16:creationId xmlns:a16="http://schemas.microsoft.com/office/drawing/2014/main" xmlns="" id="{2714CC57-CF7B-4DC0-923E-1DF969389D60}"/>
+                <a16:creationId xmlns="" xmlns:a16="http://schemas.microsoft.com/office/drawing/2014/main" id="{2714CC57-CF7B-4DC0-923E-1DF969389D60}"/>
               </a:ext>
             </a:extLst>
           </p:cNvPr>
@@ -15093,7 +15245,7 @@
           <p:cNvPr id="23" name="Gerade Verbindung mit Pfeil 22">
             <a:extLst>
               <a:ext uri="{FF2B5EF4-FFF2-40B4-BE49-F238E27FC236}">
-                <a16:creationId xmlns:a16="http://schemas.microsoft.com/office/drawing/2014/main" xmlns="" id="{B8AA6557-3089-4109-B91D-BFBCE8968F0A}"/>
+                <a16:creationId xmlns="" xmlns:a16="http://schemas.microsoft.com/office/drawing/2014/main" id="{B8AA6557-3089-4109-B91D-BFBCE8968F0A}"/>
               </a:ext>
             </a:extLst>
           </p:cNvPr>
@@ -15135,7 +15287,7 @@
           <p:cNvPr id="27" name="Gerade Verbindung mit Pfeil 26">
             <a:extLst>
               <a:ext uri="{FF2B5EF4-FFF2-40B4-BE49-F238E27FC236}">
-                <a16:creationId xmlns:a16="http://schemas.microsoft.com/office/drawing/2014/main" xmlns="" id="{3E4A8C46-F5FD-47C9-BD8D-0E332217A07E}"/>
+                <a16:creationId xmlns="" xmlns:a16="http://schemas.microsoft.com/office/drawing/2014/main" id="{3E4A8C46-F5FD-47C9-BD8D-0E332217A07E}"/>
               </a:ext>
             </a:extLst>
           </p:cNvPr>
@@ -15177,7 +15329,7 @@
           <p:cNvPr id="29" name="Textfeld 28">
             <a:extLst>
               <a:ext uri="{FF2B5EF4-FFF2-40B4-BE49-F238E27FC236}">
-                <a16:creationId xmlns:a16="http://schemas.microsoft.com/office/drawing/2014/main" xmlns="" id="{B0FF87C3-674E-402E-9DF8-D2DBC94CBFD1}"/>
+                <a16:creationId xmlns="" xmlns:a16="http://schemas.microsoft.com/office/drawing/2014/main" id="{B0FF87C3-674E-402E-9DF8-D2DBC94CBFD1}"/>
               </a:ext>
             </a:extLst>
           </p:cNvPr>
@@ -15228,7 +15380,7 @@
           <p:cNvPr id="30" name="Rechteck 29">
             <a:extLst>
               <a:ext uri="{FF2B5EF4-FFF2-40B4-BE49-F238E27FC236}">
-                <a16:creationId xmlns:a16="http://schemas.microsoft.com/office/drawing/2014/main" xmlns="" id="{D462E61F-36B7-4D4E-8D16-AA0A2D4CD544}"/>
+                <a16:creationId xmlns="" xmlns:a16="http://schemas.microsoft.com/office/drawing/2014/main" id="{D462E61F-36B7-4D4E-8D16-AA0A2D4CD544}"/>
               </a:ext>
             </a:extLst>
           </p:cNvPr>
@@ -15311,7 +15463,7 @@
           <p:cNvPr id="11" name="Gerade Verbindung mit Pfeil 10">
             <a:extLst>
               <a:ext uri="{FF2B5EF4-FFF2-40B4-BE49-F238E27FC236}">
-                <a16:creationId xmlns:a16="http://schemas.microsoft.com/office/drawing/2014/main" xmlns="" id="{9F99904B-1C35-42EB-9645-2E61A3ECB860}"/>
+                <a16:creationId xmlns="" xmlns:a16="http://schemas.microsoft.com/office/drawing/2014/main" id="{9F99904B-1C35-42EB-9645-2E61A3ECB860}"/>
               </a:ext>
             </a:extLst>
           </p:cNvPr>
@@ -15417,7 +15569,7 @@
             <p:ph idx="1"/>
             <p:extLst>
               <p:ext uri="{D42A27DB-BD31-4B8C-83A1-F6EECF244321}">
-                <p14:modId xmlns:p14="http://schemas.microsoft.com/office/powerpoint/2010/main" val="1467771838"/>
+                <p14:modId xmlns:p14="http://schemas.microsoft.com/office/powerpoint/2010/main" val="694958122"/>
               </p:ext>
             </p:extLst>
           </p:nvPr>
@@ -15585,7 +15737,19 @@
                       </a:pPr>
                       <a:r>
                         <a:rPr lang="en-US" baseline="0" dirty="0" smtClean="0"/>
-                        <a:t>optimal K-number, success-rate from k plotting function</a:t>
+                        <a:t>optimal </a:t>
+                      </a:r>
+                      <a:r>
+                        <a:rPr lang="en-US" b="1" baseline="0" dirty="0" smtClean="0"/>
+                        <a:t>k</a:t>
+                      </a:r>
+                      <a:r>
+                        <a:rPr lang="en-US" baseline="0" dirty="0" smtClean="0"/>
+                        <a:t> number</a:t>
+                      </a:r>
+                      <a:r>
+                        <a:rPr lang="en-US" baseline="0" dirty="0" smtClean="0"/>
+                        <a:t>, success-rate from k plotting function</a:t>
                       </a:r>
                       <a:endParaRPr lang="ru-RU" dirty="0"/>
                     </a:p>
@@ -15615,23 +15779,11 @@
                     <a:p>
                       <a:r>
                         <a:rPr lang="en-US" dirty="0" smtClean="0"/>
-                        <a:t>Visualization </a:t>
-                      </a:r>
-                      <a:r>
-                        <a:rPr lang="en-US" dirty="0" smtClean="0"/>
-                        <a:t>of recognized/falsely</a:t>
+                        <a:t>Visualization of recognized/falsely</a:t>
                       </a:r>
                       <a:r>
                         <a:rPr lang="en-US" baseline="0" dirty="0" smtClean="0"/>
-                        <a:t> </a:t>
-                      </a:r>
-                      <a:r>
-                        <a:rPr lang="en-US" baseline="0" dirty="0" smtClean="0"/>
-                        <a:t>recognized </a:t>
-                      </a:r>
-                      <a:r>
-                        <a:rPr lang="en-US" baseline="0" dirty="0" smtClean="0"/>
-                        <a:t>digits </a:t>
+                        <a:t> recognized digits </a:t>
                       </a:r>
                       <a:endParaRPr lang="ru-RU" dirty="0"/>
                     </a:p>
@@ -15665,7 +15817,19 @@
                       </a:r>
                       <a:r>
                         <a:rPr lang="en-US" baseline="0" dirty="0" smtClean="0"/>
-                        <a:t> number T of dimensions</a:t>
+                        <a:t> number </a:t>
+                      </a:r>
+                      <a:r>
+                        <a:rPr lang="en-US" b="1" baseline="0" dirty="0" smtClean="0"/>
+                        <a:t>t</a:t>
+                      </a:r>
+                      <a:r>
+                        <a:rPr lang="en-US" baseline="0" dirty="0" smtClean="0"/>
+                        <a:t> of </a:t>
+                      </a:r>
+                      <a:r>
+                        <a:rPr lang="en-US" baseline="0" dirty="0" smtClean="0"/>
+                        <a:t>dimensions</a:t>
                       </a:r>
                       <a:endParaRPr lang="ru-RU" dirty="0"/>
                     </a:p>
@@ -15699,7 +15863,43 @@
                       </a:r>
                       <a:r>
                         <a:rPr lang="en-US" baseline="0" dirty="0" smtClean="0"/>
-                        <a:t> PCA-space, success rate from T and K plotting, optimal K for PCA</a:t>
+                        <a:t> PCA-space, success rate from </a:t>
+                      </a:r>
+                      <a:r>
+                        <a:rPr lang="en-US" b="1" baseline="0" dirty="0" smtClean="0"/>
+                        <a:t>t</a:t>
+                      </a:r>
+                      <a:r>
+                        <a:rPr lang="en-US" baseline="0" dirty="0" smtClean="0"/>
+                        <a:t> </a:t>
+                      </a:r>
+                      <a:r>
+                        <a:rPr lang="en-US" baseline="0" dirty="0" smtClean="0"/>
+                        <a:t>and </a:t>
+                      </a:r>
+                      <a:r>
+                        <a:rPr lang="en-US" b="1" baseline="0" dirty="0" smtClean="0"/>
+                        <a:t>k</a:t>
+                      </a:r>
+                      <a:r>
+                        <a:rPr lang="en-US" baseline="0" dirty="0" smtClean="0"/>
+                        <a:t> </a:t>
+                      </a:r>
+                      <a:r>
+                        <a:rPr lang="en-US" baseline="0" dirty="0" smtClean="0"/>
+                        <a:t>plotting, optimal </a:t>
+                      </a:r>
+                      <a:r>
+                        <a:rPr lang="en-US" b="1" baseline="0" dirty="0" smtClean="0"/>
+                        <a:t>k</a:t>
+                      </a:r>
+                      <a:r>
+                        <a:rPr lang="en-US" baseline="0" dirty="0" smtClean="0"/>
+                        <a:t> </a:t>
+                      </a:r>
+                      <a:r>
+                        <a:rPr lang="en-US" baseline="0" dirty="0" smtClean="0"/>
+                        <a:t>for PCA</a:t>
                       </a:r>
                       <a:endParaRPr lang="ru-RU" dirty="0"/>
                     </a:p>
@@ -16648,7 +16848,7 @@
   <a:extraClrSchemeLst/>
   <a:extLst>
     <a:ext uri="{05A4C25C-085E-4340-85A3-A5531E510DB2}">
-      <thm15:themeFamily xmlns:thm15="http://schemas.microsoft.com/office/thememl/2012/main" xmlns="" name="Retrospect" id="{5F128B03-DCCA-4EEB-AB3B-CF2899314A46}" vid="{9CC26709-368C-4D72-9060-94E5B3FF3CD6}"/>
+      <thm15:themeFamily xmlns="" xmlns:thm15="http://schemas.microsoft.com/office/thememl/2012/main" name="Retrospect" id="{5F128B03-DCCA-4EEB-AB3B-CF2899314A46}" vid="{9CC26709-368C-4D72-9060-94E5B3FF3CD6}"/>
     </a:ext>
   </a:extLst>
 </a:theme>

--- a/Vortrag1.pptx
+++ b/Vortrag1.pptx
@@ -116,7 +116,7 @@
   </p:defaultTextStyle>
   <p:extLst>
     <p:ext uri="{EFAFB233-063F-42B5-8137-9DF3F51BA10A}">
-      <p15:sldGuideLst xmlns="" xmlns:p15="http://schemas.microsoft.com/office/powerpoint/2012/main"/>
+      <p15:sldGuideLst xmlns:p15="http://schemas.microsoft.com/office/powerpoint/2012/main" xmlns=""/>
     </p:ext>
   </p:extLst>
 </p:presentation>
@@ -9571,7 +9571,7 @@
           <p:cNvPr id="2" name="Titel 1">
             <a:extLst>
               <a:ext uri="{FF2B5EF4-FFF2-40B4-BE49-F238E27FC236}">
-                <a16:creationId xmlns="" xmlns:a16="http://schemas.microsoft.com/office/drawing/2014/main" id="{90A6468B-D0CD-4DC7-A3AD-DA2E2B071416}"/>
+                <a16:creationId xmlns:a16="http://schemas.microsoft.com/office/drawing/2014/main" xmlns="" id="{90A6468B-D0CD-4DC7-A3AD-DA2E2B071416}"/>
               </a:ext>
             </a:extLst>
           </p:cNvPr>
@@ -9599,7 +9599,7 @@
           <p:cNvPr id="3" name="Untertitel 2">
             <a:extLst>
               <a:ext uri="{FF2B5EF4-FFF2-40B4-BE49-F238E27FC236}">
-                <a16:creationId xmlns="" xmlns:a16="http://schemas.microsoft.com/office/drawing/2014/main" id="{65A5BDD7-952D-4603-93C5-6E59619C765A}"/>
+                <a16:creationId xmlns:a16="http://schemas.microsoft.com/office/drawing/2014/main" xmlns="" id="{65A5BDD7-952D-4603-93C5-6E59619C765A}"/>
               </a:ext>
             </a:extLst>
           </p:cNvPr>
@@ -9657,7 +9657,7 @@
           <p:cNvPr id="2" name="Titel 1">
             <a:extLst>
               <a:ext uri="{FF2B5EF4-FFF2-40B4-BE49-F238E27FC236}">
-                <a16:creationId xmlns="" xmlns:a16="http://schemas.microsoft.com/office/drawing/2014/main" id="{40A94760-C413-460F-B002-DE3FCCA70BA3}"/>
+                <a16:creationId xmlns:a16="http://schemas.microsoft.com/office/drawing/2014/main" xmlns="" id="{40A94760-C413-460F-B002-DE3FCCA70BA3}"/>
               </a:ext>
             </a:extLst>
           </p:cNvPr>
@@ -9685,7 +9685,7 @@
           <p:cNvPr id="5" name="Grafik 4">
             <a:extLst>
               <a:ext uri="{FF2B5EF4-FFF2-40B4-BE49-F238E27FC236}">
-                <a16:creationId xmlns="" xmlns:a16="http://schemas.microsoft.com/office/drawing/2014/main" id="{57A3AA90-FDF7-4D08-B8F5-9FF4A8D4BC7E}"/>
+                <a16:creationId xmlns:a16="http://schemas.microsoft.com/office/drawing/2014/main" xmlns="" id="{57A3AA90-FDF7-4D08-B8F5-9FF4A8D4BC7E}"/>
               </a:ext>
             </a:extLst>
           </p:cNvPr>
@@ -9721,7 +9721,7 @@
           <p:cNvPr id="6" name="Textfeld 5">
             <a:extLst>
               <a:ext uri="{FF2B5EF4-FFF2-40B4-BE49-F238E27FC236}">
-                <a16:creationId xmlns="" xmlns:a16="http://schemas.microsoft.com/office/drawing/2014/main" id="{6AA4F5E1-8797-42F3-A52D-711C0EF03F4D}"/>
+                <a16:creationId xmlns:a16="http://schemas.microsoft.com/office/drawing/2014/main" xmlns="" id="{6AA4F5E1-8797-42F3-A52D-711C0EF03F4D}"/>
               </a:ext>
             </a:extLst>
           </p:cNvPr>
@@ -10044,7 +10044,7 @@
           <p:cNvPr id="2" name="Titel 1">
             <a:extLst>
               <a:ext uri="{FF2B5EF4-FFF2-40B4-BE49-F238E27FC236}">
-                <a16:creationId xmlns="" xmlns:a16="http://schemas.microsoft.com/office/drawing/2014/main" id="{6239617A-843A-48A9-B1A1-5A51ECFC1EAB}"/>
+                <a16:creationId xmlns:a16="http://schemas.microsoft.com/office/drawing/2014/main" xmlns="" id="{6239617A-843A-48A9-B1A1-5A51ECFC1EAB}"/>
               </a:ext>
             </a:extLst>
           </p:cNvPr>
@@ -10077,7 +10077,7 @@
           <p:cNvPr id="5" name="Grafik 4">
             <a:extLst>
               <a:ext uri="{FF2B5EF4-FFF2-40B4-BE49-F238E27FC236}">
-                <a16:creationId xmlns="" xmlns:a16="http://schemas.microsoft.com/office/drawing/2014/main" id="{4D499231-1623-4F5D-81A2-30732BDEC5EE}"/>
+                <a16:creationId xmlns:a16="http://schemas.microsoft.com/office/drawing/2014/main" xmlns="" id="{4D499231-1623-4F5D-81A2-30732BDEC5EE}"/>
               </a:ext>
             </a:extLst>
           </p:cNvPr>
@@ -10113,7 +10113,7 @@
           <p:cNvPr id="6" name="Tabelle 5">
             <a:extLst>
               <a:ext uri="{FF2B5EF4-FFF2-40B4-BE49-F238E27FC236}">
-                <a16:creationId xmlns="" xmlns:a16="http://schemas.microsoft.com/office/drawing/2014/main" id="{078A32C6-762C-44BB-BFAD-E9CCE572CA41}"/>
+                <a16:creationId xmlns:a16="http://schemas.microsoft.com/office/drawing/2014/main" xmlns="" id="{078A32C6-762C-44BB-BFAD-E9CCE572CA41}"/>
               </a:ext>
             </a:extLst>
           </p:cNvPr>
@@ -10142,42 +10142,42 @@
                 <a:gridCol w="1204914">
                   <a:extLst>
                     <a:ext uri="{9D8B030D-6E8A-4147-A177-3AD203B41FA5}">
-                      <a16:colId xmlns="" xmlns:a16="http://schemas.microsoft.com/office/drawing/2014/main" val="2935268419"/>
+                      <a16:colId xmlns:a16="http://schemas.microsoft.com/office/drawing/2014/main" xmlns="" val="2935268419"/>
                     </a:ext>
                   </a:extLst>
                 </a:gridCol>
                 <a:gridCol w="1112773">
                   <a:extLst>
                     <a:ext uri="{9D8B030D-6E8A-4147-A177-3AD203B41FA5}">
-                      <a16:colId xmlns="" xmlns:a16="http://schemas.microsoft.com/office/drawing/2014/main" val="3573326846"/>
+                      <a16:colId xmlns:a16="http://schemas.microsoft.com/office/drawing/2014/main" xmlns="" val="3573326846"/>
                     </a:ext>
                   </a:extLst>
                 </a:gridCol>
                 <a:gridCol w="1297045">
                   <a:extLst>
                     <a:ext uri="{9D8B030D-6E8A-4147-A177-3AD203B41FA5}">
-                      <a16:colId xmlns="" xmlns:a16="http://schemas.microsoft.com/office/drawing/2014/main" val="3944536420"/>
+                      <a16:colId xmlns:a16="http://schemas.microsoft.com/office/drawing/2014/main" xmlns="" val="3944536420"/>
                     </a:ext>
                   </a:extLst>
                 </a:gridCol>
                 <a:gridCol w="1204914">
                   <a:extLst>
                     <a:ext uri="{9D8B030D-6E8A-4147-A177-3AD203B41FA5}">
-                      <a16:colId xmlns="" xmlns:a16="http://schemas.microsoft.com/office/drawing/2014/main" val="1040886641"/>
+                      <a16:colId xmlns:a16="http://schemas.microsoft.com/office/drawing/2014/main" xmlns="" val="1040886641"/>
                     </a:ext>
                   </a:extLst>
                 </a:gridCol>
                 <a:gridCol w="1204914">
                   <a:extLst>
                     <a:ext uri="{9D8B030D-6E8A-4147-A177-3AD203B41FA5}">
-                      <a16:colId xmlns="" xmlns:a16="http://schemas.microsoft.com/office/drawing/2014/main" val="3540853296"/>
+                      <a16:colId xmlns:a16="http://schemas.microsoft.com/office/drawing/2014/main" xmlns="" val="3540853296"/>
                     </a:ext>
                   </a:extLst>
                 </a:gridCol>
                 <a:gridCol w="1204914">
                   <a:extLst>
                     <a:ext uri="{9D8B030D-6E8A-4147-A177-3AD203B41FA5}">
-                      <a16:colId xmlns="" xmlns:a16="http://schemas.microsoft.com/office/drawing/2014/main" val="174494649"/>
+                      <a16:colId xmlns:a16="http://schemas.microsoft.com/office/drawing/2014/main" xmlns="" val="174494649"/>
                     </a:ext>
                   </a:extLst>
                 </a:gridCol>
@@ -10266,7 +10266,7 @@
                 </a:tc>
                 <a:extLst>
                   <a:ext uri="{0D108BD9-81ED-4DB2-BD59-A6C34878D82A}">
-                    <a16:rowId xmlns="" xmlns:a16="http://schemas.microsoft.com/office/drawing/2014/main" val="2824275686"/>
+                    <a16:rowId xmlns:a16="http://schemas.microsoft.com/office/drawing/2014/main" xmlns="" val="2824275686"/>
                   </a:ext>
                 </a:extLst>
               </a:tr>
@@ -10357,7 +10357,7 @@
                 </a:tc>
                 <a:extLst>
                   <a:ext uri="{0D108BD9-81ED-4DB2-BD59-A6C34878D82A}">
-                    <a16:rowId xmlns="" xmlns:a16="http://schemas.microsoft.com/office/drawing/2014/main" val="1457480322"/>
+                    <a16:rowId xmlns:a16="http://schemas.microsoft.com/office/drawing/2014/main" xmlns="" val="1457480322"/>
                   </a:ext>
                 </a:extLst>
               </a:tr>
@@ -10448,7 +10448,7 @@
                 </a:tc>
                 <a:extLst>
                   <a:ext uri="{0D108BD9-81ED-4DB2-BD59-A6C34878D82A}">
-                    <a16:rowId xmlns="" xmlns:a16="http://schemas.microsoft.com/office/drawing/2014/main" val="3884194282"/>
+                    <a16:rowId xmlns:a16="http://schemas.microsoft.com/office/drawing/2014/main" xmlns="" val="3884194282"/>
                   </a:ext>
                 </a:extLst>
               </a:tr>
@@ -10539,7 +10539,7 @@
                 </a:tc>
                 <a:extLst>
                   <a:ext uri="{0D108BD9-81ED-4DB2-BD59-A6C34878D82A}">
-                    <a16:rowId xmlns="" xmlns:a16="http://schemas.microsoft.com/office/drawing/2014/main" val="2227270537"/>
+                    <a16:rowId xmlns:a16="http://schemas.microsoft.com/office/drawing/2014/main" xmlns="" val="2227270537"/>
                   </a:ext>
                 </a:extLst>
               </a:tr>
@@ -10630,7 +10630,7 @@
                 </a:tc>
                 <a:extLst>
                   <a:ext uri="{0D108BD9-81ED-4DB2-BD59-A6C34878D82A}">
-                    <a16:rowId xmlns="" xmlns:a16="http://schemas.microsoft.com/office/drawing/2014/main" val="828193998"/>
+                    <a16:rowId xmlns:a16="http://schemas.microsoft.com/office/drawing/2014/main" xmlns="" val="828193998"/>
                   </a:ext>
                 </a:extLst>
               </a:tr>
@@ -10721,7 +10721,7 @@
                 </a:tc>
                 <a:extLst>
                   <a:ext uri="{0D108BD9-81ED-4DB2-BD59-A6C34878D82A}">
-                    <a16:rowId xmlns="" xmlns:a16="http://schemas.microsoft.com/office/drawing/2014/main" val="2216999364"/>
+                    <a16:rowId xmlns:a16="http://schemas.microsoft.com/office/drawing/2014/main" xmlns="" val="2216999364"/>
                   </a:ext>
                 </a:extLst>
               </a:tr>
@@ -10812,7 +10812,7 @@
                 </a:tc>
                 <a:extLst>
                   <a:ext uri="{0D108BD9-81ED-4DB2-BD59-A6C34878D82A}">
-                    <a16:rowId xmlns="" xmlns:a16="http://schemas.microsoft.com/office/drawing/2014/main" val="1739809223"/>
+                    <a16:rowId xmlns:a16="http://schemas.microsoft.com/office/drawing/2014/main" xmlns="" val="1739809223"/>
                   </a:ext>
                 </a:extLst>
               </a:tr>
@@ -10903,7 +10903,7 @@
                 </a:tc>
                 <a:extLst>
                   <a:ext uri="{0D108BD9-81ED-4DB2-BD59-A6C34878D82A}">
-                    <a16:rowId xmlns="" xmlns:a16="http://schemas.microsoft.com/office/drawing/2014/main" val="3065424001"/>
+                    <a16:rowId xmlns:a16="http://schemas.microsoft.com/office/drawing/2014/main" xmlns="" val="3065424001"/>
                   </a:ext>
                 </a:extLst>
               </a:tr>
@@ -10916,7 +10916,7 @@
           <p:cNvPr id="7" name="Pfeil: nach rechts 6">
             <a:extLst>
               <a:ext uri="{FF2B5EF4-FFF2-40B4-BE49-F238E27FC236}">
-                <a16:creationId xmlns="" xmlns:a16="http://schemas.microsoft.com/office/drawing/2014/main" id="{3B513CA0-A832-43E7-B050-E2AF2D0420A5}"/>
+                <a16:creationId xmlns:a16="http://schemas.microsoft.com/office/drawing/2014/main" xmlns="" id="{3B513CA0-A832-43E7-B050-E2AF2D0420A5}"/>
               </a:ext>
             </a:extLst>
           </p:cNvPr>
@@ -10962,7 +10962,7 @@
           <p:cNvPr id="3" name="Textfeld 2">
             <a:extLst>
               <a:ext uri="{FF2B5EF4-FFF2-40B4-BE49-F238E27FC236}">
-                <a16:creationId xmlns="" xmlns:a16="http://schemas.microsoft.com/office/drawing/2014/main" id="{93110ADA-DF8C-4D4A-885A-EDB004AE3CF1}"/>
+                <a16:creationId xmlns:a16="http://schemas.microsoft.com/office/drawing/2014/main" xmlns="" id="{93110ADA-DF8C-4D4A-885A-EDB004AE3CF1}"/>
               </a:ext>
             </a:extLst>
           </p:cNvPr>
@@ -11034,7 +11034,7 @@
           <p:cNvPr id="8" name="Grafik 7" descr="Ein Bild, das Gebäude enthält.&#10;&#10;Automatisch generierte Beschreibung">
             <a:extLst>
               <a:ext uri="{FF2B5EF4-FFF2-40B4-BE49-F238E27FC236}">
-                <a16:creationId xmlns="" xmlns:a16="http://schemas.microsoft.com/office/drawing/2014/main" id="{1D323D9C-FC8D-4439-91A6-7135C579E851}"/>
+                <a16:creationId xmlns:a16="http://schemas.microsoft.com/office/drawing/2014/main" xmlns="" id="{1D323D9C-FC8D-4439-91A6-7135C579E851}"/>
               </a:ext>
             </a:extLst>
           </p:cNvPr>
@@ -11221,7 +11221,7 @@
           <p:cNvPr id="2" name="Titel 1">
             <a:extLst>
               <a:ext uri="{FF2B5EF4-FFF2-40B4-BE49-F238E27FC236}">
-                <a16:creationId xmlns="" xmlns:a16="http://schemas.microsoft.com/office/drawing/2014/main" id="{DE62BF7E-ADBC-4B3B-8BAB-95D01E311AED}"/>
+                <a16:creationId xmlns:a16="http://schemas.microsoft.com/office/drawing/2014/main" xmlns="" id="{DE62BF7E-ADBC-4B3B-8BAB-95D01E311AED}"/>
               </a:ext>
             </a:extLst>
           </p:cNvPr>
@@ -11265,7 +11265,7 @@
           <p:cNvPr id="8" name="Gerade Verbindung mit Pfeil 7">
             <a:extLst>
               <a:ext uri="{FF2B5EF4-FFF2-40B4-BE49-F238E27FC236}">
-                <a16:creationId xmlns="" xmlns:a16="http://schemas.microsoft.com/office/drawing/2014/main" id="{A79B7D31-8930-4A5A-AA1C-06892CC18291}"/>
+                <a16:creationId xmlns:a16="http://schemas.microsoft.com/office/drawing/2014/main" xmlns="" id="{A79B7D31-8930-4A5A-AA1C-06892CC18291}"/>
               </a:ext>
             </a:extLst>
           </p:cNvPr>
@@ -11306,7 +11306,7 @@
           <p:cNvPr id="11" name="Gerade Verbindung mit Pfeil 10">
             <a:extLst>
               <a:ext uri="{FF2B5EF4-FFF2-40B4-BE49-F238E27FC236}">
-                <a16:creationId xmlns="" xmlns:a16="http://schemas.microsoft.com/office/drawing/2014/main" id="{193B10F6-7A53-474E-BC21-C9DDCDE704C0}"/>
+                <a16:creationId xmlns:a16="http://schemas.microsoft.com/office/drawing/2014/main" xmlns="" id="{193B10F6-7A53-474E-BC21-C9DDCDE704C0}"/>
               </a:ext>
             </a:extLst>
           </p:cNvPr>
@@ -11347,7 +11347,7 @@
           <p:cNvPr id="13" name="Ellipse 12">
             <a:extLst>
               <a:ext uri="{FF2B5EF4-FFF2-40B4-BE49-F238E27FC236}">
-                <a16:creationId xmlns="" xmlns:a16="http://schemas.microsoft.com/office/drawing/2014/main" id="{7469256C-C83A-4F95-96CA-1818F8942C6D}"/>
+                <a16:creationId xmlns:a16="http://schemas.microsoft.com/office/drawing/2014/main" xmlns="" id="{7469256C-C83A-4F95-96CA-1818F8942C6D}"/>
               </a:ext>
             </a:extLst>
           </p:cNvPr>
@@ -11393,7 +11393,7 @@
           <p:cNvPr id="14" name="Ellipse 13">
             <a:extLst>
               <a:ext uri="{FF2B5EF4-FFF2-40B4-BE49-F238E27FC236}">
-                <a16:creationId xmlns="" xmlns:a16="http://schemas.microsoft.com/office/drawing/2014/main" id="{FC6EE53D-2964-4925-B51C-31D899033BB5}"/>
+                <a16:creationId xmlns:a16="http://schemas.microsoft.com/office/drawing/2014/main" xmlns="" id="{FC6EE53D-2964-4925-B51C-31D899033BB5}"/>
               </a:ext>
             </a:extLst>
           </p:cNvPr>
@@ -11439,7 +11439,7 @@
           <p:cNvPr id="15" name="Ellipse 14">
             <a:extLst>
               <a:ext uri="{FF2B5EF4-FFF2-40B4-BE49-F238E27FC236}">
-                <a16:creationId xmlns="" xmlns:a16="http://schemas.microsoft.com/office/drawing/2014/main" id="{58ADDE1C-EA42-455F-8EA6-B8E3BAE0272F}"/>
+                <a16:creationId xmlns:a16="http://schemas.microsoft.com/office/drawing/2014/main" xmlns="" id="{58ADDE1C-EA42-455F-8EA6-B8E3BAE0272F}"/>
               </a:ext>
             </a:extLst>
           </p:cNvPr>
@@ -11485,7 +11485,7 @@
           <p:cNvPr id="16" name="Ellipse 15">
             <a:extLst>
               <a:ext uri="{FF2B5EF4-FFF2-40B4-BE49-F238E27FC236}">
-                <a16:creationId xmlns="" xmlns:a16="http://schemas.microsoft.com/office/drawing/2014/main" id="{896F73C8-8F04-4CC6-97C4-1DD7B5E41760}"/>
+                <a16:creationId xmlns:a16="http://schemas.microsoft.com/office/drawing/2014/main" xmlns="" id="{896F73C8-8F04-4CC6-97C4-1DD7B5E41760}"/>
               </a:ext>
             </a:extLst>
           </p:cNvPr>
@@ -11531,7 +11531,7 @@
           <p:cNvPr id="17" name="Ellipse 16">
             <a:extLst>
               <a:ext uri="{FF2B5EF4-FFF2-40B4-BE49-F238E27FC236}">
-                <a16:creationId xmlns="" xmlns:a16="http://schemas.microsoft.com/office/drawing/2014/main" id="{E834ED1C-E0F9-4D80-BC22-E8D5FF875936}"/>
+                <a16:creationId xmlns:a16="http://schemas.microsoft.com/office/drawing/2014/main" xmlns="" id="{E834ED1C-E0F9-4D80-BC22-E8D5FF875936}"/>
               </a:ext>
             </a:extLst>
           </p:cNvPr>
@@ -11585,7 +11585,7 @@
           <p:cNvPr id="18" name="Ellipse 17">
             <a:extLst>
               <a:ext uri="{FF2B5EF4-FFF2-40B4-BE49-F238E27FC236}">
-                <a16:creationId xmlns="" xmlns:a16="http://schemas.microsoft.com/office/drawing/2014/main" id="{D9C9DB88-0D38-44B0-8D62-510C1934DB2C}"/>
+                <a16:creationId xmlns:a16="http://schemas.microsoft.com/office/drawing/2014/main" xmlns="" id="{D9C9DB88-0D38-44B0-8D62-510C1934DB2C}"/>
               </a:ext>
             </a:extLst>
           </p:cNvPr>
@@ -11639,7 +11639,7 @@
           <p:cNvPr id="19" name="Ellipse 18">
             <a:extLst>
               <a:ext uri="{FF2B5EF4-FFF2-40B4-BE49-F238E27FC236}">
-                <a16:creationId xmlns="" xmlns:a16="http://schemas.microsoft.com/office/drawing/2014/main" id="{AF5D232C-9B44-46DD-9434-43BE9D322187}"/>
+                <a16:creationId xmlns:a16="http://schemas.microsoft.com/office/drawing/2014/main" xmlns="" id="{AF5D232C-9B44-46DD-9434-43BE9D322187}"/>
               </a:ext>
             </a:extLst>
           </p:cNvPr>
@@ -11693,7 +11693,7 @@
           <p:cNvPr id="20" name="Ellipse 19">
             <a:extLst>
               <a:ext uri="{FF2B5EF4-FFF2-40B4-BE49-F238E27FC236}">
-                <a16:creationId xmlns="" xmlns:a16="http://schemas.microsoft.com/office/drawing/2014/main" id="{7DBB5383-166E-4F55-B5DA-3A43707886C8}"/>
+                <a16:creationId xmlns:a16="http://schemas.microsoft.com/office/drawing/2014/main" xmlns="" id="{7DBB5383-166E-4F55-B5DA-3A43707886C8}"/>
               </a:ext>
             </a:extLst>
           </p:cNvPr>
@@ -11747,7 +11747,7 @@
           <p:cNvPr id="21" name="Rechteck 20">
             <a:extLst>
               <a:ext uri="{FF2B5EF4-FFF2-40B4-BE49-F238E27FC236}">
-                <a16:creationId xmlns="" xmlns:a16="http://schemas.microsoft.com/office/drawing/2014/main" id="{557170D4-743C-4500-AC84-115677CC29C7}"/>
+                <a16:creationId xmlns:a16="http://schemas.microsoft.com/office/drawing/2014/main" xmlns="" id="{557170D4-743C-4500-AC84-115677CC29C7}"/>
               </a:ext>
             </a:extLst>
           </p:cNvPr>
@@ -11794,7 +11794,7 @@
           <p:cNvPr id="22" name="Rechteck 21">
             <a:extLst>
               <a:ext uri="{FF2B5EF4-FFF2-40B4-BE49-F238E27FC236}">
-                <a16:creationId xmlns="" xmlns:a16="http://schemas.microsoft.com/office/drawing/2014/main" id="{CB6D8A3C-1082-4255-9556-0AE3CBADAAC2}"/>
+                <a16:creationId xmlns:a16="http://schemas.microsoft.com/office/drawing/2014/main" xmlns="" id="{CB6D8A3C-1082-4255-9556-0AE3CBADAAC2}"/>
               </a:ext>
             </a:extLst>
           </p:cNvPr>
@@ -11846,7 +11846,7 @@
           <p:cNvPr id="23" name="Stern: 5 Zacken 22">
             <a:extLst>
               <a:ext uri="{FF2B5EF4-FFF2-40B4-BE49-F238E27FC236}">
-                <a16:creationId xmlns="" xmlns:a16="http://schemas.microsoft.com/office/drawing/2014/main" id="{30ACAD23-06F1-4109-8CB7-3983EAC26B6E}"/>
+                <a16:creationId xmlns:a16="http://schemas.microsoft.com/office/drawing/2014/main" xmlns="" id="{30ACAD23-06F1-4109-8CB7-3983EAC26B6E}"/>
               </a:ext>
             </a:extLst>
           </p:cNvPr>
@@ -11900,7 +11900,7 @@
           <p:cNvPr id="24" name="Ellipse 23">
             <a:extLst>
               <a:ext uri="{FF2B5EF4-FFF2-40B4-BE49-F238E27FC236}">
-                <a16:creationId xmlns="" xmlns:a16="http://schemas.microsoft.com/office/drawing/2014/main" id="{1E130FB0-31E0-48E1-BBE6-B0DDCA3F1952}"/>
+                <a16:creationId xmlns:a16="http://schemas.microsoft.com/office/drawing/2014/main" xmlns="" id="{1E130FB0-31E0-48E1-BBE6-B0DDCA3F1952}"/>
               </a:ext>
             </a:extLst>
           </p:cNvPr>
@@ -11952,7 +11952,7 @@
           <p:cNvPr id="25" name="Ellipse 24">
             <a:extLst>
               <a:ext uri="{FF2B5EF4-FFF2-40B4-BE49-F238E27FC236}">
-                <a16:creationId xmlns="" xmlns:a16="http://schemas.microsoft.com/office/drawing/2014/main" id="{909F81B8-BBC3-41DE-BFEA-18D8DE20A4A0}"/>
+                <a16:creationId xmlns:a16="http://schemas.microsoft.com/office/drawing/2014/main" xmlns="" id="{909F81B8-BBC3-41DE-BFEA-18D8DE20A4A0}"/>
               </a:ext>
             </a:extLst>
           </p:cNvPr>
@@ -12004,7 +12004,7 @@
           <p:cNvPr id="26" name="Textfeld 25">
             <a:extLst>
               <a:ext uri="{FF2B5EF4-FFF2-40B4-BE49-F238E27FC236}">
-                <a16:creationId xmlns="" xmlns:a16="http://schemas.microsoft.com/office/drawing/2014/main" id="{E1A66F3B-E0D0-47BD-BF9A-2E68700102D7}"/>
+                <a16:creationId xmlns:a16="http://schemas.microsoft.com/office/drawing/2014/main" xmlns="" id="{E1A66F3B-E0D0-47BD-BF9A-2E68700102D7}"/>
               </a:ext>
             </a:extLst>
           </p:cNvPr>
@@ -12687,7 +12687,7 @@
           <p:cNvPr id="2" name="Titel 1">
             <a:extLst>
               <a:ext uri="{FF2B5EF4-FFF2-40B4-BE49-F238E27FC236}">
-                <a16:creationId xmlns="" xmlns:a16="http://schemas.microsoft.com/office/drawing/2014/main" id="{2D19F794-8599-4A1D-A689-743EBDA80DB4}"/>
+                <a16:creationId xmlns:a16="http://schemas.microsoft.com/office/drawing/2014/main" xmlns="" id="{2D19F794-8599-4A1D-A689-743EBDA80DB4}"/>
               </a:ext>
             </a:extLst>
           </p:cNvPr>
@@ -12727,7 +12727,7 @@
           <p:cNvPr id="4" name="Textfeld 3">
             <a:extLst>
               <a:ext uri="{FF2B5EF4-FFF2-40B4-BE49-F238E27FC236}">
-                <a16:creationId xmlns="" xmlns:a16="http://schemas.microsoft.com/office/drawing/2014/main" id="{5E36B305-D4C6-4B27-9782-732C3867DEA7}"/>
+                <a16:creationId xmlns:a16="http://schemas.microsoft.com/office/drawing/2014/main" xmlns="" id="{5E36B305-D4C6-4B27-9782-732C3867DEA7}"/>
               </a:ext>
             </a:extLst>
           </p:cNvPr>
@@ -12937,7 +12937,7 @@
           <p:cNvPr id="6" name="Grafik 5">
             <a:extLst>
               <a:ext uri="{FF2B5EF4-FFF2-40B4-BE49-F238E27FC236}">
-                <a16:creationId xmlns="" xmlns:a16="http://schemas.microsoft.com/office/drawing/2014/main" id="{3AB3E07F-C4FB-411C-B517-DEC84D74B4A1}"/>
+                <a16:creationId xmlns:a16="http://schemas.microsoft.com/office/drawing/2014/main" xmlns="" id="{3AB3E07F-C4FB-411C-B517-DEC84D74B4A1}"/>
               </a:ext>
             </a:extLst>
           </p:cNvPr>
@@ -12973,7 +12973,7 @@
           <p:cNvPr id="7" name="Textfeld 6">
             <a:extLst>
               <a:ext uri="{FF2B5EF4-FFF2-40B4-BE49-F238E27FC236}">
-                <a16:creationId xmlns="" xmlns:a16="http://schemas.microsoft.com/office/drawing/2014/main" id="{4ADB41E8-1FE5-4790-81E4-9FA1EA7A680A}"/>
+                <a16:creationId xmlns:a16="http://schemas.microsoft.com/office/drawing/2014/main" xmlns="" id="{4ADB41E8-1FE5-4790-81E4-9FA1EA7A680A}"/>
               </a:ext>
             </a:extLst>
           </p:cNvPr>
@@ -13026,7 +13026,7 @@
           <p:cNvPr id="8" name="Textfeld 7">
             <a:extLst>
               <a:ext uri="{FF2B5EF4-FFF2-40B4-BE49-F238E27FC236}">
-                <a16:creationId xmlns="" xmlns:a16="http://schemas.microsoft.com/office/drawing/2014/main" id="{E07A373C-1875-4D36-BD3C-049E9516B803}"/>
+                <a16:creationId xmlns:a16="http://schemas.microsoft.com/office/drawing/2014/main" xmlns="" id="{E07A373C-1875-4D36-BD3C-049E9516B803}"/>
               </a:ext>
             </a:extLst>
           </p:cNvPr>
@@ -13122,7 +13122,7 @@
           <p:cNvPr id="2" name="Titel 1">
             <a:extLst>
               <a:ext uri="{FF2B5EF4-FFF2-40B4-BE49-F238E27FC236}">
-                <a16:creationId xmlns="" xmlns:a16="http://schemas.microsoft.com/office/drawing/2014/main" id="{256EF4DE-DBD9-44AA-86D5-14A5C169F82A}"/>
+                <a16:creationId xmlns:a16="http://schemas.microsoft.com/office/drawing/2014/main" xmlns="" id="{256EF4DE-DBD9-44AA-86D5-14A5C169F82A}"/>
               </a:ext>
             </a:extLst>
           </p:cNvPr>
@@ -13178,7 +13178,7 @@
           <p:cNvPr id="4" name="Textfeld 3">
             <a:extLst>
               <a:ext uri="{FF2B5EF4-FFF2-40B4-BE49-F238E27FC236}">
-                <a16:creationId xmlns="" xmlns:a16="http://schemas.microsoft.com/office/drawing/2014/main" id="{AE4C0C6E-2766-45EA-A93B-6AABFDD3F619}"/>
+                <a16:creationId xmlns:a16="http://schemas.microsoft.com/office/drawing/2014/main" xmlns="" id="{AE4C0C6E-2766-45EA-A93B-6AABFDD3F619}"/>
               </a:ext>
             </a:extLst>
           </p:cNvPr>
@@ -13490,7 +13490,7 @@
           <p:cNvPr id="5" name="Grafik 4" descr="Ein Bild, das Text, Karte enthält.&#10;&#10;Automatisch generierte Beschreibung">
             <a:extLst>
               <a:ext uri="{FF2B5EF4-FFF2-40B4-BE49-F238E27FC236}">
-                <a16:creationId xmlns="" xmlns:a16="http://schemas.microsoft.com/office/drawing/2014/main" id="{88B2EE34-B8EE-4BF1-B3D1-6B70C86D7DA7}"/>
+                <a16:creationId xmlns:a16="http://schemas.microsoft.com/office/drawing/2014/main" xmlns="" id="{88B2EE34-B8EE-4BF1-B3D1-6B70C86D7DA7}"/>
               </a:ext>
             </a:extLst>
           </p:cNvPr>
@@ -13525,7 +13525,7 @@
           <p:cNvPr id="7" name="Grafik 6" descr="Ein Bild, das Karte, Text enthält.&#10;&#10;Automatisch generierte Beschreibung">
             <a:extLst>
               <a:ext uri="{FF2B5EF4-FFF2-40B4-BE49-F238E27FC236}">
-                <a16:creationId xmlns="" xmlns:a16="http://schemas.microsoft.com/office/drawing/2014/main" id="{0CBA23CC-576A-4326-8AB4-E0E78200582D}"/>
+                <a16:creationId xmlns:a16="http://schemas.microsoft.com/office/drawing/2014/main" xmlns="" id="{0CBA23CC-576A-4326-8AB4-E0E78200582D}"/>
               </a:ext>
             </a:extLst>
           </p:cNvPr>
@@ -13560,7 +13560,7 @@
           <p:cNvPr id="8" name="Textfeld 7">
             <a:extLst>
               <a:ext uri="{FF2B5EF4-FFF2-40B4-BE49-F238E27FC236}">
-                <a16:creationId xmlns="" xmlns:a16="http://schemas.microsoft.com/office/drawing/2014/main" id="{715A02E8-97E5-43DC-A343-4B63BB73A948}"/>
+                <a16:creationId xmlns:a16="http://schemas.microsoft.com/office/drawing/2014/main" xmlns="" id="{715A02E8-97E5-43DC-A343-4B63BB73A948}"/>
               </a:ext>
             </a:extLst>
           </p:cNvPr>
@@ -13710,7 +13710,7 @@
           <p:cNvPr id="2" name="Titel 1">
             <a:extLst>
               <a:ext uri="{FF2B5EF4-FFF2-40B4-BE49-F238E27FC236}">
-                <a16:creationId xmlns="" xmlns:a16="http://schemas.microsoft.com/office/drawing/2014/main" id="{3A0DF07A-A6C0-4B8E-B7C2-439EA1742EBF}"/>
+                <a16:creationId xmlns:a16="http://schemas.microsoft.com/office/drawing/2014/main" xmlns="" id="{3A0DF07A-A6C0-4B8E-B7C2-439EA1742EBF}"/>
               </a:ext>
             </a:extLst>
           </p:cNvPr>
@@ -13739,7 +13739,7 @@
           <p:cNvPr id="4" name="Textfeld 3">
             <a:extLst>
               <a:ext uri="{FF2B5EF4-FFF2-40B4-BE49-F238E27FC236}">
-                <a16:creationId xmlns="" xmlns:a16="http://schemas.microsoft.com/office/drawing/2014/main" id="{E0AF8BE7-4D29-4120-8B6C-C0617FC4823E}"/>
+                <a16:creationId xmlns:a16="http://schemas.microsoft.com/office/drawing/2014/main" xmlns="" id="{E0AF8BE7-4D29-4120-8B6C-C0617FC4823E}"/>
               </a:ext>
             </a:extLst>
           </p:cNvPr>
@@ -13874,7 +13874,7 @@
           <p:cNvPr id="5" name="Grafik 4">
             <a:extLst>
               <a:ext uri="{FF2B5EF4-FFF2-40B4-BE49-F238E27FC236}">
-                <a16:creationId xmlns="" xmlns:a16="http://schemas.microsoft.com/office/drawing/2014/main" id="{7EACE29B-80D8-462B-B157-449C327A0E60}"/>
+                <a16:creationId xmlns:a16="http://schemas.microsoft.com/office/drawing/2014/main" xmlns="" id="{7EACE29B-80D8-462B-B157-449C327A0E60}"/>
               </a:ext>
             </a:extLst>
           </p:cNvPr>
@@ -13910,7 +13910,7 @@
           <p:cNvPr id="7" name="Pfeil: nach rechts 6">
             <a:extLst>
               <a:ext uri="{FF2B5EF4-FFF2-40B4-BE49-F238E27FC236}">
-                <a16:creationId xmlns="" xmlns:a16="http://schemas.microsoft.com/office/drawing/2014/main" id="{EBAB8428-19FC-46B4-86D1-06DA423F5159}"/>
+                <a16:creationId xmlns:a16="http://schemas.microsoft.com/office/drawing/2014/main" xmlns="" id="{EBAB8428-19FC-46B4-86D1-06DA423F5159}"/>
               </a:ext>
             </a:extLst>
           </p:cNvPr>
@@ -13956,7 +13956,7 @@
           <p:cNvPr id="8" name="Textfeld 7">
             <a:extLst>
               <a:ext uri="{FF2B5EF4-FFF2-40B4-BE49-F238E27FC236}">
-                <a16:creationId xmlns="" xmlns:a16="http://schemas.microsoft.com/office/drawing/2014/main" id="{4B38B57E-ED9C-41B4-B178-0A690D45CEFC}"/>
+                <a16:creationId xmlns:a16="http://schemas.microsoft.com/office/drawing/2014/main" xmlns="" id="{4B38B57E-ED9C-41B4-B178-0A690D45CEFC}"/>
               </a:ext>
             </a:extLst>
           </p:cNvPr>
@@ -14049,7 +14049,7 @@
           <p:cNvPr id="9" name="Textfeld 8">
             <a:extLst>
               <a:ext uri="{FF2B5EF4-FFF2-40B4-BE49-F238E27FC236}">
-                <a16:creationId xmlns="" xmlns:a16="http://schemas.microsoft.com/office/drawing/2014/main" id="{B8B5B46E-131F-4826-B800-2829288C4A99}"/>
+                <a16:creationId xmlns:a16="http://schemas.microsoft.com/office/drawing/2014/main" xmlns="" id="{B8B5B46E-131F-4826-B800-2829288C4A99}"/>
               </a:ext>
             </a:extLst>
           </p:cNvPr>
@@ -14105,7 +14105,7 @@
           <p:cNvPr id="10" name="Tabelle 9">
             <a:extLst>
               <a:ext uri="{FF2B5EF4-FFF2-40B4-BE49-F238E27FC236}">
-                <a16:creationId xmlns="" xmlns:a16="http://schemas.microsoft.com/office/drawing/2014/main" id="{1359DF27-0431-40C1-AAEA-10323C33B724}"/>
+                <a16:creationId xmlns:a16="http://schemas.microsoft.com/office/drawing/2014/main" xmlns="" id="{1359DF27-0431-40C1-AAEA-10323C33B724}"/>
               </a:ext>
             </a:extLst>
           </p:cNvPr>
@@ -14134,28 +14134,28 @@
                 <a:gridCol w="1127349">
                   <a:extLst>
                     <a:ext uri="{9D8B030D-6E8A-4147-A177-3AD203B41FA5}">
-                      <a16:colId xmlns="" xmlns:a16="http://schemas.microsoft.com/office/drawing/2014/main" val="2935268419"/>
+                      <a16:colId xmlns:a16="http://schemas.microsoft.com/office/drawing/2014/main" xmlns="" val="2935268419"/>
                     </a:ext>
                   </a:extLst>
                 </a:gridCol>
                 <a:gridCol w="1041139">
                   <a:extLst>
                     <a:ext uri="{9D8B030D-6E8A-4147-A177-3AD203B41FA5}">
-                      <a16:colId xmlns="" xmlns:a16="http://schemas.microsoft.com/office/drawing/2014/main" val="3573326846"/>
+                      <a16:colId xmlns:a16="http://schemas.microsoft.com/office/drawing/2014/main" xmlns="" val="3573326846"/>
                     </a:ext>
                   </a:extLst>
                 </a:gridCol>
                 <a:gridCol w="1127349">
                   <a:extLst>
                     <a:ext uri="{9D8B030D-6E8A-4147-A177-3AD203B41FA5}">
-                      <a16:colId xmlns="" xmlns:a16="http://schemas.microsoft.com/office/drawing/2014/main" val="3540853296"/>
+                      <a16:colId xmlns:a16="http://schemas.microsoft.com/office/drawing/2014/main" xmlns="" val="3540853296"/>
                     </a:ext>
                   </a:extLst>
                 </a:gridCol>
                 <a:gridCol w="1127349">
                   <a:extLst>
                     <a:ext uri="{9D8B030D-6E8A-4147-A177-3AD203B41FA5}">
-                      <a16:colId xmlns="" xmlns:a16="http://schemas.microsoft.com/office/drawing/2014/main" val="174494649"/>
+                      <a16:colId xmlns:a16="http://schemas.microsoft.com/office/drawing/2014/main" xmlns="" val="174494649"/>
                     </a:ext>
                   </a:extLst>
                 </a:gridCol>
@@ -14216,7 +14216,7 @@
                 </a:tc>
                 <a:extLst>
                   <a:ext uri="{0D108BD9-81ED-4DB2-BD59-A6C34878D82A}">
-                    <a16:rowId xmlns="" xmlns:a16="http://schemas.microsoft.com/office/drawing/2014/main" val="2824275686"/>
+                    <a16:rowId xmlns:a16="http://schemas.microsoft.com/office/drawing/2014/main" xmlns="" val="2824275686"/>
                   </a:ext>
                 </a:extLst>
               </a:tr>
@@ -14279,7 +14279,7 @@
                 </a:tc>
                 <a:extLst>
                   <a:ext uri="{0D108BD9-81ED-4DB2-BD59-A6C34878D82A}">
-                    <a16:rowId xmlns="" xmlns:a16="http://schemas.microsoft.com/office/drawing/2014/main" val="1457480322"/>
+                    <a16:rowId xmlns:a16="http://schemas.microsoft.com/office/drawing/2014/main" xmlns="" val="1457480322"/>
                   </a:ext>
                 </a:extLst>
               </a:tr>
@@ -14342,7 +14342,7 @@
                 </a:tc>
                 <a:extLst>
                   <a:ext uri="{0D108BD9-81ED-4DB2-BD59-A6C34878D82A}">
-                    <a16:rowId xmlns="" xmlns:a16="http://schemas.microsoft.com/office/drawing/2014/main" val="3884194282"/>
+                    <a16:rowId xmlns:a16="http://schemas.microsoft.com/office/drawing/2014/main" xmlns="" val="3884194282"/>
                   </a:ext>
                 </a:extLst>
               </a:tr>
@@ -14405,7 +14405,7 @@
                 </a:tc>
                 <a:extLst>
                   <a:ext uri="{0D108BD9-81ED-4DB2-BD59-A6C34878D82A}">
-                    <a16:rowId xmlns="" xmlns:a16="http://schemas.microsoft.com/office/drawing/2014/main" val="2216999364"/>
+                    <a16:rowId xmlns:a16="http://schemas.microsoft.com/office/drawing/2014/main" xmlns="" val="2216999364"/>
                   </a:ext>
                 </a:extLst>
               </a:tr>
@@ -14468,7 +14468,7 @@
                 </a:tc>
                 <a:extLst>
                   <a:ext uri="{0D108BD9-81ED-4DB2-BD59-A6C34878D82A}">
-                    <a16:rowId xmlns="" xmlns:a16="http://schemas.microsoft.com/office/drawing/2014/main" val="1739809223"/>
+                    <a16:rowId xmlns:a16="http://schemas.microsoft.com/office/drawing/2014/main" xmlns="" val="1739809223"/>
                   </a:ext>
                 </a:extLst>
               </a:tr>
@@ -14531,7 +14531,7 @@
                 </a:tc>
                 <a:extLst>
                   <a:ext uri="{0D108BD9-81ED-4DB2-BD59-A6C34878D82A}">
-                    <a16:rowId xmlns="" xmlns:a16="http://schemas.microsoft.com/office/drawing/2014/main" val="3065424001"/>
+                    <a16:rowId xmlns:a16="http://schemas.microsoft.com/office/drawing/2014/main" xmlns="" val="3065424001"/>
                   </a:ext>
                 </a:extLst>
               </a:tr>
@@ -14581,7 +14581,7 @@
           <p:cNvPr id="2" name="Titel 1">
             <a:extLst>
               <a:ext uri="{FF2B5EF4-FFF2-40B4-BE49-F238E27FC236}">
-                <a16:creationId xmlns="" xmlns:a16="http://schemas.microsoft.com/office/drawing/2014/main" id="{FD425221-F4E0-416C-8FB0-F41F029F15A2}"/>
+                <a16:creationId xmlns:a16="http://schemas.microsoft.com/office/drawing/2014/main" xmlns="" id="{FD425221-F4E0-416C-8FB0-F41F029F15A2}"/>
               </a:ext>
             </a:extLst>
           </p:cNvPr>
@@ -14610,7 +14610,7 @@
           <p:cNvPr id="4" name="Rechteck 3">
             <a:extLst>
               <a:ext uri="{FF2B5EF4-FFF2-40B4-BE49-F238E27FC236}">
-                <a16:creationId xmlns="" xmlns:a16="http://schemas.microsoft.com/office/drawing/2014/main" id="{3C144FCF-8160-45CB-AF72-B1E01D48110B}"/>
+                <a16:creationId xmlns:a16="http://schemas.microsoft.com/office/drawing/2014/main" xmlns="" id="{3C144FCF-8160-45CB-AF72-B1E01D48110B}"/>
               </a:ext>
             </a:extLst>
           </p:cNvPr>
@@ -14687,7 +14687,7 @@
           <p:cNvPr id="5" name="Rechteck 4">
             <a:extLst>
               <a:ext uri="{FF2B5EF4-FFF2-40B4-BE49-F238E27FC236}">
-                <a16:creationId xmlns="" xmlns:a16="http://schemas.microsoft.com/office/drawing/2014/main" id="{D20448F9-72C8-413F-9D70-4409E2DE11C8}"/>
+                <a16:creationId xmlns:a16="http://schemas.microsoft.com/office/drawing/2014/main" xmlns="" id="{D20448F9-72C8-413F-9D70-4409E2DE11C8}"/>
               </a:ext>
             </a:extLst>
           </p:cNvPr>
@@ -14743,7 +14743,7 @@
           <p:cNvPr id="6" name="Rechteck 5">
             <a:extLst>
               <a:ext uri="{FF2B5EF4-FFF2-40B4-BE49-F238E27FC236}">
-                <a16:creationId xmlns="" xmlns:a16="http://schemas.microsoft.com/office/drawing/2014/main" id="{5180D00F-FD97-4A25-8D38-2CA232B64C83}"/>
+                <a16:creationId xmlns:a16="http://schemas.microsoft.com/office/drawing/2014/main" xmlns="" id="{5180D00F-FD97-4A25-8D38-2CA232B64C83}"/>
               </a:ext>
             </a:extLst>
           </p:cNvPr>
@@ -14799,7 +14799,7 @@
           <p:cNvPr id="7" name="Rechteck 6">
             <a:extLst>
               <a:ext uri="{FF2B5EF4-FFF2-40B4-BE49-F238E27FC236}">
-                <a16:creationId xmlns="" xmlns:a16="http://schemas.microsoft.com/office/drawing/2014/main" id="{A3652C8A-EF34-443B-BEB8-8B5DF46B51EB}"/>
+                <a16:creationId xmlns:a16="http://schemas.microsoft.com/office/drawing/2014/main" xmlns="" id="{A3652C8A-EF34-443B-BEB8-8B5DF46B51EB}"/>
               </a:ext>
             </a:extLst>
           </p:cNvPr>
@@ -14864,7 +14864,7 @@
           <p:cNvPr id="8" name="Rechteck 7">
             <a:extLst>
               <a:ext uri="{FF2B5EF4-FFF2-40B4-BE49-F238E27FC236}">
-                <a16:creationId xmlns="" xmlns:a16="http://schemas.microsoft.com/office/drawing/2014/main" id="{CB67835D-B0D2-4792-AD45-26DF015FBC36}"/>
+                <a16:creationId xmlns:a16="http://schemas.microsoft.com/office/drawing/2014/main" xmlns="" id="{CB67835D-B0D2-4792-AD45-26DF015FBC36}"/>
               </a:ext>
             </a:extLst>
           </p:cNvPr>
@@ -14921,7 +14921,7 @@
           <p:cNvPr id="9" name="Rechteck 8">
             <a:extLst>
               <a:ext uri="{FF2B5EF4-FFF2-40B4-BE49-F238E27FC236}">
-                <a16:creationId xmlns="" xmlns:a16="http://schemas.microsoft.com/office/drawing/2014/main" id="{D252AD02-69CE-4013-B9CC-1224A53A42F3}"/>
+                <a16:creationId xmlns:a16="http://schemas.microsoft.com/office/drawing/2014/main" xmlns="" id="{D252AD02-69CE-4013-B9CC-1224A53A42F3}"/>
               </a:ext>
             </a:extLst>
           </p:cNvPr>
@@ -14994,7 +14994,7 @@
           <p:cNvPr id="10" name="Rechteck 9">
             <a:extLst>
               <a:ext uri="{FF2B5EF4-FFF2-40B4-BE49-F238E27FC236}">
-                <a16:creationId xmlns="" xmlns:a16="http://schemas.microsoft.com/office/drawing/2014/main" id="{3FCA1C79-AB5E-4320-A47F-958AE6BBE9F2}"/>
+                <a16:creationId xmlns:a16="http://schemas.microsoft.com/office/drawing/2014/main" xmlns="" id="{3FCA1C79-AB5E-4320-A47F-958AE6BBE9F2}"/>
               </a:ext>
             </a:extLst>
           </p:cNvPr>
@@ -15079,7 +15079,7 @@
           <p:cNvPr id="12" name="Gerade Verbindung mit Pfeil 11">
             <a:extLst>
               <a:ext uri="{FF2B5EF4-FFF2-40B4-BE49-F238E27FC236}">
-                <a16:creationId xmlns="" xmlns:a16="http://schemas.microsoft.com/office/drawing/2014/main" id="{FBD46719-C1A0-4F14-B082-F80632595B0B}"/>
+                <a16:creationId xmlns:a16="http://schemas.microsoft.com/office/drawing/2014/main" xmlns="" id="{FBD46719-C1A0-4F14-B082-F80632595B0B}"/>
               </a:ext>
             </a:extLst>
           </p:cNvPr>
@@ -15121,7 +15121,7 @@
           <p:cNvPr id="15" name="Gerade Verbindung mit Pfeil 14">
             <a:extLst>
               <a:ext uri="{FF2B5EF4-FFF2-40B4-BE49-F238E27FC236}">
-                <a16:creationId xmlns="" xmlns:a16="http://schemas.microsoft.com/office/drawing/2014/main" id="{F73EB8DE-6007-4698-90F1-AB21DE6D8866}"/>
+                <a16:creationId xmlns:a16="http://schemas.microsoft.com/office/drawing/2014/main" xmlns="" id="{F73EB8DE-6007-4698-90F1-AB21DE6D8866}"/>
               </a:ext>
             </a:extLst>
           </p:cNvPr>
@@ -15163,7 +15163,7 @@
           <p:cNvPr id="17" name="Gerade Verbindung mit Pfeil 16">
             <a:extLst>
               <a:ext uri="{FF2B5EF4-FFF2-40B4-BE49-F238E27FC236}">
-                <a16:creationId xmlns="" xmlns:a16="http://schemas.microsoft.com/office/drawing/2014/main" id="{68EA95B4-1972-46D5-B3E8-2705355D8206}"/>
+                <a16:creationId xmlns:a16="http://schemas.microsoft.com/office/drawing/2014/main" xmlns="" id="{68EA95B4-1972-46D5-B3E8-2705355D8206}"/>
               </a:ext>
             </a:extLst>
           </p:cNvPr>
@@ -15204,7 +15204,7 @@
           <p:cNvPr id="21" name="Gerade Verbindung mit Pfeil 20">
             <a:extLst>
               <a:ext uri="{FF2B5EF4-FFF2-40B4-BE49-F238E27FC236}">
-                <a16:creationId xmlns="" xmlns:a16="http://schemas.microsoft.com/office/drawing/2014/main" id="{2714CC57-CF7B-4DC0-923E-1DF969389D60}"/>
+                <a16:creationId xmlns:a16="http://schemas.microsoft.com/office/drawing/2014/main" xmlns="" id="{2714CC57-CF7B-4DC0-923E-1DF969389D60}"/>
               </a:ext>
             </a:extLst>
           </p:cNvPr>
@@ -15245,7 +15245,7 @@
           <p:cNvPr id="23" name="Gerade Verbindung mit Pfeil 22">
             <a:extLst>
               <a:ext uri="{FF2B5EF4-FFF2-40B4-BE49-F238E27FC236}">
-                <a16:creationId xmlns="" xmlns:a16="http://schemas.microsoft.com/office/drawing/2014/main" id="{B8AA6557-3089-4109-B91D-BFBCE8968F0A}"/>
+                <a16:creationId xmlns:a16="http://schemas.microsoft.com/office/drawing/2014/main" xmlns="" id="{B8AA6557-3089-4109-B91D-BFBCE8968F0A}"/>
               </a:ext>
             </a:extLst>
           </p:cNvPr>
@@ -15287,7 +15287,7 @@
           <p:cNvPr id="27" name="Gerade Verbindung mit Pfeil 26">
             <a:extLst>
               <a:ext uri="{FF2B5EF4-FFF2-40B4-BE49-F238E27FC236}">
-                <a16:creationId xmlns="" xmlns:a16="http://schemas.microsoft.com/office/drawing/2014/main" id="{3E4A8C46-F5FD-47C9-BD8D-0E332217A07E}"/>
+                <a16:creationId xmlns:a16="http://schemas.microsoft.com/office/drawing/2014/main" xmlns="" id="{3E4A8C46-F5FD-47C9-BD8D-0E332217A07E}"/>
               </a:ext>
             </a:extLst>
           </p:cNvPr>
@@ -15329,7 +15329,7 @@
           <p:cNvPr id="29" name="Textfeld 28">
             <a:extLst>
               <a:ext uri="{FF2B5EF4-FFF2-40B4-BE49-F238E27FC236}">
-                <a16:creationId xmlns="" xmlns:a16="http://schemas.microsoft.com/office/drawing/2014/main" id="{B0FF87C3-674E-402E-9DF8-D2DBC94CBFD1}"/>
+                <a16:creationId xmlns:a16="http://schemas.microsoft.com/office/drawing/2014/main" xmlns="" id="{B0FF87C3-674E-402E-9DF8-D2DBC94CBFD1}"/>
               </a:ext>
             </a:extLst>
           </p:cNvPr>
@@ -15380,7 +15380,7 @@
           <p:cNvPr id="30" name="Rechteck 29">
             <a:extLst>
               <a:ext uri="{FF2B5EF4-FFF2-40B4-BE49-F238E27FC236}">
-                <a16:creationId xmlns="" xmlns:a16="http://schemas.microsoft.com/office/drawing/2014/main" id="{D462E61F-36B7-4D4E-8D16-AA0A2D4CD544}"/>
+                <a16:creationId xmlns:a16="http://schemas.microsoft.com/office/drawing/2014/main" xmlns="" id="{D462E61F-36B7-4D4E-8D16-AA0A2D4CD544}"/>
               </a:ext>
             </a:extLst>
           </p:cNvPr>
@@ -15432,29 +15432,7 @@
           <a:lstStyle/>
           <a:p>
             <a:pPr algn="ctr"/>
-            <a:r>
-              <a:rPr lang="de-DE" dirty="0" err="1"/>
-              <a:t>Neural</a:t>
-            </a:r>
-            <a:r>
-              <a:rPr lang="de-DE" dirty="0"/>
-              <a:t> network</a:t>
-            </a:r>
-          </a:p>
-          <a:p>
-            <a:pPr algn="ctr"/>
-            <a:r>
-              <a:rPr lang="de-DE" dirty="0"/>
-              <a:t>(</a:t>
-            </a:r>
-            <a:r>
-              <a:rPr lang="de-DE" dirty="0" err="1"/>
-              <a:t>maybe</a:t>
-            </a:r>
-            <a:r>
-              <a:rPr lang="de-DE" dirty="0"/>
-              <a:t>)</a:t>
-            </a:r>
+            <a:endParaRPr lang="de-DE" dirty="0"/>
           </a:p>
         </p:txBody>
       </p:sp>
@@ -15463,7 +15441,7 @@
           <p:cNvPr id="11" name="Gerade Verbindung mit Pfeil 10">
             <a:extLst>
               <a:ext uri="{FF2B5EF4-FFF2-40B4-BE49-F238E27FC236}">
-                <a16:creationId xmlns="" xmlns:a16="http://schemas.microsoft.com/office/drawing/2014/main" id="{9F99904B-1C35-42EB-9645-2E61A3ECB860}"/>
+                <a16:creationId xmlns:a16="http://schemas.microsoft.com/office/drawing/2014/main" xmlns="" id="{9F99904B-1C35-42EB-9645-2E61A3ECB860}"/>
               </a:ext>
             </a:extLst>
           </p:cNvPr>
@@ -15569,14 +15547,14 @@
             <p:ph idx="1"/>
             <p:extLst>
               <p:ext uri="{D42A27DB-BD31-4B8C-83A1-F6EECF244321}">
-                <p14:modId xmlns:p14="http://schemas.microsoft.com/office/powerpoint/2010/main" val="694958122"/>
+                <p14:modId xmlns:p14="http://schemas.microsoft.com/office/powerpoint/2010/main" val="2790331711"/>
               </p:ext>
             </p:extLst>
           </p:nvPr>
         </p:nvGraphicFramePr>
         <p:xfrm>
           <a:off x="1096963" y="1846263"/>
-          <a:ext cx="10058400" cy="4472333"/>
+          <a:ext cx="10058400" cy="4269133"/>
         </p:xfrm>
         <a:graphic>
           <a:graphicData uri="http://schemas.openxmlformats.org/drawingml/2006/table">
@@ -15678,33 +15656,7 @@
                     <a:p>
                       <a:r>
                         <a:rPr lang="en-US" dirty="0" smtClean="0"/>
-                        <a:t>21</a:t>
-                      </a:r>
-                      <a:endParaRPr lang="ru-RU" dirty="0"/>
-                    </a:p>
-                  </a:txBody>
-                  <a:tcPr/>
-                </a:tc>
-              </a:tr>
-              <a:tr h="370840">
-                <a:tc>
-                  <a:txBody>
-                    <a:bodyPr/>
-                    <a:lstStyle/>
-                    <a:p>
-                      <a:endParaRPr lang="ru-RU"/>
-                    </a:p>
-                  </a:txBody>
-                  <a:tcPr/>
-                </a:tc>
-                <a:tc>
-                  <a:txBody>
-                    <a:bodyPr/>
-                    <a:lstStyle/>
-                    <a:p>
-                      <a:r>
-                        <a:rPr lang="en-US" dirty="0" smtClean="0"/>
-                        <a:t>22</a:t>
+                        <a:t>21+22</a:t>
                       </a:r>
                       <a:endParaRPr lang="ru-RU" dirty="0"/>
                     </a:p>
@@ -15745,13 +15697,9 @@
                       </a:r>
                       <a:r>
                         <a:rPr lang="en-US" baseline="0" dirty="0" smtClean="0"/>
-                        <a:t> number</a:t>
+                        <a:t> number, success-rate from k plotting function</a:t>
                       </a:r>
-                      <a:r>
-                        <a:rPr lang="en-US" baseline="0" dirty="0" smtClean="0"/>
-                        <a:t>, success-rate from k plotting function</a:t>
-                      </a:r>
-                      <a:endParaRPr lang="ru-RU" dirty="0"/>
+                      <a:endParaRPr lang="ru-RU" dirty="0" smtClean="0"/>
                     </a:p>
                   </a:txBody>
                   <a:tcPr/>
@@ -15763,7 +15711,7 @@
                     <a:p>
                       <a:r>
                         <a:rPr lang="en-US" dirty="0" smtClean="0"/>
-                        <a:t>23</a:t>
+                        <a:t>22+23</a:t>
                       </a:r>
                       <a:endParaRPr lang="ru-RU" dirty="0"/>
                     </a:p>
@@ -15825,11 +15773,7 @@
                       </a:r>
                       <a:r>
                         <a:rPr lang="en-US" baseline="0" dirty="0" smtClean="0"/>
-                        <a:t> of </a:t>
-                      </a:r>
-                      <a:r>
-                        <a:rPr lang="en-US" baseline="0" dirty="0" smtClean="0"/>
-                        <a:t>dimensions</a:t>
+                        <a:t> of dimensions</a:t>
                       </a:r>
                       <a:endParaRPr lang="ru-RU" dirty="0"/>
                     </a:p>
@@ -15843,7 +15787,7 @@
                     <a:p>
                       <a:r>
                         <a:rPr lang="en-US" dirty="0" smtClean="0"/>
-                        <a:t>25</a:t>
+                        <a:t>25+26</a:t>
                       </a:r>
                       <a:endParaRPr lang="ru-RU" dirty="0"/>
                     </a:p>
@@ -15871,11 +15815,7 @@
                       </a:r>
                       <a:r>
                         <a:rPr lang="en-US" baseline="0" dirty="0" smtClean="0"/>
-                        <a:t> </a:t>
-                      </a:r>
-                      <a:r>
-                        <a:rPr lang="en-US" baseline="0" dirty="0" smtClean="0"/>
-                        <a:t>and </a:t>
+                        <a:t> and </a:t>
                       </a:r>
                       <a:r>
                         <a:rPr lang="en-US" b="1" baseline="0" dirty="0" smtClean="0"/>
@@ -15883,11 +15823,7 @@
                       </a:r>
                       <a:r>
                         <a:rPr lang="en-US" baseline="0" dirty="0" smtClean="0"/>
-                        <a:t> </a:t>
-                      </a:r>
-                      <a:r>
-                        <a:rPr lang="en-US" baseline="0" dirty="0" smtClean="0"/>
-                        <a:t>plotting, optimal </a:t>
+                        <a:t> plotting, optimal </a:t>
                       </a:r>
                       <a:r>
                         <a:rPr lang="en-US" b="1" baseline="0" dirty="0" smtClean="0"/>
@@ -15895,45 +15831,7 @@
                       </a:r>
                       <a:r>
                         <a:rPr lang="en-US" baseline="0" dirty="0" smtClean="0"/>
-                        <a:t> </a:t>
-                      </a:r>
-                      <a:r>
-                        <a:rPr lang="en-US" baseline="0" dirty="0" smtClean="0"/>
-                        <a:t>for PCA</a:t>
-                      </a:r>
-                      <a:endParaRPr lang="ru-RU" dirty="0"/>
-                    </a:p>
-                  </a:txBody>
-                  <a:tcPr/>
-                </a:tc>
-                <a:tc>
-                  <a:txBody>
-                    <a:bodyPr/>
-                    <a:lstStyle/>
-                    <a:p>
-                      <a:r>
-                        <a:rPr lang="en-US" dirty="0" smtClean="0"/>
-                        <a:t>26</a:t>
-                      </a:r>
-                      <a:endParaRPr lang="ru-RU" dirty="0"/>
-                    </a:p>
-                  </a:txBody>
-                  <a:tcPr/>
-                </a:tc>
-              </a:tr>
-              <a:tr h="370840">
-                <a:tc>
-                  <a:txBody>
-                    <a:bodyPr/>
-                    <a:lstStyle/>
-                    <a:p>
-                      <a:r>
-                        <a:rPr lang="en-US" dirty="0" smtClean="0"/>
-                        <a:t>Analysis</a:t>
-                      </a:r>
-                      <a:r>
-                        <a:rPr lang="en-US" baseline="0" dirty="0" smtClean="0"/>
-                        <a:t> of our handwriting</a:t>
+                        <a:t> for PCA</a:t>
                       </a:r>
                       <a:endParaRPr lang="ru-RU" dirty="0"/>
                     </a:p>
@@ -15961,6 +15859,18 @@
                     <a:bodyPr/>
                     <a:lstStyle/>
                     <a:p>
+                      <a:r>
+                        <a:rPr lang="en-US" dirty="0" smtClean="0"/>
+                        <a:t>Analysis</a:t>
+                      </a:r>
+                      <a:r>
+                        <a:rPr lang="en-US" baseline="0" dirty="0" smtClean="0"/>
+                        <a:t> of our </a:t>
+                      </a:r>
+                      <a:r>
+                        <a:rPr lang="en-US" baseline="0" dirty="0" smtClean="0"/>
+                        <a:t>handwriting, search for a perfect digit, comparison of perfect digits found via different methods </a:t>
+                      </a:r>
                       <a:endParaRPr lang="ru-RU" dirty="0"/>
                     </a:p>
                   </a:txBody>
@@ -15987,6 +15897,14 @@
                     <a:bodyPr/>
                     <a:lstStyle/>
                     <a:p>
+                      <a:r>
+                        <a:rPr lang="en-US" dirty="0" smtClean="0"/>
+                        <a:t>Writing</a:t>
+                      </a:r>
+                      <a:r>
+                        <a:rPr lang="en-US" baseline="0" dirty="0" smtClean="0"/>
+                        <a:t> exercise: write a digit, which you see on the screen and our script will evaluate how well it is written.</a:t>
+                      </a:r>
                       <a:endParaRPr lang="ru-RU" dirty="0"/>
                     </a:p>
                   </a:txBody>
@@ -16848,7 +16766,7 @@
   <a:extraClrSchemeLst/>
   <a:extLst>
     <a:ext uri="{05A4C25C-085E-4340-85A3-A5531E510DB2}">
-      <thm15:themeFamily xmlns="" xmlns:thm15="http://schemas.microsoft.com/office/thememl/2012/main" name="Retrospect" id="{5F128B03-DCCA-4EEB-AB3B-CF2899314A46}" vid="{9CC26709-368C-4D72-9060-94E5B3FF3CD6}"/>
+      <thm15:themeFamily xmlns:thm15="http://schemas.microsoft.com/office/thememl/2012/main" xmlns="" name="Retrospect" id="{5F128B03-DCCA-4EEB-AB3B-CF2899314A46}" vid="{9CC26709-368C-4D72-9060-94E5B3FF3CD6}"/>
     </a:ext>
   </a:extLst>
 </a:theme>

--- a/Vortrag1.pptx
+++ b/Vortrag1.pptx
@@ -116,7 +116,7 @@
   </p:defaultTextStyle>
   <p:extLst>
     <p:ext uri="{EFAFB233-063F-42B5-8137-9DF3F51BA10A}">
-      <p15:sldGuideLst xmlns:p15="http://schemas.microsoft.com/office/powerpoint/2012/main" xmlns=""/>
+      <p15:sldGuideLst xmlns="" xmlns:p15="http://schemas.microsoft.com/office/powerpoint/2012/main"/>
     </p:ext>
   </p:extLst>
 </p:presentation>
@@ -9571,7 +9571,7 @@
           <p:cNvPr id="2" name="Titel 1">
             <a:extLst>
               <a:ext uri="{FF2B5EF4-FFF2-40B4-BE49-F238E27FC236}">
-                <a16:creationId xmlns:a16="http://schemas.microsoft.com/office/drawing/2014/main" xmlns="" id="{90A6468B-D0CD-4DC7-A3AD-DA2E2B071416}"/>
+                <a16:creationId xmlns="" xmlns:a16="http://schemas.microsoft.com/office/drawing/2014/main" id="{90A6468B-D0CD-4DC7-A3AD-DA2E2B071416}"/>
               </a:ext>
             </a:extLst>
           </p:cNvPr>
@@ -9599,7 +9599,7 @@
           <p:cNvPr id="3" name="Untertitel 2">
             <a:extLst>
               <a:ext uri="{FF2B5EF4-FFF2-40B4-BE49-F238E27FC236}">
-                <a16:creationId xmlns:a16="http://schemas.microsoft.com/office/drawing/2014/main" xmlns="" id="{65A5BDD7-952D-4603-93C5-6E59619C765A}"/>
+                <a16:creationId xmlns="" xmlns:a16="http://schemas.microsoft.com/office/drawing/2014/main" id="{65A5BDD7-952D-4603-93C5-6E59619C765A}"/>
               </a:ext>
             </a:extLst>
           </p:cNvPr>
@@ -9657,7 +9657,7 @@
           <p:cNvPr id="2" name="Titel 1">
             <a:extLst>
               <a:ext uri="{FF2B5EF4-FFF2-40B4-BE49-F238E27FC236}">
-                <a16:creationId xmlns:a16="http://schemas.microsoft.com/office/drawing/2014/main" xmlns="" id="{40A94760-C413-460F-B002-DE3FCCA70BA3}"/>
+                <a16:creationId xmlns="" xmlns:a16="http://schemas.microsoft.com/office/drawing/2014/main" id="{40A94760-C413-460F-B002-DE3FCCA70BA3}"/>
               </a:ext>
             </a:extLst>
           </p:cNvPr>
@@ -9685,7 +9685,7 @@
           <p:cNvPr id="5" name="Grafik 4">
             <a:extLst>
               <a:ext uri="{FF2B5EF4-FFF2-40B4-BE49-F238E27FC236}">
-                <a16:creationId xmlns:a16="http://schemas.microsoft.com/office/drawing/2014/main" xmlns="" id="{57A3AA90-FDF7-4D08-B8F5-9FF4A8D4BC7E}"/>
+                <a16:creationId xmlns="" xmlns:a16="http://schemas.microsoft.com/office/drawing/2014/main" id="{57A3AA90-FDF7-4D08-B8F5-9FF4A8D4BC7E}"/>
               </a:ext>
             </a:extLst>
           </p:cNvPr>
@@ -9721,7 +9721,7 @@
           <p:cNvPr id="6" name="Textfeld 5">
             <a:extLst>
               <a:ext uri="{FF2B5EF4-FFF2-40B4-BE49-F238E27FC236}">
-                <a16:creationId xmlns:a16="http://schemas.microsoft.com/office/drawing/2014/main" xmlns="" id="{6AA4F5E1-8797-42F3-A52D-711C0EF03F4D}"/>
+                <a16:creationId xmlns="" xmlns:a16="http://schemas.microsoft.com/office/drawing/2014/main" id="{6AA4F5E1-8797-42F3-A52D-711C0EF03F4D}"/>
               </a:ext>
             </a:extLst>
           </p:cNvPr>
@@ -10044,7 +10044,7 @@
           <p:cNvPr id="2" name="Titel 1">
             <a:extLst>
               <a:ext uri="{FF2B5EF4-FFF2-40B4-BE49-F238E27FC236}">
-                <a16:creationId xmlns:a16="http://schemas.microsoft.com/office/drawing/2014/main" xmlns="" id="{6239617A-843A-48A9-B1A1-5A51ECFC1EAB}"/>
+                <a16:creationId xmlns="" xmlns:a16="http://schemas.microsoft.com/office/drawing/2014/main" id="{6239617A-843A-48A9-B1A1-5A51ECFC1EAB}"/>
               </a:ext>
             </a:extLst>
           </p:cNvPr>
@@ -10077,7 +10077,7 @@
           <p:cNvPr id="5" name="Grafik 4">
             <a:extLst>
               <a:ext uri="{FF2B5EF4-FFF2-40B4-BE49-F238E27FC236}">
-                <a16:creationId xmlns:a16="http://schemas.microsoft.com/office/drawing/2014/main" xmlns="" id="{4D499231-1623-4F5D-81A2-30732BDEC5EE}"/>
+                <a16:creationId xmlns="" xmlns:a16="http://schemas.microsoft.com/office/drawing/2014/main" id="{4D499231-1623-4F5D-81A2-30732BDEC5EE}"/>
               </a:ext>
             </a:extLst>
           </p:cNvPr>
@@ -10113,7 +10113,7 @@
           <p:cNvPr id="6" name="Tabelle 5">
             <a:extLst>
               <a:ext uri="{FF2B5EF4-FFF2-40B4-BE49-F238E27FC236}">
-                <a16:creationId xmlns:a16="http://schemas.microsoft.com/office/drawing/2014/main" xmlns="" id="{078A32C6-762C-44BB-BFAD-E9CCE572CA41}"/>
+                <a16:creationId xmlns="" xmlns:a16="http://schemas.microsoft.com/office/drawing/2014/main" id="{078A32C6-762C-44BB-BFAD-E9CCE572CA41}"/>
               </a:ext>
             </a:extLst>
           </p:cNvPr>
@@ -10142,42 +10142,42 @@
                 <a:gridCol w="1204914">
                   <a:extLst>
                     <a:ext uri="{9D8B030D-6E8A-4147-A177-3AD203B41FA5}">
-                      <a16:colId xmlns:a16="http://schemas.microsoft.com/office/drawing/2014/main" xmlns="" val="2935268419"/>
+                      <a16:colId xmlns="" xmlns:a16="http://schemas.microsoft.com/office/drawing/2014/main" val="2935268419"/>
                     </a:ext>
                   </a:extLst>
                 </a:gridCol>
                 <a:gridCol w="1112773">
                   <a:extLst>
                     <a:ext uri="{9D8B030D-6E8A-4147-A177-3AD203B41FA5}">
-                      <a16:colId xmlns:a16="http://schemas.microsoft.com/office/drawing/2014/main" xmlns="" val="3573326846"/>
+                      <a16:colId xmlns="" xmlns:a16="http://schemas.microsoft.com/office/drawing/2014/main" val="3573326846"/>
                     </a:ext>
                   </a:extLst>
                 </a:gridCol>
                 <a:gridCol w="1297045">
                   <a:extLst>
                     <a:ext uri="{9D8B030D-6E8A-4147-A177-3AD203B41FA5}">
-                      <a16:colId xmlns:a16="http://schemas.microsoft.com/office/drawing/2014/main" xmlns="" val="3944536420"/>
+                      <a16:colId xmlns="" xmlns:a16="http://schemas.microsoft.com/office/drawing/2014/main" val="3944536420"/>
                     </a:ext>
                   </a:extLst>
                 </a:gridCol>
                 <a:gridCol w="1204914">
                   <a:extLst>
                     <a:ext uri="{9D8B030D-6E8A-4147-A177-3AD203B41FA5}">
-                      <a16:colId xmlns:a16="http://schemas.microsoft.com/office/drawing/2014/main" xmlns="" val="1040886641"/>
+                      <a16:colId xmlns="" xmlns:a16="http://schemas.microsoft.com/office/drawing/2014/main" val="1040886641"/>
                     </a:ext>
                   </a:extLst>
                 </a:gridCol>
                 <a:gridCol w="1204914">
                   <a:extLst>
                     <a:ext uri="{9D8B030D-6E8A-4147-A177-3AD203B41FA5}">
-                      <a16:colId xmlns:a16="http://schemas.microsoft.com/office/drawing/2014/main" xmlns="" val="3540853296"/>
+                      <a16:colId xmlns="" xmlns:a16="http://schemas.microsoft.com/office/drawing/2014/main" val="3540853296"/>
                     </a:ext>
                   </a:extLst>
                 </a:gridCol>
                 <a:gridCol w="1204914">
                   <a:extLst>
                     <a:ext uri="{9D8B030D-6E8A-4147-A177-3AD203B41FA5}">
-                      <a16:colId xmlns:a16="http://schemas.microsoft.com/office/drawing/2014/main" xmlns="" val="174494649"/>
+                      <a16:colId xmlns="" xmlns:a16="http://schemas.microsoft.com/office/drawing/2014/main" val="174494649"/>
                     </a:ext>
                   </a:extLst>
                 </a:gridCol>
@@ -10266,7 +10266,7 @@
                 </a:tc>
                 <a:extLst>
                   <a:ext uri="{0D108BD9-81ED-4DB2-BD59-A6C34878D82A}">
-                    <a16:rowId xmlns:a16="http://schemas.microsoft.com/office/drawing/2014/main" xmlns="" val="2824275686"/>
+                    <a16:rowId xmlns="" xmlns:a16="http://schemas.microsoft.com/office/drawing/2014/main" val="2824275686"/>
                   </a:ext>
                 </a:extLst>
               </a:tr>
@@ -10357,7 +10357,7 @@
                 </a:tc>
                 <a:extLst>
                   <a:ext uri="{0D108BD9-81ED-4DB2-BD59-A6C34878D82A}">
-                    <a16:rowId xmlns:a16="http://schemas.microsoft.com/office/drawing/2014/main" xmlns="" val="1457480322"/>
+                    <a16:rowId xmlns="" xmlns:a16="http://schemas.microsoft.com/office/drawing/2014/main" val="1457480322"/>
                   </a:ext>
                 </a:extLst>
               </a:tr>
@@ -10448,7 +10448,7 @@
                 </a:tc>
                 <a:extLst>
                   <a:ext uri="{0D108BD9-81ED-4DB2-BD59-A6C34878D82A}">
-                    <a16:rowId xmlns:a16="http://schemas.microsoft.com/office/drawing/2014/main" xmlns="" val="3884194282"/>
+                    <a16:rowId xmlns="" xmlns:a16="http://schemas.microsoft.com/office/drawing/2014/main" val="3884194282"/>
                   </a:ext>
                 </a:extLst>
               </a:tr>
@@ -10539,7 +10539,7 @@
                 </a:tc>
                 <a:extLst>
                   <a:ext uri="{0D108BD9-81ED-4DB2-BD59-A6C34878D82A}">
-                    <a16:rowId xmlns:a16="http://schemas.microsoft.com/office/drawing/2014/main" xmlns="" val="2227270537"/>
+                    <a16:rowId xmlns="" xmlns:a16="http://schemas.microsoft.com/office/drawing/2014/main" val="2227270537"/>
                   </a:ext>
                 </a:extLst>
               </a:tr>
@@ -10630,7 +10630,7 @@
                 </a:tc>
                 <a:extLst>
                   <a:ext uri="{0D108BD9-81ED-4DB2-BD59-A6C34878D82A}">
-                    <a16:rowId xmlns:a16="http://schemas.microsoft.com/office/drawing/2014/main" xmlns="" val="828193998"/>
+                    <a16:rowId xmlns="" xmlns:a16="http://schemas.microsoft.com/office/drawing/2014/main" val="828193998"/>
                   </a:ext>
                 </a:extLst>
               </a:tr>
@@ -10721,7 +10721,7 @@
                 </a:tc>
                 <a:extLst>
                   <a:ext uri="{0D108BD9-81ED-4DB2-BD59-A6C34878D82A}">
-                    <a16:rowId xmlns:a16="http://schemas.microsoft.com/office/drawing/2014/main" xmlns="" val="2216999364"/>
+                    <a16:rowId xmlns="" xmlns:a16="http://schemas.microsoft.com/office/drawing/2014/main" val="2216999364"/>
                   </a:ext>
                 </a:extLst>
               </a:tr>
@@ -10812,7 +10812,7 @@
                 </a:tc>
                 <a:extLst>
                   <a:ext uri="{0D108BD9-81ED-4DB2-BD59-A6C34878D82A}">
-                    <a16:rowId xmlns:a16="http://schemas.microsoft.com/office/drawing/2014/main" xmlns="" val="1739809223"/>
+                    <a16:rowId xmlns="" xmlns:a16="http://schemas.microsoft.com/office/drawing/2014/main" val="1739809223"/>
                   </a:ext>
                 </a:extLst>
               </a:tr>
@@ -10903,7 +10903,7 @@
                 </a:tc>
                 <a:extLst>
                   <a:ext uri="{0D108BD9-81ED-4DB2-BD59-A6C34878D82A}">
-                    <a16:rowId xmlns:a16="http://schemas.microsoft.com/office/drawing/2014/main" xmlns="" val="3065424001"/>
+                    <a16:rowId xmlns="" xmlns:a16="http://schemas.microsoft.com/office/drawing/2014/main" val="3065424001"/>
                   </a:ext>
                 </a:extLst>
               </a:tr>
@@ -10916,7 +10916,7 @@
           <p:cNvPr id="7" name="Pfeil: nach rechts 6">
             <a:extLst>
               <a:ext uri="{FF2B5EF4-FFF2-40B4-BE49-F238E27FC236}">
-                <a16:creationId xmlns:a16="http://schemas.microsoft.com/office/drawing/2014/main" xmlns="" id="{3B513CA0-A832-43E7-B050-E2AF2D0420A5}"/>
+                <a16:creationId xmlns="" xmlns:a16="http://schemas.microsoft.com/office/drawing/2014/main" id="{3B513CA0-A832-43E7-B050-E2AF2D0420A5}"/>
               </a:ext>
             </a:extLst>
           </p:cNvPr>
@@ -10962,7 +10962,7 @@
           <p:cNvPr id="3" name="Textfeld 2">
             <a:extLst>
               <a:ext uri="{FF2B5EF4-FFF2-40B4-BE49-F238E27FC236}">
-                <a16:creationId xmlns:a16="http://schemas.microsoft.com/office/drawing/2014/main" xmlns="" id="{93110ADA-DF8C-4D4A-885A-EDB004AE3CF1}"/>
+                <a16:creationId xmlns="" xmlns:a16="http://schemas.microsoft.com/office/drawing/2014/main" id="{93110ADA-DF8C-4D4A-885A-EDB004AE3CF1}"/>
               </a:ext>
             </a:extLst>
           </p:cNvPr>
@@ -11034,7 +11034,7 @@
           <p:cNvPr id="8" name="Grafik 7" descr="Ein Bild, das Gebäude enthält.&#10;&#10;Automatisch generierte Beschreibung">
             <a:extLst>
               <a:ext uri="{FF2B5EF4-FFF2-40B4-BE49-F238E27FC236}">
-                <a16:creationId xmlns:a16="http://schemas.microsoft.com/office/drawing/2014/main" xmlns="" id="{1D323D9C-FC8D-4439-91A6-7135C579E851}"/>
+                <a16:creationId xmlns="" xmlns:a16="http://schemas.microsoft.com/office/drawing/2014/main" id="{1D323D9C-FC8D-4439-91A6-7135C579E851}"/>
               </a:ext>
             </a:extLst>
           </p:cNvPr>
@@ -11221,7 +11221,7 @@
           <p:cNvPr id="2" name="Titel 1">
             <a:extLst>
               <a:ext uri="{FF2B5EF4-FFF2-40B4-BE49-F238E27FC236}">
-                <a16:creationId xmlns:a16="http://schemas.microsoft.com/office/drawing/2014/main" xmlns="" id="{DE62BF7E-ADBC-4B3B-8BAB-95D01E311AED}"/>
+                <a16:creationId xmlns="" xmlns:a16="http://schemas.microsoft.com/office/drawing/2014/main" id="{DE62BF7E-ADBC-4B3B-8BAB-95D01E311AED}"/>
               </a:ext>
             </a:extLst>
           </p:cNvPr>
@@ -11265,7 +11265,7 @@
           <p:cNvPr id="8" name="Gerade Verbindung mit Pfeil 7">
             <a:extLst>
               <a:ext uri="{FF2B5EF4-FFF2-40B4-BE49-F238E27FC236}">
-                <a16:creationId xmlns:a16="http://schemas.microsoft.com/office/drawing/2014/main" xmlns="" id="{A79B7D31-8930-4A5A-AA1C-06892CC18291}"/>
+                <a16:creationId xmlns="" xmlns:a16="http://schemas.microsoft.com/office/drawing/2014/main" id="{A79B7D31-8930-4A5A-AA1C-06892CC18291}"/>
               </a:ext>
             </a:extLst>
           </p:cNvPr>
@@ -11306,7 +11306,7 @@
           <p:cNvPr id="11" name="Gerade Verbindung mit Pfeil 10">
             <a:extLst>
               <a:ext uri="{FF2B5EF4-FFF2-40B4-BE49-F238E27FC236}">
-                <a16:creationId xmlns:a16="http://schemas.microsoft.com/office/drawing/2014/main" xmlns="" id="{193B10F6-7A53-474E-BC21-C9DDCDE704C0}"/>
+                <a16:creationId xmlns="" xmlns:a16="http://schemas.microsoft.com/office/drawing/2014/main" id="{193B10F6-7A53-474E-BC21-C9DDCDE704C0}"/>
               </a:ext>
             </a:extLst>
           </p:cNvPr>
@@ -11347,7 +11347,7 @@
           <p:cNvPr id="13" name="Ellipse 12">
             <a:extLst>
               <a:ext uri="{FF2B5EF4-FFF2-40B4-BE49-F238E27FC236}">
-                <a16:creationId xmlns:a16="http://schemas.microsoft.com/office/drawing/2014/main" xmlns="" id="{7469256C-C83A-4F95-96CA-1818F8942C6D}"/>
+                <a16:creationId xmlns="" xmlns:a16="http://schemas.microsoft.com/office/drawing/2014/main" id="{7469256C-C83A-4F95-96CA-1818F8942C6D}"/>
               </a:ext>
             </a:extLst>
           </p:cNvPr>
@@ -11393,7 +11393,7 @@
           <p:cNvPr id="14" name="Ellipse 13">
             <a:extLst>
               <a:ext uri="{FF2B5EF4-FFF2-40B4-BE49-F238E27FC236}">
-                <a16:creationId xmlns:a16="http://schemas.microsoft.com/office/drawing/2014/main" xmlns="" id="{FC6EE53D-2964-4925-B51C-31D899033BB5}"/>
+                <a16:creationId xmlns="" xmlns:a16="http://schemas.microsoft.com/office/drawing/2014/main" id="{FC6EE53D-2964-4925-B51C-31D899033BB5}"/>
               </a:ext>
             </a:extLst>
           </p:cNvPr>
@@ -11439,7 +11439,7 @@
           <p:cNvPr id="15" name="Ellipse 14">
             <a:extLst>
               <a:ext uri="{FF2B5EF4-FFF2-40B4-BE49-F238E27FC236}">
-                <a16:creationId xmlns:a16="http://schemas.microsoft.com/office/drawing/2014/main" xmlns="" id="{58ADDE1C-EA42-455F-8EA6-B8E3BAE0272F}"/>
+                <a16:creationId xmlns="" xmlns:a16="http://schemas.microsoft.com/office/drawing/2014/main" id="{58ADDE1C-EA42-455F-8EA6-B8E3BAE0272F}"/>
               </a:ext>
             </a:extLst>
           </p:cNvPr>
@@ -11485,7 +11485,7 @@
           <p:cNvPr id="16" name="Ellipse 15">
             <a:extLst>
               <a:ext uri="{FF2B5EF4-FFF2-40B4-BE49-F238E27FC236}">
-                <a16:creationId xmlns:a16="http://schemas.microsoft.com/office/drawing/2014/main" xmlns="" id="{896F73C8-8F04-4CC6-97C4-1DD7B5E41760}"/>
+                <a16:creationId xmlns="" xmlns:a16="http://schemas.microsoft.com/office/drawing/2014/main" id="{896F73C8-8F04-4CC6-97C4-1DD7B5E41760}"/>
               </a:ext>
             </a:extLst>
           </p:cNvPr>
@@ -11531,7 +11531,7 @@
           <p:cNvPr id="17" name="Ellipse 16">
             <a:extLst>
               <a:ext uri="{FF2B5EF4-FFF2-40B4-BE49-F238E27FC236}">
-                <a16:creationId xmlns:a16="http://schemas.microsoft.com/office/drawing/2014/main" xmlns="" id="{E834ED1C-E0F9-4D80-BC22-E8D5FF875936}"/>
+                <a16:creationId xmlns="" xmlns:a16="http://schemas.microsoft.com/office/drawing/2014/main" id="{E834ED1C-E0F9-4D80-BC22-E8D5FF875936}"/>
               </a:ext>
             </a:extLst>
           </p:cNvPr>
@@ -11585,7 +11585,7 @@
           <p:cNvPr id="18" name="Ellipse 17">
             <a:extLst>
               <a:ext uri="{FF2B5EF4-FFF2-40B4-BE49-F238E27FC236}">
-                <a16:creationId xmlns:a16="http://schemas.microsoft.com/office/drawing/2014/main" xmlns="" id="{D9C9DB88-0D38-44B0-8D62-510C1934DB2C}"/>
+                <a16:creationId xmlns="" xmlns:a16="http://schemas.microsoft.com/office/drawing/2014/main" id="{D9C9DB88-0D38-44B0-8D62-510C1934DB2C}"/>
               </a:ext>
             </a:extLst>
           </p:cNvPr>
@@ -11639,7 +11639,7 @@
           <p:cNvPr id="19" name="Ellipse 18">
             <a:extLst>
               <a:ext uri="{FF2B5EF4-FFF2-40B4-BE49-F238E27FC236}">
-                <a16:creationId xmlns:a16="http://schemas.microsoft.com/office/drawing/2014/main" xmlns="" id="{AF5D232C-9B44-46DD-9434-43BE9D322187}"/>
+                <a16:creationId xmlns="" xmlns:a16="http://schemas.microsoft.com/office/drawing/2014/main" id="{AF5D232C-9B44-46DD-9434-43BE9D322187}"/>
               </a:ext>
             </a:extLst>
           </p:cNvPr>
@@ -11693,7 +11693,7 @@
           <p:cNvPr id="20" name="Ellipse 19">
             <a:extLst>
               <a:ext uri="{FF2B5EF4-FFF2-40B4-BE49-F238E27FC236}">
-                <a16:creationId xmlns:a16="http://schemas.microsoft.com/office/drawing/2014/main" xmlns="" id="{7DBB5383-166E-4F55-B5DA-3A43707886C8}"/>
+                <a16:creationId xmlns="" xmlns:a16="http://schemas.microsoft.com/office/drawing/2014/main" id="{7DBB5383-166E-4F55-B5DA-3A43707886C8}"/>
               </a:ext>
             </a:extLst>
           </p:cNvPr>
@@ -11747,7 +11747,7 @@
           <p:cNvPr id="21" name="Rechteck 20">
             <a:extLst>
               <a:ext uri="{FF2B5EF4-FFF2-40B4-BE49-F238E27FC236}">
-                <a16:creationId xmlns:a16="http://schemas.microsoft.com/office/drawing/2014/main" xmlns="" id="{557170D4-743C-4500-AC84-115677CC29C7}"/>
+                <a16:creationId xmlns="" xmlns:a16="http://schemas.microsoft.com/office/drawing/2014/main" id="{557170D4-743C-4500-AC84-115677CC29C7}"/>
               </a:ext>
             </a:extLst>
           </p:cNvPr>
@@ -11794,7 +11794,7 @@
           <p:cNvPr id="22" name="Rechteck 21">
             <a:extLst>
               <a:ext uri="{FF2B5EF4-FFF2-40B4-BE49-F238E27FC236}">
-                <a16:creationId xmlns:a16="http://schemas.microsoft.com/office/drawing/2014/main" xmlns="" id="{CB6D8A3C-1082-4255-9556-0AE3CBADAAC2}"/>
+                <a16:creationId xmlns="" xmlns:a16="http://schemas.microsoft.com/office/drawing/2014/main" id="{CB6D8A3C-1082-4255-9556-0AE3CBADAAC2}"/>
               </a:ext>
             </a:extLst>
           </p:cNvPr>
@@ -11846,7 +11846,7 @@
           <p:cNvPr id="23" name="Stern: 5 Zacken 22">
             <a:extLst>
               <a:ext uri="{FF2B5EF4-FFF2-40B4-BE49-F238E27FC236}">
-                <a16:creationId xmlns:a16="http://schemas.microsoft.com/office/drawing/2014/main" xmlns="" id="{30ACAD23-06F1-4109-8CB7-3983EAC26B6E}"/>
+                <a16:creationId xmlns="" xmlns:a16="http://schemas.microsoft.com/office/drawing/2014/main" id="{30ACAD23-06F1-4109-8CB7-3983EAC26B6E}"/>
               </a:ext>
             </a:extLst>
           </p:cNvPr>
@@ -11900,7 +11900,7 @@
           <p:cNvPr id="24" name="Ellipse 23">
             <a:extLst>
               <a:ext uri="{FF2B5EF4-FFF2-40B4-BE49-F238E27FC236}">
-                <a16:creationId xmlns:a16="http://schemas.microsoft.com/office/drawing/2014/main" xmlns="" id="{1E130FB0-31E0-48E1-BBE6-B0DDCA3F1952}"/>
+                <a16:creationId xmlns="" xmlns:a16="http://schemas.microsoft.com/office/drawing/2014/main" id="{1E130FB0-31E0-48E1-BBE6-B0DDCA3F1952}"/>
               </a:ext>
             </a:extLst>
           </p:cNvPr>
@@ -11952,7 +11952,7 @@
           <p:cNvPr id="25" name="Ellipse 24">
             <a:extLst>
               <a:ext uri="{FF2B5EF4-FFF2-40B4-BE49-F238E27FC236}">
-                <a16:creationId xmlns:a16="http://schemas.microsoft.com/office/drawing/2014/main" xmlns="" id="{909F81B8-BBC3-41DE-BFEA-18D8DE20A4A0}"/>
+                <a16:creationId xmlns="" xmlns:a16="http://schemas.microsoft.com/office/drawing/2014/main" id="{909F81B8-BBC3-41DE-BFEA-18D8DE20A4A0}"/>
               </a:ext>
             </a:extLst>
           </p:cNvPr>
@@ -12004,7 +12004,7 @@
           <p:cNvPr id="26" name="Textfeld 25">
             <a:extLst>
               <a:ext uri="{FF2B5EF4-FFF2-40B4-BE49-F238E27FC236}">
-                <a16:creationId xmlns:a16="http://schemas.microsoft.com/office/drawing/2014/main" xmlns="" id="{E1A66F3B-E0D0-47BD-BF9A-2E68700102D7}"/>
+                <a16:creationId xmlns="" xmlns:a16="http://schemas.microsoft.com/office/drawing/2014/main" id="{E1A66F3B-E0D0-47BD-BF9A-2E68700102D7}"/>
               </a:ext>
             </a:extLst>
           </p:cNvPr>
@@ -12687,7 +12687,7 @@
           <p:cNvPr id="2" name="Titel 1">
             <a:extLst>
               <a:ext uri="{FF2B5EF4-FFF2-40B4-BE49-F238E27FC236}">
-                <a16:creationId xmlns:a16="http://schemas.microsoft.com/office/drawing/2014/main" xmlns="" id="{2D19F794-8599-4A1D-A689-743EBDA80DB4}"/>
+                <a16:creationId xmlns="" xmlns:a16="http://schemas.microsoft.com/office/drawing/2014/main" id="{2D19F794-8599-4A1D-A689-743EBDA80DB4}"/>
               </a:ext>
             </a:extLst>
           </p:cNvPr>
@@ -12727,7 +12727,7 @@
           <p:cNvPr id="4" name="Textfeld 3">
             <a:extLst>
               <a:ext uri="{FF2B5EF4-FFF2-40B4-BE49-F238E27FC236}">
-                <a16:creationId xmlns:a16="http://schemas.microsoft.com/office/drawing/2014/main" xmlns="" id="{5E36B305-D4C6-4B27-9782-732C3867DEA7}"/>
+                <a16:creationId xmlns="" xmlns:a16="http://schemas.microsoft.com/office/drawing/2014/main" id="{5E36B305-D4C6-4B27-9782-732C3867DEA7}"/>
               </a:ext>
             </a:extLst>
           </p:cNvPr>
@@ -12937,7 +12937,7 @@
           <p:cNvPr id="6" name="Grafik 5">
             <a:extLst>
               <a:ext uri="{FF2B5EF4-FFF2-40B4-BE49-F238E27FC236}">
-                <a16:creationId xmlns:a16="http://schemas.microsoft.com/office/drawing/2014/main" xmlns="" id="{3AB3E07F-C4FB-411C-B517-DEC84D74B4A1}"/>
+                <a16:creationId xmlns="" xmlns:a16="http://schemas.microsoft.com/office/drawing/2014/main" id="{3AB3E07F-C4FB-411C-B517-DEC84D74B4A1}"/>
               </a:ext>
             </a:extLst>
           </p:cNvPr>
@@ -12973,7 +12973,7 @@
           <p:cNvPr id="7" name="Textfeld 6">
             <a:extLst>
               <a:ext uri="{FF2B5EF4-FFF2-40B4-BE49-F238E27FC236}">
-                <a16:creationId xmlns:a16="http://schemas.microsoft.com/office/drawing/2014/main" xmlns="" id="{4ADB41E8-1FE5-4790-81E4-9FA1EA7A680A}"/>
+                <a16:creationId xmlns="" xmlns:a16="http://schemas.microsoft.com/office/drawing/2014/main" id="{4ADB41E8-1FE5-4790-81E4-9FA1EA7A680A}"/>
               </a:ext>
             </a:extLst>
           </p:cNvPr>
@@ -13026,7 +13026,7 @@
           <p:cNvPr id="8" name="Textfeld 7">
             <a:extLst>
               <a:ext uri="{FF2B5EF4-FFF2-40B4-BE49-F238E27FC236}">
-                <a16:creationId xmlns:a16="http://schemas.microsoft.com/office/drawing/2014/main" xmlns="" id="{E07A373C-1875-4D36-BD3C-049E9516B803}"/>
+                <a16:creationId xmlns="" xmlns:a16="http://schemas.microsoft.com/office/drawing/2014/main" id="{E07A373C-1875-4D36-BD3C-049E9516B803}"/>
               </a:ext>
             </a:extLst>
           </p:cNvPr>
@@ -13122,7 +13122,7 @@
           <p:cNvPr id="2" name="Titel 1">
             <a:extLst>
               <a:ext uri="{FF2B5EF4-FFF2-40B4-BE49-F238E27FC236}">
-                <a16:creationId xmlns:a16="http://schemas.microsoft.com/office/drawing/2014/main" xmlns="" id="{256EF4DE-DBD9-44AA-86D5-14A5C169F82A}"/>
+                <a16:creationId xmlns="" xmlns:a16="http://schemas.microsoft.com/office/drawing/2014/main" id="{256EF4DE-DBD9-44AA-86D5-14A5C169F82A}"/>
               </a:ext>
             </a:extLst>
           </p:cNvPr>
@@ -13178,7 +13178,7 @@
           <p:cNvPr id="4" name="Textfeld 3">
             <a:extLst>
               <a:ext uri="{FF2B5EF4-FFF2-40B4-BE49-F238E27FC236}">
-                <a16:creationId xmlns:a16="http://schemas.microsoft.com/office/drawing/2014/main" xmlns="" id="{AE4C0C6E-2766-45EA-A93B-6AABFDD3F619}"/>
+                <a16:creationId xmlns="" xmlns:a16="http://schemas.microsoft.com/office/drawing/2014/main" id="{AE4C0C6E-2766-45EA-A93B-6AABFDD3F619}"/>
               </a:ext>
             </a:extLst>
           </p:cNvPr>
@@ -13490,7 +13490,7 @@
           <p:cNvPr id="5" name="Grafik 4" descr="Ein Bild, das Text, Karte enthält.&#10;&#10;Automatisch generierte Beschreibung">
             <a:extLst>
               <a:ext uri="{FF2B5EF4-FFF2-40B4-BE49-F238E27FC236}">
-                <a16:creationId xmlns:a16="http://schemas.microsoft.com/office/drawing/2014/main" xmlns="" id="{88B2EE34-B8EE-4BF1-B3D1-6B70C86D7DA7}"/>
+                <a16:creationId xmlns="" xmlns:a16="http://schemas.microsoft.com/office/drawing/2014/main" id="{88B2EE34-B8EE-4BF1-B3D1-6B70C86D7DA7}"/>
               </a:ext>
             </a:extLst>
           </p:cNvPr>
@@ -13525,7 +13525,7 @@
           <p:cNvPr id="7" name="Grafik 6" descr="Ein Bild, das Karte, Text enthält.&#10;&#10;Automatisch generierte Beschreibung">
             <a:extLst>
               <a:ext uri="{FF2B5EF4-FFF2-40B4-BE49-F238E27FC236}">
-                <a16:creationId xmlns:a16="http://schemas.microsoft.com/office/drawing/2014/main" xmlns="" id="{0CBA23CC-576A-4326-8AB4-E0E78200582D}"/>
+                <a16:creationId xmlns="" xmlns:a16="http://schemas.microsoft.com/office/drawing/2014/main" id="{0CBA23CC-576A-4326-8AB4-E0E78200582D}"/>
               </a:ext>
             </a:extLst>
           </p:cNvPr>
@@ -13560,7 +13560,7 @@
           <p:cNvPr id="8" name="Textfeld 7">
             <a:extLst>
               <a:ext uri="{FF2B5EF4-FFF2-40B4-BE49-F238E27FC236}">
-                <a16:creationId xmlns:a16="http://schemas.microsoft.com/office/drawing/2014/main" xmlns="" id="{715A02E8-97E5-43DC-A343-4B63BB73A948}"/>
+                <a16:creationId xmlns="" xmlns:a16="http://schemas.microsoft.com/office/drawing/2014/main" id="{715A02E8-97E5-43DC-A343-4B63BB73A948}"/>
               </a:ext>
             </a:extLst>
           </p:cNvPr>
@@ -13710,7 +13710,7 @@
           <p:cNvPr id="2" name="Titel 1">
             <a:extLst>
               <a:ext uri="{FF2B5EF4-FFF2-40B4-BE49-F238E27FC236}">
-                <a16:creationId xmlns:a16="http://schemas.microsoft.com/office/drawing/2014/main" xmlns="" id="{3A0DF07A-A6C0-4B8E-B7C2-439EA1742EBF}"/>
+                <a16:creationId xmlns="" xmlns:a16="http://schemas.microsoft.com/office/drawing/2014/main" id="{3A0DF07A-A6C0-4B8E-B7C2-439EA1742EBF}"/>
               </a:ext>
             </a:extLst>
           </p:cNvPr>
@@ -13739,7 +13739,7 @@
           <p:cNvPr id="4" name="Textfeld 3">
             <a:extLst>
               <a:ext uri="{FF2B5EF4-FFF2-40B4-BE49-F238E27FC236}">
-                <a16:creationId xmlns:a16="http://schemas.microsoft.com/office/drawing/2014/main" xmlns="" id="{E0AF8BE7-4D29-4120-8B6C-C0617FC4823E}"/>
+                <a16:creationId xmlns="" xmlns:a16="http://schemas.microsoft.com/office/drawing/2014/main" id="{E0AF8BE7-4D29-4120-8B6C-C0617FC4823E}"/>
               </a:ext>
             </a:extLst>
           </p:cNvPr>
@@ -13874,7 +13874,7 @@
           <p:cNvPr id="5" name="Grafik 4">
             <a:extLst>
               <a:ext uri="{FF2B5EF4-FFF2-40B4-BE49-F238E27FC236}">
-                <a16:creationId xmlns:a16="http://schemas.microsoft.com/office/drawing/2014/main" xmlns="" id="{7EACE29B-80D8-462B-B157-449C327A0E60}"/>
+                <a16:creationId xmlns="" xmlns:a16="http://schemas.microsoft.com/office/drawing/2014/main" id="{7EACE29B-80D8-462B-B157-449C327A0E60}"/>
               </a:ext>
             </a:extLst>
           </p:cNvPr>
@@ -13910,7 +13910,7 @@
           <p:cNvPr id="7" name="Pfeil: nach rechts 6">
             <a:extLst>
               <a:ext uri="{FF2B5EF4-FFF2-40B4-BE49-F238E27FC236}">
-                <a16:creationId xmlns:a16="http://schemas.microsoft.com/office/drawing/2014/main" xmlns="" id="{EBAB8428-19FC-46B4-86D1-06DA423F5159}"/>
+                <a16:creationId xmlns="" xmlns:a16="http://schemas.microsoft.com/office/drawing/2014/main" id="{EBAB8428-19FC-46B4-86D1-06DA423F5159}"/>
               </a:ext>
             </a:extLst>
           </p:cNvPr>
@@ -13956,7 +13956,7 @@
           <p:cNvPr id="8" name="Textfeld 7">
             <a:extLst>
               <a:ext uri="{FF2B5EF4-FFF2-40B4-BE49-F238E27FC236}">
-                <a16:creationId xmlns:a16="http://schemas.microsoft.com/office/drawing/2014/main" xmlns="" id="{4B38B57E-ED9C-41B4-B178-0A690D45CEFC}"/>
+                <a16:creationId xmlns="" xmlns:a16="http://schemas.microsoft.com/office/drawing/2014/main" id="{4B38B57E-ED9C-41B4-B178-0A690D45CEFC}"/>
               </a:ext>
             </a:extLst>
           </p:cNvPr>
@@ -14049,7 +14049,7 @@
           <p:cNvPr id="9" name="Textfeld 8">
             <a:extLst>
               <a:ext uri="{FF2B5EF4-FFF2-40B4-BE49-F238E27FC236}">
-                <a16:creationId xmlns:a16="http://schemas.microsoft.com/office/drawing/2014/main" xmlns="" id="{B8B5B46E-131F-4826-B800-2829288C4A99}"/>
+                <a16:creationId xmlns="" xmlns:a16="http://schemas.microsoft.com/office/drawing/2014/main" id="{B8B5B46E-131F-4826-B800-2829288C4A99}"/>
               </a:ext>
             </a:extLst>
           </p:cNvPr>
@@ -14105,7 +14105,7 @@
           <p:cNvPr id="10" name="Tabelle 9">
             <a:extLst>
               <a:ext uri="{FF2B5EF4-FFF2-40B4-BE49-F238E27FC236}">
-                <a16:creationId xmlns:a16="http://schemas.microsoft.com/office/drawing/2014/main" xmlns="" id="{1359DF27-0431-40C1-AAEA-10323C33B724}"/>
+                <a16:creationId xmlns="" xmlns:a16="http://schemas.microsoft.com/office/drawing/2014/main" id="{1359DF27-0431-40C1-AAEA-10323C33B724}"/>
               </a:ext>
             </a:extLst>
           </p:cNvPr>
@@ -14134,28 +14134,28 @@
                 <a:gridCol w="1127349">
                   <a:extLst>
                     <a:ext uri="{9D8B030D-6E8A-4147-A177-3AD203B41FA5}">
-                      <a16:colId xmlns:a16="http://schemas.microsoft.com/office/drawing/2014/main" xmlns="" val="2935268419"/>
+                      <a16:colId xmlns="" xmlns:a16="http://schemas.microsoft.com/office/drawing/2014/main" val="2935268419"/>
                     </a:ext>
                   </a:extLst>
                 </a:gridCol>
                 <a:gridCol w="1041139">
                   <a:extLst>
                     <a:ext uri="{9D8B030D-6E8A-4147-A177-3AD203B41FA5}">
-                      <a16:colId xmlns:a16="http://schemas.microsoft.com/office/drawing/2014/main" xmlns="" val="3573326846"/>
+                      <a16:colId xmlns="" xmlns:a16="http://schemas.microsoft.com/office/drawing/2014/main" val="3573326846"/>
                     </a:ext>
                   </a:extLst>
                 </a:gridCol>
                 <a:gridCol w="1127349">
                   <a:extLst>
                     <a:ext uri="{9D8B030D-6E8A-4147-A177-3AD203B41FA5}">
-                      <a16:colId xmlns:a16="http://schemas.microsoft.com/office/drawing/2014/main" xmlns="" val="3540853296"/>
+                      <a16:colId xmlns="" xmlns:a16="http://schemas.microsoft.com/office/drawing/2014/main" val="3540853296"/>
                     </a:ext>
                   </a:extLst>
                 </a:gridCol>
                 <a:gridCol w="1127349">
                   <a:extLst>
                     <a:ext uri="{9D8B030D-6E8A-4147-A177-3AD203B41FA5}">
-                      <a16:colId xmlns:a16="http://schemas.microsoft.com/office/drawing/2014/main" xmlns="" val="174494649"/>
+                      <a16:colId xmlns="" xmlns:a16="http://schemas.microsoft.com/office/drawing/2014/main" val="174494649"/>
                     </a:ext>
                   </a:extLst>
                 </a:gridCol>
@@ -14216,7 +14216,7 @@
                 </a:tc>
                 <a:extLst>
                   <a:ext uri="{0D108BD9-81ED-4DB2-BD59-A6C34878D82A}">
-                    <a16:rowId xmlns:a16="http://schemas.microsoft.com/office/drawing/2014/main" xmlns="" val="2824275686"/>
+                    <a16:rowId xmlns="" xmlns:a16="http://schemas.microsoft.com/office/drawing/2014/main" val="2824275686"/>
                   </a:ext>
                 </a:extLst>
               </a:tr>
@@ -14279,7 +14279,7 @@
                 </a:tc>
                 <a:extLst>
                   <a:ext uri="{0D108BD9-81ED-4DB2-BD59-A6C34878D82A}">
-                    <a16:rowId xmlns:a16="http://schemas.microsoft.com/office/drawing/2014/main" xmlns="" val="1457480322"/>
+                    <a16:rowId xmlns="" xmlns:a16="http://schemas.microsoft.com/office/drawing/2014/main" val="1457480322"/>
                   </a:ext>
                 </a:extLst>
               </a:tr>
@@ -14342,7 +14342,7 @@
                 </a:tc>
                 <a:extLst>
                   <a:ext uri="{0D108BD9-81ED-4DB2-BD59-A6C34878D82A}">
-                    <a16:rowId xmlns:a16="http://schemas.microsoft.com/office/drawing/2014/main" xmlns="" val="3884194282"/>
+                    <a16:rowId xmlns="" xmlns:a16="http://schemas.microsoft.com/office/drawing/2014/main" val="3884194282"/>
                   </a:ext>
                 </a:extLst>
               </a:tr>
@@ -14405,7 +14405,7 @@
                 </a:tc>
                 <a:extLst>
                   <a:ext uri="{0D108BD9-81ED-4DB2-BD59-A6C34878D82A}">
-                    <a16:rowId xmlns:a16="http://schemas.microsoft.com/office/drawing/2014/main" xmlns="" val="2216999364"/>
+                    <a16:rowId xmlns="" xmlns:a16="http://schemas.microsoft.com/office/drawing/2014/main" val="2216999364"/>
                   </a:ext>
                 </a:extLst>
               </a:tr>
@@ -14468,7 +14468,7 @@
                 </a:tc>
                 <a:extLst>
                   <a:ext uri="{0D108BD9-81ED-4DB2-BD59-A6C34878D82A}">
-                    <a16:rowId xmlns:a16="http://schemas.microsoft.com/office/drawing/2014/main" xmlns="" val="1739809223"/>
+                    <a16:rowId xmlns="" xmlns:a16="http://schemas.microsoft.com/office/drawing/2014/main" val="1739809223"/>
                   </a:ext>
                 </a:extLst>
               </a:tr>
@@ -14531,7 +14531,7 @@
                 </a:tc>
                 <a:extLst>
                   <a:ext uri="{0D108BD9-81ED-4DB2-BD59-A6C34878D82A}">
-                    <a16:rowId xmlns:a16="http://schemas.microsoft.com/office/drawing/2014/main" xmlns="" val="3065424001"/>
+                    <a16:rowId xmlns="" xmlns:a16="http://schemas.microsoft.com/office/drawing/2014/main" val="3065424001"/>
                   </a:ext>
                 </a:extLst>
               </a:tr>
@@ -14581,7 +14581,7 @@
           <p:cNvPr id="2" name="Titel 1">
             <a:extLst>
               <a:ext uri="{FF2B5EF4-FFF2-40B4-BE49-F238E27FC236}">
-                <a16:creationId xmlns:a16="http://schemas.microsoft.com/office/drawing/2014/main" xmlns="" id="{FD425221-F4E0-416C-8FB0-F41F029F15A2}"/>
+                <a16:creationId xmlns="" xmlns:a16="http://schemas.microsoft.com/office/drawing/2014/main" id="{FD425221-F4E0-416C-8FB0-F41F029F15A2}"/>
               </a:ext>
             </a:extLst>
           </p:cNvPr>
@@ -14610,7 +14610,7 @@
           <p:cNvPr id="4" name="Rechteck 3">
             <a:extLst>
               <a:ext uri="{FF2B5EF4-FFF2-40B4-BE49-F238E27FC236}">
-                <a16:creationId xmlns:a16="http://schemas.microsoft.com/office/drawing/2014/main" xmlns="" id="{3C144FCF-8160-45CB-AF72-B1E01D48110B}"/>
+                <a16:creationId xmlns="" xmlns:a16="http://schemas.microsoft.com/office/drawing/2014/main" id="{3C144FCF-8160-45CB-AF72-B1E01D48110B}"/>
               </a:ext>
             </a:extLst>
           </p:cNvPr>
@@ -14687,7 +14687,7 @@
           <p:cNvPr id="5" name="Rechteck 4">
             <a:extLst>
               <a:ext uri="{FF2B5EF4-FFF2-40B4-BE49-F238E27FC236}">
-                <a16:creationId xmlns:a16="http://schemas.microsoft.com/office/drawing/2014/main" xmlns="" id="{D20448F9-72C8-413F-9D70-4409E2DE11C8}"/>
+                <a16:creationId xmlns="" xmlns:a16="http://schemas.microsoft.com/office/drawing/2014/main" id="{D20448F9-72C8-413F-9D70-4409E2DE11C8}"/>
               </a:ext>
             </a:extLst>
           </p:cNvPr>
@@ -14743,7 +14743,7 @@
           <p:cNvPr id="6" name="Rechteck 5">
             <a:extLst>
               <a:ext uri="{FF2B5EF4-FFF2-40B4-BE49-F238E27FC236}">
-                <a16:creationId xmlns:a16="http://schemas.microsoft.com/office/drawing/2014/main" xmlns="" id="{5180D00F-FD97-4A25-8D38-2CA232B64C83}"/>
+                <a16:creationId xmlns="" xmlns:a16="http://schemas.microsoft.com/office/drawing/2014/main" id="{5180D00F-FD97-4A25-8D38-2CA232B64C83}"/>
               </a:ext>
             </a:extLst>
           </p:cNvPr>
@@ -14799,7 +14799,7 @@
           <p:cNvPr id="7" name="Rechteck 6">
             <a:extLst>
               <a:ext uri="{FF2B5EF4-FFF2-40B4-BE49-F238E27FC236}">
-                <a16:creationId xmlns:a16="http://schemas.microsoft.com/office/drawing/2014/main" xmlns="" id="{A3652C8A-EF34-443B-BEB8-8B5DF46B51EB}"/>
+                <a16:creationId xmlns="" xmlns:a16="http://schemas.microsoft.com/office/drawing/2014/main" id="{A3652C8A-EF34-443B-BEB8-8B5DF46B51EB}"/>
               </a:ext>
             </a:extLst>
           </p:cNvPr>
@@ -14864,7 +14864,7 @@
           <p:cNvPr id="8" name="Rechteck 7">
             <a:extLst>
               <a:ext uri="{FF2B5EF4-FFF2-40B4-BE49-F238E27FC236}">
-                <a16:creationId xmlns:a16="http://schemas.microsoft.com/office/drawing/2014/main" xmlns="" id="{CB67835D-B0D2-4792-AD45-26DF015FBC36}"/>
+                <a16:creationId xmlns="" xmlns:a16="http://schemas.microsoft.com/office/drawing/2014/main" id="{CB67835D-B0D2-4792-AD45-26DF015FBC36}"/>
               </a:ext>
             </a:extLst>
           </p:cNvPr>
@@ -14921,7 +14921,7 @@
           <p:cNvPr id="9" name="Rechteck 8">
             <a:extLst>
               <a:ext uri="{FF2B5EF4-FFF2-40B4-BE49-F238E27FC236}">
-                <a16:creationId xmlns:a16="http://schemas.microsoft.com/office/drawing/2014/main" xmlns="" id="{D252AD02-69CE-4013-B9CC-1224A53A42F3}"/>
+                <a16:creationId xmlns="" xmlns:a16="http://schemas.microsoft.com/office/drawing/2014/main" id="{D252AD02-69CE-4013-B9CC-1224A53A42F3}"/>
               </a:ext>
             </a:extLst>
           </p:cNvPr>
@@ -14994,7 +14994,7 @@
           <p:cNvPr id="10" name="Rechteck 9">
             <a:extLst>
               <a:ext uri="{FF2B5EF4-FFF2-40B4-BE49-F238E27FC236}">
-                <a16:creationId xmlns:a16="http://schemas.microsoft.com/office/drawing/2014/main" xmlns="" id="{3FCA1C79-AB5E-4320-A47F-958AE6BBE9F2}"/>
+                <a16:creationId xmlns="" xmlns:a16="http://schemas.microsoft.com/office/drawing/2014/main" id="{3FCA1C79-AB5E-4320-A47F-958AE6BBE9F2}"/>
               </a:ext>
             </a:extLst>
           </p:cNvPr>
@@ -15003,8 +15003,8 @@
         </p:nvSpPr>
         <p:spPr>
           <a:xfrm>
-            <a:off x="5662613" y="2145029"/>
-            <a:ext cx="2586037" cy="361950"/>
+            <a:off x="5662612" y="1936866"/>
+            <a:ext cx="2799743" cy="570114"/>
           </a:xfrm>
           <a:prstGeom prst="rect">
             <a:avLst/>
@@ -15047,28 +15047,24 @@
           <a:p>
             <a:pPr algn="ctr"/>
             <a:r>
-              <a:rPr lang="de-DE" dirty="0"/>
-              <a:t>Analog  </a:t>
-            </a:r>
-            <a:r>
-              <a:rPr lang="de-DE" dirty="0" err="1"/>
-              <a:t>system</a:t>
-            </a:r>
-            <a:r>
-              <a:rPr lang="de-DE" dirty="0"/>
+              <a:rPr lang="de-DE" dirty="0" err="1" smtClean="0"/>
+              <a:t>Perfect</a:t>
+            </a:r>
+            <a:r>
+              <a:rPr lang="de-DE" dirty="0" smtClean="0"/>
               <a:t> </a:t>
             </a:r>
             <a:r>
-              <a:rPr lang="de-DE" dirty="0" err="1"/>
-              <a:t>for</a:t>
-            </a:r>
-            <a:r>
-              <a:rPr lang="de-DE" dirty="0"/>
-              <a:t> </a:t>
-            </a:r>
-            <a:r>
-              <a:rPr lang="de-DE" dirty="0" err="1"/>
-              <a:t>letters</a:t>
+              <a:rPr lang="de-DE" dirty="0" err="1" smtClean="0"/>
+              <a:t>digit</a:t>
+            </a:r>
+            <a:r>
+              <a:rPr lang="de-DE" dirty="0" smtClean="0"/>
+              <a:t> via different </a:t>
+            </a:r>
+            <a:r>
+              <a:rPr lang="de-DE" dirty="0" err="1" smtClean="0"/>
+              <a:t>methods</a:t>
             </a:r>
             <a:endParaRPr lang="de-DE" dirty="0"/>
           </a:p>
@@ -15079,7 +15075,7 @@
           <p:cNvPr id="12" name="Gerade Verbindung mit Pfeil 11">
             <a:extLst>
               <a:ext uri="{FF2B5EF4-FFF2-40B4-BE49-F238E27FC236}">
-                <a16:creationId xmlns:a16="http://schemas.microsoft.com/office/drawing/2014/main" xmlns="" id="{FBD46719-C1A0-4F14-B082-F80632595B0B}"/>
+                <a16:creationId xmlns="" xmlns:a16="http://schemas.microsoft.com/office/drawing/2014/main" id="{FBD46719-C1A0-4F14-B082-F80632595B0B}"/>
               </a:ext>
             </a:extLst>
           </p:cNvPr>
@@ -15121,7 +15117,7 @@
           <p:cNvPr id="15" name="Gerade Verbindung mit Pfeil 14">
             <a:extLst>
               <a:ext uri="{FF2B5EF4-FFF2-40B4-BE49-F238E27FC236}">
-                <a16:creationId xmlns:a16="http://schemas.microsoft.com/office/drawing/2014/main" xmlns="" id="{F73EB8DE-6007-4698-90F1-AB21DE6D8866}"/>
+                <a16:creationId xmlns="" xmlns:a16="http://schemas.microsoft.com/office/drawing/2014/main" id="{F73EB8DE-6007-4698-90F1-AB21DE6D8866}"/>
               </a:ext>
             </a:extLst>
           </p:cNvPr>
@@ -15133,8 +15129,8 @@
         </p:nvCxnSpPr>
         <p:spPr>
           <a:xfrm flipH="1">
-            <a:off x="5857875" y="2506979"/>
-            <a:ext cx="1097757" cy="741046"/>
+            <a:off x="5857876" y="2506980"/>
+            <a:ext cx="1204608" cy="741045"/>
           </a:xfrm>
           <a:prstGeom prst="straightConnector1">
             <a:avLst/>
@@ -15163,7 +15159,7 @@
           <p:cNvPr id="17" name="Gerade Verbindung mit Pfeil 16">
             <a:extLst>
               <a:ext uri="{FF2B5EF4-FFF2-40B4-BE49-F238E27FC236}">
-                <a16:creationId xmlns:a16="http://schemas.microsoft.com/office/drawing/2014/main" xmlns="" id="{68EA95B4-1972-46D5-B3E8-2705355D8206}"/>
+                <a16:creationId xmlns="" xmlns:a16="http://schemas.microsoft.com/office/drawing/2014/main" id="{68EA95B4-1972-46D5-B3E8-2705355D8206}"/>
               </a:ext>
             </a:extLst>
           </p:cNvPr>
@@ -15204,7 +15200,7 @@
           <p:cNvPr id="21" name="Gerade Verbindung mit Pfeil 20">
             <a:extLst>
               <a:ext uri="{FF2B5EF4-FFF2-40B4-BE49-F238E27FC236}">
-                <a16:creationId xmlns:a16="http://schemas.microsoft.com/office/drawing/2014/main" xmlns="" id="{2714CC57-CF7B-4DC0-923E-1DF969389D60}"/>
+                <a16:creationId xmlns="" xmlns:a16="http://schemas.microsoft.com/office/drawing/2014/main" id="{2714CC57-CF7B-4DC0-923E-1DF969389D60}"/>
               </a:ext>
             </a:extLst>
           </p:cNvPr>
@@ -15245,7 +15241,7 @@
           <p:cNvPr id="23" name="Gerade Verbindung mit Pfeil 22">
             <a:extLst>
               <a:ext uri="{FF2B5EF4-FFF2-40B4-BE49-F238E27FC236}">
-                <a16:creationId xmlns:a16="http://schemas.microsoft.com/office/drawing/2014/main" xmlns="" id="{B8AA6557-3089-4109-B91D-BFBCE8968F0A}"/>
+                <a16:creationId xmlns="" xmlns:a16="http://schemas.microsoft.com/office/drawing/2014/main" id="{B8AA6557-3089-4109-B91D-BFBCE8968F0A}"/>
               </a:ext>
             </a:extLst>
           </p:cNvPr>
@@ -15287,7 +15283,7 @@
           <p:cNvPr id="27" name="Gerade Verbindung mit Pfeil 26">
             <a:extLst>
               <a:ext uri="{FF2B5EF4-FFF2-40B4-BE49-F238E27FC236}">
-                <a16:creationId xmlns:a16="http://schemas.microsoft.com/office/drawing/2014/main" xmlns="" id="{3E4A8C46-F5FD-47C9-BD8D-0E332217A07E}"/>
+                <a16:creationId xmlns="" xmlns:a16="http://schemas.microsoft.com/office/drawing/2014/main" id="{3E4A8C46-F5FD-47C9-BD8D-0E332217A07E}"/>
               </a:ext>
             </a:extLst>
           </p:cNvPr>
@@ -15329,7 +15325,7 @@
           <p:cNvPr id="29" name="Textfeld 28">
             <a:extLst>
               <a:ext uri="{FF2B5EF4-FFF2-40B4-BE49-F238E27FC236}">
-                <a16:creationId xmlns:a16="http://schemas.microsoft.com/office/drawing/2014/main" xmlns="" id="{B0FF87C3-674E-402E-9DF8-D2DBC94CBFD1}"/>
+                <a16:creationId xmlns="" xmlns:a16="http://schemas.microsoft.com/office/drawing/2014/main" id="{B0FF87C3-674E-402E-9DF8-D2DBC94CBFD1}"/>
               </a:ext>
             </a:extLst>
           </p:cNvPr>
@@ -15380,7 +15376,7 @@
           <p:cNvPr id="30" name="Rechteck 29">
             <a:extLst>
               <a:ext uri="{FF2B5EF4-FFF2-40B4-BE49-F238E27FC236}">
-                <a16:creationId xmlns:a16="http://schemas.microsoft.com/office/drawing/2014/main" xmlns="" id="{D462E61F-36B7-4D4E-8D16-AA0A2D4CD544}"/>
+                <a16:creationId xmlns="" xmlns:a16="http://schemas.microsoft.com/office/drawing/2014/main" id="{D462E61F-36B7-4D4E-8D16-AA0A2D4CD544}"/>
               </a:ext>
             </a:extLst>
           </p:cNvPr>
@@ -15389,8 +15385,8 @@
         </p:nvSpPr>
         <p:spPr>
           <a:xfrm>
-            <a:off x="9324975" y="2017516"/>
-            <a:ext cx="1952626" cy="616976"/>
+            <a:off x="9042340" y="2109643"/>
+            <a:ext cx="2794981" cy="832832"/>
           </a:xfrm>
           <a:prstGeom prst="rect">
             <a:avLst/>
@@ -15432,6 +15428,70 @@
           <a:lstStyle/>
           <a:p>
             <a:pPr algn="ctr"/>
+            <a:r>
+              <a:rPr lang="de-DE" dirty="0" smtClean="0"/>
+              <a:t>A </a:t>
+            </a:r>
+            <a:r>
+              <a:rPr lang="de-DE" dirty="0" err="1" smtClean="0"/>
+              <a:t>comparison</a:t>
+            </a:r>
+            <a:r>
+              <a:rPr lang="de-DE" dirty="0" smtClean="0"/>
+              <a:t> </a:t>
+            </a:r>
+            <a:r>
+              <a:rPr lang="de-DE" dirty="0" err="1" smtClean="0"/>
+              <a:t>of</a:t>
+            </a:r>
+            <a:r>
+              <a:rPr lang="de-DE" dirty="0" smtClean="0"/>
+              <a:t> </a:t>
+            </a:r>
+            <a:r>
+              <a:rPr lang="de-DE" dirty="0" err="1" smtClean="0"/>
+              <a:t>any</a:t>
+            </a:r>
+            <a:r>
+              <a:rPr lang="de-DE" dirty="0" smtClean="0"/>
+              <a:t> </a:t>
+            </a:r>
+            <a:r>
+              <a:rPr lang="de-DE" dirty="0" err="1" smtClean="0"/>
+              <a:t>written</a:t>
+            </a:r>
+            <a:r>
+              <a:rPr lang="de-DE" dirty="0" smtClean="0"/>
+              <a:t> </a:t>
+            </a:r>
+            <a:r>
+              <a:rPr lang="de-DE" dirty="0" err="1" smtClean="0"/>
+              <a:t>digit</a:t>
+            </a:r>
+            <a:r>
+              <a:rPr lang="de-DE" dirty="0" smtClean="0"/>
+              <a:t> </a:t>
+            </a:r>
+            <a:r>
+              <a:rPr lang="de-DE" dirty="0" err="1" smtClean="0"/>
+              <a:t>with</a:t>
+            </a:r>
+            <a:r>
+              <a:rPr lang="de-DE" dirty="0" smtClean="0"/>
+              <a:t> a </a:t>
+            </a:r>
+            <a:r>
+              <a:rPr lang="de-DE" dirty="0" err="1" smtClean="0"/>
+              <a:t>perfect</a:t>
+            </a:r>
+            <a:r>
+              <a:rPr lang="de-DE" dirty="0" smtClean="0"/>
+              <a:t> </a:t>
+            </a:r>
+            <a:r>
+              <a:rPr lang="de-DE" dirty="0" err="1" smtClean="0"/>
+              <a:t>digit</a:t>
+            </a:r>
             <a:endParaRPr lang="de-DE" dirty="0"/>
           </a:p>
         </p:txBody>
@@ -15441,7 +15501,7 @@
           <p:cNvPr id="11" name="Gerade Verbindung mit Pfeil 10">
             <a:extLst>
               <a:ext uri="{FF2B5EF4-FFF2-40B4-BE49-F238E27FC236}">
-                <a16:creationId xmlns:a16="http://schemas.microsoft.com/office/drawing/2014/main" xmlns="" id="{9F99904B-1C35-42EB-9645-2E61A3ECB860}"/>
+                <a16:creationId xmlns="" xmlns:a16="http://schemas.microsoft.com/office/drawing/2014/main" id="{9F99904B-1C35-42EB-9645-2E61A3ECB860}"/>
               </a:ext>
             </a:extLst>
           </p:cNvPr>
@@ -15454,6 +15514,197 @@
           <a:xfrm flipH="1">
             <a:off x="5438775" y="4615571"/>
             <a:ext cx="1295401" cy="470774"/>
+          </a:xfrm>
+          <a:prstGeom prst="straightConnector1">
+            <a:avLst/>
+          </a:prstGeom>
+          <a:ln>
+            <a:tailEnd type="triangle"/>
+          </a:ln>
+        </p:spPr>
+        <p:style>
+          <a:lnRef idx="2">
+            <a:schemeClr val="dk1"/>
+          </a:lnRef>
+          <a:fillRef idx="0">
+            <a:schemeClr val="dk1"/>
+          </a:fillRef>
+          <a:effectRef idx="1">
+            <a:schemeClr val="dk1"/>
+          </a:effectRef>
+          <a:fontRef idx="minor">
+            <a:schemeClr val="tx1"/>
+          </a:fontRef>
+        </p:style>
+      </p:cxnSp>
+      <p:sp>
+        <p:nvSpPr>
+          <p:cNvPr id="22" name="Rechteck 29">
+            <a:extLst>
+              <a:ext uri="{FF2B5EF4-FFF2-40B4-BE49-F238E27FC236}">
+                <a16:creationId xmlns="" xmlns:a16="http://schemas.microsoft.com/office/drawing/2014/main" id="{D462E61F-36B7-4D4E-8D16-AA0A2D4CD544}"/>
+              </a:ext>
+            </a:extLst>
+          </p:cNvPr>
+          <p:cNvSpPr/>
+          <p:nvPr/>
+        </p:nvSpPr>
+        <p:spPr>
+          <a:xfrm>
+            <a:off x="9515477" y="3346205"/>
+            <a:ext cx="1723330" cy="479504"/>
+          </a:xfrm>
+          <a:prstGeom prst="rect">
+            <a:avLst/>
+          </a:prstGeom>
+          <a:solidFill>
+            <a:srgbClr val="FFC000"/>
+          </a:solidFill>
+          <a:ln>
+            <a:solidFill>
+              <a:srgbClr val="FF0000"/>
+            </a:solidFill>
+          </a:ln>
+          <a:effectLst>
+            <a:outerShdw blurRad="50800" dist="38100" dir="2700000" algn="tl" rotWithShape="0">
+              <a:prstClr val="black">
+                <a:alpha val="40000"/>
+              </a:prstClr>
+            </a:outerShdw>
+          </a:effectLst>
+        </p:spPr>
+        <p:style>
+          <a:lnRef idx="2">
+            <a:schemeClr val="accent1">
+              <a:shade val="50000"/>
+            </a:schemeClr>
+          </a:lnRef>
+          <a:fillRef idx="1">
+            <a:schemeClr val="accent1"/>
+          </a:fillRef>
+          <a:effectRef idx="0">
+            <a:schemeClr val="accent1"/>
+          </a:effectRef>
+          <a:fontRef idx="minor">
+            <a:schemeClr val="lt1"/>
+          </a:fontRef>
+        </p:style>
+        <p:txBody>
+          <a:bodyPr rtlCol="0" anchor="ctr"/>
+          <a:lstStyle/>
+          <a:p>
+            <a:pPr algn="ctr"/>
+            <a:r>
+              <a:rPr lang="de-DE" dirty="0" smtClean="0"/>
+              <a:t>Evaluation </a:t>
+            </a:r>
+            <a:endParaRPr lang="de-DE" dirty="0"/>
+          </a:p>
+        </p:txBody>
+      </p:sp>
+      <p:cxnSp>
+        <p:nvCxnSpPr>
+          <p:cNvPr id="24" name="Gerade Verbindung mit Pfeil 14">
+            <a:extLst>
+              <a:ext uri="{FF2B5EF4-FFF2-40B4-BE49-F238E27FC236}">
+                <a16:creationId xmlns="" xmlns:a16="http://schemas.microsoft.com/office/drawing/2014/main" id="{F73EB8DE-6007-4698-90F1-AB21DE6D8866}"/>
+              </a:ext>
+            </a:extLst>
+          </p:cNvPr>
+          <p:cNvCxnSpPr>
+            <a:cxnSpLocks/>
+            <a:stCxn id="30" idx="1"/>
+          </p:cNvCxnSpPr>
+          <p:nvPr/>
+        </p:nvCxnSpPr>
+        <p:spPr>
+          <a:xfrm flipH="1">
+            <a:off x="6866315" y="2526059"/>
+            <a:ext cx="2176025" cy="820145"/>
+          </a:xfrm>
+          <a:prstGeom prst="straightConnector1">
+            <a:avLst/>
+          </a:prstGeom>
+          <a:ln>
+            <a:tailEnd type="triangle"/>
+          </a:ln>
+        </p:spPr>
+        <p:style>
+          <a:lnRef idx="2">
+            <a:schemeClr val="dk1"/>
+          </a:lnRef>
+          <a:fillRef idx="0">
+            <a:schemeClr val="dk1"/>
+          </a:fillRef>
+          <a:effectRef idx="1">
+            <a:schemeClr val="dk1"/>
+          </a:effectRef>
+          <a:fontRef idx="minor">
+            <a:schemeClr val="tx1"/>
+          </a:fontRef>
+        </p:style>
+      </p:cxnSp>
+      <p:cxnSp>
+        <p:nvCxnSpPr>
+          <p:cNvPr id="28" name="Gerade Verbindung mit Pfeil 14">
+            <a:extLst>
+              <a:ext uri="{FF2B5EF4-FFF2-40B4-BE49-F238E27FC236}">
+                <a16:creationId xmlns="" xmlns:a16="http://schemas.microsoft.com/office/drawing/2014/main" id="{F73EB8DE-6007-4698-90F1-AB21DE6D8866}"/>
+              </a:ext>
+            </a:extLst>
+          </p:cNvPr>
+          <p:cNvCxnSpPr>
+            <a:cxnSpLocks/>
+            <a:stCxn id="22" idx="1"/>
+          </p:cNvCxnSpPr>
+          <p:nvPr/>
+        </p:nvCxnSpPr>
+        <p:spPr>
+          <a:xfrm flipH="1" flipV="1">
+            <a:off x="7018717" y="3565683"/>
+            <a:ext cx="2496760" cy="20274"/>
+          </a:xfrm>
+          <a:prstGeom prst="straightConnector1">
+            <a:avLst/>
+          </a:prstGeom>
+          <a:ln>
+            <a:tailEnd type="triangle"/>
+          </a:ln>
+        </p:spPr>
+        <p:style>
+          <a:lnRef idx="2">
+            <a:schemeClr val="dk1"/>
+          </a:lnRef>
+          <a:fillRef idx="0">
+            <a:schemeClr val="dk1"/>
+          </a:fillRef>
+          <a:effectRef idx="1">
+            <a:schemeClr val="dk1"/>
+          </a:effectRef>
+          <a:fontRef idx="minor">
+            <a:schemeClr val="tx1"/>
+          </a:fontRef>
+        </p:style>
+      </p:cxnSp>
+      <p:cxnSp>
+        <p:nvCxnSpPr>
+          <p:cNvPr id="31" name="Gerade Verbindung mit Pfeil 14">
+            <a:extLst>
+              <a:ext uri="{FF2B5EF4-FFF2-40B4-BE49-F238E27FC236}">
+                <a16:creationId xmlns="" xmlns:a16="http://schemas.microsoft.com/office/drawing/2014/main" id="{F73EB8DE-6007-4698-90F1-AB21DE6D8866}"/>
+              </a:ext>
+            </a:extLst>
+          </p:cNvPr>
+          <p:cNvCxnSpPr>
+            <a:cxnSpLocks/>
+            <a:endCxn id="22" idx="0"/>
+          </p:cNvCxnSpPr>
+          <p:nvPr/>
+        </p:nvCxnSpPr>
+        <p:spPr>
+          <a:xfrm flipH="1">
+            <a:off x="10377142" y="2936131"/>
+            <a:ext cx="14202" cy="410074"/>
           </a:xfrm>
           <a:prstGeom prst="straightConnector1">
             <a:avLst/>
@@ -15865,11 +16116,7 @@
                       </a:r>
                       <a:r>
                         <a:rPr lang="en-US" baseline="0" dirty="0" smtClean="0"/>
-                        <a:t> of our </a:t>
-                      </a:r>
-                      <a:r>
-                        <a:rPr lang="en-US" baseline="0" dirty="0" smtClean="0"/>
-                        <a:t>handwriting, search for a perfect digit, comparison of perfect digits found via different methods </a:t>
+                        <a:t> of our handwriting, search for a perfect digit, comparison of perfect digits found via different methods </a:t>
                       </a:r>
                       <a:endParaRPr lang="ru-RU" dirty="0"/>
                     </a:p>
@@ -16766,7 +17013,7 @@
   <a:extraClrSchemeLst/>
   <a:extLst>
     <a:ext uri="{05A4C25C-085E-4340-85A3-A5531E510DB2}">
-      <thm15:themeFamily xmlns:thm15="http://schemas.microsoft.com/office/thememl/2012/main" xmlns="" name="Retrospect" id="{5F128B03-DCCA-4EEB-AB3B-CF2899314A46}" vid="{9CC26709-368C-4D72-9060-94E5B3FF3CD6}"/>
+      <thm15:themeFamily xmlns="" xmlns:thm15="http://schemas.microsoft.com/office/thememl/2012/main" name="Retrospect" id="{5F128B03-DCCA-4EEB-AB3B-CF2899314A46}" vid="{9CC26709-368C-4D72-9060-94E5B3FF3CD6}"/>
     </a:ext>
   </a:extLst>
 </a:theme>

--- a/Vortrag1.pptx
+++ b/Vortrag1.pptx
@@ -116,7 +116,7 @@
   </p:defaultTextStyle>
   <p:extLst>
     <p:ext uri="{EFAFB233-063F-42B5-8137-9DF3F51BA10A}">
-      <p15:sldGuideLst xmlns="" xmlns:p15="http://schemas.microsoft.com/office/powerpoint/2012/main"/>
+      <p15:sldGuideLst xmlns:p15="http://schemas.microsoft.com/office/powerpoint/2012/main" xmlns=""/>
     </p:ext>
   </p:extLst>
 </p:presentation>
@@ -9571,7 +9571,7 @@
           <p:cNvPr id="2" name="Titel 1">
             <a:extLst>
               <a:ext uri="{FF2B5EF4-FFF2-40B4-BE49-F238E27FC236}">
-                <a16:creationId xmlns="" xmlns:a16="http://schemas.microsoft.com/office/drawing/2014/main" id="{90A6468B-D0CD-4DC7-A3AD-DA2E2B071416}"/>
+                <a16:creationId xmlns:a16="http://schemas.microsoft.com/office/drawing/2014/main" xmlns="" id="{90A6468B-D0CD-4DC7-A3AD-DA2E2B071416}"/>
               </a:ext>
             </a:extLst>
           </p:cNvPr>
@@ -9599,7 +9599,7 @@
           <p:cNvPr id="3" name="Untertitel 2">
             <a:extLst>
               <a:ext uri="{FF2B5EF4-FFF2-40B4-BE49-F238E27FC236}">
-                <a16:creationId xmlns="" xmlns:a16="http://schemas.microsoft.com/office/drawing/2014/main" id="{65A5BDD7-952D-4603-93C5-6E59619C765A}"/>
+                <a16:creationId xmlns:a16="http://schemas.microsoft.com/office/drawing/2014/main" xmlns="" id="{65A5BDD7-952D-4603-93C5-6E59619C765A}"/>
               </a:ext>
             </a:extLst>
           </p:cNvPr>
@@ -9657,7 +9657,7 @@
           <p:cNvPr id="2" name="Titel 1">
             <a:extLst>
               <a:ext uri="{FF2B5EF4-FFF2-40B4-BE49-F238E27FC236}">
-                <a16:creationId xmlns="" xmlns:a16="http://schemas.microsoft.com/office/drawing/2014/main" id="{40A94760-C413-460F-B002-DE3FCCA70BA3}"/>
+                <a16:creationId xmlns:a16="http://schemas.microsoft.com/office/drawing/2014/main" xmlns="" id="{40A94760-C413-460F-B002-DE3FCCA70BA3}"/>
               </a:ext>
             </a:extLst>
           </p:cNvPr>
@@ -9685,7 +9685,7 @@
           <p:cNvPr id="5" name="Grafik 4">
             <a:extLst>
               <a:ext uri="{FF2B5EF4-FFF2-40B4-BE49-F238E27FC236}">
-                <a16:creationId xmlns="" xmlns:a16="http://schemas.microsoft.com/office/drawing/2014/main" id="{57A3AA90-FDF7-4D08-B8F5-9FF4A8D4BC7E}"/>
+                <a16:creationId xmlns:a16="http://schemas.microsoft.com/office/drawing/2014/main" xmlns="" id="{57A3AA90-FDF7-4D08-B8F5-9FF4A8D4BC7E}"/>
               </a:ext>
             </a:extLst>
           </p:cNvPr>
@@ -9721,7 +9721,7 @@
           <p:cNvPr id="6" name="Textfeld 5">
             <a:extLst>
               <a:ext uri="{FF2B5EF4-FFF2-40B4-BE49-F238E27FC236}">
-                <a16:creationId xmlns="" xmlns:a16="http://schemas.microsoft.com/office/drawing/2014/main" id="{6AA4F5E1-8797-42F3-A52D-711C0EF03F4D}"/>
+                <a16:creationId xmlns:a16="http://schemas.microsoft.com/office/drawing/2014/main" xmlns="" id="{6AA4F5E1-8797-42F3-A52D-711C0EF03F4D}"/>
               </a:ext>
             </a:extLst>
           </p:cNvPr>
@@ -10044,7 +10044,7 @@
           <p:cNvPr id="2" name="Titel 1">
             <a:extLst>
               <a:ext uri="{FF2B5EF4-FFF2-40B4-BE49-F238E27FC236}">
-                <a16:creationId xmlns="" xmlns:a16="http://schemas.microsoft.com/office/drawing/2014/main" id="{6239617A-843A-48A9-B1A1-5A51ECFC1EAB}"/>
+                <a16:creationId xmlns:a16="http://schemas.microsoft.com/office/drawing/2014/main" xmlns="" id="{6239617A-843A-48A9-B1A1-5A51ECFC1EAB}"/>
               </a:ext>
             </a:extLst>
           </p:cNvPr>
@@ -10077,7 +10077,7 @@
           <p:cNvPr id="5" name="Grafik 4">
             <a:extLst>
               <a:ext uri="{FF2B5EF4-FFF2-40B4-BE49-F238E27FC236}">
-                <a16:creationId xmlns="" xmlns:a16="http://schemas.microsoft.com/office/drawing/2014/main" id="{4D499231-1623-4F5D-81A2-30732BDEC5EE}"/>
+                <a16:creationId xmlns:a16="http://schemas.microsoft.com/office/drawing/2014/main" xmlns="" id="{4D499231-1623-4F5D-81A2-30732BDEC5EE}"/>
               </a:ext>
             </a:extLst>
           </p:cNvPr>
@@ -10113,7 +10113,7 @@
           <p:cNvPr id="6" name="Tabelle 5">
             <a:extLst>
               <a:ext uri="{FF2B5EF4-FFF2-40B4-BE49-F238E27FC236}">
-                <a16:creationId xmlns="" xmlns:a16="http://schemas.microsoft.com/office/drawing/2014/main" id="{078A32C6-762C-44BB-BFAD-E9CCE572CA41}"/>
+                <a16:creationId xmlns:a16="http://schemas.microsoft.com/office/drawing/2014/main" xmlns="" id="{078A32C6-762C-44BB-BFAD-E9CCE572CA41}"/>
               </a:ext>
             </a:extLst>
           </p:cNvPr>
@@ -10142,42 +10142,42 @@
                 <a:gridCol w="1204914">
                   <a:extLst>
                     <a:ext uri="{9D8B030D-6E8A-4147-A177-3AD203B41FA5}">
-                      <a16:colId xmlns="" xmlns:a16="http://schemas.microsoft.com/office/drawing/2014/main" val="2935268419"/>
+                      <a16:colId xmlns:a16="http://schemas.microsoft.com/office/drawing/2014/main" xmlns="" val="2935268419"/>
                     </a:ext>
                   </a:extLst>
                 </a:gridCol>
                 <a:gridCol w="1112773">
                   <a:extLst>
                     <a:ext uri="{9D8B030D-6E8A-4147-A177-3AD203B41FA5}">
-                      <a16:colId xmlns="" xmlns:a16="http://schemas.microsoft.com/office/drawing/2014/main" val="3573326846"/>
+                      <a16:colId xmlns:a16="http://schemas.microsoft.com/office/drawing/2014/main" xmlns="" val="3573326846"/>
                     </a:ext>
                   </a:extLst>
                 </a:gridCol>
                 <a:gridCol w="1297045">
                   <a:extLst>
                     <a:ext uri="{9D8B030D-6E8A-4147-A177-3AD203B41FA5}">
-                      <a16:colId xmlns="" xmlns:a16="http://schemas.microsoft.com/office/drawing/2014/main" val="3944536420"/>
+                      <a16:colId xmlns:a16="http://schemas.microsoft.com/office/drawing/2014/main" xmlns="" val="3944536420"/>
                     </a:ext>
                   </a:extLst>
                 </a:gridCol>
                 <a:gridCol w="1204914">
                   <a:extLst>
                     <a:ext uri="{9D8B030D-6E8A-4147-A177-3AD203B41FA5}">
-                      <a16:colId xmlns="" xmlns:a16="http://schemas.microsoft.com/office/drawing/2014/main" val="1040886641"/>
+                      <a16:colId xmlns:a16="http://schemas.microsoft.com/office/drawing/2014/main" xmlns="" val="1040886641"/>
                     </a:ext>
                   </a:extLst>
                 </a:gridCol>
                 <a:gridCol w="1204914">
                   <a:extLst>
                     <a:ext uri="{9D8B030D-6E8A-4147-A177-3AD203B41FA5}">
-                      <a16:colId xmlns="" xmlns:a16="http://schemas.microsoft.com/office/drawing/2014/main" val="3540853296"/>
+                      <a16:colId xmlns:a16="http://schemas.microsoft.com/office/drawing/2014/main" xmlns="" val="3540853296"/>
                     </a:ext>
                   </a:extLst>
                 </a:gridCol>
                 <a:gridCol w="1204914">
                   <a:extLst>
                     <a:ext uri="{9D8B030D-6E8A-4147-A177-3AD203B41FA5}">
-                      <a16:colId xmlns="" xmlns:a16="http://schemas.microsoft.com/office/drawing/2014/main" val="174494649"/>
+                      <a16:colId xmlns:a16="http://schemas.microsoft.com/office/drawing/2014/main" xmlns="" val="174494649"/>
                     </a:ext>
                   </a:extLst>
                 </a:gridCol>
@@ -10266,7 +10266,7 @@
                 </a:tc>
                 <a:extLst>
                   <a:ext uri="{0D108BD9-81ED-4DB2-BD59-A6C34878D82A}">
-                    <a16:rowId xmlns="" xmlns:a16="http://schemas.microsoft.com/office/drawing/2014/main" val="2824275686"/>
+                    <a16:rowId xmlns:a16="http://schemas.microsoft.com/office/drawing/2014/main" xmlns="" val="2824275686"/>
                   </a:ext>
                 </a:extLst>
               </a:tr>
@@ -10357,7 +10357,7 @@
                 </a:tc>
                 <a:extLst>
                   <a:ext uri="{0D108BD9-81ED-4DB2-BD59-A6C34878D82A}">
-                    <a16:rowId xmlns="" xmlns:a16="http://schemas.microsoft.com/office/drawing/2014/main" val="1457480322"/>
+                    <a16:rowId xmlns:a16="http://schemas.microsoft.com/office/drawing/2014/main" xmlns="" val="1457480322"/>
                   </a:ext>
                 </a:extLst>
               </a:tr>
@@ -10448,7 +10448,7 @@
                 </a:tc>
                 <a:extLst>
                   <a:ext uri="{0D108BD9-81ED-4DB2-BD59-A6C34878D82A}">
-                    <a16:rowId xmlns="" xmlns:a16="http://schemas.microsoft.com/office/drawing/2014/main" val="3884194282"/>
+                    <a16:rowId xmlns:a16="http://schemas.microsoft.com/office/drawing/2014/main" xmlns="" val="3884194282"/>
                   </a:ext>
                 </a:extLst>
               </a:tr>
@@ -10539,7 +10539,7 @@
                 </a:tc>
                 <a:extLst>
                   <a:ext uri="{0D108BD9-81ED-4DB2-BD59-A6C34878D82A}">
-                    <a16:rowId xmlns="" xmlns:a16="http://schemas.microsoft.com/office/drawing/2014/main" val="2227270537"/>
+                    <a16:rowId xmlns:a16="http://schemas.microsoft.com/office/drawing/2014/main" xmlns="" val="2227270537"/>
                   </a:ext>
                 </a:extLst>
               </a:tr>
@@ -10630,7 +10630,7 @@
                 </a:tc>
                 <a:extLst>
                   <a:ext uri="{0D108BD9-81ED-4DB2-BD59-A6C34878D82A}">
-                    <a16:rowId xmlns="" xmlns:a16="http://schemas.microsoft.com/office/drawing/2014/main" val="828193998"/>
+                    <a16:rowId xmlns:a16="http://schemas.microsoft.com/office/drawing/2014/main" xmlns="" val="828193998"/>
                   </a:ext>
                 </a:extLst>
               </a:tr>
@@ -10721,7 +10721,7 @@
                 </a:tc>
                 <a:extLst>
                   <a:ext uri="{0D108BD9-81ED-4DB2-BD59-A6C34878D82A}">
-                    <a16:rowId xmlns="" xmlns:a16="http://schemas.microsoft.com/office/drawing/2014/main" val="2216999364"/>
+                    <a16:rowId xmlns:a16="http://schemas.microsoft.com/office/drawing/2014/main" xmlns="" val="2216999364"/>
                   </a:ext>
                 </a:extLst>
               </a:tr>
@@ -10812,7 +10812,7 @@
                 </a:tc>
                 <a:extLst>
                   <a:ext uri="{0D108BD9-81ED-4DB2-BD59-A6C34878D82A}">
-                    <a16:rowId xmlns="" xmlns:a16="http://schemas.microsoft.com/office/drawing/2014/main" val="1739809223"/>
+                    <a16:rowId xmlns:a16="http://schemas.microsoft.com/office/drawing/2014/main" xmlns="" val="1739809223"/>
                   </a:ext>
                 </a:extLst>
               </a:tr>
@@ -10903,7 +10903,7 @@
                 </a:tc>
                 <a:extLst>
                   <a:ext uri="{0D108BD9-81ED-4DB2-BD59-A6C34878D82A}">
-                    <a16:rowId xmlns="" xmlns:a16="http://schemas.microsoft.com/office/drawing/2014/main" val="3065424001"/>
+                    <a16:rowId xmlns:a16="http://schemas.microsoft.com/office/drawing/2014/main" xmlns="" val="3065424001"/>
                   </a:ext>
                 </a:extLst>
               </a:tr>
@@ -10916,7 +10916,7 @@
           <p:cNvPr id="7" name="Pfeil: nach rechts 6">
             <a:extLst>
               <a:ext uri="{FF2B5EF4-FFF2-40B4-BE49-F238E27FC236}">
-                <a16:creationId xmlns="" xmlns:a16="http://schemas.microsoft.com/office/drawing/2014/main" id="{3B513CA0-A832-43E7-B050-E2AF2D0420A5}"/>
+                <a16:creationId xmlns:a16="http://schemas.microsoft.com/office/drawing/2014/main" xmlns="" id="{3B513CA0-A832-43E7-B050-E2AF2D0420A5}"/>
               </a:ext>
             </a:extLst>
           </p:cNvPr>
@@ -10962,7 +10962,7 @@
           <p:cNvPr id="3" name="Textfeld 2">
             <a:extLst>
               <a:ext uri="{FF2B5EF4-FFF2-40B4-BE49-F238E27FC236}">
-                <a16:creationId xmlns="" xmlns:a16="http://schemas.microsoft.com/office/drawing/2014/main" id="{93110ADA-DF8C-4D4A-885A-EDB004AE3CF1}"/>
+                <a16:creationId xmlns:a16="http://schemas.microsoft.com/office/drawing/2014/main" xmlns="" id="{93110ADA-DF8C-4D4A-885A-EDB004AE3CF1}"/>
               </a:ext>
             </a:extLst>
           </p:cNvPr>
@@ -11034,7 +11034,7 @@
           <p:cNvPr id="8" name="Grafik 7" descr="Ein Bild, das Gebäude enthält.&#10;&#10;Automatisch generierte Beschreibung">
             <a:extLst>
               <a:ext uri="{FF2B5EF4-FFF2-40B4-BE49-F238E27FC236}">
-                <a16:creationId xmlns="" xmlns:a16="http://schemas.microsoft.com/office/drawing/2014/main" id="{1D323D9C-FC8D-4439-91A6-7135C579E851}"/>
+                <a16:creationId xmlns:a16="http://schemas.microsoft.com/office/drawing/2014/main" xmlns="" id="{1D323D9C-FC8D-4439-91A6-7135C579E851}"/>
               </a:ext>
             </a:extLst>
           </p:cNvPr>
@@ -11221,7 +11221,7 @@
           <p:cNvPr id="2" name="Titel 1">
             <a:extLst>
               <a:ext uri="{FF2B5EF4-FFF2-40B4-BE49-F238E27FC236}">
-                <a16:creationId xmlns="" xmlns:a16="http://schemas.microsoft.com/office/drawing/2014/main" id="{DE62BF7E-ADBC-4B3B-8BAB-95D01E311AED}"/>
+                <a16:creationId xmlns:a16="http://schemas.microsoft.com/office/drawing/2014/main" xmlns="" id="{DE62BF7E-ADBC-4B3B-8BAB-95D01E311AED}"/>
               </a:ext>
             </a:extLst>
           </p:cNvPr>
@@ -11265,7 +11265,7 @@
           <p:cNvPr id="8" name="Gerade Verbindung mit Pfeil 7">
             <a:extLst>
               <a:ext uri="{FF2B5EF4-FFF2-40B4-BE49-F238E27FC236}">
-                <a16:creationId xmlns="" xmlns:a16="http://schemas.microsoft.com/office/drawing/2014/main" id="{A79B7D31-8930-4A5A-AA1C-06892CC18291}"/>
+                <a16:creationId xmlns:a16="http://schemas.microsoft.com/office/drawing/2014/main" xmlns="" id="{A79B7D31-8930-4A5A-AA1C-06892CC18291}"/>
               </a:ext>
             </a:extLst>
           </p:cNvPr>
@@ -11306,7 +11306,7 @@
           <p:cNvPr id="11" name="Gerade Verbindung mit Pfeil 10">
             <a:extLst>
               <a:ext uri="{FF2B5EF4-FFF2-40B4-BE49-F238E27FC236}">
-                <a16:creationId xmlns="" xmlns:a16="http://schemas.microsoft.com/office/drawing/2014/main" id="{193B10F6-7A53-474E-BC21-C9DDCDE704C0}"/>
+                <a16:creationId xmlns:a16="http://schemas.microsoft.com/office/drawing/2014/main" xmlns="" id="{193B10F6-7A53-474E-BC21-C9DDCDE704C0}"/>
               </a:ext>
             </a:extLst>
           </p:cNvPr>
@@ -11347,7 +11347,7 @@
           <p:cNvPr id="13" name="Ellipse 12">
             <a:extLst>
               <a:ext uri="{FF2B5EF4-FFF2-40B4-BE49-F238E27FC236}">
-                <a16:creationId xmlns="" xmlns:a16="http://schemas.microsoft.com/office/drawing/2014/main" id="{7469256C-C83A-4F95-96CA-1818F8942C6D}"/>
+                <a16:creationId xmlns:a16="http://schemas.microsoft.com/office/drawing/2014/main" xmlns="" id="{7469256C-C83A-4F95-96CA-1818F8942C6D}"/>
               </a:ext>
             </a:extLst>
           </p:cNvPr>
@@ -11393,7 +11393,7 @@
           <p:cNvPr id="14" name="Ellipse 13">
             <a:extLst>
               <a:ext uri="{FF2B5EF4-FFF2-40B4-BE49-F238E27FC236}">
-                <a16:creationId xmlns="" xmlns:a16="http://schemas.microsoft.com/office/drawing/2014/main" id="{FC6EE53D-2964-4925-B51C-31D899033BB5}"/>
+                <a16:creationId xmlns:a16="http://schemas.microsoft.com/office/drawing/2014/main" xmlns="" id="{FC6EE53D-2964-4925-B51C-31D899033BB5}"/>
               </a:ext>
             </a:extLst>
           </p:cNvPr>
@@ -11439,7 +11439,7 @@
           <p:cNvPr id="15" name="Ellipse 14">
             <a:extLst>
               <a:ext uri="{FF2B5EF4-FFF2-40B4-BE49-F238E27FC236}">
-                <a16:creationId xmlns="" xmlns:a16="http://schemas.microsoft.com/office/drawing/2014/main" id="{58ADDE1C-EA42-455F-8EA6-B8E3BAE0272F}"/>
+                <a16:creationId xmlns:a16="http://schemas.microsoft.com/office/drawing/2014/main" xmlns="" id="{58ADDE1C-EA42-455F-8EA6-B8E3BAE0272F}"/>
               </a:ext>
             </a:extLst>
           </p:cNvPr>
@@ -11485,7 +11485,7 @@
           <p:cNvPr id="16" name="Ellipse 15">
             <a:extLst>
               <a:ext uri="{FF2B5EF4-FFF2-40B4-BE49-F238E27FC236}">
-                <a16:creationId xmlns="" xmlns:a16="http://schemas.microsoft.com/office/drawing/2014/main" id="{896F73C8-8F04-4CC6-97C4-1DD7B5E41760}"/>
+                <a16:creationId xmlns:a16="http://schemas.microsoft.com/office/drawing/2014/main" xmlns="" id="{896F73C8-8F04-4CC6-97C4-1DD7B5E41760}"/>
               </a:ext>
             </a:extLst>
           </p:cNvPr>
@@ -11531,7 +11531,7 @@
           <p:cNvPr id="17" name="Ellipse 16">
             <a:extLst>
               <a:ext uri="{FF2B5EF4-FFF2-40B4-BE49-F238E27FC236}">
-                <a16:creationId xmlns="" xmlns:a16="http://schemas.microsoft.com/office/drawing/2014/main" id="{E834ED1C-E0F9-4D80-BC22-E8D5FF875936}"/>
+                <a16:creationId xmlns:a16="http://schemas.microsoft.com/office/drawing/2014/main" xmlns="" id="{E834ED1C-E0F9-4D80-BC22-E8D5FF875936}"/>
               </a:ext>
             </a:extLst>
           </p:cNvPr>
@@ -11585,7 +11585,7 @@
           <p:cNvPr id="18" name="Ellipse 17">
             <a:extLst>
               <a:ext uri="{FF2B5EF4-FFF2-40B4-BE49-F238E27FC236}">
-                <a16:creationId xmlns="" xmlns:a16="http://schemas.microsoft.com/office/drawing/2014/main" id="{D9C9DB88-0D38-44B0-8D62-510C1934DB2C}"/>
+                <a16:creationId xmlns:a16="http://schemas.microsoft.com/office/drawing/2014/main" xmlns="" id="{D9C9DB88-0D38-44B0-8D62-510C1934DB2C}"/>
               </a:ext>
             </a:extLst>
           </p:cNvPr>
@@ -11639,7 +11639,7 @@
           <p:cNvPr id="19" name="Ellipse 18">
             <a:extLst>
               <a:ext uri="{FF2B5EF4-FFF2-40B4-BE49-F238E27FC236}">
-                <a16:creationId xmlns="" xmlns:a16="http://schemas.microsoft.com/office/drawing/2014/main" id="{AF5D232C-9B44-46DD-9434-43BE9D322187}"/>
+                <a16:creationId xmlns:a16="http://schemas.microsoft.com/office/drawing/2014/main" xmlns="" id="{AF5D232C-9B44-46DD-9434-43BE9D322187}"/>
               </a:ext>
             </a:extLst>
           </p:cNvPr>
@@ -11693,7 +11693,7 @@
           <p:cNvPr id="20" name="Ellipse 19">
             <a:extLst>
               <a:ext uri="{FF2B5EF4-FFF2-40B4-BE49-F238E27FC236}">
-                <a16:creationId xmlns="" xmlns:a16="http://schemas.microsoft.com/office/drawing/2014/main" id="{7DBB5383-166E-4F55-B5DA-3A43707886C8}"/>
+                <a16:creationId xmlns:a16="http://schemas.microsoft.com/office/drawing/2014/main" xmlns="" id="{7DBB5383-166E-4F55-B5DA-3A43707886C8}"/>
               </a:ext>
             </a:extLst>
           </p:cNvPr>
@@ -11747,7 +11747,7 @@
           <p:cNvPr id="21" name="Rechteck 20">
             <a:extLst>
               <a:ext uri="{FF2B5EF4-FFF2-40B4-BE49-F238E27FC236}">
-                <a16:creationId xmlns="" xmlns:a16="http://schemas.microsoft.com/office/drawing/2014/main" id="{557170D4-743C-4500-AC84-115677CC29C7}"/>
+                <a16:creationId xmlns:a16="http://schemas.microsoft.com/office/drawing/2014/main" xmlns="" id="{557170D4-743C-4500-AC84-115677CC29C7}"/>
               </a:ext>
             </a:extLst>
           </p:cNvPr>
@@ -11794,7 +11794,7 @@
           <p:cNvPr id="22" name="Rechteck 21">
             <a:extLst>
               <a:ext uri="{FF2B5EF4-FFF2-40B4-BE49-F238E27FC236}">
-                <a16:creationId xmlns="" xmlns:a16="http://schemas.microsoft.com/office/drawing/2014/main" id="{CB6D8A3C-1082-4255-9556-0AE3CBADAAC2}"/>
+                <a16:creationId xmlns:a16="http://schemas.microsoft.com/office/drawing/2014/main" xmlns="" id="{CB6D8A3C-1082-4255-9556-0AE3CBADAAC2}"/>
               </a:ext>
             </a:extLst>
           </p:cNvPr>
@@ -11846,7 +11846,7 @@
           <p:cNvPr id="23" name="Stern: 5 Zacken 22">
             <a:extLst>
               <a:ext uri="{FF2B5EF4-FFF2-40B4-BE49-F238E27FC236}">
-                <a16:creationId xmlns="" xmlns:a16="http://schemas.microsoft.com/office/drawing/2014/main" id="{30ACAD23-06F1-4109-8CB7-3983EAC26B6E}"/>
+                <a16:creationId xmlns:a16="http://schemas.microsoft.com/office/drawing/2014/main" xmlns="" id="{30ACAD23-06F1-4109-8CB7-3983EAC26B6E}"/>
               </a:ext>
             </a:extLst>
           </p:cNvPr>
@@ -11900,7 +11900,7 @@
           <p:cNvPr id="24" name="Ellipse 23">
             <a:extLst>
               <a:ext uri="{FF2B5EF4-FFF2-40B4-BE49-F238E27FC236}">
-                <a16:creationId xmlns="" xmlns:a16="http://schemas.microsoft.com/office/drawing/2014/main" id="{1E130FB0-31E0-48E1-BBE6-B0DDCA3F1952}"/>
+                <a16:creationId xmlns:a16="http://schemas.microsoft.com/office/drawing/2014/main" xmlns="" id="{1E130FB0-31E0-48E1-BBE6-B0DDCA3F1952}"/>
               </a:ext>
             </a:extLst>
           </p:cNvPr>
@@ -11952,7 +11952,7 @@
           <p:cNvPr id="25" name="Ellipse 24">
             <a:extLst>
               <a:ext uri="{FF2B5EF4-FFF2-40B4-BE49-F238E27FC236}">
-                <a16:creationId xmlns="" xmlns:a16="http://schemas.microsoft.com/office/drawing/2014/main" id="{909F81B8-BBC3-41DE-BFEA-18D8DE20A4A0}"/>
+                <a16:creationId xmlns:a16="http://schemas.microsoft.com/office/drawing/2014/main" xmlns="" id="{909F81B8-BBC3-41DE-BFEA-18D8DE20A4A0}"/>
               </a:ext>
             </a:extLst>
           </p:cNvPr>
@@ -12004,7 +12004,7 @@
           <p:cNvPr id="26" name="Textfeld 25">
             <a:extLst>
               <a:ext uri="{FF2B5EF4-FFF2-40B4-BE49-F238E27FC236}">
-                <a16:creationId xmlns="" xmlns:a16="http://schemas.microsoft.com/office/drawing/2014/main" id="{E1A66F3B-E0D0-47BD-BF9A-2E68700102D7}"/>
+                <a16:creationId xmlns:a16="http://schemas.microsoft.com/office/drawing/2014/main" xmlns="" id="{E1A66F3B-E0D0-47BD-BF9A-2E68700102D7}"/>
               </a:ext>
             </a:extLst>
           </p:cNvPr>
@@ -12687,7 +12687,7 @@
           <p:cNvPr id="2" name="Titel 1">
             <a:extLst>
               <a:ext uri="{FF2B5EF4-FFF2-40B4-BE49-F238E27FC236}">
-                <a16:creationId xmlns="" xmlns:a16="http://schemas.microsoft.com/office/drawing/2014/main" id="{2D19F794-8599-4A1D-A689-743EBDA80DB4}"/>
+                <a16:creationId xmlns:a16="http://schemas.microsoft.com/office/drawing/2014/main" xmlns="" id="{2D19F794-8599-4A1D-A689-743EBDA80DB4}"/>
               </a:ext>
             </a:extLst>
           </p:cNvPr>
@@ -12727,7 +12727,7 @@
           <p:cNvPr id="4" name="Textfeld 3">
             <a:extLst>
               <a:ext uri="{FF2B5EF4-FFF2-40B4-BE49-F238E27FC236}">
-                <a16:creationId xmlns="" xmlns:a16="http://schemas.microsoft.com/office/drawing/2014/main" id="{5E36B305-D4C6-4B27-9782-732C3867DEA7}"/>
+                <a16:creationId xmlns:a16="http://schemas.microsoft.com/office/drawing/2014/main" xmlns="" id="{5E36B305-D4C6-4B27-9782-732C3867DEA7}"/>
               </a:ext>
             </a:extLst>
           </p:cNvPr>
@@ -12937,7 +12937,7 @@
           <p:cNvPr id="6" name="Grafik 5">
             <a:extLst>
               <a:ext uri="{FF2B5EF4-FFF2-40B4-BE49-F238E27FC236}">
-                <a16:creationId xmlns="" xmlns:a16="http://schemas.microsoft.com/office/drawing/2014/main" id="{3AB3E07F-C4FB-411C-B517-DEC84D74B4A1}"/>
+                <a16:creationId xmlns:a16="http://schemas.microsoft.com/office/drawing/2014/main" xmlns="" id="{3AB3E07F-C4FB-411C-B517-DEC84D74B4A1}"/>
               </a:ext>
             </a:extLst>
           </p:cNvPr>
@@ -12973,7 +12973,7 @@
           <p:cNvPr id="7" name="Textfeld 6">
             <a:extLst>
               <a:ext uri="{FF2B5EF4-FFF2-40B4-BE49-F238E27FC236}">
-                <a16:creationId xmlns="" xmlns:a16="http://schemas.microsoft.com/office/drawing/2014/main" id="{4ADB41E8-1FE5-4790-81E4-9FA1EA7A680A}"/>
+                <a16:creationId xmlns:a16="http://schemas.microsoft.com/office/drawing/2014/main" xmlns="" id="{4ADB41E8-1FE5-4790-81E4-9FA1EA7A680A}"/>
               </a:ext>
             </a:extLst>
           </p:cNvPr>
@@ -13026,7 +13026,7 @@
           <p:cNvPr id="8" name="Textfeld 7">
             <a:extLst>
               <a:ext uri="{FF2B5EF4-FFF2-40B4-BE49-F238E27FC236}">
-                <a16:creationId xmlns="" xmlns:a16="http://schemas.microsoft.com/office/drawing/2014/main" id="{E07A373C-1875-4D36-BD3C-049E9516B803}"/>
+                <a16:creationId xmlns:a16="http://schemas.microsoft.com/office/drawing/2014/main" xmlns="" id="{E07A373C-1875-4D36-BD3C-049E9516B803}"/>
               </a:ext>
             </a:extLst>
           </p:cNvPr>
@@ -13122,7 +13122,7 @@
           <p:cNvPr id="2" name="Titel 1">
             <a:extLst>
               <a:ext uri="{FF2B5EF4-FFF2-40B4-BE49-F238E27FC236}">
-                <a16:creationId xmlns="" xmlns:a16="http://schemas.microsoft.com/office/drawing/2014/main" id="{256EF4DE-DBD9-44AA-86D5-14A5C169F82A}"/>
+                <a16:creationId xmlns:a16="http://schemas.microsoft.com/office/drawing/2014/main" xmlns="" id="{256EF4DE-DBD9-44AA-86D5-14A5C169F82A}"/>
               </a:ext>
             </a:extLst>
           </p:cNvPr>
@@ -13178,7 +13178,7 @@
           <p:cNvPr id="4" name="Textfeld 3">
             <a:extLst>
               <a:ext uri="{FF2B5EF4-FFF2-40B4-BE49-F238E27FC236}">
-                <a16:creationId xmlns="" xmlns:a16="http://schemas.microsoft.com/office/drawing/2014/main" id="{AE4C0C6E-2766-45EA-A93B-6AABFDD3F619}"/>
+                <a16:creationId xmlns:a16="http://schemas.microsoft.com/office/drawing/2014/main" xmlns="" id="{AE4C0C6E-2766-45EA-A93B-6AABFDD3F619}"/>
               </a:ext>
             </a:extLst>
           </p:cNvPr>
@@ -13490,7 +13490,7 @@
           <p:cNvPr id="5" name="Grafik 4" descr="Ein Bild, das Text, Karte enthält.&#10;&#10;Automatisch generierte Beschreibung">
             <a:extLst>
               <a:ext uri="{FF2B5EF4-FFF2-40B4-BE49-F238E27FC236}">
-                <a16:creationId xmlns="" xmlns:a16="http://schemas.microsoft.com/office/drawing/2014/main" id="{88B2EE34-B8EE-4BF1-B3D1-6B70C86D7DA7}"/>
+                <a16:creationId xmlns:a16="http://schemas.microsoft.com/office/drawing/2014/main" xmlns="" id="{88B2EE34-B8EE-4BF1-B3D1-6B70C86D7DA7}"/>
               </a:ext>
             </a:extLst>
           </p:cNvPr>
@@ -13525,7 +13525,7 @@
           <p:cNvPr id="7" name="Grafik 6" descr="Ein Bild, das Karte, Text enthält.&#10;&#10;Automatisch generierte Beschreibung">
             <a:extLst>
               <a:ext uri="{FF2B5EF4-FFF2-40B4-BE49-F238E27FC236}">
-                <a16:creationId xmlns="" xmlns:a16="http://schemas.microsoft.com/office/drawing/2014/main" id="{0CBA23CC-576A-4326-8AB4-E0E78200582D}"/>
+                <a16:creationId xmlns:a16="http://schemas.microsoft.com/office/drawing/2014/main" xmlns="" id="{0CBA23CC-576A-4326-8AB4-E0E78200582D}"/>
               </a:ext>
             </a:extLst>
           </p:cNvPr>
@@ -13560,7 +13560,7 @@
           <p:cNvPr id="8" name="Textfeld 7">
             <a:extLst>
               <a:ext uri="{FF2B5EF4-FFF2-40B4-BE49-F238E27FC236}">
-                <a16:creationId xmlns="" xmlns:a16="http://schemas.microsoft.com/office/drawing/2014/main" id="{715A02E8-97E5-43DC-A343-4B63BB73A948}"/>
+                <a16:creationId xmlns:a16="http://schemas.microsoft.com/office/drawing/2014/main" xmlns="" id="{715A02E8-97E5-43DC-A343-4B63BB73A948}"/>
               </a:ext>
             </a:extLst>
           </p:cNvPr>
@@ -13710,7 +13710,7 @@
           <p:cNvPr id="2" name="Titel 1">
             <a:extLst>
               <a:ext uri="{FF2B5EF4-FFF2-40B4-BE49-F238E27FC236}">
-                <a16:creationId xmlns="" xmlns:a16="http://schemas.microsoft.com/office/drawing/2014/main" id="{3A0DF07A-A6C0-4B8E-B7C2-439EA1742EBF}"/>
+                <a16:creationId xmlns:a16="http://schemas.microsoft.com/office/drawing/2014/main" xmlns="" id="{3A0DF07A-A6C0-4B8E-B7C2-439EA1742EBF}"/>
               </a:ext>
             </a:extLst>
           </p:cNvPr>
@@ -13739,7 +13739,7 @@
           <p:cNvPr id="4" name="Textfeld 3">
             <a:extLst>
               <a:ext uri="{FF2B5EF4-FFF2-40B4-BE49-F238E27FC236}">
-                <a16:creationId xmlns="" xmlns:a16="http://schemas.microsoft.com/office/drawing/2014/main" id="{E0AF8BE7-4D29-4120-8B6C-C0617FC4823E}"/>
+                <a16:creationId xmlns:a16="http://schemas.microsoft.com/office/drawing/2014/main" xmlns="" id="{E0AF8BE7-4D29-4120-8B6C-C0617FC4823E}"/>
               </a:ext>
             </a:extLst>
           </p:cNvPr>
@@ -13874,7 +13874,7 @@
           <p:cNvPr id="5" name="Grafik 4">
             <a:extLst>
               <a:ext uri="{FF2B5EF4-FFF2-40B4-BE49-F238E27FC236}">
-                <a16:creationId xmlns="" xmlns:a16="http://schemas.microsoft.com/office/drawing/2014/main" id="{7EACE29B-80D8-462B-B157-449C327A0E60}"/>
+                <a16:creationId xmlns:a16="http://schemas.microsoft.com/office/drawing/2014/main" xmlns="" id="{7EACE29B-80D8-462B-B157-449C327A0E60}"/>
               </a:ext>
             </a:extLst>
           </p:cNvPr>
@@ -13910,7 +13910,7 @@
           <p:cNvPr id="7" name="Pfeil: nach rechts 6">
             <a:extLst>
               <a:ext uri="{FF2B5EF4-FFF2-40B4-BE49-F238E27FC236}">
-                <a16:creationId xmlns="" xmlns:a16="http://schemas.microsoft.com/office/drawing/2014/main" id="{EBAB8428-19FC-46B4-86D1-06DA423F5159}"/>
+                <a16:creationId xmlns:a16="http://schemas.microsoft.com/office/drawing/2014/main" xmlns="" id="{EBAB8428-19FC-46B4-86D1-06DA423F5159}"/>
               </a:ext>
             </a:extLst>
           </p:cNvPr>
@@ -13956,7 +13956,7 @@
           <p:cNvPr id="8" name="Textfeld 7">
             <a:extLst>
               <a:ext uri="{FF2B5EF4-FFF2-40B4-BE49-F238E27FC236}">
-                <a16:creationId xmlns="" xmlns:a16="http://schemas.microsoft.com/office/drawing/2014/main" id="{4B38B57E-ED9C-41B4-B178-0A690D45CEFC}"/>
+                <a16:creationId xmlns:a16="http://schemas.microsoft.com/office/drawing/2014/main" xmlns="" id="{4B38B57E-ED9C-41B4-B178-0A690D45CEFC}"/>
               </a:ext>
             </a:extLst>
           </p:cNvPr>
@@ -14049,7 +14049,7 @@
           <p:cNvPr id="9" name="Textfeld 8">
             <a:extLst>
               <a:ext uri="{FF2B5EF4-FFF2-40B4-BE49-F238E27FC236}">
-                <a16:creationId xmlns="" xmlns:a16="http://schemas.microsoft.com/office/drawing/2014/main" id="{B8B5B46E-131F-4826-B800-2829288C4A99}"/>
+                <a16:creationId xmlns:a16="http://schemas.microsoft.com/office/drawing/2014/main" xmlns="" id="{B8B5B46E-131F-4826-B800-2829288C4A99}"/>
               </a:ext>
             </a:extLst>
           </p:cNvPr>
@@ -14105,7 +14105,7 @@
           <p:cNvPr id="10" name="Tabelle 9">
             <a:extLst>
               <a:ext uri="{FF2B5EF4-FFF2-40B4-BE49-F238E27FC236}">
-                <a16:creationId xmlns="" xmlns:a16="http://schemas.microsoft.com/office/drawing/2014/main" id="{1359DF27-0431-40C1-AAEA-10323C33B724}"/>
+                <a16:creationId xmlns:a16="http://schemas.microsoft.com/office/drawing/2014/main" xmlns="" id="{1359DF27-0431-40C1-AAEA-10323C33B724}"/>
               </a:ext>
             </a:extLst>
           </p:cNvPr>
@@ -14134,28 +14134,28 @@
                 <a:gridCol w="1127349">
                   <a:extLst>
                     <a:ext uri="{9D8B030D-6E8A-4147-A177-3AD203B41FA5}">
-                      <a16:colId xmlns="" xmlns:a16="http://schemas.microsoft.com/office/drawing/2014/main" val="2935268419"/>
+                      <a16:colId xmlns:a16="http://schemas.microsoft.com/office/drawing/2014/main" xmlns="" val="2935268419"/>
                     </a:ext>
                   </a:extLst>
                 </a:gridCol>
                 <a:gridCol w="1041139">
                   <a:extLst>
                     <a:ext uri="{9D8B030D-6E8A-4147-A177-3AD203B41FA5}">
-                      <a16:colId xmlns="" xmlns:a16="http://schemas.microsoft.com/office/drawing/2014/main" val="3573326846"/>
+                      <a16:colId xmlns:a16="http://schemas.microsoft.com/office/drawing/2014/main" xmlns="" val="3573326846"/>
                     </a:ext>
                   </a:extLst>
                 </a:gridCol>
                 <a:gridCol w="1127349">
                   <a:extLst>
                     <a:ext uri="{9D8B030D-6E8A-4147-A177-3AD203B41FA5}">
-                      <a16:colId xmlns="" xmlns:a16="http://schemas.microsoft.com/office/drawing/2014/main" val="3540853296"/>
+                      <a16:colId xmlns:a16="http://schemas.microsoft.com/office/drawing/2014/main" xmlns="" val="3540853296"/>
                     </a:ext>
                   </a:extLst>
                 </a:gridCol>
                 <a:gridCol w="1127349">
                   <a:extLst>
                     <a:ext uri="{9D8B030D-6E8A-4147-A177-3AD203B41FA5}">
-                      <a16:colId xmlns="" xmlns:a16="http://schemas.microsoft.com/office/drawing/2014/main" val="174494649"/>
+                      <a16:colId xmlns:a16="http://schemas.microsoft.com/office/drawing/2014/main" xmlns="" val="174494649"/>
                     </a:ext>
                   </a:extLst>
                 </a:gridCol>
@@ -14216,7 +14216,7 @@
                 </a:tc>
                 <a:extLst>
                   <a:ext uri="{0D108BD9-81ED-4DB2-BD59-A6C34878D82A}">
-                    <a16:rowId xmlns="" xmlns:a16="http://schemas.microsoft.com/office/drawing/2014/main" val="2824275686"/>
+                    <a16:rowId xmlns:a16="http://schemas.microsoft.com/office/drawing/2014/main" xmlns="" val="2824275686"/>
                   </a:ext>
                 </a:extLst>
               </a:tr>
@@ -14279,7 +14279,7 @@
                 </a:tc>
                 <a:extLst>
                   <a:ext uri="{0D108BD9-81ED-4DB2-BD59-A6C34878D82A}">
-                    <a16:rowId xmlns="" xmlns:a16="http://schemas.microsoft.com/office/drawing/2014/main" val="1457480322"/>
+                    <a16:rowId xmlns:a16="http://schemas.microsoft.com/office/drawing/2014/main" xmlns="" val="1457480322"/>
                   </a:ext>
                 </a:extLst>
               </a:tr>
@@ -14342,7 +14342,7 @@
                 </a:tc>
                 <a:extLst>
                   <a:ext uri="{0D108BD9-81ED-4DB2-BD59-A6C34878D82A}">
-                    <a16:rowId xmlns="" xmlns:a16="http://schemas.microsoft.com/office/drawing/2014/main" val="3884194282"/>
+                    <a16:rowId xmlns:a16="http://schemas.microsoft.com/office/drawing/2014/main" xmlns="" val="3884194282"/>
                   </a:ext>
                 </a:extLst>
               </a:tr>
@@ -14405,7 +14405,7 @@
                 </a:tc>
                 <a:extLst>
                   <a:ext uri="{0D108BD9-81ED-4DB2-BD59-A6C34878D82A}">
-                    <a16:rowId xmlns="" xmlns:a16="http://schemas.microsoft.com/office/drawing/2014/main" val="2216999364"/>
+                    <a16:rowId xmlns:a16="http://schemas.microsoft.com/office/drawing/2014/main" xmlns="" val="2216999364"/>
                   </a:ext>
                 </a:extLst>
               </a:tr>
@@ -14468,7 +14468,7 @@
                 </a:tc>
                 <a:extLst>
                   <a:ext uri="{0D108BD9-81ED-4DB2-BD59-A6C34878D82A}">
-                    <a16:rowId xmlns="" xmlns:a16="http://schemas.microsoft.com/office/drawing/2014/main" val="1739809223"/>
+                    <a16:rowId xmlns:a16="http://schemas.microsoft.com/office/drawing/2014/main" xmlns="" val="1739809223"/>
                   </a:ext>
                 </a:extLst>
               </a:tr>
@@ -14531,7 +14531,7 @@
                 </a:tc>
                 <a:extLst>
                   <a:ext uri="{0D108BD9-81ED-4DB2-BD59-A6C34878D82A}">
-                    <a16:rowId xmlns="" xmlns:a16="http://schemas.microsoft.com/office/drawing/2014/main" val="3065424001"/>
+                    <a16:rowId xmlns:a16="http://schemas.microsoft.com/office/drawing/2014/main" xmlns="" val="3065424001"/>
                   </a:ext>
                 </a:extLst>
               </a:tr>
@@ -14581,7 +14581,7 @@
           <p:cNvPr id="2" name="Titel 1">
             <a:extLst>
               <a:ext uri="{FF2B5EF4-FFF2-40B4-BE49-F238E27FC236}">
-                <a16:creationId xmlns="" xmlns:a16="http://schemas.microsoft.com/office/drawing/2014/main" id="{FD425221-F4E0-416C-8FB0-F41F029F15A2}"/>
+                <a16:creationId xmlns:a16="http://schemas.microsoft.com/office/drawing/2014/main" xmlns="" id="{FD425221-F4E0-416C-8FB0-F41F029F15A2}"/>
               </a:ext>
             </a:extLst>
           </p:cNvPr>
@@ -14610,7 +14610,7 @@
           <p:cNvPr id="4" name="Rechteck 3">
             <a:extLst>
               <a:ext uri="{FF2B5EF4-FFF2-40B4-BE49-F238E27FC236}">
-                <a16:creationId xmlns="" xmlns:a16="http://schemas.microsoft.com/office/drawing/2014/main" id="{3C144FCF-8160-45CB-AF72-B1E01D48110B}"/>
+                <a16:creationId xmlns:a16="http://schemas.microsoft.com/office/drawing/2014/main" xmlns="" id="{3C144FCF-8160-45CB-AF72-B1E01D48110B}"/>
               </a:ext>
             </a:extLst>
           </p:cNvPr>
@@ -14687,7 +14687,7 @@
           <p:cNvPr id="5" name="Rechteck 4">
             <a:extLst>
               <a:ext uri="{FF2B5EF4-FFF2-40B4-BE49-F238E27FC236}">
-                <a16:creationId xmlns="" xmlns:a16="http://schemas.microsoft.com/office/drawing/2014/main" id="{D20448F9-72C8-413F-9D70-4409E2DE11C8}"/>
+                <a16:creationId xmlns:a16="http://schemas.microsoft.com/office/drawing/2014/main" xmlns="" id="{D20448F9-72C8-413F-9D70-4409E2DE11C8}"/>
               </a:ext>
             </a:extLst>
           </p:cNvPr>
@@ -14743,7 +14743,7 @@
           <p:cNvPr id="6" name="Rechteck 5">
             <a:extLst>
               <a:ext uri="{FF2B5EF4-FFF2-40B4-BE49-F238E27FC236}">
-                <a16:creationId xmlns="" xmlns:a16="http://schemas.microsoft.com/office/drawing/2014/main" id="{5180D00F-FD97-4A25-8D38-2CA232B64C83}"/>
+                <a16:creationId xmlns:a16="http://schemas.microsoft.com/office/drawing/2014/main" xmlns="" id="{5180D00F-FD97-4A25-8D38-2CA232B64C83}"/>
               </a:ext>
             </a:extLst>
           </p:cNvPr>
@@ -14799,7 +14799,7 @@
           <p:cNvPr id="7" name="Rechteck 6">
             <a:extLst>
               <a:ext uri="{FF2B5EF4-FFF2-40B4-BE49-F238E27FC236}">
-                <a16:creationId xmlns="" xmlns:a16="http://schemas.microsoft.com/office/drawing/2014/main" id="{A3652C8A-EF34-443B-BEB8-8B5DF46B51EB}"/>
+                <a16:creationId xmlns:a16="http://schemas.microsoft.com/office/drawing/2014/main" xmlns="" id="{A3652C8A-EF34-443B-BEB8-8B5DF46B51EB}"/>
               </a:ext>
             </a:extLst>
           </p:cNvPr>
@@ -14864,7 +14864,7 @@
           <p:cNvPr id="8" name="Rechteck 7">
             <a:extLst>
               <a:ext uri="{FF2B5EF4-FFF2-40B4-BE49-F238E27FC236}">
-                <a16:creationId xmlns="" xmlns:a16="http://schemas.microsoft.com/office/drawing/2014/main" id="{CB67835D-B0D2-4792-AD45-26DF015FBC36}"/>
+                <a16:creationId xmlns:a16="http://schemas.microsoft.com/office/drawing/2014/main" xmlns="" id="{CB67835D-B0D2-4792-AD45-26DF015FBC36}"/>
               </a:ext>
             </a:extLst>
           </p:cNvPr>
@@ -14921,7 +14921,7 @@
           <p:cNvPr id="9" name="Rechteck 8">
             <a:extLst>
               <a:ext uri="{FF2B5EF4-FFF2-40B4-BE49-F238E27FC236}">
-                <a16:creationId xmlns="" xmlns:a16="http://schemas.microsoft.com/office/drawing/2014/main" id="{D252AD02-69CE-4013-B9CC-1224A53A42F3}"/>
+                <a16:creationId xmlns:a16="http://schemas.microsoft.com/office/drawing/2014/main" xmlns="" id="{D252AD02-69CE-4013-B9CC-1224A53A42F3}"/>
               </a:ext>
             </a:extLst>
           </p:cNvPr>
@@ -14994,7 +14994,7 @@
           <p:cNvPr id="10" name="Rechteck 9">
             <a:extLst>
               <a:ext uri="{FF2B5EF4-FFF2-40B4-BE49-F238E27FC236}">
-                <a16:creationId xmlns="" xmlns:a16="http://schemas.microsoft.com/office/drawing/2014/main" id="{3FCA1C79-AB5E-4320-A47F-958AE6BBE9F2}"/>
+                <a16:creationId xmlns:a16="http://schemas.microsoft.com/office/drawing/2014/main" xmlns="" id="{3FCA1C79-AB5E-4320-A47F-958AE6BBE9F2}"/>
               </a:ext>
             </a:extLst>
           </p:cNvPr>
@@ -15003,7 +15003,7 @@
         </p:nvSpPr>
         <p:spPr>
           <a:xfrm>
-            <a:off x="5662612" y="1936866"/>
+            <a:off x="291120" y="4565901"/>
             <a:ext cx="2799743" cy="570114"/>
           </a:xfrm>
           <a:prstGeom prst="rect">
@@ -15075,7 +15075,7 @@
           <p:cNvPr id="12" name="Gerade Verbindung mit Pfeil 11">
             <a:extLst>
               <a:ext uri="{FF2B5EF4-FFF2-40B4-BE49-F238E27FC236}">
-                <a16:creationId xmlns="" xmlns:a16="http://schemas.microsoft.com/office/drawing/2014/main" id="{FBD46719-C1A0-4F14-B082-F80632595B0B}"/>
+                <a16:creationId xmlns:a16="http://schemas.microsoft.com/office/drawing/2014/main" xmlns="" id="{FBD46719-C1A0-4F14-B082-F80632595B0B}"/>
               </a:ext>
             </a:extLst>
           </p:cNvPr>
@@ -15117,19 +15117,18 @@
           <p:cNvPr id="15" name="Gerade Verbindung mit Pfeil 14">
             <a:extLst>
               <a:ext uri="{FF2B5EF4-FFF2-40B4-BE49-F238E27FC236}">
-                <a16:creationId xmlns="" xmlns:a16="http://schemas.microsoft.com/office/drawing/2014/main" id="{F73EB8DE-6007-4698-90F1-AB21DE6D8866}"/>
+                <a16:creationId xmlns:a16="http://schemas.microsoft.com/office/drawing/2014/main" xmlns="" id="{F73EB8DE-6007-4698-90F1-AB21DE6D8866}"/>
               </a:ext>
             </a:extLst>
           </p:cNvPr>
           <p:cNvCxnSpPr>
             <a:cxnSpLocks/>
-            <a:stCxn id="10" idx="2"/>
           </p:cNvCxnSpPr>
           <p:nvPr/>
         </p:nvCxnSpPr>
         <p:spPr>
           <a:xfrm flipH="1">
-            <a:off x="5857876" y="2506980"/>
+            <a:off x="2950061" y="3775231"/>
             <a:ext cx="1204608" cy="741045"/>
           </a:xfrm>
           <a:prstGeom prst="straightConnector1">
@@ -15159,7 +15158,7 @@
           <p:cNvPr id="17" name="Gerade Verbindung mit Pfeil 16">
             <a:extLst>
               <a:ext uri="{FF2B5EF4-FFF2-40B4-BE49-F238E27FC236}">
-                <a16:creationId xmlns="" xmlns:a16="http://schemas.microsoft.com/office/drawing/2014/main" id="{68EA95B4-1972-46D5-B3E8-2705355D8206}"/>
+                <a16:creationId xmlns:a16="http://schemas.microsoft.com/office/drawing/2014/main" xmlns="" id="{68EA95B4-1972-46D5-B3E8-2705355D8206}"/>
               </a:ext>
             </a:extLst>
           </p:cNvPr>
@@ -15200,7 +15199,7 @@
           <p:cNvPr id="21" name="Gerade Verbindung mit Pfeil 20">
             <a:extLst>
               <a:ext uri="{FF2B5EF4-FFF2-40B4-BE49-F238E27FC236}">
-                <a16:creationId xmlns="" xmlns:a16="http://schemas.microsoft.com/office/drawing/2014/main" id="{2714CC57-CF7B-4DC0-923E-1DF969389D60}"/>
+                <a16:creationId xmlns:a16="http://schemas.microsoft.com/office/drawing/2014/main" xmlns="" id="{2714CC57-CF7B-4DC0-923E-1DF969389D60}"/>
               </a:ext>
             </a:extLst>
           </p:cNvPr>
@@ -15241,7 +15240,7 @@
           <p:cNvPr id="23" name="Gerade Verbindung mit Pfeil 22">
             <a:extLst>
               <a:ext uri="{FF2B5EF4-FFF2-40B4-BE49-F238E27FC236}">
-                <a16:creationId xmlns="" xmlns:a16="http://schemas.microsoft.com/office/drawing/2014/main" id="{B8AA6557-3089-4109-B91D-BFBCE8968F0A}"/>
+                <a16:creationId xmlns:a16="http://schemas.microsoft.com/office/drawing/2014/main" xmlns="" id="{B8AA6557-3089-4109-B91D-BFBCE8968F0A}"/>
               </a:ext>
             </a:extLst>
           </p:cNvPr>
@@ -15283,7 +15282,7 @@
           <p:cNvPr id="27" name="Gerade Verbindung mit Pfeil 26">
             <a:extLst>
               <a:ext uri="{FF2B5EF4-FFF2-40B4-BE49-F238E27FC236}">
-                <a16:creationId xmlns="" xmlns:a16="http://schemas.microsoft.com/office/drawing/2014/main" id="{3E4A8C46-F5FD-47C9-BD8D-0E332217A07E}"/>
+                <a16:creationId xmlns:a16="http://schemas.microsoft.com/office/drawing/2014/main" xmlns="" id="{3E4A8C46-F5FD-47C9-BD8D-0E332217A07E}"/>
               </a:ext>
             </a:extLst>
           </p:cNvPr>
@@ -15325,7 +15324,7 @@
           <p:cNvPr id="29" name="Textfeld 28">
             <a:extLst>
               <a:ext uri="{FF2B5EF4-FFF2-40B4-BE49-F238E27FC236}">
-                <a16:creationId xmlns="" xmlns:a16="http://schemas.microsoft.com/office/drawing/2014/main" id="{B0FF87C3-674E-402E-9DF8-D2DBC94CBFD1}"/>
+                <a16:creationId xmlns:a16="http://schemas.microsoft.com/office/drawing/2014/main" xmlns="" id="{B0FF87C3-674E-402E-9DF8-D2DBC94CBFD1}"/>
               </a:ext>
             </a:extLst>
           </p:cNvPr>
@@ -15376,7 +15375,7 @@
           <p:cNvPr id="30" name="Rechteck 29">
             <a:extLst>
               <a:ext uri="{FF2B5EF4-FFF2-40B4-BE49-F238E27FC236}">
-                <a16:creationId xmlns="" xmlns:a16="http://schemas.microsoft.com/office/drawing/2014/main" id="{D462E61F-36B7-4D4E-8D16-AA0A2D4CD544}"/>
+                <a16:creationId xmlns:a16="http://schemas.microsoft.com/office/drawing/2014/main" xmlns="" id="{D462E61F-36B7-4D4E-8D16-AA0A2D4CD544}"/>
               </a:ext>
             </a:extLst>
           </p:cNvPr>
@@ -15501,7 +15500,7 @@
           <p:cNvPr id="11" name="Gerade Verbindung mit Pfeil 10">
             <a:extLst>
               <a:ext uri="{FF2B5EF4-FFF2-40B4-BE49-F238E27FC236}">
-                <a16:creationId xmlns="" xmlns:a16="http://schemas.microsoft.com/office/drawing/2014/main" id="{9F99904B-1C35-42EB-9645-2E61A3ECB860}"/>
+                <a16:creationId xmlns:a16="http://schemas.microsoft.com/office/drawing/2014/main" xmlns="" id="{9F99904B-1C35-42EB-9645-2E61A3ECB860}"/>
               </a:ext>
             </a:extLst>
           </p:cNvPr>
@@ -15542,7 +15541,7 @@
           <p:cNvPr id="22" name="Rechteck 29">
             <a:extLst>
               <a:ext uri="{FF2B5EF4-FFF2-40B4-BE49-F238E27FC236}">
-                <a16:creationId xmlns="" xmlns:a16="http://schemas.microsoft.com/office/drawing/2014/main" id="{D462E61F-36B7-4D4E-8D16-AA0A2D4CD544}"/>
+                <a16:creationId xmlns:a16="http://schemas.microsoft.com/office/drawing/2014/main" xmlns="" id="{D462E61F-36B7-4D4E-8D16-AA0A2D4CD544}"/>
               </a:ext>
             </a:extLst>
           </p:cNvPr>
@@ -15607,62 +15606,19 @@
           <p:cNvPr id="24" name="Gerade Verbindung mit Pfeil 14">
             <a:extLst>
               <a:ext uri="{FF2B5EF4-FFF2-40B4-BE49-F238E27FC236}">
-                <a16:creationId xmlns="" xmlns:a16="http://schemas.microsoft.com/office/drawing/2014/main" id="{F73EB8DE-6007-4698-90F1-AB21DE6D8866}"/>
+                <a16:creationId xmlns:a16="http://schemas.microsoft.com/office/drawing/2014/main" xmlns="" id="{F73EB8DE-6007-4698-90F1-AB21DE6D8866}"/>
               </a:ext>
             </a:extLst>
           </p:cNvPr>
           <p:cNvCxnSpPr>
             <a:cxnSpLocks/>
-            <a:stCxn id="30" idx="1"/>
           </p:cNvCxnSpPr>
           <p:nvPr/>
         </p:nvCxnSpPr>
         <p:spPr>
-          <a:xfrm flipH="1">
-            <a:off x="6866315" y="2526059"/>
-            <a:ext cx="2176025" cy="820145"/>
-          </a:xfrm>
-          <a:prstGeom prst="straightConnector1">
-            <a:avLst/>
-          </a:prstGeom>
-          <a:ln>
-            <a:tailEnd type="triangle"/>
-          </a:ln>
-        </p:spPr>
-        <p:style>
-          <a:lnRef idx="2">
-            <a:schemeClr val="dk1"/>
-          </a:lnRef>
-          <a:fillRef idx="0">
-            <a:schemeClr val="dk1"/>
-          </a:fillRef>
-          <a:effectRef idx="1">
-            <a:schemeClr val="dk1"/>
-          </a:effectRef>
-          <a:fontRef idx="minor">
-            <a:schemeClr val="tx1"/>
-          </a:fontRef>
-        </p:style>
-      </p:cxnSp>
-      <p:cxnSp>
-        <p:nvCxnSpPr>
-          <p:cNvPr id="28" name="Gerade Verbindung mit Pfeil 14">
-            <a:extLst>
-              <a:ext uri="{FF2B5EF4-FFF2-40B4-BE49-F238E27FC236}">
-                <a16:creationId xmlns="" xmlns:a16="http://schemas.microsoft.com/office/drawing/2014/main" id="{F73EB8DE-6007-4698-90F1-AB21DE6D8866}"/>
-              </a:ext>
-            </a:extLst>
-          </p:cNvPr>
-          <p:cNvCxnSpPr>
-            <a:cxnSpLocks/>
-            <a:stCxn id="22" idx="1"/>
-          </p:cNvCxnSpPr>
-          <p:nvPr/>
-        </p:nvCxnSpPr>
-        <p:spPr>
-          <a:xfrm flipH="1" flipV="1">
-            <a:off x="7018717" y="3565683"/>
-            <a:ext cx="2496760" cy="20274"/>
+          <a:xfrm flipV="1">
+            <a:off x="6492240" y="2426075"/>
+            <a:ext cx="2550100" cy="987206"/>
           </a:xfrm>
           <a:prstGeom prst="straightConnector1">
             <a:avLst/>
@@ -15691,7 +15647,7 @@
           <p:cNvPr id="31" name="Gerade Verbindung mit Pfeil 14">
             <a:extLst>
               <a:ext uri="{FF2B5EF4-FFF2-40B4-BE49-F238E27FC236}">
-                <a16:creationId xmlns="" xmlns:a16="http://schemas.microsoft.com/office/drawing/2014/main" id="{F73EB8DE-6007-4698-90F1-AB21DE6D8866}"/>
+                <a16:creationId xmlns:a16="http://schemas.microsoft.com/office/drawing/2014/main" xmlns="" id="{F73EB8DE-6007-4698-90F1-AB21DE6D8866}"/>
               </a:ext>
             </a:extLst>
           </p:cNvPr>
@@ -17013,7 +16969,7 @@
   <a:extraClrSchemeLst/>
   <a:extLst>
     <a:ext uri="{05A4C25C-085E-4340-85A3-A5531E510DB2}">
-      <thm15:themeFamily xmlns="" xmlns:thm15="http://schemas.microsoft.com/office/thememl/2012/main" name="Retrospect" id="{5F128B03-DCCA-4EEB-AB3B-CF2899314A46}" vid="{9CC26709-368C-4D72-9060-94E5B3FF3CD6}"/>
+      <thm15:themeFamily xmlns:thm15="http://schemas.microsoft.com/office/thememl/2012/main" xmlns="" name="Retrospect" id="{5F128B03-DCCA-4EEB-AB3B-CF2899314A46}" vid="{9CC26709-368C-4D72-9060-94E5B3FF3CD6}"/>
     </a:ext>
   </a:extLst>
 </a:theme>

--- a/Vortrag1.pptx
+++ b/Vortrag1.pptx
@@ -116,7 +116,7 @@
   </p:defaultTextStyle>
   <p:extLst>
     <p:ext uri="{EFAFB233-063F-42B5-8137-9DF3F51BA10A}">
-      <p15:sldGuideLst xmlns:p15="http://schemas.microsoft.com/office/powerpoint/2012/main" xmlns=""/>
+      <p15:sldGuideLst xmlns="" xmlns:p15="http://schemas.microsoft.com/office/powerpoint/2012/main"/>
     </p:ext>
   </p:extLst>
 </p:presentation>
@@ -9571,7 +9571,7 @@
           <p:cNvPr id="2" name="Titel 1">
             <a:extLst>
               <a:ext uri="{FF2B5EF4-FFF2-40B4-BE49-F238E27FC236}">
-                <a16:creationId xmlns:a16="http://schemas.microsoft.com/office/drawing/2014/main" xmlns="" id="{90A6468B-D0CD-4DC7-A3AD-DA2E2B071416}"/>
+                <a16:creationId xmlns="" xmlns:a16="http://schemas.microsoft.com/office/drawing/2014/main" id="{90A6468B-D0CD-4DC7-A3AD-DA2E2B071416}"/>
               </a:ext>
             </a:extLst>
           </p:cNvPr>
@@ -9599,7 +9599,7 @@
           <p:cNvPr id="3" name="Untertitel 2">
             <a:extLst>
               <a:ext uri="{FF2B5EF4-FFF2-40B4-BE49-F238E27FC236}">
-                <a16:creationId xmlns:a16="http://schemas.microsoft.com/office/drawing/2014/main" xmlns="" id="{65A5BDD7-952D-4603-93C5-6E59619C765A}"/>
+                <a16:creationId xmlns="" xmlns:a16="http://schemas.microsoft.com/office/drawing/2014/main" id="{65A5BDD7-952D-4603-93C5-6E59619C765A}"/>
               </a:ext>
             </a:extLst>
           </p:cNvPr>
@@ -9657,7 +9657,7 @@
           <p:cNvPr id="2" name="Titel 1">
             <a:extLst>
               <a:ext uri="{FF2B5EF4-FFF2-40B4-BE49-F238E27FC236}">
-                <a16:creationId xmlns:a16="http://schemas.microsoft.com/office/drawing/2014/main" xmlns="" id="{40A94760-C413-460F-B002-DE3FCCA70BA3}"/>
+                <a16:creationId xmlns="" xmlns:a16="http://schemas.microsoft.com/office/drawing/2014/main" id="{40A94760-C413-460F-B002-DE3FCCA70BA3}"/>
               </a:ext>
             </a:extLst>
           </p:cNvPr>
@@ -9685,7 +9685,7 @@
           <p:cNvPr id="5" name="Grafik 4">
             <a:extLst>
               <a:ext uri="{FF2B5EF4-FFF2-40B4-BE49-F238E27FC236}">
-                <a16:creationId xmlns:a16="http://schemas.microsoft.com/office/drawing/2014/main" xmlns="" id="{57A3AA90-FDF7-4D08-B8F5-9FF4A8D4BC7E}"/>
+                <a16:creationId xmlns="" xmlns:a16="http://schemas.microsoft.com/office/drawing/2014/main" id="{57A3AA90-FDF7-4D08-B8F5-9FF4A8D4BC7E}"/>
               </a:ext>
             </a:extLst>
           </p:cNvPr>
@@ -9721,7 +9721,7 @@
           <p:cNvPr id="6" name="Textfeld 5">
             <a:extLst>
               <a:ext uri="{FF2B5EF4-FFF2-40B4-BE49-F238E27FC236}">
-                <a16:creationId xmlns:a16="http://schemas.microsoft.com/office/drawing/2014/main" xmlns="" id="{6AA4F5E1-8797-42F3-A52D-711C0EF03F4D}"/>
+                <a16:creationId xmlns="" xmlns:a16="http://schemas.microsoft.com/office/drawing/2014/main" id="{6AA4F5E1-8797-42F3-A52D-711C0EF03F4D}"/>
               </a:ext>
             </a:extLst>
           </p:cNvPr>
@@ -10044,7 +10044,7 @@
           <p:cNvPr id="2" name="Titel 1">
             <a:extLst>
               <a:ext uri="{FF2B5EF4-FFF2-40B4-BE49-F238E27FC236}">
-                <a16:creationId xmlns:a16="http://schemas.microsoft.com/office/drawing/2014/main" xmlns="" id="{6239617A-843A-48A9-B1A1-5A51ECFC1EAB}"/>
+                <a16:creationId xmlns="" xmlns:a16="http://schemas.microsoft.com/office/drawing/2014/main" id="{6239617A-843A-48A9-B1A1-5A51ECFC1EAB}"/>
               </a:ext>
             </a:extLst>
           </p:cNvPr>
@@ -10077,7 +10077,7 @@
           <p:cNvPr id="5" name="Grafik 4">
             <a:extLst>
               <a:ext uri="{FF2B5EF4-FFF2-40B4-BE49-F238E27FC236}">
-                <a16:creationId xmlns:a16="http://schemas.microsoft.com/office/drawing/2014/main" xmlns="" id="{4D499231-1623-4F5D-81A2-30732BDEC5EE}"/>
+                <a16:creationId xmlns="" xmlns:a16="http://schemas.microsoft.com/office/drawing/2014/main" id="{4D499231-1623-4F5D-81A2-30732BDEC5EE}"/>
               </a:ext>
             </a:extLst>
           </p:cNvPr>
@@ -10113,7 +10113,7 @@
           <p:cNvPr id="6" name="Tabelle 5">
             <a:extLst>
               <a:ext uri="{FF2B5EF4-FFF2-40B4-BE49-F238E27FC236}">
-                <a16:creationId xmlns:a16="http://schemas.microsoft.com/office/drawing/2014/main" xmlns="" id="{078A32C6-762C-44BB-BFAD-E9CCE572CA41}"/>
+                <a16:creationId xmlns="" xmlns:a16="http://schemas.microsoft.com/office/drawing/2014/main" id="{078A32C6-762C-44BB-BFAD-E9CCE572CA41}"/>
               </a:ext>
             </a:extLst>
           </p:cNvPr>
@@ -10142,42 +10142,42 @@
                 <a:gridCol w="1204914">
                   <a:extLst>
                     <a:ext uri="{9D8B030D-6E8A-4147-A177-3AD203B41FA5}">
-                      <a16:colId xmlns:a16="http://schemas.microsoft.com/office/drawing/2014/main" xmlns="" val="2935268419"/>
+                      <a16:colId xmlns="" xmlns:a16="http://schemas.microsoft.com/office/drawing/2014/main" val="2935268419"/>
                     </a:ext>
                   </a:extLst>
                 </a:gridCol>
                 <a:gridCol w="1112773">
                   <a:extLst>
                     <a:ext uri="{9D8B030D-6E8A-4147-A177-3AD203B41FA5}">
-                      <a16:colId xmlns:a16="http://schemas.microsoft.com/office/drawing/2014/main" xmlns="" val="3573326846"/>
+                      <a16:colId xmlns="" xmlns:a16="http://schemas.microsoft.com/office/drawing/2014/main" val="3573326846"/>
                     </a:ext>
                   </a:extLst>
                 </a:gridCol>
                 <a:gridCol w="1297045">
                   <a:extLst>
                     <a:ext uri="{9D8B030D-6E8A-4147-A177-3AD203B41FA5}">
-                      <a16:colId xmlns:a16="http://schemas.microsoft.com/office/drawing/2014/main" xmlns="" val="3944536420"/>
+                      <a16:colId xmlns="" xmlns:a16="http://schemas.microsoft.com/office/drawing/2014/main" val="3944536420"/>
                     </a:ext>
                   </a:extLst>
                 </a:gridCol>
                 <a:gridCol w="1204914">
                   <a:extLst>
                     <a:ext uri="{9D8B030D-6E8A-4147-A177-3AD203B41FA5}">
-                      <a16:colId xmlns:a16="http://schemas.microsoft.com/office/drawing/2014/main" xmlns="" val="1040886641"/>
+                      <a16:colId xmlns="" xmlns:a16="http://schemas.microsoft.com/office/drawing/2014/main" val="1040886641"/>
                     </a:ext>
                   </a:extLst>
                 </a:gridCol>
                 <a:gridCol w="1204914">
                   <a:extLst>
                     <a:ext uri="{9D8B030D-6E8A-4147-A177-3AD203B41FA5}">
-                      <a16:colId xmlns:a16="http://schemas.microsoft.com/office/drawing/2014/main" xmlns="" val="3540853296"/>
+                      <a16:colId xmlns="" xmlns:a16="http://schemas.microsoft.com/office/drawing/2014/main" val="3540853296"/>
                     </a:ext>
                   </a:extLst>
                 </a:gridCol>
                 <a:gridCol w="1204914">
                   <a:extLst>
                     <a:ext uri="{9D8B030D-6E8A-4147-A177-3AD203B41FA5}">
-                      <a16:colId xmlns:a16="http://schemas.microsoft.com/office/drawing/2014/main" xmlns="" val="174494649"/>
+                      <a16:colId xmlns="" xmlns:a16="http://schemas.microsoft.com/office/drawing/2014/main" val="174494649"/>
                     </a:ext>
                   </a:extLst>
                 </a:gridCol>
@@ -10266,7 +10266,7 @@
                 </a:tc>
                 <a:extLst>
                   <a:ext uri="{0D108BD9-81ED-4DB2-BD59-A6C34878D82A}">
-                    <a16:rowId xmlns:a16="http://schemas.microsoft.com/office/drawing/2014/main" xmlns="" val="2824275686"/>
+                    <a16:rowId xmlns="" xmlns:a16="http://schemas.microsoft.com/office/drawing/2014/main" val="2824275686"/>
                   </a:ext>
                 </a:extLst>
               </a:tr>
@@ -10357,7 +10357,7 @@
                 </a:tc>
                 <a:extLst>
                   <a:ext uri="{0D108BD9-81ED-4DB2-BD59-A6C34878D82A}">
-                    <a16:rowId xmlns:a16="http://schemas.microsoft.com/office/drawing/2014/main" xmlns="" val="1457480322"/>
+                    <a16:rowId xmlns="" xmlns:a16="http://schemas.microsoft.com/office/drawing/2014/main" val="1457480322"/>
                   </a:ext>
                 </a:extLst>
               </a:tr>
@@ -10448,7 +10448,7 @@
                 </a:tc>
                 <a:extLst>
                   <a:ext uri="{0D108BD9-81ED-4DB2-BD59-A6C34878D82A}">
-                    <a16:rowId xmlns:a16="http://schemas.microsoft.com/office/drawing/2014/main" xmlns="" val="3884194282"/>
+                    <a16:rowId xmlns="" xmlns:a16="http://schemas.microsoft.com/office/drawing/2014/main" val="3884194282"/>
                   </a:ext>
                 </a:extLst>
               </a:tr>
@@ -10539,7 +10539,7 @@
                 </a:tc>
                 <a:extLst>
                   <a:ext uri="{0D108BD9-81ED-4DB2-BD59-A6C34878D82A}">
-                    <a16:rowId xmlns:a16="http://schemas.microsoft.com/office/drawing/2014/main" xmlns="" val="2227270537"/>
+                    <a16:rowId xmlns="" xmlns:a16="http://schemas.microsoft.com/office/drawing/2014/main" val="2227270537"/>
                   </a:ext>
                 </a:extLst>
               </a:tr>
@@ -10630,7 +10630,7 @@
                 </a:tc>
                 <a:extLst>
                   <a:ext uri="{0D108BD9-81ED-4DB2-BD59-A6C34878D82A}">
-                    <a16:rowId xmlns:a16="http://schemas.microsoft.com/office/drawing/2014/main" xmlns="" val="828193998"/>
+                    <a16:rowId xmlns="" xmlns:a16="http://schemas.microsoft.com/office/drawing/2014/main" val="828193998"/>
                   </a:ext>
                 </a:extLst>
               </a:tr>
@@ -10721,7 +10721,7 @@
                 </a:tc>
                 <a:extLst>
                   <a:ext uri="{0D108BD9-81ED-4DB2-BD59-A6C34878D82A}">
-                    <a16:rowId xmlns:a16="http://schemas.microsoft.com/office/drawing/2014/main" xmlns="" val="2216999364"/>
+                    <a16:rowId xmlns="" xmlns:a16="http://schemas.microsoft.com/office/drawing/2014/main" val="2216999364"/>
                   </a:ext>
                 </a:extLst>
               </a:tr>
@@ -10812,7 +10812,7 @@
                 </a:tc>
                 <a:extLst>
                   <a:ext uri="{0D108BD9-81ED-4DB2-BD59-A6C34878D82A}">
-                    <a16:rowId xmlns:a16="http://schemas.microsoft.com/office/drawing/2014/main" xmlns="" val="1739809223"/>
+                    <a16:rowId xmlns="" xmlns:a16="http://schemas.microsoft.com/office/drawing/2014/main" val="1739809223"/>
                   </a:ext>
                 </a:extLst>
               </a:tr>
@@ -10903,7 +10903,7 @@
                 </a:tc>
                 <a:extLst>
                   <a:ext uri="{0D108BD9-81ED-4DB2-BD59-A6C34878D82A}">
-                    <a16:rowId xmlns:a16="http://schemas.microsoft.com/office/drawing/2014/main" xmlns="" val="3065424001"/>
+                    <a16:rowId xmlns="" xmlns:a16="http://schemas.microsoft.com/office/drawing/2014/main" val="3065424001"/>
                   </a:ext>
                 </a:extLst>
               </a:tr>
@@ -10916,7 +10916,7 @@
           <p:cNvPr id="7" name="Pfeil: nach rechts 6">
             <a:extLst>
               <a:ext uri="{FF2B5EF4-FFF2-40B4-BE49-F238E27FC236}">
-                <a16:creationId xmlns:a16="http://schemas.microsoft.com/office/drawing/2014/main" xmlns="" id="{3B513CA0-A832-43E7-B050-E2AF2D0420A5}"/>
+                <a16:creationId xmlns="" xmlns:a16="http://schemas.microsoft.com/office/drawing/2014/main" id="{3B513CA0-A832-43E7-B050-E2AF2D0420A5}"/>
               </a:ext>
             </a:extLst>
           </p:cNvPr>
@@ -10962,7 +10962,7 @@
           <p:cNvPr id="3" name="Textfeld 2">
             <a:extLst>
               <a:ext uri="{FF2B5EF4-FFF2-40B4-BE49-F238E27FC236}">
-                <a16:creationId xmlns:a16="http://schemas.microsoft.com/office/drawing/2014/main" xmlns="" id="{93110ADA-DF8C-4D4A-885A-EDB004AE3CF1}"/>
+                <a16:creationId xmlns="" xmlns:a16="http://schemas.microsoft.com/office/drawing/2014/main" id="{93110ADA-DF8C-4D4A-885A-EDB004AE3CF1}"/>
               </a:ext>
             </a:extLst>
           </p:cNvPr>
@@ -11034,7 +11034,7 @@
           <p:cNvPr id="8" name="Grafik 7" descr="Ein Bild, das Gebäude enthält.&#10;&#10;Automatisch generierte Beschreibung">
             <a:extLst>
               <a:ext uri="{FF2B5EF4-FFF2-40B4-BE49-F238E27FC236}">
-                <a16:creationId xmlns:a16="http://schemas.microsoft.com/office/drawing/2014/main" xmlns="" id="{1D323D9C-FC8D-4439-91A6-7135C579E851}"/>
+                <a16:creationId xmlns="" xmlns:a16="http://schemas.microsoft.com/office/drawing/2014/main" id="{1D323D9C-FC8D-4439-91A6-7135C579E851}"/>
               </a:ext>
             </a:extLst>
           </p:cNvPr>
@@ -11221,7 +11221,7 @@
           <p:cNvPr id="2" name="Titel 1">
             <a:extLst>
               <a:ext uri="{FF2B5EF4-FFF2-40B4-BE49-F238E27FC236}">
-                <a16:creationId xmlns:a16="http://schemas.microsoft.com/office/drawing/2014/main" xmlns="" id="{DE62BF7E-ADBC-4B3B-8BAB-95D01E311AED}"/>
+                <a16:creationId xmlns="" xmlns:a16="http://schemas.microsoft.com/office/drawing/2014/main" id="{DE62BF7E-ADBC-4B3B-8BAB-95D01E311AED}"/>
               </a:ext>
             </a:extLst>
           </p:cNvPr>
@@ -11265,7 +11265,7 @@
           <p:cNvPr id="8" name="Gerade Verbindung mit Pfeil 7">
             <a:extLst>
               <a:ext uri="{FF2B5EF4-FFF2-40B4-BE49-F238E27FC236}">
-                <a16:creationId xmlns:a16="http://schemas.microsoft.com/office/drawing/2014/main" xmlns="" id="{A79B7D31-8930-4A5A-AA1C-06892CC18291}"/>
+                <a16:creationId xmlns="" xmlns:a16="http://schemas.microsoft.com/office/drawing/2014/main" id="{A79B7D31-8930-4A5A-AA1C-06892CC18291}"/>
               </a:ext>
             </a:extLst>
           </p:cNvPr>
@@ -11306,7 +11306,7 @@
           <p:cNvPr id="11" name="Gerade Verbindung mit Pfeil 10">
             <a:extLst>
               <a:ext uri="{FF2B5EF4-FFF2-40B4-BE49-F238E27FC236}">
-                <a16:creationId xmlns:a16="http://schemas.microsoft.com/office/drawing/2014/main" xmlns="" id="{193B10F6-7A53-474E-BC21-C9DDCDE704C0}"/>
+                <a16:creationId xmlns="" xmlns:a16="http://schemas.microsoft.com/office/drawing/2014/main" id="{193B10F6-7A53-474E-BC21-C9DDCDE704C0}"/>
               </a:ext>
             </a:extLst>
           </p:cNvPr>
@@ -11347,7 +11347,7 @@
           <p:cNvPr id="13" name="Ellipse 12">
             <a:extLst>
               <a:ext uri="{FF2B5EF4-FFF2-40B4-BE49-F238E27FC236}">
-                <a16:creationId xmlns:a16="http://schemas.microsoft.com/office/drawing/2014/main" xmlns="" id="{7469256C-C83A-4F95-96CA-1818F8942C6D}"/>
+                <a16:creationId xmlns="" xmlns:a16="http://schemas.microsoft.com/office/drawing/2014/main" id="{7469256C-C83A-4F95-96CA-1818F8942C6D}"/>
               </a:ext>
             </a:extLst>
           </p:cNvPr>
@@ -11393,7 +11393,7 @@
           <p:cNvPr id="14" name="Ellipse 13">
             <a:extLst>
               <a:ext uri="{FF2B5EF4-FFF2-40B4-BE49-F238E27FC236}">
-                <a16:creationId xmlns:a16="http://schemas.microsoft.com/office/drawing/2014/main" xmlns="" id="{FC6EE53D-2964-4925-B51C-31D899033BB5}"/>
+                <a16:creationId xmlns="" xmlns:a16="http://schemas.microsoft.com/office/drawing/2014/main" id="{FC6EE53D-2964-4925-B51C-31D899033BB5}"/>
               </a:ext>
             </a:extLst>
           </p:cNvPr>
@@ -11439,7 +11439,7 @@
           <p:cNvPr id="15" name="Ellipse 14">
             <a:extLst>
               <a:ext uri="{FF2B5EF4-FFF2-40B4-BE49-F238E27FC236}">
-                <a16:creationId xmlns:a16="http://schemas.microsoft.com/office/drawing/2014/main" xmlns="" id="{58ADDE1C-EA42-455F-8EA6-B8E3BAE0272F}"/>
+                <a16:creationId xmlns="" xmlns:a16="http://schemas.microsoft.com/office/drawing/2014/main" id="{58ADDE1C-EA42-455F-8EA6-B8E3BAE0272F}"/>
               </a:ext>
             </a:extLst>
           </p:cNvPr>
@@ -11485,7 +11485,7 @@
           <p:cNvPr id="16" name="Ellipse 15">
             <a:extLst>
               <a:ext uri="{FF2B5EF4-FFF2-40B4-BE49-F238E27FC236}">
-                <a16:creationId xmlns:a16="http://schemas.microsoft.com/office/drawing/2014/main" xmlns="" id="{896F73C8-8F04-4CC6-97C4-1DD7B5E41760}"/>
+                <a16:creationId xmlns="" xmlns:a16="http://schemas.microsoft.com/office/drawing/2014/main" id="{896F73C8-8F04-4CC6-97C4-1DD7B5E41760}"/>
               </a:ext>
             </a:extLst>
           </p:cNvPr>
@@ -11531,7 +11531,7 @@
           <p:cNvPr id="17" name="Ellipse 16">
             <a:extLst>
               <a:ext uri="{FF2B5EF4-FFF2-40B4-BE49-F238E27FC236}">
-                <a16:creationId xmlns:a16="http://schemas.microsoft.com/office/drawing/2014/main" xmlns="" id="{E834ED1C-E0F9-4D80-BC22-E8D5FF875936}"/>
+                <a16:creationId xmlns="" xmlns:a16="http://schemas.microsoft.com/office/drawing/2014/main" id="{E834ED1C-E0F9-4D80-BC22-E8D5FF875936}"/>
               </a:ext>
             </a:extLst>
           </p:cNvPr>
@@ -11585,7 +11585,7 @@
           <p:cNvPr id="18" name="Ellipse 17">
             <a:extLst>
               <a:ext uri="{FF2B5EF4-FFF2-40B4-BE49-F238E27FC236}">
-                <a16:creationId xmlns:a16="http://schemas.microsoft.com/office/drawing/2014/main" xmlns="" id="{D9C9DB88-0D38-44B0-8D62-510C1934DB2C}"/>
+                <a16:creationId xmlns="" xmlns:a16="http://schemas.microsoft.com/office/drawing/2014/main" id="{D9C9DB88-0D38-44B0-8D62-510C1934DB2C}"/>
               </a:ext>
             </a:extLst>
           </p:cNvPr>
@@ -11639,7 +11639,7 @@
           <p:cNvPr id="19" name="Ellipse 18">
             <a:extLst>
               <a:ext uri="{FF2B5EF4-FFF2-40B4-BE49-F238E27FC236}">
-                <a16:creationId xmlns:a16="http://schemas.microsoft.com/office/drawing/2014/main" xmlns="" id="{AF5D232C-9B44-46DD-9434-43BE9D322187}"/>
+                <a16:creationId xmlns="" xmlns:a16="http://schemas.microsoft.com/office/drawing/2014/main" id="{AF5D232C-9B44-46DD-9434-43BE9D322187}"/>
               </a:ext>
             </a:extLst>
           </p:cNvPr>
@@ -11693,7 +11693,7 @@
           <p:cNvPr id="20" name="Ellipse 19">
             <a:extLst>
               <a:ext uri="{FF2B5EF4-FFF2-40B4-BE49-F238E27FC236}">
-                <a16:creationId xmlns:a16="http://schemas.microsoft.com/office/drawing/2014/main" xmlns="" id="{7DBB5383-166E-4F55-B5DA-3A43707886C8}"/>
+                <a16:creationId xmlns="" xmlns:a16="http://schemas.microsoft.com/office/drawing/2014/main" id="{7DBB5383-166E-4F55-B5DA-3A43707886C8}"/>
               </a:ext>
             </a:extLst>
           </p:cNvPr>
@@ -11747,7 +11747,7 @@
           <p:cNvPr id="21" name="Rechteck 20">
             <a:extLst>
               <a:ext uri="{FF2B5EF4-FFF2-40B4-BE49-F238E27FC236}">
-                <a16:creationId xmlns:a16="http://schemas.microsoft.com/office/drawing/2014/main" xmlns="" id="{557170D4-743C-4500-AC84-115677CC29C7}"/>
+                <a16:creationId xmlns="" xmlns:a16="http://schemas.microsoft.com/office/drawing/2014/main" id="{557170D4-743C-4500-AC84-115677CC29C7}"/>
               </a:ext>
             </a:extLst>
           </p:cNvPr>
@@ -11794,7 +11794,7 @@
           <p:cNvPr id="22" name="Rechteck 21">
             <a:extLst>
               <a:ext uri="{FF2B5EF4-FFF2-40B4-BE49-F238E27FC236}">
-                <a16:creationId xmlns:a16="http://schemas.microsoft.com/office/drawing/2014/main" xmlns="" id="{CB6D8A3C-1082-4255-9556-0AE3CBADAAC2}"/>
+                <a16:creationId xmlns="" xmlns:a16="http://schemas.microsoft.com/office/drawing/2014/main" id="{CB6D8A3C-1082-4255-9556-0AE3CBADAAC2}"/>
               </a:ext>
             </a:extLst>
           </p:cNvPr>
@@ -11846,7 +11846,7 @@
           <p:cNvPr id="23" name="Stern: 5 Zacken 22">
             <a:extLst>
               <a:ext uri="{FF2B5EF4-FFF2-40B4-BE49-F238E27FC236}">
-                <a16:creationId xmlns:a16="http://schemas.microsoft.com/office/drawing/2014/main" xmlns="" id="{30ACAD23-06F1-4109-8CB7-3983EAC26B6E}"/>
+                <a16:creationId xmlns="" xmlns:a16="http://schemas.microsoft.com/office/drawing/2014/main" id="{30ACAD23-06F1-4109-8CB7-3983EAC26B6E}"/>
               </a:ext>
             </a:extLst>
           </p:cNvPr>
@@ -11900,7 +11900,7 @@
           <p:cNvPr id="24" name="Ellipse 23">
             <a:extLst>
               <a:ext uri="{FF2B5EF4-FFF2-40B4-BE49-F238E27FC236}">
-                <a16:creationId xmlns:a16="http://schemas.microsoft.com/office/drawing/2014/main" xmlns="" id="{1E130FB0-31E0-48E1-BBE6-B0DDCA3F1952}"/>
+                <a16:creationId xmlns="" xmlns:a16="http://schemas.microsoft.com/office/drawing/2014/main" id="{1E130FB0-31E0-48E1-BBE6-B0DDCA3F1952}"/>
               </a:ext>
             </a:extLst>
           </p:cNvPr>
@@ -11952,7 +11952,7 @@
           <p:cNvPr id="25" name="Ellipse 24">
             <a:extLst>
               <a:ext uri="{FF2B5EF4-FFF2-40B4-BE49-F238E27FC236}">
-                <a16:creationId xmlns:a16="http://schemas.microsoft.com/office/drawing/2014/main" xmlns="" id="{909F81B8-BBC3-41DE-BFEA-18D8DE20A4A0}"/>
+                <a16:creationId xmlns="" xmlns:a16="http://schemas.microsoft.com/office/drawing/2014/main" id="{909F81B8-BBC3-41DE-BFEA-18D8DE20A4A0}"/>
               </a:ext>
             </a:extLst>
           </p:cNvPr>
@@ -12004,7 +12004,7 @@
           <p:cNvPr id="26" name="Textfeld 25">
             <a:extLst>
               <a:ext uri="{FF2B5EF4-FFF2-40B4-BE49-F238E27FC236}">
-                <a16:creationId xmlns:a16="http://schemas.microsoft.com/office/drawing/2014/main" xmlns="" id="{E1A66F3B-E0D0-47BD-BF9A-2E68700102D7}"/>
+                <a16:creationId xmlns="" xmlns:a16="http://schemas.microsoft.com/office/drawing/2014/main" id="{E1A66F3B-E0D0-47BD-BF9A-2E68700102D7}"/>
               </a:ext>
             </a:extLst>
           </p:cNvPr>
@@ -12687,7 +12687,7 @@
           <p:cNvPr id="2" name="Titel 1">
             <a:extLst>
               <a:ext uri="{FF2B5EF4-FFF2-40B4-BE49-F238E27FC236}">
-                <a16:creationId xmlns:a16="http://schemas.microsoft.com/office/drawing/2014/main" xmlns="" id="{2D19F794-8599-4A1D-A689-743EBDA80DB4}"/>
+                <a16:creationId xmlns="" xmlns:a16="http://schemas.microsoft.com/office/drawing/2014/main" id="{2D19F794-8599-4A1D-A689-743EBDA80DB4}"/>
               </a:ext>
             </a:extLst>
           </p:cNvPr>
@@ -12727,7 +12727,7 @@
           <p:cNvPr id="4" name="Textfeld 3">
             <a:extLst>
               <a:ext uri="{FF2B5EF4-FFF2-40B4-BE49-F238E27FC236}">
-                <a16:creationId xmlns:a16="http://schemas.microsoft.com/office/drawing/2014/main" xmlns="" id="{5E36B305-D4C6-4B27-9782-732C3867DEA7}"/>
+                <a16:creationId xmlns="" xmlns:a16="http://schemas.microsoft.com/office/drawing/2014/main" id="{5E36B305-D4C6-4B27-9782-732C3867DEA7}"/>
               </a:ext>
             </a:extLst>
           </p:cNvPr>
@@ -12937,7 +12937,7 @@
           <p:cNvPr id="6" name="Grafik 5">
             <a:extLst>
               <a:ext uri="{FF2B5EF4-FFF2-40B4-BE49-F238E27FC236}">
-                <a16:creationId xmlns:a16="http://schemas.microsoft.com/office/drawing/2014/main" xmlns="" id="{3AB3E07F-C4FB-411C-B517-DEC84D74B4A1}"/>
+                <a16:creationId xmlns="" xmlns:a16="http://schemas.microsoft.com/office/drawing/2014/main" id="{3AB3E07F-C4FB-411C-B517-DEC84D74B4A1}"/>
               </a:ext>
             </a:extLst>
           </p:cNvPr>
@@ -12973,7 +12973,7 @@
           <p:cNvPr id="7" name="Textfeld 6">
             <a:extLst>
               <a:ext uri="{FF2B5EF4-FFF2-40B4-BE49-F238E27FC236}">
-                <a16:creationId xmlns:a16="http://schemas.microsoft.com/office/drawing/2014/main" xmlns="" id="{4ADB41E8-1FE5-4790-81E4-9FA1EA7A680A}"/>
+                <a16:creationId xmlns="" xmlns:a16="http://schemas.microsoft.com/office/drawing/2014/main" id="{4ADB41E8-1FE5-4790-81E4-9FA1EA7A680A}"/>
               </a:ext>
             </a:extLst>
           </p:cNvPr>
@@ -13026,7 +13026,7 @@
           <p:cNvPr id="8" name="Textfeld 7">
             <a:extLst>
               <a:ext uri="{FF2B5EF4-FFF2-40B4-BE49-F238E27FC236}">
-                <a16:creationId xmlns:a16="http://schemas.microsoft.com/office/drawing/2014/main" xmlns="" id="{E07A373C-1875-4D36-BD3C-049E9516B803}"/>
+                <a16:creationId xmlns="" xmlns:a16="http://schemas.microsoft.com/office/drawing/2014/main" id="{E07A373C-1875-4D36-BD3C-049E9516B803}"/>
               </a:ext>
             </a:extLst>
           </p:cNvPr>
@@ -13122,7 +13122,7 @@
           <p:cNvPr id="2" name="Titel 1">
             <a:extLst>
               <a:ext uri="{FF2B5EF4-FFF2-40B4-BE49-F238E27FC236}">
-                <a16:creationId xmlns:a16="http://schemas.microsoft.com/office/drawing/2014/main" xmlns="" id="{256EF4DE-DBD9-44AA-86D5-14A5C169F82A}"/>
+                <a16:creationId xmlns="" xmlns:a16="http://schemas.microsoft.com/office/drawing/2014/main" id="{256EF4DE-DBD9-44AA-86D5-14A5C169F82A}"/>
               </a:ext>
             </a:extLst>
           </p:cNvPr>
@@ -13178,7 +13178,7 @@
           <p:cNvPr id="4" name="Textfeld 3">
             <a:extLst>
               <a:ext uri="{FF2B5EF4-FFF2-40B4-BE49-F238E27FC236}">
-                <a16:creationId xmlns:a16="http://schemas.microsoft.com/office/drawing/2014/main" xmlns="" id="{AE4C0C6E-2766-45EA-A93B-6AABFDD3F619}"/>
+                <a16:creationId xmlns="" xmlns:a16="http://schemas.microsoft.com/office/drawing/2014/main" id="{AE4C0C6E-2766-45EA-A93B-6AABFDD3F619}"/>
               </a:ext>
             </a:extLst>
           </p:cNvPr>
@@ -13490,7 +13490,7 @@
           <p:cNvPr id="5" name="Grafik 4" descr="Ein Bild, das Text, Karte enthält.&#10;&#10;Automatisch generierte Beschreibung">
             <a:extLst>
               <a:ext uri="{FF2B5EF4-FFF2-40B4-BE49-F238E27FC236}">
-                <a16:creationId xmlns:a16="http://schemas.microsoft.com/office/drawing/2014/main" xmlns="" id="{88B2EE34-B8EE-4BF1-B3D1-6B70C86D7DA7}"/>
+                <a16:creationId xmlns="" xmlns:a16="http://schemas.microsoft.com/office/drawing/2014/main" id="{88B2EE34-B8EE-4BF1-B3D1-6B70C86D7DA7}"/>
               </a:ext>
             </a:extLst>
           </p:cNvPr>
@@ -13525,7 +13525,7 @@
           <p:cNvPr id="7" name="Grafik 6" descr="Ein Bild, das Karte, Text enthält.&#10;&#10;Automatisch generierte Beschreibung">
             <a:extLst>
               <a:ext uri="{FF2B5EF4-FFF2-40B4-BE49-F238E27FC236}">
-                <a16:creationId xmlns:a16="http://schemas.microsoft.com/office/drawing/2014/main" xmlns="" id="{0CBA23CC-576A-4326-8AB4-E0E78200582D}"/>
+                <a16:creationId xmlns="" xmlns:a16="http://schemas.microsoft.com/office/drawing/2014/main" id="{0CBA23CC-576A-4326-8AB4-E0E78200582D}"/>
               </a:ext>
             </a:extLst>
           </p:cNvPr>
@@ -13560,7 +13560,7 @@
           <p:cNvPr id="8" name="Textfeld 7">
             <a:extLst>
               <a:ext uri="{FF2B5EF4-FFF2-40B4-BE49-F238E27FC236}">
-                <a16:creationId xmlns:a16="http://schemas.microsoft.com/office/drawing/2014/main" xmlns="" id="{715A02E8-97E5-43DC-A343-4B63BB73A948}"/>
+                <a16:creationId xmlns="" xmlns:a16="http://schemas.microsoft.com/office/drawing/2014/main" id="{715A02E8-97E5-43DC-A343-4B63BB73A948}"/>
               </a:ext>
             </a:extLst>
           </p:cNvPr>
@@ -13710,7 +13710,7 @@
           <p:cNvPr id="2" name="Titel 1">
             <a:extLst>
               <a:ext uri="{FF2B5EF4-FFF2-40B4-BE49-F238E27FC236}">
-                <a16:creationId xmlns:a16="http://schemas.microsoft.com/office/drawing/2014/main" xmlns="" id="{3A0DF07A-A6C0-4B8E-B7C2-439EA1742EBF}"/>
+                <a16:creationId xmlns="" xmlns:a16="http://schemas.microsoft.com/office/drawing/2014/main" id="{3A0DF07A-A6C0-4B8E-B7C2-439EA1742EBF}"/>
               </a:ext>
             </a:extLst>
           </p:cNvPr>
@@ -13739,7 +13739,7 @@
           <p:cNvPr id="4" name="Textfeld 3">
             <a:extLst>
               <a:ext uri="{FF2B5EF4-FFF2-40B4-BE49-F238E27FC236}">
-                <a16:creationId xmlns:a16="http://schemas.microsoft.com/office/drawing/2014/main" xmlns="" id="{E0AF8BE7-4D29-4120-8B6C-C0617FC4823E}"/>
+                <a16:creationId xmlns="" xmlns:a16="http://schemas.microsoft.com/office/drawing/2014/main" id="{E0AF8BE7-4D29-4120-8B6C-C0617FC4823E}"/>
               </a:ext>
             </a:extLst>
           </p:cNvPr>
@@ -13874,7 +13874,7 @@
           <p:cNvPr id="5" name="Grafik 4">
             <a:extLst>
               <a:ext uri="{FF2B5EF4-FFF2-40B4-BE49-F238E27FC236}">
-                <a16:creationId xmlns:a16="http://schemas.microsoft.com/office/drawing/2014/main" xmlns="" id="{7EACE29B-80D8-462B-B157-449C327A0E60}"/>
+                <a16:creationId xmlns="" xmlns:a16="http://schemas.microsoft.com/office/drawing/2014/main" id="{7EACE29B-80D8-462B-B157-449C327A0E60}"/>
               </a:ext>
             </a:extLst>
           </p:cNvPr>
@@ -13910,7 +13910,7 @@
           <p:cNvPr id="7" name="Pfeil: nach rechts 6">
             <a:extLst>
               <a:ext uri="{FF2B5EF4-FFF2-40B4-BE49-F238E27FC236}">
-                <a16:creationId xmlns:a16="http://schemas.microsoft.com/office/drawing/2014/main" xmlns="" id="{EBAB8428-19FC-46B4-86D1-06DA423F5159}"/>
+                <a16:creationId xmlns="" xmlns:a16="http://schemas.microsoft.com/office/drawing/2014/main" id="{EBAB8428-19FC-46B4-86D1-06DA423F5159}"/>
               </a:ext>
             </a:extLst>
           </p:cNvPr>
@@ -13956,7 +13956,7 @@
           <p:cNvPr id="8" name="Textfeld 7">
             <a:extLst>
               <a:ext uri="{FF2B5EF4-FFF2-40B4-BE49-F238E27FC236}">
-                <a16:creationId xmlns:a16="http://schemas.microsoft.com/office/drawing/2014/main" xmlns="" id="{4B38B57E-ED9C-41B4-B178-0A690D45CEFC}"/>
+                <a16:creationId xmlns="" xmlns:a16="http://schemas.microsoft.com/office/drawing/2014/main" id="{4B38B57E-ED9C-41B4-B178-0A690D45CEFC}"/>
               </a:ext>
             </a:extLst>
           </p:cNvPr>
@@ -14049,7 +14049,7 @@
           <p:cNvPr id="9" name="Textfeld 8">
             <a:extLst>
               <a:ext uri="{FF2B5EF4-FFF2-40B4-BE49-F238E27FC236}">
-                <a16:creationId xmlns:a16="http://schemas.microsoft.com/office/drawing/2014/main" xmlns="" id="{B8B5B46E-131F-4826-B800-2829288C4A99}"/>
+                <a16:creationId xmlns="" xmlns:a16="http://schemas.microsoft.com/office/drawing/2014/main" id="{B8B5B46E-131F-4826-B800-2829288C4A99}"/>
               </a:ext>
             </a:extLst>
           </p:cNvPr>
@@ -14105,7 +14105,7 @@
           <p:cNvPr id="10" name="Tabelle 9">
             <a:extLst>
               <a:ext uri="{FF2B5EF4-FFF2-40B4-BE49-F238E27FC236}">
-                <a16:creationId xmlns:a16="http://schemas.microsoft.com/office/drawing/2014/main" xmlns="" id="{1359DF27-0431-40C1-AAEA-10323C33B724}"/>
+                <a16:creationId xmlns="" xmlns:a16="http://schemas.microsoft.com/office/drawing/2014/main" id="{1359DF27-0431-40C1-AAEA-10323C33B724}"/>
               </a:ext>
             </a:extLst>
           </p:cNvPr>
@@ -14134,28 +14134,28 @@
                 <a:gridCol w="1127349">
                   <a:extLst>
                     <a:ext uri="{9D8B030D-6E8A-4147-A177-3AD203B41FA5}">
-                      <a16:colId xmlns:a16="http://schemas.microsoft.com/office/drawing/2014/main" xmlns="" val="2935268419"/>
+                      <a16:colId xmlns="" xmlns:a16="http://schemas.microsoft.com/office/drawing/2014/main" val="2935268419"/>
                     </a:ext>
                   </a:extLst>
                 </a:gridCol>
                 <a:gridCol w="1041139">
                   <a:extLst>
                     <a:ext uri="{9D8B030D-6E8A-4147-A177-3AD203B41FA5}">
-                      <a16:colId xmlns:a16="http://schemas.microsoft.com/office/drawing/2014/main" xmlns="" val="3573326846"/>
+                      <a16:colId xmlns="" xmlns:a16="http://schemas.microsoft.com/office/drawing/2014/main" val="3573326846"/>
                     </a:ext>
                   </a:extLst>
                 </a:gridCol>
                 <a:gridCol w="1127349">
                   <a:extLst>
                     <a:ext uri="{9D8B030D-6E8A-4147-A177-3AD203B41FA5}">
-                      <a16:colId xmlns:a16="http://schemas.microsoft.com/office/drawing/2014/main" xmlns="" val="3540853296"/>
+                      <a16:colId xmlns="" xmlns:a16="http://schemas.microsoft.com/office/drawing/2014/main" val="3540853296"/>
                     </a:ext>
                   </a:extLst>
                 </a:gridCol>
                 <a:gridCol w="1127349">
                   <a:extLst>
                     <a:ext uri="{9D8B030D-6E8A-4147-A177-3AD203B41FA5}">
-                      <a16:colId xmlns:a16="http://schemas.microsoft.com/office/drawing/2014/main" xmlns="" val="174494649"/>
+                      <a16:colId xmlns="" xmlns:a16="http://schemas.microsoft.com/office/drawing/2014/main" val="174494649"/>
                     </a:ext>
                   </a:extLst>
                 </a:gridCol>
@@ -14216,7 +14216,7 @@
                 </a:tc>
                 <a:extLst>
                   <a:ext uri="{0D108BD9-81ED-4DB2-BD59-A6C34878D82A}">
-                    <a16:rowId xmlns:a16="http://schemas.microsoft.com/office/drawing/2014/main" xmlns="" val="2824275686"/>
+                    <a16:rowId xmlns="" xmlns:a16="http://schemas.microsoft.com/office/drawing/2014/main" val="2824275686"/>
                   </a:ext>
                 </a:extLst>
               </a:tr>
@@ -14279,7 +14279,7 @@
                 </a:tc>
                 <a:extLst>
                   <a:ext uri="{0D108BD9-81ED-4DB2-BD59-A6C34878D82A}">
-                    <a16:rowId xmlns:a16="http://schemas.microsoft.com/office/drawing/2014/main" xmlns="" val="1457480322"/>
+                    <a16:rowId xmlns="" xmlns:a16="http://schemas.microsoft.com/office/drawing/2014/main" val="1457480322"/>
                   </a:ext>
                 </a:extLst>
               </a:tr>
@@ -14342,7 +14342,7 @@
                 </a:tc>
                 <a:extLst>
                   <a:ext uri="{0D108BD9-81ED-4DB2-BD59-A6C34878D82A}">
-                    <a16:rowId xmlns:a16="http://schemas.microsoft.com/office/drawing/2014/main" xmlns="" val="3884194282"/>
+                    <a16:rowId xmlns="" xmlns:a16="http://schemas.microsoft.com/office/drawing/2014/main" val="3884194282"/>
                   </a:ext>
                 </a:extLst>
               </a:tr>
@@ -14405,7 +14405,7 @@
                 </a:tc>
                 <a:extLst>
                   <a:ext uri="{0D108BD9-81ED-4DB2-BD59-A6C34878D82A}">
-                    <a16:rowId xmlns:a16="http://schemas.microsoft.com/office/drawing/2014/main" xmlns="" val="2216999364"/>
+                    <a16:rowId xmlns="" xmlns:a16="http://schemas.microsoft.com/office/drawing/2014/main" val="2216999364"/>
                   </a:ext>
                 </a:extLst>
               </a:tr>
@@ -14468,7 +14468,7 @@
                 </a:tc>
                 <a:extLst>
                   <a:ext uri="{0D108BD9-81ED-4DB2-BD59-A6C34878D82A}">
-                    <a16:rowId xmlns:a16="http://schemas.microsoft.com/office/drawing/2014/main" xmlns="" val="1739809223"/>
+                    <a16:rowId xmlns="" xmlns:a16="http://schemas.microsoft.com/office/drawing/2014/main" val="1739809223"/>
                   </a:ext>
                 </a:extLst>
               </a:tr>
@@ -14531,7 +14531,7 @@
                 </a:tc>
                 <a:extLst>
                   <a:ext uri="{0D108BD9-81ED-4DB2-BD59-A6C34878D82A}">
-                    <a16:rowId xmlns:a16="http://schemas.microsoft.com/office/drawing/2014/main" xmlns="" val="3065424001"/>
+                    <a16:rowId xmlns="" xmlns:a16="http://schemas.microsoft.com/office/drawing/2014/main" val="3065424001"/>
                   </a:ext>
                 </a:extLst>
               </a:tr>
@@ -14581,7 +14581,7 @@
           <p:cNvPr id="2" name="Titel 1">
             <a:extLst>
               <a:ext uri="{FF2B5EF4-FFF2-40B4-BE49-F238E27FC236}">
-                <a16:creationId xmlns:a16="http://schemas.microsoft.com/office/drawing/2014/main" xmlns="" id="{FD425221-F4E0-416C-8FB0-F41F029F15A2}"/>
+                <a16:creationId xmlns="" xmlns:a16="http://schemas.microsoft.com/office/drawing/2014/main" id="{FD425221-F4E0-416C-8FB0-F41F029F15A2}"/>
               </a:ext>
             </a:extLst>
           </p:cNvPr>
@@ -14610,7 +14610,7 @@
           <p:cNvPr id="4" name="Rechteck 3">
             <a:extLst>
               <a:ext uri="{FF2B5EF4-FFF2-40B4-BE49-F238E27FC236}">
-                <a16:creationId xmlns:a16="http://schemas.microsoft.com/office/drawing/2014/main" xmlns="" id="{3C144FCF-8160-45CB-AF72-B1E01D48110B}"/>
+                <a16:creationId xmlns="" xmlns:a16="http://schemas.microsoft.com/office/drawing/2014/main" id="{3C144FCF-8160-45CB-AF72-B1E01D48110B}"/>
               </a:ext>
             </a:extLst>
           </p:cNvPr>
@@ -14687,7 +14687,7 @@
           <p:cNvPr id="5" name="Rechteck 4">
             <a:extLst>
               <a:ext uri="{FF2B5EF4-FFF2-40B4-BE49-F238E27FC236}">
-                <a16:creationId xmlns:a16="http://schemas.microsoft.com/office/drawing/2014/main" xmlns="" id="{D20448F9-72C8-413F-9D70-4409E2DE11C8}"/>
+                <a16:creationId xmlns="" xmlns:a16="http://schemas.microsoft.com/office/drawing/2014/main" id="{D20448F9-72C8-413F-9D70-4409E2DE11C8}"/>
               </a:ext>
             </a:extLst>
           </p:cNvPr>
@@ -14743,7 +14743,7 @@
           <p:cNvPr id="6" name="Rechteck 5">
             <a:extLst>
               <a:ext uri="{FF2B5EF4-FFF2-40B4-BE49-F238E27FC236}">
-                <a16:creationId xmlns:a16="http://schemas.microsoft.com/office/drawing/2014/main" xmlns="" id="{5180D00F-FD97-4A25-8D38-2CA232B64C83}"/>
+                <a16:creationId xmlns="" xmlns:a16="http://schemas.microsoft.com/office/drawing/2014/main" id="{5180D00F-FD97-4A25-8D38-2CA232B64C83}"/>
               </a:ext>
             </a:extLst>
           </p:cNvPr>
@@ -14799,7 +14799,7 @@
           <p:cNvPr id="7" name="Rechteck 6">
             <a:extLst>
               <a:ext uri="{FF2B5EF4-FFF2-40B4-BE49-F238E27FC236}">
-                <a16:creationId xmlns:a16="http://schemas.microsoft.com/office/drawing/2014/main" xmlns="" id="{A3652C8A-EF34-443B-BEB8-8B5DF46B51EB}"/>
+                <a16:creationId xmlns="" xmlns:a16="http://schemas.microsoft.com/office/drawing/2014/main" id="{A3652C8A-EF34-443B-BEB8-8B5DF46B51EB}"/>
               </a:ext>
             </a:extLst>
           </p:cNvPr>
@@ -14864,7 +14864,7 @@
           <p:cNvPr id="8" name="Rechteck 7">
             <a:extLst>
               <a:ext uri="{FF2B5EF4-FFF2-40B4-BE49-F238E27FC236}">
-                <a16:creationId xmlns:a16="http://schemas.microsoft.com/office/drawing/2014/main" xmlns="" id="{CB67835D-B0D2-4792-AD45-26DF015FBC36}"/>
+                <a16:creationId xmlns="" xmlns:a16="http://schemas.microsoft.com/office/drawing/2014/main" id="{CB67835D-B0D2-4792-AD45-26DF015FBC36}"/>
               </a:ext>
             </a:extLst>
           </p:cNvPr>
@@ -14921,7 +14921,7 @@
           <p:cNvPr id="9" name="Rechteck 8">
             <a:extLst>
               <a:ext uri="{FF2B5EF4-FFF2-40B4-BE49-F238E27FC236}">
-                <a16:creationId xmlns:a16="http://schemas.microsoft.com/office/drawing/2014/main" xmlns="" id="{D252AD02-69CE-4013-B9CC-1224A53A42F3}"/>
+                <a16:creationId xmlns="" xmlns:a16="http://schemas.microsoft.com/office/drawing/2014/main" id="{D252AD02-69CE-4013-B9CC-1224A53A42F3}"/>
               </a:ext>
             </a:extLst>
           </p:cNvPr>
@@ -14994,7 +14994,7 @@
           <p:cNvPr id="10" name="Rechteck 9">
             <a:extLst>
               <a:ext uri="{FF2B5EF4-FFF2-40B4-BE49-F238E27FC236}">
-                <a16:creationId xmlns:a16="http://schemas.microsoft.com/office/drawing/2014/main" xmlns="" id="{3FCA1C79-AB5E-4320-A47F-958AE6BBE9F2}"/>
+                <a16:creationId xmlns="" xmlns:a16="http://schemas.microsoft.com/office/drawing/2014/main" id="{3FCA1C79-AB5E-4320-A47F-958AE6BBE9F2}"/>
               </a:ext>
             </a:extLst>
           </p:cNvPr>
@@ -15003,7 +15003,7 @@
         </p:nvSpPr>
         <p:spPr>
           <a:xfrm>
-            <a:off x="291120" y="4565901"/>
+            <a:off x="5438775" y="1936865"/>
             <a:ext cx="2799743" cy="570114"/>
           </a:xfrm>
           <a:prstGeom prst="rect">
@@ -15075,7 +15075,7 @@
           <p:cNvPr id="12" name="Gerade Verbindung mit Pfeil 11">
             <a:extLst>
               <a:ext uri="{FF2B5EF4-FFF2-40B4-BE49-F238E27FC236}">
-                <a16:creationId xmlns:a16="http://schemas.microsoft.com/office/drawing/2014/main" xmlns="" id="{FBD46719-C1A0-4F14-B082-F80632595B0B}"/>
+                <a16:creationId xmlns="" xmlns:a16="http://schemas.microsoft.com/office/drawing/2014/main" id="{FBD46719-C1A0-4F14-B082-F80632595B0B}"/>
               </a:ext>
             </a:extLst>
           </p:cNvPr>
@@ -15117,19 +15117,20 @@
           <p:cNvPr id="15" name="Gerade Verbindung mit Pfeil 14">
             <a:extLst>
               <a:ext uri="{FF2B5EF4-FFF2-40B4-BE49-F238E27FC236}">
-                <a16:creationId xmlns:a16="http://schemas.microsoft.com/office/drawing/2014/main" xmlns="" id="{F73EB8DE-6007-4698-90F1-AB21DE6D8866}"/>
+                <a16:creationId xmlns="" xmlns:a16="http://schemas.microsoft.com/office/drawing/2014/main" id="{F73EB8DE-6007-4698-90F1-AB21DE6D8866}"/>
               </a:ext>
             </a:extLst>
           </p:cNvPr>
           <p:cNvCxnSpPr>
             <a:cxnSpLocks/>
+            <a:endCxn id="10" idx="2"/>
           </p:cNvCxnSpPr>
           <p:nvPr/>
         </p:nvCxnSpPr>
         <p:spPr>
-          <a:xfrm flipH="1">
-            <a:off x="2950061" y="3775231"/>
-            <a:ext cx="1204608" cy="741045"/>
+          <a:xfrm flipV="1">
+            <a:off x="5588230" y="2506979"/>
+            <a:ext cx="1250417" cy="887222"/>
           </a:xfrm>
           <a:prstGeom prst="straightConnector1">
             <a:avLst/>
@@ -15158,7 +15159,7 @@
           <p:cNvPr id="17" name="Gerade Verbindung mit Pfeil 16">
             <a:extLst>
               <a:ext uri="{FF2B5EF4-FFF2-40B4-BE49-F238E27FC236}">
-                <a16:creationId xmlns:a16="http://schemas.microsoft.com/office/drawing/2014/main" xmlns="" id="{68EA95B4-1972-46D5-B3E8-2705355D8206}"/>
+                <a16:creationId xmlns="" xmlns:a16="http://schemas.microsoft.com/office/drawing/2014/main" id="{68EA95B4-1972-46D5-B3E8-2705355D8206}"/>
               </a:ext>
             </a:extLst>
           </p:cNvPr>
@@ -15199,7 +15200,7 @@
           <p:cNvPr id="21" name="Gerade Verbindung mit Pfeil 20">
             <a:extLst>
               <a:ext uri="{FF2B5EF4-FFF2-40B4-BE49-F238E27FC236}">
-                <a16:creationId xmlns:a16="http://schemas.microsoft.com/office/drawing/2014/main" xmlns="" id="{2714CC57-CF7B-4DC0-923E-1DF969389D60}"/>
+                <a16:creationId xmlns="" xmlns:a16="http://schemas.microsoft.com/office/drawing/2014/main" id="{2714CC57-CF7B-4DC0-923E-1DF969389D60}"/>
               </a:ext>
             </a:extLst>
           </p:cNvPr>
@@ -15240,7 +15241,7 @@
           <p:cNvPr id="23" name="Gerade Verbindung mit Pfeil 22">
             <a:extLst>
               <a:ext uri="{FF2B5EF4-FFF2-40B4-BE49-F238E27FC236}">
-                <a16:creationId xmlns:a16="http://schemas.microsoft.com/office/drawing/2014/main" xmlns="" id="{B8AA6557-3089-4109-B91D-BFBCE8968F0A}"/>
+                <a16:creationId xmlns="" xmlns:a16="http://schemas.microsoft.com/office/drawing/2014/main" id="{B8AA6557-3089-4109-B91D-BFBCE8968F0A}"/>
               </a:ext>
             </a:extLst>
           </p:cNvPr>
@@ -15282,7 +15283,7 @@
           <p:cNvPr id="27" name="Gerade Verbindung mit Pfeil 26">
             <a:extLst>
               <a:ext uri="{FF2B5EF4-FFF2-40B4-BE49-F238E27FC236}">
-                <a16:creationId xmlns:a16="http://schemas.microsoft.com/office/drawing/2014/main" xmlns="" id="{3E4A8C46-F5FD-47C9-BD8D-0E332217A07E}"/>
+                <a16:creationId xmlns="" xmlns:a16="http://schemas.microsoft.com/office/drawing/2014/main" id="{3E4A8C46-F5FD-47C9-BD8D-0E332217A07E}"/>
               </a:ext>
             </a:extLst>
           </p:cNvPr>
@@ -15324,7 +15325,7 @@
           <p:cNvPr id="29" name="Textfeld 28">
             <a:extLst>
               <a:ext uri="{FF2B5EF4-FFF2-40B4-BE49-F238E27FC236}">
-                <a16:creationId xmlns:a16="http://schemas.microsoft.com/office/drawing/2014/main" xmlns="" id="{B0FF87C3-674E-402E-9DF8-D2DBC94CBFD1}"/>
+                <a16:creationId xmlns="" xmlns:a16="http://schemas.microsoft.com/office/drawing/2014/main" id="{B0FF87C3-674E-402E-9DF8-D2DBC94CBFD1}"/>
               </a:ext>
             </a:extLst>
           </p:cNvPr>
@@ -15375,7 +15376,7 @@
           <p:cNvPr id="30" name="Rechteck 29">
             <a:extLst>
               <a:ext uri="{FF2B5EF4-FFF2-40B4-BE49-F238E27FC236}">
-                <a16:creationId xmlns:a16="http://schemas.microsoft.com/office/drawing/2014/main" xmlns="" id="{D462E61F-36B7-4D4E-8D16-AA0A2D4CD544}"/>
+                <a16:creationId xmlns="" xmlns:a16="http://schemas.microsoft.com/office/drawing/2014/main" id="{D462E61F-36B7-4D4E-8D16-AA0A2D4CD544}"/>
               </a:ext>
             </a:extLst>
           </p:cNvPr>
@@ -15500,7 +15501,7 @@
           <p:cNvPr id="11" name="Gerade Verbindung mit Pfeil 10">
             <a:extLst>
               <a:ext uri="{FF2B5EF4-FFF2-40B4-BE49-F238E27FC236}">
-                <a16:creationId xmlns:a16="http://schemas.microsoft.com/office/drawing/2014/main" xmlns="" id="{9F99904B-1C35-42EB-9645-2E61A3ECB860}"/>
+                <a16:creationId xmlns="" xmlns:a16="http://schemas.microsoft.com/office/drawing/2014/main" id="{9F99904B-1C35-42EB-9645-2E61A3ECB860}"/>
               </a:ext>
             </a:extLst>
           </p:cNvPr>
@@ -15541,7 +15542,7 @@
           <p:cNvPr id="22" name="Rechteck 29">
             <a:extLst>
               <a:ext uri="{FF2B5EF4-FFF2-40B4-BE49-F238E27FC236}">
-                <a16:creationId xmlns:a16="http://schemas.microsoft.com/office/drawing/2014/main" xmlns="" id="{D462E61F-36B7-4D4E-8D16-AA0A2D4CD544}"/>
+                <a16:creationId xmlns="" xmlns:a16="http://schemas.microsoft.com/office/drawing/2014/main" id="{D462E61F-36B7-4D4E-8D16-AA0A2D4CD544}"/>
               </a:ext>
             </a:extLst>
           </p:cNvPr>
@@ -15606,7 +15607,7 @@
           <p:cNvPr id="24" name="Gerade Verbindung mit Pfeil 14">
             <a:extLst>
               <a:ext uri="{FF2B5EF4-FFF2-40B4-BE49-F238E27FC236}">
-                <a16:creationId xmlns:a16="http://schemas.microsoft.com/office/drawing/2014/main" xmlns="" id="{F73EB8DE-6007-4698-90F1-AB21DE6D8866}"/>
+                <a16:creationId xmlns="" xmlns:a16="http://schemas.microsoft.com/office/drawing/2014/main" id="{F73EB8DE-6007-4698-90F1-AB21DE6D8866}"/>
               </a:ext>
             </a:extLst>
           </p:cNvPr>
@@ -15647,7 +15648,7 @@
           <p:cNvPr id="31" name="Gerade Verbindung mit Pfeil 14">
             <a:extLst>
               <a:ext uri="{FF2B5EF4-FFF2-40B4-BE49-F238E27FC236}">
-                <a16:creationId xmlns:a16="http://schemas.microsoft.com/office/drawing/2014/main" xmlns="" id="{F73EB8DE-6007-4698-90F1-AB21DE6D8866}"/>
+                <a16:creationId xmlns="" xmlns:a16="http://schemas.microsoft.com/office/drawing/2014/main" id="{F73EB8DE-6007-4698-90F1-AB21DE6D8866}"/>
               </a:ext>
             </a:extLst>
           </p:cNvPr>
@@ -15661,6 +15662,48 @@
           <a:xfrm flipH="1">
             <a:off x="10377142" y="2936131"/>
             <a:ext cx="14202" cy="410074"/>
+          </a:xfrm>
+          <a:prstGeom prst="straightConnector1">
+            <a:avLst/>
+          </a:prstGeom>
+          <a:ln>
+            <a:tailEnd type="triangle"/>
+          </a:ln>
+        </p:spPr>
+        <p:style>
+          <a:lnRef idx="2">
+            <a:schemeClr val="dk1"/>
+          </a:lnRef>
+          <a:fillRef idx="0">
+            <a:schemeClr val="dk1"/>
+          </a:fillRef>
+          <a:effectRef idx="1">
+            <a:schemeClr val="dk1"/>
+          </a:effectRef>
+          <a:fontRef idx="minor">
+            <a:schemeClr val="tx1"/>
+          </a:fontRef>
+        </p:style>
+      </p:cxnSp>
+      <p:cxnSp>
+        <p:nvCxnSpPr>
+          <p:cNvPr id="25" name="Gerade Verbindung mit Pfeil 14">
+            <a:extLst>
+              <a:ext uri="{FF2B5EF4-FFF2-40B4-BE49-F238E27FC236}">
+                <a16:creationId xmlns="" xmlns:a16="http://schemas.microsoft.com/office/drawing/2014/main" id="{F73EB8DE-6007-4698-90F1-AB21DE6D8866}"/>
+              </a:ext>
+            </a:extLst>
+          </p:cNvPr>
+          <p:cNvCxnSpPr>
+            <a:cxnSpLocks/>
+            <a:stCxn id="10" idx="3"/>
+          </p:cNvCxnSpPr>
+          <p:nvPr/>
+        </p:nvCxnSpPr>
+        <p:spPr>
+          <a:xfrm>
+            <a:off x="8238518" y="2221922"/>
+            <a:ext cx="803822" cy="0"/>
           </a:xfrm>
           <a:prstGeom prst="straightConnector1">
             <a:avLst/>
@@ -15737,8 +15780,8 @@
           <a:lstStyle/>
           <a:p>
             <a:r>
-              <a:rPr lang="en-US" dirty="0" smtClean="0"/>
-              <a:t>We have time, but we need more!</a:t>
+              <a:rPr lang="en-US" dirty="0" err="1" smtClean="0"/>
+              <a:t>Timeplan</a:t>
             </a:r>
             <a:endParaRPr lang="ru-RU" dirty="0"/>
           </a:p>
@@ -15754,7 +15797,7 @@
             <p:ph idx="1"/>
             <p:extLst>
               <p:ext uri="{D42A27DB-BD31-4B8C-83A1-F6EECF244321}">
-                <p14:modId xmlns:p14="http://schemas.microsoft.com/office/powerpoint/2010/main" val="2790331711"/>
+                <p14:modId xmlns:p14="http://schemas.microsoft.com/office/powerpoint/2010/main" val="730774502"/>
               </p:ext>
             </p:extLst>
           </p:nvPr>
@@ -15863,7 +15906,7 @@
                     <a:p>
                       <a:r>
                         <a:rPr lang="en-US" dirty="0" smtClean="0"/>
-                        <a:t>21+22</a:t>
+                        <a:t>21</a:t>
                       </a:r>
                       <a:endParaRPr lang="ru-RU" dirty="0"/>
                     </a:p>
@@ -16969,7 +17012,7 @@
   <a:extraClrSchemeLst/>
   <a:extLst>
     <a:ext uri="{05A4C25C-085E-4340-85A3-A5531E510DB2}">
-      <thm15:themeFamily xmlns:thm15="http://schemas.microsoft.com/office/thememl/2012/main" xmlns="" name="Retrospect" id="{5F128B03-DCCA-4EEB-AB3B-CF2899314A46}" vid="{9CC26709-368C-4D72-9060-94E5B3FF3CD6}"/>
+      <thm15:themeFamily xmlns="" xmlns:thm15="http://schemas.microsoft.com/office/thememl/2012/main" name="Retrospect" id="{5F128B03-DCCA-4EEB-AB3B-CF2899314A46}" vid="{9CC26709-368C-4D72-9060-94E5B3FF3CD6}"/>
     </a:ext>
   </a:extLst>
 </a:theme>

--- a/Vortrag1.pptx
+++ b/Vortrag1.pptx
@@ -116,7 +116,18 @@
   </p:defaultTextStyle>
   <p:extLst>
     <p:ext uri="{EFAFB233-063F-42B5-8137-9DF3F51BA10A}">
-      <p15:sldGuideLst xmlns:p15="http://schemas.microsoft.com/office/powerpoint/2012/main" xmlns=""/>
+      <p15:sldGuideLst xmlns:p15="http://schemas.microsoft.com/office/powerpoint/2012/main">
+        <p15:guide id="1" orient="horz" pos="2160">
+          <p15:clr>
+            <a:srgbClr val="A4A3A4"/>
+          </p15:clr>
+        </p15:guide>
+        <p15:guide id="2" pos="3840">
+          <p15:clr>
+            <a:srgbClr val="A4A3A4"/>
+          </p15:clr>
+        </p15:guide>
+      </p15:sldGuideLst>
     </p:ext>
   </p:extLst>
 </p:presentation>
@@ -328,7 +339,7 @@
           <a:p>
             <a:fld id="{29E7901B-09AF-4D4A-907F-86E00F8E0E92}" type="slidenum">
               <a:rPr lang="de-DE" smtClean="0"/>
-              <a:t>‹#›</a:t>
+              <a:t>‹Nr.›</a:t>
             </a:fld>
             <a:endParaRPr lang="de-DE"/>
           </a:p>
@@ -498,7 +509,7 @@
           <a:p>
             <a:fld id="{29E7901B-09AF-4D4A-907F-86E00F8E0E92}" type="slidenum">
               <a:rPr lang="de-DE" smtClean="0"/>
-              <a:t>‹#›</a:t>
+              <a:t>‹Nr.›</a:t>
             </a:fld>
             <a:endParaRPr lang="de-DE"/>
           </a:p>
@@ -678,7 +689,7 @@
           <a:p>
             <a:fld id="{29E7901B-09AF-4D4A-907F-86E00F8E0E92}" type="slidenum">
               <a:rPr lang="de-DE" smtClean="0"/>
-              <a:t>‹#›</a:t>
+              <a:t>‹Nr.›</a:t>
             </a:fld>
             <a:endParaRPr lang="de-DE"/>
           </a:p>
@@ -881,7 +892,7 @@
           <a:p>
             <a:fld id="{29E7901B-09AF-4D4A-907F-86E00F8E0E92}" type="slidenum">
               <a:rPr lang="de-DE" smtClean="0"/>
-              <a:t>‹#›</a:t>
+              <a:t>‹Nr.›</a:t>
             </a:fld>
             <a:endParaRPr lang="de-DE"/>
           </a:p>
@@ -1051,7 +1062,7 @@
           <a:p>
             <a:fld id="{29E7901B-09AF-4D4A-907F-86E00F8E0E92}" type="slidenum">
               <a:rPr lang="de-DE" smtClean="0"/>
-              <a:t>‹#›</a:t>
+              <a:t>‹Nr.›</a:t>
             </a:fld>
             <a:endParaRPr lang="de-DE"/>
           </a:p>
@@ -1302,7 +1313,7 @@
           <a:p>
             <a:fld id="{29E7901B-09AF-4D4A-907F-86E00F8E0E92}" type="slidenum">
               <a:rPr lang="de-DE" smtClean="0"/>
-              <a:t>‹#›</a:t>
+              <a:t>‹Nr.›</a:t>
             </a:fld>
             <a:endParaRPr lang="de-DE"/>
           </a:p>
@@ -1534,7 +1545,7 @@
           <a:p>
             <a:fld id="{29E7901B-09AF-4D4A-907F-86E00F8E0E92}" type="slidenum">
               <a:rPr lang="de-DE" smtClean="0"/>
-              <a:t>‹#›</a:t>
+              <a:t>‹Nr.›</a:t>
             </a:fld>
             <a:endParaRPr lang="de-DE"/>
           </a:p>
@@ -1881,7 +1892,7 @@
           <a:p>
             <a:fld id="{29E7901B-09AF-4D4A-907F-86E00F8E0E92}" type="slidenum">
               <a:rPr lang="de-DE" smtClean="0"/>
-              <a:t>‹#›</a:t>
+              <a:t>‹Nr.›</a:t>
             </a:fld>
             <a:endParaRPr lang="de-DE"/>
           </a:p>
@@ -1999,7 +2010,7 @@
           <a:p>
             <a:fld id="{29E7901B-09AF-4D4A-907F-86E00F8E0E92}" type="slidenum">
               <a:rPr lang="de-DE" smtClean="0"/>
-              <a:t>‹#›</a:t>
+              <a:t>‹Nr.›</a:t>
             </a:fld>
             <a:endParaRPr lang="de-DE"/>
           </a:p>
@@ -2117,7 +2128,7 @@
           <a:p>
             <a:fld id="{29E7901B-09AF-4D4A-907F-86E00F8E0E92}" type="slidenum">
               <a:rPr lang="de-DE" smtClean="0"/>
-              <a:t>‹#›</a:t>
+              <a:t>‹Nr.›</a:t>
             </a:fld>
             <a:endParaRPr lang="de-DE"/>
           </a:p>
@@ -2401,7 +2412,7 @@
           <a:p>
             <a:fld id="{29E7901B-09AF-4D4A-907F-86E00F8E0E92}" type="slidenum">
               <a:rPr lang="de-DE" smtClean="0"/>
-              <a:t>‹#›</a:t>
+              <a:t>‹Nr.›</a:t>
             </a:fld>
             <a:endParaRPr lang="de-DE"/>
           </a:p>
@@ -2571,7 +2582,7 @@
           <a:p>
             <a:fld id="{29E7901B-09AF-4D4A-907F-86E00F8E0E92}" type="slidenum">
               <a:rPr lang="de-DE" smtClean="0"/>
-              <a:t>‹#›</a:t>
+              <a:t>‹Nr.›</a:t>
             </a:fld>
             <a:endParaRPr lang="de-DE"/>
           </a:p>
@@ -2835,7 +2846,7 @@
           <a:p>
             <a:fld id="{29E7901B-09AF-4D4A-907F-86E00F8E0E92}" type="slidenum">
               <a:rPr lang="de-DE" smtClean="0"/>
-              <a:t>‹#›</a:t>
+              <a:t>‹Nr.›</a:t>
             </a:fld>
             <a:endParaRPr lang="de-DE"/>
           </a:p>
@@ -3005,7 +3016,7 @@
           <a:p>
             <a:fld id="{29E7901B-09AF-4D4A-907F-86E00F8E0E92}" type="slidenum">
               <a:rPr lang="de-DE" smtClean="0"/>
-              <a:t>‹#›</a:t>
+              <a:t>‹Nr.›</a:t>
             </a:fld>
             <a:endParaRPr lang="de-DE"/>
           </a:p>
@@ -3185,7 +3196,7 @@
           <a:p>
             <a:fld id="{29E7901B-09AF-4D4A-907F-86E00F8E0E92}" type="slidenum">
               <a:rPr lang="de-DE" smtClean="0"/>
-              <a:t>‹#›</a:t>
+              <a:t>‹Nr.›</a:t>
             </a:fld>
             <a:endParaRPr lang="de-DE"/>
           </a:p>
@@ -3472,7 +3483,7 @@
           <a:p>
             <a:fld id="{29E7901B-09AF-4D4A-907F-86E00F8E0E92}" type="slidenum">
               <a:rPr lang="de-DE" smtClean="0"/>
-              <a:t>‹#›</a:t>
+              <a:t>‹Nr.›</a:t>
             </a:fld>
             <a:endParaRPr lang="de-DE"/>
           </a:p>
@@ -3680,7 +3691,7 @@
           <a:p>
             <a:fld id="{29E7901B-09AF-4D4A-907F-86E00F8E0E92}" type="slidenum">
               <a:rPr lang="de-DE" smtClean="0"/>
-              <a:t>‹#›</a:t>
+              <a:t>‹Nr.›</a:t>
             </a:fld>
             <a:endParaRPr lang="de-DE"/>
           </a:p>
@@ -4023,7 +4034,7 @@
           <a:p>
             <a:fld id="{29E7901B-09AF-4D4A-907F-86E00F8E0E92}" type="slidenum">
               <a:rPr lang="de-DE" smtClean="0"/>
-              <a:t>‹#›</a:t>
+              <a:t>‹Nr.›</a:t>
             </a:fld>
             <a:endParaRPr lang="de-DE"/>
           </a:p>
@@ -4298,7 +4309,7 @@
           <a:p>
             <a:fld id="{29E7901B-09AF-4D4A-907F-86E00F8E0E92}" type="slidenum">
               <a:rPr lang="de-DE" smtClean="0"/>
-              <a:t>‹#›</a:t>
+              <a:t>‹Nr.›</a:t>
             </a:fld>
             <a:endParaRPr lang="de-DE"/>
           </a:p>
@@ -4677,7 +4688,7 @@
           <a:p>
             <a:fld id="{29E7901B-09AF-4D4A-907F-86E00F8E0E92}" type="slidenum">
               <a:rPr lang="de-DE" smtClean="0"/>
-              <a:t>‹#›</a:t>
+              <a:t>‹Nr.›</a:t>
             </a:fld>
             <a:endParaRPr lang="de-DE"/>
           </a:p>
@@ -4795,7 +4806,7 @@
           <a:p>
             <a:fld id="{29E7901B-09AF-4D4A-907F-86E00F8E0E92}" type="slidenum">
               <a:rPr lang="de-DE" smtClean="0"/>
-              <a:t>‹#›</a:t>
+              <a:t>‹Nr.›</a:t>
             </a:fld>
             <a:endParaRPr lang="de-DE"/>
           </a:p>
@@ -4974,7 +4985,7 @@
           <a:p>
             <a:fld id="{29E7901B-09AF-4D4A-907F-86E00F8E0E92}" type="slidenum">
               <a:rPr lang="de-DE" smtClean="0"/>
-              <a:t>‹#›</a:t>
+              <a:t>‹Nr.›</a:t>
             </a:fld>
             <a:endParaRPr lang="de-DE"/>
           </a:p>
@@ -5225,7 +5236,7 @@
           <a:p>
             <a:fld id="{29E7901B-09AF-4D4A-907F-86E00F8E0E92}" type="slidenum">
               <a:rPr lang="de-DE" smtClean="0"/>
-              <a:t>‹#›</a:t>
+              <a:t>‹Nr.›</a:t>
             </a:fld>
             <a:endParaRPr lang="de-DE"/>
           </a:p>
@@ -5592,7 +5603,7 @@
           <a:p>
             <a:fld id="{29E7901B-09AF-4D4A-907F-86E00F8E0E92}" type="slidenum">
               <a:rPr lang="de-DE" smtClean="0"/>
-              <a:t>‹#›</a:t>
+              <a:t>‹Nr.›</a:t>
             </a:fld>
             <a:endParaRPr lang="de-DE"/>
           </a:p>
@@ -5948,7 +5959,7 @@
           <a:p>
             <a:fld id="{29E7901B-09AF-4D4A-907F-86E00F8E0E92}" type="slidenum">
               <a:rPr lang="de-DE" smtClean="0"/>
-              <a:t>‹#›</a:t>
+              <a:t>‹Nr.›</a:t>
             </a:fld>
             <a:endParaRPr lang="de-DE"/>
           </a:p>
@@ -6118,7 +6129,7 @@
           <a:p>
             <a:fld id="{29E7901B-09AF-4D4A-907F-86E00F8E0E92}" type="slidenum">
               <a:rPr lang="de-DE" smtClean="0"/>
-              <a:t>‹#›</a:t>
+              <a:t>‹Nr.›</a:t>
             </a:fld>
             <a:endParaRPr lang="de-DE"/>
           </a:p>
@@ -6374,7 +6385,7 @@
           <a:p>
             <a:fld id="{29E7901B-09AF-4D4A-907F-86E00F8E0E92}" type="slidenum">
               <a:rPr lang="de-DE" smtClean="0"/>
-              <a:t>‹#›</a:t>
+              <a:t>‹Nr.›</a:t>
             </a:fld>
             <a:endParaRPr lang="de-DE"/>
           </a:p>
@@ -6606,7 +6617,7 @@
           <a:p>
             <a:fld id="{29E7901B-09AF-4D4A-907F-86E00F8E0E92}" type="slidenum">
               <a:rPr lang="de-DE" smtClean="0"/>
-              <a:t>‹#›</a:t>
+              <a:t>‹Nr.›</a:t>
             </a:fld>
             <a:endParaRPr lang="de-DE"/>
           </a:p>
@@ -6953,7 +6964,7 @@
           <a:p>
             <a:fld id="{29E7901B-09AF-4D4A-907F-86E00F8E0E92}" type="slidenum">
               <a:rPr lang="de-DE" smtClean="0"/>
-              <a:t>‹#›</a:t>
+              <a:t>‹Nr.›</a:t>
             </a:fld>
             <a:endParaRPr lang="de-DE"/>
           </a:p>
@@ -7071,7 +7082,7 @@
           <a:p>
             <a:fld id="{29E7901B-09AF-4D4A-907F-86E00F8E0E92}" type="slidenum">
               <a:rPr lang="de-DE" smtClean="0"/>
-              <a:t>‹#›</a:t>
+              <a:t>‹Nr.›</a:t>
             </a:fld>
             <a:endParaRPr lang="de-DE"/>
           </a:p>
@@ -7189,7 +7200,7 @@
           <a:p>
             <a:fld id="{29E7901B-09AF-4D4A-907F-86E00F8E0E92}" type="slidenum">
               <a:rPr lang="de-DE" smtClean="0"/>
-              <a:t>‹#›</a:t>
+              <a:t>‹Nr.›</a:t>
             </a:fld>
             <a:endParaRPr lang="de-DE"/>
           </a:p>
@@ -7473,7 +7484,7 @@
           <a:p>
             <a:fld id="{29E7901B-09AF-4D4A-907F-86E00F8E0E92}" type="slidenum">
               <a:rPr lang="de-DE" smtClean="0"/>
-              <a:t>‹#›</a:t>
+              <a:t>‹Nr.›</a:t>
             </a:fld>
             <a:endParaRPr lang="de-DE"/>
           </a:p>
@@ -7737,7 +7748,7 @@
           <a:p>
             <a:fld id="{29E7901B-09AF-4D4A-907F-86E00F8E0E92}" type="slidenum">
               <a:rPr lang="de-DE" smtClean="0"/>
-              <a:t>‹#›</a:t>
+              <a:t>‹Nr.›</a:t>
             </a:fld>
             <a:endParaRPr lang="de-DE"/>
           </a:p>
@@ -7988,7 +7999,7 @@
           <a:p>
             <a:fld id="{29E7901B-09AF-4D4A-907F-86E00F8E0E92}" type="slidenum">
               <a:rPr lang="de-DE" smtClean="0"/>
-              <a:t>‹#›</a:t>
+              <a:t>‹Nr.›</a:t>
             </a:fld>
             <a:endParaRPr lang="de-DE"/>
           </a:p>
@@ -8518,7 +8529,7 @@
           <a:p>
             <a:fld id="{29E7901B-09AF-4D4A-907F-86E00F8E0E92}" type="slidenum">
               <a:rPr lang="de-DE" smtClean="0"/>
-              <a:t>‹#›</a:t>
+              <a:t>‹Nr.›</a:t>
             </a:fld>
             <a:endParaRPr lang="de-DE"/>
           </a:p>
@@ -9116,7 +9127,7 @@
           <a:p>
             <a:fld id="{29E7901B-09AF-4D4A-907F-86E00F8E0E92}" type="slidenum">
               <a:rPr lang="de-DE" smtClean="0"/>
-              <a:t>‹#›</a:t>
+              <a:t>‹Nr.›</a:t>
             </a:fld>
             <a:endParaRPr lang="de-DE"/>
           </a:p>
@@ -9571,7 +9582,7 @@
           <p:cNvPr id="2" name="Titel 1">
             <a:extLst>
               <a:ext uri="{FF2B5EF4-FFF2-40B4-BE49-F238E27FC236}">
-                <a16:creationId xmlns:a16="http://schemas.microsoft.com/office/drawing/2014/main" xmlns="" id="{90A6468B-D0CD-4DC7-A3AD-DA2E2B071416}"/>
+                <a16:creationId xmlns:a16="http://schemas.microsoft.com/office/drawing/2014/main" id="{90A6468B-D0CD-4DC7-A3AD-DA2E2B071416}"/>
               </a:ext>
             </a:extLst>
           </p:cNvPr>
@@ -9599,7 +9610,7 @@
           <p:cNvPr id="3" name="Untertitel 2">
             <a:extLst>
               <a:ext uri="{FF2B5EF4-FFF2-40B4-BE49-F238E27FC236}">
-                <a16:creationId xmlns:a16="http://schemas.microsoft.com/office/drawing/2014/main" xmlns="" id="{65A5BDD7-952D-4603-93C5-6E59619C765A}"/>
+                <a16:creationId xmlns:a16="http://schemas.microsoft.com/office/drawing/2014/main" id="{65A5BDD7-952D-4603-93C5-6E59619C765A}"/>
               </a:ext>
             </a:extLst>
           </p:cNvPr>
@@ -9657,7 +9668,7 @@
           <p:cNvPr id="2" name="Titel 1">
             <a:extLst>
               <a:ext uri="{FF2B5EF4-FFF2-40B4-BE49-F238E27FC236}">
-                <a16:creationId xmlns:a16="http://schemas.microsoft.com/office/drawing/2014/main" xmlns="" id="{40A94760-C413-460F-B002-DE3FCCA70BA3}"/>
+                <a16:creationId xmlns:a16="http://schemas.microsoft.com/office/drawing/2014/main" id="{40A94760-C413-460F-B002-DE3FCCA70BA3}"/>
               </a:ext>
             </a:extLst>
           </p:cNvPr>
@@ -9685,7 +9696,7 @@
           <p:cNvPr id="5" name="Grafik 4">
             <a:extLst>
               <a:ext uri="{FF2B5EF4-FFF2-40B4-BE49-F238E27FC236}">
-                <a16:creationId xmlns:a16="http://schemas.microsoft.com/office/drawing/2014/main" xmlns="" id="{57A3AA90-FDF7-4D08-B8F5-9FF4A8D4BC7E}"/>
+                <a16:creationId xmlns:a16="http://schemas.microsoft.com/office/drawing/2014/main" id="{57A3AA90-FDF7-4D08-B8F5-9FF4A8D4BC7E}"/>
               </a:ext>
             </a:extLst>
           </p:cNvPr>
@@ -9721,7 +9732,7 @@
           <p:cNvPr id="6" name="Textfeld 5">
             <a:extLst>
               <a:ext uri="{FF2B5EF4-FFF2-40B4-BE49-F238E27FC236}">
-                <a16:creationId xmlns:a16="http://schemas.microsoft.com/office/drawing/2014/main" xmlns="" id="{6AA4F5E1-8797-42F3-A52D-711C0EF03F4D}"/>
+                <a16:creationId xmlns:a16="http://schemas.microsoft.com/office/drawing/2014/main" id="{6AA4F5E1-8797-42F3-A52D-711C0EF03F4D}"/>
               </a:ext>
             </a:extLst>
           </p:cNvPr>
@@ -9873,26 +9884,22 @@
           <a:p>
             <a:r>
               <a:rPr lang="de-DE" sz="2000" dirty="0"/>
-              <a:t>Images </a:t>
-            </a:r>
-            <a:r>
-              <a:rPr lang="de-DE" sz="2000" dirty="0" smtClean="0"/>
-              <a:t>(28x28=784 </a:t>
-            </a:r>
-            <a:r>
-              <a:rPr lang="de-DE" sz="2000" dirty="0" err="1" smtClean="0"/>
+              <a:t>Images (28x28=784 </a:t>
+            </a:r>
+            <a:r>
+              <a:rPr lang="de-DE" sz="2000" dirty="0" err="1"/>
               <a:t>pixels</a:t>
             </a:r>
             <a:r>
-              <a:rPr lang="de-DE" sz="2000" dirty="0" smtClean="0"/>
+              <a:rPr lang="de-DE" sz="2000" dirty="0"/>
               <a:t>) </a:t>
             </a:r>
             <a:r>
-              <a:rPr lang="de-DE" sz="2000" dirty="0" err="1" smtClean="0"/>
+              <a:rPr lang="de-DE" sz="2000" dirty="0" err="1"/>
               <a:t>of</a:t>
             </a:r>
             <a:r>
-              <a:rPr lang="de-DE" sz="2000" dirty="0" smtClean="0"/>
+              <a:rPr lang="de-DE" sz="2000" dirty="0"/>
               <a:t> </a:t>
             </a:r>
             <a:r>
@@ -10044,7 +10051,7 @@
           <p:cNvPr id="2" name="Titel 1">
             <a:extLst>
               <a:ext uri="{FF2B5EF4-FFF2-40B4-BE49-F238E27FC236}">
-                <a16:creationId xmlns:a16="http://schemas.microsoft.com/office/drawing/2014/main" xmlns="" id="{6239617A-843A-48A9-B1A1-5A51ECFC1EAB}"/>
+                <a16:creationId xmlns:a16="http://schemas.microsoft.com/office/drawing/2014/main" id="{6239617A-843A-48A9-B1A1-5A51ECFC1EAB}"/>
               </a:ext>
             </a:extLst>
           </p:cNvPr>
@@ -10077,7 +10084,7 @@
           <p:cNvPr id="5" name="Grafik 4">
             <a:extLst>
               <a:ext uri="{FF2B5EF4-FFF2-40B4-BE49-F238E27FC236}">
-                <a16:creationId xmlns:a16="http://schemas.microsoft.com/office/drawing/2014/main" xmlns="" id="{4D499231-1623-4F5D-81A2-30732BDEC5EE}"/>
+                <a16:creationId xmlns:a16="http://schemas.microsoft.com/office/drawing/2014/main" id="{4D499231-1623-4F5D-81A2-30732BDEC5EE}"/>
               </a:ext>
             </a:extLst>
           </p:cNvPr>
@@ -10113,7 +10120,7 @@
           <p:cNvPr id="6" name="Tabelle 5">
             <a:extLst>
               <a:ext uri="{FF2B5EF4-FFF2-40B4-BE49-F238E27FC236}">
-                <a16:creationId xmlns:a16="http://schemas.microsoft.com/office/drawing/2014/main" xmlns="" id="{078A32C6-762C-44BB-BFAD-E9CCE572CA41}"/>
+                <a16:creationId xmlns:a16="http://schemas.microsoft.com/office/drawing/2014/main" id="{078A32C6-762C-44BB-BFAD-E9CCE572CA41}"/>
               </a:ext>
             </a:extLst>
           </p:cNvPr>
@@ -10142,42 +10149,42 @@
                 <a:gridCol w="1204914">
                   <a:extLst>
                     <a:ext uri="{9D8B030D-6E8A-4147-A177-3AD203B41FA5}">
-                      <a16:colId xmlns:a16="http://schemas.microsoft.com/office/drawing/2014/main" xmlns="" val="2935268419"/>
+                      <a16:colId xmlns:a16="http://schemas.microsoft.com/office/drawing/2014/main" val="2935268419"/>
                     </a:ext>
                   </a:extLst>
                 </a:gridCol>
                 <a:gridCol w="1112773">
                   <a:extLst>
                     <a:ext uri="{9D8B030D-6E8A-4147-A177-3AD203B41FA5}">
-                      <a16:colId xmlns:a16="http://schemas.microsoft.com/office/drawing/2014/main" xmlns="" val="3573326846"/>
+                      <a16:colId xmlns:a16="http://schemas.microsoft.com/office/drawing/2014/main" val="3573326846"/>
                     </a:ext>
                   </a:extLst>
                 </a:gridCol>
                 <a:gridCol w="1297045">
                   <a:extLst>
                     <a:ext uri="{9D8B030D-6E8A-4147-A177-3AD203B41FA5}">
-                      <a16:colId xmlns:a16="http://schemas.microsoft.com/office/drawing/2014/main" xmlns="" val="3944536420"/>
+                      <a16:colId xmlns:a16="http://schemas.microsoft.com/office/drawing/2014/main" val="3944536420"/>
                     </a:ext>
                   </a:extLst>
                 </a:gridCol>
                 <a:gridCol w="1204914">
                   <a:extLst>
                     <a:ext uri="{9D8B030D-6E8A-4147-A177-3AD203B41FA5}">
-                      <a16:colId xmlns:a16="http://schemas.microsoft.com/office/drawing/2014/main" xmlns="" val="1040886641"/>
+                      <a16:colId xmlns:a16="http://schemas.microsoft.com/office/drawing/2014/main" val="1040886641"/>
                     </a:ext>
                   </a:extLst>
                 </a:gridCol>
                 <a:gridCol w="1204914">
                   <a:extLst>
                     <a:ext uri="{9D8B030D-6E8A-4147-A177-3AD203B41FA5}">
-                      <a16:colId xmlns:a16="http://schemas.microsoft.com/office/drawing/2014/main" xmlns="" val="3540853296"/>
+                      <a16:colId xmlns:a16="http://schemas.microsoft.com/office/drawing/2014/main" val="3540853296"/>
                     </a:ext>
                   </a:extLst>
                 </a:gridCol>
                 <a:gridCol w="1204914">
                   <a:extLst>
                     <a:ext uri="{9D8B030D-6E8A-4147-A177-3AD203B41FA5}">
-                      <a16:colId xmlns:a16="http://schemas.microsoft.com/office/drawing/2014/main" xmlns="" val="174494649"/>
+                      <a16:colId xmlns:a16="http://schemas.microsoft.com/office/drawing/2014/main" val="174494649"/>
                     </a:ext>
                   </a:extLst>
                 </a:gridCol>
@@ -10266,7 +10273,7 @@
                 </a:tc>
                 <a:extLst>
                   <a:ext uri="{0D108BD9-81ED-4DB2-BD59-A6C34878D82A}">
-                    <a16:rowId xmlns:a16="http://schemas.microsoft.com/office/drawing/2014/main" xmlns="" val="2824275686"/>
+                    <a16:rowId xmlns:a16="http://schemas.microsoft.com/office/drawing/2014/main" val="2824275686"/>
                   </a:ext>
                 </a:extLst>
               </a:tr>
@@ -10357,7 +10364,7 @@
                 </a:tc>
                 <a:extLst>
                   <a:ext uri="{0D108BD9-81ED-4DB2-BD59-A6C34878D82A}">
-                    <a16:rowId xmlns:a16="http://schemas.microsoft.com/office/drawing/2014/main" xmlns="" val="1457480322"/>
+                    <a16:rowId xmlns:a16="http://schemas.microsoft.com/office/drawing/2014/main" val="1457480322"/>
                   </a:ext>
                 </a:extLst>
               </a:tr>
@@ -10448,7 +10455,7 @@
                 </a:tc>
                 <a:extLst>
                   <a:ext uri="{0D108BD9-81ED-4DB2-BD59-A6C34878D82A}">
-                    <a16:rowId xmlns:a16="http://schemas.microsoft.com/office/drawing/2014/main" xmlns="" val="3884194282"/>
+                    <a16:rowId xmlns:a16="http://schemas.microsoft.com/office/drawing/2014/main" val="3884194282"/>
                   </a:ext>
                 </a:extLst>
               </a:tr>
@@ -10539,7 +10546,7 @@
                 </a:tc>
                 <a:extLst>
                   <a:ext uri="{0D108BD9-81ED-4DB2-BD59-A6C34878D82A}">
-                    <a16:rowId xmlns:a16="http://schemas.microsoft.com/office/drawing/2014/main" xmlns="" val="2227270537"/>
+                    <a16:rowId xmlns:a16="http://schemas.microsoft.com/office/drawing/2014/main" val="2227270537"/>
                   </a:ext>
                 </a:extLst>
               </a:tr>
@@ -10630,7 +10637,7 @@
                 </a:tc>
                 <a:extLst>
                   <a:ext uri="{0D108BD9-81ED-4DB2-BD59-A6C34878D82A}">
-                    <a16:rowId xmlns:a16="http://schemas.microsoft.com/office/drawing/2014/main" xmlns="" val="828193998"/>
+                    <a16:rowId xmlns:a16="http://schemas.microsoft.com/office/drawing/2014/main" val="828193998"/>
                   </a:ext>
                 </a:extLst>
               </a:tr>
@@ -10721,7 +10728,7 @@
                 </a:tc>
                 <a:extLst>
                   <a:ext uri="{0D108BD9-81ED-4DB2-BD59-A6C34878D82A}">
-                    <a16:rowId xmlns:a16="http://schemas.microsoft.com/office/drawing/2014/main" xmlns="" val="2216999364"/>
+                    <a16:rowId xmlns:a16="http://schemas.microsoft.com/office/drawing/2014/main" val="2216999364"/>
                   </a:ext>
                 </a:extLst>
               </a:tr>
@@ -10812,7 +10819,7 @@
                 </a:tc>
                 <a:extLst>
                   <a:ext uri="{0D108BD9-81ED-4DB2-BD59-A6C34878D82A}">
-                    <a16:rowId xmlns:a16="http://schemas.microsoft.com/office/drawing/2014/main" xmlns="" val="1739809223"/>
+                    <a16:rowId xmlns:a16="http://schemas.microsoft.com/office/drawing/2014/main" val="1739809223"/>
                   </a:ext>
                 </a:extLst>
               </a:tr>
@@ -10903,7 +10910,7 @@
                 </a:tc>
                 <a:extLst>
                   <a:ext uri="{0D108BD9-81ED-4DB2-BD59-A6C34878D82A}">
-                    <a16:rowId xmlns:a16="http://schemas.microsoft.com/office/drawing/2014/main" xmlns="" val="3065424001"/>
+                    <a16:rowId xmlns:a16="http://schemas.microsoft.com/office/drawing/2014/main" val="3065424001"/>
                   </a:ext>
                 </a:extLst>
               </a:tr>
@@ -10916,7 +10923,7 @@
           <p:cNvPr id="7" name="Pfeil: nach rechts 6">
             <a:extLst>
               <a:ext uri="{FF2B5EF4-FFF2-40B4-BE49-F238E27FC236}">
-                <a16:creationId xmlns:a16="http://schemas.microsoft.com/office/drawing/2014/main" xmlns="" id="{3B513CA0-A832-43E7-B050-E2AF2D0420A5}"/>
+                <a16:creationId xmlns:a16="http://schemas.microsoft.com/office/drawing/2014/main" id="{3B513CA0-A832-43E7-B050-E2AF2D0420A5}"/>
               </a:ext>
             </a:extLst>
           </p:cNvPr>
@@ -10962,7 +10969,7 @@
           <p:cNvPr id="3" name="Textfeld 2">
             <a:extLst>
               <a:ext uri="{FF2B5EF4-FFF2-40B4-BE49-F238E27FC236}">
-                <a16:creationId xmlns:a16="http://schemas.microsoft.com/office/drawing/2014/main" xmlns="" id="{93110ADA-DF8C-4D4A-885A-EDB004AE3CF1}"/>
+                <a16:creationId xmlns:a16="http://schemas.microsoft.com/office/drawing/2014/main" id="{93110ADA-DF8C-4D4A-885A-EDB004AE3CF1}"/>
               </a:ext>
             </a:extLst>
           </p:cNvPr>
@@ -11034,7 +11041,7 @@
           <p:cNvPr id="8" name="Grafik 7" descr="Ein Bild, das Gebäude enthält.&#10;&#10;Automatisch generierte Beschreibung">
             <a:extLst>
               <a:ext uri="{FF2B5EF4-FFF2-40B4-BE49-F238E27FC236}">
-                <a16:creationId xmlns:a16="http://schemas.microsoft.com/office/drawing/2014/main" xmlns="" id="{1D323D9C-FC8D-4439-91A6-7135C579E851}"/>
+                <a16:creationId xmlns:a16="http://schemas.microsoft.com/office/drawing/2014/main" id="{1D323D9C-FC8D-4439-91A6-7135C579E851}"/>
               </a:ext>
             </a:extLst>
           </p:cNvPr>
@@ -11221,7 +11228,7 @@
           <p:cNvPr id="2" name="Titel 1">
             <a:extLst>
               <a:ext uri="{FF2B5EF4-FFF2-40B4-BE49-F238E27FC236}">
-                <a16:creationId xmlns:a16="http://schemas.microsoft.com/office/drawing/2014/main" xmlns="" id="{DE62BF7E-ADBC-4B3B-8BAB-95D01E311AED}"/>
+                <a16:creationId xmlns:a16="http://schemas.microsoft.com/office/drawing/2014/main" id="{DE62BF7E-ADBC-4B3B-8BAB-95D01E311AED}"/>
               </a:ext>
             </a:extLst>
           </p:cNvPr>
@@ -11265,7 +11272,7 @@
           <p:cNvPr id="8" name="Gerade Verbindung mit Pfeil 7">
             <a:extLst>
               <a:ext uri="{FF2B5EF4-FFF2-40B4-BE49-F238E27FC236}">
-                <a16:creationId xmlns:a16="http://schemas.microsoft.com/office/drawing/2014/main" xmlns="" id="{A79B7D31-8930-4A5A-AA1C-06892CC18291}"/>
+                <a16:creationId xmlns:a16="http://schemas.microsoft.com/office/drawing/2014/main" id="{A79B7D31-8930-4A5A-AA1C-06892CC18291}"/>
               </a:ext>
             </a:extLst>
           </p:cNvPr>
@@ -11306,7 +11313,7 @@
           <p:cNvPr id="11" name="Gerade Verbindung mit Pfeil 10">
             <a:extLst>
               <a:ext uri="{FF2B5EF4-FFF2-40B4-BE49-F238E27FC236}">
-                <a16:creationId xmlns:a16="http://schemas.microsoft.com/office/drawing/2014/main" xmlns="" id="{193B10F6-7A53-474E-BC21-C9DDCDE704C0}"/>
+                <a16:creationId xmlns:a16="http://schemas.microsoft.com/office/drawing/2014/main" id="{193B10F6-7A53-474E-BC21-C9DDCDE704C0}"/>
               </a:ext>
             </a:extLst>
           </p:cNvPr>
@@ -11347,7 +11354,7 @@
           <p:cNvPr id="13" name="Ellipse 12">
             <a:extLst>
               <a:ext uri="{FF2B5EF4-FFF2-40B4-BE49-F238E27FC236}">
-                <a16:creationId xmlns:a16="http://schemas.microsoft.com/office/drawing/2014/main" xmlns="" id="{7469256C-C83A-4F95-96CA-1818F8942C6D}"/>
+                <a16:creationId xmlns:a16="http://schemas.microsoft.com/office/drawing/2014/main" id="{7469256C-C83A-4F95-96CA-1818F8942C6D}"/>
               </a:ext>
             </a:extLst>
           </p:cNvPr>
@@ -11393,7 +11400,7 @@
           <p:cNvPr id="14" name="Ellipse 13">
             <a:extLst>
               <a:ext uri="{FF2B5EF4-FFF2-40B4-BE49-F238E27FC236}">
-                <a16:creationId xmlns:a16="http://schemas.microsoft.com/office/drawing/2014/main" xmlns="" id="{FC6EE53D-2964-4925-B51C-31D899033BB5}"/>
+                <a16:creationId xmlns:a16="http://schemas.microsoft.com/office/drawing/2014/main" id="{FC6EE53D-2964-4925-B51C-31D899033BB5}"/>
               </a:ext>
             </a:extLst>
           </p:cNvPr>
@@ -11439,7 +11446,7 @@
           <p:cNvPr id="15" name="Ellipse 14">
             <a:extLst>
               <a:ext uri="{FF2B5EF4-FFF2-40B4-BE49-F238E27FC236}">
-                <a16:creationId xmlns:a16="http://schemas.microsoft.com/office/drawing/2014/main" xmlns="" id="{58ADDE1C-EA42-455F-8EA6-B8E3BAE0272F}"/>
+                <a16:creationId xmlns:a16="http://schemas.microsoft.com/office/drawing/2014/main" id="{58ADDE1C-EA42-455F-8EA6-B8E3BAE0272F}"/>
               </a:ext>
             </a:extLst>
           </p:cNvPr>
@@ -11485,7 +11492,7 @@
           <p:cNvPr id="16" name="Ellipse 15">
             <a:extLst>
               <a:ext uri="{FF2B5EF4-FFF2-40B4-BE49-F238E27FC236}">
-                <a16:creationId xmlns:a16="http://schemas.microsoft.com/office/drawing/2014/main" xmlns="" id="{896F73C8-8F04-4CC6-97C4-1DD7B5E41760}"/>
+                <a16:creationId xmlns:a16="http://schemas.microsoft.com/office/drawing/2014/main" id="{896F73C8-8F04-4CC6-97C4-1DD7B5E41760}"/>
               </a:ext>
             </a:extLst>
           </p:cNvPr>
@@ -11531,7 +11538,7 @@
           <p:cNvPr id="17" name="Ellipse 16">
             <a:extLst>
               <a:ext uri="{FF2B5EF4-FFF2-40B4-BE49-F238E27FC236}">
-                <a16:creationId xmlns:a16="http://schemas.microsoft.com/office/drawing/2014/main" xmlns="" id="{E834ED1C-E0F9-4D80-BC22-E8D5FF875936}"/>
+                <a16:creationId xmlns:a16="http://schemas.microsoft.com/office/drawing/2014/main" id="{E834ED1C-E0F9-4D80-BC22-E8D5FF875936}"/>
               </a:ext>
             </a:extLst>
           </p:cNvPr>
@@ -11585,7 +11592,7 @@
           <p:cNvPr id="18" name="Ellipse 17">
             <a:extLst>
               <a:ext uri="{FF2B5EF4-FFF2-40B4-BE49-F238E27FC236}">
-                <a16:creationId xmlns:a16="http://schemas.microsoft.com/office/drawing/2014/main" xmlns="" id="{D9C9DB88-0D38-44B0-8D62-510C1934DB2C}"/>
+                <a16:creationId xmlns:a16="http://schemas.microsoft.com/office/drawing/2014/main" id="{D9C9DB88-0D38-44B0-8D62-510C1934DB2C}"/>
               </a:ext>
             </a:extLst>
           </p:cNvPr>
@@ -11639,7 +11646,7 @@
           <p:cNvPr id="19" name="Ellipse 18">
             <a:extLst>
               <a:ext uri="{FF2B5EF4-FFF2-40B4-BE49-F238E27FC236}">
-                <a16:creationId xmlns:a16="http://schemas.microsoft.com/office/drawing/2014/main" xmlns="" id="{AF5D232C-9B44-46DD-9434-43BE9D322187}"/>
+                <a16:creationId xmlns:a16="http://schemas.microsoft.com/office/drawing/2014/main" id="{AF5D232C-9B44-46DD-9434-43BE9D322187}"/>
               </a:ext>
             </a:extLst>
           </p:cNvPr>
@@ -11693,7 +11700,7 @@
           <p:cNvPr id="20" name="Ellipse 19">
             <a:extLst>
               <a:ext uri="{FF2B5EF4-FFF2-40B4-BE49-F238E27FC236}">
-                <a16:creationId xmlns:a16="http://schemas.microsoft.com/office/drawing/2014/main" xmlns="" id="{7DBB5383-166E-4F55-B5DA-3A43707886C8}"/>
+                <a16:creationId xmlns:a16="http://schemas.microsoft.com/office/drawing/2014/main" id="{7DBB5383-166E-4F55-B5DA-3A43707886C8}"/>
               </a:ext>
             </a:extLst>
           </p:cNvPr>
@@ -11747,7 +11754,7 @@
           <p:cNvPr id="21" name="Rechteck 20">
             <a:extLst>
               <a:ext uri="{FF2B5EF4-FFF2-40B4-BE49-F238E27FC236}">
-                <a16:creationId xmlns:a16="http://schemas.microsoft.com/office/drawing/2014/main" xmlns="" id="{557170D4-743C-4500-AC84-115677CC29C7}"/>
+                <a16:creationId xmlns:a16="http://schemas.microsoft.com/office/drawing/2014/main" id="{557170D4-743C-4500-AC84-115677CC29C7}"/>
               </a:ext>
             </a:extLst>
           </p:cNvPr>
@@ -11794,7 +11801,7 @@
           <p:cNvPr id="22" name="Rechteck 21">
             <a:extLst>
               <a:ext uri="{FF2B5EF4-FFF2-40B4-BE49-F238E27FC236}">
-                <a16:creationId xmlns:a16="http://schemas.microsoft.com/office/drawing/2014/main" xmlns="" id="{CB6D8A3C-1082-4255-9556-0AE3CBADAAC2}"/>
+                <a16:creationId xmlns:a16="http://schemas.microsoft.com/office/drawing/2014/main" id="{CB6D8A3C-1082-4255-9556-0AE3CBADAAC2}"/>
               </a:ext>
             </a:extLst>
           </p:cNvPr>
@@ -11846,7 +11853,7 @@
           <p:cNvPr id="23" name="Stern: 5 Zacken 22">
             <a:extLst>
               <a:ext uri="{FF2B5EF4-FFF2-40B4-BE49-F238E27FC236}">
-                <a16:creationId xmlns:a16="http://schemas.microsoft.com/office/drawing/2014/main" xmlns="" id="{30ACAD23-06F1-4109-8CB7-3983EAC26B6E}"/>
+                <a16:creationId xmlns:a16="http://schemas.microsoft.com/office/drawing/2014/main" id="{30ACAD23-06F1-4109-8CB7-3983EAC26B6E}"/>
               </a:ext>
             </a:extLst>
           </p:cNvPr>
@@ -11900,7 +11907,7 @@
           <p:cNvPr id="24" name="Ellipse 23">
             <a:extLst>
               <a:ext uri="{FF2B5EF4-FFF2-40B4-BE49-F238E27FC236}">
-                <a16:creationId xmlns:a16="http://schemas.microsoft.com/office/drawing/2014/main" xmlns="" id="{1E130FB0-31E0-48E1-BBE6-B0DDCA3F1952}"/>
+                <a16:creationId xmlns:a16="http://schemas.microsoft.com/office/drawing/2014/main" id="{1E130FB0-31E0-48E1-BBE6-B0DDCA3F1952}"/>
               </a:ext>
             </a:extLst>
           </p:cNvPr>
@@ -11952,7 +11959,7 @@
           <p:cNvPr id="25" name="Ellipse 24">
             <a:extLst>
               <a:ext uri="{FF2B5EF4-FFF2-40B4-BE49-F238E27FC236}">
-                <a16:creationId xmlns:a16="http://schemas.microsoft.com/office/drawing/2014/main" xmlns="" id="{909F81B8-BBC3-41DE-BFEA-18D8DE20A4A0}"/>
+                <a16:creationId xmlns:a16="http://schemas.microsoft.com/office/drawing/2014/main" id="{909F81B8-BBC3-41DE-BFEA-18D8DE20A4A0}"/>
               </a:ext>
             </a:extLst>
           </p:cNvPr>
@@ -12004,7 +12011,7 @@
           <p:cNvPr id="26" name="Textfeld 25">
             <a:extLst>
               <a:ext uri="{FF2B5EF4-FFF2-40B4-BE49-F238E27FC236}">
-                <a16:creationId xmlns:a16="http://schemas.microsoft.com/office/drawing/2014/main" xmlns="" id="{E1A66F3B-E0D0-47BD-BF9A-2E68700102D7}"/>
+                <a16:creationId xmlns:a16="http://schemas.microsoft.com/office/drawing/2014/main" id="{E1A66F3B-E0D0-47BD-BF9A-2E68700102D7}"/>
               </a:ext>
             </a:extLst>
           </p:cNvPr>
@@ -12687,7 +12694,7 @@
           <p:cNvPr id="2" name="Titel 1">
             <a:extLst>
               <a:ext uri="{FF2B5EF4-FFF2-40B4-BE49-F238E27FC236}">
-                <a16:creationId xmlns:a16="http://schemas.microsoft.com/office/drawing/2014/main" xmlns="" id="{2D19F794-8599-4A1D-A689-743EBDA80DB4}"/>
+                <a16:creationId xmlns:a16="http://schemas.microsoft.com/office/drawing/2014/main" id="{2D19F794-8599-4A1D-A689-743EBDA80DB4}"/>
               </a:ext>
             </a:extLst>
           </p:cNvPr>
@@ -12727,7 +12734,7 @@
           <p:cNvPr id="4" name="Textfeld 3">
             <a:extLst>
               <a:ext uri="{FF2B5EF4-FFF2-40B4-BE49-F238E27FC236}">
-                <a16:creationId xmlns:a16="http://schemas.microsoft.com/office/drawing/2014/main" xmlns="" id="{5E36B305-D4C6-4B27-9782-732C3867DEA7}"/>
+                <a16:creationId xmlns:a16="http://schemas.microsoft.com/office/drawing/2014/main" id="{5E36B305-D4C6-4B27-9782-732C3867DEA7}"/>
               </a:ext>
             </a:extLst>
           </p:cNvPr>
@@ -12937,7 +12944,7 @@
           <p:cNvPr id="6" name="Grafik 5">
             <a:extLst>
               <a:ext uri="{FF2B5EF4-FFF2-40B4-BE49-F238E27FC236}">
-                <a16:creationId xmlns:a16="http://schemas.microsoft.com/office/drawing/2014/main" xmlns="" id="{3AB3E07F-C4FB-411C-B517-DEC84D74B4A1}"/>
+                <a16:creationId xmlns:a16="http://schemas.microsoft.com/office/drawing/2014/main" id="{3AB3E07F-C4FB-411C-B517-DEC84D74B4A1}"/>
               </a:ext>
             </a:extLst>
           </p:cNvPr>
@@ -12973,7 +12980,7 @@
           <p:cNvPr id="7" name="Textfeld 6">
             <a:extLst>
               <a:ext uri="{FF2B5EF4-FFF2-40B4-BE49-F238E27FC236}">
-                <a16:creationId xmlns:a16="http://schemas.microsoft.com/office/drawing/2014/main" xmlns="" id="{4ADB41E8-1FE5-4790-81E4-9FA1EA7A680A}"/>
+                <a16:creationId xmlns:a16="http://schemas.microsoft.com/office/drawing/2014/main" id="{4ADB41E8-1FE5-4790-81E4-9FA1EA7A680A}"/>
               </a:ext>
             </a:extLst>
           </p:cNvPr>
@@ -13026,7 +13033,7 @@
           <p:cNvPr id="8" name="Textfeld 7">
             <a:extLst>
               <a:ext uri="{FF2B5EF4-FFF2-40B4-BE49-F238E27FC236}">
-                <a16:creationId xmlns:a16="http://schemas.microsoft.com/office/drawing/2014/main" xmlns="" id="{E07A373C-1875-4D36-BD3C-049E9516B803}"/>
+                <a16:creationId xmlns:a16="http://schemas.microsoft.com/office/drawing/2014/main" id="{E07A373C-1875-4D36-BD3C-049E9516B803}"/>
               </a:ext>
             </a:extLst>
           </p:cNvPr>
@@ -13090,13 +13097,6 @@
   <p:clrMapOvr>
     <a:masterClrMapping/>
   </p:clrMapOvr>
-  <p:timing>
-    <p:tnLst>
-      <p:par>
-        <p:cTn id="1" dur="indefinite" restart="never" nodeType="tmRoot"/>
-      </p:par>
-    </p:tnLst>
-  </p:timing>
 </p:sld>
 </file>
 
@@ -13122,7 +13122,7 @@
           <p:cNvPr id="2" name="Titel 1">
             <a:extLst>
               <a:ext uri="{FF2B5EF4-FFF2-40B4-BE49-F238E27FC236}">
-                <a16:creationId xmlns:a16="http://schemas.microsoft.com/office/drawing/2014/main" xmlns="" id="{256EF4DE-DBD9-44AA-86D5-14A5C169F82A}"/>
+                <a16:creationId xmlns:a16="http://schemas.microsoft.com/office/drawing/2014/main" id="{256EF4DE-DBD9-44AA-86D5-14A5C169F82A}"/>
               </a:ext>
             </a:extLst>
           </p:cNvPr>
@@ -13178,7 +13178,7 @@
           <p:cNvPr id="4" name="Textfeld 3">
             <a:extLst>
               <a:ext uri="{FF2B5EF4-FFF2-40B4-BE49-F238E27FC236}">
-                <a16:creationId xmlns:a16="http://schemas.microsoft.com/office/drawing/2014/main" xmlns="" id="{AE4C0C6E-2766-45EA-A93B-6AABFDD3F619}"/>
+                <a16:creationId xmlns:a16="http://schemas.microsoft.com/office/drawing/2014/main" id="{AE4C0C6E-2766-45EA-A93B-6AABFDD3F619}"/>
               </a:ext>
             </a:extLst>
           </p:cNvPr>
@@ -13207,16 +13207,12 @@
               </a:lnSpc>
             </a:pPr>
             <a:r>
-              <a:rPr lang="de-DE" dirty="0" err="1" smtClean="0"/>
+              <a:rPr lang="de-DE" dirty="0" err="1"/>
               <a:t>Needed</a:t>
             </a:r>
             <a:r>
-              <a:rPr lang="de-DE" dirty="0" smtClean="0"/>
-              <a:t> </a:t>
-            </a:r>
-            <a:r>
               <a:rPr lang="de-DE" dirty="0"/>
-              <a:t>a </a:t>
+              <a:t> a </a:t>
             </a:r>
             <a:r>
               <a:rPr lang="de-DE" dirty="0" err="1"/>
@@ -13275,7 +13271,7 @@
               <a:t> </a:t>
             </a:r>
             <a:r>
-              <a:rPr lang="de-DE" dirty="0" err="1" smtClean="0"/>
+              <a:rPr lang="de-DE" dirty="0" err="1"/>
               <a:t>digits</a:t>
             </a:r>
             <a:r>
@@ -13283,154 +13279,6 @@
               <a:t> </a:t>
             </a:r>
             <a:endParaRPr lang="ru-RU" dirty="0"/>
-          </a:p>
-          <a:p>
-            <a:pPr>
-              <a:lnSpc>
-                <a:spcPts val="1900"/>
-              </a:lnSpc>
-            </a:pPr>
-            <a:endParaRPr lang="de-DE" dirty="0" smtClean="0"/>
-          </a:p>
-          <a:p>
-            <a:pPr>
-              <a:lnSpc>
-                <a:spcPts val="1900"/>
-              </a:lnSpc>
-            </a:pPr>
-            <a:r>
-              <a:rPr lang="de-DE" dirty="0" smtClean="0"/>
-              <a:t>The </a:t>
-            </a:r>
-            <a:r>
-              <a:rPr lang="de-DE" dirty="0" err="1" smtClean="0"/>
-              <a:t>maxima</a:t>
-            </a:r>
-            <a:r>
-              <a:rPr lang="de-DE" dirty="0" smtClean="0"/>
-              <a:t> </a:t>
-            </a:r>
-            <a:r>
-              <a:rPr lang="de-DE" dirty="0" err="1" smtClean="0"/>
-              <a:t>of</a:t>
-            </a:r>
-            <a:r>
-              <a:rPr lang="de-DE" dirty="0" smtClean="0"/>
-              <a:t> </a:t>
-            </a:r>
-            <a:r>
-              <a:rPr lang="de-DE" dirty="0" err="1" smtClean="0"/>
-              <a:t>the</a:t>
-            </a:r>
-            <a:r>
-              <a:rPr lang="de-DE" dirty="0" smtClean="0"/>
-              <a:t> </a:t>
-            </a:r>
-            <a:r>
-              <a:rPr lang="de-DE" dirty="0" err="1" smtClean="0"/>
-              <a:t>accuracy</a:t>
-            </a:r>
-            <a:r>
-              <a:rPr lang="de-DE" dirty="0" smtClean="0"/>
-              <a:t> </a:t>
-            </a:r>
-            <a:r>
-              <a:rPr lang="de-DE" dirty="0" err="1" smtClean="0"/>
-              <a:t>are</a:t>
-            </a:r>
-            <a:r>
-              <a:rPr lang="de-DE" dirty="0" smtClean="0"/>
-              <a:t> </a:t>
-            </a:r>
-            <a:r>
-              <a:rPr lang="de-DE" dirty="0" err="1" smtClean="0"/>
-              <a:t>interpreted</a:t>
-            </a:r>
-            <a:r>
-              <a:rPr lang="de-DE" dirty="0" smtClean="0"/>
-              <a:t> </a:t>
-            </a:r>
-            <a:r>
-              <a:rPr lang="de-DE" dirty="0" err="1" smtClean="0"/>
-              <a:t>as</a:t>
-            </a:r>
-            <a:r>
-              <a:rPr lang="de-DE" dirty="0" smtClean="0"/>
-              <a:t> </a:t>
-            </a:r>
-            <a:r>
-              <a:rPr lang="de-DE" dirty="0" err="1" smtClean="0"/>
-              <a:t>the</a:t>
-            </a:r>
-            <a:r>
-              <a:rPr lang="de-DE" dirty="0" smtClean="0"/>
-              <a:t> optimal </a:t>
-            </a:r>
-            <a:r>
-              <a:rPr lang="de-DE" dirty="0" err="1" smtClean="0"/>
-              <a:t>numbers</a:t>
-            </a:r>
-            <a:r>
-              <a:rPr lang="de-DE" dirty="0" smtClean="0"/>
-              <a:t> </a:t>
-            </a:r>
-            <a:r>
-              <a:rPr lang="de-DE" dirty="0" err="1" smtClean="0"/>
-              <a:t>for</a:t>
-            </a:r>
-            <a:r>
-              <a:rPr lang="de-DE" dirty="0" smtClean="0"/>
-              <a:t> </a:t>
-            </a:r>
-            <a:r>
-              <a:rPr lang="de-DE" b="1" dirty="0" smtClean="0"/>
-              <a:t>k</a:t>
-            </a:r>
-            <a:r>
-              <a:rPr lang="de-DE" dirty="0" smtClean="0"/>
-              <a:t> </a:t>
-            </a:r>
-            <a:r>
-              <a:rPr lang="de-DE" dirty="0" err="1" smtClean="0"/>
-              <a:t>neighbours</a:t>
-            </a:r>
-            <a:r>
-              <a:rPr lang="de-DE" dirty="0" smtClean="0"/>
-              <a:t> </a:t>
-            </a:r>
-            <a:r>
-              <a:rPr lang="de-DE" dirty="0" err="1" smtClean="0"/>
-              <a:t>and</a:t>
-            </a:r>
-            <a:r>
-              <a:rPr lang="de-DE" dirty="0" smtClean="0"/>
-              <a:t> </a:t>
-            </a:r>
-            <a:r>
-              <a:rPr lang="de-DE" b="1" dirty="0" smtClean="0"/>
-              <a:t>t</a:t>
-            </a:r>
-            <a:r>
-              <a:rPr lang="de-DE" dirty="0" smtClean="0"/>
-              <a:t> </a:t>
-            </a:r>
-            <a:r>
-              <a:rPr lang="de-DE" dirty="0" err="1" smtClean="0"/>
-              <a:t>dimensions</a:t>
-            </a:r>
-            <a:r>
-              <a:rPr lang="de-DE" dirty="0" smtClean="0"/>
-              <a:t> in PCA </a:t>
-            </a:r>
-            <a:r>
-              <a:rPr lang="de-DE" dirty="0" err="1" smtClean="0"/>
-              <a:t>space</a:t>
-            </a:r>
-            <a:r>
-              <a:rPr lang="de-DE" dirty="0" smtClean="0"/>
-              <a:t>.</a:t>
-            </a:r>
-            <a:endParaRPr lang="de-DE" dirty="0"/>
           </a:p>
           <a:p>
             <a:pPr>
@@ -13447,36 +13295,171 @@
               </a:lnSpc>
             </a:pPr>
             <a:r>
-              <a:rPr lang="en-US" dirty="0" smtClean="0"/>
+              <a:rPr lang="de-DE" dirty="0"/>
+              <a:t>The </a:t>
+            </a:r>
+            <a:r>
+              <a:rPr lang="de-DE" dirty="0" err="1"/>
+              <a:t>maxima</a:t>
+            </a:r>
+            <a:r>
+              <a:rPr lang="de-DE" dirty="0"/>
+              <a:t> </a:t>
+            </a:r>
+            <a:r>
+              <a:rPr lang="de-DE" dirty="0" err="1"/>
+              <a:t>of</a:t>
+            </a:r>
+            <a:r>
+              <a:rPr lang="de-DE" dirty="0"/>
+              <a:t> </a:t>
+            </a:r>
+            <a:r>
+              <a:rPr lang="de-DE" dirty="0" err="1"/>
+              <a:t>the</a:t>
+            </a:r>
+            <a:r>
+              <a:rPr lang="de-DE" dirty="0"/>
+              <a:t> </a:t>
+            </a:r>
+            <a:r>
+              <a:rPr lang="de-DE" dirty="0" err="1"/>
+              <a:t>accuracy</a:t>
+            </a:r>
+            <a:r>
+              <a:rPr lang="de-DE" dirty="0"/>
+              <a:t> </a:t>
+            </a:r>
+            <a:r>
+              <a:rPr lang="de-DE" dirty="0" err="1"/>
+              <a:t>are</a:t>
+            </a:r>
+            <a:r>
+              <a:rPr lang="de-DE" dirty="0"/>
+              <a:t> </a:t>
+            </a:r>
+            <a:r>
+              <a:rPr lang="de-DE" dirty="0" err="1"/>
+              <a:t>interpreted</a:t>
+            </a:r>
+            <a:r>
+              <a:rPr lang="de-DE" dirty="0"/>
+              <a:t> </a:t>
+            </a:r>
+            <a:r>
+              <a:rPr lang="de-DE" dirty="0" err="1"/>
+              <a:t>as</a:t>
+            </a:r>
+            <a:r>
+              <a:rPr lang="de-DE" dirty="0"/>
+              <a:t> </a:t>
+            </a:r>
+            <a:r>
+              <a:rPr lang="de-DE" dirty="0" err="1"/>
+              <a:t>the</a:t>
+            </a:r>
+            <a:r>
+              <a:rPr lang="de-DE" dirty="0"/>
+              <a:t> optimal </a:t>
+            </a:r>
+            <a:r>
+              <a:rPr lang="de-DE" dirty="0" err="1"/>
+              <a:t>numbers</a:t>
+            </a:r>
+            <a:r>
+              <a:rPr lang="de-DE" dirty="0"/>
+              <a:t> </a:t>
+            </a:r>
+            <a:r>
+              <a:rPr lang="de-DE" dirty="0" err="1"/>
+              <a:t>for</a:t>
+            </a:r>
+            <a:r>
+              <a:rPr lang="de-DE" dirty="0"/>
+              <a:t> </a:t>
+            </a:r>
+            <a:r>
+              <a:rPr lang="de-DE" b="1" dirty="0"/>
+              <a:t>k</a:t>
+            </a:r>
+            <a:r>
+              <a:rPr lang="de-DE" dirty="0"/>
+              <a:t> </a:t>
+            </a:r>
+            <a:r>
+              <a:rPr lang="de-DE" dirty="0" err="1"/>
+              <a:t>neighbours</a:t>
+            </a:r>
+            <a:r>
+              <a:rPr lang="de-DE" dirty="0"/>
+              <a:t> </a:t>
+            </a:r>
+            <a:r>
+              <a:rPr lang="de-DE" dirty="0" err="1"/>
+              <a:t>and</a:t>
+            </a:r>
+            <a:r>
+              <a:rPr lang="de-DE" dirty="0"/>
+              <a:t> </a:t>
+            </a:r>
+            <a:r>
+              <a:rPr lang="de-DE" b="1" dirty="0"/>
+              <a:t>t</a:t>
+            </a:r>
+            <a:r>
+              <a:rPr lang="de-DE" dirty="0"/>
+              <a:t> </a:t>
+            </a:r>
+            <a:r>
+              <a:rPr lang="de-DE" dirty="0" err="1"/>
+              <a:t>dimensions</a:t>
+            </a:r>
+            <a:r>
+              <a:rPr lang="de-DE" dirty="0"/>
+              <a:t> in PCA </a:t>
+            </a:r>
+            <a:r>
+              <a:rPr lang="de-DE" dirty="0" err="1"/>
+              <a:t>space</a:t>
+            </a:r>
+            <a:r>
+              <a:rPr lang="de-DE" dirty="0"/>
+              <a:t>.</a:t>
+            </a:r>
+          </a:p>
+          <a:p>
+            <a:pPr>
+              <a:lnSpc>
+                <a:spcPts val="1900"/>
+              </a:lnSpc>
+            </a:pPr>
+            <a:endParaRPr lang="de-DE" dirty="0"/>
+          </a:p>
+          <a:p>
+            <a:pPr>
+              <a:lnSpc>
+                <a:spcPts val="1900"/>
+              </a:lnSpc>
+            </a:pPr>
+            <a:r>
+              <a:rPr lang="en-US" dirty="0"/>
               <a:t>For optimal </a:t>
             </a:r>
             <a:r>
-              <a:rPr lang="en-US" b="1" dirty="0" smtClean="0"/>
+              <a:rPr lang="en-US" b="1" dirty="0"/>
               <a:t>t </a:t>
             </a:r>
             <a:r>
-              <a:rPr lang="en-US" dirty="0" smtClean="0"/>
+              <a:rPr lang="en-US" dirty="0"/>
               <a:t>finding</a:t>
             </a:r>
             <a:r>
-              <a:rPr lang="en-US" b="1" dirty="0" smtClean="0"/>
+              <a:rPr lang="en-US" b="1" dirty="0"/>
               <a:t> </a:t>
             </a:r>
             <a:r>
               <a:rPr lang="en-US" dirty="0"/>
-              <a:t>s</a:t>
-            </a:r>
-            <a:r>
-              <a:rPr lang="en-US" dirty="0" smtClean="0"/>
-              <a:t>cree plot and “elbow” </a:t>
-            </a:r>
-            <a:r>
-              <a:rPr lang="en-US" dirty="0"/>
-              <a:t>s</a:t>
-            </a:r>
-            <a:r>
-              <a:rPr lang="en-US" dirty="0" smtClean="0"/>
-              <a:t>cree test could also be used</a:t>
+              <a:t>scree plot and “elbow” scree test could also be used</a:t>
             </a:r>
             <a:endParaRPr lang="de-DE" b="1" dirty="0"/>
           </a:p>
@@ -13490,7 +13473,7 @@
           <p:cNvPr id="5" name="Grafik 4" descr="Ein Bild, das Text, Karte enthält.&#10;&#10;Automatisch generierte Beschreibung">
             <a:extLst>
               <a:ext uri="{FF2B5EF4-FFF2-40B4-BE49-F238E27FC236}">
-                <a16:creationId xmlns:a16="http://schemas.microsoft.com/office/drawing/2014/main" xmlns="" id="{88B2EE34-B8EE-4BF1-B3D1-6B70C86D7DA7}"/>
+                <a16:creationId xmlns:a16="http://schemas.microsoft.com/office/drawing/2014/main" id="{88B2EE34-B8EE-4BF1-B3D1-6B70C86D7DA7}"/>
               </a:ext>
             </a:extLst>
           </p:cNvPr>
@@ -13525,7 +13508,7 @@
           <p:cNvPr id="7" name="Grafik 6" descr="Ein Bild, das Karte, Text enthält.&#10;&#10;Automatisch generierte Beschreibung">
             <a:extLst>
               <a:ext uri="{FF2B5EF4-FFF2-40B4-BE49-F238E27FC236}">
-                <a16:creationId xmlns:a16="http://schemas.microsoft.com/office/drawing/2014/main" xmlns="" id="{0CBA23CC-576A-4326-8AB4-E0E78200582D}"/>
+                <a16:creationId xmlns:a16="http://schemas.microsoft.com/office/drawing/2014/main" id="{0CBA23CC-576A-4326-8AB4-E0E78200582D}"/>
               </a:ext>
             </a:extLst>
           </p:cNvPr>
@@ -13560,7 +13543,7 @@
           <p:cNvPr id="8" name="Textfeld 7">
             <a:extLst>
               <a:ext uri="{FF2B5EF4-FFF2-40B4-BE49-F238E27FC236}">
-                <a16:creationId xmlns:a16="http://schemas.microsoft.com/office/drawing/2014/main" xmlns="" id="{715A02E8-97E5-43DC-A343-4B63BB73A948}"/>
+                <a16:creationId xmlns:a16="http://schemas.microsoft.com/office/drawing/2014/main" id="{715A02E8-97E5-43DC-A343-4B63BB73A948}"/>
               </a:ext>
             </a:extLst>
           </p:cNvPr>
@@ -13678,13 +13661,6 @@
   <p:clrMapOvr>
     <a:masterClrMapping/>
   </p:clrMapOvr>
-  <p:timing>
-    <p:tnLst>
-      <p:par>
-        <p:cTn id="1" dur="indefinite" restart="never" nodeType="tmRoot"/>
-      </p:par>
-    </p:tnLst>
-  </p:timing>
 </p:sld>
 </file>
 
@@ -13710,7 +13686,7 @@
           <p:cNvPr id="2" name="Titel 1">
             <a:extLst>
               <a:ext uri="{FF2B5EF4-FFF2-40B4-BE49-F238E27FC236}">
-                <a16:creationId xmlns:a16="http://schemas.microsoft.com/office/drawing/2014/main" xmlns="" id="{3A0DF07A-A6C0-4B8E-B7C2-439EA1742EBF}"/>
+                <a16:creationId xmlns:a16="http://schemas.microsoft.com/office/drawing/2014/main" id="{3A0DF07A-A6C0-4B8E-B7C2-439EA1742EBF}"/>
               </a:ext>
             </a:extLst>
           </p:cNvPr>
@@ -13739,7 +13715,7 @@
           <p:cNvPr id="4" name="Textfeld 3">
             <a:extLst>
               <a:ext uri="{FF2B5EF4-FFF2-40B4-BE49-F238E27FC236}">
-                <a16:creationId xmlns:a16="http://schemas.microsoft.com/office/drawing/2014/main" xmlns="" id="{E0AF8BE7-4D29-4120-8B6C-C0617FC4823E}"/>
+                <a16:creationId xmlns:a16="http://schemas.microsoft.com/office/drawing/2014/main" id="{E0AF8BE7-4D29-4120-8B6C-C0617FC4823E}"/>
               </a:ext>
             </a:extLst>
           </p:cNvPr>
@@ -13779,7 +13755,7 @@
               <a:t> </a:t>
             </a:r>
             <a:r>
-              <a:rPr lang="de-DE" sz="2000" dirty="0" err="1" smtClean="0"/>
+              <a:rPr lang="de-DE" sz="2000" dirty="0" err="1"/>
               <a:t>consists</a:t>
             </a:r>
             <a:r>
@@ -13795,11 +13771,11 @@
               <a:t> </a:t>
             </a:r>
             <a:r>
-              <a:rPr lang="de-DE" sz="2000" dirty="0" err="1" smtClean="0"/>
+              <a:rPr lang="de-DE" sz="2000" dirty="0" err="1"/>
               <a:t>of</a:t>
             </a:r>
             <a:r>
-              <a:rPr lang="de-DE" sz="2000" dirty="0" smtClean="0"/>
+              <a:rPr lang="de-DE" sz="2000" dirty="0"/>
               <a:t> </a:t>
             </a:r>
             <a:r>
@@ -13874,7 +13850,7 @@
           <p:cNvPr id="5" name="Grafik 4">
             <a:extLst>
               <a:ext uri="{FF2B5EF4-FFF2-40B4-BE49-F238E27FC236}">
-                <a16:creationId xmlns:a16="http://schemas.microsoft.com/office/drawing/2014/main" xmlns="" id="{7EACE29B-80D8-462B-B157-449C327A0E60}"/>
+                <a16:creationId xmlns:a16="http://schemas.microsoft.com/office/drawing/2014/main" id="{7EACE29B-80D8-462B-B157-449C327A0E60}"/>
               </a:ext>
             </a:extLst>
           </p:cNvPr>
@@ -13910,7 +13886,7 @@
           <p:cNvPr id="7" name="Pfeil: nach rechts 6">
             <a:extLst>
               <a:ext uri="{FF2B5EF4-FFF2-40B4-BE49-F238E27FC236}">
-                <a16:creationId xmlns:a16="http://schemas.microsoft.com/office/drawing/2014/main" xmlns="" id="{EBAB8428-19FC-46B4-86D1-06DA423F5159}"/>
+                <a16:creationId xmlns:a16="http://schemas.microsoft.com/office/drawing/2014/main" id="{EBAB8428-19FC-46B4-86D1-06DA423F5159}"/>
               </a:ext>
             </a:extLst>
           </p:cNvPr>
@@ -13956,7 +13932,7 @@
           <p:cNvPr id="8" name="Textfeld 7">
             <a:extLst>
               <a:ext uri="{FF2B5EF4-FFF2-40B4-BE49-F238E27FC236}">
-                <a16:creationId xmlns:a16="http://schemas.microsoft.com/office/drawing/2014/main" xmlns="" id="{4B38B57E-ED9C-41B4-B178-0A690D45CEFC}"/>
+                <a16:creationId xmlns:a16="http://schemas.microsoft.com/office/drawing/2014/main" id="{4B38B57E-ED9C-41B4-B178-0A690D45CEFC}"/>
               </a:ext>
             </a:extLst>
           </p:cNvPr>
@@ -14049,7 +14025,7 @@
           <p:cNvPr id="9" name="Textfeld 8">
             <a:extLst>
               <a:ext uri="{FF2B5EF4-FFF2-40B4-BE49-F238E27FC236}">
-                <a16:creationId xmlns:a16="http://schemas.microsoft.com/office/drawing/2014/main" xmlns="" id="{B8B5B46E-131F-4826-B800-2829288C4A99}"/>
+                <a16:creationId xmlns:a16="http://schemas.microsoft.com/office/drawing/2014/main" id="{B8B5B46E-131F-4826-B800-2829288C4A99}"/>
               </a:ext>
             </a:extLst>
           </p:cNvPr>
@@ -14105,7 +14081,7 @@
           <p:cNvPr id="10" name="Tabelle 9">
             <a:extLst>
               <a:ext uri="{FF2B5EF4-FFF2-40B4-BE49-F238E27FC236}">
-                <a16:creationId xmlns:a16="http://schemas.microsoft.com/office/drawing/2014/main" xmlns="" id="{1359DF27-0431-40C1-AAEA-10323C33B724}"/>
+                <a16:creationId xmlns:a16="http://schemas.microsoft.com/office/drawing/2014/main" id="{1359DF27-0431-40C1-AAEA-10323C33B724}"/>
               </a:ext>
             </a:extLst>
           </p:cNvPr>
@@ -14134,28 +14110,28 @@
                 <a:gridCol w="1127349">
                   <a:extLst>
                     <a:ext uri="{9D8B030D-6E8A-4147-A177-3AD203B41FA5}">
-                      <a16:colId xmlns:a16="http://schemas.microsoft.com/office/drawing/2014/main" xmlns="" val="2935268419"/>
+                      <a16:colId xmlns:a16="http://schemas.microsoft.com/office/drawing/2014/main" val="2935268419"/>
                     </a:ext>
                   </a:extLst>
                 </a:gridCol>
                 <a:gridCol w="1041139">
                   <a:extLst>
                     <a:ext uri="{9D8B030D-6E8A-4147-A177-3AD203B41FA5}">
-                      <a16:colId xmlns:a16="http://schemas.microsoft.com/office/drawing/2014/main" xmlns="" val="3573326846"/>
+                      <a16:colId xmlns:a16="http://schemas.microsoft.com/office/drawing/2014/main" val="3573326846"/>
                     </a:ext>
                   </a:extLst>
                 </a:gridCol>
                 <a:gridCol w="1127349">
                   <a:extLst>
                     <a:ext uri="{9D8B030D-6E8A-4147-A177-3AD203B41FA5}">
-                      <a16:colId xmlns:a16="http://schemas.microsoft.com/office/drawing/2014/main" xmlns="" val="3540853296"/>
+                      <a16:colId xmlns:a16="http://schemas.microsoft.com/office/drawing/2014/main" val="3540853296"/>
                     </a:ext>
                   </a:extLst>
                 </a:gridCol>
                 <a:gridCol w="1127349">
                   <a:extLst>
                     <a:ext uri="{9D8B030D-6E8A-4147-A177-3AD203B41FA5}">
-                      <a16:colId xmlns:a16="http://schemas.microsoft.com/office/drawing/2014/main" xmlns="" val="174494649"/>
+                      <a16:colId xmlns:a16="http://schemas.microsoft.com/office/drawing/2014/main" val="174494649"/>
                     </a:ext>
                   </a:extLst>
                 </a:gridCol>
@@ -14216,7 +14192,7 @@
                 </a:tc>
                 <a:extLst>
                   <a:ext uri="{0D108BD9-81ED-4DB2-BD59-A6C34878D82A}">
-                    <a16:rowId xmlns:a16="http://schemas.microsoft.com/office/drawing/2014/main" xmlns="" val="2824275686"/>
+                    <a16:rowId xmlns:a16="http://schemas.microsoft.com/office/drawing/2014/main" val="2824275686"/>
                   </a:ext>
                 </a:extLst>
               </a:tr>
@@ -14279,7 +14255,7 @@
                 </a:tc>
                 <a:extLst>
                   <a:ext uri="{0D108BD9-81ED-4DB2-BD59-A6C34878D82A}">
-                    <a16:rowId xmlns:a16="http://schemas.microsoft.com/office/drawing/2014/main" xmlns="" val="1457480322"/>
+                    <a16:rowId xmlns:a16="http://schemas.microsoft.com/office/drawing/2014/main" val="1457480322"/>
                   </a:ext>
                 </a:extLst>
               </a:tr>
@@ -14342,7 +14318,7 @@
                 </a:tc>
                 <a:extLst>
                   <a:ext uri="{0D108BD9-81ED-4DB2-BD59-A6C34878D82A}">
-                    <a16:rowId xmlns:a16="http://schemas.microsoft.com/office/drawing/2014/main" xmlns="" val="3884194282"/>
+                    <a16:rowId xmlns:a16="http://schemas.microsoft.com/office/drawing/2014/main" val="3884194282"/>
                   </a:ext>
                 </a:extLst>
               </a:tr>
@@ -14405,7 +14381,7 @@
                 </a:tc>
                 <a:extLst>
                   <a:ext uri="{0D108BD9-81ED-4DB2-BD59-A6C34878D82A}">
-                    <a16:rowId xmlns:a16="http://schemas.microsoft.com/office/drawing/2014/main" xmlns="" val="2216999364"/>
+                    <a16:rowId xmlns:a16="http://schemas.microsoft.com/office/drawing/2014/main" val="2216999364"/>
                   </a:ext>
                 </a:extLst>
               </a:tr>
@@ -14468,7 +14444,7 @@
                 </a:tc>
                 <a:extLst>
                   <a:ext uri="{0D108BD9-81ED-4DB2-BD59-A6C34878D82A}">
-                    <a16:rowId xmlns:a16="http://schemas.microsoft.com/office/drawing/2014/main" xmlns="" val="1739809223"/>
+                    <a16:rowId xmlns:a16="http://schemas.microsoft.com/office/drawing/2014/main" val="1739809223"/>
                   </a:ext>
                 </a:extLst>
               </a:tr>
@@ -14531,7 +14507,7 @@
                 </a:tc>
                 <a:extLst>
                   <a:ext uri="{0D108BD9-81ED-4DB2-BD59-A6C34878D82A}">
-                    <a16:rowId xmlns:a16="http://schemas.microsoft.com/office/drawing/2014/main" xmlns="" val="3065424001"/>
+                    <a16:rowId xmlns:a16="http://schemas.microsoft.com/office/drawing/2014/main" val="3065424001"/>
                   </a:ext>
                 </a:extLst>
               </a:tr>
@@ -14549,13 +14525,6 @@
   <p:clrMapOvr>
     <a:masterClrMapping/>
   </p:clrMapOvr>
-  <p:timing>
-    <p:tnLst>
-      <p:par>
-        <p:cTn id="1" dur="indefinite" restart="never" nodeType="tmRoot"/>
-      </p:par>
-    </p:tnLst>
-  </p:timing>
 </p:sld>
 </file>
 
@@ -14581,7 +14550,7 @@
           <p:cNvPr id="2" name="Titel 1">
             <a:extLst>
               <a:ext uri="{FF2B5EF4-FFF2-40B4-BE49-F238E27FC236}">
-                <a16:creationId xmlns:a16="http://schemas.microsoft.com/office/drawing/2014/main" xmlns="" id="{FD425221-F4E0-416C-8FB0-F41F029F15A2}"/>
+                <a16:creationId xmlns:a16="http://schemas.microsoft.com/office/drawing/2014/main" id="{FD425221-F4E0-416C-8FB0-F41F029F15A2}"/>
               </a:ext>
             </a:extLst>
           </p:cNvPr>
@@ -14610,7 +14579,7 @@
           <p:cNvPr id="4" name="Rechteck 3">
             <a:extLst>
               <a:ext uri="{FF2B5EF4-FFF2-40B4-BE49-F238E27FC236}">
-                <a16:creationId xmlns:a16="http://schemas.microsoft.com/office/drawing/2014/main" xmlns="" id="{3C144FCF-8160-45CB-AF72-B1E01D48110B}"/>
+                <a16:creationId xmlns:a16="http://schemas.microsoft.com/office/drawing/2014/main" id="{3C144FCF-8160-45CB-AF72-B1E01D48110B}"/>
               </a:ext>
             </a:extLst>
           </p:cNvPr>
@@ -14619,7 +14588,7 @@
         </p:nvSpPr>
         <p:spPr>
           <a:xfrm>
-            <a:off x="3867151" y="3413281"/>
+            <a:off x="3109129" y="3631882"/>
             <a:ext cx="2867025" cy="361950"/>
           </a:xfrm>
           <a:prstGeom prst="rect">
@@ -14687,7 +14656,7 @@
           <p:cNvPr id="5" name="Rechteck 4">
             <a:extLst>
               <a:ext uri="{FF2B5EF4-FFF2-40B4-BE49-F238E27FC236}">
-                <a16:creationId xmlns:a16="http://schemas.microsoft.com/office/drawing/2014/main" xmlns="" id="{D20448F9-72C8-413F-9D70-4409E2DE11C8}"/>
+                <a16:creationId xmlns:a16="http://schemas.microsoft.com/office/drawing/2014/main" id="{D20448F9-72C8-413F-9D70-4409E2DE11C8}"/>
               </a:ext>
             </a:extLst>
           </p:cNvPr>
@@ -14696,7 +14665,7 @@
         </p:nvSpPr>
         <p:spPr>
           <a:xfrm>
-            <a:off x="4452937" y="5122535"/>
+            <a:off x="3109129" y="5009029"/>
             <a:ext cx="847726" cy="352425"/>
           </a:xfrm>
           <a:prstGeom prst="rect">
@@ -14743,7 +14712,7 @@
           <p:cNvPr id="6" name="Rechteck 5">
             <a:extLst>
               <a:ext uri="{FF2B5EF4-FFF2-40B4-BE49-F238E27FC236}">
-                <a16:creationId xmlns:a16="http://schemas.microsoft.com/office/drawing/2014/main" xmlns="" id="{5180D00F-FD97-4A25-8D38-2CA232B64C83}"/>
+                <a16:creationId xmlns:a16="http://schemas.microsoft.com/office/drawing/2014/main" id="{5180D00F-FD97-4A25-8D38-2CA232B64C83}"/>
               </a:ext>
             </a:extLst>
           </p:cNvPr>
@@ -14752,7 +14721,7 @@
         </p:nvSpPr>
         <p:spPr>
           <a:xfrm>
-            <a:off x="4476751" y="4272670"/>
+            <a:off x="3109129" y="4341038"/>
             <a:ext cx="847726" cy="352425"/>
           </a:xfrm>
           <a:prstGeom prst="rect">
@@ -14799,7 +14768,7 @@
           <p:cNvPr id="7" name="Rechteck 6">
             <a:extLst>
               <a:ext uri="{FF2B5EF4-FFF2-40B4-BE49-F238E27FC236}">
-                <a16:creationId xmlns:a16="http://schemas.microsoft.com/office/drawing/2014/main" xmlns="" id="{A3652C8A-EF34-443B-BEB8-8B5DF46B51EB}"/>
+                <a16:creationId xmlns:a16="http://schemas.microsoft.com/office/drawing/2014/main" id="{A3652C8A-EF34-443B-BEB8-8B5DF46B51EB}"/>
               </a:ext>
             </a:extLst>
           </p:cNvPr>
@@ -14808,8 +14777,8 @@
         </p:nvSpPr>
         <p:spPr>
           <a:xfrm>
-            <a:off x="6734176" y="4272670"/>
-            <a:ext cx="2781301" cy="342901"/>
+            <a:off x="170190" y="4341038"/>
+            <a:ext cx="2265829" cy="418386"/>
           </a:xfrm>
           <a:prstGeom prst="rect">
             <a:avLst/>
@@ -14864,7 +14833,7 @@
           <p:cNvPr id="8" name="Rechteck 7">
             <a:extLst>
               <a:ext uri="{FF2B5EF4-FFF2-40B4-BE49-F238E27FC236}">
-                <a16:creationId xmlns:a16="http://schemas.microsoft.com/office/drawing/2014/main" xmlns="" id="{CB67835D-B0D2-4792-AD45-26DF015FBC36}"/>
+                <a16:creationId xmlns:a16="http://schemas.microsoft.com/office/drawing/2014/main" id="{CB67835D-B0D2-4792-AD45-26DF015FBC36}"/>
               </a:ext>
             </a:extLst>
           </p:cNvPr>
@@ -14873,7 +14842,7 @@
         </p:nvSpPr>
         <p:spPr>
           <a:xfrm>
-            <a:off x="6734176" y="5132053"/>
+            <a:off x="4611489" y="5014841"/>
             <a:ext cx="1952627" cy="342901"/>
           </a:xfrm>
           <a:prstGeom prst="rect">
@@ -14921,7 +14890,7 @@
           <p:cNvPr id="9" name="Rechteck 8">
             <a:extLst>
               <a:ext uri="{FF2B5EF4-FFF2-40B4-BE49-F238E27FC236}">
-                <a16:creationId xmlns:a16="http://schemas.microsoft.com/office/drawing/2014/main" xmlns="" id="{D252AD02-69CE-4013-B9CC-1224A53A42F3}"/>
+                <a16:creationId xmlns:a16="http://schemas.microsoft.com/office/drawing/2014/main" id="{D252AD02-69CE-4013-B9CC-1224A53A42F3}"/>
               </a:ext>
             </a:extLst>
           </p:cNvPr>
@@ -14930,7 +14899,7 @@
         </p:nvSpPr>
         <p:spPr>
           <a:xfrm>
-            <a:off x="3090863" y="2145029"/>
+            <a:off x="3109129" y="2144071"/>
             <a:ext cx="1952626" cy="361950"/>
           </a:xfrm>
           <a:prstGeom prst="rect">
@@ -14994,7 +14963,7 @@
           <p:cNvPr id="10" name="Rechteck 9">
             <a:extLst>
               <a:ext uri="{FF2B5EF4-FFF2-40B4-BE49-F238E27FC236}">
-                <a16:creationId xmlns:a16="http://schemas.microsoft.com/office/drawing/2014/main" xmlns="" id="{3FCA1C79-AB5E-4320-A47F-958AE6BBE9F2}"/>
+                <a16:creationId xmlns:a16="http://schemas.microsoft.com/office/drawing/2014/main" id="{3FCA1C79-AB5E-4320-A47F-958AE6BBE9F2}"/>
               </a:ext>
             </a:extLst>
           </p:cNvPr>
@@ -15003,7 +14972,7 @@
         </p:nvSpPr>
         <p:spPr>
           <a:xfrm>
-            <a:off x="291120" y="4565901"/>
+            <a:off x="6564116" y="4076707"/>
             <a:ext cx="2799743" cy="570114"/>
           </a:xfrm>
           <a:prstGeom prst="rect">
@@ -15047,23 +15016,31 @@
           <a:p>
             <a:pPr algn="ctr"/>
             <a:r>
-              <a:rPr lang="de-DE" dirty="0" err="1" smtClean="0"/>
-              <a:t>Perfect</a:t>
-            </a:r>
-            <a:r>
-              <a:rPr lang="de-DE" dirty="0" smtClean="0"/>
+              <a:rPr lang="de-DE" dirty="0" err="1"/>
+              <a:t>Calculate</a:t>
+            </a:r>
+            <a:r>
+              <a:rPr lang="de-DE" dirty="0"/>
+              <a:t> a </a:t>
+            </a:r>
+            <a:r>
+              <a:rPr lang="de-DE" dirty="0" err="1"/>
+              <a:t>perfect</a:t>
+            </a:r>
+            <a:r>
+              <a:rPr lang="de-DE" dirty="0"/>
               <a:t> </a:t>
             </a:r>
             <a:r>
-              <a:rPr lang="de-DE" dirty="0" err="1" smtClean="0"/>
+              <a:rPr lang="de-DE" dirty="0" err="1"/>
               <a:t>digit</a:t>
             </a:r>
             <a:r>
-              <a:rPr lang="de-DE" dirty="0" smtClean="0"/>
+              <a:rPr lang="de-DE" dirty="0"/>
               <a:t> via different </a:t>
             </a:r>
             <a:r>
-              <a:rPr lang="de-DE" dirty="0" err="1" smtClean="0"/>
+              <a:rPr lang="de-DE" dirty="0" err="1"/>
               <a:t>methods</a:t>
             </a:r>
             <a:endParaRPr lang="de-DE" dirty="0"/>
@@ -15075,7 +15052,7 @@
           <p:cNvPr id="12" name="Gerade Verbindung mit Pfeil 11">
             <a:extLst>
               <a:ext uri="{FF2B5EF4-FFF2-40B4-BE49-F238E27FC236}">
-                <a16:creationId xmlns:a16="http://schemas.microsoft.com/office/drawing/2014/main" xmlns="" id="{FBD46719-C1A0-4F14-B082-F80632595B0B}"/>
+                <a16:creationId xmlns:a16="http://schemas.microsoft.com/office/drawing/2014/main" id="{FBD46719-C1A0-4F14-B082-F80632595B0B}"/>
               </a:ext>
             </a:extLst>
           </p:cNvPr>
@@ -15087,90 +15064,8 @@
         </p:nvCxnSpPr>
         <p:spPr>
           <a:xfrm>
-            <a:off x="4067176" y="2506979"/>
-            <a:ext cx="714374" cy="741046"/>
-          </a:xfrm>
-          <a:prstGeom prst="straightConnector1">
-            <a:avLst/>
-          </a:prstGeom>
-          <a:ln>
-            <a:tailEnd type="triangle"/>
-          </a:ln>
-        </p:spPr>
-        <p:style>
-          <a:lnRef idx="2">
-            <a:schemeClr val="dk1"/>
-          </a:lnRef>
-          <a:fillRef idx="0">
-            <a:schemeClr val="dk1"/>
-          </a:fillRef>
-          <a:effectRef idx="1">
-            <a:schemeClr val="dk1"/>
-          </a:effectRef>
-          <a:fontRef idx="minor">
-            <a:schemeClr val="tx1"/>
-          </a:fontRef>
-        </p:style>
-      </p:cxnSp>
-      <p:cxnSp>
-        <p:nvCxnSpPr>
-          <p:cNvPr id="15" name="Gerade Verbindung mit Pfeil 14">
-            <a:extLst>
-              <a:ext uri="{FF2B5EF4-FFF2-40B4-BE49-F238E27FC236}">
-                <a16:creationId xmlns:a16="http://schemas.microsoft.com/office/drawing/2014/main" xmlns="" id="{F73EB8DE-6007-4698-90F1-AB21DE6D8866}"/>
-              </a:ext>
-            </a:extLst>
-          </p:cNvPr>
-          <p:cNvCxnSpPr>
-            <a:cxnSpLocks/>
-          </p:cNvCxnSpPr>
-          <p:nvPr/>
-        </p:nvCxnSpPr>
-        <p:spPr>
-          <a:xfrm flipH="1">
-            <a:off x="2950061" y="3775231"/>
-            <a:ext cx="1204608" cy="741045"/>
-          </a:xfrm>
-          <a:prstGeom prst="straightConnector1">
-            <a:avLst/>
-          </a:prstGeom>
-          <a:ln>
-            <a:tailEnd type="triangle"/>
-          </a:ln>
-        </p:spPr>
-        <p:style>
-          <a:lnRef idx="2">
-            <a:schemeClr val="dk1"/>
-          </a:lnRef>
-          <a:fillRef idx="0">
-            <a:schemeClr val="dk1"/>
-          </a:fillRef>
-          <a:effectRef idx="1">
-            <a:schemeClr val="dk1"/>
-          </a:effectRef>
-          <a:fontRef idx="minor">
-            <a:schemeClr val="tx1"/>
-          </a:fontRef>
-        </p:style>
-      </p:cxnSp>
-      <p:cxnSp>
-        <p:nvCxnSpPr>
-          <p:cNvPr id="17" name="Gerade Verbindung mit Pfeil 16">
-            <a:extLst>
-              <a:ext uri="{FF2B5EF4-FFF2-40B4-BE49-F238E27FC236}">
-                <a16:creationId xmlns:a16="http://schemas.microsoft.com/office/drawing/2014/main" xmlns="" id="{68EA95B4-1972-46D5-B3E8-2705355D8206}"/>
-              </a:ext>
-            </a:extLst>
-          </p:cNvPr>
-          <p:cNvCxnSpPr>
-            <a:cxnSpLocks/>
-          </p:cNvCxnSpPr>
-          <p:nvPr/>
-        </p:nvCxnSpPr>
-        <p:spPr>
-          <a:xfrm>
-            <a:off x="4900614" y="3825708"/>
-            <a:ext cx="0" cy="418387"/>
+            <a:off x="4085442" y="2506021"/>
+            <a:ext cx="0" cy="1079855"/>
           </a:xfrm>
           <a:prstGeom prst="straightConnector1">
             <a:avLst/>
@@ -15199,7 +15094,7 @@
           <p:cNvPr id="21" name="Gerade Verbindung mit Pfeil 20">
             <a:extLst>
               <a:ext uri="{FF2B5EF4-FFF2-40B4-BE49-F238E27FC236}">
-                <a16:creationId xmlns:a16="http://schemas.microsoft.com/office/drawing/2014/main" xmlns="" id="{2714CC57-CF7B-4DC0-923E-1DF969389D60}"/>
+                <a16:creationId xmlns:a16="http://schemas.microsoft.com/office/drawing/2014/main" id="{2714CC57-CF7B-4DC0-923E-1DF969389D60}"/>
               </a:ext>
             </a:extLst>
           </p:cNvPr>
@@ -15210,50 +15105,8 @@
         </p:nvCxnSpPr>
         <p:spPr>
           <a:xfrm>
-            <a:off x="4900614" y="4667957"/>
-            <a:ext cx="0" cy="418387"/>
-          </a:xfrm>
-          <a:prstGeom prst="straightConnector1">
-            <a:avLst/>
-          </a:prstGeom>
-          <a:ln>
-            <a:tailEnd type="triangle"/>
-          </a:ln>
-        </p:spPr>
-        <p:style>
-          <a:lnRef idx="2">
-            <a:schemeClr val="dk1"/>
-          </a:lnRef>
-          <a:fillRef idx="0">
-            <a:schemeClr val="dk1"/>
-          </a:fillRef>
-          <a:effectRef idx="1">
-            <a:schemeClr val="dk1"/>
-          </a:effectRef>
-          <a:fontRef idx="minor">
-            <a:schemeClr val="tx1"/>
-          </a:fontRef>
-        </p:style>
-      </p:cxnSp>
-      <p:cxnSp>
-        <p:nvCxnSpPr>
-          <p:cNvPr id="23" name="Gerade Verbindung mit Pfeil 22">
-            <a:extLst>
-              <a:ext uri="{FF2B5EF4-FFF2-40B4-BE49-F238E27FC236}">
-                <a16:creationId xmlns:a16="http://schemas.microsoft.com/office/drawing/2014/main" xmlns="" id="{B8AA6557-3089-4109-B91D-BFBCE8968F0A}"/>
-              </a:ext>
-            </a:extLst>
-          </p:cNvPr>
-          <p:cNvCxnSpPr>
-            <a:cxnSpLocks/>
-            <a:stCxn id="7" idx="1"/>
-          </p:cNvCxnSpPr>
-          <p:nvPr/>
-        </p:nvCxnSpPr>
-        <p:spPr>
-          <a:xfrm flipH="1">
-            <a:off x="5438775" y="4444121"/>
-            <a:ext cx="1295401" cy="0"/>
+            <a:off x="3532992" y="4761530"/>
+            <a:ext cx="0" cy="228449"/>
           </a:xfrm>
           <a:prstGeom prst="straightConnector1">
             <a:avLst/>
@@ -15282,20 +15135,19 @@
           <p:cNvPr id="27" name="Gerade Verbindung mit Pfeil 26">
             <a:extLst>
               <a:ext uri="{FF2B5EF4-FFF2-40B4-BE49-F238E27FC236}">
-                <a16:creationId xmlns:a16="http://schemas.microsoft.com/office/drawing/2014/main" xmlns="" id="{3E4A8C46-F5FD-47C9-BD8D-0E332217A07E}"/>
+                <a16:creationId xmlns:a16="http://schemas.microsoft.com/office/drawing/2014/main" id="{3E4A8C46-F5FD-47C9-BD8D-0E332217A07E}"/>
               </a:ext>
             </a:extLst>
           </p:cNvPr>
           <p:cNvCxnSpPr>
             <a:cxnSpLocks/>
-            <a:stCxn id="5" idx="3"/>
           </p:cNvCxnSpPr>
           <p:nvPr/>
         </p:nvCxnSpPr>
         <p:spPr>
           <a:xfrm>
-            <a:off x="5300663" y="5298748"/>
-            <a:ext cx="1309687" cy="4755"/>
+            <a:off x="3964836" y="5185241"/>
+            <a:ext cx="577805" cy="0"/>
           </a:xfrm>
           <a:prstGeom prst="straightConnector1">
             <a:avLst/>
@@ -15324,7 +15176,7 @@
           <p:cNvPr id="29" name="Textfeld 28">
             <a:extLst>
               <a:ext uri="{FF2B5EF4-FFF2-40B4-BE49-F238E27FC236}">
-                <a16:creationId xmlns:a16="http://schemas.microsoft.com/office/drawing/2014/main" xmlns="" id="{B0FF87C3-674E-402E-9DF8-D2DBC94CBFD1}"/>
+                <a16:creationId xmlns:a16="http://schemas.microsoft.com/office/drawing/2014/main" id="{B0FF87C3-674E-402E-9DF8-D2DBC94CBFD1}"/>
               </a:ext>
             </a:extLst>
           </p:cNvPr>
@@ -15333,7 +15185,7 @@
         </p:nvSpPr>
         <p:spPr>
           <a:xfrm>
-            <a:off x="1064406" y="2125949"/>
+            <a:off x="9294661" y="5859749"/>
             <a:ext cx="2007537" cy="400110"/>
           </a:xfrm>
           <a:prstGeom prst="rect">
@@ -15375,7 +15227,7 @@
           <p:cNvPr id="30" name="Rechteck 29">
             <a:extLst>
               <a:ext uri="{FF2B5EF4-FFF2-40B4-BE49-F238E27FC236}">
-                <a16:creationId xmlns:a16="http://schemas.microsoft.com/office/drawing/2014/main" xmlns="" id="{D462E61F-36B7-4D4E-8D16-AA0A2D4CD544}"/>
+                <a16:creationId xmlns:a16="http://schemas.microsoft.com/office/drawing/2014/main" id="{D462E61F-36B7-4D4E-8D16-AA0A2D4CD544}"/>
               </a:ext>
             </a:extLst>
           </p:cNvPr>
@@ -15384,7 +15236,7 @@
         </p:nvSpPr>
         <p:spPr>
           <a:xfrm>
-            <a:off x="9042340" y="2109643"/>
+            <a:off x="6564116" y="2144071"/>
             <a:ext cx="2794981" cy="832832"/>
           </a:xfrm>
           <a:prstGeom prst="rect">
@@ -15428,120 +15280,51 @@
           <a:p>
             <a:pPr algn="ctr"/>
             <a:r>
-              <a:rPr lang="de-DE" dirty="0" smtClean="0"/>
-              <a:t>A </a:t>
-            </a:r>
-            <a:r>
-              <a:rPr lang="de-DE" dirty="0" err="1" smtClean="0"/>
-              <a:t>comparison</a:t>
-            </a:r>
-            <a:r>
-              <a:rPr lang="de-DE" dirty="0" smtClean="0"/>
+              <a:rPr lang="de-DE" dirty="0" err="1"/>
+              <a:t>Comparison</a:t>
+            </a:r>
+            <a:r>
+              <a:rPr lang="de-DE" dirty="0"/>
               <a:t> </a:t>
             </a:r>
             <a:r>
-              <a:rPr lang="de-DE" dirty="0" err="1" smtClean="0"/>
-              <a:t>of</a:t>
-            </a:r>
-            <a:r>
-              <a:rPr lang="de-DE" dirty="0" smtClean="0"/>
+              <a:rPr lang="de-DE" dirty="0" err="1"/>
+              <a:t>with</a:t>
+            </a:r>
+            <a:r>
+              <a:rPr lang="de-DE" dirty="0"/>
+              <a:t> a </a:t>
+            </a:r>
+            <a:r>
+              <a:rPr lang="de-DE" dirty="0" err="1"/>
+              <a:t>corresponding</a:t>
+            </a:r>
+            <a:r>
+              <a:rPr lang="de-DE" dirty="0"/>
               <a:t> </a:t>
             </a:r>
             <a:r>
-              <a:rPr lang="de-DE" dirty="0" err="1" smtClean="0"/>
-              <a:t>any</a:t>
-            </a:r>
-            <a:r>
-              <a:rPr lang="de-DE" dirty="0" smtClean="0"/>
+              <a:rPr lang="de-DE" dirty="0" err="1"/>
+              <a:t>perfect</a:t>
+            </a:r>
+            <a:r>
+              <a:rPr lang="de-DE" dirty="0"/>
               <a:t> </a:t>
             </a:r>
             <a:r>
-              <a:rPr lang="de-DE" dirty="0" err="1" smtClean="0"/>
-              <a:t>written</a:t>
-            </a:r>
-            <a:r>
-              <a:rPr lang="de-DE" dirty="0" smtClean="0"/>
-              <a:t> </a:t>
-            </a:r>
-            <a:r>
-              <a:rPr lang="de-DE" dirty="0" err="1" smtClean="0"/>
+              <a:rPr lang="de-DE" dirty="0" err="1"/>
               <a:t>digit</a:t>
             </a:r>
-            <a:r>
-              <a:rPr lang="de-DE" dirty="0" smtClean="0"/>
-              <a:t> </a:t>
-            </a:r>
-            <a:r>
-              <a:rPr lang="de-DE" dirty="0" err="1" smtClean="0"/>
-              <a:t>with</a:t>
-            </a:r>
-            <a:r>
-              <a:rPr lang="de-DE" dirty="0" smtClean="0"/>
-              <a:t> a </a:t>
-            </a:r>
-            <a:r>
-              <a:rPr lang="de-DE" dirty="0" err="1" smtClean="0"/>
-              <a:t>perfect</a:t>
-            </a:r>
-            <a:r>
-              <a:rPr lang="de-DE" dirty="0" smtClean="0"/>
-              <a:t> </a:t>
-            </a:r>
-            <a:r>
-              <a:rPr lang="de-DE" dirty="0" err="1" smtClean="0"/>
-              <a:t>digit</a:t>
-            </a:r>
             <a:endParaRPr lang="de-DE" dirty="0"/>
           </a:p>
         </p:txBody>
       </p:sp>
-      <p:cxnSp>
-        <p:nvCxnSpPr>
-          <p:cNvPr id="11" name="Gerade Verbindung mit Pfeil 10">
-            <a:extLst>
-              <a:ext uri="{FF2B5EF4-FFF2-40B4-BE49-F238E27FC236}">
-                <a16:creationId xmlns:a16="http://schemas.microsoft.com/office/drawing/2014/main" xmlns="" id="{9F99904B-1C35-42EB-9645-2E61A3ECB860}"/>
-              </a:ext>
-            </a:extLst>
-          </p:cNvPr>
-          <p:cNvCxnSpPr>
-            <a:cxnSpLocks/>
-          </p:cNvCxnSpPr>
-          <p:nvPr/>
-        </p:nvCxnSpPr>
-        <p:spPr>
-          <a:xfrm flipH="1">
-            <a:off x="5438775" y="4615571"/>
-            <a:ext cx="1295401" cy="470774"/>
-          </a:xfrm>
-          <a:prstGeom prst="straightConnector1">
-            <a:avLst/>
-          </a:prstGeom>
-          <a:ln>
-            <a:tailEnd type="triangle"/>
-          </a:ln>
-        </p:spPr>
-        <p:style>
-          <a:lnRef idx="2">
-            <a:schemeClr val="dk1"/>
-          </a:lnRef>
-          <a:fillRef idx="0">
-            <a:schemeClr val="dk1"/>
-          </a:fillRef>
-          <a:effectRef idx="1">
-            <a:schemeClr val="dk1"/>
-          </a:effectRef>
-          <a:fontRef idx="minor">
-            <a:schemeClr val="tx1"/>
-          </a:fontRef>
-        </p:style>
-      </p:cxnSp>
       <p:sp>
         <p:nvSpPr>
           <p:cNvPr id="22" name="Rechteck 29">
             <a:extLst>
               <a:ext uri="{FF2B5EF4-FFF2-40B4-BE49-F238E27FC236}">
-                <a16:creationId xmlns:a16="http://schemas.microsoft.com/office/drawing/2014/main" xmlns="" id="{D462E61F-36B7-4D4E-8D16-AA0A2D4CD544}"/>
+                <a16:creationId xmlns:a16="http://schemas.microsoft.com/office/drawing/2014/main" id="{D462E61F-36B7-4D4E-8D16-AA0A2D4CD544}"/>
               </a:ext>
             </a:extLst>
           </p:cNvPr>
@@ -15550,7 +15333,7 @@
         </p:nvSpPr>
         <p:spPr>
           <a:xfrm>
-            <a:off x="9515477" y="3346205"/>
+            <a:off x="10114440" y="2266269"/>
             <a:ext cx="1723330" cy="479504"/>
           </a:xfrm>
           <a:prstGeom prst="rect">
@@ -15594,19 +15377,18 @@
           <a:p>
             <a:pPr algn="ctr"/>
             <a:r>
-              <a:rPr lang="de-DE" dirty="0" smtClean="0"/>
+              <a:rPr lang="de-DE" dirty="0"/>
               <a:t>Evaluation </a:t>
             </a:r>
-            <a:endParaRPr lang="de-DE" dirty="0"/>
           </a:p>
         </p:txBody>
       </p:sp>
       <p:cxnSp>
         <p:nvCxnSpPr>
-          <p:cNvPr id="24" name="Gerade Verbindung mit Pfeil 14">
+          <p:cNvPr id="25" name="Gerade Verbindung mit Pfeil 14">
             <a:extLst>
               <a:ext uri="{FF2B5EF4-FFF2-40B4-BE49-F238E27FC236}">
-                <a16:creationId xmlns:a16="http://schemas.microsoft.com/office/drawing/2014/main" xmlns="" id="{F73EB8DE-6007-4698-90F1-AB21DE6D8866}"/>
+                <a16:creationId xmlns:a16="http://schemas.microsoft.com/office/drawing/2014/main" id="{B14F8BFA-83F5-4FC0-A333-83D51857C5AD}"/>
               </a:ext>
             </a:extLst>
           </p:cNvPr>
@@ -15617,8 +15399,8 @@
         </p:nvCxnSpPr>
         <p:spPr>
           <a:xfrm flipV="1">
-            <a:off x="6492240" y="2426075"/>
-            <a:ext cx="2550100" cy="987206"/>
+            <a:off x="8649306" y="3124200"/>
+            <a:ext cx="0" cy="923353"/>
           </a:xfrm>
           <a:prstGeom prst="straightConnector1">
             <a:avLst/>
@@ -15644,25 +15426,335 @@
       </p:cxnSp>
       <p:cxnSp>
         <p:nvCxnSpPr>
-          <p:cNvPr id="31" name="Gerade Verbindung mit Pfeil 14">
+          <p:cNvPr id="32" name="Gerade Verbindung mit Pfeil 14">
             <a:extLst>
               <a:ext uri="{FF2B5EF4-FFF2-40B4-BE49-F238E27FC236}">
-                <a16:creationId xmlns:a16="http://schemas.microsoft.com/office/drawing/2014/main" xmlns="" id="{F73EB8DE-6007-4698-90F1-AB21DE6D8866}"/>
+                <a16:creationId xmlns:a16="http://schemas.microsoft.com/office/drawing/2014/main" id="{2B0875AB-F111-4122-BE4A-A6B40B4F7579}"/>
               </a:ext>
             </a:extLst>
           </p:cNvPr>
           <p:cNvCxnSpPr>
             <a:cxnSpLocks/>
-            <a:endCxn id="22" idx="0"/>
           </p:cNvCxnSpPr>
           <p:nvPr/>
         </p:nvCxnSpPr>
         <p:spPr>
-          <a:xfrm flipH="1">
-            <a:off x="10377142" y="2936131"/>
-            <a:ext cx="14202" cy="410074"/>
+          <a:xfrm>
+            <a:off x="5061755" y="2325046"/>
+            <a:ext cx="1386670" cy="0"/>
           </a:xfrm>
           <a:prstGeom prst="straightConnector1">
+            <a:avLst/>
+          </a:prstGeom>
+          <a:ln>
+            <a:tailEnd type="triangle"/>
+          </a:ln>
+        </p:spPr>
+        <p:style>
+          <a:lnRef idx="2">
+            <a:schemeClr val="dk1"/>
+          </a:lnRef>
+          <a:fillRef idx="0">
+            <a:schemeClr val="dk1"/>
+          </a:fillRef>
+          <a:effectRef idx="1">
+            <a:schemeClr val="dk1"/>
+          </a:effectRef>
+          <a:fontRef idx="minor">
+            <a:schemeClr val="tx1"/>
+          </a:fontRef>
+        </p:style>
+      </p:cxnSp>
+      <p:cxnSp>
+        <p:nvCxnSpPr>
+          <p:cNvPr id="36" name="Gerade Verbindung mit Pfeil 14">
+            <a:extLst>
+              <a:ext uri="{FF2B5EF4-FFF2-40B4-BE49-F238E27FC236}">
+                <a16:creationId xmlns:a16="http://schemas.microsoft.com/office/drawing/2014/main" id="{CFCFC8FD-77ED-4D6E-8797-391FA9B31122}"/>
+              </a:ext>
+            </a:extLst>
+          </p:cNvPr>
+          <p:cNvCxnSpPr>
+            <a:cxnSpLocks/>
+          </p:cNvCxnSpPr>
+          <p:nvPr/>
+        </p:nvCxnSpPr>
+        <p:spPr>
+          <a:xfrm>
+            <a:off x="9359097" y="2518396"/>
+            <a:ext cx="682861" cy="0"/>
+          </a:xfrm>
+          <a:prstGeom prst="straightConnector1">
+            <a:avLst/>
+          </a:prstGeom>
+          <a:ln>
+            <a:tailEnd type="triangle"/>
+          </a:ln>
+        </p:spPr>
+        <p:style>
+          <a:lnRef idx="2">
+            <a:schemeClr val="dk1"/>
+          </a:lnRef>
+          <a:fillRef idx="0">
+            <a:schemeClr val="dk1"/>
+          </a:fillRef>
+          <a:effectRef idx="1">
+            <a:schemeClr val="dk1"/>
+          </a:effectRef>
+          <a:fontRef idx="minor">
+            <a:schemeClr val="tx1"/>
+          </a:fontRef>
+        </p:style>
+      </p:cxnSp>
+      <p:sp>
+        <p:nvSpPr>
+          <p:cNvPr id="39" name="Rechteck 38">
+            <a:extLst>
+              <a:ext uri="{FF2B5EF4-FFF2-40B4-BE49-F238E27FC236}">
+                <a16:creationId xmlns:a16="http://schemas.microsoft.com/office/drawing/2014/main" id="{52876FB8-7E52-4169-AF82-82CB29CB4431}"/>
+              </a:ext>
+            </a:extLst>
+          </p:cNvPr>
+          <p:cNvSpPr/>
+          <p:nvPr/>
+        </p:nvSpPr>
+        <p:spPr>
+          <a:xfrm>
+            <a:off x="11329988" y="5888354"/>
+            <a:ext cx="614362" cy="352426"/>
+          </a:xfrm>
+          <a:prstGeom prst="rect">
+            <a:avLst/>
+          </a:prstGeom>
+          <a:solidFill>
+            <a:srgbClr val="FFC000"/>
+          </a:solidFill>
+          <a:ln>
+            <a:solidFill>
+              <a:srgbClr val="FF0000"/>
+            </a:solidFill>
+          </a:ln>
+          <a:effectLst>
+            <a:outerShdw blurRad="50800" dist="38100" dir="2700000" algn="tl" rotWithShape="0">
+              <a:prstClr val="black">
+                <a:alpha val="40000"/>
+              </a:prstClr>
+            </a:outerShdw>
+          </a:effectLst>
+        </p:spPr>
+        <p:style>
+          <a:lnRef idx="2">
+            <a:schemeClr val="accent1">
+              <a:shade val="50000"/>
+            </a:schemeClr>
+          </a:lnRef>
+          <a:fillRef idx="1">
+            <a:schemeClr val="accent1"/>
+          </a:fillRef>
+          <a:effectRef idx="0">
+            <a:schemeClr val="accent1"/>
+          </a:effectRef>
+          <a:fontRef idx="minor">
+            <a:schemeClr val="lt1"/>
+          </a:fontRef>
+        </p:style>
+        <p:txBody>
+          <a:bodyPr rtlCol="0" anchor="ctr"/>
+          <a:lstStyle/>
+          <a:p>
+            <a:pPr algn="ctr"/>
+            <a:endParaRPr lang="de-DE" dirty="0"/>
+          </a:p>
+        </p:txBody>
+      </p:sp>
+      <p:cxnSp>
+        <p:nvCxnSpPr>
+          <p:cNvPr id="42" name="Verbinder: gewinkelt 41">
+            <a:extLst>
+              <a:ext uri="{FF2B5EF4-FFF2-40B4-BE49-F238E27FC236}">
+                <a16:creationId xmlns:a16="http://schemas.microsoft.com/office/drawing/2014/main" id="{5EC9474B-5B3B-4B07-AE8D-CE32E7CE65DA}"/>
+              </a:ext>
+            </a:extLst>
+          </p:cNvPr>
+          <p:cNvCxnSpPr>
+            <a:cxnSpLocks/>
+            <a:stCxn id="10" idx="2"/>
+          </p:cNvCxnSpPr>
+          <p:nvPr/>
+        </p:nvCxnSpPr>
+        <p:spPr>
+          <a:xfrm rot="5400000">
+            <a:off x="7054108" y="4275361"/>
+            <a:ext cx="538420" cy="1281340"/>
+          </a:xfrm>
+          <a:prstGeom prst="bentConnector2">
+            <a:avLst/>
+          </a:prstGeom>
+          <a:ln>
+            <a:tailEnd type="triangle"/>
+          </a:ln>
+        </p:spPr>
+        <p:style>
+          <a:lnRef idx="2">
+            <a:schemeClr val="dk1"/>
+          </a:lnRef>
+          <a:fillRef idx="0">
+            <a:schemeClr val="dk1"/>
+          </a:fillRef>
+          <a:effectRef idx="1">
+            <a:schemeClr val="dk1"/>
+          </a:effectRef>
+          <a:fontRef idx="minor">
+            <a:schemeClr val="tx1"/>
+          </a:fontRef>
+        </p:style>
+      </p:cxnSp>
+      <p:cxnSp>
+        <p:nvCxnSpPr>
+          <p:cNvPr id="44" name="Verbinder: gewinkelt 43">
+            <a:extLst>
+              <a:ext uri="{FF2B5EF4-FFF2-40B4-BE49-F238E27FC236}">
+                <a16:creationId xmlns:a16="http://schemas.microsoft.com/office/drawing/2014/main" id="{53E1366E-AAD7-44B4-904B-CE252D267995}"/>
+              </a:ext>
+            </a:extLst>
+          </p:cNvPr>
+          <p:cNvCxnSpPr>
+            <a:cxnSpLocks/>
+            <a:stCxn id="4" idx="3"/>
+            <a:endCxn id="10" idx="0"/>
+          </p:cNvCxnSpPr>
+          <p:nvPr/>
+        </p:nvCxnSpPr>
+        <p:spPr>
+          <a:xfrm>
+            <a:off x="5976154" y="3812857"/>
+            <a:ext cx="1987834" cy="263850"/>
+          </a:xfrm>
+          <a:prstGeom prst="bentConnector2">
+            <a:avLst/>
+          </a:prstGeom>
+          <a:ln>
+            <a:tailEnd type="triangle"/>
+          </a:ln>
+        </p:spPr>
+        <p:style>
+          <a:lnRef idx="2">
+            <a:schemeClr val="dk1"/>
+          </a:lnRef>
+          <a:fillRef idx="0">
+            <a:schemeClr val="dk1"/>
+          </a:fillRef>
+          <a:effectRef idx="1">
+            <a:schemeClr val="dk1"/>
+          </a:effectRef>
+          <a:fontRef idx="minor">
+            <a:schemeClr val="tx1"/>
+          </a:fontRef>
+        </p:style>
+      </p:cxnSp>
+      <p:cxnSp>
+        <p:nvCxnSpPr>
+          <p:cNvPr id="49" name="Gerade Verbindung mit Pfeil 48">
+            <a:extLst>
+              <a:ext uri="{FF2B5EF4-FFF2-40B4-BE49-F238E27FC236}">
+                <a16:creationId xmlns:a16="http://schemas.microsoft.com/office/drawing/2014/main" id="{AACE0107-A329-4ACF-B672-55402630DEB3}"/>
+              </a:ext>
+            </a:extLst>
+          </p:cNvPr>
+          <p:cNvCxnSpPr>
+            <a:cxnSpLocks/>
+          </p:cNvCxnSpPr>
+          <p:nvPr/>
+        </p:nvCxnSpPr>
+        <p:spPr>
+          <a:xfrm>
+            <a:off x="3532992" y="4076707"/>
+            <a:ext cx="0" cy="228449"/>
+          </a:xfrm>
+          <a:prstGeom prst="straightConnector1">
+            <a:avLst/>
+          </a:prstGeom>
+          <a:ln>
+            <a:tailEnd type="triangle"/>
+          </a:ln>
+        </p:spPr>
+        <p:style>
+          <a:lnRef idx="2">
+            <a:schemeClr val="dk1"/>
+          </a:lnRef>
+          <a:fillRef idx="0">
+            <a:schemeClr val="dk1"/>
+          </a:fillRef>
+          <a:effectRef idx="1">
+            <a:schemeClr val="dk1"/>
+          </a:effectRef>
+          <a:fontRef idx="minor">
+            <a:schemeClr val="tx1"/>
+          </a:fontRef>
+        </p:style>
+      </p:cxnSp>
+      <p:cxnSp>
+        <p:nvCxnSpPr>
+          <p:cNvPr id="54" name="Gerade Verbindung mit Pfeil 53">
+            <a:extLst>
+              <a:ext uri="{FF2B5EF4-FFF2-40B4-BE49-F238E27FC236}">
+                <a16:creationId xmlns:a16="http://schemas.microsoft.com/office/drawing/2014/main" id="{1E167267-027D-4207-9813-917FAABAF94C}"/>
+              </a:ext>
+            </a:extLst>
+          </p:cNvPr>
+          <p:cNvCxnSpPr>
+            <a:cxnSpLocks/>
+          </p:cNvCxnSpPr>
+          <p:nvPr/>
+        </p:nvCxnSpPr>
+        <p:spPr>
+          <a:xfrm>
+            <a:off x="2436019" y="4558991"/>
+            <a:ext cx="577805" cy="0"/>
+          </a:xfrm>
+          <a:prstGeom prst="straightConnector1">
+            <a:avLst/>
+          </a:prstGeom>
+          <a:ln>
+            <a:tailEnd type="triangle"/>
+          </a:ln>
+        </p:spPr>
+        <p:style>
+          <a:lnRef idx="2">
+            <a:schemeClr val="dk1"/>
+          </a:lnRef>
+          <a:fillRef idx="0">
+            <a:schemeClr val="dk1"/>
+          </a:fillRef>
+          <a:effectRef idx="1">
+            <a:schemeClr val="dk1"/>
+          </a:effectRef>
+          <a:fontRef idx="minor">
+            <a:schemeClr val="tx1"/>
+          </a:fontRef>
+        </p:style>
+      </p:cxnSp>
+      <p:cxnSp>
+        <p:nvCxnSpPr>
+          <p:cNvPr id="55" name="Verbinder: gewinkelt 54">
+            <a:extLst>
+              <a:ext uri="{FF2B5EF4-FFF2-40B4-BE49-F238E27FC236}">
+                <a16:creationId xmlns:a16="http://schemas.microsoft.com/office/drawing/2014/main" id="{2D68B8CA-4010-4FF3-B221-9CA41A290A95}"/>
+              </a:ext>
+            </a:extLst>
+          </p:cNvPr>
+          <p:cNvCxnSpPr>
+            <a:cxnSpLocks/>
+            <a:stCxn id="7" idx="2"/>
+          </p:cNvCxnSpPr>
+          <p:nvPr/>
+        </p:nvCxnSpPr>
+        <p:spPr>
+          <a:xfrm rot="16200000" flipH="1">
+            <a:off x="1936031" y="4126497"/>
+            <a:ext cx="444869" cy="1710721"/>
+          </a:xfrm>
+          <a:prstGeom prst="bentConnector2">
             <a:avLst/>
           </a:prstGeom>
           <a:ln>
@@ -15694,13 +15786,6 @@
   <p:clrMapOvr>
     <a:masterClrMapping/>
   </p:clrMapOvr>
-  <p:timing>
-    <p:tnLst>
-      <p:par>
-        <p:cTn id="1" dur="indefinite" restart="never" nodeType="tmRoot"/>
-      </p:par>
-    </p:tnLst>
-  </p:timing>
 </p:sld>
 </file>
 
@@ -15737,7 +15822,7 @@
           <a:lstStyle/>
           <a:p>
             <a:r>
-              <a:rPr lang="en-US" dirty="0" smtClean="0"/>
+              <a:rPr lang="en-US" dirty="0"/>
               <a:t>We have time, but we need more!</a:t>
             </a:r>
             <a:endParaRPr lang="ru-RU" dirty="0"/>
@@ -15770,8 +15855,20 @@
                 <a:tableStyleId>{5C22544A-7EE6-4342-B048-85BDC9FD1C3A}</a:tableStyleId>
               </a:tblPr>
               <a:tblGrid>
-                <a:gridCol w="6966382"/>
-                <a:gridCol w="3092018"/>
+                <a:gridCol w="6966382">
+                  <a:extLst>
+                    <a:ext uri="{9D8B030D-6E8A-4147-A177-3AD203B41FA5}">
+                      <a16:colId xmlns:a16="http://schemas.microsoft.com/office/drawing/2014/main" val="20000"/>
+                    </a:ext>
+                  </a:extLst>
+                </a:gridCol>
+                <a:gridCol w="3092018">
+                  <a:extLst>
+                    <a:ext uri="{9D8B030D-6E8A-4147-A177-3AD203B41FA5}">
+                      <a16:colId xmlns:a16="http://schemas.microsoft.com/office/drawing/2014/main" val="20001"/>
+                    </a:ext>
+                  </a:extLst>
+                </a:gridCol>
               </a:tblGrid>
               <a:tr h="370840">
                 <a:tc>
@@ -15780,7 +15877,7 @@
                     <a:lstStyle/>
                     <a:p>
                       <a:r>
-                        <a:rPr lang="en-US" dirty="0" smtClean="0"/>
+                        <a:rPr lang="en-US" dirty="0"/>
                         <a:t>Milestones</a:t>
                       </a:r>
                       <a:endParaRPr lang="ru-RU" dirty="0"/>
@@ -15794,7 +15891,7 @@
                     <a:lstStyle/>
                     <a:p>
                       <a:r>
-                        <a:rPr lang="en-US" dirty="0" smtClean="0"/>
+                        <a:rPr lang="en-US" dirty="0"/>
                         <a:t>Weeks</a:t>
                       </a:r>
                       <a:endParaRPr lang="ru-RU" dirty="0"/>
@@ -15802,6 +15899,11 @@
                   </a:txBody>
                   <a:tcPr/>
                 </a:tc>
+                <a:extLst>
+                  <a:ext uri="{0D108BD9-81ED-4DB2-BD59-A6C34878D82A}">
+                    <a16:rowId xmlns:a16="http://schemas.microsoft.com/office/drawing/2014/main" val="10000"/>
+                  </a:ext>
+                </a:extLst>
               </a:tr>
               <a:tr h="393093">
                 <a:tc>
@@ -15810,11 +15912,11 @@
                     <a:lstStyle/>
                     <a:p>
                       <a:r>
-                        <a:rPr lang="en-US" dirty="0" smtClean="0"/>
+                        <a:rPr lang="en-US" dirty="0"/>
                         <a:t>Project</a:t>
                       </a:r>
                       <a:r>
-                        <a:rPr lang="en-US" baseline="0" dirty="0" smtClean="0"/>
+                        <a:rPr lang="en-US" baseline="0" dirty="0"/>
                         <a:t> proposal + programming skill improving</a:t>
                       </a:r>
                       <a:endParaRPr lang="ru-RU" dirty="0"/>
@@ -15828,7 +15930,7 @@
                     <a:lstStyle/>
                     <a:p>
                       <a:r>
-                        <a:rPr lang="en-US" dirty="0" smtClean="0"/>
+                        <a:rPr lang="en-US" dirty="0"/>
                         <a:t>20</a:t>
                       </a:r>
                       <a:endParaRPr lang="ru-RU" dirty="0"/>
@@ -15836,6 +15938,11 @@
                   </a:txBody>
                   <a:tcPr/>
                 </a:tc>
+                <a:extLst>
+                  <a:ext uri="{0D108BD9-81ED-4DB2-BD59-A6C34878D82A}">
+                    <a16:rowId xmlns:a16="http://schemas.microsoft.com/office/drawing/2014/main" val="10001"/>
+                  </a:ext>
+                </a:extLst>
               </a:tr>
               <a:tr h="370840">
                 <a:tc>
@@ -15844,11 +15951,11 @@
                     <a:lstStyle/>
                     <a:p>
                       <a:r>
-                        <a:rPr lang="en-US" dirty="0" smtClean="0"/>
+                        <a:rPr lang="en-US" dirty="0"/>
                         <a:t>KNN</a:t>
                       </a:r>
                       <a:r>
-                        <a:rPr lang="en-US" baseline="0" dirty="0" smtClean="0"/>
+                        <a:rPr lang="en-US" baseline="0" dirty="0"/>
                         <a:t> in 784 dimensions</a:t>
                       </a:r>
                       <a:endParaRPr lang="ru-RU" dirty="0"/>
@@ -15862,7 +15969,7 @@
                     <a:lstStyle/>
                     <a:p>
                       <a:r>
-                        <a:rPr lang="en-US" dirty="0" smtClean="0"/>
+                        <a:rPr lang="en-US" dirty="0"/>
                         <a:t>21+22</a:t>
                       </a:r>
                       <a:endParaRPr lang="ru-RU" dirty="0"/>
@@ -15870,6 +15977,11 @@
                   </a:txBody>
                   <a:tcPr/>
                 </a:tc>
+                <a:extLst>
+                  <a:ext uri="{0D108BD9-81ED-4DB2-BD59-A6C34878D82A}">
+                    <a16:rowId xmlns:a16="http://schemas.microsoft.com/office/drawing/2014/main" val="10002"/>
+                  </a:ext>
+                </a:extLst>
               </a:tr>
               <a:tr h="370840">
                 <a:tc>
@@ -15895,18 +16007,18 @@
                         <a:defRPr/>
                       </a:pPr>
                       <a:r>
-                        <a:rPr lang="en-US" baseline="0" dirty="0" smtClean="0"/>
+                        <a:rPr lang="en-US" baseline="0" dirty="0"/>
                         <a:t>optimal </a:t>
                       </a:r>
                       <a:r>
-                        <a:rPr lang="en-US" b="1" baseline="0" dirty="0" smtClean="0"/>
+                        <a:rPr lang="en-US" b="1" baseline="0" dirty="0"/>
                         <a:t>k</a:t>
                       </a:r>
                       <a:r>
-                        <a:rPr lang="en-US" baseline="0" dirty="0" smtClean="0"/>
+                        <a:rPr lang="en-US" baseline="0" dirty="0"/>
                         <a:t> number, success-rate from k plotting function</a:t>
                       </a:r>
-                      <a:endParaRPr lang="ru-RU" dirty="0" smtClean="0"/>
+                      <a:endParaRPr lang="ru-RU" dirty="0"/>
                     </a:p>
                   </a:txBody>
                   <a:tcPr/>
@@ -15917,7 +16029,7 @@
                     <a:lstStyle/>
                     <a:p>
                       <a:r>
-                        <a:rPr lang="en-US" dirty="0" smtClean="0"/>
+                        <a:rPr lang="en-US" dirty="0"/>
                         <a:t>22+23</a:t>
                       </a:r>
                       <a:endParaRPr lang="ru-RU" dirty="0"/>
@@ -15925,6 +16037,11 @@
                   </a:txBody>
                   <a:tcPr/>
                 </a:tc>
+                <a:extLst>
+                  <a:ext uri="{0D108BD9-81ED-4DB2-BD59-A6C34878D82A}">
+                    <a16:rowId xmlns:a16="http://schemas.microsoft.com/office/drawing/2014/main" val="10003"/>
+                  </a:ext>
+                </a:extLst>
               </a:tr>
               <a:tr h="370840">
                 <a:tc>
@@ -15933,11 +16050,11 @@
                     <a:lstStyle/>
                     <a:p>
                       <a:r>
-                        <a:rPr lang="en-US" dirty="0" smtClean="0"/>
+                        <a:rPr lang="en-US" dirty="0"/>
                         <a:t>Visualization of recognized/falsely</a:t>
                       </a:r>
                       <a:r>
-                        <a:rPr lang="en-US" baseline="0" dirty="0" smtClean="0"/>
+                        <a:rPr lang="en-US" baseline="0" dirty="0"/>
                         <a:t> recognized digits </a:t>
                       </a:r>
                       <a:endParaRPr lang="ru-RU" dirty="0"/>
@@ -15951,7 +16068,7 @@
                     <a:lstStyle/>
                     <a:p>
                       <a:r>
-                        <a:rPr lang="en-US" dirty="0" smtClean="0"/>
+                        <a:rPr lang="en-US" dirty="0"/>
                         <a:t>24</a:t>
                       </a:r>
                       <a:endParaRPr lang="ru-RU" dirty="0"/>
@@ -15959,6 +16076,11 @@
                   </a:txBody>
                   <a:tcPr/>
                 </a:tc>
+                <a:extLst>
+                  <a:ext uri="{0D108BD9-81ED-4DB2-BD59-A6C34878D82A}">
+                    <a16:rowId xmlns:a16="http://schemas.microsoft.com/office/drawing/2014/main" val="10004"/>
+                  </a:ext>
+                </a:extLst>
               </a:tr>
               <a:tr h="370840">
                 <a:tc>
@@ -15967,19 +16089,19 @@
                     <a:lstStyle/>
                     <a:p>
                       <a:r>
-                        <a:rPr lang="en-US" dirty="0" smtClean="0"/>
+                        <a:rPr lang="en-US" dirty="0"/>
                         <a:t>PCA, optimal</a:t>
                       </a:r>
                       <a:r>
-                        <a:rPr lang="en-US" baseline="0" dirty="0" smtClean="0"/>
+                        <a:rPr lang="en-US" baseline="0" dirty="0"/>
                         <a:t> number </a:t>
                       </a:r>
                       <a:r>
-                        <a:rPr lang="en-US" b="1" baseline="0" dirty="0" smtClean="0"/>
+                        <a:rPr lang="en-US" b="1" baseline="0" dirty="0"/>
                         <a:t>t</a:t>
                       </a:r>
                       <a:r>
-                        <a:rPr lang="en-US" baseline="0" dirty="0" smtClean="0"/>
+                        <a:rPr lang="en-US" baseline="0" dirty="0"/>
                         <a:t> of dimensions</a:t>
                       </a:r>
                       <a:endParaRPr lang="ru-RU" dirty="0"/>
@@ -15993,7 +16115,7 @@
                     <a:lstStyle/>
                     <a:p>
                       <a:r>
-                        <a:rPr lang="en-US" dirty="0" smtClean="0"/>
+                        <a:rPr lang="en-US" dirty="0"/>
                         <a:t>25+26</a:t>
                       </a:r>
                       <a:endParaRPr lang="ru-RU" dirty="0"/>
@@ -16001,6 +16123,11 @@
                   </a:txBody>
                   <a:tcPr/>
                 </a:tc>
+                <a:extLst>
+                  <a:ext uri="{0D108BD9-81ED-4DB2-BD59-A6C34878D82A}">
+                    <a16:rowId xmlns:a16="http://schemas.microsoft.com/office/drawing/2014/main" val="10005"/>
+                  </a:ext>
+                </a:extLst>
               </a:tr>
               <a:tr h="370840">
                 <a:tc>
@@ -16009,35 +16136,35 @@
                     <a:lstStyle/>
                     <a:p>
                       <a:r>
-                        <a:rPr lang="en-US" dirty="0" smtClean="0"/>
+                        <a:rPr lang="en-US" dirty="0"/>
                         <a:t>KNN in</a:t>
                       </a:r>
                       <a:r>
-                        <a:rPr lang="en-US" baseline="0" dirty="0" smtClean="0"/>
+                        <a:rPr lang="en-US" baseline="0" dirty="0"/>
                         <a:t> PCA-space, success rate from </a:t>
                       </a:r>
                       <a:r>
-                        <a:rPr lang="en-US" b="1" baseline="0" dirty="0" smtClean="0"/>
+                        <a:rPr lang="en-US" b="1" baseline="0" dirty="0"/>
                         <a:t>t</a:t>
                       </a:r>
                       <a:r>
-                        <a:rPr lang="en-US" baseline="0" dirty="0" smtClean="0"/>
+                        <a:rPr lang="en-US" baseline="0" dirty="0"/>
                         <a:t> and </a:t>
                       </a:r>
                       <a:r>
-                        <a:rPr lang="en-US" b="1" baseline="0" dirty="0" smtClean="0"/>
+                        <a:rPr lang="en-US" b="1" baseline="0" dirty="0"/>
                         <a:t>k</a:t>
                       </a:r>
                       <a:r>
-                        <a:rPr lang="en-US" baseline="0" dirty="0" smtClean="0"/>
+                        <a:rPr lang="en-US" baseline="0" dirty="0"/>
                         <a:t> plotting, optimal </a:t>
                       </a:r>
                       <a:r>
-                        <a:rPr lang="en-US" b="1" baseline="0" dirty="0" smtClean="0"/>
+                        <a:rPr lang="en-US" b="1" baseline="0" dirty="0"/>
                         <a:t>k</a:t>
                       </a:r>
                       <a:r>
-                        <a:rPr lang="en-US" baseline="0" dirty="0" smtClean="0"/>
+                        <a:rPr lang="en-US" baseline="0" dirty="0"/>
                         <a:t> for PCA</a:t>
                       </a:r>
                       <a:endParaRPr lang="ru-RU" dirty="0"/>
@@ -16051,7 +16178,7 @@
                     <a:lstStyle/>
                     <a:p>
                       <a:r>
-                        <a:rPr lang="en-US" dirty="0" smtClean="0"/>
+                        <a:rPr lang="en-US" dirty="0"/>
                         <a:t>27</a:t>
                       </a:r>
                       <a:endParaRPr lang="ru-RU" dirty="0"/>
@@ -16059,6 +16186,11 @@
                   </a:txBody>
                   <a:tcPr/>
                 </a:tc>
+                <a:extLst>
+                  <a:ext uri="{0D108BD9-81ED-4DB2-BD59-A6C34878D82A}">
+                    <a16:rowId xmlns:a16="http://schemas.microsoft.com/office/drawing/2014/main" val="10006"/>
+                  </a:ext>
+                </a:extLst>
               </a:tr>
               <a:tr h="370840">
                 <a:tc>
@@ -16067,11 +16199,11 @@
                     <a:lstStyle/>
                     <a:p>
                       <a:r>
-                        <a:rPr lang="en-US" dirty="0" smtClean="0"/>
+                        <a:rPr lang="en-US" dirty="0"/>
                         <a:t>Analysis</a:t>
                       </a:r>
                       <a:r>
-                        <a:rPr lang="en-US" baseline="0" dirty="0" smtClean="0"/>
+                        <a:rPr lang="en-US" baseline="0" dirty="0"/>
                         <a:t> of our handwriting, search for a perfect digit, comparison of perfect digits found via different methods </a:t>
                       </a:r>
                       <a:endParaRPr lang="ru-RU" dirty="0"/>
@@ -16085,7 +16217,7 @@
                     <a:lstStyle/>
                     <a:p>
                       <a:r>
-                        <a:rPr lang="en-US" dirty="0" smtClean="0"/>
+                        <a:rPr lang="en-US" dirty="0"/>
                         <a:t>28</a:t>
                       </a:r>
                       <a:endParaRPr lang="ru-RU" dirty="0"/>
@@ -16093,6 +16225,11 @@
                   </a:txBody>
                   <a:tcPr/>
                 </a:tc>
+                <a:extLst>
+                  <a:ext uri="{0D108BD9-81ED-4DB2-BD59-A6C34878D82A}">
+                    <a16:rowId xmlns:a16="http://schemas.microsoft.com/office/drawing/2014/main" val="10007"/>
+                  </a:ext>
+                </a:extLst>
               </a:tr>
               <a:tr h="370840">
                 <a:tc>
@@ -16101,11 +16238,11 @@
                     <a:lstStyle/>
                     <a:p>
                       <a:r>
-                        <a:rPr lang="en-US" dirty="0" smtClean="0"/>
+                        <a:rPr lang="en-US" dirty="0"/>
                         <a:t>Writing</a:t>
                       </a:r>
                       <a:r>
-                        <a:rPr lang="en-US" baseline="0" dirty="0" smtClean="0"/>
+                        <a:rPr lang="en-US" baseline="0" dirty="0"/>
                         <a:t> exercise: write a digit, which you see on the screen and our script will evaluate how well it is written.</a:t>
                       </a:r>
                       <a:endParaRPr lang="ru-RU" dirty="0"/>
@@ -16119,7 +16256,7 @@
                     <a:lstStyle/>
                     <a:p>
                       <a:r>
-                        <a:rPr lang="en-US" dirty="0" smtClean="0"/>
+                        <a:rPr lang="en-US" dirty="0"/>
                         <a:t>29</a:t>
                       </a:r>
                       <a:endParaRPr lang="ru-RU" dirty="0"/>
@@ -16127,6 +16264,11 @@
                   </a:txBody>
                   <a:tcPr/>
                 </a:tc>
+                <a:extLst>
+                  <a:ext uri="{0D108BD9-81ED-4DB2-BD59-A6C34878D82A}">
+                    <a16:rowId xmlns:a16="http://schemas.microsoft.com/office/drawing/2014/main" val="10008"/>
+                  </a:ext>
+                </a:extLst>
               </a:tr>
               <a:tr h="370840">
                 <a:tc>
@@ -16135,11 +16277,11 @@
                     <a:lstStyle/>
                     <a:p>
                       <a:r>
-                        <a:rPr lang="en-US" dirty="0" smtClean="0"/>
+                        <a:rPr lang="en-US" dirty="0"/>
                         <a:t>Preparation</a:t>
                       </a:r>
                       <a:r>
-                        <a:rPr lang="en-US" baseline="0" dirty="0" smtClean="0"/>
+                        <a:rPr lang="en-US" baseline="0" dirty="0"/>
                         <a:t> to final presentation</a:t>
                       </a:r>
                       <a:endParaRPr lang="ru-RU" dirty="0"/>
@@ -16153,7 +16295,7 @@
                     <a:lstStyle/>
                     <a:p>
                       <a:r>
-                        <a:rPr lang="en-US" dirty="0" smtClean="0"/>
+                        <a:rPr lang="en-US" dirty="0"/>
                         <a:t>30</a:t>
                       </a:r>
                       <a:endParaRPr lang="ru-RU" dirty="0"/>
@@ -16161,6 +16303,11 @@
                   </a:txBody>
                   <a:tcPr/>
                 </a:tc>
+                <a:extLst>
+                  <a:ext uri="{0D108BD9-81ED-4DB2-BD59-A6C34878D82A}">
+                    <a16:rowId xmlns:a16="http://schemas.microsoft.com/office/drawing/2014/main" val="10009"/>
+                  </a:ext>
+                </a:extLst>
               </a:tr>
             </a:tbl>
           </a:graphicData>
@@ -16176,13 +16323,6 @@
   <p:clrMapOvr>
     <a:masterClrMapping/>
   </p:clrMapOvr>
-  <p:timing>
-    <p:tnLst>
-      <p:par>
-        <p:cTn id="1" dur="indefinite" restart="never" nodeType="tmRoot"/>
-      </p:par>
-    </p:tnLst>
-  </p:timing>
 </p:sld>
 </file>
 
@@ -16969,7 +17109,7 @@
   <a:extraClrSchemeLst/>
   <a:extLst>
     <a:ext uri="{05A4C25C-085E-4340-85A3-A5531E510DB2}">
-      <thm15:themeFamily xmlns:thm15="http://schemas.microsoft.com/office/thememl/2012/main" xmlns="" name="Retrospect" id="{5F128B03-DCCA-4EEB-AB3B-CF2899314A46}" vid="{9CC26709-368C-4D72-9060-94E5B3FF3CD6}"/>
+      <thm15:themeFamily xmlns:thm15="http://schemas.microsoft.com/office/thememl/2012/main" name="Retrospect" id="{5F128B03-DCCA-4EEB-AB3B-CF2899314A46}" vid="{9CC26709-368C-4D72-9060-94E5B3FF3CD6}"/>
     </a:ext>
   </a:extLst>
 </a:theme>

--- a/Vortrag1.pptx
+++ b/Vortrag1.pptx
@@ -13,9 +13,10 @@
     <p:sldId id="260" r:id="rId7"/>
     <p:sldId id="259" r:id="rId8"/>
     <p:sldId id="263" r:id="rId9"/>
-    <p:sldId id="264" r:id="rId10"/>
-    <p:sldId id="265" r:id="rId11"/>
-    <p:sldId id="266" r:id="rId12"/>
+    <p:sldId id="267" r:id="rId10"/>
+    <p:sldId id="264" r:id="rId11"/>
+    <p:sldId id="265" r:id="rId12"/>
+    <p:sldId id="266" r:id="rId13"/>
   </p:sldIdLst>
   <p:sldSz cx="12192000" cy="6858000"/>
   <p:notesSz cx="6858000" cy="9144000"/>
@@ -116,7 +117,7 @@
   </p:defaultTextStyle>
   <p:extLst>
     <p:ext uri="{EFAFB233-063F-42B5-8137-9DF3F51BA10A}">
-      <p15:sldGuideLst xmlns:p15="http://schemas.microsoft.com/office/powerpoint/2012/main">
+      <p15:sldGuideLst xmlns:p15="http://schemas.microsoft.com/office/powerpoint/2012/main" xmlns="">
         <p15:guide id="1" orient="horz" pos="2160">
           <p15:clr>
             <a:srgbClr val="A4A3A4"/>
@@ -297,7 +298,7 @@
           <a:p>
             <a:fld id="{DADE5541-CCBC-45F8-BFC8-A72604CF239D}" type="datetimeFigureOut">
               <a:rPr lang="de-DE" smtClean="0"/>
-              <a:t>14.05.2019</a:t>
+              <a:t>15.05.2019</a:t>
             </a:fld>
             <a:endParaRPr lang="de-DE"/>
           </a:p>
@@ -339,7 +340,7 @@
           <a:p>
             <a:fld id="{29E7901B-09AF-4D4A-907F-86E00F8E0E92}" type="slidenum">
               <a:rPr lang="de-DE" smtClean="0"/>
-              <a:t>‹Nr.›</a:t>
+              <a:t>‹#›</a:t>
             </a:fld>
             <a:endParaRPr lang="de-DE"/>
           </a:p>
@@ -467,7 +468,7 @@
           <a:p>
             <a:fld id="{DADE5541-CCBC-45F8-BFC8-A72604CF239D}" type="datetimeFigureOut">
               <a:rPr lang="de-DE" smtClean="0"/>
-              <a:t>14.05.2019</a:t>
+              <a:t>15.05.2019</a:t>
             </a:fld>
             <a:endParaRPr lang="de-DE"/>
           </a:p>
@@ -509,7 +510,7 @@
           <a:p>
             <a:fld id="{29E7901B-09AF-4D4A-907F-86E00F8E0E92}" type="slidenum">
               <a:rPr lang="de-DE" smtClean="0"/>
-              <a:t>‹Nr.›</a:t>
+              <a:t>‹#›</a:t>
             </a:fld>
             <a:endParaRPr lang="de-DE"/>
           </a:p>
@@ -647,7 +648,7 @@
           <a:p>
             <a:fld id="{DADE5541-CCBC-45F8-BFC8-A72604CF239D}" type="datetimeFigureOut">
               <a:rPr lang="de-DE" smtClean="0"/>
-              <a:t>14.05.2019</a:t>
+              <a:t>15.05.2019</a:t>
             </a:fld>
             <a:endParaRPr lang="de-DE"/>
           </a:p>
@@ -689,7 +690,7 @@
           <a:p>
             <a:fld id="{29E7901B-09AF-4D4A-907F-86E00F8E0E92}" type="slidenum">
               <a:rPr lang="de-DE" smtClean="0"/>
-              <a:t>‹Nr.›</a:t>
+              <a:t>‹#›</a:t>
             </a:fld>
             <a:endParaRPr lang="de-DE"/>
           </a:p>
@@ -850,7 +851,7 @@
           <a:p>
             <a:fld id="{DADE5541-CCBC-45F8-BFC8-A72604CF239D}" type="datetimeFigureOut">
               <a:rPr lang="de-DE" smtClean="0"/>
-              <a:t>14.05.2019</a:t>
+              <a:t>15.05.2019</a:t>
             </a:fld>
             <a:endParaRPr lang="de-DE"/>
           </a:p>
@@ -892,7 +893,7 @@
           <a:p>
             <a:fld id="{29E7901B-09AF-4D4A-907F-86E00F8E0E92}" type="slidenum">
               <a:rPr lang="de-DE" smtClean="0"/>
-              <a:t>‹Nr.›</a:t>
+              <a:t>‹#›</a:t>
             </a:fld>
             <a:endParaRPr lang="de-DE"/>
           </a:p>
@@ -1020,7 +1021,7 @@
           <a:p>
             <a:fld id="{DADE5541-CCBC-45F8-BFC8-A72604CF239D}" type="datetimeFigureOut">
               <a:rPr lang="de-DE" smtClean="0"/>
-              <a:t>14.05.2019</a:t>
+              <a:t>15.05.2019</a:t>
             </a:fld>
             <a:endParaRPr lang="de-DE"/>
           </a:p>
@@ -1062,7 +1063,7 @@
           <a:p>
             <a:fld id="{29E7901B-09AF-4D4A-907F-86E00F8E0E92}" type="slidenum">
               <a:rPr lang="de-DE" smtClean="0"/>
-              <a:t>‹Nr.›</a:t>
+              <a:t>‹#›</a:t>
             </a:fld>
             <a:endParaRPr lang="de-DE"/>
           </a:p>
@@ -1271,7 +1272,7 @@
           <a:p>
             <a:fld id="{DADE5541-CCBC-45F8-BFC8-A72604CF239D}" type="datetimeFigureOut">
               <a:rPr lang="de-DE" smtClean="0"/>
-              <a:t>14.05.2019</a:t>
+              <a:t>15.05.2019</a:t>
             </a:fld>
             <a:endParaRPr lang="de-DE"/>
           </a:p>
@@ -1313,7 +1314,7 @@
           <a:p>
             <a:fld id="{29E7901B-09AF-4D4A-907F-86E00F8E0E92}" type="slidenum">
               <a:rPr lang="de-DE" smtClean="0"/>
-              <a:t>‹Nr.›</a:t>
+              <a:t>‹#›</a:t>
             </a:fld>
             <a:endParaRPr lang="de-DE"/>
           </a:p>
@@ -1503,7 +1504,7 @@
           <a:p>
             <a:fld id="{DADE5541-CCBC-45F8-BFC8-A72604CF239D}" type="datetimeFigureOut">
               <a:rPr lang="de-DE" smtClean="0"/>
-              <a:t>14.05.2019</a:t>
+              <a:t>15.05.2019</a:t>
             </a:fld>
             <a:endParaRPr lang="de-DE"/>
           </a:p>
@@ -1545,7 +1546,7 @@
           <a:p>
             <a:fld id="{29E7901B-09AF-4D4A-907F-86E00F8E0E92}" type="slidenum">
               <a:rPr lang="de-DE" smtClean="0"/>
-              <a:t>‹Nr.›</a:t>
+              <a:t>‹#›</a:t>
             </a:fld>
             <a:endParaRPr lang="de-DE"/>
           </a:p>
@@ -1850,7 +1851,7 @@
           <a:p>
             <a:fld id="{DADE5541-CCBC-45F8-BFC8-A72604CF239D}" type="datetimeFigureOut">
               <a:rPr lang="de-DE" smtClean="0"/>
-              <a:t>14.05.2019</a:t>
+              <a:t>15.05.2019</a:t>
             </a:fld>
             <a:endParaRPr lang="de-DE"/>
           </a:p>
@@ -1892,7 +1893,7 @@
           <a:p>
             <a:fld id="{29E7901B-09AF-4D4A-907F-86E00F8E0E92}" type="slidenum">
               <a:rPr lang="de-DE" smtClean="0"/>
-              <a:t>‹Nr.›</a:t>
+              <a:t>‹#›</a:t>
             </a:fld>
             <a:endParaRPr lang="de-DE"/>
           </a:p>
@@ -1968,7 +1969,7 @@
           <a:p>
             <a:fld id="{DADE5541-CCBC-45F8-BFC8-A72604CF239D}" type="datetimeFigureOut">
               <a:rPr lang="de-DE" smtClean="0"/>
-              <a:t>14.05.2019</a:t>
+              <a:t>15.05.2019</a:t>
             </a:fld>
             <a:endParaRPr lang="de-DE"/>
           </a:p>
@@ -2010,7 +2011,7 @@
           <a:p>
             <a:fld id="{29E7901B-09AF-4D4A-907F-86E00F8E0E92}" type="slidenum">
               <a:rPr lang="de-DE" smtClean="0"/>
-              <a:t>‹Nr.›</a:t>
+              <a:t>‹#›</a:t>
             </a:fld>
             <a:endParaRPr lang="de-DE"/>
           </a:p>
@@ -2086,7 +2087,7 @@
           <a:p>
             <a:fld id="{DADE5541-CCBC-45F8-BFC8-A72604CF239D}" type="datetimeFigureOut">
               <a:rPr lang="de-DE" smtClean="0"/>
-              <a:t>14.05.2019</a:t>
+              <a:t>15.05.2019</a:t>
             </a:fld>
             <a:endParaRPr lang="de-DE"/>
           </a:p>
@@ -2128,7 +2129,7 @@
           <a:p>
             <a:fld id="{29E7901B-09AF-4D4A-907F-86E00F8E0E92}" type="slidenum">
               <a:rPr lang="de-DE" smtClean="0"/>
-              <a:t>‹Nr.›</a:t>
+              <a:t>‹#›</a:t>
             </a:fld>
             <a:endParaRPr lang="de-DE"/>
           </a:p>
@@ -2370,7 +2371,7 @@
           <a:p>
             <a:fld id="{DADE5541-CCBC-45F8-BFC8-A72604CF239D}" type="datetimeFigureOut">
               <a:rPr lang="de-DE" smtClean="0"/>
-              <a:t>14.05.2019</a:t>
+              <a:t>15.05.2019</a:t>
             </a:fld>
             <a:endParaRPr lang="de-DE"/>
           </a:p>
@@ -2412,7 +2413,7 @@
           <a:p>
             <a:fld id="{29E7901B-09AF-4D4A-907F-86E00F8E0E92}" type="slidenum">
               <a:rPr lang="de-DE" smtClean="0"/>
-              <a:t>‹Nr.›</a:t>
+              <a:t>‹#›</a:t>
             </a:fld>
             <a:endParaRPr lang="de-DE"/>
           </a:p>
@@ -2540,7 +2541,7 @@
           <a:p>
             <a:fld id="{DADE5541-CCBC-45F8-BFC8-A72604CF239D}" type="datetimeFigureOut">
               <a:rPr lang="de-DE" smtClean="0"/>
-              <a:t>14.05.2019</a:t>
+              <a:t>15.05.2019</a:t>
             </a:fld>
             <a:endParaRPr lang="de-DE"/>
           </a:p>
@@ -2582,7 +2583,7 @@
           <a:p>
             <a:fld id="{29E7901B-09AF-4D4A-907F-86E00F8E0E92}" type="slidenum">
               <a:rPr lang="de-DE" smtClean="0"/>
-              <a:t>‹Nr.›</a:t>
+              <a:t>‹#›</a:t>
             </a:fld>
             <a:endParaRPr lang="de-DE"/>
           </a:p>
@@ -2804,7 +2805,7 @@
           <a:p>
             <a:fld id="{DADE5541-CCBC-45F8-BFC8-A72604CF239D}" type="datetimeFigureOut">
               <a:rPr lang="de-DE" smtClean="0"/>
-              <a:t>14.05.2019</a:t>
+              <a:t>15.05.2019</a:t>
             </a:fld>
             <a:endParaRPr lang="de-DE"/>
           </a:p>
@@ -2846,7 +2847,7 @@
           <a:p>
             <a:fld id="{29E7901B-09AF-4D4A-907F-86E00F8E0E92}" type="slidenum">
               <a:rPr lang="de-DE" smtClean="0"/>
-              <a:t>‹Nr.›</a:t>
+              <a:t>‹#›</a:t>
             </a:fld>
             <a:endParaRPr lang="de-DE"/>
           </a:p>
@@ -2974,7 +2975,7 @@
           <a:p>
             <a:fld id="{DADE5541-CCBC-45F8-BFC8-A72604CF239D}" type="datetimeFigureOut">
               <a:rPr lang="de-DE" smtClean="0"/>
-              <a:t>14.05.2019</a:t>
+              <a:t>15.05.2019</a:t>
             </a:fld>
             <a:endParaRPr lang="de-DE"/>
           </a:p>
@@ -3016,7 +3017,7 @@
           <a:p>
             <a:fld id="{29E7901B-09AF-4D4A-907F-86E00F8E0E92}" type="slidenum">
               <a:rPr lang="de-DE" smtClean="0"/>
-              <a:t>‹Nr.›</a:t>
+              <a:t>‹#›</a:t>
             </a:fld>
             <a:endParaRPr lang="de-DE"/>
           </a:p>
@@ -3154,7 +3155,7 @@
           <a:p>
             <a:fld id="{DADE5541-CCBC-45F8-BFC8-A72604CF239D}" type="datetimeFigureOut">
               <a:rPr lang="de-DE" smtClean="0"/>
-              <a:t>14.05.2019</a:t>
+              <a:t>15.05.2019</a:t>
             </a:fld>
             <a:endParaRPr lang="de-DE"/>
           </a:p>
@@ -3196,7 +3197,7 @@
           <a:p>
             <a:fld id="{29E7901B-09AF-4D4A-907F-86E00F8E0E92}" type="slidenum">
               <a:rPr lang="de-DE" smtClean="0"/>
-              <a:t>‹Nr.›</a:t>
+              <a:t>‹#›</a:t>
             </a:fld>
             <a:endParaRPr lang="de-DE"/>
           </a:p>
@@ -3441,7 +3442,7 @@
           <a:p>
             <a:fld id="{DADE5541-CCBC-45F8-BFC8-A72604CF239D}" type="datetimeFigureOut">
               <a:rPr lang="de-DE" smtClean="0"/>
-              <a:t>14.05.2019</a:t>
+              <a:t>15.05.2019</a:t>
             </a:fld>
             <a:endParaRPr lang="de-DE"/>
           </a:p>
@@ -3483,7 +3484,7 @@
           <a:p>
             <a:fld id="{29E7901B-09AF-4D4A-907F-86E00F8E0E92}" type="slidenum">
               <a:rPr lang="de-DE" smtClean="0"/>
-              <a:t>‹Nr.›</a:t>
+              <a:t>‹#›</a:t>
             </a:fld>
             <a:endParaRPr lang="de-DE"/>
           </a:p>
@@ -3649,7 +3650,7 @@
           <a:p>
             <a:fld id="{DADE5541-CCBC-45F8-BFC8-A72604CF239D}" type="datetimeFigureOut">
               <a:rPr lang="de-DE" smtClean="0"/>
-              <a:t>14.05.2019</a:t>
+              <a:t>15.05.2019</a:t>
             </a:fld>
             <a:endParaRPr lang="de-DE"/>
           </a:p>
@@ -3691,7 +3692,7 @@
           <a:p>
             <a:fld id="{29E7901B-09AF-4D4A-907F-86E00F8E0E92}" type="slidenum">
               <a:rPr lang="de-DE" smtClean="0"/>
-              <a:t>‹Nr.›</a:t>
+              <a:t>‹#›</a:t>
             </a:fld>
             <a:endParaRPr lang="de-DE"/>
           </a:p>
@@ -3992,7 +3993,7 @@
           <a:p>
             <a:fld id="{DADE5541-CCBC-45F8-BFC8-A72604CF239D}" type="datetimeFigureOut">
               <a:rPr lang="de-DE" smtClean="0"/>
-              <a:t>14.05.2019</a:t>
+              <a:t>15.05.2019</a:t>
             </a:fld>
             <a:endParaRPr lang="de-DE"/>
           </a:p>
@@ -4034,7 +4035,7 @@
           <a:p>
             <a:fld id="{29E7901B-09AF-4D4A-907F-86E00F8E0E92}" type="slidenum">
               <a:rPr lang="de-DE" smtClean="0"/>
-              <a:t>‹Nr.›</a:t>
+              <a:t>‹#›</a:t>
             </a:fld>
             <a:endParaRPr lang="de-DE"/>
           </a:p>
@@ -4267,7 +4268,7 @@
           <a:p>
             <a:fld id="{DADE5541-CCBC-45F8-BFC8-A72604CF239D}" type="datetimeFigureOut">
               <a:rPr lang="de-DE" smtClean="0"/>
-              <a:t>14.05.2019</a:t>
+              <a:t>15.05.2019</a:t>
             </a:fld>
             <a:endParaRPr lang="de-DE"/>
           </a:p>
@@ -4309,7 +4310,7 @@
           <a:p>
             <a:fld id="{29E7901B-09AF-4D4A-907F-86E00F8E0E92}" type="slidenum">
               <a:rPr lang="de-DE" smtClean="0"/>
-              <a:t>‹Nr.›</a:t>
+              <a:t>‹#›</a:t>
             </a:fld>
             <a:endParaRPr lang="de-DE"/>
           </a:p>
@@ -4646,7 +4647,7 @@
           <a:p>
             <a:fld id="{DADE5541-CCBC-45F8-BFC8-A72604CF239D}" type="datetimeFigureOut">
               <a:rPr lang="de-DE" smtClean="0"/>
-              <a:t>14.05.2019</a:t>
+              <a:t>15.05.2019</a:t>
             </a:fld>
             <a:endParaRPr lang="de-DE"/>
           </a:p>
@@ -4688,7 +4689,7 @@
           <a:p>
             <a:fld id="{29E7901B-09AF-4D4A-907F-86E00F8E0E92}" type="slidenum">
               <a:rPr lang="de-DE" smtClean="0"/>
-              <a:t>‹Nr.›</a:t>
+              <a:t>‹#›</a:t>
             </a:fld>
             <a:endParaRPr lang="de-DE"/>
           </a:p>
@@ -4764,7 +4765,7 @@
           <a:p>
             <a:fld id="{DADE5541-CCBC-45F8-BFC8-A72604CF239D}" type="datetimeFigureOut">
               <a:rPr lang="de-DE" smtClean="0"/>
-              <a:t>14.05.2019</a:t>
+              <a:t>15.05.2019</a:t>
             </a:fld>
             <a:endParaRPr lang="de-DE"/>
           </a:p>
@@ -4806,7 +4807,7 @@
           <a:p>
             <a:fld id="{29E7901B-09AF-4D4A-907F-86E00F8E0E92}" type="slidenum">
               <a:rPr lang="de-DE" smtClean="0"/>
-              <a:t>‹Nr.›</a:t>
+              <a:t>‹#›</a:t>
             </a:fld>
             <a:endParaRPr lang="de-DE"/>
           </a:p>
@@ -4935,7 +4936,7 @@
           <a:p>
             <a:fld id="{DADE5541-CCBC-45F8-BFC8-A72604CF239D}" type="datetimeFigureOut">
               <a:rPr lang="de-DE" smtClean="0"/>
-              <a:t>14.05.2019</a:t>
+              <a:t>15.05.2019</a:t>
             </a:fld>
             <a:endParaRPr lang="de-DE"/>
           </a:p>
@@ -4985,7 +4986,7 @@
           <a:p>
             <a:fld id="{29E7901B-09AF-4D4A-907F-86E00F8E0E92}" type="slidenum">
               <a:rPr lang="de-DE" smtClean="0"/>
-              <a:t>‹Nr.›</a:t>
+              <a:t>‹#›</a:t>
             </a:fld>
             <a:endParaRPr lang="de-DE"/>
           </a:p>
@@ -5194,7 +5195,7 @@
           <a:p>
             <a:fld id="{DADE5541-CCBC-45F8-BFC8-A72604CF239D}" type="datetimeFigureOut">
               <a:rPr lang="de-DE" smtClean="0"/>
-              <a:t>14.05.2019</a:t>
+              <a:t>15.05.2019</a:t>
             </a:fld>
             <a:endParaRPr lang="de-DE"/>
           </a:p>
@@ -5236,7 +5237,7 @@
           <a:p>
             <a:fld id="{29E7901B-09AF-4D4A-907F-86E00F8E0E92}" type="slidenum">
               <a:rPr lang="de-DE" smtClean="0"/>
-              <a:t>‹Nr.›</a:t>
+              <a:t>‹#›</a:t>
             </a:fld>
             <a:endParaRPr lang="de-DE"/>
           </a:p>
@@ -5540,7 +5541,7 @@
           <a:p>
             <a:fld id="{DADE5541-CCBC-45F8-BFC8-A72604CF239D}" type="datetimeFigureOut">
               <a:rPr lang="de-DE" smtClean="0"/>
-              <a:t>14.05.2019</a:t>
+              <a:t>15.05.2019</a:t>
             </a:fld>
             <a:endParaRPr lang="de-DE"/>
           </a:p>
@@ -5603,7 +5604,7 @@
           <a:p>
             <a:fld id="{29E7901B-09AF-4D4A-907F-86E00F8E0E92}" type="slidenum">
               <a:rPr lang="de-DE" smtClean="0"/>
-              <a:t>‹Nr.›</a:t>
+              <a:t>‹#›</a:t>
             </a:fld>
             <a:endParaRPr lang="de-DE"/>
           </a:p>
@@ -5917,7 +5918,7 @@
           <a:p>
             <a:fld id="{DADE5541-CCBC-45F8-BFC8-A72604CF239D}" type="datetimeFigureOut">
               <a:rPr lang="de-DE" smtClean="0"/>
-              <a:t>14.05.2019</a:t>
+              <a:t>15.05.2019</a:t>
             </a:fld>
             <a:endParaRPr lang="de-DE"/>
           </a:p>
@@ -5959,7 +5960,7 @@
           <a:p>
             <a:fld id="{29E7901B-09AF-4D4A-907F-86E00F8E0E92}" type="slidenum">
               <a:rPr lang="de-DE" smtClean="0"/>
-              <a:t>‹Nr.›</a:t>
+              <a:t>‹#›</a:t>
             </a:fld>
             <a:endParaRPr lang="de-DE"/>
           </a:p>
@@ -6087,7 +6088,7 @@
           <a:p>
             <a:fld id="{DADE5541-CCBC-45F8-BFC8-A72604CF239D}" type="datetimeFigureOut">
               <a:rPr lang="de-DE" smtClean="0"/>
-              <a:t>14.05.2019</a:t>
+              <a:t>15.05.2019</a:t>
             </a:fld>
             <a:endParaRPr lang="de-DE"/>
           </a:p>
@@ -6129,7 +6130,7 @@
           <a:p>
             <a:fld id="{29E7901B-09AF-4D4A-907F-86E00F8E0E92}" type="slidenum">
               <a:rPr lang="de-DE" smtClean="0"/>
-              <a:t>‹Nr.›</a:t>
+              <a:t>‹#›</a:t>
             </a:fld>
             <a:endParaRPr lang="de-DE"/>
           </a:p>
@@ -6343,7 +6344,7 @@
           <a:p>
             <a:fld id="{DADE5541-CCBC-45F8-BFC8-A72604CF239D}" type="datetimeFigureOut">
               <a:rPr lang="de-DE" smtClean="0"/>
-              <a:t>14.05.2019</a:t>
+              <a:t>15.05.2019</a:t>
             </a:fld>
             <a:endParaRPr lang="de-DE"/>
           </a:p>
@@ -6385,7 +6386,7 @@
           <a:p>
             <a:fld id="{29E7901B-09AF-4D4A-907F-86E00F8E0E92}" type="slidenum">
               <a:rPr lang="de-DE" smtClean="0"/>
-              <a:t>‹Nr.›</a:t>
+              <a:t>‹#›</a:t>
             </a:fld>
             <a:endParaRPr lang="de-DE"/>
           </a:p>
@@ -6575,7 +6576,7 @@
           <a:p>
             <a:fld id="{DADE5541-CCBC-45F8-BFC8-A72604CF239D}" type="datetimeFigureOut">
               <a:rPr lang="de-DE" smtClean="0"/>
-              <a:t>14.05.2019</a:t>
+              <a:t>15.05.2019</a:t>
             </a:fld>
             <a:endParaRPr lang="de-DE"/>
           </a:p>
@@ -6617,7 +6618,7 @@
           <a:p>
             <a:fld id="{29E7901B-09AF-4D4A-907F-86E00F8E0E92}" type="slidenum">
               <a:rPr lang="de-DE" smtClean="0"/>
-              <a:t>‹Nr.›</a:t>
+              <a:t>‹#›</a:t>
             </a:fld>
             <a:endParaRPr lang="de-DE"/>
           </a:p>
@@ -6922,7 +6923,7 @@
           <a:p>
             <a:fld id="{DADE5541-CCBC-45F8-BFC8-A72604CF239D}" type="datetimeFigureOut">
               <a:rPr lang="de-DE" smtClean="0"/>
-              <a:t>14.05.2019</a:t>
+              <a:t>15.05.2019</a:t>
             </a:fld>
             <a:endParaRPr lang="de-DE"/>
           </a:p>
@@ -6964,7 +6965,7 @@
           <a:p>
             <a:fld id="{29E7901B-09AF-4D4A-907F-86E00F8E0E92}" type="slidenum">
               <a:rPr lang="de-DE" smtClean="0"/>
-              <a:t>‹Nr.›</a:t>
+              <a:t>‹#›</a:t>
             </a:fld>
             <a:endParaRPr lang="de-DE"/>
           </a:p>
@@ -7040,7 +7041,7 @@
           <a:p>
             <a:fld id="{DADE5541-CCBC-45F8-BFC8-A72604CF239D}" type="datetimeFigureOut">
               <a:rPr lang="de-DE" smtClean="0"/>
-              <a:t>14.05.2019</a:t>
+              <a:t>15.05.2019</a:t>
             </a:fld>
             <a:endParaRPr lang="de-DE"/>
           </a:p>
@@ -7082,7 +7083,7 @@
           <a:p>
             <a:fld id="{29E7901B-09AF-4D4A-907F-86E00F8E0E92}" type="slidenum">
               <a:rPr lang="de-DE" smtClean="0"/>
-              <a:t>‹Nr.›</a:t>
+              <a:t>‹#›</a:t>
             </a:fld>
             <a:endParaRPr lang="de-DE"/>
           </a:p>
@@ -7158,7 +7159,7 @@
           <a:p>
             <a:fld id="{DADE5541-CCBC-45F8-BFC8-A72604CF239D}" type="datetimeFigureOut">
               <a:rPr lang="de-DE" smtClean="0"/>
-              <a:t>14.05.2019</a:t>
+              <a:t>15.05.2019</a:t>
             </a:fld>
             <a:endParaRPr lang="de-DE"/>
           </a:p>
@@ -7200,7 +7201,7 @@
           <a:p>
             <a:fld id="{29E7901B-09AF-4D4A-907F-86E00F8E0E92}" type="slidenum">
               <a:rPr lang="de-DE" smtClean="0"/>
-              <a:t>‹Nr.›</a:t>
+              <a:t>‹#›</a:t>
             </a:fld>
             <a:endParaRPr lang="de-DE"/>
           </a:p>
@@ -7442,7 +7443,7 @@
           <a:p>
             <a:fld id="{DADE5541-CCBC-45F8-BFC8-A72604CF239D}" type="datetimeFigureOut">
               <a:rPr lang="de-DE" smtClean="0"/>
-              <a:t>14.05.2019</a:t>
+              <a:t>15.05.2019</a:t>
             </a:fld>
             <a:endParaRPr lang="de-DE"/>
           </a:p>
@@ -7484,7 +7485,7 @@
           <a:p>
             <a:fld id="{29E7901B-09AF-4D4A-907F-86E00F8E0E92}" type="slidenum">
               <a:rPr lang="de-DE" smtClean="0"/>
-              <a:t>‹Nr.›</a:t>
+              <a:t>‹#›</a:t>
             </a:fld>
             <a:endParaRPr lang="de-DE"/>
           </a:p>
@@ -7706,7 +7707,7 @@
           <a:p>
             <a:fld id="{DADE5541-CCBC-45F8-BFC8-A72604CF239D}" type="datetimeFigureOut">
               <a:rPr lang="de-DE" smtClean="0"/>
-              <a:t>14.05.2019</a:t>
+              <a:t>15.05.2019</a:t>
             </a:fld>
             <a:endParaRPr lang="de-DE"/>
           </a:p>
@@ -7748,7 +7749,7 @@
           <a:p>
             <a:fld id="{29E7901B-09AF-4D4A-907F-86E00F8E0E92}" type="slidenum">
               <a:rPr lang="de-DE" smtClean="0"/>
-              <a:t>‹Nr.›</a:t>
+              <a:t>‹#›</a:t>
             </a:fld>
             <a:endParaRPr lang="de-DE"/>
           </a:p>
@@ -7920,7 +7921,7 @@
           <a:p>
             <a:fld id="{DADE5541-CCBC-45F8-BFC8-A72604CF239D}" type="datetimeFigureOut">
               <a:rPr lang="de-DE" smtClean="0"/>
-              <a:t>14.05.2019</a:t>
+              <a:t>15.05.2019</a:t>
             </a:fld>
             <a:endParaRPr lang="de-DE"/>
           </a:p>
@@ -7999,7 +8000,7 @@
           <a:p>
             <a:fld id="{29E7901B-09AF-4D4A-907F-86E00F8E0E92}" type="slidenum">
               <a:rPr lang="de-DE" smtClean="0"/>
-              <a:t>‹Nr.›</a:t>
+              <a:t>‹#›</a:t>
             </a:fld>
             <a:endParaRPr lang="de-DE"/>
           </a:p>
@@ -8450,7 +8451,7 @@
           <a:p>
             <a:fld id="{DADE5541-CCBC-45F8-BFC8-A72604CF239D}" type="datetimeFigureOut">
               <a:rPr lang="de-DE" smtClean="0"/>
-              <a:t>14.05.2019</a:t>
+              <a:t>15.05.2019</a:t>
             </a:fld>
             <a:endParaRPr lang="de-DE"/>
           </a:p>
@@ -8529,7 +8530,7 @@
           <a:p>
             <a:fld id="{29E7901B-09AF-4D4A-907F-86E00F8E0E92}" type="slidenum">
               <a:rPr lang="de-DE" smtClean="0"/>
-              <a:t>‹Nr.›</a:t>
+              <a:t>‹#›</a:t>
             </a:fld>
             <a:endParaRPr lang="de-DE"/>
           </a:p>
@@ -9053,7 +9054,7 @@
           <a:p>
             <a:fld id="{DADE5541-CCBC-45F8-BFC8-A72604CF239D}" type="datetimeFigureOut">
               <a:rPr lang="de-DE" smtClean="0"/>
-              <a:t>14.05.2019</a:t>
+              <a:t>15.05.2019</a:t>
             </a:fld>
             <a:endParaRPr lang="de-DE"/>
           </a:p>
@@ -9127,7 +9128,7 @@
           <a:p>
             <a:fld id="{29E7901B-09AF-4D4A-907F-86E00F8E0E92}" type="slidenum">
               <a:rPr lang="de-DE" smtClean="0"/>
-              <a:t>‹Nr.›</a:t>
+              <a:t>‹#›</a:t>
             </a:fld>
             <a:endParaRPr lang="de-DE"/>
           </a:p>
@@ -9582,7 +9583,7 @@
           <p:cNvPr id="2" name="Titel 1">
             <a:extLst>
               <a:ext uri="{FF2B5EF4-FFF2-40B4-BE49-F238E27FC236}">
-                <a16:creationId xmlns:a16="http://schemas.microsoft.com/office/drawing/2014/main" id="{90A6468B-D0CD-4DC7-A3AD-DA2E2B071416}"/>
+                <a16:creationId xmlns:a16="http://schemas.microsoft.com/office/drawing/2014/main" xmlns="" id="{90A6468B-D0CD-4DC7-A3AD-DA2E2B071416}"/>
               </a:ext>
             </a:extLst>
           </p:cNvPr>
@@ -9610,7 +9611,7 @@
           <p:cNvPr id="3" name="Untertitel 2">
             <a:extLst>
               <a:ext uri="{FF2B5EF4-FFF2-40B4-BE49-F238E27FC236}">
-                <a16:creationId xmlns:a16="http://schemas.microsoft.com/office/drawing/2014/main" id="{65A5BDD7-952D-4603-93C5-6E59619C765A}"/>
+                <a16:creationId xmlns:a16="http://schemas.microsoft.com/office/drawing/2014/main" xmlns="" id="{65A5BDD7-952D-4603-93C5-6E59619C765A}"/>
               </a:ext>
             </a:extLst>
           </p:cNvPr>
@@ -9637,6 +9638,555 @@
     <p:extLst>
       <p:ext uri="{BB962C8B-B14F-4D97-AF65-F5344CB8AC3E}">
         <p14:creationId xmlns:p14="http://schemas.microsoft.com/office/powerpoint/2010/main" val="422226748"/>
+      </p:ext>
+    </p:extLst>
+  </p:cSld>
+  <p:clrMapOvr>
+    <a:masterClrMapping/>
+  </p:clrMapOvr>
+</p:sld>
+</file>
+
+<file path=ppt/slides/slide10.xml><?xml version="1.0" encoding="utf-8"?>
+<p:sld xmlns:a="http://schemas.openxmlformats.org/drawingml/2006/main" xmlns:r="http://schemas.openxmlformats.org/officeDocument/2006/relationships" xmlns:p="http://schemas.openxmlformats.org/presentationml/2006/main">
+  <p:cSld>
+    <p:spTree>
+      <p:nvGrpSpPr>
+        <p:cNvPr id="1" name=""/>
+        <p:cNvGrpSpPr/>
+        <p:nvPr/>
+      </p:nvGrpSpPr>
+      <p:grpSpPr>
+        <a:xfrm>
+          <a:off x="0" y="0"/>
+          <a:ext cx="0" cy="0"/>
+          <a:chOff x="0" y="0"/>
+          <a:chExt cx="0" cy="0"/>
+        </a:xfrm>
+      </p:grpSpPr>
+      <p:sp>
+        <p:nvSpPr>
+          <p:cNvPr id="2" name="Заголовок 1"/>
+          <p:cNvSpPr>
+            <a:spLocks noGrp="1"/>
+          </p:cNvSpPr>
+          <p:nvPr>
+            <p:ph type="title"/>
+          </p:nvPr>
+        </p:nvSpPr>
+        <p:spPr/>
+        <p:txBody>
+          <a:bodyPr/>
+          <a:lstStyle/>
+          <a:p>
+            <a:r>
+              <a:rPr lang="en-US" dirty="0"/>
+              <a:t>We have time, but we need more!</a:t>
+            </a:r>
+            <a:endParaRPr lang="ru-RU" dirty="0"/>
+          </a:p>
+        </p:txBody>
+      </p:sp>
+      <p:graphicFrame>
+        <p:nvGraphicFramePr>
+          <p:cNvPr id="4" name="Объект 3"/>
+          <p:cNvGraphicFramePr>
+            <a:graphicFrameLocks noGrp="1"/>
+          </p:cNvGraphicFramePr>
+          <p:nvPr>
+            <p:ph idx="1"/>
+            <p:extLst>
+              <p:ext uri="{D42A27DB-BD31-4B8C-83A1-F6EECF244321}">
+                <p14:modId xmlns:p14="http://schemas.microsoft.com/office/powerpoint/2010/main" val="1278498995"/>
+              </p:ext>
+            </p:extLst>
+          </p:nvPr>
+        </p:nvGraphicFramePr>
+        <p:xfrm>
+          <a:off x="1096963" y="1846263"/>
+          <a:ext cx="10058400" cy="4269133"/>
+        </p:xfrm>
+        <a:graphic>
+          <a:graphicData uri="http://schemas.openxmlformats.org/drawingml/2006/table">
+            <a:tbl>
+              <a:tblPr firstRow="1" bandRow="1">
+                <a:tableStyleId>{5C22544A-7EE6-4342-B048-85BDC9FD1C3A}</a:tableStyleId>
+              </a:tblPr>
+              <a:tblGrid>
+                <a:gridCol w="6966382">
+                  <a:extLst>
+                    <a:ext uri="{9D8B030D-6E8A-4147-A177-3AD203B41FA5}">
+                      <a16:colId xmlns:a16="http://schemas.microsoft.com/office/drawing/2014/main" xmlns="" val="20000"/>
+                    </a:ext>
+                  </a:extLst>
+                </a:gridCol>
+                <a:gridCol w="3092018">
+                  <a:extLst>
+                    <a:ext uri="{9D8B030D-6E8A-4147-A177-3AD203B41FA5}">
+                      <a16:colId xmlns:a16="http://schemas.microsoft.com/office/drawing/2014/main" xmlns="" val="20001"/>
+                    </a:ext>
+                  </a:extLst>
+                </a:gridCol>
+              </a:tblGrid>
+              <a:tr h="370840">
+                <a:tc>
+                  <a:txBody>
+                    <a:bodyPr/>
+                    <a:lstStyle/>
+                    <a:p>
+                      <a:r>
+                        <a:rPr lang="en-US" dirty="0"/>
+                        <a:t>Milestones</a:t>
+                      </a:r>
+                      <a:endParaRPr lang="ru-RU" dirty="0"/>
+                    </a:p>
+                  </a:txBody>
+                  <a:tcPr/>
+                </a:tc>
+                <a:tc>
+                  <a:txBody>
+                    <a:bodyPr/>
+                    <a:lstStyle/>
+                    <a:p>
+                      <a:r>
+                        <a:rPr lang="en-US" dirty="0"/>
+                        <a:t>Weeks</a:t>
+                      </a:r>
+                      <a:endParaRPr lang="ru-RU" dirty="0"/>
+                    </a:p>
+                  </a:txBody>
+                  <a:tcPr/>
+                </a:tc>
+                <a:extLst>
+                  <a:ext uri="{0D108BD9-81ED-4DB2-BD59-A6C34878D82A}">
+                    <a16:rowId xmlns:a16="http://schemas.microsoft.com/office/drawing/2014/main" xmlns="" val="10000"/>
+                  </a:ext>
+                </a:extLst>
+              </a:tr>
+              <a:tr h="393093">
+                <a:tc>
+                  <a:txBody>
+                    <a:bodyPr/>
+                    <a:lstStyle/>
+                    <a:p>
+                      <a:r>
+                        <a:rPr lang="en-US" dirty="0"/>
+                        <a:t>Project</a:t>
+                      </a:r>
+                      <a:r>
+                        <a:rPr lang="en-US" baseline="0" dirty="0"/>
+                        <a:t> proposal + programming skill improving</a:t>
+                      </a:r>
+                      <a:endParaRPr lang="ru-RU" dirty="0"/>
+                    </a:p>
+                  </a:txBody>
+                  <a:tcPr/>
+                </a:tc>
+                <a:tc>
+                  <a:txBody>
+                    <a:bodyPr/>
+                    <a:lstStyle/>
+                    <a:p>
+                      <a:r>
+                        <a:rPr lang="en-US" dirty="0"/>
+                        <a:t>20</a:t>
+                      </a:r>
+                      <a:endParaRPr lang="ru-RU" dirty="0"/>
+                    </a:p>
+                  </a:txBody>
+                  <a:tcPr/>
+                </a:tc>
+                <a:extLst>
+                  <a:ext uri="{0D108BD9-81ED-4DB2-BD59-A6C34878D82A}">
+                    <a16:rowId xmlns:a16="http://schemas.microsoft.com/office/drawing/2014/main" xmlns="" val="10001"/>
+                  </a:ext>
+                </a:extLst>
+              </a:tr>
+              <a:tr h="370840">
+                <a:tc>
+                  <a:txBody>
+                    <a:bodyPr/>
+                    <a:lstStyle/>
+                    <a:p>
+                      <a:r>
+                        <a:rPr lang="en-US" dirty="0"/>
+                        <a:t>KNN</a:t>
+                      </a:r>
+                      <a:r>
+                        <a:rPr lang="en-US" baseline="0" dirty="0"/>
+                        <a:t> in 784 dimensions</a:t>
+                      </a:r>
+                      <a:endParaRPr lang="ru-RU" dirty="0"/>
+                    </a:p>
+                  </a:txBody>
+                  <a:tcPr>
+                    <a:solidFill>
+                      <a:srgbClr val="00B050"/>
+                    </a:solidFill>
+                  </a:tcPr>
+                </a:tc>
+                <a:tc>
+                  <a:txBody>
+                    <a:bodyPr/>
+                    <a:lstStyle/>
+                    <a:p>
+                      <a:r>
+                        <a:rPr lang="en-US" dirty="0"/>
+                        <a:t>21+22</a:t>
+                      </a:r>
+                      <a:endParaRPr lang="ru-RU" dirty="0"/>
+                    </a:p>
+                  </a:txBody>
+                  <a:tcPr/>
+                </a:tc>
+                <a:extLst>
+                  <a:ext uri="{0D108BD9-81ED-4DB2-BD59-A6C34878D82A}">
+                    <a16:rowId xmlns:a16="http://schemas.microsoft.com/office/drawing/2014/main" xmlns="" val="10002"/>
+                  </a:ext>
+                </a:extLst>
+              </a:tr>
+              <a:tr h="370840">
+                <a:tc>
+                  <a:txBody>
+                    <a:bodyPr/>
+                    <a:lstStyle/>
+                    <a:p>
+                      <a:pPr marL="0" marR="0" indent="0" algn="l" defTabSz="914400" rtl="0" eaLnBrk="1" fontAlgn="auto" latinLnBrk="0" hangingPunct="1">
+                        <a:lnSpc>
+                          <a:spcPct val="100000"/>
+                        </a:lnSpc>
+                        <a:spcBef>
+                          <a:spcPts val="0"/>
+                        </a:spcBef>
+                        <a:spcAft>
+                          <a:spcPts val="0"/>
+                        </a:spcAft>
+                        <a:buClrTx/>
+                        <a:buSzTx/>
+                        <a:buFontTx/>
+                        <a:buNone/>
+                        <a:tabLst/>
+                        <a:defRPr/>
+                      </a:pPr>
+                      <a:r>
+                        <a:rPr lang="en-US" baseline="0" dirty="0"/>
+                        <a:t>optimal </a:t>
+                      </a:r>
+                      <a:r>
+                        <a:rPr lang="en-US" b="1" baseline="0" dirty="0"/>
+                        <a:t>k</a:t>
+                      </a:r>
+                      <a:r>
+                        <a:rPr lang="en-US" baseline="0" dirty="0"/>
+                        <a:t> number, success-rate from k plotting function</a:t>
+                      </a:r>
+                      <a:endParaRPr lang="ru-RU" dirty="0"/>
+                    </a:p>
+                  </a:txBody>
+                  <a:tcPr/>
+                </a:tc>
+                <a:tc>
+                  <a:txBody>
+                    <a:bodyPr/>
+                    <a:lstStyle/>
+                    <a:p>
+                      <a:r>
+                        <a:rPr lang="en-US" dirty="0"/>
+                        <a:t>22+23</a:t>
+                      </a:r>
+                      <a:endParaRPr lang="ru-RU" dirty="0"/>
+                    </a:p>
+                  </a:txBody>
+                  <a:tcPr/>
+                </a:tc>
+                <a:extLst>
+                  <a:ext uri="{0D108BD9-81ED-4DB2-BD59-A6C34878D82A}">
+                    <a16:rowId xmlns:a16="http://schemas.microsoft.com/office/drawing/2014/main" xmlns="" val="10003"/>
+                  </a:ext>
+                </a:extLst>
+              </a:tr>
+              <a:tr h="370840">
+                <a:tc>
+                  <a:txBody>
+                    <a:bodyPr/>
+                    <a:lstStyle/>
+                    <a:p>
+                      <a:r>
+                        <a:rPr lang="en-US" dirty="0"/>
+                        <a:t>Visualization of recognized/falsely</a:t>
+                      </a:r>
+                      <a:r>
+                        <a:rPr lang="en-US" baseline="0" dirty="0"/>
+                        <a:t> recognized digits </a:t>
+                      </a:r>
+                      <a:endParaRPr lang="ru-RU" dirty="0"/>
+                    </a:p>
+                  </a:txBody>
+                  <a:tcPr/>
+                </a:tc>
+                <a:tc>
+                  <a:txBody>
+                    <a:bodyPr/>
+                    <a:lstStyle/>
+                    <a:p>
+                      <a:r>
+                        <a:rPr lang="en-US" dirty="0"/>
+                        <a:t>24</a:t>
+                      </a:r>
+                      <a:endParaRPr lang="ru-RU" dirty="0"/>
+                    </a:p>
+                  </a:txBody>
+                  <a:tcPr/>
+                </a:tc>
+                <a:extLst>
+                  <a:ext uri="{0D108BD9-81ED-4DB2-BD59-A6C34878D82A}">
+                    <a16:rowId xmlns:a16="http://schemas.microsoft.com/office/drawing/2014/main" xmlns="" val="10004"/>
+                  </a:ext>
+                </a:extLst>
+              </a:tr>
+              <a:tr h="370840">
+                <a:tc>
+                  <a:txBody>
+                    <a:bodyPr/>
+                    <a:lstStyle/>
+                    <a:p>
+                      <a:r>
+                        <a:rPr lang="en-US" dirty="0"/>
+                        <a:t>PCA, optimal</a:t>
+                      </a:r>
+                      <a:r>
+                        <a:rPr lang="en-US" baseline="0" dirty="0"/>
+                        <a:t> number </a:t>
+                      </a:r>
+                      <a:r>
+                        <a:rPr lang="en-US" b="1" baseline="0" dirty="0"/>
+                        <a:t>t</a:t>
+                      </a:r>
+                      <a:r>
+                        <a:rPr lang="en-US" baseline="0" dirty="0"/>
+                        <a:t> of dimensions</a:t>
+                      </a:r>
+                      <a:endParaRPr lang="ru-RU" dirty="0"/>
+                    </a:p>
+                  </a:txBody>
+                  <a:tcPr>
+                    <a:solidFill>
+                      <a:srgbClr val="00B050"/>
+                    </a:solidFill>
+                  </a:tcPr>
+                </a:tc>
+                <a:tc>
+                  <a:txBody>
+                    <a:bodyPr/>
+                    <a:lstStyle/>
+                    <a:p>
+                      <a:r>
+                        <a:rPr lang="en-US" dirty="0"/>
+                        <a:t>25+26</a:t>
+                      </a:r>
+                      <a:endParaRPr lang="ru-RU" dirty="0"/>
+                    </a:p>
+                  </a:txBody>
+                  <a:tcPr/>
+                </a:tc>
+                <a:extLst>
+                  <a:ext uri="{0D108BD9-81ED-4DB2-BD59-A6C34878D82A}">
+                    <a16:rowId xmlns:a16="http://schemas.microsoft.com/office/drawing/2014/main" xmlns="" val="10005"/>
+                  </a:ext>
+                </a:extLst>
+              </a:tr>
+              <a:tr h="370840">
+                <a:tc>
+                  <a:txBody>
+                    <a:bodyPr/>
+                    <a:lstStyle/>
+                    <a:p>
+                      <a:r>
+                        <a:rPr lang="en-US" dirty="0"/>
+                        <a:t>KNN in</a:t>
+                      </a:r>
+                      <a:r>
+                        <a:rPr lang="en-US" baseline="0" dirty="0"/>
+                        <a:t> PCA-space, success rate from </a:t>
+                      </a:r>
+                      <a:r>
+                        <a:rPr lang="en-US" b="1" baseline="0" dirty="0"/>
+                        <a:t>t</a:t>
+                      </a:r>
+                      <a:r>
+                        <a:rPr lang="en-US" baseline="0" dirty="0"/>
+                        <a:t> and </a:t>
+                      </a:r>
+                      <a:r>
+                        <a:rPr lang="en-US" b="1" baseline="0" dirty="0"/>
+                        <a:t>k</a:t>
+                      </a:r>
+                      <a:r>
+                        <a:rPr lang="en-US" baseline="0" dirty="0"/>
+                        <a:t> plotting, optimal </a:t>
+                      </a:r>
+                      <a:r>
+                        <a:rPr lang="en-US" b="1" baseline="0" dirty="0"/>
+                        <a:t>k</a:t>
+                      </a:r>
+                      <a:r>
+                        <a:rPr lang="en-US" baseline="0" dirty="0"/>
+                        <a:t> for PCA</a:t>
+                      </a:r>
+                      <a:endParaRPr lang="ru-RU" dirty="0"/>
+                    </a:p>
+                  </a:txBody>
+                  <a:tcPr/>
+                </a:tc>
+                <a:tc>
+                  <a:txBody>
+                    <a:bodyPr/>
+                    <a:lstStyle/>
+                    <a:p>
+                      <a:r>
+                        <a:rPr lang="en-US" dirty="0"/>
+                        <a:t>27</a:t>
+                      </a:r>
+                      <a:endParaRPr lang="ru-RU" dirty="0"/>
+                    </a:p>
+                  </a:txBody>
+                  <a:tcPr/>
+                </a:tc>
+                <a:extLst>
+                  <a:ext uri="{0D108BD9-81ED-4DB2-BD59-A6C34878D82A}">
+                    <a16:rowId xmlns:a16="http://schemas.microsoft.com/office/drawing/2014/main" xmlns="" val="10006"/>
+                  </a:ext>
+                </a:extLst>
+              </a:tr>
+              <a:tr h="370840">
+                <a:tc>
+                  <a:txBody>
+                    <a:bodyPr/>
+                    <a:lstStyle/>
+                    <a:p>
+                      <a:r>
+                        <a:rPr lang="en-US" dirty="0"/>
+                        <a:t>Analysis</a:t>
+                      </a:r>
+                      <a:r>
+                        <a:rPr lang="en-US" baseline="0" dirty="0"/>
+                        <a:t> of our handwriting, search for a perfect digit, comparison of perfect digits found via different methods </a:t>
+                      </a:r>
+                      <a:endParaRPr lang="ru-RU" dirty="0"/>
+                    </a:p>
+                  </a:txBody>
+                  <a:tcPr>
+                    <a:solidFill>
+                      <a:srgbClr val="00B050"/>
+                    </a:solidFill>
+                  </a:tcPr>
+                </a:tc>
+                <a:tc>
+                  <a:txBody>
+                    <a:bodyPr/>
+                    <a:lstStyle/>
+                    <a:p>
+                      <a:r>
+                        <a:rPr lang="en-US" dirty="0"/>
+                        <a:t>28</a:t>
+                      </a:r>
+                      <a:endParaRPr lang="ru-RU" dirty="0"/>
+                    </a:p>
+                  </a:txBody>
+                  <a:tcPr/>
+                </a:tc>
+                <a:extLst>
+                  <a:ext uri="{0D108BD9-81ED-4DB2-BD59-A6C34878D82A}">
+                    <a16:rowId xmlns:a16="http://schemas.microsoft.com/office/drawing/2014/main" xmlns="" val="10007"/>
+                  </a:ext>
+                </a:extLst>
+              </a:tr>
+              <a:tr h="370840">
+                <a:tc>
+                  <a:txBody>
+                    <a:bodyPr/>
+                    <a:lstStyle/>
+                    <a:p>
+                      <a:r>
+                        <a:rPr lang="en-US" dirty="0"/>
+                        <a:t>Writing</a:t>
+                      </a:r>
+                      <a:r>
+                        <a:rPr lang="en-US" baseline="0" dirty="0"/>
+                        <a:t> exercise: write a digit, which you see on the screen and our script will evaluate how well it is written.</a:t>
+                      </a:r>
+                      <a:endParaRPr lang="ru-RU" dirty="0"/>
+                    </a:p>
+                  </a:txBody>
+                  <a:tcPr/>
+                </a:tc>
+                <a:tc>
+                  <a:txBody>
+                    <a:bodyPr/>
+                    <a:lstStyle/>
+                    <a:p>
+                      <a:r>
+                        <a:rPr lang="en-US" dirty="0"/>
+                        <a:t>29</a:t>
+                      </a:r>
+                      <a:endParaRPr lang="ru-RU" dirty="0"/>
+                    </a:p>
+                  </a:txBody>
+                  <a:tcPr/>
+                </a:tc>
+                <a:extLst>
+                  <a:ext uri="{0D108BD9-81ED-4DB2-BD59-A6C34878D82A}">
+                    <a16:rowId xmlns:a16="http://schemas.microsoft.com/office/drawing/2014/main" xmlns="" val="10008"/>
+                  </a:ext>
+                </a:extLst>
+              </a:tr>
+              <a:tr h="370840">
+                <a:tc>
+                  <a:txBody>
+                    <a:bodyPr/>
+                    <a:lstStyle/>
+                    <a:p>
+                      <a:r>
+                        <a:rPr lang="en-US" dirty="0"/>
+                        <a:t>Preparation</a:t>
+                      </a:r>
+                      <a:r>
+                        <a:rPr lang="en-US" baseline="0" dirty="0"/>
+                        <a:t> to final presentation</a:t>
+                      </a:r>
+                      <a:endParaRPr lang="ru-RU" dirty="0"/>
+                    </a:p>
+                  </a:txBody>
+                  <a:tcPr/>
+                </a:tc>
+                <a:tc>
+                  <a:txBody>
+                    <a:bodyPr/>
+                    <a:lstStyle/>
+                    <a:p>
+                      <a:r>
+                        <a:rPr lang="en-US" dirty="0"/>
+                        <a:t>30</a:t>
+                      </a:r>
+                      <a:endParaRPr lang="ru-RU" dirty="0"/>
+                    </a:p>
+                  </a:txBody>
+                  <a:tcPr/>
+                </a:tc>
+                <a:extLst>
+                  <a:ext uri="{0D108BD9-81ED-4DB2-BD59-A6C34878D82A}">
+                    <a16:rowId xmlns:a16="http://schemas.microsoft.com/office/drawing/2014/main" xmlns="" val="10009"/>
+                  </a:ext>
+                </a:extLst>
+              </a:tr>
+            </a:tbl>
+          </a:graphicData>
+        </a:graphic>
+      </p:graphicFrame>
+    </p:spTree>
+    <p:extLst>
+      <p:ext uri="{BB962C8B-B14F-4D97-AF65-F5344CB8AC3E}">
+        <p14:creationId xmlns:p14="http://schemas.microsoft.com/office/powerpoint/2010/main" val="3339586047"/>
       </p:ext>
     </p:extLst>
   </p:cSld>
@@ -9668,7 +10218,7 @@
           <p:cNvPr id="2" name="Titel 1">
             <a:extLst>
               <a:ext uri="{FF2B5EF4-FFF2-40B4-BE49-F238E27FC236}">
-                <a16:creationId xmlns:a16="http://schemas.microsoft.com/office/drawing/2014/main" id="{40A94760-C413-460F-B002-DE3FCCA70BA3}"/>
+                <a16:creationId xmlns:a16="http://schemas.microsoft.com/office/drawing/2014/main" xmlns="" id="{40A94760-C413-460F-B002-DE3FCCA70BA3}"/>
               </a:ext>
             </a:extLst>
           </p:cNvPr>
@@ -9696,7 +10246,7 @@
           <p:cNvPr id="5" name="Grafik 4">
             <a:extLst>
               <a:ext uri="{FF2B5EF4-FFF2-40B4-BE49-F238E27FC236}">
-                <a16:creationId xmlns:a16="http://schemas.microsoft.com/office/drawing/2014/main" id="{57A3AA90-FDF7-4D08-B8F5-9FF4A8D4BC7E}"/>
+                <a16:creationId xmlns:a16="http://schemas.microsoft.com/office/drawing/2014/main" xmlns="" id="{57A3AA90-FDF7-4D08-B8F5-9FF4A8D4BC7E}"/>
               </a:ext>
             </a:extLst>
           </p:cNvPr>
@@ -9732,7 +10282,7 @@
           <p:cNvPr id="6" name="Textfeld 5">
             <a:extLst>
               <a:ext uri="{FF2B5EF4-FFF2-40B4-BE49-F238E27FC236}">
-                <a16:creationId xmlns:a16="http://schemas.microsoft.com/office/drawing/2014/main" id="{6AA4F5E1-8797-42F3-A52D-711C0EF03F4D}"/>
+                <a16:creationId xmlns:a16="http://schemas.microsoft.com/office/drawing/2014/main" xmlns="" id="{6AA4F5E1-8797-42F3-A52D-711C0EF03F4D}"/>
               </a:ext>
             </a:extLst>
           </p:cNvPr>
@@ -10051,7 +10601,7 @@
           <p:cNvPr id="2" name="Titel 1">
             <a:extLst>
               <a:ext uri="{FF2B5EF4-FFF2-40B4-BE49-F238E27FC236}">
-                <a16:creationId xmlns:a16="http://schemas.microsoft.com/office/drawing/2014/main" id="{6239617A-843A-48A9-B1A1-5A51ECFC1EAB}"/>
+                <a16:creationId xmlns:a16="http://schemas.microsoft.com/office/drawing/2014/main" xmlns="" id="{6239617A-843A-48A9-B1A1-5A51ECFC1EAB}"/>
               </a:ext>
             </a:extLst>
           </p:cNvPr>
@@ -10084,7 +10634,7 @@
           <p:cNvPr id="5" name="Grafik 4">
             <a:extLst>
               <a:ext uri="{FF2B5EF4-FFF2-40B4-BE49-F238E27FC236}">
-                <a16:creationId xmlns:a16="http://schemas.microsoft.com/office/drawing/2014/main" id="{4D499231-1623-4F5D-81A2-30732BDEC5EE}"/>
+                <a16:creationId xmlns:a16="http://schemas.microsoft.com/office/drawing/2014/main" xmlns="" id="{4D499231-1623-4F5D-81A2-30732BDEC5EE}"/>
               </a:ext>
             </a:extLst>
           </p:cNvPr>
@@ -10120,7 +10670,7 @@
           <p:cNvPr id="6" name="Tabelle 5">
             <a:extLst>
               <a:ext uri="{FF2B5EF4-FFF2-40B4-BE49-F238E27FC236}">
-                <a16:creationId xmlns:a16="http://schemas.microsoft.com/office/drawing/2014/main" id="{078A32C6-762C-44BB-BFAD-E9CCE572CA41}"/>
+                <a16:creationId xmlns:a16="http://schemas.microsoft.com/office/drawing/2014/main" xmlns="" id="{078A32C6-762C-44BB-BFAD-E9CCE572CA41}"/>
               </a:ext>
             </a:extLst>
           </p:cNvPr>
@@ -10149,42 +10699,42 @@
                 <a:gridCol w="1204914">
                   <a:extLst>
                     <a:ext uri="{9D8B030D-6E8A-4147-A177-3AD203B41FA5}">
-                      <a16:colId xmlns:a16="http://schemas.microsoft.com/office/drawing/2014/main" val="2935268419"/>
+                      <a16:colId xmlns:a16="http://schemas.microsoft.com/office/drawing/2014/main" xmlns="" val="2935268419"/>
                     </a:ext>
                   </a:extLst>
                 </a:gridCol>
                 <a:gridCol w="1112773">
                   <a:extLst>
                     <a:ext uri="{9D8B030D-6E8A-4147-A177-3AD203B41FA5}">
-                      <a16:colId xmlns:a16="http://schemas.microsoft.com/office/drawing/2014/main" val="3573326846"/>
+                      <a16:colId xmlns:a16="http://schemas.microsoft.com/office/drawing/2014/main" xmlns="" val="3573326846"/>
                     </a:ext>
                   </a:extLst>
                 </a:gridCol>
                 <a:gridCol w="1297045">
                   <a:extLst>
                     <a:ext uri="{9D8B030D-6E8A-4147-A177-3AD203B41FA5}">
-                      <a16:colId xmlns:a16="http://schemas.microsoft.com/office/drawing/2014/main" val="3944536420"/>
+                      <a16:colId xmlns:a16="http://schemas.microsoft.com/office/drawing/2014/main" xmlns="" val="3944536420"/>
                     </a:ext>
                   </a:extLst>
                 </a:gridCol>
                 <a:gridCol w="1204914">
                   <a:extLst>
                     <a:ext uri="{9D8B030D-6E8A-4147-A177-3AD203B41FA5}">
-                      <a16:colId xmlns:a16="http://schemas.microsoft.com/office/drawing/2014/main" val="1040886641"/>
+                      <a16:colId xmlns:a16="http://schemas.microsoft.com/office/drawing/2014/main" xmlns="" val="1040886641"/>
                     </a:ext>
                   </a:extLst>
                 </a:gridCol>
                 <a:gridCol w="1204914">
                   <a:extLst>
                     <a:ext uri="{9D8B030D-6E8A-4147-A177-3AD203B41FA5}">
-                      <a16:colId xmlns:a16="http://schemas.microsoft.com/office/drawing/2014/main" val="3540853296"/>
+                      <a16:colId xmlns:a16="http://schemas.microsoft.com/office/drawing/2014/main" xmlns="" val="3540853296"/>
                     </a:ext>
                   </a:extLst>
                 </a:gridCol>
                 <a:gridCol w="1204914">
                   <a:extLst>
                     <a:ext uri="{9D8B030D-6E8A-4147-A177-3AD203B41FA5}">
-                      <a16:colId xmlns:a16="http://schemas.microsoft.com/office/drawing/2014/main" val="174494649"/>
+                      <a16:colId xmlns:a16="http://schemas.microsoft.com/office/drawing/2014/main" xmlns="" val="174494649"/>
                     </a:ext>
                   </a:extLst>
                 </a:gridCol>
@@ -10273,7 +10823,7 @@
                 </a:tc>
                 <a:extLst>
                   <a:ext uri="{0D108BD9-81ED-4DB2-BD59-A6C34878D82A}">
-                    <a16:rowId xmlns:a16="http://schemas.microsoft.com/office/drawing/2014/main" val="2824275686"/>
+                    <a16:rowId xmlns:a16="http://schemas.microsoft.com/office/drawing/2014/main" xmlns="" val="2824275686"/>
                   </a:ext>
                 </a:extLst>
               </a:tr>
@@ -10364,7 +10914,7 @@
                 </a:tc>
                 <a:extLst>
                   <a:ext uri="{0D108BD9-81ED-4DB2-BD59-A6C34878D82A}">
-                    <a16:rowId xmlns:a16="http://schemas.microsoft.com/office/drawing/2014/main" val="1457480322"/>
+                    <a16:rowId xmlns:a16="http://schemas.microsoft.com/office/drawing/2014/main" xmlns="" val="1457480322"/>
                   </a:ext>
                 </a:extLst>
               </a:tr>
@@ -10455,7 +11005,7 @@
                 </a:tc>
                 <a:extLst>
                   <a:ext uri="{0D108BD9-81ED-4DB2-BD59-A6C34878D82A}">
-                    <a16:rowId xmlns:a16="http://schemas.microsoft.com/office/drawing/2014/main" val="3884194282"/>
+                    <a16:rowId xmlns:a16="http://schemas.microsoft.com/office/drawing/2014/main" xmlns="" val="3884194282"/>
                   </a:ext>
                 </a:extLst>
               </a:tr>
@@ -10546,7 +11096,7 @@
                 </a:tc>
                 <a:extLst>
                   <a:ext uri="{0D108BD9-81ED-4DB2-BD59-A6C34878D82A}">
-                    <a16:rowId xmlns:a16="http://schemas.microsoft.com/office/drawing/2014/main" val="2227270537"/>
+                    <a16:rowId xmlns:a16="http://schemas.microsoft.com/office/drawing/2014/main" xmlns="" val="2227270537"/>
                   </a:ext>
                 </a:extLst>
               </a:tr>
@@ -10637,7 +11187,7 @@
                 </a:tc>
                 <a:extLst>
                   <a:ext uri="{0D108BD9-81ED-4DB2-BD59-A6C34878D82A}">
-                    <a16:rowId xmlns:a16="http://schemas.microsoft.com/office/drawing/2014/main" val="828193998"/>
+                    <a16:rowId xmlns:a16="http://schemas.microsoft.com/office/drawing/2014/main" xmlns="" val="828193998"/>
                   </a:ext>
                 </a:extLst>
               </a:tr>
@@ -10728,7 +11278,7 @@
                 </a:tc>
                 <a:extLst>
                   <a:ext uri="{0D108BD9-81ED-4DB2-BD59-A6C34878D82A}">
-                    <a16:rowId xmlns:a16="http://schemas.microsoft.com/office/drawing/2014/main" val="2216999364"/>
+                    <a16:rowId xmlns:a16="http://schemas.microsoft.com/office/drawing/2014/main" xmlns="" val="2216999364"/>
                   </a:ext>
                 </a:extLst>
               </a:tr>
@@ -10819,7 +11369,7 @@
                 </a:tc>
                 <a:extLst>
                   <a:ext uri="{0D108BD9-81ED-4DB2-BD59-A6C34878D82A}">
-                    <a16:rowId xmlns:a16="http://schemas.microsoft.com/office/drawing/2014/main" val="1739809223"/>
+                    <a16:rowId xmlns:a16="http://schemas.microsoft.com/office/drawing/2014/main" xmlns="" val="1739809223"/>
                   </a:ext>
                 </a:extLst>
               </a:tr>
@@ -10910,7 +11460,7 @@
                 </a:tc>
                 <a:extLst>
                   <a:ext uri="{0D108BD9-81ED-4DB2-BD59-A6C34878D82A}">
-                    <a16:rowId xmlns:a16="http://schemas.microsoft.com/office/drawing/2014/main" val="3065424001"/>
+                    <a16:rowId xmlns:a16="http://schemas.microsoft.com/office/drawing/2014/main" xmlns="" val="3065424001"/>
                   </a:ext>
                 </a:extLst>
               </a:tr>
@@ -10923,7 +11473,7 @@
           <p:cNvPr id="7" name="Pfeil: nach rechts 6">
             <a:extLst>
               <a:ext uri="{FF2B5EF4-FFF2-40B4-BE49-F238E27FC236}">
-                <a16:creationId xmlns:a16="http://schemas.microsoft.com/office/drawing/2014/main" id="{3B513CA0-A832-43E7-B050-E2AF2D0420A5}"/>
+                <a16:creationId xmlns:a16="http://schemas.microsoft.com/office/drawing/2014/main" xmlns="" id="{3B513CA0-A832-43E7-B050-E2AF2D0420A5}"/>
               </a:ext>
             </a:extLst>
           </p:cNvPr>
@@ -10969,7 +11519,7 @@
           <p:cNvPr id="3" name="Textfeld 2">
             <a:extLst>
               <a:ext uri="{FF2B5EF4-FFF2-40B4-BE49-F238E27FC236}">
-                <a16:creationId xmlns:a16="http://schemas.microsoft.com/office/drawing/2014/main" id="{93110ADA-DF8C-4D4A-885A-EDB004AE3CF1}"/>
+                <a16:creationId xmlns:a16="http://schemas.microsoft.com/office/drawing/2014/main" xmlns="" id="{93110ADA-DF8C-4D4A-885A-EDB004AE3CF1}"/>
               </a:ext>
             </a:extLst>
           </p:cNvPr>
@@ -11041,7 +11591,7 @@
           <p:cNvPr id="8" name="Grafik 7" descr="Ein Bild, das Gebäude enthält.&#10;&#10;Automatisch generierte Beschreibung">
             <a:extLst>
               <a:ext uri="{FF2B5EF4-FFF2-40B4-BE49-F238E27FC236}">
-                <a16:creationId xmlns:a16="http://schemas.microsoft.com/office/drawing/2014/main" id="{1D323D9C-FC8D-4439-91A6-7135C579E851}"/>
+                <a16:creationId xmlns:a16="http://schemas.microsoft.com/office/drawing/2014/main" xmlns="" id="{1D323D9C-FC8D-4439-91A6-7135C579E851}"/>
               </a:ext>
             </a:extLst>
           </p:cNvPr>
@@ -11228,7 +11778,7 @@
           <p:cNvPr id="2" name="Titel 1">
             <a:extLst>
               <a:ext uri="{FF2B5EF4-FFF2-40B4-BE49-F238E27FC236}">
-                <a16:creationId xmlns:a16="http://schemas.microsoft.com/office/drawing/2014/main" id="{DE62BF7E-ADBC-4B3B-8BAB-95D01E311AED}"/>
+                <a16:creationId xmlns:a16="http://schemas.microsoft.com/office/drawing/2014/main" xmlns="" id="{DE62BF7E-ADBC-4B3B-8BAB-95D01E311AED}"/>
               </a:ext>
             </a:extLst>
           </p:cNvPr>
@@ -11272,7 +11822,7 @@
           <p:cNvPr id="8" name="Gerade Verbindung mit Pfeil 7">
             <a:extLst>
               <a:ext uri="{FF2B5EF4-FFF2-40B4-BE49-F238E27FC236}">
-                <a16:creationId xmlns:a16="http://schemas.microsoft.com/office/drawing/2014/main" id="{A79B7D31-8930-4A5A-AA1C-06892CC18291}"/>
+                <a16:creationId xmlns:a16="http://schemas.microsoft.com/office/drawing/2014/main" xmlns="" id="{A79B7D31-8930-4A5A-AA1C-06892CC18291}"/>
               </a:ext>
             </a:extLst>
           </p:cNvPr>
@@ -11313,7 +11863,7 @@
           <p:cNvPr id="11" name="Gerade Verbindung mit Pfeil 10">
             <a:extLst>
               <a:ext uri="{FF2B5EF4-FFF2-40B4-BE49-F238E27FC236}">
-                <a16:creationId xmlns:a16="http://schemas.microsoft.com/office/drawing/2014/main" id="{193B10F6-7A53-474E-BC21-C9DDCDE704C0}"/>
+                <a16:creationId xmlns:a16="http://schemas.microsoft.com/office/drawing/2014/main" xmlns="" id="{193B10F6-7A53-474E-BC21-C9DDCDE704C0}"/>
               </a:ext>
             </a:extLst>
           </p:cNvPr>
@@ -11354,7 +11904,7 @@
           <p:cNvPr id="13" name="Ellipse 12">
             <a:extLst>
               <a:ext uri="{FF2B5EF4-FFF2-40B4-BE49-F238E27FC236}">
-                <a16:creationId xmlns:a16="http://schemas.microsoft.com/office/drawing/2014/main" id="{7469256C-C83A-4F95-96CA-1818F8942C6D}"/>
+                <a16:creationId xmlns:a16="http://schemas.microsoft.com/office/drawing/2014/main" xmlns="" id="{7469256C-C83A-4F95-96CA-1818F8942C6D}"/>
               </a:ext>
             </a:extLst>
           </p:cNvPr>
@@ -11400,7 +11950,7 @@
           <p:cNvPr id="14" name="Ellipse 13">
             <a:extLst>
               <a:ext uri="{FF2B5EF4-FFF2-40B4-BE49-F238E27FC236}">
-                <a16:creationId xmlns:a16="http://schemas.microsoft.com/office/drawing/2014/main" id="{FC6EE53D-2964-4925-B51C-31D899033BB5}"/>
+                <a16:creationId xmlns:a16="http://schemas.microsoft.com/office/drawing/2014/main" xmlns="" id="{FC6EE53D-2964-4925-B51C-31D899033BB5}"/>
               </a:ext>
             </a:extLst>
           </p:cNvPr>
@@ -11446,7 +11996,7 @@
           <p:cNvPr id="15" name="Ellipse 14">
             <a:extLst>
               <a:ext uri="{FF2B5EF4-FFF2-40B4-BE49-F238E27FC236}">
-                <a16:creationId xmlns:a16="http://schemas.microsoft.com/office/drawing/2014/main" id="{58ADDE1C-EA42-455F-8EA6-B8E3BAE0272F}"/>
+                <a16:creationId xmlns:a16="http://schemas.microsoft.com/office/drawing/2014/main" xmlns="" id="{58ADDE1C-EA42-455F-8EA6-B8E3BAE0272F}"/>
               </a:ext>
             </a:extLst>
           </p:cNvPr>
@@ -11492,7 +12042,7 @@
           <p:cNvPr id="16" name="Ellipse 15">
             <a:extLst>
               <a:ext uri="{FF2B5EF4-FFF2-40B4-BE49-F238E27FC236}">
-                <a16:creationId xmlns:a16="http://schemas.microsoft.com/office/drawing/2014/main" id="{896F73C8-8F04-4CC6-97C4-1DD7B5E41760}"/>
+                <a16:creationId xmlns:a16="http://schemas.microsoft.com/office/drawing/2014/main" xmlns="" id="{896F73C8-8F04-4CC6-97C4-1DD7B5E41760}"/>
               </a:ext>
             </a:extLst>
           </p:cNvPr>
@@ -11538,7 +12088,7 @@
           <p:cNvPr id="17" name="Ellipse 16">
             <a:extLst>
               <a:ext uri="{FF2B5EF4-FFF2-40B4-BE49-F238E27FC236}">
-                <a16:creationId xmlns:a16="http://schemas.microsoft.com/office/drawing/2014/main" id="{E834ED1C-E0F9-4D80-BC22-E8D5FF875936}"/>
+                <a16:creationId xmlns:a16="http://schemas.microsoft.com/office/drawing/2014/main" xmlns="" id="{E834ED1C-E0F9-4D80-BC22-E8D5FF875936}"/>
               </a:ext>
             </a:extLst>
           </p:cNvPr>
@@ -11592,7 +12142,7 @@
           <p:cNvPr id="18" name="Ellipse 17">
             <a:extLst>
               <a:ext uri="{FF2B5EF4-FFF2-40B4-BE49-F238E27FC236}">
-                <a16:creationId xmlns:a16="http://schemas.microsoft.com/office/drawing/2014/main" id="{D9C9DB88-0D38-44B0-8D62-510C1934DB2C}"/>
+                <a16:creationId xmlns:a16="http://schemas.microsoft.com/office/drawing/2014/main" xmlns="" id="{D9C9DB88-0D38-44B0-8D62-510C1934DB2C}"/>
               </a:ext>
             </a:extLst>
           </p:cNvPr>
@@ -11646,7 +12196,7 @@
           <p:cNvPr id="19" name="Ellipse 18">
             <a:extLst>
               <a:ext uri="{FF2B5EF4-FFF2-40B4-BE49-F238E27FC236}">
-                <a16:creationId xmlns:a16="http://schemas.microsoft.com/office/drawing/2014/main" id="{AF5D232C-9B44-46DD-9434-43BE9D322187}"/>
+                <a16:creationId xmlns:a16="http://schemas.microsoft.com/office/drawing/2014/main" xmlns="" id="{AF5D232C-9B44-46DD-9434-43BE9D322187}"/>
               </a:ext>
             </a:extLst>
           </p:cNvPr>
@@ -11700,7 +12250,7 @@
           <p:cNvPr id="20" name="Ellipse 19">
             <a:extLst>
               <a:ext uri="{FF2B5EF4-FFF2-40B4-BE49-F238E27FC236}">
-                <a16:creationId xmlns:a16="http://schemas.microsoft.com/office/drawing/2014/main" id="{7DBB5383-166E-4F55-B5DA-3A43707886C8}"/>
+                <a16:creationId xmlns:a16="http://schemas.microsoft.com/office/drawing/2014/main" xmlns="" id="{7DBB5383-166E-4F55-B5DA-3A43707886C8}"/>
               </a:ext>
             </a:extLst>
           </p:cNvPr>
@@ -11754,7 +12304,7 @@
           <p:cNvPr id="21" name="Rechteck 20">
             <a:extLst>
               <a:ext uri="{FF2B5EF4-FFF2-40B4-BE49-F238E27FC236}">
-                <a16:creationId xmlns:a16="http://schemas.microsoft.com/office/drawing/2014/main" id="{557170D4-743C-4500-AC84-115677CC29C7}"/>
+                <a16:creationId xmlns:a16="http://schemas.microsoft.com/office/drawing/2014/main" xmlns="" id="{557170D4-743C-4500-AC84-115677CC29C7}"/>
               </a:ext>
             </a:extLst>
           </p:cNvPr>
@@ -11801,7 +12351,7 @@
           <p:cNvPr id="22" name="Rechteck 21">
             <a:extLst>
               <a:ext uri="{FF2B5EF4-FFF2-40B4-BE49-F238E27FC236}">
-                <a16:creationId xmlns:a16="http://schemas.microsoft.com/office/drawing/2014/main" id="{CB6D8A3C-1082-4255-9556-0AE3CBADAAC2}"/>
+                <a16:creationId xmlns:a16="http://schemas.microsoft.com/office/drawing/2014/main" xmlns="" id="{CB6D8A3C-1082-4255-9556-0AE3CBADAAC2}"/>
               </a:ext>
             </a:extLst>
           </p:cNvPr>
@@ -11853,7 +12403,7 @@
           <p:cNvPr id="23" name="Stern: 5 Zacken 22">
             <a:extLst>
               <a:ext uri="{FF2B5EF4-FFF2-40B4-BE49-F238E27FC236}">
-                <a16:creationId xmlns:a16="http://schemas.microsoft.com/office/drawing/2014/main" id="{30ACAD23-06F1-4109-8CB7-3983EAC26B6E}"/>
+                <a16:creationId xmlns:a16="http://schemas.microsoft.com/office/drawing/2014/main" xmlns="" id="{30ACAD23-06F1-4109-8CB7-3983EAC26B6E}"/>
               </a:ext>
             </a:extLst>
           </p:cNvPr>
@@ -11907,7 +12457,7 @@
           <p:cNvPr id="24" name="Ellipse 23">
             <a:extLst>
               <a:ext uri="{FF2B5EF4-FFF2-40B4-BE49-F238E27FC236}">
-                <a16:creationId xmlns:a16="http://schemas.microsoft.com/office/drawing/2014/main" id="{1E130FB0-31E0-48E1-BBE6-B0DDCA3F1952}"/>
+                <a16:creationId xmlns:a16="http://schemas.microsoft.com/office/drawing/2014/main" xmlns="" id="{1E130FB0-31E0-48E1-BBE6-B0DDCA3F1952}"/>
               </a:ext>
             </a:extLst>
           </p:cNvPr>
@@ -11959,7 +12509,7 @@
           <p:cNvPr id="25" name="Ellipse 24">
             <a:extLst>
               <a:ext uri="{FF2B5EF4-FFF2-40B4-BE49-F238E27FC236}">
-                <a16:creationId xmlns:a16="http://schemas.microsoft.com/office/drawing/2014/main" id="{909F81B8-BBC3-41DE-BFEA-18D8DE20A4A0}"/>
+                <a16:creationId xmlns:a16="http://schemas.microsoft.com/office/drawing/2014/main" xmlns="" id="{909F81B8-BBC3-41DE-BFEA-18D8DE20A4A0}"/>
               </a:ext>
             </a:extLst>
           </p:cNvPr>
@@ -12011,7 +12561,7 @@
           <p:cNvPr id="26" name="Textfeld 25">
             <a:extLst>
               <a:ext uri="{FF2B5EF4-FFF2-40B4-BE49-F238E27FC236}">
-                <a16:creationId xmlns:a16="http://schemas.microsoft.com/office/drawing/2014/main" id="{E1A66F3B-E0D0-47BD-BF9A-2E68700102D7}"/>
+                <a16:creationId xmlns:a16="http://schemas.microsoft.com/office/drawing/2014/main" xmlns="" id="{E1A66F3B-E0D0-47BD-BF9A-2E68700102D7}"/>
               </a:ext>
             </a:extLst>
           </p:cNvPr>
@@ -12694,7 +13244,7 @@
           <p:cNvPr id="2" name="Titel 1">
             <a:extLst>
               <a:ext uri="{FF2B5EF4-FFF2-40B4-BE49-F238E27FC236}">
-                <a16:creationId xmlns:a16="http://schemas.microsoft.com/office/drawing/2014/main" id="{2D19F794-8599-4A1D-A689-743EBDA80DB4}"/>
+                <a16:creationId xmlns:a16="http://schemas.microsoft.com/office/drawing/2014/main" xmlns="" id="{2D19F794-8599-4A1D-A689-743EBDA80DB4}"/>
               </a:ext>
             </a:extLst>
           </p:cNvPr>
@@ -12734,7 +13284,7 @@
           <p:cNvPr id="4" name="Textfeld 3">
             <a:extLst>
               <a:ext uri="{FF2B5EF4-FFF2-40B4-BE49-F238E27FC236}">
-                <a16:creationId xmlns:a16="http://schemas.microsoft.com/office/drawing/2014/main" id="{5E36B305-D4C6-4B27-9782-732C3867DEA7}"/>
+                <a16:creationId xmlns:a16="http://schemas.microsoft.com/office/drawing/2014/main" xmlns="" id="{5E36B305-D4C6-4B27-9782-732C3867DEA7}"/>
               </a:ext>
             </a:extLst>
           </p:cNvPr>
@@ -12743,8 +13293,8 @@
         </p:nvSpPr>
         <p:spPr>
           <a:xfrm>
-            <a:off x="693392" y="2057400"/>
-            <a:ext cx="10290702" cy="1323439"/>
+            <a:off x="726643" y="2065713"/>
+            <a:ext cx="10232994" cy="1323439"/>
           </a:xfrm>
           <a:prstGeom prst="rect">
             <a:avLst/>
@@ -12778,16 +13328,38 @@
               <a:t> a 784 dimensional </a:t>
             </a:r>
             <a:r>
+              <a:rPr lang="de-DE" sz="2000" dirty="0" err="1" smtClean="0"/>
+              <a:t>vector</a:t>
+            </a:r>
+            <a:endParaRPr lang="de-DE" sz="2000" dirty="0"/>
+          </a:p>
+          <a:p>
+            <a:endParaRPr lang="de-DE" sz="2000" dirty="0"/>
+          </a:p>
+          <a:p>
+            <a:r>
+              <a:rPr lang="de-DE" sz="2000" dirty="0"/>
+              <a:t>Solution: </a:t>
+            </a:r>
+            <a:r>
+              <a:rPr lang="de-DE" sz="2000" b="1" dirty="0"/>
+              <a:t>PCA</a:t>
+            </a:r>
+            <a:r>
+              <a:rPr lang="de-DE" sz="2000" dirty="0"/>
+              <a:t>	</a:t>
+            </a:r>
+            <a:r>
+              <a:rPr lang="de-DE" sz="2000" dirty="0" err="1" smtClean="0"/>
+              <a:t>Reduces</a:t>
+            </a:r>
+            <a:r>
+              <a:rPr lang="de-DE" sz="2000" dirty="0" smtClean="0"/>
+              <a:t> </a:t>
+            </a:r>
+            <a:r>
               <a:rPr lang="de-DE" sz="2000" dirty="0" err="1"/>
-              <a:t>vector</a:t>
-            </a:r>
-            <a:r>
-              <a:rPr lang="de-DE" sz="2000" dirty="0"/>
-              <a:t> (</a:t>
-            </a:r>
-            <a:r>
-              <a:rPr lang="de-DE" sz="2000" dirty="0" err="1"/>
-              <a:t>too</a:t>
+              <a:t>dimensionality</a:t>
             </a:r>
             <a:r>
               <a:rPr lang="de-DE" sz="2000" dirty="0"/>
@@ -12795,7 +13367,7 @@
             </a:r>
             <a:r>
               <a:rPr lang="de-DE" sz="2000" dirty="0" err="1"/>
-              <a:t>many</a:t>
+              <a:t>by</a:t>
             </a:r>
             <a:r>
               <a:rPr lang="de-DE" sz="2000" dirty="0"/>
@@ -12803,32 +13375,7 @@
             </a:r>
             <a:r>
               <a:rPr lang="de-DE" sz="2000" dirty="0" err="1"/>
-              <a:t>dimensions</a:t>
-            </a:r>
-            <a:r>
-              <a:rPr lang="de-DE" sz="2000" dirty="0"/>
-              <a:t>)</a:t>
-            </a:r>
-          </a:p>
-          <a:p>
-            <a:endParaRPr lang="de-DE" sz="2000" dirty="0"/>
-          </a:p>
-          <a:p>
-            <a:r>
-              <a:rPr lang="de-DE" sz="2000" dirty="0"/>
-              <a:t>Solution: </a:t>
-            </a:r>
-            <a:r>
-              <a:rPr lang="de-DE" sz="2000" b="1" dirty="0"/>
-              <a:t>PCA</a:t>
-            </a:r>
-            <a:r>
-              <a:rPr lang="de-DE" sz="2000" dirty="0"/>
-              <a:t>	 </a:t>
-            </a:r>
-            <a:r>
-              <a:rPr lang="de-DE" sz="2000" dirty="0" err="1"/>
-              <a:t>Reduces</a:t>
+              <a:t>eliminating</a:t>
             </a:r>
             <a:r>
               <a:rPr lang="de-DE" sz="2000" dirty="0"/>
@@ -12836,7 +13383,15 @@
             </a:r>
             <a:r>
               <a:rPr lang="de-DE" sz="2000" dirty="0" err="1"/>
-              <a:t>dimensionality</a:t>
+              <a:t>redundancy</a:t>
+            </a:r>
+            <a:r>
+              <a:rPr lang="de-DE" sz="2000" dirty="0"/>
+              <a:t> and </a:t>
+            </a:r>
+            <a:r>
+              <a:rPr lang="de-DE" sz="2000" dirty="0" err="1"/>
+              <a:t>emphazising</a:t>
             </a:r>
             <a:r>
               <a:rPr lang="de-DE" sz="2000" dirty="0"/>
@@ -12844,38 +13399,6 @@
             </a:r>
             <a:r>
               <a:rPr lang="de-DE" sz="2000" dirty="0" err="1"/>
-              <a:t>by</a:t>
-            </a:r>
-            <a:r>
-              <a:rPr lang="de-DE" sz="2000" dirty="0"/>
-              <a:t> </a:t>
-            </a:r>
-            <a:r>
-              <a:rPr lang="de-DE" sz="2000" dirty="0" err="1"/>
-              <a:t>eliminating</a:t>
-            </a:r>
-            <a:r>
-              <a:rPr lang="de-DE" sz="2000" dirty="0"/>
-              <a:t> </a:t>
-            </a:r>
-            <a:r>
-              <a:rPr lang="de-DE" sz="2000" dirty="0" err="1"/>
-              <a:t>redundancy</a:t>
-            </a:r>
-            <a:r>
-              <a:rPr lang="de-DE" sz="2000" dirty="0"/>
-              <a:t> and </a:t>
-            </a:r>
-            <a:r>
-              <a:rPr lang="de-DE" sz="2000" dirty="0" err="1"/>
-              <a:t>emphazising</a:t>
-            </a:r>
-            <a:r>
-              <a:rPr lang="de-DE" sz="2000" dirty="0"/>
-              <a:t> </a:t>
-            </a:r>
-            <a:r>
-              <a:rPr lang="de-DE" sz="2000" dirty="0" err="1"/>
               <a:t>variances</a:t>
             </a:r>
             <a:r>
@@ -12886,56 +13409,65 @@
           <a:p>
             <a:r>
               <a:rPr lang="de-DE" sz="2000" dirty="0"/>
-              <a:t>		 May </a:t>
-            </a:r>
-            <a:r>
-              <a:rPr lang="de-DE" sz="2000" dirty="0" err="1"/>
-              <a:t>increase</a:t>
-            </a:r>
-            <a:r>
-              <a:rPr lang="de-DE" sz="2000" dirty="0"/>
+              <a:t>		</a:t>
+            </a:r>
+            <a:r>
+              <a:rPr lang="de-DE" sz="2000" dirty="0" smtClean="0"/>
+              <a:t>Not all 784 </a:t>
+            </a:r>
+            <a:r>
+              <a:rPr lang="de-DE" sz="2000" dirty="0" err="1" smtClean="0"/>
+              <a:t>dimensions</a:t>
+            </a:r>
+            <a:r>
+              <a:rPr lang="de-DE" sz="2000" dirty="0" smtClean="0"/>
               <a:t> </a:t>
             </a:r>
             <a:r>
-              <a:rPr lang="de-DE" sz="2000" dirty="0" err="1"/>
-              <a:t>the</a:t>
-            </a:r>
-            <a:r>
-              <a:rPr lang="de-DE" sz="2000" dirty="0"/>
+              <a:rPr lang="de-DE" sz="2000" dirty="0" err="1" smtClean="0"/>
+              <a:t>are</a:t>
+            </a:r>
+            <a:r>
+              <a:rPr lang="de-DE" sz="2000" dirty="0" smtClean="0"/>
               <a:t> </a:t>
             </a:r>
             <a:r>
-              <a:rPr lang="de-DE" sz="2000" dirty="0" err="1"/>
-              <a:t>accuracy</a:t>
-            </a:r>
-            <a:r>
-              <a:rPr lang="de-DE" sz="2000" dirty="0"/>
+              <a:rPr lang="de-DE" sz="2000" dirty="0" err="1" smtClean="0"/>
+              <a:t>needed</a:t>
+            </a:r>
+            <a:r>
+              <a:rPr lang="de-DE" sz="2000" dirty="0" smtClean="0"/>
+              <a:t> in </a:t>
+            </a:r>
+            <a:r>
+              <a:rPr lang="de-DE" sz="2000" dirty="0" err="1" smtClean="0"/>
+              <a:t>order</a:t>
+            </a:r>
+            <a:r>
+              <a:rPr lang="de-DE" sz="2000" dirty="0" smtClean="0"/>
               <a:t> </a:t>
             </a:r>
             <a:r>
-              <a:rPr lang="de-DE" sz="2000" dirty="0" err="1"/>
-              <a:t>of</a:t>
-            </a:r>
-            <a:r>
-              <a:rPr lang="de-DE" sz="2000" dirty="0"/>
+              <a:rPr lang="de-DE" sz="2000" dirty="0" err="1" smtClean="0"/>
+              <a:t>to</a:t>
+            </a:r>
+            <a:r>
+              <a:rPr lang="de-DE" sz="2000" dirty="0" smtClean="0"/>
               <a:t> </a:t>
             </a:r>
             <a:r>
-              <a:rPr lang="de-DE" sz="2000" dirty="0" err="1"/>
-              <a:t>the</a:t>
-            </a:r>
-            <a:r>
-              <a:rPr lang="de-DE" sz="2000" dirty="0"/>
-              <a:t> KNN </a:t>
-            </a:r>
-            <a:r>
-              <a:rPr lang="de-DE" sz="2000" dirty="0" err="1"/>
-              <a:t>algorithm</a:t>
-            </a:r>
-            <a:r>
-              <a:rPr lang="de-DE" sz="2000" dirty="0"/>
-              <a:t>.</a:t>
-            </a:r>
+              <a:rPr lang="de-DE" sz="2000" dirty="0" err="1" smtClean="0"/>
+              <a:t>recognize</a:t>
+            </a:r>
+            <a:r>
+              <a:rPr lang="de-DE" sz="2000" dirty="0" smtClean="0"/>
+              <a:t> a </a:t>
+            </a:r>
+            <a:r>
+              <a:rPr lang="de-DE" sz="2000" dirty="0" err="1" smtClean="0"/>
+              <a:t>digit</a:t>
+            </a:r>
+            <a:endParaRPr lang="de-DE" sz="2000" dirty="0" smtClean="0"/>
           </a:p>
         </p:txBody>
       </p:sp>
@@ -12944,7 +13476,7 @@
           <p:cNvPr id="6" name="Grafik 5">
             <a:extLst>
               <a:ext uri="{FF2B5EF4-FFF2-40B4-BE49-F238E27FC236}">
-                <a16:creationId xmlns:a16="http://schemas.microsoft.com/office/drawing/2014/main" id="{3AB3E07F-C4FB-411C-B517-DEC84D74B4A1}"/>
+                <a16:creationId xmlns:a16="http://schemas.microsoft.com/office/drawing/2014/main" xmlns="" id="{3AB3E07F-C4FB-411C-B517-DEC84D74B4A1}"/>
               </a:ext>
             </a:extLst>
           </p:cNvPr>
@@ -12980,7 +13512,7 @@
           <p:cNvPr id="7" name="Textfeld 6">
             <a:extLst>
               <a:ext uri="{FF2B5EF4-FFF2-40B4-BE49-F238E27FC236}">
-                <a16:creationId xmlns:a16="http://schemas.microsoft.com/office/drawing/2014/main" id="{4ADB41E8-1FE5-4790-81E4-9FA1EA7A680A}"/>
+                <a16:creationId xmlns:a16="http://schemas.microsoft.com/office/drawing/2014/main" xmlns="" id="{4ADB41E8-1FE5-4790-81E4-9FA1EA7A680A}"/>
               </a:ext>
             </a:extLst>
           </p:cNvPr>
@@ -13033,7 +13565,7 @@
           <p:cNvPr id="8" name="Textfeld 7">
             <a:extLst>
               <a:ext uri="{FF2B5EF4-FFF2-40B4-BE49-F238E27FC236}">
-                <a16:creationId xmlns:a16="http://schemas.microsoft.com/office/drawing/2014/main" id="{E07A373C-1875-4D36-BD3C-049E9516B803}"/>
+                <a16:creationId xmlns:a16="http://schemas.microsoft.com/office/drawing/2014/main" xmlns="" id="{E07A373C-1875-4D36-BD3C-049E9516B803}"/>
               </a:ext>
             </a:extLst>
           </p:cNvPr>
@@ -13097,6 +13629,13 @@
   <p:clrMapOvr>
     <a:masterClrMapping/>
   </p:clrMapOvr>
+  <p:timing>
+    <p:tnLst>
+      <p:par>
+        <p:cTn id="1" dur="indefinite" restart="never" nodeType="tmRoot"/>
+      </p:par>
+    </p:tnLst>
+  </p:timing>
 </p:sld>
 </file>
 
@@ -13122,7 +13661,7 @@
           <p:cNvPr id="2" name="Titel 1">
             <a:extLst>
               <a:ext uri="{FF2B5EF4-FFF2-40B4-BE49-F238E27FC236}">
-                <a16:creationId xmlns:a16="http://schemas.microsoft.com/office/drawing/2014/main" id="{256EF4DE-DBD9-44AA-86D5-14A5C169F82A}"/>
+                <a16:creationId xmlns:a16="http://schemas.microsoft.com/office/drawing/2014/main" xmlns="" id="{256EF4DE-DBD9-44AA-86D5-14A5C169F82A}"/>
               </a:ext>
             </a:extLst>
           </p:cNvPr>
@@ -13139,8 +13678,24 @@
           <a:lstStyle/>
           <a:p>
             <a:r>
+              <a:rPr lang="de-DE" dirty="0" err="1" smtClean="0"/>
+              <a:t>Optimizing</a:t>
+            </a:r>
+            <a:r>
+              <a:rPr lang="de-DE" dirty="0" smtClean="0"/>
+              <a:t> </a:t>
+            </a:r>
+            <a:r>
+              <a:rPr lang="de-DE" dirty="0" err="1" smtClean="0"/>
+              <a:t>the</a:t>
+            </a:r>
+            <a:r>
+              <a:rPr lang="de-DE" dirty="0" smtClean="0"/>
+              <a:t> </a:t>
+            </a:r>
+            <a:r>
               <a:rPr lang="de-DE" dirty="0" err="1"/>
-              <a:t>Optimizing</a:t>
+              <a:t>parameters</a:t>
             </a:r>
             <a:r>
               <a:rPr lang="de-DE" dirty="0"/>
@@ -13148,7 +13703,7 @@
             </a:r>
             <a:r>
               <a:rPr lang="de-DE" dirty="0" err="1"/>
-              <a:t>parameters</a:t>
+              <a:t>for</a:t>
             </a:r>
             <a:r>
               <a:rPr lang="de-DE" dirty="0"/>
@@ -13156,20 +13711,17 @@
             </a:r>
             <a:r>
               <a:rPr lang="de-DE" dirty="0" err="1"/>
-              <a:t>for</a:t>
+              <a:t>the</a:t>
             </a:r>
             <a:r>
               <a:rPr lang="de-DE" dirty="0"/>
               <a:t> </a:t>
             </a:r>
             <a:r>
-              <a:rPr lang="de-DE" dirty="0" err="1"/>
-              <a:t>the</a:t>
-            </a:r>
-            <a:r>
-              <a:rPr lang="de-DE" dirty="0"/>
-              <a:t> KNN/PCA</a:t>
-            </a:r>
+              <a:rPr lang="de-DE" dirty="0" smtClean="0"/>
+              <a:t>PCA</a:t>
+            </a:r>
+            <a:endParaRPr lang="de-DE" dirty="0"/>
           </a:p>
         </p:txBody>
       </p:sp>
@@ -13178,7 +13730,7 @@
           <p:cNvPr id="4" name="Textfeld 3">
             <a:extLst>
               <a:ext uri="{FF2B5EF4-FFF2-40B4-BE49-F238E27FC236}">
-                <a16:creationId xmlns:a16="http://schemas.microsoft.com/office/drawing/2014/main" id="{AE4C0C6E-2766-45EA-A93B-6AABFDD3F619}"/>
+                <a16:creationId xmlns:a16="http://schemas.microsoft.com/office/drawing/2014/main" xmlns="" id="{AE4C0C6E-2766-45EA-A93B-6AABFDD3F619}"/>
               </a:ext>
             </a:extLst>
           </p:cNvPr>
@@ -13188,7 +13740,7 @@
         <p:spPr>
           <a:xfrm flipH="1">
             <a:off x="1097280" y="1918037"/>
-            <a:ext cx="10580370" cy="1862048"/>
+            <a:ext cx="10580370" cy="1618392"/>
           </a:xfrm>
           <a:prstGeom prst="rect">
             <a:avLst/>
@@ -13247,36 +13799,8 @@
               <a:t> rate </a:t>
             </a:r>
             <a:r>
-              <a:rPr lang="de-DE" dirty="0" err="1"/>
-              <a:t>of</a:t>
-            </a:r>
-            <a:r>
-              <a:rPr lang="de-DE" dirty="0"/>
-              <a:t> </a:t>
-            </a:r>
-            <a:r>
-              <a:rPr lang="de-DE" dirty="0" err="1"/>
-              <a:t>correctly</a:t>
-            </a:r>
-            <a:r>
-              <a:rPr lang="de-DE" dirty="0"/>
-              <a:t> </a:t>
-            </a:r>
-            <a:r>
-              <a:rPr lang="de-DE" dirty="0" err="1"/>
-              <a:t>recognized</a:t>
-            </a:r>
-            <a:r>
-              <a:rPr lang="de-DE" dirty="0"/>
-              <a:t> </a:t>
-            </a:r>
-            <a:r>
-              <a:rPr lang="de-DE" dirty="0" err="1"/>
-              <a:t>digits</a:t>
-            </a:r>
-            <a:r>
-              <a:rPr lang="de-DE" dirty="0"/>
-              <a:t> </a:t>
+              <a:rPr lang="en-US" dirty="0" smtClean="0"/>
+              <a:t>depending on different numbers of  eigenvectors</a:t>
             </a:r>
             <a:endParaRPr lang="ru-RU" dirty="0"/>
           </a:p>
@@ -13299,8 +13823,16 @@
               <a:t>The </a:t>
             </a:r>
             <a:r>
+              <a:rPr lang="de-DE" dirty="0" err="1" smtClean="0"/>
+              <a:t>maximum</a:t>
+            </a:r>
+            <a:r>
+              <a:rPr lang="de-DE" dirty="0" smtClean="0"/>
+              <a:t> </a:t>
+            </a:r>
+            <a:r>
               <a:rPr lang="de-DE" dirty="0" err="1"/>
-              <a:t>maxima</a:t>
+              <a:t>of</a:t>
             </a:r>
             <a:r>
               <a:rPr lang="de-DE" dirty="0"/>
@@ -13308,7 +13840,7 @@
             </a:r>
             <a:r>
               <a:rPr lang="de-DE" dirty="0" err="1"/>
-              <a:t>of</a:t>
+              <a:t>the</a:t>
             </a:r>
             <a:r>
               <a:rPr lang="de-DE" dirty="0"/>
@@ -13316,15 +13848,23 @@
             </a:r>
             <a:r>
               <a:rPr lang="de-DE" dirty="0" err="1"/>
-              <a:t>the</a:t>
+              <a:t>accuracy</a:t>
             </a:r>
             <a:r>
               <a:rPr lang="de-DE" dirty="0"/>
               <a:t> </a:t>
             </a:r>
             <a:r>
+              <a:rPr lang="de-DE" dirty="0" err="1" smtClean="0"/>
+              <a:t>is</a:t>
+            </a:r>
+            <a:r>
+              <a:rPr lang="de-DE" dirty="0" smtClean="0"/>
+              <a:t> </a:t>
+            </a:r>
+            <a:r>
               <a:rPr lang="de-DE" dirty="0" err="1"/>
-              <a:t>accuracy</a:t>
+              <a:t>interpreted</a:t>
             </a:r>
             <a:r>
               <a:rPr lang="de-DE" dirty="0"/>
@@ -13332,7 +13872,7 @@
             </a:r>
             <a:r>
               <a:rPr lang="de-DE" dirty="0" err="1"/>
-              <a:t>are</a:t>
+              <a:t>as</a:t>
             </a:r>
             <a:r>
               <a:rPr lang="de-DE" dirty="0"/>
@@ -13340,74 +13880,34 @@
             </a:r>
             <a:r>
               <a:rPr lang="de-DE" dirty="0" err="1"/>
-              <a:t>interpreted</a:t>
+              <a:t>the</a:t>
+            </a:r>
+            <a:r>
+              <a:rPr lang="de-DE" dirty="0"/>
+              <a:t> optimal </a:t>
+            </a:r>
+            <a:r>
+              <a:rPr lang="de-DE" dirty="0" err="1" smtClean="0"/>
+              <a:t>number</a:t>
+            </a:r>
+            <a:r>
+              <a:rPr lang="de-DE" dirty="0" smtClean="0"/>
+              <a:t> </a:t>
+            </a:r>
+            <a:r>
+              <a:rPr lang="de-DE" dirty="0" err="1"/>
+              <a:t>for</a:t>
             </a:r>
             <a:r>
               <a:rPr lang="de-DE" dirty="0"/>
               <a:t> </a:t>
             </a:r>
             <a:r>
-              <a:rPr lang="de-DE" dirty="0" err="1"/>
-              <a:t>as</a:t>
-            </a:r>
-            <a:r>
-              <a:rPr lang="de-DE" dirty="0"/>
-              <a:t> </a:t>
-            </a:r>
-            <a:r>
-              <a:rPr lang="de-DE" dirty="0" err="1"/>
-              <a:t>the</a:t>
-            </a:r>
-            <a:r>
-              <a:rPr lang="de-DE" dirty="0"/>
-              <a:t> optimal </a:t>
-            </a:r>
-            <a:r>
-              <a:rPr lang="de-DE" dirty="0" err="1"/>
-              <a:t>numbers</a:t>
-            </a:r>
-            <a:r>
-              <a:rPr lang="de-DE" dirty="0"/>
-              <a:t> </a:t>
-            </a:r>
-            <a:r>
-              <a:rPr lang="de-DE" dirty="0" err="1"/>
-              <a:t>for</a:t>
-            </a:r>
-            <a:r>
-              <a:rPr lang="de-DE" dirty="0"/>
-              <a:t> </a:t>
-            </a:r>
-            <a:r>
-              <a:rPr lang="de-DE" b="1" dirty="0"/>
-              <a:t>k</a:t>
-            </a:r>
-            <a:r>
-              <a:rPr lang="de-DE" dirty="0"/>
-              <a:t> </a:t>
-            </a:r>
-            <a:r>
-              <a:rPr lang="de-DE" dirty="0" err="1"/>
-              <a:t>neighbours</a:t>
-            </a:r>
-            <a:r>
-              <a:rPr lang="de-DE" dirty="0"/>
-              <a:t> </a:t>
-            </a:r>
-            <a:r>
-              <a:rPr lang="de-DE" dirty="0" err="1"/>
-              <a:t>and</a:t>
-            </a:r>
-            <a:r>
-              <a:rPr lang="de-DE" dirty="0"/>
-              <a:t> </a:t>
-            </a:r>
-            <a:r>
-              <a:rPr lang="de-DE" b="1" dirty="0"/>
+              <a:rPr lang="de-DE" b="1" dirty="0" smtClean="0"/>
               <a:t>t</a:t>
             </a:r>
             <a:r>
-              <a:rPr lang="de-DE" dirty="0"/>
+              <a:rPr lang="de-DE" dirty="0" smtClean="0"/>
               <a:t> </a:t>
             </a:r>
             <a:r>
@@ -13470,10 +13970,10 @@
       </p:sp>
       <p:pic>
         <p:nvPicPr>
-          <p:cNvPr id="5" name="Grafik 4" descr="Ein Bild, das Text, Karte enthält.&#10;&#10;Automatisch generierte Beschreibung">
+          <p:cNvPr id="7" name="Grafik 6" descr="Ein Bild, das Karte, Text enthält.&#10;&#10;Automatisch generierte Beschreibung">
             <a:extLst>
               <a:ext uri="{FF2B5EF4-FFF2-40B4-BE49-F238E27FC236}">
-                <a16:creationId xmlns:a16="http://schemas.microsoft.com/office/drawing/2014/main" id="{88B2EE34-B8EE-4BF1-B3D1-6B70C86D7DA7}"/>
+                <a16:creationId xmlns:a16="http://schemas.microsoft.com/office/drawing/2014/main" xmlns="" id="{0CBA23CC-576A-4326-8AB4-E0E78200582D}"/>
               </a:ext>
             </a:extLst>
           </p:cNvPr>
@@ -13490,60 +13990,25 @@
               </a:ext>
             </a:extLst>
           </a:blip>
-          <a:srcRect l="10453" t="6878" r="8090" b="5574"/>
+          <a:srcRect l="2531" t="3507" r="7820" b="16895"/>
           <a:stretch/>
         </p:blipFill>
         <p:spPr>
           <a:xfrm>
-            <a:off x="1097280" y="3612401"/>
-            <a:ext cx="3380970" cy="2635456"/>
+            <a:off x="1180407" y="3290703"/>
+            <a:ext cx="3757353" cy="2932722"/>
           </a:xfrm>
           <a:prstGeom prst="rect">
             <a:avLst/>
           </a:prstGeom>
         </p:spPr>
       </p:pic>
-      <p:pic>
-        <p:nvPicPr>
-          <p:cNvPr id="7" name="Grafik 6" descr="Ein Bild, das Karte, Text enthält.&#10;&#10;Automatisch generierte Beschreibung">
-            <a:extLst>
-              <a:ext uri="{FF2B5EF4-FFF2-40B4-BE49-F238E27FC236}">
-                <a16:creationId xmlns:a16="http://schemas.microsoft.com/office/drawing/2014/main" id="{0CBA23CC-576A-4326-8AB4-E0E78200582D}"/>
-              </a:ext>
-            </a:extLst>
-          </p:cNvPr>
-          <p:cNvPicPr>
-            <a:picLocks noChangeAspect="1"/>
-          </p:cNvPicPr>
-          <p:nvPr/>
-        </p:nvPicPr>
-        <p:blipFill rotWithShape="1">
-          <a:blip r:embed="rId3">
-            <a:extLst>
-              <a:ext uri="{28A0092B-C50C-407E-A947-70E740481C1C}">
-                <a14:useLocalDpi xmlns:a14="http://schemas.microsoft.com/office/drawing/2010/main" val="0"/>
-              </a:ext>
-            </a:extLst>
-          </a:blip>
-          <a:srcRect l="2531" t="3507" r="7820" b="16895"/>
-          <a:stretch/>
-        </p:blipFill>
-        <p:spPr>
-          <a:xfrm>
-            <a:off x="4772051" y="3642657"/>
-            <a:ext cx="3337738" cy="2605200"/>
-          </a:xfrm>
-          <a:prstGeom prst="rect">
-            <a:avLst/>
-          </a:prstGeom>
-        </p:spPr>
-      </p:pic>
       <p:sp>
         <p:nvSpPr>
           <p:cNvPr id="8" name="Textfeld 7">
             <a:extLst>
               <a:ext uri="{FF2B5EF4-FFF2-40B4-BE49-F238E27FC236}">
-                <a16:creationId xmlns:a16="http://schemas.microsoft.com/office/drawing/2014/main" id="{715A02E8-97E5-43DC-A343-4B63BB73A948}"/>
+                <a16:creationId xmlns:a16="http://schemas.microsoft.com/office/drawing/2014/main" xmlns="" id="{715A02E8-97E5-43DC-A343-4B63BB73A948}"/>
               </a:ext>
             </a:extLst>
           </p:cNvPr>
@@ -13606,7 +14071,7 @@
           <p:nvPr/>
         </p:nvPicPr>
         <p:blipFill>
-          <a:blip r:embed="rId4">
+          <a:blip r:embed="rId3">
             <a:extLst>
               <a:ext uri="{28A0092B-C50C-407E-A947-70E740481C1C}">
                 <a14:useLocalDpi xmlns:a14="http://schemas.microsoft.com/office/drawing/2010/main" val="0"/>
@@ -13620,8 +14085,8 @@
         </p:blipFill>
         <p:spPr bwMode="auto">
           <a:xfrm>
-            <a:off x="8109789" y="3488030"/>
-            <a:ext cx="3895332" cy="2596888"/>
+            <a:off x="5890290" y="3306217"/>
+            <a:ext cx="3960291" cy="2640194"/>
           </a:xfrm>
           <a:prstGeom prst="rect">
             <a:avLst/>
@@ -13661,6 +14126,13 @@
   <p:clrMapOvr>
     <a:masterClrMapping/>
   </p:clrMapOvr>
+  <p:timing>
+    <p:tnLst>
+      <p:par>
+        <p:cTn id="1" dur="indefinite" restart="never" nodeType="tmRoot"/>
+      </p:par>
+    </p:tnLst>
+  </p:timing>
 </p:sld>
 </file>
 
@@ -13683,10 +14155,290 @@
       </p:grpSpPr>
       <p:sp>
         <p:nvSpPr>
+          <p:cNvPr id="2" name="Заголовок 1"/>
+          <p:cNvSpPr>
+            <a:spLocks noGrp="1"/>
+          </p:cNvSpPr>
+          <p:nvPr>
+            <p:ph type="title"/>
+          </p:nvPr>
+        </p:nvSpPr>
+        <p:spPr/>
+        <p:txBody>
+          <a:bodyPr/>
+          <a:lstStyle/>
+          <a:p>
+            <a:r>
+              <a:rPr lang="en-US" dirty="0" smtClean="0"/>
+              <a:t>Optimizing the parameters for KNN</a:t>
+            </a:r>
+            <a:endParaRPr lang="ru-RU" dirty="0"/>
+          </a:p>
+        </p:txBody>
+      </p:sp>
+      <p:sp>
+        <p:nvSpPr>
+          <p:cNvPr id="4" name="TextBox 3"/>
+          <p:cNvSpPr txBox="1"/>
+          <p:nvPr/>
+        </p:nvSpPr>
+        <p:spPr>
+          <a:xfrm>
+            <a:off x="980901" y="1995054"/>
+            <a:ext cx="10141527" cy="369332"/>
+          </a:xfrm>
+          <a:prstGeom prst="rect">
+            <a:avLst/>
+          </a:prstGeom>
+          <a:noFill/>
+        </p:spPr>
+        <p:txBody>
+          <a:bodyPr wrap="square" rtlCol="0">
+            <a:spAutoFit/>
+          </a:bodyPr>
+          <a:lstStyle/>
+          <a:p>
+            <a:r>
+              <a:rPr lang="de-DE" dirty="0" smtClean="0"/>
+              <a:t>The </a:t>
+            </a:r>
+            <a:r>
+              <a:rPr lang="de-DE" dirty="0" err="1" smtClean="0"/>
+              <a:t>number</a:t>
+            </a:r>
+            <a:r>
+              <a:rPr lang="de-DE" dirty="0" smtClean="0"/>
+              <a:t> </a:t>
+            </a:r>
+            <a:r>
+              <a:rPr lang="de-DE" b="1" dirty="0" smtClean="0"/>
+              <a:t>k</a:t>
+            </a:r>
+            <a:r>
+              <a:rPr lang="de-DE" dirty="0" smtClean="0"/>
+              <a:t> </a:t>
+            </a:r>
+            <a:r>
+              <a:rPr lang="de-DE" dirty="0" err="1" smtClean="0"/>
+              <a:t>of</a:t>
+            </a:r>
+            <a:r>
+              <a:rPr lang="de-DE" dirty="0" smtClean="0"/>
+              <a:t> </a:t>
+            </a:r>
+            <a:r>
+              <a:rPr lang="de-DE" dirty="0" err="1" smtClean="0"/>
+              <a:t>neighbours</a:t>
+            </a:r>
+            <a:r>
+              <a:rPr lang="de-DE" dirty="0" smtClean="0"/>
+              <a:t> in KNN </a:t>
+            </a:r>
+            <a:r>
+              <a:rPr lang="de-DE" dirty="0" err="1" smtClean="0"/>
+              <a:t>can</a:t>
+            </a:r>
+            <a:r>
+              <a:rPr lang="de-DE" dirty="0" smtClean="0"/>
+              <a:t> also </a:t>
+            </a:r>
+            <a:r>
+              <a:rPr lang="de-DE" dirty="0" err="1" smtClean="0"/>
+              <a:t>be</a:t>
+            </a:r>
+            <a:r>
+              <a:rPr lang="de-DE" dirty="0" smtClean="0"/>
+              <a:t> </a:t>
+            </a:r>
+            <a:r>
+              <a:rPr lang="de-DE" dirty="0" err="1" smtClean="0"/>
+              <a:t>optimized</a:t>
+            </a:r>
+            <a:r>
+              <a:rPr lang="de-DE" dirty="0" smtClean="0"/>
+              <a:t> </a:t>
+            </a:r>
+            <a:r>
+              <a:rPr lang="de-DE" dirty="0" err="1" smtClean="0"/>
+              <a:t>by</a:t>
+            </a:r>
+            <a:r>
+              <a:rPr lang="de-DE" dirty="0" smtClean="0"/>
+              <a:t> </a:t>
+            </a:r>
+            <a:r>
+              <a:rPr lang="de-DE" dirty="0" err="1" smtClean="0"/>
+              <a:t>plotting</a:t>
+            </a:r>
+            <a:r>
+              <a:rPr lang="de-DE" dirty="0" smtClean="0"/>
+              <a:t> different </a:t>
+            </a:r>
+            <a:r>
+              <a:rPr lang="de-DE" b="1" dirty="0" smtClean="0"/>
+              <a:t>k </a:t>
+            </a:r>
+            <a:r>
+              <a:rPr lang="de-DE" dirty="0" err="1" smtClean="0"/>
+              <a:t>against</a:t>
+            </a:r>
+            <a:r>
+              <a:rPr lang="de-DE" dirty="0" smtClean="0"/>
+              <a:t> </a:t>
+            </a:r>
+            <a:r>
+              <a:rPr lang="de-DE" dirty="0" err="1" smtClean="0"/>
+              <a:t>the</a:t>
+            </a:r>
+            <a:r>
+              <a:rPr lang="de-DE" dirty="0" smtClean="0"/>
+              <a:t> </a:t>
+            </a:r>
+            <a:r>
+              <a:rPr lang="de-DE" dirty="0" err="1" smtClean="0"/>
+              <a:t>accuracy</a:t>
+            </a:r>
+            <a:endParaRPr lang="ru-RU" b="1" dirty="0"/>
+          </a:p>
+        </p:txBody>
+      </p:sp>
+      <p:pic>
+        <p:nvPicPr>
+          <p:cNvPr id="1026" name="Picture 2"/>
+          <p:cNvPicPr>
+            <a:picLocks noChangeAspect="1" noChangeArrowheads="1"/>
+          </p:cNvPicPr>
+          <p:nvPr/>
+        </p:nvPicPr>
+        <p:blipFill>
+          <a:blip r:embed="rId2">
+            <a:extLst>
+              <a:ext uri="{28A0092B-C50C-407E-A947-70E740481C1C}">
+                <a14:useLocalDpi xmlns:a14="http://schemas.microsoft.com/office/drawing/2010/main" val="0"/>
+              </a:ext>
+            </a:extLst>
+          </a:blip>
+          <a:srcRect/>
+          <a:stretch>
+            <a:fillRect/>
+          </a:stretch>
+        </p:blipFill>
+        <p:spPr bwMode="auto">
+          <a:xfrm>
+            <a:off x="1266563" y="2493819"/>
+            <a:ext cx="4826352" cy="3757354"/>
+          </a:xfrm>
+          <a:prstGeom prst="rect">
+            <a:avLst/>
+          </a:prstGeom>
+          <a:noFill/>
+          <a:ln>
+            <a:noFill/>
+          </a:ln>
+          <a:effectLst/>
+          <a:extLst>
+            <a:ext uri="{909E8E84-426E-40DD-AFC4-6F175D3DCCD1}">
+              <a14:hiddenFill xmlns:a14="http://schemas.microsoft.com/office/drawing/2010/main">
+                <a:solidFill>
+                  <a:schemeClr val="accent1"/>
+                </a:solidFill>
+              </a14:hiddenFill>
+            </a:ext>
+            <a:ext uri="{91240B29-F687-4F45-9708-019B960494DF}">
+              <a14:hiddenLine xmlns:a14="http://schemas.microsoft.com/office/drawing/2010/main" w="9525">
+                <a:solidFill>
+                  <a:schemeClr val="tx1"/>
+                </a:solidFill>
+                <a:miter lim="800000"/>
+                <a:headEnd/>
+                <a:tailEnd/>
+              </a14:hiddenLine>
+            </a:ext>
+            <a:ext uri="{AF507438-7753-43E0-B8FC-AC1667EBCBE1}">
+              <a14:hiddenEffects xmlns:a14="http://schemas.microsoft.com/office/drawing/2010/main">
+                <a:effectLst>
+                  <a:outerShdw dist="35921" dir="2700000" algn="ctr" rotWithShape="0">
+                    <a:schemeClr val="bg2"/>
+                  </a:outerShdw>
+                </a:effectLst>
+              </a14:hiddenEffects>
+            </a:ext>
+          </a:extLst>
+        </p:spPr>
+      </p:pic>
+      <p:sp>
+        <p:nvSpPr>
+          <p:cNvPr id="5" name="TextBox 4"/>
+          <p:cNvSpPr txBox="1"/>
+          <p:nvPr/>
+        </p:nvSpPr>
+        <p:spPr>
+          <a:xfrm>
+            <a:off x="6417425" y="2618508"/>
+            <a:ext cx="4289368" cy="923330"/>
+          </a:xfrm>
+          <a:prstGeom prst="rect">
+            <a:avLst/>
+          </a:prstGeom>
+          <a:noFill/>
+        </p:spPr>
+        <p:txBody>
+          <a:bodyPr wrap="square" rtlCol="0">
+            <a:spAutoFit/>
+          </a:bodyPr>
+          <a:lstStyle/>
+          <a:p>
+            <a:r>
+              <a:rPr lang="en-US" dirty="0" smtClean="0"/>
+              <a:t>The main idea: to take the one with the best performance but not too small -&gt; outlier sensitive</a:t>
+            </a:r>
+            <a:endParaRPr lang="ru-RU" dirty="0"/>
+          </a:p>
+        </p:txBody>
+      </p:sp>
+    </p:spTree>
+    <p:extLst>
+      <p:ext uri="{BB962C8B-B14F-4D97-AF65-F5344CB8AC3E}">
+        <p14:creationId xmlns:p14="http://schemas.microsoft.com/office/powerpoint/2010/main" val="1041250525"/>
+      </p:ext>
+    </p:extLst>
+  </p:cSld>
+  <p:clrMapOvr>
+    <a:masterClrMapping/>
+  </p:clrMapOvr>
+  <p:timing>
+    <p:tnLst>
+      <p:par>
+        <p:cTn id="1" dur="indefinite" restart="never" nodeType="tmRoot"/>
+      </p:par>
+    </p:tnLst>
+  </p:timing>
+</p:sld>
+</file>
+
+<file path=ppt/slides/slide8.xml><?xml version="1.0" encoding="utf-8"?>
+<p:sld xmlns:a="http://schemas.openxmlformats.org/drawingml/2006/main" xmlns:r="http://schemas.openxmlformats.org/officeDocument/2006/relationships" xmlns:p="http://schemas.openxmlformats.org/presentationml/2006/main">
+  <p:cSld>
+    <p:spTree>
+      <p:nvGrpSpPr>
+        <p:cNvPr id="1" name=""/>
+        <p:cNvGrpSpPr/>
+        <p:nvPr/>
+      </p:nvGrpSpPr>
+      <p:grpSpPr>
+        <a:xfrm>
+          <a:off x="0" y="0"/>
+          <a:ext cx="0" cy="0"/>
+          <a:chOff x="0" y="0"/>
+          <a:chExt cx="0" cy="0"/>
+        </a:xfrm>
+      </p:grpSpPr>
+      <p:sp>
+        <p:nvSpPr>
           <p:cNvPr id="2" name="Titel 1">
             <a:extLst>
               <a:ext uri="{FF2B5EF4-FFF2-40B4-BE49-F238E27FC236}">
-                <a16:creationId xmlns:a16="http://schemas.microsoft.com/office/drawing/2014/main" id="{3A0DF07A-A6C0-4B8E-B7C2-439EA1742EBF}"/>
+                <a16:creationId xmlns:a16="http://schemas.microsoft.com/office/drawing/2014/main" xmlns="" id="{3A0DF07A-A6C0-4B8E-B7C2-439EA1742EBF}"/>
               </a:ext>
             </a:extLst>
           </p:cNvPr>
@@ -13715,7 +14467,7 @@
           <p:cNvPr id="4" name="Textfeld 3">
             <a:extLst>
               <a:ext uri="{FF2B5EF4-FFF2-40B4-BE49-F238E27FC236}">
-                <a16:creationId xmlns:a16="http://schemas.microsoft.com/office/drawing/2014/main" id="{E0AF8BE7-4D29-4120-8B6C-C0617FC4823E}"/>
+                <a16:creationId xmlns:a16="http://schemas.microsoft.com/office/drawing/2014/main" xmlns="" id="{E0AF8BE7-4D29-4120-8B6C-C0617FC4823E}"/>
               </a:ext>
             </a:extLst>
           </p:cNvPr>
@@ -13850,7 +14602,7 @@
           <p:cNvPr id="5" name="Grafik 4">
             <a:extLst>
               <a:ext uri="{FF2B5EF4-FFF2-40B4-BE49-F238E27FC236}">
-                <a16:creationId xmlns:a16="http://schemas.microsoft.com/office/drawing/2014/main" id="{7EACE29B-80D8-462B-B157-449C327A0E60}"/>
+                <a16:creationId xmlns:a16="http://schemas.microsoft.com/office/drawing/2014/main" xmlns="" id="{7EACE29B-80D8-462B-B157-449C327A0E60}"/>
               </a:ext>
             </a:extLst>
           </p:cNvPr>
@@ -13886,7 +14638,7 @@
           <p:cNvPr id="7" name="Pfeil: nach rechts 6">
             <a:extLst>
               <a:ext uri="{FF2B5EF4-FFF2-40B4-BE49-F238E27FC236}">
-                <a16:creationId xmlns:a16="http://schemas.microsoft.com/office/drawing/2014/main" id="{EBAB8428-19FC-46B4-86D1-06DA423F5159}"/>
+                <a16:creationId xmlns:a16="http://schemas.microsoft.com/office/drawing/2014/main" xmlns="" id="{EBAB8428-19FC-46B4-86D1-06DA423F5159}"/>
               </a:ext>
             </a:extLst>
           </p:cNvPr>
@@ -13932,7 +14684,7 @@
           <p:cNvPr id="8" name="Textfeld 7">
             <a:extLst>
               <a:ext uri="{FF2B5EF4-FFF2-40B4-BE49-F238E27FC236}">
-                <a16:creationId xmlns:a16="http://schemas.microsoft.com/office/drawing/2014/main" id="{4B38B57E-ED9C-41B4-B178-0A690D45CEFC}"/>
+                <a16:creationId xmlns:a16="http://schemas.microsoft.com/office/drawing/2014/main" xmlns="" id="{4B38B57E-ED9C-41B4-B178-0A690D45CEFC}"/>
               </a:ext>
             </a:extLst>
           </p:cNvPr>
@@ -14025,7 +14777,7 @@
           <p:cNvPr id="9" name="Textfeld 8">
             <a:extLst>
               <a:ext uri="{FF2B5EF4-FFF2-40B4-BE49-F238E27FC236}">
-                <a16:creationId xmlns:a16="http://schemas.microsoft.com/office/drawing/2014/main" id="{B8B5B46E-131F-4826-B800-2829288C4A99}"/>
+                <a16:creationId xmlns:a16="http://schemas.microsoft.com/office/drawing/2014/main" xmlns="" id="{B8B5B46E-131F-4826-B800-2829288C4A99}"/>
               </a:ext>
             </a:extLst>
           </p:cNvPr>
@@ -14081,7 +14833,7 @@
           <p:cNvPr id="10" name="Tabelle 9">
             <a:extLst>
               <a:ext uri="{FF2B5EF4-FFF2-40B4-BE49-F238E27FC236}">
-                <a16:creationId xmlns:a16="http://schemas.microsoft.com/office/drawing/2014/main" id="{1359DF27-0431-40C1-AAEA-10323C33B724}"/>
+                <a16:creationId xmlns:a16="http://schemas.microsoft.com/office/drawing/2014/main" xmlns="" id="{1359DF27-0431-40C1-AAEA-10323C33B724}"/>
               </a:ext>
             </a:extLst>
           </p:cNvPr>
@@ -14110,28 +14862,28 @@
                 <a:gridCol w="1127349">
                   <a:extLst>
                     <a:ext uri="{9D8B030D-6E8A-4147-A177-3AD203B41FA5}">
-                      <a16:colId xmlns:a16="http://schemas.microsoft.com/office/drawing/2014/main" val="2935268419"/>
+                      <a16:colId xmlns:a16="http://schemas.microsoft.com/office/drawing/2014/main" xmlns="" val="2935268419"/>
                     </a:ext>
                   </a:extLst>
                 </a:gridCol>
                 <a:gridCol w="1041139">
                   <a:extLst>
                     <a:ext uri="{9D8B030D-6E8A-4147-A177-3AD203B41FA5}">
-                      <a16:colId xmlns:a16="http://schemas.microsoft.com/office/drawing/2014/main" val="3573326846"/>
+                      <a16:colId xmlns:a16="http://schemas.microsoft.com/office/drawing/2014/main" xmlns="" val="3573326846"/>
                     </a:ext>
                   </a:extLst>
                 </a:gridCol>
                 <a:gridCol w="1127349">
                   <a:extLst>
                     <a:ext uri="{9D8B030D-6E8A-4147-A177-3AD203B41FA5}">
-                      <a16:colId xmlns:a16="http://schemas.microsoft.com/office/drawing/2014/main" val="3540853296"/>
+                      <a16:colId xmlns:a16="http://schemas.microsoft.com/office/drawing/2014/main" xmlns="" val="3540853296"/>
                     </a:ext>
                   </a:extLst>
                 </a:gridCol>
                 <a:gridCol w="1127349">
                   <a:extLst>
                     <a:ext uri="{9D8B030D-6E8A-4147-A177-3AD203B41FA5}">
-                      <a16:colId xmlns:a16="http://schemas.microsoft.com/office/drawing/2014/main" val="174494649"/>
+                      <a16:colId xmlns:a16="http://schemas.microsoft.com/office/drawing/2014/main" xmlns="" val="174494649"/>
                     </a:ext>
                   </a:extLst>
                 </a:gridCol>
@@ -14192,7 +14944,7 @@
                 </a:tc>
                 <a:extLst>
                   <a:ext uri="{0D108BD9-81ED-4DB2-BD59-A6C34878D82A}">
-                    <a16:rowId xmlns:a16="http://schemas.microsoft.com/office/drawing/2014/main" val="2824275686"/>
+                    <a16:rowId xmlns:a16="http://schemas.microsoft.com/office/drawing/2014/main" xmlns="" val="2824275686"/>
                   </a:ext>
                 </a:extLst>
               </a:tr>
@@ -14255,7 +15007,7 @@
                 </a:tc>
                 <a:extLst>
                   <a:ext uri="{0D108BD9-81ED-4DB2-BD59-A6C34878D82A}">
-                    <a16:rowId xmlns:a16="http://schemas.microsoft.com/office/drawing/2014/main" val="1457480322"/>
+                    <a16:rowId xmlns:a16="http://schemas.microsoft.com/office/drawing/2014/main" xmlns="" val="1457480322"/>
                   </a:ext>
                 </a:extLst>
               </a:tr>
@@ -14318,7 +15070,7 @@
                 </a:tc>
                 <a:extLst>
                   <a:ext uri="{0D108BD9-81ED-4DB2-BD59-A6C34878D82A}">
-                    <a16:rowId xmlns:a16="http://schemas.microsoft.com/office/drawing/2014/main" val="3884194282"/>
+                    <a16:rowId xmlns:a16="http://schemas.microsoft.com/office/drawing/2014/main" xmlns="" val="3884194282"/>
                   </a:ext>
                 </a:extLst>
               </a:tr>
@@ -14381,7 +15133,7 @@
                 </a:tc>
                 <a:extLst>
                   <a:ext uri="{0D108BD9-81ED-4DB2-BD59-A6C34878D82A}">
-                    <a16:rowId xmlns:a16="http://schemas.microsoft.com/office/drawing/2014/main" val="2216999364"/>
+                    <a16:rowId xmlns:a16="http://schemas.microsoft.com/office/drawing/2014/main" xmlns="" val="2216999364"/>
                   </a:ext>
                 </a:extLst>
               </a:tr>
@@ -14444,7 +15196,7 @@
                 </a:tc>
                 <a:extLst>
                   <a:ext uri="{0D108BD9-81ED-4DB2-BD59-A6C34878D82A}">
-                    <a16:rowId xmlns:a16="http://schemas.microsoft.com/office/drawing/2014/main" val="1739809223"/>
+                    <a16:rowId xmlns:a16="http://schemas.microsoft.com/office/drawing/2014/main" xmlns="" val="1739809223"/>
                   </a:ext>
                 </a:extLst>
               </a:tr>
@@ -14507,7 +15259,7 @@
                 </a:tc>
                 <a:extLst>
                   <a:ext uri="{0D108BD9-81ED-4DB2-BD59-A6C34878D82A}">
-                    <a16:rowId xmlns:a16="http://schemas.microsoft.com/office/drawing/2014/main" val="3065424001"/>
+                    <a16:rowId xmlns:a16="http://schemas.microsoft.com/office/drawing/2014/main" xmlns="" val="3065424001"/>
                   </a:ext>
                 </a:extLst>
               </a:tr>
@@ -14525,10 +15277,17 @@
   <p:clrMapOvr>
     <a:masterClrMapping/>
   </p:clrMapOvr>
+  <p:timing>
+    <p:tnLst>
+      <p:par>
+        <p:cTn id="1" dur="indefinite" restart="never" nodeType="tmRoot"/>
+      </p:par>
+    </p:tnLst>
+  </p:timing>
 </p:sld>
 </file>
 
-<file path=ppt/slides/slide8.xml><?xml version="1.0" encoding="utf-8"?>
+<file path=ppt/slides/slide9.xml><?xml version="1.0" encoding="utf-8"?>
 <p:sld xmlns:a="http://schemas.openxmlformats.org/drawingml/2006/main" xmlns:r="http://schemas.openxmlformats.org/officeDocument/2006/relationships" xmlns:p="http://schemas.openxmlformats.org/presentationml/2006/main">
   <p:cSld>
     <p:spTree>
@@ -14550,7 +15309,7 @@
           <p:cNvPr id="2" name="Titel 1">
             <a:extLst>
               <a:ext uri="{FF2B5EF4-FFF2-40B4-BE49-F238E27FC236}">
-                <a16:creationId xmlns:a16="http://schemas.microsoft.com/office/drawing/2014/main" id="{FD425221-F4E0-416C-8FB0-F41F029F15A2}"/>
+                <a16:creationId xmlns:a16="http://schemas.microsoft.com/office/drawing/2014/main" xmlns="" id="{FD425221-F4E0-416C-8FB0-F41F029F15A2}"/>
               </a:ext>
             </a:extLst>
           </p:cNvPr>
@@ -14579,7 +15338,7 @@
           <p:cNvPr id="4" name="Rechteck 3">
             <a:extLst>
               <a:ext uri="{FF2B5EF4-FFF2-40B4-BE49-F238E27FC236}">
-                <a16:creationId xmlns:a16="http://schemas.microsoft.com/office/drawing/2014/main" id="{3C144FCF-8160-45CB-AF72-B1E01D48110B}"/>
+                <a16:creationId xmlns:a16="http://schemas.microsoft.com/office/drawing/2014/main" xmlns="" id="{3C144FCF-8160-45CB-AF72-B1E01D48110B}"/>
               </a:ext>
             </a:extLst>
           </p:cNvPr>
@@ -14656,7 +15415,7 @@
           <p:cNvPr id="5" name="Rechteck 4">
             <a:extLst>
               <a:ext uri="{FF2B5EF4-FFF2-40B4-BE49-F238E27FC236}">
-                <a16:creationId xmlns:a16="http://schemas.microsoft.com/office/drawing/2014/main" id="{D20448F9-72C8-413F-9D70-4409E2DE11C8}"/>
+                <a16:creationId xmlns:a16="http://schemas.microsoft.com/office/drawing/2014/main" xmlns="" id="{D20448F9-72C8-413F-9D70-4409E2DE11C8}"/>
               </a:ext>
             </a:extLst>
           </p:cNvPr>
@@ -14712,7 +15471,7 @@
           <p:cNvPr id="6" name="Rechteck 5">
             <a:extLst>
               <a:ext uri="{FF2B5EF4-FFF2-40B4-BE49-F238E27FC236}">
-                <a16:creationId xmlns:a16="http://schemas.microsoft.com/office/drawing/2014/main" id="{5180D00F-FD97-4A25-8D38-2CA232B64C83}"/>
+                <a16:creationId xmlns:a16="http://schemas.microsoft.com/office/drawing/2014/main" xmlns="" id="{5180D00F-FD97-4A25-8D38-2CA232B64C83}"/>
               </a:ext>
             </a:extLst>
           </p:cNvPr>
@@ -14768,7 +15527,7 @@
           <p:cNvPr id="7" name="Rechteck 6">
             <a:extLst>
               <a:ext uri="{FF2B5EF4-FFF2-40B4-BE49-F238E27FC236}">
-                <a16:creationId xmlns:a16="http://schemas.microsoft.com/office/drawing/2014/main" id="{A3652C8A-EF34-443B-BEB8-8B5DF46B51EB}"/>
+                <a16:creationId xmlns:a16="http://schemas.microsoft.com/office/drawing/2014/main" xmlns="" id="{A3652C8A-EF34-443B-BEB8-8B5DF46B51EB}"/>
               </a:ext>
             </a:extLst>
           </p:cNvPr>
@@ -14833,7 +15592,7 @@
           <p:cNvPr id="8" name="Rechteck 7">
             <a:extLst>
               <a:ext uri="{FF2B5EF4-FFF2-40B4-BE49-F238E27FC236}">
-                <a16:creationId xmlns:a16="http://schemas.microsoft.com/office/drawing/2014/main" id="{CB67835D-B0D2-4792-AD45-26DF015FBC36}"/>
+                <a16:creationId xmlns:a16="http://schemas.microsoft.com/office/drawing/2014/main" xmlns="" id="{CB67835D-B0D2-4792-AD45-26DF015FBC36}"/>
               </a:ext>
             </a:extLst>
           </p:cNvPr>
@@ -14890,7 +15649,7 @@
           <p:cNvPr id="9" name="Rechteck 8">
             <a:extLst>
               <a:ext uri="{FF2B5EF4-FFF2-40B4-BE49-F238E27FC236}">
-                <a16:creationId xmlns:a16="http://schemas.microsoft.com/office/drawing/2014/main" id="{D252AD02-69CE-4013-B9CC-1224A53A42F3}"/>
+                <a16:creationId xmlns:a16="http://schemas.microsoft.com/office/drawing/2014/main" xmlns="" id="{D252AD02-69CE-4013-B9CC-1224A53A42F3}"/>
               </a:ext>
             </a:extLst>
           </p:cNvPr>
@@ -14963,7 +15722,7 @@
           <p:cNvPr id="10" name="Rechteck 9">
             <a:extLst>
               <a:ext uri="{FF2B5EF4-FFF2-40B4-BE49-F238E27FC236}">
-                <a16:creationId xmlns:a16="http://schemas.microsoft.com/office/drawing/2014/main" id="{3FCA1C79-AB5E-4320-A47F-958AE6BBE9F2}"/>
+                <a16:creationId xmlns:a16="http://schemas.microsoft.com/office/drawing/2014/main" xmlns="" id="{3FCA1C79-AB5E-4320-A47F-958AE6BBE9F2}"/>
               </a:ext>
             </a:extLst>
           </p:cNvPr>
@@ -15052,7 +15811,7 @@
           <p:cNvPr id="12" name="Gerade Verbindung mit Pfeil 11">
             <a:extLst>
               <a:ext uri="{FF2B5EF4-FFF2-40B4-BE49-F238E27FC236}">
-                <a16:creationId xmlns:a16="http://schemas.microsoft.com/office/drawing/2014/main" id="{FBD46719-C1A0-4F14-B082-F80632595B0B}"/>
+                <a16:creationId xmlns:a16="http://schemas.microsoft.com/office/drawing/2014/main" xmlns="" id="{FBD46719-C1A0-4F14-B082-F80632595B0B}"/>
               </a:ext>
             </a:extLst>
           </p:cNvPr>
@@ -15094,7 +15853,7 @@
           <p:cNvPr id="21" name="Gerade Verbindung mit Pfeil 20">
             <a:extLst>
               <a:ext uri="{FF2B5EF4-FFF2-40B4-BE49-F238E27FC236}">
-                <a16:creationId xmlns:a16="http://schemas.microsoft.com/office/drawing/2014/main" id="{2714CC57-CF7B-4DC0-923E-1DF969389D60}"/>
+                <a16:creationId xmlns:a16="http://schemas.microsoft.com/office/drawing/2014/main" xmlns="" id="{2714CC57-CF7B-4DC0-923E-1DF969389D60}"/>
               </a:ext>
             </a:extLst>
           </p:cNvPr>
@@ -15135,7 +15894,7 @@
           <p:cNvPr id="27" name="Gerade Verbindung mit Pfeil 26">
             <a:extLst>
               <a:ext uri="{FF2B5EF4-FFF2-40B4-BE49-F238E27FC236}">
-                <a16:creationId xmlns:a16="http://schemas.microsoft.com/office/drawing/2014/main" id="{3E4A8C46-F5FD-47C9-BD8D-0E332217A07E}"/>
+                <a16:creationId xmlns:a16="http://schemas.microsoft.com/office/drawing/2014/main" xmlns="" id="{3E4A8C46-F5FD-47C9-BD8D-0E332217A07E}"/>
               </a:ext>
             </a:extLst>
           </p:cNvPr>
@@ -15176,7 +15935,7 @@
           <p:cNvPr id="29" name="Textfeld 28">
             <a:extLst>
               <a:ext uri="{FF2B5EF4-FFF2-40B4-BE49-F238E27FC236}">
-                <a16:creationId xmlns:a16="http://schemas.microsoft.com/office/drawing/2014/main" id="{B0FF87C3-674E-402E-9DF8-D2DBC94CBFD1}"/>
+                <a16:creationId xmlns:a16="http://schemas.microsoft.com/office/drawing/2014/main" xmlns="" id="{B0FF87C3-674E-402E-9DF8-D2DBC94CBFD1}"/>
               </a:ext>
             </a:extLst>
           </p:cNvPr>
@@ -15227,7 +15986,7 @@
           <p:cNvPr id="30" name="Rechteck 29">
             <a:extLst>
               <a:ext uri="{FF2B5EF4-FFF2-40B4-BE49-F238E27FC236}">
-                <a16:creationId xmlns:a16="http://schemas.microsoft.com/office/drawing/2014/main" id="{D462E61F-36B7-4D4E-8D16-AA0A2D4CD544}"/>
+                <a16:creationId xmlns:a16="http://schemas.microsoft.com/office/drawing/2014/main" xmlns="" id="{D462E61F-36B7-4D4E-8D16-AA0A2D4CD544}"/>
               </a:ext>
             </a:extLst>
           </p:cNvPr>
@@ -15324,7 +16083,7 @@
           <p:cNvPr id="22" name="Rechteck 29">
             <a:extLst>
               <a:ext uri="{FF2B5EF4-FFF2-40B4-BE49-F238E27FC236}">
-                <a16:creationId xmlns:a16="http://schemas.microsoft.com/office/drawing/2014/main" id="{D462E61F-36B7-4D4E-8D16-AA0A2D4CD544}"/>
+                <a16:creationId xmlns:a16="http://schemas.microsoft.com/office/drawing/2014/main" xmlns="" id="{D462E61F-36B7-4D4E-8D16-AA0A2D4CD544}"/>
               </a:ext>
             </a:extLst>
           </p:cNvPr>
@@ -15388,7 +16147,7 @@
           <p:cNvPr id="25" name="Gerade Verbindung mit Pfeil 14">
             <a:extLst>
               <a:ext uri="{FF2B5EF4-FFF2-40B4-BE49-F238E27FC236}">
-                <a16:creationId xmlns:a16="http://schemas.microsoft.com/office/drawing/2014/main" id="{B14F8BFA-83F5-4FC0-A333-83D51857C5AD}"/>
+                <a16:creationId xmlns:a16="http://schemas.microsoft.com/office/drawing/2014/main" xmlns="" id="{B14F8BFA-83F5-4FC0-A333-83D51857C5AD}"/>
               </a:ext>
             </a:extLst>
           </p:cNvPr>
@@ -15429,7 +16188,7 @@
           <p:cNvPr id="32" name="Gerade Verbindung mit Pfeil 14">
             <a:extLst>
               <a:ext uri="{FF2B5EF4-FFF2-40B4-BE49-F238E27FC236}">
-                <a16:creationId xmlns:a16="http://schemas.microsoft.com/office/drawing/2014/main" id="{2B0875AB-F111-4122-BE4A-A6B40B4F7579}"/>
+                <a16:creationId xmlns:a16="http://schemas.microsoft.com/office/drawing/2014/main" xmlns="" id="{2B0875AB-F111-4122-BE4A-A6B40B4F7579}"/>
               </a:ext>
             </a:extLst>
           </p:cNvPr>
@@ -15470,7 +16229,7 @@
           <p:cNvPr id="36" name="Gerade Verbindung mit Pfeil 14">
             <a:extLst>
               <a:ext uri="{FF2B5EF4-FFF2-40B4-BE49-F238E27FC236}">
-                <a16:creationId xmlns:a16="http://schemas.microsoft.com/office/drawing/2014/main" id="{CFCFC8FD-77ED-4D6E-8797-391FA9B31122}"/>
+                <a16:creationId xmlns:a16="http://schemas.microsoft.com/office/drawing/2014/main" xmlns="" id="{CFCFC8FD-77ED-4D6E-8797-391FA9B31122}"/>
               </a:ext>
             </a:extLst>
           </p:cNvPr>
@@ -15511,7 +16270,7 @@
           <p:cNvPr id="39" name="Rechteck 38">
             <a:extLst>
               <a:ext uri="{FF2B5EF4-FFF2-40B4-BE49-F238E27FC236}">
-                <a16:creationId xmlns:a16="http://schemas.microsoft.com/office/drawing/2014/main" id="{52876FB8-7E52-4169-AF82-82CB29CB4431}"/>
+                <a16:creationId xmlns:a16="http://schemas.microsoft.com/office/drawing/2014/main" xmlns="" id="{52876FB8-7E52-4169-AF82-82CB29CB4431}"/>
               </a:ext>
             </a:extLst>
           </p:cNvPr>
@@ -15572,7 +16331,7 @@
           <p:cNvPr id="42" name="Verbinder: gewinkelt 41">
             <a:extLst>
               <a:ext uri="{FF2B5EF4-FFF2-40B4-BE49-F238E27FC236}">
-                <a16:creationId xmlns:a16="http://schemas.microsoft.com/office/drawing/2014/main" id="{5EC9474B-5B3B-4B07-AE8D-CE32E7CE65DA}"/>
+                <a16:creationId xmlns:a16="http://schemas.microsoft.com/office/drawing/2014/main" xmlns="" id="{5EC9474B-5B3B-4B07-AE8D-CE32E7CE65DA}"/>
               </a:ext>
             </a:extLst>
           </p:cNvPr>
@@ -15614,7 +16373,7 @@
           <p:cNvPr id="44" name="Verbinder: gewinkelt 43">
             <a:extLst>
               <a:ext uri="{FF2B5EF4-FFF2-40B4-BE49-F238E27FC236}">
-                <a16:creationId xmlns:a16="http://schemas.microsoft.com/office/drawing/2014/main" id="{53E1366E-AAD7-44B4-904B-CE252D267995}"/>
+                <a16:creationId xmlns:a16="http://schemas.microsoft.com/office/drawing/2014/main" xmlns="" id="{53E1366E-AAD7-44B4-904B-CE252D267995}"/>
               </a:ext>
             </a:extLst>
           </p:cNvPr>
@@ -15657,7 +16416,7 @@
           <p:cNvPr id="49" name="Gerade Verbindung mit Pfeil 48">
             <a:extLst>
               <a:ext uri="{FF2B5EF4-FFF2-40B4-BE49-F238E27FC236}">
-                <a16:creationId xmlns:a16="http://schemas.microsoft.com/office/drawing/2014/main" id="{AACE0107-A329-4ACF-B672-55402630DEB3}"/>
+                <a16:creationId xmlns:a16="http://schemas.microsoft.com/office/drawing/2014/main" xmlns="" id="{AACE0107-A329-4ACF-B672-55402630DEB3}"/>
               </a:ext>
             </a:extLst>
           </p:cNvPr>
@@ -15698,7 +16457,7 @@
           <p:cNvPr id="54" name="Gerade Verbindung mit Pfeil 53">
             <a:extLst>
               <a:ext uri="{FF2B5EF4-FFF2-40B4-BE49-F238E27FC236}">
-                <a16:creationId xmlns:a16="http://schemas.microsoft.com/office/drawing/2014/main" id="{1E167267-027D-4207-9813-917FAABAF94C}"/>
+                <a16:creationId xmlns:a16="http://schemas.microsoft.com/office/drawing/2014/main" xmlns="" id="{1E167267-027D-4207-9813-917FAABAF94C}"/>
               </a:ext>
             </a:extLst>
           </p:cNvPr>
@@ -15739,7 +16498,7 @@
           <p:cNvPr id="55" name="Verbinder: gewinkelt 54">
             <a:extLst>
               <a:ext uri="{FF2B5EF4-FFF2-40B4-BE49-F238E27FC236}">
-                <a16:creationId xmlns:a16="http://schemas.microsoft.com/office/drawing/2014/main" id="{2D68B8CA-4010-4FF3-B221-9CA41A290A95}"/>
+                <a16:creationId xmlns:a16="http://schemas.microsoft.com/office/drawing/2014/main" xmlns="" id="{2D68B8CA-4010-4FF3-B221-9CA41A290A95}"/>
               </a:ext>
             </a:extLst>
           </p:cNvPr>
@@ -15786,543 +16545,13 @@
   <p:clrMapOvr>
     <a:masterClrMapping/>
   </p:clrMapOvr>
-</p:sld>
-</file>
-
-<file path=ppt/slides/slide9.xml><?xml version="1.0" encoding="utf-8"?>
-<p:sld xmlns:a="http://schemas.openxmlformats.org/drawingml/2006/main" xmlns:r="http://schemas.openxmlformats.org/officeDocument/2006/relationships" xmlns:p="http://schemas.openxmlformats.org/presentationml/2006/main">
-  <p:cSld>
-    <p:spTree>
-      <p:nvGrpSpPr>
-        <p:cNvPr id="1" name=""/>
-        <p:cNvGrpSpPr/>
-        <p:nvPr/>
-      </p:nvGrpSpPr>
-      <p:grpSpPr>
-        <a:xfrm>
-          <a:off x="0" y="0"/>
-          <a:ext cx="0" cy="0"/>
-          <a:chOff x="0" y="0"/>
-          <a:chExt cx="0" cy="0"/>
-        </a:xfrm>
-      </p:grpSpPr>
-      <p:sp>
-        <p:nvSpPr>
-          <p:cNvPr id="2" name="Заголовок 1"/>
-          <p:cNvSpPr>
-            <a:spLocks noGrp="1"/>
-          </p:cNvSpPr>
-          <p:nvPr>
-            <p:ph type="title"/>
-          </p:nvPr>
-        </p:nvSpPr>
-        <p:spPr/>
-        <p:txBody>
-          <a:bodyPr/>
-          <a:lstStyle/>
-          <a:p>
-            <a:r>
-              <a:rPr lang="en-US" dirty="0"/>
-              <a:t>We have time, but we need more!</a:t>
-            </a:r>
-            <a:endParaRPr lang="ru-RU" dirty="0"/>
-          </a:p>
-        </p:txBody>
-      </p:sp>
-      <p:graphicFrame>
-        <p:nvGraphicFramePr>
-          <p:cNvPr id="4" name="Объект 3"/>
-          <p:cNvGraphicFramePr>
-            <a:graphicFrameLocks noGrp="1"/>
-          </p:cNvGraphicFramePr>
-          <p:nvPr>
-            <p:ph idx="1"/>
-            <p:extLst>
-              <p:ext uri="{D42A27DB-BD31-4B8C-83A1-F6EECF244321}">
-                <p14:modId xmlns:p14="http://schemas.microsoft.com/office/powerpoint/2010/main" val="2790331711"/>
-              </p:ext>
-            </p:extLst>
-          </p:nvPr>
-        </p:nvGraphicFramePr>
-        <p:xfrm>
-          <a:off x="1096963" y="1846263"/>
-          <a:ext cx="10058400" cy="4269133"/>
-        </p:xfrm>
-        <a:graphic>
-          <a:graphicData uri="http://schemas.openxmlformats.org/drawingml/2006/table">
-            <a:tbl>
-              <a:tblPr firstRow="1" bandRow="1">
-                <a:tableStyleId>{5C22544A-7EE6-4342-B048-85BDC9FD1C3A}</a:tableStyleId>
-              </a:tblPr>
-              <a:tblGrid>
-                <a:gridCol w="6966382">
-                  <a:extLst>
-                    <a:ext uri="{9D8B030D-6E8A-4147-A177-3AD203B41FA5}">
-                      <a16:colId xmlns:a16="http://schemas.microsoft.com/office/drawing/2014/main" val="20000"/>
-                    </a:ext>
-                  </a:extLst>
-                </a:gridCol>
-                <a:gridCol w="3092018">
-                  <a:extLst>
-                    <a:ext uri="{9D8B030D-6E8A-4147-A177-3AD203B41FA5}">
-                      <a16:colId xmlns:a16="http://schemas.microsoft.com/office/drawing/2014/main" val="20001"/>
-                    </a:ext>
-                  </a:extLst>
-                </a:gridCol>
-              </a:tblGrid>
-              <a:tr h="370840">
-                <a:tc>
-                  <a:txBody>
-                    <a:bodyPr/>
-                    <a:lstStyle/>
-                    <a:p>
-                      <a:r>
-                        <a:rPr lang="en-US" dirty="0"/>
-                        <a:t>Milestones</a:t>
-                      </a:r>
-                      <a:endParaRPr lang="ru-RU" dirty="0"/>
-                    </a:p>
-                  </a:txBody>
-                  <a:tcPr/>
-                </a:tc>
-                <a:tc>
-                  <a:txBody>
-                    <a:bodyPr/>
-                    <a:lstStyle/>
-                    <a:p>
-                      <a:r>
-                        <a:rPr lang="en-US" dirty="0"/>
-                        <a:t>Weeks</a:t>
-                      </a:r>
-                      <a:endParaRPr lang="ru-RU" dirty="0"/>
-                    </a:p>
-                  </a:txBody>
-                  <a:tcPr/>
-                </a:tc>
-                <a:extLst>
-                  <a:ext uri="{0D108BD9-81ED-4DB2-BD59-A6C34878D82A}">
-                    <a16:rowId xmlns:a16="http://schemas.microsoft.com/office/drawing/2014/main" val="10000"/>
-                  </a:ext>
-                </a:extLst>
-              </a:tr>
-              <a:tr h="393093">
-                <a:tc>
-                  <a:txBody>
-                    <a:bodyPr/>
-                    <a:lstStyle/>
-                    <a:p>
-                      <a:r>
-                        <a:rPr lang="en-US" dirty="0"/>
-                        <a:t>Project</a:t>
-                      </a:r>
-                      <a:r>
-                        <a:rPr lang="en-US" baseline="0" dirty="0"/>
-                        <a:t> proposal + programming skill improving</a:t>
-                      </a:r>
-                      <a:endParaRPr lang="ru-RU" dirty="0"/>
-                    </a:p>
-                  </a:txBody>
-                  <a:tcPr/>
-                </a:tc>
-                <a:tc>
-                  <a:txBody>
-                    <a:bodyPr/>
-                    <a:lstStyle/>
-                    <a:p>
-                      <a:r>
-                        <a:rPr lang="en-US" dirty="0"/>
-                        <a:t>20</a:t>
-                      </a:r>
-                      <a:endParaRPr lang="ru-RU" dirty="0"/>
-                    </a:p>
-                  </a:txBody>
-                  <a:tcPr/>
-                </a:tc>
-                <a:extLst>
-                  <a:ext uri="{0D108BD9-81ED-4DB2-BD59-A6C34878D82A}">
-                    <a16:rowId xmlns:a16="http://schemas.microsoft.com/office/drawing/2014/main" val="10001"/>
-                  </a:ext>
-                </a:extLst>
-              </a:tr>
-              <a:tr h="370840">
-                <a:tc>
-                  <a:txBody>
-                    <a:bodyPr/>
-                    <a:lstStyle/>
-                    <a:p>
-                      <a:r>
-                        <a:rPr lang="en-US" dirty="0"/>
-                        <a:t>KNN</a:t>
-                      </a:r>
-                      <a:r>
-                        <a:rPr lang="en-US" baseline="0" dirty="0"/>
-                        <a:t> in 784 dimensions</a:t>
-                      </a:r>
-                      <a:endParaRPr lang="ru-RU" dirty="0"/>
-                    </a:p>
-                  </a:txBody>
-                  <a:tcPr/>
-                </a:tc>
-                <a:tc>
-                  <a:txBody>
-                    <a:bodyPr/>
-                    <a:lstStyle/>
-                    <a:p>
-                      <a:r>
-                        <a:rPr lang="en-US" dirty="0"/>
-                        <a:t>21+22</a:t>
-                      </a:r>
-                      <a:endParaRPr lang="ru-RU" dirty="0"/>
-                    </a:p>
-                  </a:txBody>
-                  <a:tcPr/>
-                </a:tc>
-                <a:extLst>
-                  <a:ext uri="{0D108BD9-81ED-4DB2-BD59-A6C34878D82A}">
-                    <a16:rowId xmlns:a16="http://schemas.microsoft.com/office/drawing/2014/main" val="10002"/>
-                  </a:ext>
-                </a:extLst>
-              </a:tr>
-              <a:tr h="370840">
-                <a:tc>
-                  <a:txBody>
-                    <a:bodyPr/>
-                    <a:lstStyle/>
-                    <a:p>
-                      <a:pPr marL="0" marR="0" indent="0" algn="l" defTabSz="914400" rtl="0" eaLnBrk="1" fontAlgn="auto" latinLnBrk="0" hangingPunct="1">
-                        <a:lnSpc>
-                          <a:spcPct val="100000"/>
-                        </a:lnSpc>
-                        <a:spcBef>
-                          <a:spcPts val="0"/>
-                        </a:spcBef>
-                        <a:spcAft>
-                          <a:spcPts val="0"/>
-                        </a:spcAft>
-                        <a:buClrTx/>
-                        <a:buSzTx/>
-                        <a:buFontTx/>
-                        <a:buNone/>
-                        <a:tabLst/>
-                        <a:defRPr/>
-                      </a:pPr>
-                      <a:r>
-                        <a:rPr lang="en-US" baseline="0" dirty="0"/>
-                        <a:t>optimal </a:t>
-                      </a:r>
-                      <a:r>
-                        <a:rPr lang="en-US" b="1" baseline="0" dirty="0"/>
-                        <a:t>k</a:t>
-                      </a:r>
-                      <a:r>
-                        <a:rPr lang="en-US" baseline="0" dirty="0"/>
-                        <a:t> number, success-rate from k plotting function</a:t>
-                      </a:r>
-                      <a:endParaRPr lang="ru-RU" dirty="0"/>
-                    </a:p>
-                  </a:txBody>
-                  <a:tcPr/>
-                </a:tc>
-                <a:tc>
-                  <a:txBody>
-                    <a:bodyPr/>
-                    <a:lstStyle/>
-                    <a:p>
-                      <a:r>
-                        <a:rPr lang="en-US" dirty="0"/>
-                        <a:t>22+23</a:t>
-                      </a:r>
-                      <a:endParaRPr lang="ru-RU" dirty="0"/>
-                    </a:p>
-                  </a:txBody>
-                  <a:tcPr/>
-                </a:tc>
-                <a:extLst>
-                  <a:ext uri="{0D108BD9-81ED-4DB2-BD59-A6C34878D82A}">
-                    <a16:rowId xmlns:a16="http://schemas.microsoft.com/office/drawing/2014/main" val="10003"/>
-                  </a:ext>
-                </a:extLst>
-              </a:tr>
-              <a:tr h="370840">
-                <a:tc>
-                  <a:txBody>
-                    <a:bodyPr/>
-                    <a:lstStyle/>
-                    <a:p>
-                      <a:r>
-                        <a:rPr lang="en-US" dirty="0"/>
-                        <a:t>Visualization of recognized/falsely</a:t>
-                      </a:r>
-                      <a:r>
-                        <a:rPr lang="en-US" baseline="0" dirty="0"/>
-                        <a:t> recognized digits </a:t>
-                      </a:r>
-                      <a:endParaRPr lang="ru-RU" dirty="0"/>
-                    </a:p>
-                  </a:txBody>
-                  <a:tcPr/>
-                </a:tc>
-                <a:tc>
-                  <a:txBody>
-                    <a:bodyPr/>
-                    <a:lstStyle/>
-                    <a:p>
-                      <a:r>
-                        <a:rPr lang="en-US" dirty="0"/>
-                        <a:t>24</a:t>
-                      </a:r>
-                      <a:endParaRPr lang="ru-RU" dirty="0"/>
-                    </a:p>
-                  </a:txBody>
-                  <a:tcPr/>
-                </a:tc>
-                <a:extLst>
-                  <a:ext uri="{0D108BD9-81ED-4DB2-BD59-A6C34878D82A}">
-                    <a16:rowId xmlns:a16="http://schemas.microsoft.com/office/drawing/2014/main" val="10004"/>
-                  </a:ext>
-                </a:extLst>
-              </a:tr>
-              <a:tr h="370840">
-                <a:tc>
-                  <a:txBody>
-                    <a:bodyPr/>
-                    <a:lstStyle/>
-                    <a:p>
-                      <a:r>
-                        <a:rPr lang="en-US" dirty="0"/>
-                        <a:t>PCA, optimal</a:t>
-                      </a:r>
-                      <a:r>
-                        <a:rPr lang="en-US" baseline="0" dirty="0"/>
-                        <a:t> number </a:t>
-                      </a:r>
-                      <a:r>
-                        <a:rPr lang="en-US" b="1" baseline="0" dirty="0"/>
-                        <a:t>t</a:t>
-                      </a:r>
-                      <a:r>
-                        <a:rPr lang="en-US" baseline="0" dirty="0"/>
-                        <a:t> of dimensions</a:t>
-                      </a:r>
-                      <a:endParaRPr lang="ru-RU" dirty="0"/>
-                    </a:p>
-                  </a:txBody>
-                  <a:tcPr/>
-                </a:tc>
-                <a:tc>
-                  <a:txBody>
-                    <a:bodyPr/>
-                    <a:lstStyle/>
-                    <a:p>
-                      <a:r>
-                        <a:rPr lang="en-US" dirty="0"/>
-                        <a:t>25+26</a:t>
-                      </a:r>
-                      <a:endParaRPr lang="ru-RU" dirty="0"/>
-                    </a:p>
-                  </a:txBody>
-                  <a:tcPr/>
-                </a:tc>
-                <a:extLst>
-                  <a:ext uri="{0D108BD9-81ED-4DB2-BD59-A6C34878D82A}">
-                    <a16:rowId xmlns:a16="http://schemas.microsoft.com/office/drawing/2014/main" val="10005"/>
-                  </a:ext>
-                </a:extLst>
-              </a:tr>
-              <a:tr h="370840">
-                <a:tc>
-                  <a:txBody>
-                    <a:bodyPr/>
-                    <a:lstStyle/>
-                    <a:p>
-                      <a:r>
-                        <a:rPr lang="en-US" dirty="0"/>
-                        <a:t>KNN in</a:t>
-                      </a:r>
-                      <a:r>
-                        <a:rPr lang="en-US" baseline="0" dirty="0"/>
-                        <a:t> PCA-space, success rate from </a:t>
-                      </a:r>
-                      <a:r>
-                        <a:rPr lang="en-US" b="1" baseline="0" dirty="0"/>
-                        <a:t>t</a:t>
-                      </a:r>
-                      <a:r>
-                        <a:rPr lang="en-US" baseline="0" dirty="0"/>
-                        <a:t> and </a:t>
-                      </a:r>
-                      <a:r>
-                        <a:rPr lang="en-US" b="1" baseline="0" dirty="0"/>
-                        <a:t>k</a:t>
-                      </a:r>
-                      <a:r>
-                        <a:rPr lang="en-US" baseline="0" dirty="0"/>
-                        <a:t> plotting, optimal </a:t>
-                      </a:r>
-                      <a:r>
-                        <a:rPr lang="en-US" b="1" baseline="0" dirty="0"/>
-                        <a:t>k</a:t>
-                      </a:r>
-                      <a:r>
-                        <a:rPr lang="en-US" baseline="0" dirty="0"/>
-                        <a:t> for PCA</a:t>
-                      </a:r>
-                      <a:endParaRPr lang="ru-RU" dirty="0"/>
-                    </a:p>
-                  </a:txBody>
-                  <a:tcPr/>
-                </a:tc>
-                <a:tc>
-                  <a:txBody>
-                    <a:bodyPr/>
-                    <a:lstStyle/>
-                    <a:p>
-                      <a:r>
-                        <a:rPr lang="en-US" dirty="0"/>
-                        <a:t>27</a:t>
-                      </a:r>
-                      <a:endParaRPr lang="ru-RU" dirty="0"/>
-                    </a:p>
-                  </a:txBody>
-                  <a:tcPr/>
-                </a:tc>
-                <a:extLst>
-                  <a:ext uri="{0D108BD9-81ED-4DB2-BD59-A6C34878D82A}">
-                    <a16:rowId xmlns:a16="http://schemas.microsoft.com/office/drawing/2014/main" val="10006"/>
-                  </a:ext>
-                </a:extLst>
-              </a:tr>
-              <a:tr h="370840">
-                <a:tc>
-                  <a:txBody>
-                    <a:bodyPr/>
-                    <a:lstStyle/>
-                    <a:p>
-                      <a:r>
-                        <a:rPr lang="en-US" dirty="0"/>
-                        <a:t>Analysis</a:t>
-                      </a:r>
-                      <a:r>
-                        <a:rPr lang="en-US" baseline="0" dirty="0"/>
-                        <a:t> of our handwriting, search for a perfect digit, comparison of perfect digits found via different methods </a:t>
-                      </a:r>
-                      <a:endParaRPr lang="ru-RU" dirty="0"/>
-                    </a:p>
-                  </a:txBody>
-                  <a:tcPr/>
-                </a:tc>
-                <a:tc>
-                  <a:txBody>
-                    <a:bodyPr/>
-                    <a:lstStyle/>
-                    <a:p>
-                      <a:r>
-                        <a:rPr lang="en-US" dirty="0"/>
-                        <a:t>28</a:t>
-                      </a:r>
-                      <a:endParaRPr lang="ru-RU" dirty="0"/>
-                    </a:p>
-                  </a:txBody>
-                  <a:tcPr/>
-                </a:tc>
-                <a:extLst>
-                  <a:ext uri="{0D108BD9-81ED-4DB2-BD59-A6C34878D82A}">
-                    <a16:rowId xmlns:a16="http://schemas.microsoft.com/office/drawing/2014/main" val="10007"/>
-                  </a:ext>
-                </a:extLst>
-              </a:tr>
-              <a:tr h="370840">
-                <a:tc>
-                  <a:txBody>
-                    <a:bodyPr/>
-                    <a:lstStyle/>
-                    <a:p>
-                      <a:r>
-                        <a:rPr lang="en-US" dirty="0"/>
-                        <a:t>Writing</a:t>
-                      </a:r>
-                      <a:r>
-                        <a:rPr lang="en-US" baseline="0" dirty="0"/>
-                        <a:t> exercise: write a digit, which you see on the screen and our script will evaluate how well it is written.</a:t>
-                      </a:r>
-                      <a:endParaRPr lang="ru-RU" dirty="0"/>
-                    </a:p>
-                  </a:txBody>
-                  <a:tcPr/>
-                </a:tc>
-                <a:tc>
-                  <a:txBody>
-                    <a:bodyPr/>
-                    <a:lstStyle/>
-                    <a:p>
-                      <a:r>
-                        <a:rPr lang="en-US" dirty="0"/>
-                        <a:t>29</a:t>
-                      </a:r>
-                      <a:endParaRPr lang="ru-RU" dirty="0"/>
-                    </a:p>
-                  </a:txBody>
-                  <a:tcPr/>
-                </a:tc>
-                <a:extLst>
-                  <a:ext uri="{0D108BD9-81ED-4DB2-BD59-A6C34878D82A}">
-                    <a16:rowId xmlns:a16="http://schemas.microsoft.com/office/drawing/2014/main" val="10008"/>
-                  </a:ext>
-                </a:extLst>
-              </a:tr>
-              <a:tr h="370840">
-                <a:tc>
-                  <a:txBody>
-                    <a:bodyPr/>
-                    <a:lstStyle/>
-                    <a:p>
-                      <a:r>
-                        <a:rPr lang="en-US" dirty="0"/>
-                        <a:t>Preparation</a:t>
-                      </a:r>
-                      <a:r>
-                        <a:rPr lang="en-US" baseline="0" dirty="0"/>
-                        <a:t> to final presentation</a:t>
-                      </a:r>
-                      <a:endParaRPr lang="ru-RU" dirty="0"/>
-                    </a:p>
-                  </a:txBody>
-                  <a:tcPr/>
-                </a:tc>
-                <a:tc>
-                  <a:txBody>
-                    <a:bodyPr/>
-                    <a:lstStyle/>
-                    <a:p>
-                      <a:r>
-                        <a:rPr lang="en-US" dirty="0"/>
-                        <a:t>30</a:t>
-                      </a:r>
-                      <a:endParaRPr lang="ru-RU" dirty="0"/>
-                    </a:p>
-                  </a:txBody>
-                  <a:tcPr/>
-                </a:tc>
-                <a:extLst>
-                  <a:ext uri="{0D108BD9-81ED-4DB2-BD59-A6C34878D82A}">
-                    <a16:rowId xmlns:a16="http://schemas.microsoft.com/office/drawing/2014/main" val="10009"/>
-                  </a:ext>
-                </a:extLst>
-              </a:tr>
-            </a:tbl>
-          </a:graphicData>
-        </a:graphic>
-      </p:graphicFrame>
-    </p:spTree>
-    <p:extLst>
-      <p:ext uri="{BB962C8B-B14F-4D97-AF65-F5344CB8AC3E}">
-        <p14:creationId xmlns:p14="http://schemas.microsoft.com/office/powerpoint/2010/main" val="3339586047"/>
-      </p:ext>
-    </p:extLst>
-  </p:cSld>
-  <p:clrMapOvr>
-    <a:masterClrMapping/>
-  </p:clrMapOvr>
+  <p:timing>
+    <p:tnLst>
+      <p:par>
+        <p:cTn id="1" dur="indefinite" restart="never" nodeType="tmRoot"/>
+      </p:par>
+    </p:tnLst>
+  </p:timing>
 </p:sld>
 </file>
 
@@ -17109,7 +17338,7 @@
   <a:extraClrSchemeLst/>
   <a:extLst>
     <a:ext uri="{05A4C25C-085E-4340-85A3-A5531E510DB2}">
-      <thm15:themeFamily xmlns:thm15="http://schemas.microsoft.com/office/thememl/2012/main" name="Retrospect" id="{5F128B03-DCCA-4EEB-AB3B-CF2899314A46}" vid="{9CC26709-368C-4D72-9060-94E5B3FF3CD6}"/>
+      <thm15:themeFamily xmlns:thm15="http://schemas.microsoft.com/office/thememl/2012/main" xmlns="" name="Retrospect" id="{5F128B03-DCCA-4EEB-AB3B-CF2899314A46}" vid="{9CC26709-368C-4D72-9060-94E5B3FF3CD6}"/>
     </a:ext>
   </a:extLst>
 </a:theme>
